--- a/Presentation.pptx
+++ b/Presentation.pptx
@@ -5,7 +5,7 @@
     <p:sldMasterId id="2147483648" r:id="rId1"/>
   </p:sldMasterIdLst>
   <p:notesMasterIdLst>
-    <p:notesMasterId r:id="rId11"/>
+    <p:notesMasterId r:id="rId14"/>
   </p:notesMasterIdLst>
   <p:sldIdLst>
     <p:sldId id="259" r:id="rId2"/>
@@ -16,7 +16,10 @@
     <p:sldId id="257" r:id="rId7"/>
     <p:sldId id="265" r:id="rId8"/>
     <p:sldId id="267" r:id="rId9"/>
-    <p:sldId id="268" r:id="rId10"/>
+    <p:sldId id="269" r:id="rId10"/>
+    <p:sldId id="270" r:id="rId11"/>
+    <p:sldId id="271" r:id="rId12"/>
+    <p:sldId id="268" r:id="rId13"/>
   </p:sldIdLst>
   <p:sldSz cx="12192000" cy="6858000"/>
   <p:notesSz cx="6858000" cy="9144000"/>
@@ -4127,7 +4130,7 @@
 </p:sld>
 </file>
 
-<file path=ppt/slides/slide2.xml><?xml version="1.0" encoding="utf-8"?>
+<file path=ppt/slides/slide10.xml><?xml version="1.0" encoding="utf-8"?>
 <p:sld xmlns:a="http://schemas.openxmlformats.org/drawingml/2006/main" xmlns:r="http://schemas.openxmlformats.org/officeDocument/2006/relationships" xmlns:p="http://schemas.openxmlformats.org/presentationml/2006/main">
   <p:cSld>
     <p:bg>
@@ -4703,10 +4706,10 @@
       </p:sp>
       <p:sp>
         <p:nvSpPr>
-          <p:cNvPr id="22" name="TextBox 21">
-            <a:extLst>
-              <a:ext uri="{FF2B5EF4-FFF2-40B4-BE49-F238E27FC236}">
-                <a16:creationId xmlns:a16="http://schemas.microsoft.com/office/drawing/2014/main" id="{00A26737-E374-464B-9D91-A9C70094714D}"/>
+          <p:cNvPr id="4" name="TextBox 3">
+            <a:extLst>
+              <a:ext uri="{FF2B5EF4-FFF2-40B4-BE49-F238E27FC236}">
+                <a16:creationId xmlns:a16="http://schemas.microsoft.com/office/drawing/2014/main" id="{775523D8-CAEC-4DFB-B084-BC8DD40E99DD}"/>
               </a:ext>
             </a:extLst>
           </p:cNvPr>
@@ -4715,8 +4718,8 @@
         </p:nvSpPr>
         <p:spPr>
           <a:xfrm>
-            <a:off x="1887819" y="214046"/>
-            <a:ext cx="7715610" cy="1569660"/>
+            <a:off x="1625555" y="-25097"/>
+            <a:ext cx="8865119" cy="1754326"/>
           </a:xfrm>
           <a:prstGeom prst="rect">
             <a:avLst/>
@@ -4724,32 +4727,44 @@
           <a:noFill/>
         </p:spPr>
         <p:txBody>
-          <a:bodyPr wrap="square" rtlCol="0">
+          <a:bodyPr wrap="none" rtlCol="0">
             <a:spAutoFit/>
           </a:bodyPr>
           <a:lstStyle/>
           <a:p>
             <a:pPr algn="ctr"/>
             <a:r>
-              <a:rPr lang="en-AU" sz="4800" b="1" dirty="0">
+              <a:rPr lang="en-AU" sz="5400" b="1" dirty="0">
                 <a:solidFill>
                   <a:schemeClr val="accent6">
                     <a:lumMod val="75000"/>
                   </a:schemeClr>
                 </a:solidFill>
-                <a:latin typeface="+mj-lt"/>
               </a:rPr>
-              <a:t>Western Australia UV Index Analysis</a:t>
-            </a:r>
-          </a:p>
-        </p:txBody>
-      </p:sp>
-      <p:sp>
-        <p:nvSpPr>
-          <p:cNvPr id="4" name="TextBox 3">
-            <a:extLst>
-              <a:ext uri="{FF2B5EF4-FFF2-40B4-BE49-F238E27FC236}">
-                <a16:creationId xmlns:a16="http://schemas.microsoft.com/office/drawing/2014/main" id="{AA65DA0C-B12F-4154-9476-BE1479B0E523}"/>
+              <a:t>Western Australia UV Index</a:t>
+            </a:r>
+          </a:p>
+          <a:p>
+            <a:pPr algn="ctr"/>
+            <a:r>
+              <a:rPr lang="en-AU" sz="5400" b="1" dirty="0">
+                <a:solidFill>
+                  <a:schemeClr val="accent6">
+                    <a:lumMod val="75000"/>
+                  </a:schemeClr>
+                </a:solidFill>
+              </a:rPr>
+              <a:t>Analysis Conclusion/Summary</a:t>
+            </a:r>
+          </a:p>
+        </p:txBody>
+      </p:sp>
+      <p:sp>
+        <p:nvSpPr>
+          <p:cNvPr id="7" name="TextBox 6">
+            <a:extLst>
+              <a:ext uri="{FF2B5EF4-FFF2-40B4-BE49-F238E27FC236}">
+                <a16:creationId xmlns:a16="http://schemas.microsoft.com/office/drawing/2014/main" id="{9606B31D-BF23-403C-9DF1-B9C735320B41}"/>
               </a:ext>
             </a:extLst>
           </p:cNvPr>
@@ -4758,168 +4773,161 @@
         </p:nvSpPr>
         <p:spPr>
           <a:xfrm>
-            <a:off x="2010106" y="3056986"/>
-            <a:ext cx="4684296" cy="1200329"/>
+            <a:off x="4007780" y="1929131"/>
+            <a:ext cx="4589070" cy="3231654"/>
           </a:xfrm>
           <a:prstGeom prst="rect">
             <a:avLst/>
           </a:prstGeom>
           <a:noFill/>
-        </p:spPr>
-        <p:txBody>
-          <a:bodyPr wrap="none" rtlCol="0">
+          <a:ln>
+            <a:solidFill>
+              <a:schemeClr val="accent1"/>
+            </a:solidFill>
+          </a:ln>
+        </p:spPr>
+        <p:txBody>
+          <a:bodyPr wrap="square" rtlCol="0">
             <a:spAutoFit/>
           </a:bodyPr>
           <a:lstStyle/>
           <a:p>
             <a:r>
-              <a:rPr lang="en-AU" b="1" i="1" dirty="0"/>
-              <a:t>The purpose of this analysis:</a:t>
-            </a:r>
-          </a:p>
-          <a:p>
-            <a:pPr marL="285750" indent="-285750">
-              <a:buFont typeface="Arial" panose="020B0604020202020204" pitchFamily="34" charset="0"/>
-              <a:buChar char="•"/>
-            </a:pPr>
+              <a:rPr lang="en-AU" sz="2400" b="1" dirty="0"/>
+              <a:t>The lowest UV Index in Year 2020</a:t>
+            </a:r>
+          </a:p>
+          <a:p>
             <a:r>
               <a:rPr lang="en-AU" dirty="0"/>
-              <a:t>Analysing UV index across Western Australia</a:t>
-            </a:r>
-          </a:p>
-          <a:p>
-            <a:pPr marL="285750" indent="-285750">
-              <a:buFont typeface="Arial" panose="020B0604020202020204" pitchFamily="34" charset="0"/>
-              <a:buChar char="•"/>
-            </a:pPr>
+              <a:t>City:            Albany</a:t>
+            </a:r>
+          </a:p>
+          <a:p>
             <a:r>
               <a:rPr lang="en-AU" dirty="0"/>
-              <a:t>Help planning a trip within Western Australia</a:t>
-            </a:r>
-          </a:p>
-          <a:p>
-            <a:pPr marL="285750" indent="-285750">
-              <a:buFont typeface="Arial" panose="020B0604020202020204" pitchFamily="34" charset="0"/>
-              <a:buChar char="•"/>
-            </a:pPr>
+              <a:t>UV index:   1.87</a:t>
+            </a:r>
+          </a:p>
+          <a:p>
+            <a:r>
+              <a:rPr lang="en-AU" dirty="0"/>
+              <a:t>Date:           13</a:t>
+            </a:r>
+            <a:r>
+              <a:rPr lang="en-AU" baseline="30000" dirty="0"/>
+              <a:t>th</a:t>
+            </a:r>
+            <a:r>
+              <a:rPr lang="en-AU" dirty="0"/>
+              <a:t> June 2020</a:t>
+            </a:r>
+          </a:p>
+          <a:p>
             <a:endParaRPr lang="en-AU" dirty="0"/>
           </a:p>
-        </p:txBody>
-      </p:sp>
-      <p:sp>
-        <p:nvSpPr>
-          <p:cNvPr id="25" name="TextBox 24">
-            <a:extLst>
-              <a:ext uri="{FF2B5EF4-FFF2-40B4-BE49-F238E27FC236}">
-                <a16:creationId xmlns:a16="http://schemas.microsoft.com/office/drawing/2014/main" id="{149D1B90-064E-4720-A2DC-1A5D0844F85A}"/>
-              </a:ext>
-            </a:extLst>
-          </p:cNvPr>
-          <p:cNvSpPr txBox="1"/>
+          <a:p>
+            <a:r>
+              <a:rPr lang="en-AU" i="1" u="sng" dirty="0"/>
+              <a:t>Average UV index in Albany:</a:t>
+            </a:r>
+          </a:p>
+          <a:p>
+            <a:r>
+              <a:rPr lang="en-AU" dirty="0"/>
+              <a:t>Average:  6.92</a:t>
+            </a:r>
+          </a:p>
+          <a:p>
+            <a:r>
+              <a:rPr lang="en-AU" dirty="0"/>
+              <a:t>Winter:    2.64</a:t>
+            </a:r>
+          </a:p>
+          <a:p>
+            <a:r>
+              <a:rPr lang="en-AU" dirty="0"/>
+              <a:t>Spring:     7.82</a:t>
+            </a:r>
+          </a:p>
+          <a:p>
+            <a:r>
+              <a:rPr lang="en-AU" dirty="0"/>
+              <a:t>Summer: 11.98</a:t>
+            </a:r>
+          </a:p>
+          <a:p>
+            <a:r>
+              <a:rPr lang="en-AU" dirty="0"/>
+              <a:t>Autumn:  5.37</a:t>
+            </a:r>
+          </a:p>
+        </p:txBody>
+      </p:sp>
+      <p:pic>
+        <p:nvPicPr>
+          <p:cNvPr id="2" name="Picture 1">
+            <a:extLst>
+              <a:ext uri="{FF2B5EF4-FFF2-40B4-BE49-F238E27FC236}">
+                <a16:creationId xmlns:a16="http://schemas.microsoft.com/office/drawing/2014/main" id="{60AE3730-15EF-42FC-B236-D1C3BA55B583}"/>
+              </a:ext>
+            </a:extLst>
+          </p:cNvPr>
+          <p:cNvPicPr>
+            <a:picLocks noChangeAspect="1"/>
+          </p:cNvPicPr>
           <p:nvPr/>
-        </p:nvSpPr>
+        </p:nvPicPr>
+        <p:blipFill>
+          <a:blip r:embed="rId2"/>
+          <a:stretch>
+            <a:fillRect/>
+          </a:stretch>
+        </p:blipFill>
         <p:spPr>
           <a:xfrm>
-            <a:off x="2026455" y="4473059"/>
-            <a:ext cx="6221806" cy="923330"/>
+            <a:off x="1878490" y="5206402"/>
+            <a:ext cx="5617018" cy="1548968"/>
           </a:xfrm>
           <a:prstGeom prst="rect">
             <a:avLst/>
           </a:prstGeom>
-          <a:noFill/>
-        </p:spPr>
-        <p:txBody>
-          <a:bodyPr wrap="square" rtlCol="0">
-            <a:spAutoFit/>
-          </a:bodyPr>
-          <a:lstStyle/>
-          <a:p>
-            <a:r>
-              <a:rPr lang="en-AU" b="1" i="1" dirty="0"/>
-              <a:t>Why only Western Australia?</a:t>
-            </a:r>
-          </a:p>
-          <a:p>
-            <a:pPr marL="285750" indent="-285750">
-              <a:buFont typeface="Arial" panose="020B0604020202020204" pitchFamily="34" charset="0"/>
-              <a:buChar char="•"/>
-            </a:pPr>
-            <a:r>
-              <a:rPr lang="en-AU" dirty="0"/>
-              <a:t>Tourism WA has engaged us to do an analysis on UV index</a:t>
-            </a:r>
-          </a:p>
-          <a:p>
-            <a:pPr marL="285750" indent="-285750">
-              <a:buFont typeface="Arial" panose="020B0604020202020204" pitchFamily="34" charset="0"/>
-              <a:buChar char="•"/>
-            </a:pPr>
-            <a:r>
-              <a:rPr lang="en-AU" dirty="0"/>
-              <a:t>Plus, where else we can go during Covid-19 😝 </a:t>
-            </a:r>
-          </a:p>
-        </p:txBody>
-      </p:sp>
-      <p:sp>
-        <p:nvSpPr>
-          <p:cNvPr id="26" name="TextBox 25">
-            <a:extLst>
-              <a:ext uri="{FF2B5EF4-FFF2-40B4-BE49-F238E27FC236}">
-                <a16:creationId xmlns:a16="http://schemas.microsoft.com/office/drawing/2014/main" id="{281B2796-E90C-4691-B40F-81539B76310B}"/>
-              </a:ext>
-            </a:extLst>
-          </p:cNvPr>
-          <p:cNvSpPr txBox="1"/>
+        </p:spPr>
+      </p:pic>
+      <p:pic>
+        <p:nvPicPr>
+          <p:cNvPr id="5" name="Picture 4">
+            <a:extLst>
+              <a:ext uri="{FF2B5EF4-FFF2-40B4-BE49-F238E27FC236}">
+                <a16:creationId xmlns:a16="http://schemas.microsoft.com/office/drawing/2014/main" id="{B639BF47-B381-4A22-A71D-7742A9AA03D0}"/>
+              </a:ext>
+            </a:extLst>
+          </p:cNvPr>
+          <p:cNvPicPr>
+            <a:picLocks noChangeAspect="1"/>
+          </p:cNvPicPr>
           <p:nvPr/>
-        </p:nvSpPr>
+        </p:nvPicPr>
+        <p:blipFill>
+          <a:blip r:embed="rId3"/>
+          <a:stretch>
+            <a:fillRect/>
+          </a:stretch>
+        </p:blipFill>
         <p:spPr>
           <a:xfrm>
-            <a:off x="2026455" y="2133656"/>
-            <a:ext cx="3151888" cy="923330"/>
+            <a:off x="2002197" y="2206587"/>
+            <a:ext cx="1733550" cy="2638425"/>
           </a:xfrm>
           <a:prstGeom prst="rect">
             <a:avLst/>
           </a:prstGeom>
-          <a:noFill/>
-        </p:spPr>
-        <p:txBody>
-          <a:bodyPr wrap="none" rtlCol="0">
-            <a:spAutoFit/>
-          </a:bodyPr>
-          <a:lstStyle/>
-          <a:p>
-            <a:r>
-              <a:rPr lang="en-AU" b="1" i="1" dirty="0"/>
-              <a:t>Our Team (SASA)</a:t>
-            </a:r>
-          </a:p>
-          <a:p>
-            <a:pPr marL="285750" indent="-285750">
-              <a:buFont typeface="Arial" panose="020B0604020202020204" pitchFamily="34" charset="0"/>
-              <a:buChar char="•"/>
-            </a:pPr>
-            <a:r>
-              <a:rPr lang="en-AU" dirty="0">
-                <a:hlinkClick r:id="rId2"/>
-              </a:rPr>
-              <a:t>http://127.0.0.1:5000/about</a:t>
-            </a:r>
-            <a:endParaRPr lang="en-AU" dirty="0"/>
-          </a:p>
-          <a:p>
-            <a:pPr marL="285750" indent="-285750">
-              <a:buFont typeface="Arial" panose="020B0604020202020204" pitchFamily="34" charset="0"/>
-              <a:buChar char="•"/>
-            </a:pPr>
-            <a:endParaRPr lang="en-AU" dirty="0"/>
-          </a:p>
-        </p:txBody>
-      </p:sp>
+        </p:spPr>
+      </p:pic>
     </p:spTree>
     <p:extLst>
       <p:ext uri="{BB962C8B-B14F-4D97-AF65-F5344CB8AC3E}">
-        <p14:creationId xmlns:p14="http://schemas.microsoft.com/office/powerpoint/2010/main" val="3173217310"/>
+        <p14:creationId xmlns:p14="http://schemas.microsoft.com/office/powerpoint/2010/main" val="1733113294"/>
       </p:ext>
     </p:extLst>
   </p:cSld>
@@ -4929,7 +4937,7 @@
 </p:sld>
 </file>
 
-<file path=ppt/slides/slide3.xml><?xml version="1.0" encoding="utf-8"?>
+<file path=ppt/slides/slide11.xml><?xml version="1.0" encoding="utf-8"?>
 <p:sld xmlns:a="http://schemas.openxmlformats.org/drawingml/2006/main" xmlns:r="http://schemas.openxmlformats.org/officeDocument/2006/relationships" xmlns:p="http://schemas.openxmlformats.org/presentationml/2006/main">
   <p:cSld>
     <p:bg>
@@ -5505,10 +5513,10 @@
       </p:sp>
       <p:sp>
         <p:nvSpPr>
-          <p:cNvPr id="22" name="TextBox 21">
-            <a:extLst>
-              <a:ext uri="{FF2B5EF4-FFF2-40B4-BE49-F238E27FC236}">
-                <a16:creationId xmlns:a16="http://schemas.microsoft.com/office/drawing/2014/main" id="{00A26737-E374-464B-9D91-A9C70094714D}"/>
+          <p:cNvPr id="4" name="TextBox 3">
+            <a:extLst>
+              <a:ext uri="{FF2B5EF4-FFF2-40B4-BE49-F238E27FC236}">
+                <a16:creationId xmlns:a16="http://schemas.microsoft.com/office/drawing/2014/main" id="{775523D8-CAEC-4DFB-B084-BC8DD40E99DD}"/>
               </a:ext>
             </a:extLst>
           </p:cNvPr>
@@ -5517,8 +5525,8 @@
         </p:nvSpPr>
         <p:spPr>
           <a:xfrm>
-            <a:off x="1887819" y="214046"/>
-            <a:ext cx="7715610" cy="1569660"/>
+            <a:off x="1522099" y="5984"/>
+            <a:ext cx="8865119" cy="1754326"/>
           </a:xfrm>
           <a:prstGeom prst="rect">
             <a:avLst/>
@@ -5526,20 +5534,19 @@
           <a:noFill/>
         </p:spPr>
         <p:txBody>
-          <a:bodyPr wrap="square" rtlCol="0">
+          <a:bodyPr wrap="none" rtlCol="0">
             <a:spAutoFit/>
           </a:bodyPr>
           <a:lstStyle/>
           <a:p>
             <a:pPr algn="ctr"/>
             <a:r>
-              <a:rPr lang="en-AU" sz="4800" b="1" dirty="0">
+              <a:rPr lang="en-AU" sz="5400" b="1" dirty="0">
                 <a:solidFill>
                   <a:schemeClr val="accent6">
                     <a:lumMod val="75000"/>
                   </a:schemeClr>
                 </a:solidFill>
-                <a:latin typeface="+mj-lt"/>
               </a:rPr>
               <a:t>Western Australia UV Index</a:t>
             </a:r>
@@ -5547,25 +5554,24 @@
           <a:p>
             <a:pPr algn="ctr"/>
             <a:r>
-              <a:rPr lang="en-AU" sz="4800" b="1" dirty="0">
+              <a:rPr lang="en-AU" sz="5400" b="1" dirty="0">
                 <a:solidFill>
                   <a:schemeClr val="accent6">
                     <a:lumMod val="75000"/>
                   </a:schemeClr>
                 </a:solidFill>
-                <a:latin typeface="+mj-lt"/>
               </a:rPr>
-              <a:t>Data Source</a:t>
+              <a:t>Analysis Conclusion/Summary</a:t>
             </a:r>
           </a:p>
         </p:txBody>
       </p:sp>
       <p:pic>
         <p:nvPicPr>
-          <p:cNvPr id="5" name="Picture 4">
-            <a:extLst>
-              <a:ext uri="{FF2B5EF4-FFF2-40B4-BE49-F238E27FC236}">
-                <a16:creationId xmlns:a16="http://schemas.microsoft.com/office/drawing/2014/main" id="{663DC63E-FBEE-465E-BB75-CEF05A941CE7}"/>
+          <p:cNvPr id="2" name="Picture 1">
+            <a:extLst>
+              <a:ext uri="{FF2B5EF4-FFF2-40B4-BE49-F238E27FC236}">
+                <a16:creationId xmlns:a16="http://schemas.microsoft.com/office/drawing/2014/main" id="{60AE3730-15EF-42FC-B236-D1C3BA55B583}"/>
               </a:ext>
             </a:extLst>
           </p:cNvPr>
@@ -5582,131 +5588,50 @@
         </p:blipFill>
         <p:spPr>
           <a:xfrm>
-            <a:off x="879278" y="2644571"/>
-            <a:ext cx="1638300" cy="695325"/>
+            <a:off x="1878490" y="5206402"/>
+            <a:ext cx="5617018" cy="1548968"/>
           </a:xfrm>
           <a:prstGeom prst="rect">
             <a:avLst/>
           </a:prstGeom>
         </p:spPr>
       </p:pic>
-      <p:sp>
-        <p:nvSpPr>
-          <p:cNvPr id="6" name="TextBox 5">
-            <a:extLst>
-              <a:ext uri="{FF2B5EF4-FFF2-40B4-BE49-F238E27FC236}">
-                <a16:creationId xmlns:a16="http://schemas.microsoft.com/office/drawing/2014/main" id="{4457FC75-4281-45C0-BD21-21CE22C97314}"/>
-              </a:ext>
-            </a:extLst>
-          </p:cNvPr>
-          <p:cNvSpPr txBox="1"/>
+      <p:pic>
+        <p:nvPicPr>
+          <p:cNvPr id="5" name="Picture 4">
+            <a:extLst>
+              <a:ext uri="{FF2B5EF4-FFF2-40B4-BE49-F238E27FC236}">
+                <a16:creationId xmlns:a16="http://schemas.microsoft.com/office/drawing/2014/main" id="{B639BF47-B381-4A22-A71D-7742A9AA03D0}"/>
+              </a:ext>
+            </a:extLst>
+          </p:cNvPr>
+          <p:cNvPicPr>
+            <a:picLocks noChangeAspect="1"/>
+          </p:cNvPicPr>
           <p:nvPr/>
-        </p:nvSpPr>
+        </p:nvPicPr>
+        <p:blipFill>
+          <a:blip r:embed="rId3"/>
+          <a:stretch>
+            <a:fillRect/>
+          </a:stretch>
+        </p:blipFill>
         <p:spPr>
           <a:xfrm>
-            <a:off x="2612571" y="2782669"/>
-            <a:ext cx="3325590" cy="646331"/>
+            <a:off x="8751061" y="2525262"/>
+            <a:ext cx="1733550" cy="2638425"/>
           </a:xfrm>
           <a:prstGeom prst="rect">
             <a:avLst/>
           </a:prstGeom>
-          <a:noFill/>
-        </p:spPr>
-        <p:txBody>
-          <a:bodyPr wrap="none" rtlCol="0">
-            <a:spAutoFit/>
-          </a:bodyPr>
-          <a:lstStyle/>
-          <a:p>
-            <a:r>
-              <a:rPr lang="en-AU" dirty="0">
-                <a:hlinkClick r:id="rId3"/>
-              </a:rPr>
-              <a:t>https://openweathermap.org/api</a:t>
-            </a:r>
-            <a:endParaRPr lang="en-AU" dirty="0"/>
-          </a:p>
-          <a:p>
-            <a:endParaRPr lang="en-AU" dirty="0"/>
-          </a:p>
-        </p:txBody>
-      </p:sp>
-      <p:sp>
-        <p:nvSpPr>
-          <p:cNvPr id="7" name="TextBox 6">
-            <a:extLst>
-              <a:ext uri="{FF2B5EF4-FFF2-40B4-BE49-F238E27FC236}">
-                <a16:creationId xmlns:a16="http://schemas.microsoft.com/office/drawing/2014/main" id="{EC9D340F-8313-4726-81D2-E31DE834E3F8}"/>
-              </a:ext>
-            </a:extLst>
-          </p:cNvPr>
-          <p:cNvSpPr txBox="1"/>
-          <p:nvPr/>
-        </p:nvSpPr>
-        <p:spPr>
-          <a:xfrm>
-            <a:off x="879278" y="2248912"/>
-            <a:ext cx="3130665" cy="369332"/>
-          </a:xfrm>
-          <a:prstGeom prst="rect">
-            <a:avLst/>
-          </a:prstGeom>
-          <a:noFill/>
-        </p:spPr>
-        <p:txBody>
-          <a:bodyPr wrap="none" rtlCol="0">
-            <a:spAutoFit/>
-          </a:bodyPr>
-          <a:lstStyle/>
-          <a:p>
-            <a:r>
-              <a:rPr lang="en-AU" dirty="0"/>
-              <a:t>UV Index for Western Australia:</a:t>
-            </a:r>
-          </a:p>
-        </p:txBody>
-      </p:sp>
-      <p:sp>
-        <p:nvSpPr>
-          <p:cNvPr id="17" name="TextBox 16">
-            <a:extLst>
-              <a:ext uri="{FF2B5EF4-FFF2-40B4-BE49-F238E27FC236}">
-                <a16:creationId xmlns:a16="http://schemas.microsoft.com/office/drawing/2014/main" id="{5CE1D36F-7779-40E6-B66A-44F2BD3DDA2E}"/>
-              </a:ext>
-            </a:extLst>
-          </p:cNvPr>
-          <p:cNvSpPr txBox="1"/>
-          <p:nvPr/>
-        </p:nvSpPr>
-        <p:spPr>
-          <a:xfrm>
-            <a:off x="879278" y="3875627"/>
-            <a:ext cx="2895536" cy="369332"/>
-          </a:xfrm>
-          <a:prstGeom prst="rect">
-            <a:avLst/>
-          </a:prstGeom>
-          <a:noFill/>
-        </p:spPr>
-        <p:txBody>
-          <a:bodyPr wrap="none" rtlCol="0">
-            <a:spAutoFit/>
-          </a:bodyPr>
-          <a:lstStyle/>
-          <a:p>
-            <a:r>
-              <a:rPr lang="en-AU" dirty="0"/>
-              <a:t>Western Australia Cities Info:</a:t>
-            </a:r>
-          </a:p>
-        </p:txBody>
-      </p:sp>
+        </p:spPr>
+      </p:pic>
       <p:pic>
         <p:nvPicPr>
-          <p:cNvPr id="9" name="Picture 8">
-            <a:extLst>
-              <a:ext uri="{FF2B5EF4-FFF2-40B4-BE49-F238E27FC236}">
-                <a16:creationId xmlns:a16="http://schemas.microsoft.com/office/drawing/2014/main" id="{1DD14F8D-FF30-4312-9802-5B725D590466}"/>
+          <p:cNvPr id="13" name="Picture 12">
+            <a:extLst>
+              <a:ext uri="{FF2B5EF4-FFF2-40B4-BE49-F238E27FC236}">
+                <a16:creationId xmlns:a16="http://schemas.microsoft.com/office/drawing/2014/main" id="{32D8171F-C973-4E79-8D9C-EF985E4EF4BE}"/>
               </a:ext>
             </a:extLst>
           </p:cNvPr>
@@ -5723,20 +5648,1492 @@
         </p:blipFill>
         <p:spPr>
           <a:xfrm>
-            <a:off x="912517" y="4360093"/>
-            <a:ext cx="2151330" cy="507064"/>
+            <a:off x="979626" y="2459266"/>
+            <a:ext cx="1733550" cy="2638425"/>
           </a:xfrm>
           <a:prstGeom prst="rect">
             <a:avLst/>
           </a:prstGeom>
         </p:spPr>
       </p:pic>
-      <p:sp>
-        <p:nvSpPr>
-          <p:cNvPr id="11" name="TextBox 10">
-            <a:extLst>
-              <a:ext uri="{FF2B5EF4-FFF2-40B4-BE49-F238E27FC236}">
-                <a16:creationId xmlns:a16="http://schemas.microsoft.com/office/drawing/2014/main" id="{410C3525-9B0E-4668-9720-E68B99D2CE8B}"/>
+      <p:graphicFrame>
+        <p:nvGraphicFramePr>
+          <p:cNvPr id="3" name="Table 2">
+            <a:extLst>
+              <a:ext uri="{FF2B5EF4-FFF2-40B4-BE49-F238E27FC236}">
+                <a16:creationId xmlns:a16="http://schemas.microsoft.com/office/drawing/2014/main" id="{928D7A59-54A9-4C40-8859-70549BB0D289}"/>
+              </a:ext>
+            </a:extLst>
+          </p:cNvPr>
+          <p:cNvGraphicFramePr>
+            <a:graphicFrameLocks noGrp="1"/>
+          </p:cNvGraphicFramePr>
+          <p:nvPr>
+            <p:extLst>
+              <p:ext uri="{D42A27DB-BD31-4B8C-83A1-F6EECF244321}">
+                <p14:modId xmlns:p14="http://schemas.microsoft.com/office/powerpoint/2010/main" val="2573354863"/>
+              </p:ext>
+            </p:extLst>
+          </p:nvPr>
+        </p:nvGraphicFramePr>
+        <p:xfrm>
+          <a:off x="3782911" y="2582980"/>
+          <a:ext cx="4343493" cy="2165232"/>
+        </p:xfrm>
+        <a:graphic>
+          <a:graphicData uri="http://schemas.openxmlformats.org/drawingml/2006/table">
+            <a:tbl>
+              <a:tblPr/>
+              <a:tblGrid>
+                <a:gridCol w="1213048">
+                  <a:extLst>
+                    <a:ext uri="{9D8B030D-6E8A-4147-A177-3AD203B41FA5}">
+                      <a16:colId xmlns:a16="http://schemas.microsoft.com/office/drawing/2014/main" val="2083262426"/>
+                    </a:ext>
+                  </a:extLst>
+                </a:gridCol>
+                <a:gridCol w="1134786">
+                  <a:extLst>
+                    <a:ext uri="{9D8B030D-6E8A-4147-A177-3AD203B41FA5}">
+                      <a16:colId xmlns:a16="http://schemas.microsoft.com/office/drawing/2014/main" val="2946479267"/>
+                    </a:ext>
+                  </a:extLst>
+                </a:gridCol>
+                <a:gridCol w="939134">
+                  <a:extLst>
+                    <a:ext uri="{9D8B030D-6E8A-4147-A177-3AD203B41FA5}">
+                      <a16:colId xmlns:a16="http://schemas.microsoft.com/office/drawing/2014/main" val="1913380603"/>
+                    </a:ext>
+                  </a:extLst>
+                </a:gridCol>
+                <a:gridCol w="1056525">
+                  <a:extLst>
+                    <a:ext uri="{9D8B030D-6E8A-4147-A177-3AD203B41FA5}">
+                      <a16:colId xmlns:a16="http://schemas.microsoft.com/office/drawing/2014/main" val="2190761959"/>
+                    </a:ext>
+                  </a:extLst>
+                </a:gridCol>
+              </a:tblGrid>
+              <a:tr h="360872">
+                <a:tc>
+                  <a:txBody>
+                    <a:bodyPr/>
+                    <a:lstStyle/>
+                    <a:p>
+                      <a:pPr algn="l" fontAlgn="b"/>
+                      <a:r>
+                        <a:rPr lang="en-AU" sz="1100" b="0" i="0" u="none" strike="noStrike">
+                          <a:solidFill>
+                            <a:srgbClr val="000000"/>
+                          </a:solidFill>
+                          <a:effectLst/>
+                          <a:latin typeface="Calibri" panose="020F0502020204030204" pitchFamily="34" charset="0"/>
+                        </a:rPr>
+                        <a:t> </a:t>
+                      </a:r>
+                    </a:p>
+                  </a:txBody>
+                  <a:tcPr marL="7620" marR="7620" marT="7620" marB="0" anchor="b">
+                    <a:lnL w="6350" cap="flat" cmpd="sng" algn="ctr">
+                      <a:solidFill>
+                        <a:srgbClr val="000000"/>
+                      </a:solidFill>
+                      <a:prstDash val="solid"/>
+                      <a:round/>
+                      <a:headEnd type="none" w="med" len="med"/>
+                      <a:tailEnd type="none" w="med" len="med"/>
+                    </a:lnL>
+                    <a:lnR w="6350" cap="flat" cmpd="sng" algn="ctr">
+                      <a:solidFill>
+                        <a:srgbClr val="000000"/>
+                      </a:solidFill>
+                      <a:prstDash val="solid"/>
+                      <a:round/>
+                      <a:headEnd type="none" w="med" len="med"/>
+                      <a:tailEnd type="none" w="med" len="med"/>
+                    </a:lnR>
+                    <a:lnT w="6350" cap="flat" cmpd="sng" algn="ctr">
+                      <a:solidFill>
+                        <a:srgbClr val="000000"/>
+                      </a:solidFill>
+                      <a:prstDash val="solid"/>
+                      <a:round/>
+                      <a:headEnd type="none" w="med" len="med"/>
+                      <a:tailEnd type="none" w="med" len="med"/>
+                    </a:lnT>
+                    <a:lnB w="6350" cap="flat" cmpd="sng" algn="ctr">
+                      <a:solidFill>
+                        <a:srgbClr val="000000"/>
+                      </a:solidFill>
+                      <a:prstDash val="solid"/>
+                      <a:round/>
+                      <a:headEnd type="none" w="med" len="med"/>
+                      <a:tailEnd type="none" w="med" len="med"/>
+                    </a:lnB>
+                  </a:tcPr>
+                </a:tc>
+                <a:tc>
+                  <a:txBody>
+                    <a:bodyPr/>
+                    <a:lstStyle/>
+                    <a:p>
+                      <a:pPr algn="ctr" fontAlgn="b"/>
+                      <a:r>
+                        <a:rPr lang="en-AU" sz="1100" b="1" i="0" u="none" strike="noStrike">
+                          <a:solidFill>
+                            <a:srgbClr val="000000"/>
+                          </a:solidFill>
+                          <a:effectLst/>
+                          <a:latin typeface="Calibri" panose="020F0502020204030204" pitchFamily="34" charset="0"/>
+                        </a:rPr>
+                        <a:t>Halls Creek</a:t>
+                      </a:r>
+                    </a:p>
+                  </a:txBody>
+                  <a:tcPr marL="7620" marR="7620" marT="7620" marB="0" anchor="b">
+                    <a:lnL w="6350" cap="flat" cmpd="sng" algn="ctr">
+                      <a:solidFill>
+                        <a:srgbClr val="000000"/>
+                      </a:solidFill>
+                      <a:prstDash val="solid"/>
+                      <a:round/>
+                      <a:headEnd type="none" w="med" len="med"/>
+                      <a:tailEnd type="none" w="med" len="med"/>
+                    </a:lnL>
+                    <a:lnR w="6350" cap="flat" cmpd="sng" algn="ctr">
+                      <a:solidFill>
+                        <a:srgbClr val="000000"/>
+                      </a:solidFill>
+                      <a:prstDash val="solid"/>
+                      <a:round/>
+                      <a:headEnd type="none" w="med" len="med"/>
+                      <a:tailEnd type="none" w="med" len="med"/>
+                    </a:lnR>
+                    <a:lnT w="6350" cap="flat" cmpd="sng" algn="ctr">
+                      <a:solidFill>
+                        <a:srgbClr val="000000"/>
+                      </a:solidFill>
+                      <a:prstDash val="solid"/>
+                      <a:round/>
+                      <a:headEnd type="none" w="med" len="med"/>
+                      <a:tailEnd type="none" w="med" len="med"/>
+                    </a:lnT>
+                    <a:lnB w="6350" cap="flat" cmpd="sng" algn="ctr">
+                      <a:solidFill>
+                        <a:srgbClr val="000000"/>
+                      </a:solidFill>
+                      <a:prstDash val="solid"/>
+                      <a:round/>
+                      <a:headEnd type="none" w="med" len="med"/>
+                      <a:tailEnd type="none" w="med" len="med"/>
+                    </a:lnB>
+                  </a:tcPr>
+                </a:tc>
+                <a:tc>
+                  <a:txBody>
+                    <a:bodyPr/>
+                    <a:lstStyle/>
+                    <a:p>
+                      <a:pPr algn="ctr" fontAlgn="b"/>
+                      <a:r>
+                        <a:rPr lang="en-AU" sz="1100" b="1" i="0" u="none" strike="noStrike">
+                          <a:solidFill>
+                            <a:srgbClr val="000000"/>
+                          </a:solidFill>
+                          <a:effectLst/>
+                          <a:latin typeface="Calibri" panose="020F0502020204030204" pitchFamily="34" charset="0"/>
+                        </a:rPr>
+                        <a:t>Albany</a:t>
+                      </a:r>
+                    </a:p>
+                  </a:txBody>
+                  <a:tcPr marL="7620" marR="7620" marT="7620" marB="0" anchor="b">
+                    <a:lnL w="6350" cap="flat" cmpd="sng" algn="ctr">
+                      <a:solidFill>
+                        <a:srgbClr val="000000"/>
+                      </a:solidFill>
+                      <a:prstDash val="solid"/>
+                      <a:round/>
+                      <a:headEnd type="none" w="med" len="med"/>
+                      <a:tailEnd type="none" w="med" len="med"/>
+                    </a:lnL>
+                    <a:lnR w="6350" cap="flat" cmpd="sng" algn="ctr">
+                      <a:solidFill>
+                        <a:srgbClr val="000000"/>
+                      </a:solidFill>
+                      <a:prstDash val="solid"/>
+                      <a:round/>
+                      <a:headEnd type="none" w="med" len="med"/>
+                      <a:tailEnd type="none" w="med" len="med"/>
+                    </a:lnR>
+                    <a:lnT w="6350" cap="flat" cmpd="sng" algn="ctr">
+                      <a:solidFill>
+                        <a:srgbClr val="000000"/>
+                      </a:solidFill>
+                      <a:prstDash val="solid"/>
+                      <a:round/>
+                      <a:headEnd type="none" w="med" len="med"/>
+                      <a:tailEnd type="none" w="med" len="med"/>
+                    </a:lnT>
+                    <a:lnB w="6350" cap="flat" cmpd="sng" algn="ctr">
+                      <a:solidFill>
+                        <a:srgbClr val="000000"/>
+                      </a:solidFill>
+                      <a:prstDash val="solid"/>
+                      <a:round/>
+                      <a:headEnd type="none" w="med" len="med"/>
+                      <a:tailEnd type="none" w="med" len="med"/>
+                    </a:lnB>
+                  </a:tcPr>
+                </a:tc>
+                <a:tc>
+                  <a:txBody>
+                    <a:bodyPr/>
+                    <a:lstStyle/>
+                    <a:p>
+                      <a:pPr algn="ctr" fontAlgn="b"/>
+                      <a:r>
+                        <a:rPr lang="en-AU" sz="1100" b="1" i="0" u="none" strike="noStrike" dirty="0">
+                          <a:solidFill>
+                            <a:srgbClr val="000000"/>
+                          </a:solidFill>
+                          <a:effectLst/>
+                          <a:latin typeface="Calibri" panose="020F0502020204030204" pitchFamily="34" charset="0"/>
+                        </a:rPr>
+                        <a:t>%</a:t>
+                      </a:r>
+                    </a:p>
+                  </a:txBody>
+                  <a:tcPr marL="7620" marR="7620" marT="7620" marB="0" anchor="b">
+                    <a:lnL w="6350" cap="flat" cmpd="sng" algn="ctr">
+                      <a:solidFill>
+                        <a:srgbClr val="000000"/>
+                      </a:solidFill>
+                      <a:prstDash val="solid"/>
+                      <a:round/>
+                      <a:headEnd type="none" w="med" len="med"/>
+                      <a:tailEnd type="none" w="med" len="med"/>
+                    </a:lnL>
+                    <a:lnR w="6350" cap="flat" cmpd="sng" algn="ctr">
+                      <a:solidFill>
+                        <a:srgbClr val="000000"/>
+                      </a:solidFill>
+                      <a:prstDash val="solid"/>
+                      <a:round/>
+                      <a:headEnd type="none" w="med" len="med"/>
+                      <a:tailEnd type="none" w="med" len="med"/>
+                    </a:lnR>
+                    <a:lnT w="6350" cap="flat" cmpd="sng" algn="ctr">
+                      <a:solidFill>
+                        <a:srgbClr val="000000"/>
+                      </a:solidFill>
+                      <a:prstDash val="solid"/>
+                      <a:round/>
+                      <a:headEnd type="none" w="med" len="med"/>
+                      <a:tailEnd type="none" w="med" len="med"/>
+                    </a:lnT>
+                    <a:lnB w="6350" cap="flat" cmpd="sng" algn="ctr">
+                      <a:solidFill>
+                        <a:srgbClr val="000000"/>
+                      </a:solidFill>
+                      <a:prstDash val="solid"/>
+                      <a:round/>
+                      <a:headEnd type="none" w="med" len="med"/>
+                      <a:tailEnd type="none" w="med" len="med"/>
+                    </a:lnB>
+                  </a:tcPr>
+                </a:tc>
+                <a:extLst>
+                  <a:ext uri="{0D108BD9-81ED-4DB2-BD59-A6C34878D82A}">
+                    <a16:rowId xmlns:a16="http://schemas.microsoft.com/office/drawing/2014/main" val="866042856"/>
+                  </a:ext>
+                </a:extLst>
+              </a:tr>
+              <a:tr h="360872">
+                <a:tc>
+                  <a:txBody>
+                    <a:bodyPr/>
+                    <a:lstStyle/>
+                    <a:p>
+                      <a:pPr algn="ctr" fontAlgn="b"/>
+                      <a:r>
+                        <a:rPr lang="en-AU" sz="1100" b="0" i="0" u="none" strike="noStrike" dirty="0">
+                          <a:solidFill>
+                            <a:srgbClr val="000000"/>
+                          </a:solidFill>
+                          <a:effectLst/>
+                          <a:latin typeface="Calibri" panose="020F0502020204030204" pitchFamily="34" charset="0"/>
+                        </a:rPr>
+                        <a:t>Average</a:t>
+                      </a:r>
+                    </a:p>
+                  </a:txBody>
+                  <a:tcPr marL="7620" marR="7620" marT="7620" marB="0" anchor="b">
+                    <a:lnL w="6350" cap="flat" cmpd="sng" algn="ctr">
+                      <a:solidFill>
+                        <a:srgbClr val="000000"/>
+                      </a:solidFill>
+                      <a:prstDash val="solid"/>
+                      <a:round/>
+                      <a:headEnd type="none" w="med" len="med"/>
+                      <a:tailEnd type="none" w="med" len="med"/>
+                    </a:lnL>
+                    <a:lnR w="6350" cap="flat" cmpd="sng" algn="ctr">
+                      <a:solidFill>
+                        <a:srgbClr val="000000"/>
+                      </a:solidFill>
+                      <a:prstDash val="solid"/>
+                      <a:round/>
+                      <a:headEnd type="none" w="med" len="med"/>
+                      <a:tailEnd type="none" w="med" len="med"/>
+                    </a:lnR>
+                    <a:lnT w="6350" cap="flat" cmpd="sng" algn="ctr">
+                      <a:solidFill>
+                        <a:srgbClr val="000000"/>
+                      </a:solidFill>
+                      <a:prstDash val="solid"/>
+                      <a:round/>
+                      <a:headEnd type="none" w="med" len="med"/>
+                      <a:tailEnd type="none" w="med" len="med"/>
+                    </a:lnT>
+                    <a:lnB w="6350" cap="flat" cmpd="sng" algn="ctr">
+                      <a:solidFill>
+                        <a:srgbClr val="000000"/>
+                      </a:solidFill>
+                      <a:prstDash val="solid"/>
+                      <a:round/>
+                      <a:headEnd type="none" w="med" len="med"/>
+                      <a:tailEnd type="none" w="med" len="med"/>
+                    </a:lnB>
+                  </a:tcPr>
+                </a:tc>
+                <a:tc>
+                  <a:txBody>
+                    <a:bodyPr/>
+                    <a:lstStyle/>
+                    <a:p>
+                      <a:pPr algn="ctr" fontAlgn="b"/>
+                      <a:r>
+                        <a:rPr lang="en-AU" sz="1100" b="0" i="0" u="none" strike="noStrike" dirty="0">
+                          <a:solidFill>
+                            <a:srgbClr val="000000"/>
+                          </a:solidFill>
+                          <a:effectLst/>
+                          <a:latin typeface="Calibri" panose="020F0502020204030204" pitchFamily="34" charset="0"/>
+                        </a:rPr>
+                        <a:t>11.74</a:t>
+                      </a:r>
+                    </a:p>
+                  </a:txBody>
+                  <a:tcPr marL="7620" marR="7620" marT="7620" marB="0" anchor="b">
+                    <a:lnL w="6350" cap="flat" cmpd="sng" algn="ctr">
+                      <a:solidFill>
+                        <a:srgbClr val="000000"/>
+                      </a:solidFill>
+                      <a:prstDash val="solid"/>
+                      <a:round/>
+                      <a:headEnd type="none" w="med" len="med"/>
+                      <a:tailEnd type="none" w="med" len="med"/>
+                    </a:lnL>
+                    <a:lnR w="6350" cap="flat" cmpd="sng" algn="ctr">
+                      <a:solidFill>
+                        <a:srgbClr val="000000"/>
+                      </a:solidFill>
+                      <a:prstDash val="solid"/>
+                      <a:round/>
+                      <a:headEnd type="none" w="med" len="med"/>
+                      <a:tailEnd type="none" w="med" len="med"/>
+                    </a:lnR>
+                    <a:lnT w="6350" cap="flat" cmpd="sng" algn="ctr">
+                      <a:solidFill>
+                        <a:srgbClr val="000000"/>
+                      </a:solidFill>
+                      <a:prstDash val="solid"/>
+                      <a:round/>
+                      <a:headEnd type="none" w="med" len="med"/>
+                      <a:tailEnd type="none" w="med" len="med"/>
+                    </a:lnT>
+                    <a:lnB w="6350" cap="flat" cmpd="sng" algn="ctr">
+                      <a:solidFill>
+                        <a:srgbClr val="000000"/>
+                      </a:solidFill>
+                      <a:prstDash val="solid"/>
+                      <a:round/>
+                      <a:headEnd type="none" w="med" len="med"/>
+                      <a:tailEnd type="none" w="med" len="med"/>
+                    </a:lnB>
+                  </a:tcPr>
+                </a:tc>
+                <a:tc>
+                  <a:txBody>
+                    <a:bodyPr/>
+                    <a:lstStyle/>
+                    <a:p>
+                      <a:pPr algn="ctr" fontAlgn="b"/>
+                      <a:r>
+                        <a:rPr lang="en-AU" sz="1100" b="0" i="0" u="none" strike="noStrike">
+                          <a:solidFill>
+                            <a:srgbClr val="000000"/>
+                          </a:solidFill>
+                          <a:effectLst/>
+                          <a:latin typeface="Calibri" panose="020F0502020204030204" pitchFamily="34" charset="0"/>
+                        </a:rPr>
+                        <a:t>6.92</a:t>
+                      </a:r>
+                    </a:p>
+                  </a:txBody>
+                  <a:tcPr marL="7620" marR="7620" marT="7620" marB="0" anchor="b">
+                    <a:lnL w="6350" cap="flat" cmpd="sng" algn="ctr">
+                      <a:solidFill>
+                        <a:srgbClr val="000000"/>
+                      </a:solidFill>
+                      <a:prstDash val="solid"/>
+                      <a:round/>
+                      <a:headEnd type="none" w="med" len="med"/>
+                      <a:tailEnd type="none" w="med" len="med"/>
+                    </a:lnL>
+                    <a:lnR w="6350" cap="flat" cmpd="sng" algn="ctr">
+                      <a:solidFill>
+                        <a:srgbClr val="000000"/>
+                      </a:solidFill>
+                      <a:prstDash val="solid"/>
+                      <a:round/>
+                      <a:headEnd type="none" w="med" len="med"/>
+                      <a:tailEnd type="none" w="med" len="med"/>
+                    </a:lnR>
+                    <a:lnT w="6350" cap="flat" cmpd="sng" algn="ctr">
+                      <a:solidFill>
+                        <a:srgbClr val="000000"/>
+                      </a:solidFill>
+                      <a:prstDash val="solid"/>
+                      <a:round/>
+                      <a:headEnd type="none" w="med" len="med"/>
+                      <a:tailEnd type="none" w="med" len="med"/>
+                    </a:lnT>
+                    <a:lnB w="6350" cap="flat" cmpd="sng" algn="ctr">
+                      <a:solidFill>
+                        <a:srgbClr val="000000"/>
+                      </a:solidFill>
+                      <a:prstDash val="solid"/>
+                      <a:round/>
+                      <a:headEnd type="none" w="med" len="med"/>
+                      <a:tailEnd type="none" w="med" len="med"/>
+                    </a:lnB>
+                  </a:tcPr>
+                </a:tc>
+                <a:tc>
+                  <a:txBody>
+                    <a:bodyPr/>
+                    <a:lstStyle/>
+                    <a:p>
+                      <a:pPr algn="ctr" fontAlgn="b"/>
+                      <a:r>
+                        <a:rPr lang="en-AU" sz="1100" b="0" i="0" u="none" strike="noStrike">
+                          <a:solidFill>
+                            <a:srgbClr val="000000"/>
+                          </a:solidFill>
+                          <a:effectLst/>
+                          <a:latin typeface="Calibri" panose="020F0502020204030204" pitchFamily="34" charset="0"/>
+                        </a:rPr>
+                        <a:t>70%</a:t>
+                      </a:r>
+                    </a:p>
+                  </a:txBody>
+                  <a:tcPr marL="7620" marR="7620" marT="7620" marB="0" anchor="b">
+                    <a:lnL w="6350" cap="flat" cmpd="sng" algn="ctr">
+                      <a:solidFill>
+                        <a:srgbClr val="000000"/>
+                      </a:solidFill>
+                      <a:prstDash val="solid"/>
+                      <a:round/>
+                      <a:headEnd type="none" w="med" len="med"/>
+                      <a:tailEnd type="none" w="med" len="med"/>
+                    </a:lnL>
+                    <a:lnR w="6350" cap="flat" cmpd="sng" algn="ctr">
+                      <a:solidFill>
+                        <a:srgbClr val="000000"/>
+                      </a:solidFill>
+                      <a:prstDash val="solid"/>
+                      <a:round/>
+                      <a:headEnd type="none" w="med" len="med"/>
+                      <a:tailEnd type="none" w="med" len="med"/>
+                    </a:lnR>
+                    <a:lnT w="6350" cap="flat" cmpd="sng" algn="ctr">
+                      <a:solidFill>
+                        <a:srgbClr val="000000"/>
+                      </a:solidFill>
+                      <a:prstDash val="solid"/>
+                      <a:round/>
+                      <a:headEnd type="none" w="med" len="med"/>
+                      <a:tailEnd type="none" w="med" len="med"/>
+                    </a:lnT>
+                    <a:lnB w="6350" cap="flat" cmpd="sng" algn="ctr">
+                      <a:solidFill>
+                        <a:srgbClr val="000000"/>
+                      </a:solidFill>
+                      <a:prstDash val="solid"/>
+                      <a:round/>
+                      <a:headEnd type="none" w="med" len="med"/>
+                      <a:tailEnd type="none" w="med" len="med"/>
+                    </a:lnB>
+                  </a:tcPr>
+                </a:tc>
+                <a:extLst>
+                  <a:ext uri="{0D108BD9-81ED-4DB2-BD59-A6C34878D82A}">
+                    <a16:rowId xmlns:a16="http://schemas.microsoft.com/office/drawing/2014/main" val="2035572765"/>
+                  </a:ext>
+                </a:extLst>
+              </a:tr>
+              <a:tr h="360872">
+                <a:tc>
+                  <a:txBody>
+                    <a:bodyPr/>
+                    <a:lstStyle/>
+                    <a:p>
+                      <a:pPr algn="ctr" fontAlgn="b"/>
+                      <a:r>
+                        <a:rPr lang="en-AU" sz="1100" b="0" i="0" u="none" strike="noStrike">
+                          <a:solidFill>
+                            <a:srgbClr val="000000"/>
+                          </a:solidFill>
+                          <a:effectLst/>
+                          <a:latin typeface="Calibri" panose="020F0502020204030204" pitchFamily="34" charset="0"/>
+                        </a:rPr>
+                        <a:t>Winter</a:t>
+                      </a:r>
+                    </a:p>
+                  </a:txBody>
+                  <a:tcPr marL="7620" marR="7620" marT="7620" marB="0" anchor="b">
+                    <a:lnL w="6350" cap="flat" cmpd="sng" algn="ctr">
+                      <a:solidFill>
+                        <a:srgbClr val="000000"/>
+                      </a:solidFill>
+                      <a:prstDash val="solid"/>
+                      <a:round/>
+                      <a:headEnd type="none" w="med" len="med"/>
+                      <a:tailEnd type="none" w="med" len="med"/>
+                    </a:lnL>
+                    <a:lnR w="6350" cap="flat" cmpd="sng" algn="ctr">
+                      <a:solidFill>
+                        <a:srgbClr val="000000"/>
+                      </a:solidFill>
+                      <a:prstDash val="solid"/>
+                      <a:round/>
+                      <a:headEnd type="none" w="med" len="med"/>
+                      <a:tailEnd type="none" w="med" len="med"/>
+                    </a:lnR>
+                    <a:lnT w="6350" cap="flat" cmpd="sng" algn="ctr">
+                      <a:solidFill>
+                        <a:srgbClr val="000000"/>
+                      </a:solidFill>
+                      <a:prstDash val="solid"/>
+                      <a:round/>
+                      <a:headEnd type="none" w="med" len="med"/>
+                      <a:tailEnd type="none" w="med" len="med"/>
+                    </a:lnT>
+                    <a:lnB w="6350" cap="flat" cmpd="sng" algn="ctr">
+                      <a:solidFill>
+                        <a:srgbClr val="000000"/>
+                      </a:solidFill>
+                      <a:prstDash val="solid"/>
+                      <a:round/>
+                      <a:headEnd type="none" w="med" len="med"/>
+                      <a:tailEnd type="none" w="med" len="med"/>
+                    </a:lnB>
+                  </a:tcPr>
+                </a:tc>
+                <a:tc>
+                  <a:txBody>
+                    <a:bodyPr/>
+                    <a:lstStyle/>
+                    <a:p>
+                      <a:pPr algn="ctr" fontAlgn="b"/>
+                      <a:r>
+                        <a:rPr lang="en-AU" sz="1100" b="0" i="0" u="none" strike="noStrike" dirty="0">
+                          <a:solidFill>
+                            <a:srgbClr val="000000"/>
+                          </a:solidFill>
+                          <a:effectLst/>
+                          <a:latin typeface="Calibri" panose="020F0502020204030204" pitchFamily="34" charset="0"/>
+                        </a:rPr>
+                        <a:t>7.6</a:t>
+                      </a:r>
+                    </a:p>
+                  </a:txBody>
+                  <a:tcPr marL="7620" marR="7620" marT="7620" marB="0" anchor="b">
+                    <a:lnL w="6350" cap="flat" cmpd="sng" algn="ctr">
+                      <a:solidFill>
+                        <a:srgbClr val="000000"/>
+                      </a:solidFill>
+                      <a:prstDash val="solid"/>
+                      <a:round/>
+                      <a:headEnd type="none" w="med" len="med"/>
+                      <a:tailEnd type="none" w="med" len="med"/>
+                    </a:lnL>
+                    <a:lnR w="6350" cap="flat" cmpd="sng" algn="ctr">
+                      <a:solidFill>
+                        <a:srgbClr val="000000"/>
+                      </a:solidFill>
+                      <a:prstDash val="solid"/>
+                      <a:round/>
+                      <a:headEnd type="none" w="med" len="med"/>
+                      <a:tailEnd type="none" w="med" len="med"/>
+                    </a:lnR>
+                    <a:lnT w="6350" cap="flat" cmpd="sng" algn="ctr">
+                      <a:solidFill>
+                        <a:srgbClr val="000000"/>
+                      </a:solidFill>
+                      <a:prstDash val="solid"/>
+                      <a:round/>
+                      <a:headEnd type="none" w="med" len="med"/>
+                      <a:tailEnd type="none" w="med" len="med"/>
+                    </a:lnT>
+                    <a:lnB w="6350" cap="flat" cmpd="sng" algn="ctr">
+                      <a:solidFill>
+                        <a:srgbClr val="000000"/>
+                      </a:solidFill>
+                      <a:prstDash val="solid"/>
+                      <a:round/>
+                      <a:headEnd type="none" w="med" len="med"/>
+                      <a:tailEnd type="none" w="med" len="med"/>
+                    </a:lnB>
+                  </a:tcPr>
+                </a:tc>
+                <a:tc>
+                  <a:txBody>
+                    <a:bodyPr/>
+                    <a:lstStyle/>
+                    <a:p>
+                      <a:pPr algn="ctr" fontAlgn="b"/>
+                      <a:r>
+                        <a:rPr lang="en-AU" sz="1100" b="0" i="0" u="none" strike="noStrike" dirty="0">
+                          <a:solidFill>
+                            <a:srgbClr val="000000"/>
+                          </a:solidFill>
+                          <a:effectLst/>
+                          <a:latin typeface="Calibri" panose="020F0502020204030204" pitchFamily="34" charset="0"/>
+                        </a:rPr>
+                        <a:t>2.64</a:t>
+                      </a:r>
+                    </a:p>
+                  </a:txBody>
+                  <a:tcPr marL="7620" marR="7620" marT="7620" marB="0" anchor="b">
+                    <a:lnL w="6350" cap="flat" cmpd="sng" algn="ctr">
+                      <a:solidFill>
+                        <a:srgbClr val="000000"/>
+                      </a:solidFill>
+                      <a:prstDash val="solid"/>
+                      <a:round/>
+                      <a:headEnd type="none" w="med" len="med"/>
+                      <a:tailEnd type="none" w="med" len="med"/>
+                    </a:lnL>
+                    <a:lnR w="6350" cap="flat" cmpd="sng" algn="ctr">
+                      <a:solidFill>
+                        <a:srgbClr val="000000"/>
+                      </a:solidFill>
+                      <a:prstDash val="solid"/>
+                      <a:round/>
+                      <a:headEnd type="none" w="med" len="med"/>
+                      <a:tailEnd type="none" w="med" len="med"/>
+                    </a:lnR>
+                    <a:lnT w="6350" cap="flat" cmpd="sng" algn="ctr">
+                      <a:solidFill>
+                        <a:srgbClr val="000000"/>
+                      </a:solidFill>
+                      <a:prstDash val="solid"/>
+                      <a:round/>
+                      <a:headEnd type="none" w="med" len="med"/>
+                      <a:tailEnd type="none" w="med" len="med"/>
+                    </a:lnT>
+                    <a:lnB w="6350" cap="flat" cmpd="sng" algn="ctr">
+                      <a:solidFill>
+                        <a:srgbClr val="000000"/>
+                      </a:solidFill>
+                      <a:prstDash val="solid"/>
+                      <a:round/>
+                      <a:headEnd type="none" w="med" len="med"/>
+                      <a:tailEnd type="none" w="med" len="med"/>
+                    </a:lnB>
+                  </a:tcPr>
+                </a:tc>
+                <a:tc>
+                  <a:txBody>
+                    <a:bodyPr/>
+                    <a:lstStyle/>
+                    <a:p>
+                      <a:pPr algn="ctr" fontAlgn="b"/>
+                      <a:r>
+                        <a:rPr lang="en-AU" sz="1100" b="0" i="0" u="none" strike="noStrike">
+                          <a:solidFill>
+                            <a:srgbClr val="000000"/>
+                          </a:solidFill>
+                          <a:effectLst/>
+                          <a:latin typeface="Calibri" panose="020F0502020204030204" pitchFamily="34" charset="0"/>
+                        </a:rPr>
+                        <a:t>188%</a:t>
+                      </a:r>
+                    </a:p>
+                  </a:txBody>
+                  <a:tcPr marL="7620" marR="7620" marT="7620" marB="0" anchor="b">
+                    <a:lnL w="6350" cap="flat" cmpd="sng" algn="ctr">
+                      <a:solidFill>
+                        <a:srgbClr val="000000"/>
+                      </a:solidFill>
+                      <a:prstDash val="solid"/>
+                      <a:round/>
+                      <a:headEnd type="none" w="med" len="med"/>
+                      <a:tailEnd type="none" w="med" len="med"/>
+                    </a:lnL>
+                    <a:lnR w="6350" cap="flat" cmpd="sng" algn="ctr">
+                      <a:solidFill>
+                        <a:srgbClr val="000000"/>
+                      </a:solidFill>
+                      <a:prstDash val="solid"/>
+                      <a:round/>
+                      <a:headEnd type="none" w="med" len="med"/>
+                      <a:tailEnd type="none" w="med" len="med"/>
+                    </a:lnR>
+                    <a:lnT w="6350" cap="flat" cmpd="sng" algn="ctr">
+                      <a:solidFill>
+                        <a:srgbClr val="000000"/>
+                      </a:solidFill>
+                      <a:prstDash val="solid"/>
+                      <a:round/>
+                      <a:headEnd type="none" w="med" len="med"/>
+                      <a:tailEnd type="none" w="med" len="med"/>
+                    </a:lnT>
+                    <a:lnB w="6350" cap="flat" cmpd="sng" algn="ctr">
+                      <a:solidFill>
+                        <a:srgbClr val="000000"/>
+                      </a:solidFill>
+                      <a:prstDash val="solid"/>
+                      <a:round/>
+                      <a:headEnd type="none" w="med" len="med"/>
+                      <a:tailEnd type="none" w="med" len="med"/>
+                    </a:lnB>
+                  </a:tcPr>
+                </a:tc>
+                <a:extLst>
+                  <a:ext uri="{0D108BD9-81ED-4DB2-BD59-A6C34878D82A}">
+                    <a16:rowId xmlns:a16="http://schemas.microsoft.com/office/drawing/2014/main" val="2549291094"/>
+                  </a:ext>
+                </a:extLst>
+              </a:tr>
+              <a:tr h="360872">
+                <a:tc>
+                  <a:txBody>
+                    <a:bodyPr/>
+                    <a:lstStyle/>
+                    <a:p>
+                      <a:pPr algn="ctr" fontAlgn="b"/>
+                      <a:r>
+                        <a:rPr lang="en-AU" sz="1100" b="0" i="0" u="none" strike="noStrike">
+                          <a:solidFill>
+                            <a:srgbClr val="000000"/>
+                          </a:solidFill>
+                          <a:effectLst/>
+                          <a:latin typeface="Calibri" panose="020F0502020204030204" pitchFamily="34" charset="0"/>
+                        </a:rPr>
+                        <a:t>Spring</a:t>
+                      </a:r>
+                    </a:p>
+                  </a:txBody>
+                  <a:tcPr marL="7620" marR="7620" marT="7620" marB="0" anchor="b">
+                    <a:lnL w="6350" cap="flat" cmpd="sng" algn="ctr">
+                      <a:solidFill>
+                        <a:srgbClr val="000000"/>
+                      </a:solidFill>
+                      <a:prstDash val="solid"/>
+                      <a:round/>
+                      <a:headEnd type="none" w="med" len="med"/>
+                      <a:tailEnd type="none" w="med" len="med"/>
+                    </a:lnL>
+                    <a:lnR w="6350" cap="flat" cmpd="sng" algn="ctr">
+                      <a:solidFill>
+                        <a:srgbClr val="000000"/>
+                      </a:solidFill>
+                      <a:prstDash val="solid"/>
+                      <a:round/>
+                      <a:headEnd type="none" w="med" len="med"/>
+                      <a:tailEnd type="none" w="med" len="med"/>
+                    </a:lnR>
+                    <a:lnT w="6350" cap="flat" cmpd="sng" algn="ctr">
+                      <a:solidFill>
+                        <a:srgbClr val="000000"/>
+                      </a:solidFill>
+                      <a:prstDash val="solid"/>
+                      <a:round/>
+                      <a:headEnd type="none" w="med" len="med"/>
+                      <a:tailEnd type="none" w="med" len="med"/>
+                    </a:lnT>
+                    <a:lnB w="6350" cap="flat" cmpd="sng" algn="ctr">
+                      <a:solidFill>
+                        <a:srgbClr val="000000"/>
+                      </a:solidFill>
+                      <a:prstDash val="solid"/>
+                      <a:round/>
+                      <a:headEnd type="none" w="med" len="med"/>
+                      <a:tailEnd type="none" w="med" len="med"/>
+                    </a:lnB>
+                  </a:tcPr>
+                </a:tc>
+                <a:tc>
+                  <a:txBody>
+                    <a:bodyPr/>
+                    <a:lstStyle/>
+                    <a:p>
+                      <a:pPr algn="ctr" fontAlgn="b"/>
+                      <a:r>
+                        <a:rPr lang="en-AU" sz="1100" b="0" i="0" u="none" strike="noStrike">
+                          <a:solidFill>
+                            <a:srgbClr val="000000"/>
+                          </a:solidFill>
+                          <a:effectLst/>
+                          <a:latin typeface="Calibri" panose="020F0502020204030204" pitchFamily="34" charset="0"/>
+                        </a:rPr>
+                        <a:t>13.43</a:t>
+                      </a:r>
+                    </a:p>
+                  </a:txBody>
+                  <a:tcPr marL="7620" marR="7620" marT="7620" marB="0" anchor="b">
+                    <a:lnL w="6350" cap="flat" cmpd="sng" algn="ctr">
+                      <a:solidFill>
+                        <a:srgbClr val="000000"/>
+                      </a:solidFill>
+                      <a:prstDash val="solid"/>
+                      <a:round/>
+                      <a:headEnd type="none" w="med" len="med"/>
+                      <a:tailEnd type="none" w="med" len="med"/>
+                    </a:lnL>
+                    <a:lnR w="6350" cap="flat" cmpd="sng" algn="ctr">
+                      <a:solidFill>
+                        <a:srgbClr val="000000"/>
+                      </a:solidFill>
+                      <a:prstDash val="solid"/>
+                      <a:round/>
+                      <a:headEnd type="none" w="med" len="med"/>
+                      <a:tailEnd type="none" w="med" len="med"/>
+                    </a:lnR>
+                    <a:lnT w="6350" cap="flat" cmpd="sng" algn="ctr">
+                      <a:solidFill>
+                        <a:srgbClr val="000000"/>
+                      </a:solidFill>
+                      <a:prstDash val="solid"/>
+                      <a:round/>
+                      <a:headEnd type="none" w="med" len="med"/>
+                      <a:tailEnd type="none" w="med" len="med"/>
+                    </a:lnT>
+                    <a:lnB w="6350" cap="flat" cmpd="sng" algn="ctr">
+                      <a:solidFill>
+                        <a:srgbClr val="000000"/>
+                      </a:solidFill>
+                      <a:prstDash val="solid"/>
+                      <a:round/>
+                      <a:headEnd type="none" w="med" len="med"/>
+                      <a:tailEnd type="none" w="med" len="med"/>
+                    </a:lnB>
+                  </a:tcPr>
+                </a:tc>
+                <a:tc>
+                  <a:txBody>
+                    <a:bodyPr/>
+                    <a:lstStyle/>
+                    <a:p>
+                      <a:pPr algn="ctr" fontAlgn="b"/>
+                      <a:r>
+                        <a:rPr lang="en-AU" sz="1100" b="0" i="0" u="none" strike="noStrike" dirty="0">
+                          <a:solidFill>
+                            <a:srgbClr val="000000"/>
+                          </a:solidFill>
+                          <a:effectLst/>
+                          <a:latin typeface="Calibri" panose="020F0502020204030204" pitchFamily="34" charset="0"/>
+                        </a:rPr>
+                        <a:t>7.82</a:t>
+                      </a:r>
+                    </a:p>
+                  </a:txBody>
+                  <a:tcPr marL="7620" marR="7620" marT="7620" marB="0" anchor="b">
+                    <a:lnL w="6350" cap="flat" cmpd="sng" algn="ctr">
+                      <a:solidFill>
+                        <a:srgbClr val="000000"/>
+                      </a:solidFill>
+                      <a:prstDash val="solid"/>
+                      <a:round/>
+                      <a:headEnd type="none" w="med" len="med"/>
+                      <a:tailEnd type="none" w="med" len="med"/>
+                    </a:lnL>
+                    <a:lnR w="6350" cap="flat" cmpd="sng" algn="ctr">
+                      <a:solidFill>
+                        <a:srgbClr val="000000"/>
+                      </a:solidFill>
+                      <a:prstDash val="solid"/>
+                      <a:round/>
+                      <a:headEnd type="none" w="med" len="med"/>
+                      <a:tailEnd type="none" w="med" len="med"/>
+                    </a:lnR>
+                    <a:lnT w="6350" cap="flat" cmpd="sng" algn="ctr">
+                      <a:solidFill>
+                        <a:srgbClr val="000000"/>
+                      </a:solidFill>
+                      <a:prstDash val="solid"/>
+                      <a:round/>
+                      <a:headEnd type="none" w="med" len="med"/>
+                      <a:tailEnd type="none" w="med" len="med"/>
+                    </a:lnT>
+                    <a:lnB w="6350" cap="flat" cmpd="sng" algn="ctr">
+                      <a:solidFill>
+                        <a:srgbClr val="000000"/>
+                      </a:solidFill>
+                      <a:prstDash val="solid"/>
+                      <a:round/>
+                      <a:headEnd type="none" w="med" len="med"/>
+                      <a:tailEnd type="none" w="med" len="med"/>
+                    </a:lnB>
+                  </a:tcPr>
+                </a:tc>
+                <a:tc>
+                  <a:txBody>
+                    <a:bodyPr/>
+                    <a:lstStyle/>
+                    <a:p>
+                      <a:pPr algn="ctr" fontAlgn="b"/>
+                      <a:r>
+                        <a:rPr lang="en-AU" sz="1100" b="0" i="0" u="none" strike="noStrike" dirty="0">
+                          <a:solidFill>
+                            <a:srgbClr val="000000"/>
+                          </a:solidFill>
+                          <a:effectLst/>
+                          <a:latin typeface="Calibri" panose="020F0502020204030204" pitchFamily="34" charset="0"/>
+                        </a:rPr>
+                        <a:t>72%</a:t>
+                      </a:r>
+                    </a:p>
+                  </a:txBody>
+                  <a:tcPr marL="7620" marR="7620" marT="7620" marB="0" anchor="b">
+                    <a:lnL w="6350" cap="flat" cmpd="sng" algn="ctr">
+                      <a:solidFill>
+                        <a:srgbClr val="000000"/>
+                      </a:solidFill>
+                      <a:prstDash val="solid"/>
+                      <a:round/>
+                      <a:headEnd type="none" w="med" len="med"/>
+                      <a:tailEnd type="none" w="med" len="med"/>
+                    </a:lnL>
+                    <a:lnR w="6350" cap="flat" cmpd="sng" algn="ctr">
+                      <a:solidFill>
+                        <a:srgbClr val="000000"/>
+                      </a:solidFill>
+                      <a:prstDash val="solid"/>
+                      <a:round/>
+                      <a:headEnd type="none" w="med" len="med"/>
+                      <a:tailEnd type="none" w="med" len="med"/>
+                    </a:lnR>
+                    <a:lnT w="6350" cap="flat" cmpd="sng" algn="ctr">
+                      <a:solidFill>
+                        <a:srgbClr val="000000"/>
+                      </a:solidFill>
+                      <a:prstDash val="solid"/>
+                      <a:round/>
+                      <a:headEnd type="none" w="med" len="med"/>
+                      <a:tailEnd type="none" w="med" len="med"/>
+                    </a:lnT>
+                    <a:lnB w="6350" cap="flat" cmpd="sng" algn="ctr">
+                      <a:solidFill>
+                        <a:srgbClr val="000000"/>
+                      </a:solidFill>
+                      <a:prstDash val="solid"/>
+                      <a:round/>
+                      <a:headEnd type="none" w="med" len="med"/>
+                      <a:tailEnd type="none" w="med" len="med"/>
+                    </a:lnB>
+                  </a:tcPr>
+                </a:tc>
+                <a:extLst>
+                  <a:ext uri="{0D108BD9-81ED-4DB2-BD59-A6C34878D82A}">
+                    <a16:rowId xmlns:a16="http://schemas.microsoft.com/office/drawing/2014/main" val="402186620"/>
+                  </a:ext>
+                </a:extLst>
+              </a:tr>
+              <a:tr h="360872">
+                <a:tc>
+                  <a:txBody>
+                    <a:bodyPr/>
+                    <a:lstStyle/>
+                    <a:p>
+                      <a:pPr algn="ctr" fontAlgn="b"/>
+                      <a:r>
+                        <a:rPr lang="en-AU" sz="1100" b="0" i="0" u="none" strike="noStrike">
+                          <a:solidFill>
+                            <a:srgbClr val="000000"/>
+                          </a:solidFill>
+                          <a:effectLst/>
+                          <a:latin typeface="Calibri" panose="020F0502020204030204" pitchFamily="34" charset="0"/>
+                        </a:rPr>
+                        <a:t>Summer</a:t>
+                      </a:r>
+                    </a:p>
+                  </a:txBody>
+                  <a:tcPr marL="7620" marR="7620" marT="7620" marB="0" anchor="b">
+                    <a:lnL w="6350" cap="flat" cmpd="sng" algn="ctr">
+                      <a:solidFill>
+                        <a:srgbClr val="000000"/>
+                      </a:solidFill>
+                      <a:prstDash val="solid"/>
+                      <a:round/>
+                      <a:headEnd type="none" w="med" len="med"/>
+                      <a:tailEnd type="none" w="med" len="med"/>
+                    </a:lnL>
+                    <a:lnR w="6350" cap="flat" cmpd="sng" algn="ctr">
+                      <a:solidFill>
+                        <a:srgbClr val="000000"/>
+                      </a:solidFill>
+                      <a:prstDash val="solid"/>
+                      <a:round/>
+                      <a:headEnd type="none" w="med" len="med"/>
+                      <a:tailEnd type="none" w="med" len="med"/>
+                    </a:lnR>
+                    <a:lnT w="6350" cap="flat" cmpd="sng" algn="ctr">
+                      <a:solidFill>
+                        <a:srgbClr val="000000"/>
+                      </a:solidFill>
+                      <a:prstDash val="solid"/>
+                      <a:round/>
+                      <a:headEnd type="none" w="med" len="med"/>
+                      <a:tailEnd type="none" w="med" len="med"/>
+                    </a:lnT>
+                    <a:lnB w="6350" cap="flat" cmpd="sng" algn="ctr">
+                      <a:solidFill>
+                        <a:srgbClr val="000000"/>
+                      </a:solidFill>
+                      <a:prstDash val="solid"/>
+                      <a:round/>
+                      <a:headEnd type="none" w="med" len="med"/>
+                      <a:tailEnd type="none" w="med" len="med"/>
+                    </a:lnB>
+                  </a:tcPr>
+                </a:tc>
+                <a:tc>
+                  <a:txBody>
+                    <a:bodyPr/>
+                    <a:lstStyle/>
+                    <a:p>
+                      <a:pPr algn="ctr" fontAlgn="b"/>
+                      <a:r>
+                        <a:rPr lang="en-AU" sz="1100" b="0" i="0" u="none" strike="noStrike">
+                          <a:solidFill>
+                            <a:srgbClr val="000000"/>
+                          </a:solidFill>
+                          <a:effectLst/>
+                          <a:latin typeface="Calibri" panose="020F0502020204030204" pitchFamily="34" charset="0"/>
+                        </a:rPr>
+                        <a:t>15.3</a:t>
+                      </a:r>
+                    </a:p>
+                  </a:txBody>
+                  <a:tcPr marL="7620" marR="7620" marT="7620" marB="0" anchor="b">
+                    <a:lnL w="6350" cap="flat" cmpd="sng" algn="ctr">
+                      <a:solidFill>
+                        <a:srgbClr val="000000"/>
+                      </a:solidFill>
+                      <a:prstDash val="solid"/>
+                      <a:round/>
+                      <a:headEnd type="none" w="med" len="med"/>
+                      <a:tailEnd type="none" w="med" len="med"/>
+                    </a:lnL>
+                    <a:lnR w="6350" cap="flat" cmpd="sng" algn="ctr">
+                      <a:solidFill>
+                        <a:srgbClr val="000000"/>
+                      </a:solidFill>
+                      <a:prstDash val="solid"/>
+                      <a:round/>
+                      <a:headEnd type="none" w="med" len="med"/>
+                      <a:tailEnd type="none" w="med" len="med"/>
+                    </a:lnR>
+                    <a:lnT w="6350" cap="flat" cmpd="sng" algn="ctr">
+                      <a:solidFill>
+                        <a:srgbClr val="000000"/>
+                      </a:solidFill>
+                      <a:prstDash val="solid"/>
+                      <a:round/>
+                      <a:headEnd type="none" w="med" len="med"/>
+                      <a:tailEnd type="none" w="med" len="med"/>
+                    </a:lnT>
+                    <a:lnB w="6350" cap="flat" cmpd="sng" algn="ctr">
+                      <a:solidFill>
+                        <a:srgbClr val="000000"/>
+                      </a:solidFill>
+                      <a:prstDash val="solid"/>
+                      <a:round/>
+                      <a:headEnd type="none" w="med" len="med"/>
+                      <a:tailEnd type="none" w="med" len="med"/>
+                    </a:lnB>
+                  </a:tcPr>
+                </a:tc>
+                <a:tc>
+                  <a:txBody>
+                    <a:bodyPr/>
+                    <a:lstStyle/>
+                    <a:p>
+                      <a:pPr algn="ctr" fontAlgn="b"/>
+                      <a:r>
+                        <a:rPr lang="en-AU" sz="1100" b="0" i="0" u="none" strike="noStrike">
+                          <a:solidFill>
+                            <a:srgbClr val="000000"/>
+                          </a:solidFill>
+                          <a:effectLst/>
+                          <a:latin typeface="Calibri" panose="020F0502020204030204" pitchFamily="34" charset="0"/>
+                        </a:rPr>
+                        <a:t>11.98</a:t>
+                      </a:r>
+                    </a:p>
+                  </a:txBody>
+                  <a:tcPr marL="7620" marR="7620" marT="7620" marB="0" anchor="b">
+                    <a:lnL w="6350" cap="flat" cmpd="sng" algn="ctr">
+                      <a:solidFill>
+                        <a:srgbClr val="000000"/>
+                      </a:solidFill>
+                      <a:prstDash val="solid"/>
+                      <a:round/>
+                      <a:headEnd type="none" w="med" len="med"/>
+                      <a:tailEnd type="none" w="med" len="med"/>
+                    </a:lnL>
+                    <a:lnR w="6350" cap="flat" cmpd="sng" algn="ctr">
+                      <a:solidFill>
+                        <a:srgbClr val="000000"/>
+                      </a:solidFill>
+                      <a:prstDash val="solid"/>
+                      <a:round/>
+                      <a:headEnd type="none" w="med" len="med"/>
+                      <a:tailEnd type="none" w="med" len="med"/>
+                    </a:lnR>
+                    <a:lnT w="6350" cap="flat" cmpd="sng" algn="ctr">
+                      <a:solidFill>
+                        <a:srgbClr val="000000"/>
+                      </a:solidFill>
+                      <a:prstDash val="solid"/>
+                      <a:round/>
+                      <a:headEnd type="none" w="med" len="med"/>
+                      <a:tailEnd type="none" w="med" len="med"/>
+                    </a:lnT>
+                    <a:lnB w="6350" cap="flat" cmpd="sng" algn="ctr">
+                      <a:solidFill>
+                        <a:srgbClr val="000000"/>
+                      </a:solidFill>
+                      <a:prstDash val="solid"/>
+                      <a:round/>
+                      <a:headEnd type="none" w="med" len="med"/>
+                      <a:tailEnd type="none" w="med" len="med"/>
+                    </a:lnB>
+                  </a:tcPr>
+                </a:tc>
+                <a:tc>
+                  <a:txBody>
+                    <a:bodyPr/>
+                    <a:lstStyle/>
+                    <a:p>
+                      <a:pPr algn="ctr" fontAlgn="b"/>
+                      <a:r>
+                        <a:rPr lang="en-AU" sz="1100" b="0" i="0" u="none" strike="noStrike" dirty="0">
+                          <a:solidFill>
+                            <a:srgbClr val="000000"/>
+                          </a:solidFill>
+                          <a:effectLst/>
+                          <a:latin typeface="Calibri" panose="020F0502020204030204" pitchFamily="34" charset="0"/>
+                        </a:rPr>
+                        <a:t>28%</a:t>
+                      </a:r>
+                    </a:p>
+                  </a:txBody>
+                  <a:tcPr marL="7620" marR="7620" marT="7620" marB="0" anchor="b">
+                    <a:lnL w="6350" cap="flat" cmpd="sng" algn="ctr">
+                      <a:solidFill>
+                        <a:srgbClr val="000000"/>
+                      </a:solidFill>
+                      <a:prstDash val="solid"/>
+                      <a:round/>
+                      <a:headEnd type="none" w="med" len="med"/>
+                      <a:tailEnd type="none" w="med" len="med"/>
+                    </a:lnL>
+                    <a:lnR w="6350" cap="flat" cmpd="sng" algn="ctr">
+                      <a:solidFill>
+                        <a:srgbClr val="000000"/>
+                      </a:solidFill>
+                      <a:prstDash val="solid"/>
+                      <a:round/>
+                      <a:headEnd type="none" w="med" len="med"/>
+                      <a:tailEnd type="none" w="med" len="med"/>
+                    </a:lnR>
+                    <a:lnT w="6350" cap="flat" cmpd="sng" algn="ctr">
+                      <a:solidFill>
+                        <a:srgbClr val="000000"/>
+                      </a:solidFill>
+                      <a:prstDash val="solid"/>
+                      <a:round/>
+                      <a:headEnd type="none" w="med" len="med"/>
+                      <a:tailEnd type="none" w="med" len="med"/>
+                    </a:lnT>
+                    <a:lnB w="6350" cap="flat" cmpd="sng" algn="ctr">
+                      <a:solidFill>
+                        <a:srgbClr val="000000"/>
+                      </a:solidFill>
+                      <a:prstDash val="solid"/>
+                      <a:round/>
+                      <a:headEnd type="none" w="med" len="med"/>
+                      <a:tailEnd type="none" w="med" len="med"/>
+                    </a:lnB>
+                  </a:tcPr>
+                </a:tc>
+                <a:extLst>
+                  <a:ext uri="{0D108BD9-81ED-4DB2-BD59-A6C34878D82A}">
+                    <a16:rowId xmlns:a16="http://schemas.microsoft.com/office/drawing/2014/main" val="2462116195"/>
+                  </a:ext>
+                </a:extLst>
+              </a:tr>
+              <a:tr h="360872">
+                <a:tc>
+                  <a:txBody>
+                    <a:bodyPr/>
+                    <a:lstStyle/>
+                    <a:p>
+                      <a:pPr algn="ctr" fontAlgn="b"/>
+                      <a:r>
+                        <a:rPr lang="en-AU" sz="1100" b="0" i="0" u="none" strike="noStrike">
+                          <a:solidFill>
+                            <a:srgbClr val="000000"/>
+                          </a:solidFill>
+                          <a:effectLst/>
+                          <a:latin typeface="Calibri" panose="020F0502020204030204" pitchFamily="34" charset="0"/>
+                        </a:rPr>
+                        <a:t>Autumn</a:t>
+                      </a:r>
+                    </a:p>
+                  </a:txBody>
+                  <a:tcPr marL="7620" marR="7620" marT="7620" marB="0" anchor="b">
+                    <a:lnL w="6350" cap="flat" cmpd="sng" algn="ctr">
+                      <a:solidFill>
+                        <a:srgbClr val="000000"/>
+                      </a:solidFill>
+                      <a:prstDash val="solid"/>
+                      <a:round/>
+                      <a:headEnd type="none" w="med" len="med"/>
+                      <a:tailEnd type="none" w="med" len="med"/>
+                    </a:lnL>
+                    <a:lnR w="6350" cap="flat" cmpd="sng" algn="ctr">
+                      <a:solidFill>
+                        <a:srgbClr val="000000"/>
+                      </a:solidFill>
+                      <a:prstDash val="solid"/>
+                      <a:round/>
+                      <a:headEnd type="none" w="med" len="med"/>
+                      <a:tailEnd type="none" w="med" len="med"/>
+                    </a:lnR>
+                    <a:lnT w="6350" cap="flat" cmpd="sng" algn="ctr">
+                      <a:solidFill>
+                        <a:srgbClr val="000000"/>
+                      </a:solidFill>
+                      <a:prstDash val="solid"/>
+                      <a:round/>
+                      <a:headEnd type="none" w="med" len="med"/>
+                      <a:tailEnd type="none" w="med" len="med"/>
+                    </a:lnT>
+                    <a:lnB w="6350" cap="flat" cmpd="sng" algn="ctr">
+                      <a:solidFill>
+                        <a:srgbClr val="000000"/>
+                      </a:solidFill>
+                      <a:prstDash val="solid"/>
+                      <a:round/>
+                      <a:headEnd type="none" w="med" len="med"/>
+                      <a:tailEnd type="none" w="med" len="med"/>
+                    </a:lnB>
+                  </a:tcPr>
+                </a:tc>
+                <a:tc>
+                  <a:txBody>
+                    <a:bodyPr/>
+                    <a:lstStyle/>
+                    <a:p>
+                      <a:pPr algn="ctr" fontAlgn="b"/>
+                      <a:r>
+                        <a:rPr lang="en-AU" sz="1100" b="0" i="0" u="none" strike="noStrike">
+                          <a:solidFill>
+                            <a:srgbClr val="000000"/>
+                          </a:solidFill>
+                          <a:effectLst/>
+                          <a:latin typeface="Calibri" panose="020F0502020204030204" pitchFamily="34" charset="0"/>
+                        </a:rPr>
+                        <a:t>10.71</a:t>
+                      </a:r>
+                    </a:p>
+                  </a:txBody>
+                  <a:tcPr marL="7620" marR="7620" marT="7620" marB="0" anchor="b">
+                    <a:lnL w="6350" cap="flat" cmpd="sng" algn="ctr">
+                      <a:solidFill>
+                        <a:srgbClr val="000000"/>
+                      </a:solidFill>
+                      <a:prstDash val="solid"/>
+                      <a:round/>
+                      <a:headEnd type="none" w="med" len="med"/>
+                      <a:tailEnd type="none" w="med" len="med"/>
+                    </a:lnL>
+                    <a:lnR w="6350" cap="flat" cmpd="sng" algn="ctr">
+                      <a:solidFill>
+                        <a:srgbClr val="000000"/>
+                      </a:solidFill>
+                      <a:prstDash val="solid"/>
+                      <a:round/>
+                      <a:headEnd type="none" w="med" len="med"/>
+                      <a:tailEnd type="none" w="med" len="med"/>
+                    </a:lnR>
+                    <a:lnT w="6350" cap="flat" cmpd="sng" algn="ctr">
+                      <a:solidFill>
+                        <a:srgbClr val="000000"/>
+                      </a:solidFill>
+                      <a:prstDash val="solid"/>
+                      <a:round/>
+                      <a:headEnd type="none" w="med" len="med"/>
+                      <a:tailEnd type="none" w="med" len="med"/>
+                    </a:lnT>
+                    <a:lnB w="6350" cap="flat" cmpd="sng" algn="ctr">
+                      <a:solidFill>
+                        <a:srgbClr val="000000"/>
+                      </a:solidFill>
+                      <a:prstDash val="solid"/>
+                      <a:round/>
+                      <a:headEnd type="none" w="med" len="med"/>
+                      <a:tailEnd type="none" w="med" len="med"/>
+                    </a:lnB>
+                  </a:tcPr>
+                </a:tc>
+                <a:tc>
+                  <a:txBody>
+                    <a:bodyPr/>
+                    <a:lstStyle/>
+                    <a:p>
+                      <a:pPr algn="ctr" fontAlgn="b"/>
+                      <a:r>
+                        <a:rPr lang="en-AU" sz="1100" b="0" i="0" u="none" strike="noStrike">
+                          <a:solidFill>
+                            <a:srgbClr val="000000"/>
+                          </a:solidFill>
+                          <a:effectLst/>
+                          <a:latin typeface="Calibri" panose="020F0502020204030204" pitchFamily="34" charset="0"/>
+                        </a:rPr>
+                        <a:t>5.37</a:t>
+                      </a:r>
+                    </a:p>
+                  </a:txBody>
+                  <a:tcPr marL="7620" marR="7620" marT="7620" marB="0" anchor="b">
+                    <a:lnL w="6350" cap="flat" cmpd="sng" algn="ctr">
+                      <a:solidFill>
+                        <a:srgbClr val="000000"/>
+                      </a:solidFill>
+                      <a:prstDash val="solid"/>
+                      <a:round/>
+                      <a:headEnd type="none" w="med" len="med"/>
+                      <a:tailEnd type="none" w="med" len="med"/>
+                    </a:lnL>
+                    <a:lnR w="6350" cap="flat" cmpd="sng" algn="ctr">
+                      <a:solidFill>
+                        <a:srgbClr val="000000"/>
+                      </a:solidFill>
+                      <a:prstDash val="solid"/>
+                      <a:round/>
+                      <a:headEnd type="none" w="med" len="med"/>
+                      <a:tailEnd type="none" w="med" len="med"/>
+                    </a:lnR>
+                    <a:lnT w="6350" cap="flat" cmpd="sng" algn="ctr">
+                      <a:solidFill>
+                        <a:srgbClr val="000000"/>
+                      </a:solidFill>
+                      <a:prstDash val="solid"/>
+                      <a:round/>
+                      <a:headEnd type="none" w="med" len="med"/>
+                      <a:tailEnd type="none" w="med" len="med"/>
+                    </a:lnT>
+                    <a:lnB w="6350" cap="flat" cmpd="sng" algn="ctr">
+                      <a:solidFill>
+                        <a:srgbClr val="000000"/>
+                      </a:solidFill>
+                      <a:prstDash val="solid"/>
+                      <a:round/>
+                      <a:headEnd type="none" w="med" len="med"/>
+                      <a:tailEnd type="none" w="med" len="med"/>
+                    </a:lnB>
+                  </a:tcPr>
+                </a:tc>
+                <a:tc>
+                  <a:txBody>
+                    <a:bodyPr/>
+                    <a:lstStyle/>
+                    <a:p>
+                      <a:pPr algn="ctr" fontAlgn="b"/>
+                      <a:r>
+                        <a:rPr lang="en-AU" sz="1100" b="0" i="0" u="none" strike="noStrike" dirty="0">
+                          <a:solidFill>
+                            <a:srgbClr val="000000"/>
+                          </a:solidFill>
+                          <a:effectLst/>
+                          <a:latin typeface="Calibri" panose="020F0502020204030204" pitchFamily="34" charset="0"/>
+                        </a:rPr>
+                        <a:t>99%</a:t>
+                      </a:r>
+                    </a:p>
+                  </a:txBody>
+                  <a:tcPr marL="7620" marR="7620" marT="7620" marB="0" anchor="b">
+                    <a:lnL w="6350" cap="flat" cmpd="sng" algn="ctr">
+                      <a:solidFill>
+                        <a:srgbClr val="000000"/>
+                      </a:solidFill>
+                      <a:prstDash val="solid"/>
+                      <a:round/>
+                      <a:headEnd type="none" w="med" len="med"/>
+                      <a:tailEnd type="none" w="med" len="med"/>
+                    </a:lnL>
+                    <a:lnR w="6350" cap="flat" cmpd="sng" algn="ctr">
+                      <a:solidFill>
+                        <a:srgbClr val="000000"/>
+                      </a:solidFill>
+                      <a:prstDash val="solid"/>
+                      <a:round/>
+                      <a:headEnd type="none" w="med" len="med"/>
+                      <a:tailEnd type="none" w="med" len="med"/>
+                    </a:lnR>
+                    <a:lnT w="6350" cap="flat" cmpd="sng" algn="ctr">
+                      <a:solidFill>
+                        <a:srgbClr val="000000"/>
+                      </a:solidFill>
+                      <a:prstDash val="solid"/>
+                      <a:round/>
+                      <a:headEnd type="none" w="med" len="med"/>
+                      <a:tailEnd type="none" w="med" len="med"/>
+                    </a:lnT>
+                    <a:lnB w="6350" cap="flat" cmpd="sng" algn="ctr">
+                      <a:solidFill>
+                        <a:srgbClr val="000000"/>
+                      </a:solidFill>
+                      <a:prstDash val="solid"/>
+                      <a:round/>
+                      <a:headEnd type="none" w="med" len="med"/>
+                      <a:tailEnd type="none" w="med" len="med"/>
+                    </a:lnB>
+                  </a:tcPr>
+                </a:tc>
+                <a:extLst>
+                  <a:ext uri="{0D108BD9-81ED-4DB2-BD59-A6C34878D82A}">
+                    <a16:rowId xmlns:a16="http://schemas.microsoft.com/office/drawing/2014/main" val="2719897389"/>
+                  </a:ext>
+                </a:extLst>
+              </a:tr>
+            </a:tbl>
+          </a:graphicData>
+        </a:graphic>
+      </p:graphicFrame>
+      <p:sp>
+        <p:nvSpPr>
+          <p:cNvPr id="6" name="TextBox 5">
+            <a:extLst>
+              <a:ext uri="{FF2B5EF4-FFF2-40B4-BE49-F238E27FC236}">
+                <a16:creationId xmlns:a16="http://schemas.microsoft.com/office/drawing/2014/main" id="{48E93124-CD5A-4E4B-B864-8A7D53EDEF45}"/>
               </a:ext>
             </a:extLst>
           </p:cNvPr>
@@ -5745,8 +7142,8 @@
         </p:nvSpPr>
         <p:spPr>
           <a:xfrm>
-            <a:off x="3167910" y="4404741"/>
-            <a:ext cx="3864456" cy="646331"/>
+            <a:off x="3359716" y="2063319"/>
+            <a:ext cx="5189882" cy="369332"/>
           </a:xfrm>
           <a:prstGeom prst="rect">
             <a:avLst/>
@@ -5760,22 +7157,16 @@
           <a:lstStyle/>
           <a:p>
             <a:r>
-              <a:rPr lang="en-AU" dirty="0">
-                <a:hlinkClick r:id="rId5"/>
-              </a:rPr>
-              <a:t>https://simplemaps.com/data/au-cities</a:t>
-            </a:r>
-            <a:endParaRPr lang="en-AU" dirty="0"/>
-          </a:p>
-          <a:p>
-            <a:endParaRPr lang="en-AU" dirty="0"/>
+              <a:rPr lang="en-AU" dirty="0"/>
+              <a:t>Average UV Index Comparison (Halls Creek vs Albany)</a:t>
+            </a:r>
           </a:p>
         </p:txBody>
       </p:sp>
     </p:spTree>
     <p:extLst>
       <p:ext uri="{BB962C8B-B14F-4D97-AF65-F5344CB8AC3E}">
-        <p14:creationId xmlns:p14="http://schemas.microsoft.com/office/powerpoint/2010/main" val="3418223256"/>
+        <p14:creationId xmlns:p14="http://schemas.microsoft.com/office/powerpoint/2010/main" val="4045537399"/>
       </p:ext>
     </p:extLst>
   </p:cSld>
@@ -5785,7 +7176,7 @@
 </p:sld>
 </file>
 
-<file path=ppt/slides/slide4.xml><?xml version="1.0" encoding="utf-8"?>
+<file path=ppt/slides/slide12.xml><?xml version="1.0" encoding="utf-8"?>
 <p:sld xmlns:a="http://schemas.openxmlformats.org/drawingml/2006/main" xmlns:r="http://schemas.openxmlformats.org/officeDocument/2006/relationships" xmlns:p="http://schemas.openxmlformats.org/presentationml/2006/main">
   <p:cSld>
     <p:bg>
@@ -6359,51 +7750,12 @@
           </a:p>
         </p:txBody>
       </p:sp>
-      <p:pic>
-        <p:nvPicPr>
-          <p:cNvPr id="13" name="Graphic 12" descr="Table">
-            <a:extLst>
-              <a:ext uri="{FF2B5EF4-FFF2-40B4-BE49-F238E27FC236}">
-                <a16:creationId xmlns:a16="http://schemas.microsoft.com/office/drawing/2014/main" id="{EBB6CA1A-54A7-48AB-A1B4-751E80897FC7}"/>
-              </a:ext>
-            </a:extLst>
-          </p:cNvPr>
-          <p:cNvPicPr>
-            <a:picLocks noChangeAspect="1"/>
-          </p:cNvPicPr>
-          <p:nvPr/>
-        </p:nvPicPr>
-        <p:blipFill>
-          <a:blip r:embed="rId2">
-            <a:extLst>
-              <a:ext uri="{28A0092B-C50C-407E-A947-70E740481C1C}">
-                <a14:useLocalDpi xmlns:a14="http://schemas.microsoft.com/office/drawing/2010/main" val="0"/>
-              </a:ext>
-              <a:ext uri="{96DAC541-7B7A-43D3-8B79-37D633B846F1}">
-                <asvg:svgBlip xmlns:asvg="http://schemas.microsoft.com/office/drawing/2016/SVG/main" r:embed="rId3"/>
-              </a:ext>
-            </a:extLst>
-          </a:blip>
-          <a:stretch>
-            <a:fillRect/>
-          </a:stretch>
-        </p:blipFill>
-        <p:spPr>
-          <a:xfrm>
-            <a:off x="7333079" y="2427987"/>
-            <a:ext cx="2568022" cy="2568022"/>
-          </a:xfrm>
-          <a:prstGeom prst="rect">
-            <a:avLst/>
-          </a:prstGeom>
-        </p:spPr>
-      </p:pic>
-      <p:sp>
-        <p:nvSpPr>
-          <p:cNvPr id="17" name="TextBox 16">
-            <a:extLst>
-              <a:ext uri="{FF2B5EF4-FFF2-40B4-BE49-F238E27FC236}">
-                <a16:creationId xmlns:a16="http://schemas.microsoft.com/office/drawing/2014/main" id="{08FF0DDE-95F9-4804-BB49-FB0521393380}"/>
+      <p:sp>
+        <p:nvSpPr>
+          <p:cNvPr id="4" name="TextBox 3">
+            <a:extLst>
+              <a:ext uri="{FF2B5EF4-FFF2-40B4-BE49-F238E27FC236}">
+                <a16:creationId xmlns:a16="http://schemas.microsoft.com/office/drawing/2014/main" id="{775523D8-CAEC-4DFB-B084-BC8DD40E99DD}"/>
               </a:ext>
             </a:extLst>
           </p:cNvPr>
@@ -6412,8 +7764,8 @@
         </p:nvSpPr>
         <p:spPr>
           <a:xfrm>
-            <a:off x="7510325" y="4534344"/>
-            <a:ext cx="2298755" cy="461665"/>
+            <a:off x="1546185" y="174805"/>
+            <a:ext cx="8865119" cy="1754326"/>
           </a:xfrm>
           <a:prstGeom prst="rect">
             <a:avLst/>
@@ -6421,102 +7773,14 @@
           <a:noFill/>
         </p:spPr>
         <p:txBody>
-          <a:bodyPr wrap="square" rtlCol="0">
+          <a:bodyPr wrap="none" rtlCol="0">
             <a:spAutoFit/>
           </a:bodyPr>
           <a:lstStyle/>
           <a:p>
             <a:pPr algn="ctr"/>
             <a:r>
-              <a:rPr lang="en-AU" sz="2400" b="1" dirty="0"/>
-              <a:t>csv and Json</a:t>
-            </a:r>
-          </a:p>
-        </p:txBody>
-      </p:sp>
-      <p:sp>
-        <p:nvSpPr>
-          <p:cNvPr id="19" name="Arrow: Right 18">
-            <a:extLst>
-              <a:ext uri="{FF2B5EF4-FFF2-40B4-BE49-F238E27FC236}">
-                <a16:creationId xmlns:a16="http://schemas.microsoft.com/office/drawing/2014/main" id="{68A55867-6F94-4FE9-80F5-F3F87B2B1A5B}"/>
-              </a:ext>
-            </a:extLst>
-          </p:cNvPr>
-          <p:cNvSpPr/>
-          <p:nvPr/>
-        </p:nvSpPr>
-        <p:spPr>
-          <a:xfrm>
-            <a:off x="5364833" y="3343439"/>
-            <a:ext cx="1372902" cy="737118"/>
-          </a:xfrm>
-          <a:prstGeom prst="rightArrow">
-            <a:avLst/>
-          </a:prstGeom>
-          <a:solidFill>
-            <a:schemeClr val="accent1">
-              <a:lumMod val="60000"/>
-              <a:lumOff val="40000"/>
-            </a:schemeClr>
-          </a:solidFill>
-        </p:spPr>
-        <p:style>
-          <a:lnRef idx="2">
-            <a:schemeClr val="accent1">
-              <a:shade val="50000"/>
-            </a:schemeClr>
-          </a:lnRef>
-          <a:fillRef idx="1">
-            <a:schemeClr val="accent1"/>
-          </a:fillRef>
-          <a:effectRef idx="0">
-            <a:schemeClr val="accent1"/>
-          </a:effectRef>
-          <a:fontRef idx="minor">
-            <a:schemeClr val="lt1"/>
-          </a:fontRef>
-        </p:style>
-        <p:txBody>
-          <a:bodyPr rtlCol="0" anchor="ctr"/>
-          <a:lstStyle/>
-          <a:p>
-            <a:pPr algn="ctr"/>
-            <a:endParaRPr lang="en-AU"/>
-          </a:p>
-        </p:txBody>
-      </p:sp>
-      <p:sp>
-        <p:nvSpPr>
-          <p:cNvPr id="22" name="TextBox 21">
-            <a:extLst>
-              <a:ext uri="{FF2B5EF4-FFF2-40B4-BE49-F238E27FC236}">
-                <a16:creationId xmlns:a16="http://schemas.microsoft.com/office/drawing/2014/main" id="{00A26737-E374-464B-9D91-A9C70094714D}"/>
-              </a:ext>
-            </a:extLst>
-          </p:cNvPr>
-          <p:cNvSpPr txBox="1"/>
-          <p:nvPr/>
-        </p:nvSpPr>
-        <p:spPr>
-          <a:xfrm>
-            <a:off x="2050191" y="476671"/>
-            <a:ext cx="7715610" cy="2123658"/>
-          </a:xfrm>
-          <a:prstGeom prst="rect">
-            <a:avLst/>
-          </a:prstGeom>
-          <a:noFill/>
-        </p:spPr>
-        <p:txBody>
-          <a:bodyPr wrap="square" rtlCol="0">
-            <a:spAutoFit/>
-          </a:bodyPr>
-          <a:lstStyle/>
-          <a:p>
-            <a:pPr algn="ctr"/>
-            <a:r>
-              <a:rPr lang="en-AU" sz="4400" b="1" dirty="0">
+              <a:rPr lang="en-AU" sz="5400" b="1" dirty="0">
                 <a:solidFill>
                   <a:schemeClr val="accent6">
                     <a:lumMod val="75000"/>
@@ -6529,44 +7793,79 @@
           <a:p>
             <a:pPr algn="ctr"/>
             <a:r>
-              <a:rPr lang="en-AU" sz="4400" b="1" dirty="0">
+              <a:rPr lang="en-AU" sz="5400" b="1" dirty="0">
                 <a:solidFill>
                   <a:schemeClr val="accent6">
                     <a:lumMod val="75000"/>
                   </a:schemeClr>
                 </a:solidFill>
               </a:rPr>
-              <a:t>Extract Historical Data from </a:t>
-            </a:r>
-            <a:r>
-              <a:rPr lang="en-AU" sz="4400" b="1" dirty="0" err="1">
-                <a:solidFill>
-                  <a:schemeClr val="accent6">
-                    <a:lumMod val="75000"/>
-                  </a:schemeClr>
-                </a:solidFill>
-              </a:rPr>
-              <a:t>OpenWeather</a:t>
-            </a:r>
-            <a:r>
-              <a:rPr lang="en-AU" sz="4400" b="1" dirty="0">
-                <a:solidFill>
-                  <a:schemeClr val="accent6">
-                    <a:lumMod val="75000"/>
-                  </a:schemeClr>
-                </a:solidFill>
-              </a:rPr>
-              <a:t> API</a:t>
+              <a:t>Analysis Conclusion/Summary</a:t>
+            </a:r>
+          </a:p>
+        </p:txBody>
+      </p:sp>
+      <p:sp>
+        <p:nvSpPr>
+          <p:cNvPr id="7" name="TextBox 6">
+            <a:extLst>
+              <a:ext uri="{FF2B5EF4-FFF2-40B4-BE49-F238E27FC236}">
+                <a16:creationId xmlns:a16="http://schemas.microsoft.com/office/drawing/2014/main" id="{9606B31D-BF23-403C-9DF1-B9C735320B41}"/>
+              </a:ext>
+            </a:extLst>
+          </p:cNvPr>
+          <p:cNvSpPr txBox="1"/>
+          <p:nvPr/>
+        </p:nvSpPr>
+        <p:spPr>
+          <a:xfrm>
+            <a:off x="1618599" y="2503722"/>
+            <a:ext cx="8282502" cy="1754326"/>
+          </a:xfrm>
+          <a:prstGeom prst="rect">
+            <a:avLst/>
+          </a:prstGeom>
+          <a:noFill/>
+        </p:spPr>
+        <p:txBody>
+          <a:bodyPr wrap="square" rtlCol="0">
+            <a:spAutoFit/>
+          </a:bodyPr>
+          <a:lstStyle/>
+          <a:p>
+            <a:endParaRPr lang="en-AU" dirty="0"/>
+          </a:p>
+          <a:p>
+            <a:pPr marL="285750" indent="-285750">
+              <a:buFont typeface="Arial" panose="020B0604020202020204" pitchFamily="34" charset="0"/>
+              <a:buChar char="•"/>
+            </a:pPr>
+            <a:r>
+              <a:rPr lang="en-AU" dirty="0"/>
+              <a:t>Through this analysis, we hope that we have raised awareness of the high UV index in WA throughout the year. </a:t>
+            </a:r>
+          </a:p>
+          <a:p>
+            <a:endParaRPr lang="en-AU" dirty="0"/>
+          </a:p>
+          <a:p>
+            <a:pPr marL="285750" indent="-285750">
+              <a:buFont typeface="Arial" panose="020B0604020202020204" pitchFamily="34" charset="0"/>
+              <a:buChar char="•"/>
+            </a:pPr>
+            <a:r>
+              <a:rPr lang="en-AU" dirty="0"/>
+              <a:t>In general, WA has very high UV index. Therefore it is important that we always remember Slip, Slop, Slap, Seek and Slide.</a:t>
             </a:r>
           </a:p>
         </p:txBody>
       </p:sp>
       <p:pic>
         <p:nvPicPr>
-          <p:cNvPr id="3" name="Graphic 2" descr="Web design">
-            <a:extLst>
-              <a:ext uri="{FF2B5EF4-FFF2-40B4-BE49-F238E27FC236}">
-                <a16:creationId xmlns:a16="http://schemas.microsoft.com/office/drawing/2014/main" id="{AB13133B-702F-4E53-9419-F6DB2F9EA32E}"/>
+          <p:cNvPr id="2" name="Picture 1">
+            <a:extLst>
+              <a:ext uri="{FF2B5EF4-FFF2-40B4-BE49-F238E27FC236}">
+                <a16:creationId xmlns:a16="http://schemas.microsoft.com/office/drawing/2014/main" id="{60AE3730-15EF-42FC-B236-D1C3BA55B583}"/>
               </a:ext>
             </a:extLst>
           </p:cNvPr>
@@ -6576,73 +7875,25 @@
           <p:nvPr/>
         </p:nvPicPr>
         <p:blipFill>
-          <a:blip r:embed="rId4">
-            <a:extLst>
-              <a:ext uri="{28A0092B-C50C-407E-A947-70E740481C1C}">
-                <a14:useLocalDpi xmlns:a14="http://schemas.microsoft.com/office/drawing/2010/main" val="0"/>
-              </a:ext>
-              <a:ext uri="{96DAC541-7B7A-43D3-8B79-37D633B846F1}">
-                <asvg:svgBlip xmlns:asvg="http://schemas.microsoft.com/office/drawing/2016/SVG/main" r:embed="rId5"/>
-              </a:ext>
-            </a:extLst>
-          </a:blip>
+          <a:blip r:embed="rId2"/>
           <a:stretch>
             <a:fillRect/>
           </a:stretch>
         </p:blipFill>
         <p:spPr>
           <a:xfrm>
-            <a:off x="2423133" y="2739212"/>
-            <a:ext cx="1866991" cy="1866991"/>
+            <a:off x="1360618" y="5197071"/>
+            <a:ext cx="5617018" cy="1548968"/>
           </a:xfrm>
           <a:prstGeom prst="rect">
             <a:avLst/>
           </a:prstGeom>
         </p:spPr>
       </p:pic>
-      <p:sp>
-        <p:nvSpPr>
-          <p:cNvPr id="4" name="TextBox 3">
-            <a:extLst>
-              <a:ext uri="{FF2B5EF4-FFF2-40B4-BE49-F238E27FC236}">
-                <a16:creationId xmlns:a16="http://schemas.microsoft.com/office/drawing/2014/main" id="{3C676C28-9701-455F-AF65-2ECDAD84BB0E}"/>
-              </a:ext>
-            </a:extLst>
-          </p:cNvPr>
-          <p:cNvSpPr txBox="1"/>
-          <p:nvPr/>
-        </p:nvSpPr>
-        <p:spPr>
-          <a:xfrm>
-            <a:off x="2269948" y="4353374"/>
-            <a:ext cx="2488758" cy="461665"/>
-          </a:xfrm>
-          <a:prstGeom prst="rect">
-            <a:avLst/>
-          </a:prstGeom>
-          <a:noFill/>
-        </p:spPr>
-        <p:txBody>
-          <a:bodyPr wrap="none" rtlCol="0">
-            <a:spAutoFit/>
-          </a:bodyPr>
-          <a:lstStyle/>
-          <a:p>
-            <a:r>
-              <a:rPr lang="en-AU" sz="2400" b="1" dirty="0" err="1"/>
-              <a:t>OpenWeather</a:t>
-            </a:r>
-            <a:r>
-              <a:rPr lang="en-AU" sz="2400" b="1" dirty="0"/>
-              <a:t> API</a:t>
-            </a:r>
-          </a:p>
-        </p:txBody>
-      </p:sp>
     </p:spTree>
     <p:extLst>
       <p:ext uri="{BB962C8B-B14F-4D97-AF65-F5344CB8AC3E}">
-        <p14:creationId xmlns:p14="http://schemas.microsoft.com/office/powerpoint/2010/main" val="3630936026"/>
+        <p14:creationId xmlns:p14="http://schemas.microsoft.com/office/powerpoint/2010/main" val="3994323781"/>
       </p:ext>
     </p:extLst>
   </p:cSld>
@@ -6652,7 +7903,7 @@
 </p:sld>
 </file>
 
-<file path=ppt/slides/slide5.xml><?xml version="1.0" encoding="utf-8"?>
+<file path=ppt/slides/slide2.xml><?xml version="1.0" encoding="utf-8"?>
 <p:sld xmlns:a="http://schemas.openxmlformats.org/drawingml/2006/main" xmlns:r="http://schemas.openxmlformats.org/officeDocument/2006/relationships" xmlns:p="http://schemas.openxmlformats.org/presentationml/2006/main">
   <p:cSld>
     <p:bg>
@@ -7226,90 +8477,12 @@
           </a:p>
         </p:txBody>
       </p:sp>
-      <p:pic>
-        <p:nvPicPr>
-          <p:cNvPr id="9" name="Graphic 8" descr="Database">
-            <a:extLst>
-              <a:ext uri="{FF2B5EF4-FFF2-40B4-BE49-F238E27FC236}">
-                <a16:creationId xmlns:a16="http://schemas.microsoft.com/office/drawing/2014/main" id="{ADF7A8C6-7576-4BD0-80AA-3CB17D33012F}"/>
-              </a:ext>
-            </a:extLst>
-          </p:cNvPr>
-          <p:cNvPicPr>
-            <a:picLocks noChangeAspect="1"/>
-          </p:cNvPicPr>
-          <p:nvPr/>
-        </p:nvPicPr>
-        <p:blipFill>
-          <a:blip r:embed="rId2">
-            <a:extLst>
-              <a:ext uri="{28A0092B-C50C-407E-A947-70E740481C1C}">
-                <a14:useLocalDpi xmlns:a14="http://schemas.microsoft.com/office/drawing/2010/main" val="0"/>
-              </a:ext>
-              <a:ext uri="{96DAC541-7B7A-43D3-8B79-37D633B846F1}">
-                <asvg:svgBlip xmlns:asvg="http://schemas.microsoft.com/office/drawing/2016/SVG/main" r:embed="rId3"/>
-              </a:ext>
-            </a:extLst>
-          </a:blip>
-          <a:stretch>
-            <a:fillRect/>
-          </a:stretch>
-        </p:blipFill>
-        <p:spPr>
-          <a:xfrm>
-            <a:off x="5050137" y="2537666"/>
-            <a:ext cx="2181838" cy="2181838"/>
-          </a:xfrm>
-          <a:prstGeom prst="rect">
-            <a:avLst/>
-          </a:prstGeom>
-        </p:spPr>
-      </p:pic>
-      <p:pic>
-        <p:nvPicPr>
-          <p:cNvPr id="13" name="Graphic 12" descr="Table">
-            <a:extLst>
-              <a:ext uri="{FF2B5EF4-FFF2-40B4-BE49-F238E27FC236}">
-                <a16:creationId xmlns:a16="http://schemas.microsoft.com/office/drawing/2014/main" id="{EBB6CA1A-54A7-48AB-A1B4-751E80897FC7}"/>
-              </a:ext>
-            </a:extLst>
-          </p:cNvPr>
-          <p:cNvPicPr>
-            <a:picLocks noChangeAspect="1"/>
-          </p:cNvPicPr>
-          <p:nvPr/>
-        </p:nvPicPr>
-        <p:blipFill>
-          <a:blip r:embed="rId4">
-            <a:extLst>
-              <a:ext uri="{28A0092B-C50C-407E-A947-70E740481C1C}">
-                <a14:useLocalDpi xmlns:a14="http://schemas.microsoft.com/office/drawing/2010/main" val="0"/>
-              </a:ext>
-              <a:ext uri="{96DAC541-7B7A-43D3-8B79-37D633B846F1}">
-                <asvg:svgBlip xmlns:asvg="http://schemas.microsoft.com/office/drawing/2016/SVG/main" r:embed="rId5"/>
-              </a:ext>
-            </a:extLst>
-          </a:blip>
-          <a:stretch>
-            <a:fillRect/>
-          </a:stretch>
-        </p:blipFill>
-        <p:spPr>
-          <a:xfrm>
-            <a:off x="766180" y="2419405"/>
-            <a:ext cx="2568022" cy="2568022"/>
-          </a:xfrm>
-          <a:prstGeom prst="rect">
-            <a:avLst/>
-          </a:prstGeom>
-        </p:spPr>
-      </p:pic>
-      <p:sp>
-        <p:nvSpPr>
-          <p:cNvPr id="17" name="TextBox 16">
-            <a:extLst>
-              <a:ext uri="{FF2B5EF4-FFF2-40B4-BE49-F238E27FC236}">
-                <a16:creationId xmlns:a16="http://schemas.microsoft.com/office/drawing/2014/main" id="{08FF0DDE-95F9-4804-BB49-FB0521393380}"/>
+      <p:sp>
+        <p:nvSpPr>
+          <p:cNvPr id="22" name="TextBox 21">
+            <a:extLst>
+              <a:ext uri="{FF2B5EF4-FFF2-40B4-BE49-F238E27FC236}">
+                <a16:creationId xmlns:a16="http://schemas.microsoft.com/office/drawing/2014/main" id="{00A26737-E374-464B-9D91-A9C70094714D}"/>
               </a:ext>
             </a:extLst>
           </p:cNvPr>
@@ -7318,8 +8491,8 @@
         </p:nvSpPr>
         <p:spPr>
           <a:xfrm>
-            <a:off x="1459804" y="4620833"/>
-            <a:ext cx="1180774" cy="461665"/>
+            <a:off x="1887819" y="214046"/>
+            <a:ext cx="7715610" cy="1569660"/>
           </a:xfrm>
           <a:prstGeom prst="rect">
             <a:avLst/>
@@ -7334,213 +8507,25 @@
           <a:p>
             <a:pPr algn="ctr"/>
             <a:r>
-              <a:rPr lang="en-AU" sz="2400" b="1" dirty="0"/>
-              <a:t>csv file</a:t>
-            </a:r>
-          </a:p>
-        </p:txBody>
-      </p:sp>
-      <p:sp>
-        <p:nvSpPr>
-          <p:cNvPr id="21" name="TextBox 20">
-            <a:extLst>
-              <a:ext uri="{FF2B5EF4-FFF2-40B4-BE49-F238E27FC236}">
-                <a16:creationId xmlns:a16="http://schemas.microsoft.com/office/drawing/2014/main" id="{7C5BD3B3-8CAB-48A0-82F9-123D19EA3A07}"/>
-              </a:ext>
-            </a:extLst>
-          </p:cNvPr>
-          <p:cNvSpPr txBox="1"/>
-          <p:nvPr/>
-        </p:nvSpPr>
-        <p:spPr>
-          <a:xfrm>
-            <a:off x="5550669" y="4572228"/>
-            <a:ext cx="1144675" cy="461665"/>
-          </a:xfrm>
-          <a:prstGeom prst="rect">
-            <a:avLst/>
-          </a:prstGeom>
-          <a:noFill/>
-        </p:spPr>
-        <p:txBody>
-          <a:bodyPr wrap="square" rtlCol="0">
-            <a:spAutoFit/>
-          </a:bodyPr>
-          <a:lstStyle/>
-          <a:p>
-            <a:pPr algn="ctr"/>
-            <a:r>
-              <a:rPr lang="en-AU" sz="2400" b="1" dirty="0"/>
-              <a:t>SQLITE</a:t>
-            </a:r>
-          </a:p>
-        </p:txBody>
-      </p:sp>
-      <p:sp>
-        <p:nvSpPr>
-          <p:cNvPr id="19" name="Arrow: Right 18">
-            <a:extLst>
-              <a:ext uri="{FF2B5EF4-FFF2-40B4-BE49-F238E27FC236}">
-                <a16:creationId xmlns:a16="http://schemas.microsoft.com/office/drawing/2014/main" id="{68A55867-6F94-4FE9-80F5-F3F87B2B1A5B}"/>
-              </a:ext>
-            </a:extLst>
-          </p:cNvPr>
-          <p:cNvSpPr/>
-          <p:nvPr/>
-        </p:nvSpPr>
-        <p:spPr>
-          <a:xfrm>
-            <a:off x="3411588" y="3196328"/>
-            <a:ext cx="1372902" cy="737118"/>
-          </a:xfrm>
-          <a:prstGeom prst="rightArrow">
-            <a:avLst/>
-          </a:prstGeom>
-          <a:solidFill>
-            <a:schemeClr val="accent1">
-              <a:lumMod val="60000"/>
-              <a:lumOff val="40000"/>
-            </a:schemeClr>
-          </a:solidFill>
-        </p:spPr>
-        <p:style>
-          <a:lnRef idx="2">
-            <a:schemeClr val="accent1">
-              <a:shade val="50000"/>
-            </a:schemeClr>
-          </a:lnRef>
-          <a:fillRef idx="1">
-            <a:schemeClr val="accent1"/>
-          </a:fillRef>
-          <a:effectRef idx="0">
-            <a:schemeClr val="accent1"/>
-          </a:effectRef>
-          <a:fontRef idx="minor">
-            <a:schemeClr val="lt1"/>
-          </a:fontRef>
-        </p:style>
-        <p:txBody>
-          <a:bodyPr rtlCol="0" anchor="ctr"/>
-          <a:lstStyle/>
-          <a:p>
-            <a:pPr algn="ctr"/>
-            <a:endParaRPr lang="en-AU"/>
-          </a:p>
-        </p:txBody>
-      </p:sp>
-      <p:sp>
-        <p:nvSpPr>
-          <p:cNvPr id="22" name="TextBox 21">
-            <a:extLst>
-              <a:ext uri="{FF2B5EF4-FFF2-40B4-BE49-F238E27FC236}">
-                <a16:creationId xmlns:a16="http://schemas.microsoft.com/office/drawing/2014/main" id="{00A26737-E374-464B-9D91-A9C70094714D}"/>
-              </a:ext>
-            </a:extLst>
-          </p:cNvPr>
-          <p:cNvSpPr txBox="1"/>
-          <p:nvPr/>
-        </p:nvSpPr>
-        <p:spPr>
-          <a:xfrm>
-            <a:off x="2435095" y="795853"/>
-            <a:ext cx="7715610" cy="1446550"/>
-          </a:xfrm>
-          <a:prstGeom prst="rect">
-            <a:avLst/>
-          </a:prstGeom>
-          <a:noFill/>
-        </p:spPr>
-        <p:txBody>
-          <a:bodyPr wrap="square" rtlCol="0">
-            <a:spAutoFit/>
-          </a:bodyPr>
-          <a:lstStyle/>
-          <a:p>
-            <a:pPr algn="ctr"/>
-            <a:r>
-              <a:rPr lang="en-AU" sz="4400" b="1" dirty="0">
+              <a:rPr lang="en-AU" sz="4800" b="1" dirty="0">
                 <a:solidFill>
                   <a:schemeClr val="accent6">
                     <a:lumMod val="75000"/>
                   </a:schemeClr>
                 </a:solidFill>
+                <a:latin typeface="+mj-lt"/>
               </a:rPr>
-              <a:t>Western Australia UV Index</a:t>
-            </a:r>
-          </a:p>
-          <a:p>
-            <a:pPr algn="ctr"/>
-            <a:r>
-              <a:rPr lang="en-AU" sz="4400" b="1" dirty="0">
-                <a:solidFill>
-                  <a:schemeClr val="accent6">
-                    <a:lumMod val="75000"/>
-                  </a:schemeClr>
-                </a:solidFill>
-              </a:rPr>
-              <a:t>Historical Data Storage</a:t>
-            </a:r>
-          </a:p>
-        </p:txBody>
-      </p:sp>
-      <p:sp>
-        <p:nvSpPr>
-          <p:cNvPr id="23" name="Arrow: Right 22">
-            <a:extLst>
-              <a:ext uri="{FF2B5EF4-FFF2-40B4-BE49-F238E27FC236}">
-                <a16:creationId xmlns:a16="http://schemas.microsoft.com/office/drawing/2014/main" id="{BF544220-9D98-4F83-AC78-E39A2A6BFCEF}"/>
-              </a:ext>
-            </a:extLst>
-          </p:cNvPr>
-          <p:cNvSpPr/>
-          <p:nvPr/>
-        </p:nvSpPr>
-        <p:spPr>
-          <a:xfrm>
-            <a:off x="7800283" y="3197165"/>
-            <a:ext cx="1372902" cy="737118"/>
-          </a:xfrm>
-          <a:prstGeom prst="rightArrow">
-            <a:avLst/>
-          </a:prstGeom>
-          <a:solidFill>
-            <a:schemeClr val="accent1">
-              <a:lumMod val="60000"/>
-              <a:lumOff val="40000"/>
-            </a:schemeClr>
-          </a:solidFill>
-        </p:spPr>
-        <p:style>
-          <a:lnRef idx="2">
-            <a:schemeClr val="accent1">
-              <a:shade val="50000"/>
-            </a:schemeClr>
-          </a:lnRef>
-          <a:fillRef idx="1">
-            <a:schemeClr val="accent1"/>
-          </a:fillRef>
-          <a:effectRef idx="0">
-            <a:schemeClr val="accent1"/>
-          </a:effectRef>
-          <a:fontRef idx="minor">
-            <a:schemeClr val="lt1"/>
-          </a:fontRef>
-        </p:style>
-        <p:txBody>
-          <a:bodyPr rtlCol="0" anchor="ctr"/>
-          <a:lstStyle/>
-          <a:p>
-            <a:pPr algn="ctr"/>
-            <a:endParaRPr lang="en-AU"/>
-          </a:p>
-        </p:txBody>
-      </p:sp>
-      <p:sp>
-        <p:nvSpPr>
-          <p:cNvPr id="24" name="TextBox 23">
-            <a:extLst>
-              <a:ext uri="{FF2B5EF4-FFF2-40B4-BE49-F238E27FC236}">
-                <a16:creationId xmlns:a16="http://schemas.microsoft.com/office/drawing/2014/main" id="{C073591B-3899-4B09-B611-A75CD15EC9BB}"/>
+              <a:t>Western Australia UV Index Analysis</a:t>
+            </a:r>
+          </a:p>
+        </p:txBody>
+      </p:sp>
+      <p:sp>
+        <p:nvSpPr>
+          <p:cNvPr id="4" name="TextBox 3">
+            <a:extLst>
+              <a:ext uri="{FF2B5EF4-FFF2-40B4-BE49-F238E27FC236}">
+                <a16:creationId xmlns:a16="http://schemas.microsoft.com/office/drawing/2014/main" id="{AA65DA0C-B12F-4154-9476-BE1479B0E523}"/>
               </a:ext>
             </a:extLst>
           </p:cNvPr>
@@ -7549,8 +8534,8 @@
         </p:nvSpPr>
         <p:spPr>
           <a:xfrm>
-            <a:off x="9470857" y="3209444"/>
-            <a:ext cx="1626412" cy="830997"/>
+            <a:off x="2010106" y="3056986"/>
+            <a:ext cx="4684296" cy="1200329"/>
           </a:xfrm>
           <a:prstGeom prst="rect">
             <a:avLst/>
@@ -7558,30 +8543,159 @@
           <a:noFill/>
         </p:spPr>
         <p:txBody>
+          <a:bodyPr wrap="none" rtlCol="0">
+            <a:spAutoFit/>
+          </a:bodyPr>
+          <a:lstStyle/>
+          <a:p>
+            <a:r>
+              <a:rPr lang="en-AU" b="1" i="1" dirty="0"/>
+              <a:t>The purpose of this analysis:</a:t>
+            </a:r>
+          </a:p>
+          <a:p>
+            <a:pPr marL="285750" indent="-285750">
+              <a:buFont typeface="Arial" panose="020B0604020202020204" pitchFamily="34" charset="0"/>
+              <a:buChar char="•"/>
+            </a:pPr>
+            <a:r>
+              <a:rPr lang="en-AU" dirty="0"/>
+              <a:t>Analysing UV index across Western Australia</a:t>
+            </a:r>
+          </a:p>
+          <a:p>
+            <a:pPr marL="285750" indent="-285750">
+              <a:buFont typeface="Arial" panose="020B0604020202020204" pitchFamily="34" charset="0"/>
+              <a:buChar char="•"/>
+            </a:pPr>
+            <a:r>
+              <a:rPr lang="en-AU" dirty="0"/>
+              <a:t>Help planning a trip within Western Australia</a:t>
+            </a:r>
+          </a:p>
+          <a:p>
+            <a:pPr marL="285750" indent="-285750">
+              <a:buFont typeface="Arial" panose="020B0604020202020204" pitchFamily="34" charset="0"/>
+              <a:buChar char="•"/>
+            </a:pPr>
+            <a:endParaRPr lang="en-AU" dirty="0"/>
+          </a:p>
+        </p:txBody>
+      </p:sp>
+      <p:sp>
+        <p:nvSpPr>
+          <p:cNvPr id="25" name="TextBox 24">
+            <a:extLst>
+              <a:ext uri="{FF2B5EF4-FFF2-40B4-BE49-F238E27FC236}">
+                <a16:creationId xmlns:a16="http://schemas.microsoft.com/office/drawing/2014/main" id="{149D1B90-064E-4720-A2DC-1A5D0844F85A}"/>
+              </a:ext>
+            </a:extLst>
+          </p:cNvPr>
+          <p:cNvSpPr txBox="1"/>
+          <p:nvPr/>
+        </p:nvSpPr>
+        <p:spPr>
+          <a:xfrm>
+            <a:off x="2026455" y="4473059"/>
+            <a:ext cx="6221806" cy="923330"/>
+          </a:xfrm>
+          <a:prstGeom prst="rect">
+            <a:avLst/>
+          </a:prstGeom>
+          <a:noFill/>
+        </p:spPr>
+        <p:txBody>
           <a:bodyPr wrap="square" rtlCol="0">
             <a:spAutoFit/>
           </a:bodyPr>
           <a:lstStyle/>
           <a:p>
-            <a:pPr algn="ctr"/>
-            <a:r>
-              <a:rPr lang="en-AU" sz="2400" b="1" dirty="0"/>
-              <a:t>Python</a:t>
-            </a:r>
-          </a:p>
-          <a:p>
-            <a:pPr algn="ctr"/>
-            <a:r>
-              <a:rPr lang="en-AU" sz="2400" b="1" dirty="0"/>
-              <a:t>Flask</a:t>
-            </a:r>
+            <a:r>
+              <a:rPr lang="en-AU" b="1" i="1" dirty="0"/>
+              <a:t>Why only Western Australia?</a:t>
+            </a:r>
+          </a:p>
+          <a:p>
+            <a:pPr marL="285750" indent="-285750">
+              <a:buFont typeface="Arial" panose="020B0604020202020204" pitchFamily="34" charset="0"/>
+              <a:buChar char="•"/>
+            </a:pPr>
+            <a:r>
+              <a:rPr lang="en-AU" dirty="0"/>
+              <a:t>Tourism WA has engaged us to do an analysis on WA UV index</a:t>
+            </a:r>
+          </a:p>
+          <a:p>
+            <a:pPr marL="285750" indent="-285750">
+              <a:buFont typeface="Arial" panose="020B0604020202020204" pitchFamily="34" charset="0"/>
+              <a:buChar char="•"/>
+            </a:pPr>
+            <a:r>
+              <a:rPr lang="en-AU" dirty="0"/>
+              <a:t>Plus, where else we can go during Covid-19 😝 </a:t>
+            </a:r>
+          </a:p>
+        </p:txBody>
+      </p:sp>
+      <p:sp>
+        <p:nvSpPr>
+          <p:cNvPr id="26" name="TextBox 25">
+            <a:extLst>
+              <a:ext uri="{FF2B5EF4-FFF2-40B4-BE49-F238E27FC236}">
+                <a16:creationId xmlns:a16="http://schemas.microsoft.com/office/drawing/2014/main" id="{281B2796-E90C-4691-B40F-81539B76310B}"/>
+              </a:ext>
+            </a:extLst>
+          </p:cNvPr>
+          <p:cNvSpPr txBox="1"/>
+          <p:nvPr/>
+        </p:nvSpPr>
+        <p:spPr>
+          <a:xfrm>
+            <a:off x="2026455" y="2133656"/>
+            <a:ext cx="3151888" cy="923330"/>
+          </a:xfrm>
+          <a:prstGeom prst="rect">
+            <a:avLst/>
+          </a:prstGeom>
+          <a:noFill/>
+        </p:spPr>
+        <p:txBody>
+          <a:bodyPr wrap="none" rtlCol="0">
+            <a:spAutoFit/>
+          </a:bodyPr>
+          <a:lstStyle/>
+          <a:p>
+            <a:r>
+              <a:rPr lang="en-AU" b="1" i="1" dirty="0"/>
+              <a:t>Our Team (SASA)</a:t>
+            </a:r>
+          </a:p>
+          <a:p>
+            <a:pPr marL="285750" indent="-285750">
+              <a:buFont typeface="Arial" panose="020B0604020202020204" pitchFamily="34" charset="0"/>
+              <a:buChar char="•"/>
+            </a:pPr>
+            <a:r>
+              <a:rPr lang="en-AU" dirty="0">
+                <a:hlinkClick r:id="rId2"/>
+              </a:rPr>
+              <a:t>http://127.0.0.1:5000/about</a:t>
+            </a:r>
+            <a:endParaRPr lang="en-AU" dirty="0"/>
+          </a:p>
+          <a:p>
+            <a:pPr marL="285750" indent="-285750">
+              <a:buFont typeface="Arial" panose="020B0604020202020204" pitchFamily="34" charset="0"/>
+              <a:buChar char="•"/>
+            </a:pPr>
+            <a:endParaRPr lang="en-AU" dirty="0"/>
           </a:p>
         </p:txBody>
       </p:sp>
     </p:spTree>
     <p:extLst>
       <p:ext uri="{BB962C8B-B14F-4D97-AF65-F5344CB8AC3E}">
-        <p14:creationId xmlns:p14="http://schemas.microsoft.com/office/powerpoint/2010/main" val="3262309051"/>
+        <p14:creationId xmlns:p14="http://schemas.microsoft.com/office/powerpoint/2010/main" val="3173217310"/>
       </p:ext>
     </p:extLst>
   </p:cSld>
@@ -7591,7 +8705,7 @@
 </p:sld>
 </file>
 
-<file path=ppt/slides/slide6.xml><?xml version="1.0" encoding="utf-8"?>
+<file path=ppt/slides/slide3.xml><?xml version="1.0" encoding="utf-8"?>
 <p:sld xmlns:a="http://schemas.openxmlformats.org/drawingml/2006/main" xmlns:r="http://schemas.openxmlformats.org/officeDocument/2006/relationships" xmlns:p="http://schemas.openxmlformats.org/presentationml/2006/main">
   <p:cSld>
     <p:bg>
@@ -8167,10 +9281,10 @@
       </p:sp>
       <p:sp>
         <p:nvSpPr>
-          <p:cNvPr id="4" name="TextBox 3">
-            <a:extLst>
-              <a:ext uri="{FF2B5EF4-FFF2-40B4-BE49-F238E27FC236}">
-                <a16:creationId xmlns:a16="http://schemas.microsoft.com/office/drawing/2014/main" id="{775523D8-CAEC-4DFB-B084-BC8DD40E99DD}"/>
+          <p:cNvPr id="22" name="TextBox 21">
+            <a:extLst>
+              <a:ext uri="{FF2B5EF4-FFF2-40B4-BE49-F238E27FC236}">
+                <a16:creationId xmlns:a16="http://schemas.microsoft.com/office/drawing/2014/main" id="{00A26737-E374-464B-9D91-A9C70094714D}"/>
               </a:ext>
             </a:extLst>
           </p:cNvPr>
@@ -8179,8 +9293,8 @@
         </p:nvSpPr>
         <p:spPr>
           <a:xfrm>
-            <a:off x="1970695" y="615323"/>
-            <a:ext cx="8072083" cy="1754326"/>
+            <a:off x="1887819" y="214046"/>
+            <a:ext cx="7715610" cy="1569660"/>
           </a:xfrm>
           <a:prstGeom prst="rect">
             <a:avLst/>
@@ -8188,19 +9302,20 @@
           <a:noFill/>
         </p:spPr>
         <p:txBody>
-          <a:bodyPr wrap="none" rtlCol="0">
+          <a:bodyPr wrap="square" rtlCol="0">
             <a:spAutoFit/>
           </a:bodyPr>
           <a:lstStyle/>
           <a:p>
             <a:pPr algn="ctr"/>
             <a:r>
-              <a:rPr lang="en-AU" sz="5400" b="1" dirty="0">
+              <a:rPr lang="en-AU" sz="4800" b="1" dirty="0">
                 <a:solidFill>
                   <a:schemeClr val="accent6">
                     <a:lumMod val="75000"/>
                   </a:schemeClr>
                 </a:solidFill>
+                <a:latin typeface="+mj-lt"/>
               </a:rPr>
               <a:t>Western Australia UV Index</a:t>
             </a:r>
@@ -8208,406 +9323,25 @@
           <a:p>
             <a:pPr algn="ctr"/>
             <a:r>
-              <a:rPr lang="en-AU" sz="5400" b="1" dirty="0">
+              <a:rPr lang="en-AU" sz="4800" b="1" dirty="0">
                 <a:solidFill>
                   <a:schemeClr val="accent6">
                     <a:lumMod val="75000"/>
                   </a:schemeClr>
                 </a:solidFill>
+                <a:latin typeface="+mj-lt"/>
               </a:rPr>
-              <a:t>Why SQLITE?</a:t>
-            </a:r>
-          </a:p>
-        </p:txBody>
-      </p:sp>
-      <p:sp>
-        <p:nvSpPr>
-          <p:cNvPr id="5" name="TextBox 4">
-            <a:extLst>
-              <a:ext uri="{FF2B5EF4-FFF2-40B4-BE49-F238E27FC236}">
-                <a16:creationId xmlns:a16="http://schemas.microsoft.com/office/drawing/2014/main" id="{872F2758-3647-4B00-BD39-DE676106509A}"/>
-              </a:ext>
-            </a:extLst>
-          </p:cNvPr>
-          <p:cNvSpPr txBox="1"/>
-          <p:nvPr/>
-        </p:nvSpPr>
-        <p:spPr>
-          <a:xfrm>
-            <a:off x="2186473" y="2472213"/>
-            <a:ext cx="7819053" cy="2862322"/>
-          </a:xfrm>
-          <a:prstGeom prst="rect">
-            <a:avLst/>
-          </a:prstGeom>
-          <a:noFill/>
-        </p:spPr>
-        <p:txBody>
-          <a:bodyPr wrap="square" rtlCol="0">
-            <a:spAutoFit/>
-          </a:bodyPr>
-          <a:lstStyle/>
-          <a:p>
-            <a:pPr marL="285750" indent="-285750">
-              <a:buFont typeface="Arial" panose="020B0604020202020204" pitchFamily="34" charset="0"/>
-              <a:buChar char="•"/>
-            </a:pPr>
-            <a:r>
-              <a:rPr lang="en-US" sz="3600" dirty="0"/>
-              <a:t>Structured data</a:t>
-            </a:r>
-          </a:p>
-          <a:p>
-            <a:endParaRPr lang="en-US" sz="3600" dirty="0"/>
-          </a:p>
-          <a:p>
-            <a:pPr marL="285750" indent="-285750">
-              <a:buFont typeface="Arial" panose="020B0604020202020204" pitchFamily="34" charset="0"/>
-              <a:buChar char="•"/>
-            </a:pPr>
-            <a:r>
-              <a:rPr lang="en-US" sz="3600" dirty="0"/>
-              <a:t>The license for SQLite is open-source</a:t>
-            </a:r>
-          </a:p>
-          <a:p>
-            <a:pPr marL="285750" indent="-285750">
-              <a:buFont typeface="Arial" panose="020B0604020202020204" pitchFamily="34" charset="0"/>
-              <a:buChar char="•"/>
-            </a:pPr>
-            <a:endParaRPr lang="en-US" sz="3600" dirty="0"/>
-          </a:p>
-          <a:p>
-            <a:pPr marL="285750" indent="-285750">
-              <a:buFont typeface="Arial" panose="020B0604020202020204" pitchFamily="34" charset="0"/>
-              <a:buChar char="•"/>
-            </a:pPr>
-            <a:r>
-              <a:rPr lang="en-US" sz="3600" dirty="0"/>
-              <a:t>SQLite does not require a server to run</a:t>
-            </a:r>
-            <a:endParaRPr lang="en-AU" sz="3600" dirty="0"/>
-          </a:p>
-        </p:txBody>
-      </p:sp>
-    </p:spTree>
-    <p:extLst>
-      <p:ext uri="{BB962C8B-B14F-4D97-AF65-F5344CB8AC3E}">
-        <p14:creationId xmlns:p14="http://schemas.microsoft.com/office/powerpoint/2010/main" val="467008325"/>
-      </p:ext>
-    </p:extLst>
-  </p:cSld>
-  <p:clrMapOvr>
-    <a:masterClrMapping/>
-  </p:clrMapOvr>
-</p:sld>
-</file>
-
-<file path=ppt/slides/slide7.xml><?xml version="1.0" encoding="utf-8"?>
-<p:sld xmlns:a="http://schemas.openxmlformats.org/drawingml/2006/main" xmlns:r="http://schemas.openxmlformats.org/officeDocument/2006/relationships" xmlns:p="http://schemas.openxmlformats.org/presentationml/2006/main">
-  <p:cSld>
-    <p:bg>
-      <p:bgPr>
-        <a:solidFill>
-          <a:schemeClr val="bg1"/>
-        </a:solidFill>
-        <a:effectLst/>
-      </p:bgPr>
-    </p:bg>
-    <p:spTree>
-      <p:nvGrpSpPr>
-        <p:cNvPr id="1" name=""/>
-        <p:cNvGrpSpPr/>
-        <p:nvPr/>
-      </p:nvGrpSpPr>
-      <p:grpSpPr>
-        <a:xfrm>
-          <a:off x="0" y="0"/>
-          <a:ext cx="0" cy="0"/>
-          <a:chOff x="0" y="0"/>
-          <a:chExt cx="0" cy="0"/>
-        </a:xfrm>
-      </p:grpSpPr>
-      <p:sp useBgFill="1">
-        <p:nvSpPr>
-          <p:cNvPr id="48" name="Rectangle 24">
-            <a:extLst>
-              <a:ext uri="{FF2B5EF4-FFF2-40B4-BE49-F238E27FC236}">
-                <a16:creationId xmlns:a16="http://schemas.microsoft.com/office/drawing/2014/main" id="{BA79A7CF-01AF-4178-9369-94E0C90EB046}"/>
-              </a:ext>
-              <a:ext uri="{C183D7F6-B498-43B3-948B-1728B52AA6E4}">
-                <adec:decorative xmlns:adec="http://schemas.microsoft.com/office/drawing/2017/decorative" val="1"/>
-              </a:ext>
-            </a:extLst>
-          </p:cNvPr>
-          <p:cNvSpPr>
-            <a:spLocks noGrp="1" noRot="1" noChangeAspect="1" noMove="1" noResize="1" noEditPoints="1" noAdjustHandles="1" noChangeArrowheads="1" noChangeShapeType="1" noTextEdit="1"/>
-          </p:cNvSpPr>
-          <p:nvPr>
-            <p:extLst>
-              <p:ext uri="{386F3935-93C4-4BCD-93E2-E3B085C9AB24}">
-                <p16:designElem xmlns:p16="http://schemas.microsoft.com/office/powerpoint/2015/main" val="1"/>
-              </p:ext>
-            </p:extLst>
-          </p:nvPr>
-        </p:nvSpPr>
-        <p:spPr>
-          <a:xfrm>
-            <a:off x="0" y="0"/>
-            <a:ext cx="12191999" cy="6857365"/>
-          </a:xfrm>
-          <a:prstGeom prst="rect">
-            <a:avLst/>
-          </a:prstGeom>
-          <a:ln>
-            <a:noFill/>
-          </a:ln>
-        </p:spPr>
-        <p:style>
-          <a:lnRef idx="2">
-            <a:schemeClr val="accent1">
-              <a:shade val="50000"/>
-            </a:schemeClr>
-          </a:lnRef>
-          <a:fillRef idx="1">
-            <a:schemeClr val="accent1"/>
-          </a:fillRef>
-          <a:effectRef idx="0">
-            <a:schemeClr val="accent1"/>
-          </a:effectRef>
-          <a:fontRef idx="minor">
-            <a:schemeClr val="lt1"/>
-          </a:fontRef>
-        </p:style>
-        <p:txBody>
-          <a:bodyPr rtlCol="0" anchor="ctr"/>
-          <a:lstStyle/>
-          <a:p>
-            <a:pPr algn="ctr"/>
-            <a:endParaRPr lang="en-US"/>
-          </a:p>
-        </p:txBody>
-      </p:sp>
-      <p:sp>
-        <p:nvSpPr>
-          <p:cNvPr id="4" name="TextBox 3">
-            <a:extLst>
-              <a:ext uri="{FF2B5EF4-FFF2-40B4-BE49-F238E27FC236}">
-                <a16:creationId xmlns:a16="http://schemas.microsoft.com/office/drawing/2014/main" id="{775523D8-CAEC-4DFB-B084-BC8DD40E99DD}"/>
-              </a:ext>
-            </a:extLst>
-          </p:cNvPr>
-          <p:cNvSpPr txBox="1"/>
-          <p:nvPr/>
-        </p:nvSpPr>
-        <p:spPr>
-          <a:xfrm>
-            <a:off x="9267909" y="2023110"/>
-            <a:ext cx="2469624" cy="2846070"/>
-          </a:xfrm>
-          <a:prstGeom prst="rect">
-            <a:avLst/>
-          </a:prstGeom>
-        </p:spPr>
-        <p:txBody>
-          <a:bodyPr vert="horz" lIns="91440" tIns="45720" rIns="91440" bIns="45720" rtlCol="0" anchor="ctr">
-            <a:normAutofit/>
-          </a:bodyPr>
-          <a:lstStyle/>
-          <a:p>
-            <a:pPr>
-              <a:lnSpc>
-                <a:spcPct val="90000"/>
-              </a:lnSpc>
-              <a:spcBef>
-                <a:spcPct val="0"/>
-              </a:spcBef>
-              <a:spcAft>
-                <a:spcPts val="600"/>
-              </a:spcAft>
-            </a:pPr>
-            <a:r>
-              <a:rPr lang="en-US" sz="3700" b="1" kern="1200" dirty="0">
-                <a:solidFill>
-                  <a:schemeClr val="tx1"/>
-                </a:solidFill>
-                <a:latin typeface="+mj-lt"/>
-                <a:ea typeface="+mj-ea"/>
-                <a:cs typeface="+mj-cs"/>
-              </a:rPr>
-              <a:t>Western Australia UV </a:t>
-            </a:r>
-            <a:endParaRPr lang="en-US" sz="3700" b="1" dirty="0">
-              <a:latin typeface="+mj-lt"/>
-              <a:ea typeface="+mj-ea"/>
-              <a:cs typeface="+mj-cs"/>
-            </a:endParaRPr>
-          </a:p>
-          <a:p>
-            <a:pPr>
-              <a:lnSpc>
-                <a:spcPct val="90000"/>
-              </a:lnSpc>
-              <a:spcBef>
-                <a:spcPct val="0"/>
-              </a:spcBef>
-              <a:spcAft>
-                <a:spcPts val="600"/>
-              </a:spcAft>
-            </a:pPr>
-            <a:r>
-              <a:rPr lang="en-US" sz="3700" b="1" kern="1200" dirty="0">
-                <a:solidFill>
-                  <a:schemeClr val="tx1"/>
-                </a:solidFill>
-                <a:latin typeface="+mj-lt"/>
-                <a:ea typeface="+mj-ea"/>
-                <a:cs typeface="+mj-cs"/>
-              </a:rPr>
-              <a:t>Current UV Index</a:t>
-            </a:r>
-          </a:p>
-        </p:txBody>
-      </p:sp>
-      <p:sp>
-        <p:nvSpPr>
-          <p:cNvPr id="49" name="Rectangle 26">
-            <a:extLst>
-              <a:ext uri="{FF2B5EF4-FFF2-40B4-BE49-F238E27FC236}">
-                <a16:creationId xmlns:a16="http://schemas.microsoft.com/office/drawing/2014/main" id="{99413ED5-9ED4-4772-BCE4-2BCAE6B12E35}"/>
-              </a:ext>
-              <a:ext uri="{C183D7F6-B498-43B3-948B-1728B52AA6E4}">
-                <adec:decorative xmlns:adec="http://schemas.microsoft.com/office/drawing/2017/decorative" val="1"/>
-              </a:ext>
-            </a:extLst>
-          </p:cNvPr>
-          <p:cNvSpPr>
-            <a:spLocks noGrp="1" noRot="1" noChangeAspect="1" noMove="1" noResize="1" noEditPoints="1" noAdjustHandles="1" noChangeArrowheads="1" noChangeShapeType="1" noTextEdit="1"/>
-          </p:cNvSpPr>
-          <p:nvPr>
-            <p:extLst>
-              <p:ext uri="{386F3935-93C4-4BCD-93E2-E3B085C9AB24}">
-                <p16:designElem xmlns:p16="http://schemas.microsoft.com/office/powerpoint/2015/main" val="1"/>
-              </p:ext>
-            </p:extLst>
-          </p:nvPr>
-        </p:nvSpPr>
-        <p:spPr>
-          <a:xfrm rot="16200000">
-            <a:off x="3433973" y="-827233"/>
-            <a:ext cx="1715478" cy="8583421"/>
-          </a:xfrm>
-          <a:prstGeom prst="rect">
-            <a:avLst/>
-          </a:prstGeom>
-          <a:solidFill>
-            <a:schemeClr val="accent4"/>
-          </a:solidFill>
-          <a:ln>
-            <a:noFill/>
-          </a:ln>
-        </p:spPr>
-        <p:style>
-          <a:lnRef idx="2">
-            <a:schemeClr val="accent1">
-              <a:shade val="50000"/>
-            </a:schemeClr>
-          </a:lnRef>
-          <a:fillRef idx="1">
-            <a:schemeClr val="accent1"/>
-          </a:fillRef>
-          <a:effectRef idx="0">
-            <a:schemeClr val="accent1"/>
-          </a:effectRef>
-          <a:fontRef idx="minor">
-            <a:schemeClr val="lt1"/>
-          </a:fontRef>
-        </p:style>
-        <p:txBody>
-          <a:bodyPr rtlCol="0" anchor="ctr"/>
-          <a:lstStyle/>
-          <a:p>
-            <a:pPr algn="ctr"/>
-            <a:endParaRPr lang="en-US" dirty="0"/>
-          </a:p>
-        </p:txBody>
-      </p:sp>
-      <p:sp>
-        <p:nvSpPr>
-          <p:cNvPr id="50" name="Rectangle 28">
-            <a:extLst>
-              <a:ext uri="{FF2B5EF4-FFF2-40B4-BE49-F238E27FC236}">
-                <a16:creationId xmlns:a16="http://schemas.microsoft.com/office/drawing/2014/main" id="{04357C93-F0CB-4A1C-8F77-4E9063789819}"/>
-              </a:ext>
-              <a:ext uri="{C183D7F6-B498-43B3-948B-1728B52AA6E4}">
-                <adec:decorative xmlns:adec="http://schemas.microsoft.com/office/drawing/2017/decorative" val="1"/>
-              </a:ext>
-            </a:extLst>
-          </p:cNvPr>
-          <p:cNvSpPr>
-            <a:spLocks noGrp="1" noRot="1" noChangeAspect="1" noMove="1" noResize="1" noEditPoints="1" noAdjustHandles="1" noChangeArrowheads="1" noChangeShapeType="1" noTextEdit="1"/>
-          </p:cNvSpPr>
-          <p:nvPr>
-            <p:extLst>
-              <p:ext uri="{386F3935-93C4-4BCD-93E2-E3B085C9AB24}">
-                <p16:designElem xmlns:p16="http://schemas.microsoft.com/office/powerpoint/2015/main" val="1"/>
-              </p:ext>
-            </p:extLst>
-          </p:nvPr>
-        </p:nvSpPr>
-        <p:spPr>
-          <a:xfrm>
-            <a:off x="302085" y="664308"/>
-            <a:ext cx="8082632" cy="5600340"/>
-          </a:xfrm>
-          <a:prstGeom prst="rect">
-            <a:avLst/>
-          </a:prstGeom>
-          <a:solidFill>
-            <a:schemeClr val="bg1"/>
-          </a:solidFill>
-          <a:ln>
-            <a:noFill/>
-          </a:ln>
-          <a:effectLst>
-            <a:outerShdw blurRad="139700" dist="127000" dir="5400000" algn="t" rotWithShape="0">
-              <a:prstClr val="black">
-                <a:alpha val="15000"/>
-              </a:prstClr>
-            </a:outerShdw>
-          </a:effectLst>
-        </p:spPr>
-        <p:style>
-          <a:lnRef idx="2">
-            <a:schemeClr val="accent1">
-              <a:shade val="50000"/>
-            </a:schemeClr>
-          </a:lnRef>
-          <a:fillRef idx="1">
-            <a:schemeClr val="accent1"/>
-          </a:fillRef>
-          <a:effectRef idx="0">
-            <a:schemeClr val="accent1"/>
-          </a:effectRef>
-          <a:fontRef idx="minor">
-            <a:schemeClr val="lt1"/>
-          </a:fontRef>
-        </p:style>
-        <p:txBody>
-          <a:bodyPr rtlCol="0" anchor="ctr"/>
-          <a:lstStyle/>
-          <a:p>
-            <a:pPr algn="ctr"/>
-            <a:endParaRPr lang="en-US"/>
+              <a:t>Data Source</a:t>
+            </a:r>
           </a:p>
         </p:txBody>
       </p:sp>
       <p:pic>
         <p:nvPicPr>
-          <p:cNvPr id="3" name="Picture 2">
-            <a:extLst>
-              <a:ext uri="{FF2B5EF4-FFF2-40B4-BE49-F238E27FC236}">
-                <a16:creationId xmlns:a16="http://schemas.microsoft.com/office/drawing/2014/main" id="{DDB0D936-97DC-4DEA-B660-7BB2B3153632}"/>
+          <p:cNvPr id="5" name="Picture 4">
+            <a:extLst>
+              <a:ext uri="{FF2B5EF4-FFF2-40B4-BE49-F238E27FC236}">
+                <a16:creationId xmlns:a16="http://schemas.microsoft.com/office/drawing/2014/main" id="{663DC63E-FBEE-465E-BB75-CEF05A941CE7}"/>
               </a:ext>
             </a:extLst>
           </p:cNvPr>
@@ -8624,8 +9358,8 @@
         </p:blipFill>
         <p:spPr>
           <a:xfrm>
-            <a:off x="545238" y="1029821"/>
-            <a:ext cx="7608304" cy="4590803"/>
+            <a:off x="879278" y="2644571"/>
+            <a:ext cx="1638300" cy="695325"/>
           </a:xfrm>
           <a:prstGeom prst="rect">
             <a:avLst/>
@@ -8634,73 +9368,10 @@
       </p:pic>
       <p:sp>
         <p:nvSpPr>
-          <p:cNvPr id="51" name="Rectangle 30">
-            <a:extLst>
-              <a:ext uri="{FF2B5EF4-FFF2-40B4-BE49-F238E27FC236}">
-                <a16:creationId xmlns:a16="http://schemas.microsoft.com/office/drawing/2014/main" id="{90F533E9-6690-41A8-A372-4C6C622D028D}"/>
-              </a:ext>
-              <a:ext uri="{C183D7F6-B498-43B3-948B-1728B52AA6E4}">
-                <adec:decorative xmlns:adec="http://schemas.microsoft.com/office/drawing/2017/decorative" val="1"/>
-              </a:ext>
-            </a:extLst>
-          </p:cNvPr>
-          <p:cNvSpPr>
-            <a:spLocks noGrp="1" noRot="1" noChangeAspect="1" noMove="1" noResize="1" noEditPoints="1" noAdjustHandles="1" noChangeArrowheads="1" noChangeShapeType="1" noTextEdit="1"/>
-          </p:cNvSpPr>
-          <p:nvPr>
-            <p:extLst>
-              <p:ext uri="{386F3935-93C4-4BCD-93E2-E3B085C9AB24}">
-                <p16:designElem xmlns:p16="http://schemas.microsoft.com/office/powerpoint/2015/main" val="1"/>
-              </p:ext>
-            </p:extLst>
-          </p:nvPr>
-        </p:nvSpPr>
-        <p:spPr>
-          <a:xfrm rot="5400000">
-            <a:off x="7950447" y="3392097"/>
-            <a:ext cx="1719072" cy="152382"/>
-          </a:xfrm>
-          <a:prstGeom prst="rect">
-            <a:avLst/>
-          </a:prstGeom>
-          <a:solidFill>
-            <a:schemeClr val="accent4"/>
-          </a:solidFill>
-          <a:ln>
-            <a:noFill/>
-          </a:ln>
-        </p:spPr>
-        <p:style>
-          <a:lnRef idx="2">
-            <a:schemeClr val="accent1">
-              <a:shade val="50000"/>
-            </a:schemeClr>
-          </a:lnRef>
-          <a:fillRef idx="1">
-            <a:schemeClr val="accent1"/>
-          </a:fillRef>
-          <a:effectRef idx="0">
-            <a:schemeClr val="accent1"/>
-          </a:effectRef>
-          <a:fontRef idx="minor">
-            <a:schemeClr val="lt1"/>
-          </a:fontRef>
-        </p:style>
-        <p:txBody>
-          <a:bodyPr rtlCol="0" anchor="ctr"/>
-          <a:lstStyle/>
-          <a:p>
-            <a:pPr algn="ctr"/>
-            <a:endParaRPr lang="en-US"/>
-          </a:p>
-        </p:txBody>
-      </p:sp>
-      <p:sp>
-        <p:nvSpPr>
-          <p:cNvPr id="2" name="TextBox 1">
-            <a:extLst>
-              <a:ext uri="{FF2B5EF4-FFF2-40B4-BE49-F238E27FC236}">
-                <a16:creationId xmlns:a16="http://schemas.microsoft.com/office/drawing/2014/main" id="{DA0CB9A1-5F84-4347-ACD9-DAB49EDF7F44}"/>
+          <p:cNvPr id="6" name="TextBox 5">
+            <a:extLst>
+              <a:ext uri="{FF2B5EF4-FFF2-40B4-BE49-F238E27FC236}">
+                <a16:creationId xmlns:a16="http://schemas.microsoft.com/office/drawing/2014/main" id="{4457FC75-4281-45C0-BD21-21CE22C97314}"/>
               </a:ext>
             </a:extLst>
           </p:cNvPr>
@@ -8709,8 +9380,8 @@
         </p:nvSpPr>
         <p:spPr>
           <a:xfrm>
-            <a:off x="805343" y="5529802"/>
-            <a:ext cx="2822376" cy="646331"/>
+            <a:off x="2612571" y="2782669"/>
+            <a:ext cx="3325590" cy="646331"/>
           </a:xfrm>
           <a:prstGeom prst="rect">
             <a:avLst/>
@@ -8727,7 +9398,148 @@
               <a:rPr lang="en-AU" dirty="0">
                 <a:hlinkClick r:id="rId3"/>
               </a:rPr>
-              <a:t>http://127.0.0.1:5000/index</a:t>
+              <a:t>https://openweathermap.org/api</a:t>
+            </a:r>
+            <a:endParaRPr lang="en-AU" dirty="0"/>
+          </a:p>
+          <a:p>
+            <a:endParaRPr lang="en-AU" dirty="0"/>
+          </a:p>
+        </p:txBody>
+      </p:sp>
+      <p:sp>
+        <p:nvSpPr>
+          <p:cNvPr id="7" name="TextBox 6">
+            <a:extLst>
+              <a:ext uri="{FF2B5EF4-FFF2-40B4-BE49-F238E27FC236}">
+                <a16:creationId xmlns:a16="http://schemas.microsoft.com/office/drawing/2014/main" id="{EC9D340F-8313-4726-81D2-E31DE834E3F8}"/>
+              </a:ext>
+            </a:extLst>
+          </p:cNvPr>
+          <p:cNvSpPr txBox="1"/>
+          <p:nvPr/>
+        </p:nvSpPr>
+        <p:spPr>
+          <a:xfrm>
+            <a:off x="879278" y="2248912"/>
+            <a:ext cx="3130665" cy="369332"/>
+          </a:xfrm>
+          <a:prstGeom prst="rect">
+            <a:avLst/>
+          </a:prstGeom>
+          <a:noFill/>
+        </p:spPr>
+        <p:txBody>
+          <a:bodyPr wrap="none" rtlCol="0">
+            <a:spAutoFit/>
+          </a:bodyPr>
+          <a:lstStyle/>
+          <a:p>
+            <a:r>
+              <a:rPr lang="en-AU" dirty="0"/>
+              <a:t>UV Index for Western Australia:</a:t>
+            </a:r>
+          </a:p>
+        </p:txBody>
+      </p:sp>
+      <p:sp>
+        <p:nvSpPr>
+          <p:cNvPr id="17" name="TextBox 16">
+            <a:extLst>
+              <a:ext uri="{FF2B5EF4-FFF2-40B4-BE49-F238E27FC236}">
+                <a16:creationId xmlns:a16="http://schemas.microsoft.com/office/drawing/2014/main" id="{5CE1D36F-7779-40E6-B66A-44F2BD3DDA2E}"/>
+              </a:ext>
+            </a:extLst>
+          </p:cNvPr>
+          <p:cNvSpPr txBox="1"/>
+          <p:nvPr/>
+        </p:nvSpPr>
+        <p:spPr>
+          <a:xfrm>
+            <a:off x="879278" y="3875627"/>
+            <a:ext cx="2895536" cy="369332"/>
+          </a:xfrm>
+          <a:prstGeom prst="rect">
+            <a:avLst/>
+          </a:prstGeom>
+          <a:noFill/>
+        </p:spPr>
+        <p:txBody>
+          <a:bodyPr wrap="none" rtlCol="0">
+            <a:spAutoFit/>
+          </a:bodyPr>
+          <a:lstStyle/>
+          <a:p>
+            <a:r>
+              <a:rPr lang="en-AU" dirty="0"/>
+              <a:t>Western Australia Cities Info:</a:t>
+            </a:r>
+          </a:p>
+        </p:txBody>
+      </p:sp>
+      <p:pic>
+        <p:nvPicPr>
+          <p:cNvPr id="9" name="Picture 8">
+            <a:extLst>
+              <a:ext uri="{FF2B5EF4-FFF2-40B4-BE49-F238E27FC236}">
+                <a16:creationId xmlns:a16="http://schemas.microsoft.com/office/drawing/2014/main" id="{1DD14F8D-FF30-4312-9802-5B725D590466}"/>
+              </a:ext>
+            </a:extLst>
+          </p:cNvPr>
+          <p:cNvPicPr>
+            <a:picLocks noChangeAspect="1"/>
+          </p:cNvPicPr>
+          <p:nvPr/>
+        </p:nvPicPr>
+        <p:blipFill>
+          <a:blip r:embed="rId4"/>
+          <a:stretch>
+            <a:fillRect/>
+          </a:stretch>
+        </p:blipFill>
+        <p:spPr>
+          <a:xfrm>
+            <a:off x="912517" y="4360093"/>
+            <a:ext cx="2151330" cy="507064"/>
+          </a:xfrm>
+          <a:prstGeom prst="rect">
+            <a:avLst/>
+          </a:prstGeom>
+        </p:spPr>
+      </p:pic>
+      <p:sp>
+        <p:nvSpPr>
+          <p:cNvPr id="11" name="TextBox 10">
+            <a:extLst>
+              <a:ext uri="{FF2B5EF4-FFF2-40B4-BE49-F238E27FC236}">
+                <a16:creationId xmlns:a16="http://schemas.microsoft.com/office/drawing/2014/main" id="{410C3525-9B0E-4668-9720-E68B99D2CE8B}"/>
+              </a:ext>
+            </a:extLst>
+          </p:cNvPr>
+          <p:cNvSpPr txBox="1"/>
+          <p:nvPr/>
+        </p:nvSpPr>
+        <p:spPr>
+          <a:xfrm>
+            <a:off x="3167910" y="4404741"/>
+            <a:ext cx="3864456" cy="646331"/>
+          </a:xfrm>
+          <a:prstGeom prst="rect">
+            <a:avLst/>
+          </a:prstGeom>
+          <a:noFill/>
+        </p:spPr>
+        <p:txBody>
+          <a:bodyPr wrap="none" rtlCol="0">
+            <a:spAutoFit/>
+          </a:bodyPr>
+          <a:lstStyle/>
+          <a:p>
+            <a:r>
+              <a:rPr lang="en-AU" dirty="0">
+                <a:hlinkClick r:id="rId5"/>
+              </a:rPr>
+              <a:t>https://simplemaps.com/data/au-cities</a:t>
             </a:r>
             <a:endParaRPr lang="en-AU" dirty="0"/>
           </a:p>
@@ -8739,7 +9551,7 @@
     </p:spTree>
     <p:extLst>
       <p:ext uri="{BB962C8B-B14F-4D97-AF65-F5344CB8AC3E}">
-        <p14:creationId xmlns:p14="http://schemas.microsoft.com/office/powerpoint/2010/main" val="1544137533"/>
+        <p14:creationId xmlns:p14="http://schemas.microsoft.com/office/powerpoint/2010/main" val="3418223256"/>
       </p:ext>
     </p:extLst>
   </p:cSld>
@@ -8749,458 +9561,7 @@
 </p:sld>
 </file>
 
-<file path=ppt/slides/slide8.xml><?xml version="1.0" encoding="utf-8"?>
-<p:sld xmlns:a="http://schemas.openxmlformats.org/drawingml/2006/main" xmlns:r="http://schemas.openxmlformats.org/officeDocument/2006/relationships" xmlns:p="http://schemas.openxmlformats.org/presentationml/2006/main">
-  <p:cSld>
-    <p:bg>
-      <p:bgPr>
-        <a:solidFill>
-          <a:schemeClr val="bg1"/>
-        </a:solidFill>
-        <a:effectLst/>
-      </p:bgPr>
-    </p:bg>
-    <p:spTree>
-      <p:nvGrpSpPr>
-        <p:cNvPr id="1" name=""/>
-        <p:cNvGrpSpPr/>
-        <p:nvPr/>
-      </p:nvGrpSpPr>
-      <p:grpSpPr>
-        <a:xfrm>
-          <a:off x="0" y="0"/>
-          <a:ext cx="0" cy="0"/>
-          <a:chOff x="0" y="0"/>
-          <a:chExt cx="0" cy="0"/>
-        </a:xfrm>
-      </p:grpSpPr>
-      <p:sp useBgFill="1">
-        <p:nvSpPr>
-          <p:cNvPr id="48" name="Rectangle 24">
-            <a:extLst>
-              <a:ext uri="{FF2B5EF4-FFF2-40B4-BE49-F238E27FC236}">
-                <a16:creationId xmlns:a16="http://schemas.microsoft.com/office/drawing/2014/main" id="{BA79A7CF-01AF-4178-9369-94E0C90EB046}"/>
-              </a:ext>
-              <a:ext uri="{C183D7F6-B498-43B3-948B-1728B52AA6E4}">
-                <adec:decorative xmlns:adec="http://schemas.microsoft.com/office/drawing/2017/decorative" val="1"/>
-              </a:ext>
-            </a:extLst>
-          </p:cNvPr>
-          <p:cNvSpPr>
-            <a:spLocks noGrp="1" noRot="1" noChangeAspect="1" noMove="1" noResize="1" noEditPoints="1" noAdjustHandles="1" noChangeArrowheads="1" noChangeShapeType="1" noTextEdit="1"/>
-          </p:cNvSpPr>
-          <p:nvPr>
-            <p:extLst>
-              <p:ext uri="{386F3935-93C4-4BCD-93E2-E3B085C9AB24}">
-                <p16:designElem xmlns:p16="http://schemas.microsoft.com/office/powerpoint/2015/main" val="1"/>
-              </p:ext>
-            </p:extLst>
-          </p:nvPr>
-        </p:nvSpPr>
-        <p:spPr>
-          <a:xfrm>
-            <a:off x="0" y="0"/>
-            <a:ext cx="12191999" cy="6857365"/>
-          </a:xfrm>
-          <a:prstGeom prst="rect">
-            <a:avLst/>
-          </a:prstGeom>
-          <a:ln>
-            <a:noFill/>
-          </a:ln>
-        </p:spPr>
-        <p:style>
-          <a:lnRef idx="2">
-            <a:schemeClr val="accent1">
-              <a:shade val="50000"/>
-            </a:schemeClr>
-          </a:lnRef>
-          <a:fillRef idx="1">
-            <a:schemeClr val="accent1"/>
-          </a:fillRef>
-          <a:effectRef idx="0">
-            <a:schemeClr val="accent1"/>
-          </a:effectRef>
-          <a:fontRef idx="minor">
-            <a:schemeClr val="lt1"/>
-          </a:fontRef>
-        </p:style>
-        <p:txBody>
-          <a:bodyPr rtlCol="0" anchor="ctr"/>
-          <a:lstStyle/>
-          <a:p>
-            <a:pPr algn="ctr"/>
-            <a:endParaRPr lang="en-US"/>
-          </a:p>
-        </p:txBody>
-      </p:sp>
-      <p:sp>
-        <p:nvSpPr>
-          <p:cNvPr id="4" name="TextBox 3">
-            <a:extLst>
-              <a:ext uri="{FF2B5EF4-FFF2-40B4-BE49-F238E27FC236}">
-                <a16:creationId xmlns:a16="http://schemas.microsoft.com/office/drawing/2014/main" id="{775523D8-CAEC-4DFB-B084-BC8DD40E99DD}"/>
-              </a:ext>
-            </a:extLst>
-          </p:cNvPr>
-          <p:cNvSpPr txBox="1"/>
-          <p:nvPr/>
-        </p:nvSpPr>
-        <p:spPr>
-          <a:xfrm>
-            <a:off x="9267909" y="2023110"/>
-            <a:ext cx="2469624" cy="2846070"/>
-          </a:xfrm>
-          <a:prstGeom prst="rect">
-            <a:avLst/>
-          </a:prstGeom>
-        </p:spPr>
-        <p:txBody>
-          <a:bodyPr vert="horz" lIns="91440" tIns="45720" rIns="91440" bIns="45720" rtlCol="0" anchor="ctr">
-            <a:normAutofit/>
-          </a:bodyPr>
-          <a:lstStyle/>
-          <a:p>
-            <a:pPr>
-              <a:lnSpc>
-                <a:spcPct val="90000"/>
-              </a:lnSpc>
-              <a:spcBef>
-                <a:spcPct val="0"/>
-              </a:spcBef>
-              <a:spcAft>
-                <a:spcPts val="600"/>
-              </a:spcAft>
-            </a:pPr>
-            <a:r>
-              <a:rPr lang="en-US" sz="3700" b="1" kern="1200" dirty="0">
-                <a:solidFill>
-                  <a:schemeClr val="tx1"/>
-                </a:solidFill>
-                <a:latin typeface="+mj-lt"/>
-                <a:ea typeface="+mj-ea"/>
-                <a:cs typeface="+mj-cs"/>
-              </a:rPr>
-              <a:t>Western Australia UV </a:t>
-            </a:r>
-            <a:endParaRPr lang="en-US" sz="3700" b="1" dirty="0">
-              <a:latin typeface="+mj-lt"/>
-              <a:ea typeface="+mj-ea"/>
-              <a:cs typeface="+mj-cs"/>
-            </a:endParaRPr>
-          </a:p>
-          <a:p>
-            <a:pPr>
-              <a:lnSpc>
-                <a:spcPct val="90000"/>
-              </a:lnSpc>
-              <a:spcBef>
-                <a:spcPct val="0"/>
-              </a:spcBef>
-              <a:spcAft>
-                <a:spcPts val="600"/>
-              </a:spcAft>
-            </a:pPr>
-            <a:r>
-              <a:rPr lang="en-US" sz="3700" b="1" dirty="0">
-                <a:latin typeface="+mj-lt"/>
-                <a:ea typeface="+mj-ea"/>
-                <a:cs typeface="+mj-cs"/>
-              </a:rPr>
-              <a:t>Historical</a:t>
-            </a:r>
-            <a:r>
-              <a:rPr lang="en-US" sz="3700" b="1" kern="1200" dirty="0">
-                <a:solidFill>
-                  <a:schemeClr val="tx1"/>
-                </a:solidFill>
-                <a:latin typeface="+mj-lt"/>
-                <a:ea typeface="+mj-ea"/>
-                <a:cs typeface="+mj-cs"/>
-              </a:rPr>
-              <a:t> UV Index</a:t>
-            </a:r>
-          </a:p>
-        </p:txBody>
-      </p:sp>
-      <p:sp>
-        <p:nvSpPr>
-          <p:cNvPr id="49" name="Rectangle 26">
-            <a:extLst>
-              <a:ext uri="{FF2B5EF4-FFF2-40B4-BE49-F238E27FC236}">
-                <a16:creationId xmlns:a16="http://schemas.microsoft.com/office/drawing/2014/main" id="{99413ED5-9ED4-4772-BCE4-2BCAE6B12E35}"/>
-              </a:ext>
-              <a:ext uri="{C183D7F6-B498-43B3-948B-1728B52AA6E4}">
-                <adec:decorative xmlns:adec="http://schemas.microsoft.com/office/drawing/2017/decorative" val="1"/>
-              </a:ext>
-            </a:extLst>
-          </p:cNvPr>
-          <p:cNvSpPr>
-            <a:spLocks noGrp="1" noRot="1" noChangeAspect="1" noMove="1" noResize="1" noEditPoints="1" noAdjustHandles="1" noChangeArrowheads="1" noChangeShapeType="1" noTextEdit="1"/>
-          </p:cNvSpPr>
-          <p:nvPr>
-            <p:extLst>
-              <p:ext uri="{386F3935-93C4-4BCD-93E2-E3B085C9AB24}">
-                <p16:designElem xmlns:p16="http://schemas.microsoft.com/office/powerpoint/2015/main" val="1"/>
-              </p:ext>
-            </p:extLst>
-          </p:nvPr>
-        </p:nvSpPr>
-        <p:spPr>
-          <a:xfrm rot="16200000">
-            <a:off x="3433973" y="-827233"/>
-            <a:ext cx="1715478" cy="8583421"/>
-          </a:xfrm>
-          <a:prstGeom prst="rect">
-            <a:avLst/>
-          </a:prstGeom>
-          <a:solidFill>
-            <a:schemeClr val="accent4"/>
-          </a:solidFill>
-          <a:ln>
-            <a:noFill/>
-          </a:ln>
-        </p:spPr>
-        <p:style>
-          <a:lnRef idx="2">
-            <a:schemeClr val="accent1">
-              <a:shade val="50000"/>
-            </a:schemeClr>
-          </a:lnRef>
-          <a:fillRef idx="1">
-            <a:schemeClr val="accent1"/>
-          </a:fillRef>
-          <a:effectRef idx="0">
-            <a:schemeClr val="accent1"/>
-          </a:effectRef>
-          <a:fontRef idx="minor">
-            <a:schemeClr val="lt1"/>
-          </a:fontRef>
-        </p:style>
-        <p:txBody>
-          <a:bodyPr rtlCol="0" anchor="ctr"/>
-          <a:lstStyle/>
-          <a:p>
-            <a:pPr algn="ctr"/>
-            <a:endParaRPr lang="en-US" dirty="0"/>
-          </a:p>
-        </p:txBody>
-      </p:sp>
-      <p:sp>
-        <p:nvSpPr>
-          <p:cNvPr id="50" name="Rectangle 28">
-            <a:extLst>
-              <a:ext uri="{FF2B5EF4-FFF2-40B4-BE49-F238E27FC236}">
-                <a16:creationId xmlns:a16="http://schemas.microsoft.com/office/drawing/2014/main" id="{04357C93-F0CB-4A1C-8F77-4E9063789819}"/>
-              </a:ext>
-              <a:ext uri="{C183D7F6-B498-43B3-948B-1728B52AA6E4}">
-                <adec:decorative xmlns:adec="http://schemas.microsoft.com/office/drawing/2017/decorative" val="1"/>
-              </a:ext>
-            </a:extLst>
-          </p:cNvPr>
-          <p:cNvSpPr>
-            <a:spLocks noGrp="1" noRot="1" noChangeAspect="1" noMove="1" noResize="1" noEditPoints="1" noAdjustHandles="1" noChangeArrowheads="1" noChangeShapeType="1" noTextEdit="1"/>
-          </p:cNvSpPr>
-          <p:nvPr>
-            <p:extLst>
-              <p:ext uri="{386F3935-93C4-4BCD-93E2-E3B085C9AB24}">
-                <p16:designElem xmlns:p16="http://schemas.microsoft.com/office/powerpoint/2015/main" val="1"/>
-              </p:ext>
-            </p:extLst>
-          </p:nvPr>
-        </p:nvSpPr>
-        <p:spPr>
-          <a:xfrm>
-            <a:off x="302085" y="664308"/>
-            <a:ext cx="8082632" cy="5600340"/>
-          </a:xfrm>
-          <a:prstGeom prst="rect">
-            <a:avLst/>
-          </a:prstGeom>
-          <a:solidFill>
-            <a:schemeClr val="bg1"/>
-          </a:solidFill>
-          <a:ln>
-            <a:noFill/>
-          </a:ln>
-          <a:effectLst>
-            <a:outerShdw blurRad="139700" dist="127000" dir="5400000" algn="t" rotWithShape="0">
-              <a:prstClr val="black">
-                <a:alpha val="15000"/>
-              </a:prstClr>
-            </a:outerShdw>
-          </a:effectLst>
-        </p:spPr>
-        <p:style>
-          <a:lnRef idx="2">
-            <a:schemeClr val="accent1">
-              <a:shade val="50000"/>
-            </a:schemeClr>
-          </a:lnRef>
-          <a:fillRef idx="1">
-            <a:schemeClr val="accent1"/>
-          </a:fillRef>
-          <a:effectRef idx="0">
-            <a:schemeClr val="accent1"/>
-          </a:effectRef>
-          <a:fontRef idx="minor">
-            <a:schemeClr val="lt1"/>
-          </a:fontRef>
-        </p:style>
-        <p:txBody>
-          <a:bodyPr rtlCol="0" anchor="ctr"/>
-          <a:lstStyle/>
-          <a:p>
-            <a:pPr algn="ctr"/>
-            <a:endParaRPr lang="en-US"/>
-          </a:p>
-        </p:txBody>
-      </p:sp>
-      <p:pic>
-        <p:nvPicPr>
-          <p:cNvPr id="3" name="Picture 2">
-            <a:extLst>
-              <a:ext uri="{FF2B5EF4-FFF2-40B4-BE49-F238E27FC236}">
-                <a16:creationId xmlns:a16="http://schemas.microsoft.com/office/drawing/2014/main" id="{DDB0D936-97DC-4DEA-B660-7BB2B3153632}"/>
-              </a:ext>
-            </a:extLst>
-          </p:cNvPr>
-          <p:cNvPicPr>
-            <a:picLocks noChangeAspect="1"/>
-          </p:cNvPicPr>
-          <p:nvPr/>
-        </p:nvPicPr>
-        <p:blipFill>
-          <a:blip r:embed="rId2"/>
-          <a:stretch>
-            <a:fillRect/>
-          </a:stretch>
-        </p:blipFill>
-        <p:spPr>
-          <a:xfrm>
-            <a:off x="545238" y="1029821"/>
-            <a:ext cx="7608304" cy="4590803"/>
-          </a:xfrm>
-          <a:prstGeom prst="rect">
-            <a:avLst/>
-          </a:prstGeom>
-        </p:spPr>
-      </p:pic>
-      <p:sp>
-        <p:nvSpPr>
-          <p:cNvPr id="51" name="Rectangle 30">
-            <a:extLst>
-              <a:ext uri="{FF2B5EF4-FFF2-40B4-BE49-F238E27FC236}">
-                <a16:creationId xmlns:a16="http://schemas.microsoft.com/office/drawing/2014/main" id="{90F533E9-6690-41A8-A372-4C6C622D028D}"/>
-              </a:ext>
-              <a:ext uri="{C183D7F6-B498-43B3-948B-1728B52AA6E4}">
-                <adec:decorative xmlns:adec="http://schemas.microsoft.com/office/drawing/2017/decorative" val="1"/>
-              </a:ext>
-            </a:extLst>
-          </p:cNvPr>
-          <p:cNvSpPr>
-            <a:spLocks noGrp="1" noRot="1" noChangeAspect="1" noMove="1" noResize="1" noEditPoints="1" noAdjustHandles="1" noChangeArrowheads="1" noChangeShapeType="1" noTextEdit="1"/>
-          </p:cNvSpPr>
-          <p:nvPr>
-            <p:extLst>
-              <p:ext uri="{386F3935-93C4-4BCD-93E2-E3B085C9AB24}">
-                <p16:designElem xmlns:p16="http://schemas.microsoft.com/office/powerpoint/2015/main" val="1"/>
-              </p:ext>
-            </p:extLst>
-          </p:nvPr>
-        </p:nvSpPr>
-        <p:spPr>
-          <a:xfrm rot="5400000">
-            <a:off x="7950447" y="3392097"/>
-            <a:ext cx="1719072" cy="152382"/>
-          </a:xfrm>
-          <a:prstGeom prst="rect">
-            <a:avLst/>
-          </a:prstGeom>
-          <a:solidFill>
-            <a:schemeClr val="accent4"/>
-          </a:solidFill>
-          <a:ln>
-            <a:noFill/>
-          </a:ln>
-        </p:spPr>
-        <p:style>
-          <a:lnRef idx="2">
-            <a:schemeClr val="accent1">
-              <a:shade val="50000"/>
-            </a:schemeClr>
-          </a:lnRef>
-          <a:fillRef idx="1">
-            <a:schemeClr val="accent1"/>
-          </a:fillRef>
-          <a:effectRef idx="0">
-            <a:schemeClr val="accent1"/>
-          </a:effectRef>
-          <a:fontRef idx="minor">
-            <a:schemeClr val="lt1"/>
-          </a:fontRef>
-        </p:style>
-        <p:txBody>
-          <a:bodyPr rtlCol="0" anchor="ctr"/>
-          <a:lstStyle/>
-          <a:p>
-            <a:pPr algn="ctr"/>
-            <a:endParaRPr lang="en-US"/>
-          </a:p>
-        </p:txBody>
-      </p:sp>
-      <p:sp>
-        <p:nvSpPr>
-          <p:cNvPr id="2" name="TextBox 1">
-            <a:extLst>
-              <a:ext uri="{FF2B5EF4-FFF2-40B4-BE49-F238E27FC236}">
-                <a16:creationId xmlns:a16="http://schemas.microsoft.com/office/drawing/2014/main" id="{DA0CB9A1-5F84-4347-ACD9-DAB49EDF7F44}"/>
-              </a:ext>
-            </a:extLst>
-          </p:cNvPr>
-          <p:cNvSpPr txBox="1"/>
-          <p:nvPr/>
-        </p:nvSpPr>
-        <p:spPr>
-          <a:xfrm>
-            <a:off x="805343" y="5529802"/>
-            <a:ext cx="3165354" cy="369332"/>
-          </a:xfrm>
-          <a:prstGeom prst="rect">
-            <a:avLst/>
-          </a:prstGeom>
-          <a:noFill/>
-        </p:spPr>
-        <p:txBody>
-          <a:bodyPr wrap="none" rtlCol="0">
-            <a:spAutoFit/>
-          </a:bodyPr>
-          <a:lstStyle/>
-          <a:p>
-            <a:r>
-              <a:rPr lang="en-AU" dirty="0">
-                <a:hlinkClick r:id="rId3"/>
-              </a:rPr>
-              <a:t>http://127.0.0.1:5000/historical</a:t>
-            </a:r>
-            <a:endParaRPr lang="en-AU" dirty="0"/>
-          </a:p>
-        </p:txBody>
-      </p:sp>
-    </p:spTree>
-    <p:extLst>
-      <p:ext uri="{BB962C8B-B14F-4D97-AF65-F5344CB8AC3E}">
-        <p14:creationId xmlns:p14="http://schemas.microsoft.com/office/powerpoint/2010/main" val="779758751"/>
-      </p:ext>
-    </p:extLst>
-  </p:cSld>
-  <p:clrMapOvr>
-    <a:masterClrMapping/>
-  </p:clrMapOvr>
-</p:sld>
-</file>
-
-<file path=ppt/slides/slide9.xml><?xml version="1.0" encoding="utf-8"?>
+<file path=ppt/slides/slide4.xml><?xml version="1.0" encoding="utf-8"?>
 <p:sld xmlns:a="http://schemas.openxmlformats.org/drawingml/2006/main" xmlns:r="http://schemas.openxmlformats.org/officeDocument/2006/relationships" xmlns:p="http://schemas.openxmlformats.org/presentationml/2006/main">
   <p:cSld>
     <p:bg>
@@ -9774,12 +10135,51 @@
           </a:p>
         </p:txBody>
       </p:sp>
-      <p:sp>
-        <p:nvSpPr>
-          <p:cNvPr id="4" name="TextBox 3">
-            <a:extLst>
-              <a:ext uri="{FF2B5EF4-FFF2-40B4-BE49-F238E27FC236}">
-                <a16:creationId xmlns:a16="http://schemas.microsoft.com/office/drawing/2014/main" id="{775523D8-CAEC-4DFB-B084-BC8DD40E99DD}"/>
+      <p:pic>
+        <p:nvPicPr>
+          <p:cNvPr id="13" name="Graphic 12" descr="Table">
+            <a:extLst>
+              <a:ext uri="{FF2B5EF4-FFF2-40B4-BE49-F238E27FC236}">
+                <a16:creationId xmlns:a16="http://schemas.microsoft.com/office/drawing/2014/main" id="{EBB6CA1A-54A7-48AB-A1B4-751E80897FC7}"/>
+              </a:ext>
+            </a:extLst>
+          </p:cNvPr>
+          <p:cNvPicPr>
+            <a:picLocks noChangeAspect="1"/>
+          </p:cNvPicPr>
+          <p:nvPr/>
+        </p:nvPicPr>
+        <p:blipFill>
+          <a:blip r:embed="rId2">
+            <a:extLst>
+              <a:ext uri="{28A0092B-C50C-407E-A947-70E740481C1C}">
+                <a14:useLocalDpi xmlns:a14="http://schemas.microsoft.com/office/drawing/2010/main" val="0"/>
+              </a:ext>
+              <a:ext uri="{96DAC541-7B7A-43D3-8B79-37D633B846F1}">
+                <asvg:svgBlip xmlns:asvg="http://schemas.microsoft.com/office/drawing/2016/SVG/main" r:embed="rId3"/>
+              </a:ext>
+            </a:extLst>
+          </a:blip>
+          <a:stretch>
+            <a:fillRect/>
+          </a:stretch>
+        </p:blipFill>
+        <p:spPr>
+          <a:xfrm>
+            <a:off x="7333079" y="2427987"/>
+            <a:ext cx="2568022" cy="2568022"/>
+          </a:xfrm>
+          <a:prstGeom prst="rect">
+            <a:avLst/>
+          </a:prstGeom>
+        </p:spPr>
+      </p:pic>
+      <p:sp>
+        <p:nvSpPr>
+          <p:cNvPr id="17" name="TextBox 16">
+            <a:extLst>
+              <a:ext uri="{FF2B5EF4-FFF2-40B4-BE49-F238E27FC236}">
+                <a16:creationId xmlns:a16="http://schemas.microsoft.com/office/drawing/2014/main" id="{08FF0DDE-95F9-4804-BB49-FB0521393380}"/>
               </a:ext>
             </a:extLst>
           </p:cNvPr>
@@ -9788,7 +10188,1774 @@
         </p:nvSpPr>
         <p:spPr>
           <a:xfrm>
-            <a:off x="1942703" y="174805"/>
+            <a:off x="7510325" y="4534344"/>
+            <a:ext cx="2298755" cy="461665"/>
+          </a:xfrm>
+          <a:prstGeom prst="rect">
+            <a:avLst/>
+          </a:prstGeom>
+          <a:noFill/>
+        </p:spPr>
+        <p:txBody>
+          <a:bodyPr wrap="square" rtlCol="0">
+            <a:spAutoFit/>
+          </a:bodyPr>
+          <a:lstStyle/>
+          <a:p>
+            <a:pPr algn="ctr"/>
+            <a:r>
+              <a:rPr lang="en-AU" sz="2400" b="1" dirty="0"/>
+              <a:t>csv and Json</a:t>
+            </a:r>
+          </a:p>
+        </p:txBody>
+      </p:sp>
+      <p:sp>
+        <p:nvSpPr>
+          <p:cNvPr id="19" name="Arrow: Right 18">
+            <a:extLst>
+              <a:ext uri="{FF2B5EF4-FFF2-40B4-BE49-F238E27FC236}">
+                <a16:creationId xmlns:a16="http://schemas.microsoft.com/office/drawing/2014/main" id="{68A55867-6F94-4FE9-80F5-F3F87B2B1A5B}"/>
+              </a:ext>
+            </a:extLst>
+          </p:cNvPr>
+          <p:cNvSpPr/>
+          <p:nvPr/>
+        </p:nvSpPr>
+        <p:spPr>
+          <a:xfrm>
+            <a:off x="5364833" y="3343439"/>
+            <a:ext cx="1372902" cy="737118"/>
+          </a:xfrm>
+          <a:prstGeom prst="rightArrow">
+            <a:avLst/>
+          </a:prstGeom>
+          <a:solidFill>
+            <a:schemeClr val="accent1">
+              <a:lumMod val="60000"/>
+              <a:lumOff val="40000"/>
+            </a:schemeClr>
+          </a:solidFill>
+        </p:spPr>
+        <p:style>
+          <a:lnRef idx="2">
+            <a:schemeClr val="accent1">
+              <a:shade val="50000"/>
+            </a:schemeClr>
+          </a:lnRef>
+          <a:fillRef idx="1">
+            <a:schemeClr val="accent1"/>
+          </a:fillRef>
+          <a:effectRef idx="0">
+            <a:schemeClr val="accent1"/>
+          </a:effectRef>
+          <a:fontRef idx="minor">
+            <a:schemeClr val="lt1"/>
+          </a:fontRef>
+        </p:style>
+        <p:txBody>
+          <a:bodyPr rtlCol="0" anchor="ctr"/>
+          <a:lstStyle/>
+          <a:p>
+            <a:pPr algn="ctr"/>
+            <a:endParaRPr lang="en-AU"/>
+          </a:p>
+        </p:txBody>
+      </p:sp>
+      <p:sp>
+        <p:nvSpPr>
+          <p:cNvPr id="22" name="TextBox 21">
+            <a:extLst>
+              <a:ext uri="{FF2B5EF4-FFF2-40B4-BE49-F238E27FC236}">
+                <a16:creationId xmlns:a16="http://schemas.microsoft.com/office/drawing/2014/main" id="{00A26737-E374-464B-9D91-A9C70094714D}"/>
+              </a:ext>
+            </a:extLst>
+          </p:cNvPr>
+          <p:cNvSpPr txBox="1"/>
+          <p:nvPr/>
+        </p:nvSpPr>
+        <p:spPr>
+          <a:xfrm>
+            <a:off x="2050191" y="476671"/>
+            <a:ext cx="7715610" cy="2123658"/>
+          </a:xfrm>
+          <a:prstGeom prst="rect">
+            <a:avLst/>
+          </a:prstGeom>
+          <a:noFill/>
+        </p:spPr>
+        <p:txBody>
+          <a:bodyPr wrap="square" rtlCol="0">
+            <a:spAutoFit/>
+          </a:bodyPr>
+          <a:lstStyle/>
+          <a:p>
+            <a:pPr algn="ctr"/>
+            <a:r>
+              <a:rPr lang="en-AU" sz="4400" b="1" dirty="0">
+                <a:solidFill>
+                  <a:schemeClr val="accent6">
+                    <a:lumMod val="75000"/>
+                  </a:schemeClr>
+                </a:solidFill>
+              </a:rPr>
+              <a:t>Western Australia UV Index</a:t>
+            </a:r>
+          </a:p>
+          <a:p>
+            <a:pPr algn="ctr"/>
+            <a:r>
+              <a:rPr lang="en-AU" sz="4400" b="1" dirty="0">
+                <a:solidFill>
+                  <a:schemeClr val="accent6">
+                    <a:lumMod val="75000"/>
+                  </a:schemeClr>
+                </a:solidFill>
+              </a:rPr>
+              <a:t>Extract Historical Data from </a:t>
+            </a:r>
+            <a:r>
+              <a:rPr lang="en-AU" sz="4400" b="1" dirty="0" err="1">
+                <a:solidFill>
+                  <a:schemeClr val="accent6">
+                    <a:lumMod val="75000"/>
+                  </a:schemeClr>
+                </a:solidFill>
+              </a:rPr>
+              <a:t>OpenWeather</a:t>
+            </a:r>
+            <a:r>
+              <a:rPr lang="en-AU" sz="4400" b="1" dirty="0">
+                <a:solidFill>
+                  <a:schemeClr val="accent6">
+                    <a:lumMod val="75000"/>
+                  </a:schemeClr>
+                </a:solidFill>
+              </a:rPr>
+              <a:t> API</a:t>
+            </a:r>
+          </a:p>
+        </p:txBody>
+      </p:sp>
+      <p:pic>
+        <p:nvPicPr>
+          <p:cNvPr id="3" name="Graphic 2" descr="Web design">
+            <a:extLst>
+              <a:ext uri="{FF2B5EF4-FFF2-40B4-BE49-F238E27FC236}">
+                <a16:creationId xmlns:a16="http://schemas.microsoft.com/office/drawing/2014/main" id="{AB13133B-702F-4E53-9419-F6DB2F9EA32E}"/>
+              </a:ext>
+            </a:extLst>
+          </p:cNvPr>
+          <p:cNvPicPr>
+            <a:picLocks noChangeAspect="1"/>
+          </p:cNvPicPr>
+          <p:nvPr/>
+        </p:nvPicPr>
+        <p:blipFill>
+          <a:blip r:embed="rId4">
+            <a:extLst>
+              <a:ext uri="{28A0092B-C50C-407E-A947-70E740481C1C}">
+                <a14:useLocalDpi xmlns:a14="http://schemas.microsoft.com/office/drawing/2010/main" val="0"/>
+              </a:ext>
+              <a:ext uri="{96DAC541-7B7A-43D3-8B79-37D633B846F1}">
+                <asvg:svgBlip xmlns:asvg="http://schemas.microsoft.com/office/drawing/2016/SVG/main" r:embed="rId5"/>
+              </a:ext>
+            </a:extLst>
+          </a:blip>
+          <a:stretch>
+            <a:fillRect/>
+          </a:stretch>
+        </p:blipFill>
+        <p:spPr>
+          <a:xfrm>
+            <a:off x="2423133" y="2739212"/>
+            <a:ext cx="1866991" cy="1866991"/>
+          </a:xfrm>
+          <a:prstGeom prst="rect">
+            <a:avLst/>
+          </a:prstGeom>
+        </p:spPr>
+      </p:pic>
+      <p:sp>
+        <p:nvSpPr>
+          <p:cNvPr id="4" name="TextBox 3">
+            <a:extLst>
+              <a:ext uri="{FF2B5EF4-FFF2-40B4-BE49-F238E27FC236}">
+                <a16:creationId xmlns:a16="http://schemas.microsoft.com/office/drawing/2014/main" id="{3C676C28-9701-455F-AF65-2ECDAD84BB0E}"/>
+              </a:ext>
+            </a:extLst>
+          </p:cNvPr>
+          <p:cNvSpPr txBox="1"/>
+          <p:nvPr/>
+        </p:nvSpPr>
+        <p:spPr>
+          <a:xfrm>
+            <a:off x="2269948" y="4353374"/>
+            <a:ext cx="2488758" cy="461665"/>
+          </a:xfrm>
+          <a:prstGeom prst="rect">
+            <a:avLst/>
+          </a:prstGeom>
+          <a:noFill/>
+        </p:spPr>
+        <p:txBody>
+          <a:bodyPr wrap="none" rtlCol="0">
+            <a:spAutoFit/>
+          </a:bodyPr>
+          <a:lstStyle/>
+          <a:p>
+            <a:r>
+              <a:rPr lang="en-AU" sz="2400" b="1" dirty="0" err="1"/>
+              <a:t>OpenWeather</a:t>
+            </a:r>
+            <a:r>
+              <a:rPr lang="en-AU" sz="2400" b="1" dirty="0"/>
+              <a:t> API</a:t>
+            </a:r>
+          </a:p>
+        </p:txBody>
+      </p:sp>
+    </p:spTree>
+    <p:extLst>
+      <p:ext uri="{BB962C8B-B14F-4D97-AF65-F5344CB8AC3E}">
+        <p14:creationId xmlns:p14="http://schemas.microsoft.com/office/powerpoint/2010/main" val="3630936026"/>
+      </p:ext>
+    </p:extLst>
+  </p:cSld>
+  <p:clrMapOvr>
+    <a:masterClrMapping/>
+  </p:clrMapOvr>
+</p:sld>
+</file>
+
+<file path=ppt/slides/slide5.xml><?xml version="1.0" encoding="utf-8"?>
+<p:sld xmlns:a="http://schemas.openxmlformats.org/drawingml/2006/main" xmlns:r="http://schemas.openxmlformats.org/officeDocument/2006/relationships" xmlns:p="http://schemas.openxmlformats.org/presentationml/2006/main">
+  <p:cSld>
+    <p:bg>
+      <p:bgPr>
+        <a:solidFill>
+          <a:schemeClr val="bg1"/>
+        </a:solidFill>
+        <a:effectLst/>
+      </p:bgPr>
+    </p:bg>
+    <p:spTree>
+      <p:nvGrpSpPr>
+        <p:cNvPr id="1" name=""/>
+        <p:cNvGrpSpPr/>
+        <p:nvPr/>
+      </p:nvGrpSpPr>
+      <p:grpSpPr>
+        <a:xfrm>
+          <a:off x="0" y="0"/>
+          <a:ext cx="0" cy="0"/>
+          <a:chOff x="0" y="0"/>
+          <a:chExt cx="0" cy="0"/>
+        </a:xfrm>
+      </p:grpSpPr>
+      <p:sp>
+        <p:nvSpPr>
+          <p:cNvPr id="8" name="Rectangle 7">
+            <a:extLst>
+              <a:ext uri="{FF2B5EF4-FFF2-40B4-BE49-F238E27FC236}">
+                <a16:creationId xmlns:a16="http://schemas.microsoft.com/office/drawing/2014/main" id="{F3060C83-F051-4F0E-ABAD-AA0DFC48B218}"/>
+              </a:ext>
+              <a:ext uri="{C183D7F6-B498-43B3-948B-1728B52AA6E4}">
+                <adec:decorative xmlns:adec="http://schemas.microsoft.com/office/drawing/2017/decorative" val="1"/>
+              </a:ext>
+            </a:extLst>
+          </p:cNvPr>
+          <p:cNvSpPr>
+            <a:spLocks noGrp="1" noRot="1" noChangeAspect="1" noMove="1" noResize="1" noEditPoints="1" noAdjustHandles="1" noChangeArrowheads="1" noChangeShapeType="1" noTextEdit="1"/>
+          </p:cNvSpPr>
+          <p:nvPr>
+            <p:extLst>
+              <p:ext uri="{386F3935-93C4-4BCD-93E2-E3B085C9AB24}">
+                <p16:designElem xmlns:p16="http://schemas.microsoft.com/office/powerpoint/2015/main" val="1"/>
+              </p:ext>
+            </p:extLst>
+          </p:nvPr>
+        </p:nvSpPr>
+        <p:spPr>
+          <a:xfrm>
+            <a:off x="0" y="0"/>
+            <a:ext cx="12192000" cy="6858000"/>
+          </a:xfrm>
+          <a:prstGeom prst="rect">
+            <a:avLst/>
+          </a:prstGeom>
+          <a:solidFill>
+            <a:schemeClr val="bg1"/>
+          </a:solidFill>
+          <a:ln>
+            <a:noFill/>
+          </a:ln>
+        </p:spPr>
+        <p:style>
+          <a:lnRef idx="2">
+            <a:schemeClr val="accent1">
+              <a:shade val="50000"/>
+            </a:schemeClr>
+          </a:lnRef>
+          <a:fillRef idx="1">
+            <a:schemeClr val="accent1"/>
+          </a:fillRef>
+          <a:effectRef idx="0">
+            <a:schemeClr val="accent1"/>
+          </a:effectRef>
+          <a:fontRef idx="minor">
+            <a:schemeClr val="lt1"/>
+          </a:fontRef>
+        </p:style>
+        <p:txBody>
+          <a:bodyPr rtlCol="0" anchor="ctr"/>
+          <a:lstStyle/>
+          <a:p>
+            <a:pPr algn="ctr"/>
+            <a:endParaRPr lang="en-US" dirty="0"/>
+          </a:p>
+        </p:txBody>
+      </p:sp>
+      <p:sp>
+        <p:nvSpPr>
+          <p:cNvPr id="10" name="Freeform: Shape 9">
+            <a:extLst>
+              <a:ext uri="{FF2B5EF4-FFF2-40B4-BE49-F238E27FC236}">
+                <a16:creationId xmlns:a16="http://schemas.microsoft.com/office/drawing/2014/main" id="{83C98ABE-055B-441F-B07E-44F97F083C39}"/>
+              </a:ext>
+              <a:ext uri="{C183D7F6-B498-43B3-948B-1728B52AA6E4}">
+                <adec:decorative xmlns:adec="http://schemas.microsoft.com/office/drawing/2017/decorative" val="1"/>
+              </a:ext>
+            </a:extLst>
+          </p:cNvPr>
+          <p:cNvSpPr>
+            <a:spLocks noGrp="1" noRot="1" noChangeAspect="1" noMove="1" noResize="1" noEditPoints="1" noAdjustHandles="1" noChangeArrowheads="1" noChangeShapeType="1" noTextEdit="1"/>
+          </p:cNvSpPr>
+          <p:nvPr>
+            <p:extLst>
+              <p:ext uri="{386F3935-93C4-4BCD-93E2-E3B085C9AB24}">
+                <p16:designElem xmlns:p16="http://schemas.microsoft.com/office/powerpoint/2015/main" val="1"/>
+              </p:ext>
+            </p:extLst>
+          </p:nvPr>
+        </p:nvSpPr>
+        <p:spPr>
+          <a:xfrm rot="18900000" flipH="1">
+            <a:off x="-376156" y="-253670"/>
+            <a:ext cx="1827638" cy="1376989"/>
+          </a:xfrm>
+          <a:custGeom>
+            <a:avLst/>
+            <a:gdLst>
+              <a:gd name="connsiteX0" fmla="*/ 0 w 1827638"/>
+              <a:gd name="connsiteY0" fmla="*/ 987379 h 1376989"/>
+              <a:gd name="connsiteX1" fmla="*/ 987379 w 1827638"/>
+              <a:gd name="connsiteY1" fmla="*/ 0 h 1376989"/>
+              <a:gd name="connsiteX2" fmla="*/ 1827638 w 1827638"/>
+              <a:gd name="connsiteY2" fmla="*/ 840260 h 1376989"/>
+              <a:gd name="connsiteX3" fmla="*/ 1827638 w 1827638"/>
+              <a:gd name="connsiteY3" fmla="*/ 1376989 h 1376989"/>
+              <a:gd name="connsiteX4" fmla="*/ 0 w 1827638"/>
+              <a:gd name="connsiteY4" fmla="*/ 1376989 h 1376989"/>
+            </a:gdLst>
+            <a:ahLst/>
+            <a:cxnLst>
+              <a:cxn ang="0">
+                <a:pos x="connsiteX0" y="connsiteY0"/>
+              </a:cxn>
+              <a:cxn ang="0">
+                <a:pos x="connsiteX1" y="connsiteY1"/>
+              </a:cxn>
+              <a:cxn ang="0">
+                <a:pos x="connsiteX2" y="connsiteY2"/>
+              </a:cxn>
+              <a:cxn ang="0">
+                <a:pos x="connsiteX3" y="connsiteY3"/>
+              </a:cxn>
+              <a:cxn ang="0">
+                <a:pos x="connsiteX4" y="connsiteY4"/>
+              </a:cxn>
+            </a:cxnLst>
+            <a:rect l="l" t="t" r="r" b="b"/>
+            <a:pathLst>
+              <a:path w="1827638" h="1376989">
+                <a:moveTo>
+                  <a:pt x="0" y="987379"/>
+                </a:moveTo>
+                <a:lnTo>
+                  <a:pt x="987379" y="0"/>
+                </a:lnTo>
+                <a:lnTo>
+                  <a:pt x="1827638" y="840260"/>
+                </a:lnTo>
+                <a:lnTo>
+                  <a:pt x="1827638" y="1376989"/>
+                </a:lnTo>
+                <a:lnTo>
+                  <a:pt x="0" y="1376989"/>
+                </a:lnTo>
+                <a:close/>
+              </a:path>
+            </a:pathLst>
+          </a:custGeom>
+          <a:solidFill>
+            <a:schemeClr val="accent1">
+              <a:alpha val="30000"/>
+            </a:schemeClr>
+          </a:solidFill>
+          <a:ln>
+            <a:noFill/>
+          </a:ln>
+        </p:spPr>
+        <p:style>
+          <a:lnRef idx="2">
+            <a:schemeClr val="accent1">
+              <a:shade val="50000"/>
+            </a:schemeClr>
+          </a:lnRef>
+          <a:fillRef idx="1">
+            <a:schemeClr val="accent1"/>
+          </a:fillRef>
+          <a:effectRef idx="0">
+            <a:schemeClr val="accent1"/>
+          </a:effectRef>
+          <a:fontRef idx="minor">
+            <a:schemeClr val="lt1"/>
+          </a:fontRef>
+        </p:style>
+        <p:txBody>
+          <a:bodyPr rtlCol="0" anchor="ctr"/>
+          <a:lstStyle/>
+          <a:p>
+            <a:pPr algn="ctr"/>
+            <a:endParaRPr lang="en-US" dirty="0"/>
+          </a:p>
+        </p:txBody>
+      </p:sp>
+      <p:sp>
+        <p:nvSpPr>
+          <p:cNvPr id="12" name="Rectangle 11">
+            <a:extLst>
+              <a:ext uri="{FF2B5EF4-FFF2-40B4-BE49-F238E27FC236}">
+                <a16:creationId xmlns:a16="http://schemas.microsoft.com/office/drawing/2014/main" id="{29FDB030-9B49-4CED-8CCD-4D99382388AC}"/>
+              </a:ext>
+              <a:ext uri="{C183D7F6-B498-43B3-948B-1728B52AA6E4}">
+                <adec:decorative xmlns:adec="http://schemas.microsoft.com/office/drawing/2017/decorative" val="1"/>
+              </a:ext>
+            </a:extLst>
+          </p:cNvPr>
+          <p:cNvSpPr>
+            <a:spLocks noGrp="1" noRot="1" noChangeAspect="1" noMove="1" noResize="1" noEditPoints="1" noAdjustHandles="1" noChangeArrowheads="1" noChangeShapeType="1" noTextEdit="1"/>
+          </p:cNvSpPr>
+          <p:nvPr>
+            <p:extLst>
+              <p:ext uri="{386F3935-93C4-4BCD-93E2-E3B085C9AB24}">
+                <p16:designElem xmlns:p16="http://schemas.microsoft.com/office/powerpoint/2015/main" val="1"/>
+              </p:ext>
+            </p:extLst>
+          </p:nvPr>
+        </p:nvSpPr>
+        <p:spPr>
+          <a:xfrm rot="18900000" flipH="1">
+            <a:off x="891641" y="422146"/>
+            <a:ext cx="645368" cy="645368"/>
+          </a:xfrm>
+          <a:prstGeom prst="rect">
+            <a:avLst/>
+          </a:prstGeom>
+          <a:solidFill>
+            <a:schemeClr val="accent1">
+              <a:alpha val="30000"/>
+            </a:schemeClr>
+          </a:solidFill>
+          <a:ln>
+            <a:noFill/>
+          </a:ln>
+        </p:spPr>
+        <p:style>
+          <a:lnRef idx="2">
+            <a:schemeClr val="accent1">
+              <a:shade val="50000"/>
+            </a:schemeClr>
+          </a:lnRef>
+          <a:fillRef idx="1">
+            <a:schemeClr val="accent1"/>
+          </a:fillRef>
+          <a:effectRef idx="0">
+            <a:schemeClr val="accent1"/>
+          </a:effectRef>
+          <a:fontRef idx="minor">
+            <a:schemeClr val="lt1"/>
+          </a:fontRef>
+        </p:style>
+        <p:txBody>
+          <a:bodyPr rtlCol="0" anchor="ctr"/>
+          <a:lstStyle/>
+          <a:p>
+            <a:pPr algn="ctr"/>
+            <a:endParaRPr lang="en-US"/>
+          </a:p>
+        </p:txBody>
+      </p:sp>
+      <p:sp>
+        <p:nvSpPr>
+          <p:cNvPr id="14" name="Rectangle 13">
+            <a:extLst>
+              <a:ext uri="{FF2B5EF4-FFF2-40B4-BE49-F238E27FC236}">
+                <a16:creationId xmlns:a16="http://schemas.microsoft.com/office/drawing/2014/main" id="{3783CA14-24A1-485C-8B30-D6A5D87987AD}"/>
+              </a:ext>
+              <a:ext uri="{C183D7F6-B498-43B3-948B-1728B52AA6E4}">
+                <adec:decorative xmlns:adec="http://schemas.microsoft.com/office/drawing/2017/decorative" val="1"/>
+              </a:ext>
+            </a:extLst>
+          </p:cNvPr>
+          <p:cNvSpPr>
+            <a:spLocks noGrp="1" noRot="1" noChangeAspect="1" noMove="1" noResize="1" noEditPoints="1" noAdjustHandles="1" noChangeArrowheads="1" noChangeShapeType="1" noTextEdit="1"/>
+          </p:cNvSpPr>
+          <p:nvPr>
+            <p:extLst>
+              <p:ext uri="{386F3935-93C4-4BCD-93E2-E3B085C9AB24}">
+                <p16:designElem xmlns:p16="http://schemas.microsoft.com/office/powerpoint/2015/main" val="1"/>
+              </p:ext>
+            </p:extLst>
+          </p:nvPr>
+        </p:nvSpPr>
+        <p:spPr>
+          <a:xfrm rot="18900000" flipH="1">
+            <a:off x="10043482" y="655140"/>
+            <a:ext cx="687472" cy="687472"/>
+          </a:xfrm>
+          <a:prstGeom prst="rect">
+            <a:avLst/>
+          </a:prstGeom>
+          <a:solidFill>
+            <a:schemeClr val="accent4">
+              <a:alpha val="30000"/>
+            </a:schemeClr>
+          </a:solidFill>
+          <a:ln>
+            <a:noFill/>
+          </a:ln>
+        </p:spPr>
+        <p:style>
+          <a:lnRef idx="2">
+            <a:schemeClr val="accent1">
+              <a:shade val="50000"/>
+            </a:schemeClr>
+          </a:lnRef>
+          <a:fillRef idx="1">
+            <a:schemeClr val="accent1"/>
+          </a:fillRef>
+          <a:effectRef idx="0">
+            <a:schemeClr val="accent1"/>
+          </a:effectRef>
+          <a:fontRef idx="minor">
+            <a:schemeClr val="lt1"/>
+          </a:fontRef>
+        </p:style>
+        <p:txBody>
+          <a:bodyPr rtlCol="0" anchor="ctr"/>
+          <a:lstStyle/>
+          <a:p>
+            <a:pPr algn="ctr"/>
+            <a:endParaRPr lang="en-US"/>
+          </a:p>
+        </p:txBody>
+      </p:sp>
+      <p:sp>
+        <p:nvSpPr>
+          <p:cNvPr id="16" name="Freeform: Shape 15">
+            <a:extLst>
+              <a:ext uri="{FF2B5EF4-FFF2-40B4-BE49-F238E27FC236}">
+                <a16:creationId xmlns:a16="http://schemas.microsoft.com/office/drawing/2014/main" id="{9A97C86A-04D6-40F7-AE84-31AB43E6A846}"/>
+              </a:ext>
+              <a:ext uri="{C183D7F6-B498-43B3-948B-1728B52AA6E4}">
+                <adec:decorative xmlns:adec="http://schemas.microsoft.com/office/drawing/2017/decorative" val="1"/>
+              </a:ext>
+            </a:extLst>
+          </p:cNvPr>
+          <p:cNvSpPr>
+            <a:spLocks noGrp="1" noRot="1" noChangeAspect="1" noMove="1" noResize="1" noEditPoints="1" noAdjustHandles="1" noChangeArrowheads="1" noChangeShapeType="1" noTextEdit="1"/>
+          </p:cNvSpPr>
+          <p:nvPr>
+            <p:extLst>
+              <p:ext uri="{386F3935-93C4-4BCD-93E2-E3B085C9AB24}">
+                <p16:designElem xmlns:p16="http://schemas.microsoft.com/office/powerpoint/2015/main" val="1"/>
+              </p:ext>
+            </p:extLst>
+          </p:nvPr>
+        </p:nvSpPr>
+        <p:spPr>
+          <a:xfrm rot="10800000" flipH="1">
+            <a:off x="9356643" y="0"/>
+            <a:ext cx="2835357" cy="1480837"/>
+          </a:xfrm>
+          <a:custGeom>
+            <a:avLst/>
+            <a:gdLst>
+              <a:gd name="connsiteX0" fmla="*/ 2835357 w 2835357"/>
+              <a:gd name="connsiteY0" fmla="*/ 1480837 h 1480837"/>
+              <a:gd name="connsiteX1" fmla="*/ 0 w 2835357"/>
+              <a:gd name="connsiteY1" fmla="*/ 1480837 h 1480837"/>
+              <a:gd name="connsiteX2" fmla="*/ 1552727 w 2835357"/>
+              <a:gd name="connsiteY2" fmla="*/ 0 h 1480837"/>
+              <a:gd name="connsiteX3" fmla="*/ 2835357 w 2835357"/>
+              <a:gd name="connsiteY3" fmla="*/ 1223245 h 1480837"/>
+            </a:gdLst>
+            <a:ahLst/>
+            <a:cxnLst>
+              <a:cxn ang="0">
+                <a:pos x="connsiteX0" y="connsiteY0"/>
+              </a:cxn>
+              <a:cxn ang="0">
+                <a:pos x="connsiteX1" y="connsiteY1"/>
+              </a:cxn>
+              <a:cxn ang="0">
+                <a:pos x="connsiteX2" y="connsiteY2"/>
+              </a:cxn>
+              <a:cxn ang="0">
+                <a:pos x="connsiteX3" y="connsiteY3"/>
+              </a:cxn>
+            </a:cxnLst>
+            <a:rect l="l" t="t" r="r" b="b"/>
+            <a:pathLst>
+              <a:path w="2835357" h="1480837">
+                <a:moveTo>
+                  <a:pt x="2835357" y="1480837"/>
+                </a:moveTo>
+                <a:lnTo>
+                  <a:pt x="0" y="1480837"/>
+                </a:lnTo>
+                <a:lnTo>
+                  <a:pt x="1552727" y="0"/>
+                </a:lnTo>
+                <a:lnTo>
+                  <a:pt x="2835357" y="1223245"/>
+                </a:lnTo>
+                <a:close/>
+              </a:path>
+            </a:pathLst>
+          </a:custGeom>
+          <a:solidFill>
+            <a:schemeClr val="accent4">
+              <a:alpha val="30000"/>
+            </a:schemeClr>
+          </a:solidFill>
+          <a:ln>
+            <a:noFill/>
+          </a:ln>
+        </p:spPr>
+        <p:style>
+          <a:lnRef idx="2">
+            <a:schemeClr val="accent1">
+              <a:shade val="50000"/>
+            </a:schemeClr>
+          </a:lnRef>
+          <a:fillRef idx="1">
+            <a:schemeClr val="accent1"/>
+          </a:fillRef>
+          <a:effectRef idx="0">
+            <a:schemeClr val="accent1"/>
+          </a:effectRef>
+          <a:fontRef idx="minor">
+            <a:schemeClr val="lt1"/>
+          </a:fontRef>
+        </p:style>
+        <p:txBody>
+          <a:bodyPr wrap="square" rtlCol="0" anchor="ctr">
+            <a:noAutofit/>
+          </a:bodyPr>
+          <a:lstStyle/>
+          <a:p>
+            <a:pPr algn="ctr"/>
+            <a:endParaRPr lang="en-US" dirty="0"/>
+          </a:p>
+        </p:txBody>
+      </p:sp>
+      <p:sp>
+        <p:nvSpPr>
+          <p:cNvPr id="18" name="Isosceles Triangle 17">
+            <a:extLst>
+              <a:ext uri="{FF2B5EF4-FFF2-40B4-BE49-F238E27FC236}">
+                <a16:creationId xmlns:a16="http://schemas.microsoft.com/office/drawing/2014/main" id="{FF9F2414-84E8-453E-B1F3-389FDE8192D9}"/>
+              </a:ext>
+              <a:ext uri="{C183D7F6-B498-43B3-948B-1728B52AA6E4}">
+                <adec:decorative xmlns:adec="http://schemas.microsoft.com/office/drawing/2017/decorative" val="1"/>
+              </a:ext>
+            </a:extLst>
+          </p:cNvPr>
+          <p:cNvSpPr>
+            <a:spLocks noGrp="1" noRot="1" noChangeAspect="1" noMove="1" noResize="1" noEditPoints="1" noAdjustHandles="1" noChangeArrowheads="1" noChangeShapeType="1" noTextEdit="1"/>
+          </p:cNvSpPr>
+          <p:nvPr>
+            <p:extLst>
+              <p:ext uri="{386F3935-93C4-4BCD-93E2-E3B085C9AB24}">
+                <p16:designElem xmlns:p16="http://schemas.microsoft.com/office/powerpoint/2015/main" val="1"/>
+              </p:ext>
+            </p:extLst>
+          </p:nvPr>
+        </p:nvSpPr>
+        <p:spPr>
+          <a:xfrm flipH="1">
+            <a:off x="7976344" y="6115501"/>
+            <a:ext cx="1494513" cy="742499"/>
+          </a:xfrm>
+          <a:prstGeom prst="triangle">
+            <a:avLst/>
+          </a:prstGeom>
+          <a:solidFill>
+            <a:schemeClr val="accent1">
+              <a:alpha val="30000"/>
+            </a:schemeClr>
+          </a:solidFill>
+          <a:ln>
+            <a:noFill/>
+          </a:ln>
+        </p:spPr>
+        <p:style>
+          <a:lnRef idx="2">
+            <a:schemeClr val="accent1">
+              <a:shade val="50000"/>
+            </a:schemeClr>
+          </a:lnRef>
+          <a:fillRef idx="1">
+            <a:schemeClr val="accent1"/>
+          </a:fillRef>
+          <a:effectRef idx="0">
+            <a:schemeClr val="accent1"/>
+          </a:effectRef>
+          <a:fontRef idx="minor">
+            <a:schemeClr val="lt1"/>
+          </a:fontRef>
+        </p:style>
+        <p:txBody>
+          <a:bodyPr rtlCol="0" anchor="ctr"/>
+          <a:lstStyle/>
+          <a:p>
+            <a:pPr algn="ctr"/>
+            <a:endParaRPr lang="en-US"/>
+          </a:p>
+        </p:txBody>
+      </p:sp>
+      <p:sp>
+        <p:nvSpPr>
+          <p:cNvPr id="20" name="Isosceles Triangle 19">
+            <a:extLst>
+              <a:ext uri="{FF2B5EF4-FFF2-40B4-BE49-F238E27FC236}">
+                <a16:creationId xmlns:a16="http://schemas.microsoft.com/office/drawing/2014/main" id="{3ECA69A1-7536-43AC-85EF-C7106179F5ED}"/>
+              </a:ext>
+              <a:ext uri="{C183D7F6-B498-43B3-948B-1728B52AA6E4}">
+                <adec:decorative xmlns:adec="http://schemas.microsoft.com/office/drawing/2017/decorative" val="1"/>
+              </a:ext>
+            </a:extLst>
+          </p:cNvPr>
+          <p:cNvSpPr>
+            <a:spLocks noGrp="1" noRot="1" noChangeAspect="1" noMove="1" noResize="1" noEditPoints="1" noAdjustHandles="1" noChangeArrowheads="1" noChangeShapeType="1" noTextEdit="1"/>
+          </p:cNvSpPr>
+          <p:nvPr>
+            <p:extLst>
+              <p:ext uri="{386F3935-93C4-4BCD-93E2-E3B085C9AB24}">
+                <p16:designElem xmlns:p16="http://schemas.microsoft.com/office/powerpoint/2015/main" val="1"/>
+              </p:ext>
+            </p:extLst>
+          </p:nvPr>
+        </p:nvSpPr>
+        <p:spPr>
+          <a:xfrm flipH="1">
+            <a:off x="7604080" y="6453143"/>
+            <a:ext cx="814903" cy="404857"/>
+          </a:xfrm>
+          <a:prstGeom prst="triangle">
+            <a:avLst/>
+          </a:prstGeom>
+          <a:solidFill>
+            <a:schemeClr val="accent1">
+              <a:alpha val="30000"/>
+            </a:schemeClr>
+          </a:solidFill>
+          <a:ln>
+            <a:noFill/>
+          </a:ln>
+        </p:spPr>
+        <p:style>
+          <a:lnRef idx="2">
+            <a:schemeClr val="accent1">
+              <a:shade val="50000"/>
+            </a:schemeClr>
+          </a:lnRef>
+          <a:fillRef idx="1">
+            <a:schemeClr val="accent1"/>
+          </a:fillRef>
+          <a:effectRef idx="0">
+            <a:schemeClr val="accent1"/>
+          </a:effectRef>
+          <a:fontRef idx="minor">
+            <a:schemeClr val="lt1"/>
+          </a:fontRef>
+        </p:style>
+        <p:txBody>
+          <a:bodyPr rtlCol="0" anchor="ctr"/>
+          <a:lstStyle/>
+          <a:p>
+            <a:pPr algn="ctr"/>
+            <a:endParaRPr lang="en-US"/>
+          </a:p>
+        </p:txBody>
+      </p:sp>
+      <p:pic>
+        <p:nvPicPr>
+          <p:cNvPr id="9" name="Graphic 8" descr="Database">
+            <a:extLst>
+              <a:ext uri="{FF2B5EF4-FFF2-40B4-BE49-F238E27FC236}">
+                <a16:creationId xmlns:a16="http://schemas.microsoft.com/office/drawing/2014/main" id="{ADF7A8C6-7576-4BD0-80AA-3CB17D33012F}"/>
+              </a:ext>
+            </a:extLst>
+          </p:cNvPr>
+          <p:cNvPicPr>
+            <a:picLocks noChangeAspect="1"/>
+          </p:cNvPicPr>
+          <p:nvPr/>
+        </p:nvPicPr>
+        <p:blipFill>
+          <a:blip r:embed="rId2">
+            <a:extLst>
+              <a:ext uri="{28A0092B-C50C-407E-A947-70E740481C1C}">
+                <a14:useLocalDpi xmlns:a14="http://schemas.microsoft.com/office/drawing/2010/main" val="0"/>
+              </a:ext>
+              <a:ext uri="{96DAC541-7B7A-43D3-8B79-37D633B846F1}">
+                <asvg:svgBlip xmlns:asvg="http://schemas.microsoft.com/office/drawing/2016/SVG/main" r:embed="rId3"/>
+              </a:ext>
+            </a:extLst>
+          </a:blip>
+          <a:stretch>
+            <a:fillRect/>
+          </a:stretch>
+        </p:blipFill>
+        <p:spPr>
+          <a:xfrm>
+            <a:off x="5050137" y="2537666"/>
+            <a:ext cx="2181838" cy="2181838"/>
+          </a:xfrm>
+          <a:prstGeom prst="rect">
+            <a:avLst/>
+          </a:prstGeom>
+        </p:spPr>
+      </p:pic>
+      <p:pic>
+        <p:nvPicPr>
+          <p:cNvPr id="13" name="Graphic 12" descr="Table">
+            <a:extLst>
+              <a:ext uri="{FF2B5EF4-FFF2-40B4-BE49-F238E27FC236}">
+                <a16:creationId xmlns:a16="http://schemas.microsoft.com/office/drawing/2014/main" id="{EBB6CA1A-54A7-48AB-A1B4-751E80897FC7}"/>
+              </a:ext>
+            </a:extLst>
+          </p:cNvPr>
+          <p:cNvPicPr>
+            <a:picLocks noChangeAspect="1"/>
+          </p:cNvPicPr>
+          <p:nvPr/>
+        </p:nvPicPr>
+        <p:blipFill>
+          <a:blip r:embed="rId4">
+            <a:extLst>
+              <a:ext uri="{28A0092B-C50C-407E-A947-70E740481C1C}">
+                <a14:useLocalDpi xmlns:a14="http://schemas.microsoft.com/office/drawing/2010/main" val="0"/>
+              </a:ext>
+              <a:ext uri="{96DAC541-7B7A-43D3-8B79-37D633B846F1}">
+                <asvg:svgBlip xmlns:asvg="http://schemas.microsoft.com/office/drawing/2016/SVG/main" r:embed="rId5"/>
+              </a:ext>
+            </a:extLst>
+          </a:blip>
+          <a:stretch>
+            <a:fillRect/>
+          </a:stretch>
+        </p:blipFill>
+        <p:spPr>
+          <a:xfrm>
+            <a:off x="766180" y="2419405"/>
+            <a:ext cx="2568022" cy="2568022"/>
+          </a:xfrm>
+          <a:prstGeom prst="rect">
+            <a:avLst/>
+          </a:prstGeom>
+        </p:spPr>
+      </p:pic>
+      <p:sp>
+        <p:nvSpPr>
+          <p:cNvPr id="17" name="TextBox 16">
+            <a:extLst>
+              <a:ext uri="{FF2B5EF4-FFF2-40B4-BE49-F238E27FC236}">
+                <a16:creationId xmlns:a16="http://schemas.microsoft.com/office/drawing/2014/main" id="{08FF0DDE-95F9-4804-BB49-FB0521393380}"/>
+              </a:ext>
+            </a:extLst>
+          </p:cNvPr>
+          <p:cNvSpPr txBox="1"/>
+          <p:nvPr/>
+        </p:nvSpPr>
+        <p:spPr>
+          <a:xfrm>
+            <a:off x="1459804" y="4620833"/>
+            <a:ext cx="1180774" cy="461665"/>
+          </a:xfrm>
+          <a:prstGeom prst="rect">
+            <a:avLst/>
+          </a:prstGeom>
+          <a:noFill/>
+        </p:spPr>
+        <p:txBody>
+          <a:bodyPr wrap="square" rtlCol="0">
+            <a:spAutoFit/>
+          </a:bodyPr>
+          <a:lstStyle/>
+          <a:p>
+            <a:pPr algn="ctr"/>
+            <a:r>
+              <a:rPr lang="en-AU" sz="2400" b="1" dirty="0"/>
+              <a:t>csv file</a:t>
+            </a:r>
+          </a:p>
+        </p:txBody>
+      </p:sp>
+      <p:sp>
+        <p:nvSpPr>
+          <p:cNvPr id="21" name="TextBox 20">
+            <a:extLst>
+              <a:ext uri="{FF2B5EF4-FFF2-40B4-BE49-F238E27FC236}">
+                <a16:creationId xmlns:a16="http://schemas.microsoft.com/office/drawing/2014/main" id="{7C5BD3B3-8CAB-48A0-82F9-123D19EA3A07}"/>
+              </a:ext>
+            </a:extLst>
+          </p:cNvPr>
+          <p:cNvSpPr txBox="1"/>
+          <p:nvPr/>
+        </p:nvSpPr>
+        <p:spPr>
+          <a:xfrm>
+            <a:off x="5550669" y="4572228"/>
+            <a:ext cx="1144675" cy="461665"/>
+          </a:xfrm>
+          <a:prstGeom prst="rect">
+            <a:avLst/>
+          </a:prstGeom>
+          <a:noFill/>
+        </p:spPr>
+        <p:txBody>
+          <a:bodyPr wrap="square" rtlCol="0">
+            <a:spAutoFit/>
+          </a:bodyPr>
+          <a:lstStyle/>
+          <a:p>
+            <a:pPr algn="ctr"/>
+            <a:r>
+              <a:rPr lang="en-AU" sz="2400" b="1" dirty="0"/>
+              <a:t>SQLITE</a:t>
+            </a:r>
+          </a:p>
+        </p:txBody>
+      </p:sp>
+      <p:sp>
+        <p:nvSpPr>
+          <p:cNvPr id="19" name="Arrow: Right 18">
+            <a:extLst>
+              <a:ext uri="{FF2B5EF4-FFF2-40B4-BE49-F238E27FC236}">
+                <a16:creationId xmlns:a16="http://schemas.microsoft.com/office/drawing/2014/main" id="{68A55867-6F94-4FE9-80F5-F3F87B2B1A5B}"/>
+              </a:ext>
+            </a:extLst>
+          </p:cNvPr>
+          <p:cNvSpPr/>
+          <p:nvPr/>
+        </p:nvSpPr>
+        <p:spPr>
+          <a:xfrm>
+            <a:off x="3411588" y="3196328"/>
+            <a:ext cx="1372902" cy="737118"/>
+          </a:xfrm>
+          <a:prstGeom prst="rightArrow">
+            <a:avLst/>
+          </a:prstGeom>
+          <a:solidFill>
+            <a:schemeClr val="accent1">
+              <a:lumMod val="60000"/>
+              <a:lumOff val="40000"/>
+            </a:schemeClr>
+          </a:solidFill>
+        </p:spPr>
+        <p:style>
+          <a:lnRef idx="2">
+            <a:schemeClr val="accent1">
+              <a:shade val="50000"/>
+            </a:schemeClr>
+          </a:lnRef>
+          <a:fillRef idx="1">
+            <a:schemeClr val="accent1"/>
+          </a:fillRef>
+          <a:effectRef idx="0">
+            <a:schemeClr val="accent1"/>
+          </a:effectRef>
+          <a:fontRef idx="minor">
+            <a:schemeClr val="lt1"/>
+          </a:fontRef>
+        </p:style>
+        <p:txBody>
+          <a:bodyPr rtlCol="0" anchor="ctr"/>
+          <a:lstStyle/>
+          <a:p>
+            <a:pPr algn="ctr"/>
+            <a:endParaRPr lang="en-AU"/>
+          </a:p>
+        </p:txBody>
+      </p:sp>
+      <p:sp>
+        <p:nvSpPr>
+          <p:cNvPr id="22" name="TextBox 21">
+            <a:extLst>
+              <a:ext uri="{FF2B5EF4-FFF2-40B4-BE49-F238E27FC236}">
+                <a16:creationId xmlns:a16="http://schemas.microsoft.com/office/drawing/2014/main" id="{00A26737-E374-464B-9D91-A9C70094714D}"/>
+              </a:ext>
+            </a:extLst>
+          </p:cNvPr>
+          <p:cNvSpPr txBox="1"/>
+          <p:nvPr/>
+        </p:nvSpPr>
+        <p:spPr>
+          <a:xfrm>
+            <a:off x="2435095" y="795853"/>
+            <a:ext cx="7715610" cy="1446550"/>
+          </a:xfrm>
+          <a:prstGeom prst="rect">
+            <a:avLst/>
+          </a:prstGeom>
+          <a:noFill/>
+        </p:spPr>
+        <p:txBody>
+          <a:bodyPr wrap="square" rtlCol="0">
+            <a:spAutoFit/>
+          </a:bodyPr>
+          <a:lstStyle/>
+          <a:p>
+            <a:pPr algn="ctr"/>
+            <a:r>
+              <a:rPr lang="en-AU" sz="4400" b="1" dirty="0">
+                <a:solidFill>
+                  <a:schemeClr val="accent6">
+                    <a:lumMod val="75000"/>
+                  </a:schemeClr>
+                </a:solidFill>
+              </a:rPr>
+              <a:t>Western Australia UV Index</a:t>
+            </a:r>
+          </a:p>
+          <a:p>
+            <a:pPr algn="ctr"/>
+            <a:r>
+              <a:rPr lang="en-AU" sz="4400" b="1" dirty="0">
+                <a:solidFill>
+                  <a:schemeClr val="accent6">
+                    <a:lumMod val="75000"/>
+                  </a:schemeClr>
+                </a:solidFill>
+              </a:rPr>
+              <a:t>Historical Data Storage</a:t>
+            </a:r>
+          </a:p>
+        </p:txBody>
+      </p:sp>
+      <p:sp>
+        <p:nvSpPr>
+          <p:cNvPr id="23" name="Arrow: Right 22">
+            <a:extLst>
+              <a:ext uri="{FF2B5EF4-FFF2-40B4-BE49-F238E27FC236}">
+                <a16:creationId xmlns:a16="http://schemas.microsoft.com/office/drawing/2014/main" id="{BF544220-9D98-4F83-AC78-E39A2A6BFCEF}"/>
+              </a:ext>
+            </a:extLst>
+          </p:cNvPr>
+          <p:cNvSpPr/>
+          <p:nvPr/>
+        </p:nvSpPr>
+        <p:spPr>
+          <a:xfrm>
+            <a:off x="7800283" y="3197165"/>
+            <a:ext cx="1372902" cy="737118"/>
+          </a:xfrm>
+          <a:prstGeom prst="rightArrow">
+            <a:avLst/>
+          </a:prstGeom>
+          <a:solidFill>
+            <a:schemeClr val="accent1">
+              <a:lumMod val="60000"/>
+              <a:lumOff val="40000"/>
+            </a:schemeClr>
+          </a:solidFill>
+        </p:spPr>
+        <p:style>
+          <a:lnRef idx="2">
+            <a:schemeClr val="accent1">
+              <a:shade val="50000"/>
+            </a:schemeClr>
+          </a:lnRef>
+          <a:fillRef idx="1">
+            <a:schemeClr val="accent1"/>
+          </a:fillRef>
+          <a:effectRef idx="0">
+            <a:schemeClr val="accent1"/>
+          </a:effectRef>
+          <a:fontRef idx="minor">
+            <a:schemeClr val="lt1"/>
+          </a:fontRef>
+        </p:style>
+        <p:txBody>
+          <a:bodyPr rtlCol="0" anchor="ctr"/>
+          <a:lstStyle/>
+          <a:p>
+            <a:pPr algn="ctr"/>
+            <a:endParaRPr lang="en-AU"/>
+          </a:p>
+        </p:txBody>
+      </p:sp>
+      <p:sp>
+        <p:nvSpPr>
+          <p:cNvPr id="24" name="TextBox 23">
+            <a:extLst>
+              <a:ext uri="{FF2B5EF4-FFF2-40B4-BE49-F238E27FC236}">
+                <a16:creationId xmlns:a16="http://schemas.microsoft.com/office/drawing/2014/main" id="{C073591B-3899-4B09-B611-A75CD15EC9BB}"/>
+              </a:ext>
+            </a:extLst>
+          </p:cNvPr>
+          <p:cNvSpPr txBox="1"/>
+          <p:nvPr/>
+        </p:nvSpPr>
+        <p:spPr>
+          <a:xfrm>
+            <a:off x="9470857" y="3209444"/>
+            <a:ext cx="1626412" cy="830997"/>
+          </a:xfrm>
+          <a:prstGeom prst="rect">
+            <a:avLst/>
+          </a:prstGeom>
+          <a:noFill/>
+        </p:spPr>
+        <p:txBody>
+          <a:bodyPr wrap="square" rtlCol="0">
+            <a:spAutoFit/>
+          </a:bodyPr>
+          <a:lstStyle/>
+          <a:p>
+            <a:pPr algn="ctr"/>
+            <a:r>
+              <a:rPr lang="en-AU" sz="2400" b="1" dirty="0"/>
+              <a:t>Python</a:t>
+            </a:r>
+          </a:p>
+          <a:p>
+            <a:pPr algn="ctr"/>
+            <a:r>
+              <a:rPr lang="en-AU" sz="2400" b="1" dirty="0"/>
+              <a:t>Flask</a:t>
+            </a:r>
+          </a:p>
+        </p:txBody>
+      </p:sp>
+    </p:spTree>
+    <p:extLst>
+      <p:ext uri="{BB962C8B-B14F-4D97-AF65-F5344CB8AC3E}">
+        <p14:creationId xmlns:p14="http://schemas.microsoft.com/office/powerpoint/2010/main" val="3262309051"/>
+      </p:ext>
+    </p:extLst>
+  </p:cSld>
+  <p:clrMapOvr>
+    <a:masterClrMapping/>
+  </p:clrMapOvr>
+</p:sld>
+</file>
+
+<file path=ppt/slides/slide6.xml><?xml version="1.0" encoding="utf-8"?>
+<p:sld xmlns:a="http://schemas.openxmlformats.org/drawingml/2006/main" xmlns:r="http://schemas.openxmlformats.org/officeDocument/2006/relationships" xmlns:p="http://schemas.openxmlformats.org/presentationml/2006/main">
+  <p:cSld>
+    <p:bg>
+      <p:bgPr>
+        <a:solidFill>
+          <a:schemeClr val="bg1"/>
+        </a:solidFill>
+        <a:effectLst/>
+      </p:bgPr>
+    </p:bg>
+    <p:spTree>
+      <p:nvGrpSpPr>
+        <p:cNvPr id="1" name=""/>
+        <p:cNvGrpSpPr/>
+        <p:nvPr/>
+      </p:nvGrpSpPr>
+      <p:grpSpPr>
+        <a:xfrm>
+          <a:off x="0" y="0"/>
+          <a:ext cx="0" cy="0"/>
+          <a:chOff x="0" y="0"/>
+          <a:chExt cx="0" cy="0"/>
+        </a:xfrm>
+      </p:grpSpPr>
+      <p:sp>
+        <p:nvSpPr>
+          <p:cNvPr id="8" name="Rectangle 7">
+            <a:extLst>
+              <a:ext uri="{FF2B5EF4-FFF2-40B4-BE49-F238E27FC236}">
+                <a16:creationId xmlns:a16="http://schemas.microsoft.com/office/drawing/2014/main" id="{F3060C83-F051-4F0E-ABAD-AA0DFC48B218}"/>
+              </a:ext>
+              <a:ext uri="{C183D7F6-B498-43B3-948B-1728B52AA6E4}">
+                <adec:decorative xmlns:adec="http://schemas.microsoft.com/office/drawing/2017/decorative" val="1"/>
+              </a:ext>
+            </a:extLst>
+          </p:cNvPr>
+          <p:cNvSpPr>
+            <a:spLocks noGrp="1" noRot="1" noChangeAspect="1" noMove="1" noResize="1" noEditPoints="1" noAdjustHandles="1" noChangeArrowheads="1" noChangeShapeType="1" noTextEdit="1"/>
+          </p:cNvSpPr>
+          <p:nvPr>
+            <p:extLst>
+              <p:ext uri="{386F3935-93C4-4BCD-93E2-E3B085C9AB24}">
+                <p16:designElem xmlns:p16="http://schemas.microsoft.com/office/powerpoint/2015/main" val="1"/>
+              </p:ext>
+            </p:extLst>
+          </p:nvPr>
+        </p:nvSpPr>
+        <p:spPr>
+          <a:xfrm>
+            <a:off x="0" y="0"/>
+            <a:ext cx="12192000" cy="6858000"/>
+          </a:xfrm>
+          <a:prstGeom prst="rect">
+            <a:avLst/>
+          </a:prstGeom>
+          <a:solidFill>
+            <a:schemeClr val="bg1"/>
+          </a:solidFill>
+          <a:ln>
+            <a:noFill/>
+          </a:ln>
+        </p:spPr>
+        <p:style>
+          <a:lnRef idx="2">
+            <a:schemeClr val="accent1">
+              <a:shade val="50000"/>
+            </a:schemeClr>
+          </a:lnRef>
+          <a:fillRef idx="1">
+            <a:schemeClr val="accent1"/>
+          </a:fillRef>
+          <a:effectRef idx="0">
+            <a:schemeClr val="accent1"/>
+          </a:effectRef>
+          <a:fontRef idx="minor">
+            <a:schemeClr val="lt1"/>
+          </a:fontRef>
+        </p:style>
+        <p:txBody>
+          <a:bodyPr rtlCol="0" anchor="ctr"/>
+          <a:lstStyle/>
+          <a:p>
+            <a:pPr algn="ctr"/>
+            <a:endParaRPr lang="en-US" dirty="0"/>
+          </a:p>
+        </p:txBody>
+      </p:sp>
+      <p:sp>
+        <p:nvSpPr>
+          <p:cNvPr id="10" name="Freeform: Shape 9">
+            <a:extLst>
+              <a:ext uri="{FF2B5EF4-FFF2-40B4-BE49-F238E27FC236}">
+                <a16:creationId xmlns:a16="http://schemas.microsoft.com/office/drawing/2014/main" id="{83C98ABE-055B-441F-B07E-44F97F083C39}"/>
+              </a:ext>
+              <a:ext uri="{C183D7F6-B498-43B3-948B-1728B52AA6E4}">
+                <adec:decorative xmlns:adec="http://schemas.microsoft.com/office/drawing/2017/decorative" val="1"/>
+              </a:ext>
+            </a:extLst>
+          </p:cNvPr>
+          <p:cNvSpPr>
+            <a:spLocks noGrp="1" noRot="1" noChangeAspect="1" noMove="1" noResize="1" noEditPoints="1" noAdjustHandles="1" noChangeArrowheads="1" noChangeShapeType="1" noTextEdit="1"/>
+          </p:cNvSpPr>
+          <p:nvPr>
+            <p:extLst>
+              <p:ext uri="{386F3935-93C4-4BCD-93E2-E3B085C9AB24}">
+                <p16:designElem xmlns:p16="http://schemas.microsoft.com/office/powerpoint/2015/main" val="1"/>
+              </p:ext>
+            </p:extLst>
+          </p:nvPr>
+        </p:nvSpPr>
+        <p:spPr>
+          <a:xfrm rot="18900000" flipH="1">
+            <a:off x="-376156" y="-253670"/>
+            <a:ext cx="1827638" cy="1376989"/>
+          </a:xfrm>
+          <a:custGeom>
+            <a:avLst/>
+            <a:gdLst>
+              <a:gd name="connsiteX0" fmla="*/ 0 w 1827638"/>
+              <a:gd name="connsiteY0" fmla="*/ 987379 h 1376989"/>
+              <a:gd name="connsiteX1" fmla="*/ 987379 w 1827638"/>
+              <a:gd name="connsiteY1" fmla="*/ 0 h 1376989"/>
+              <a:gd name="connsiteX2" fmla="*/ 1827638 w 1827638"/>
+              <a:gd name="connsiteY2" fmla="*/ 840260 h 1376989"/>
+              <a:gd name="connsiteX3" fmla="*/ 1827638 w 1827638"/>
+              <a:gd name="connsiteY3" fmla="*/ 1376989 h 1376989"/>
+              <a:gd name="connsiteX4" fmla="*/ 0 w 1827638"/>
+              <a:gd name="connsiteY4" fmla="*/ 1376989 h 1376989"/>
+            </a:gdLst>
+            <a:ahLst/>
+            <a:cxnLst>
+              <a:cxn ang="0">
+                <a:pos x="connsiteX0" y="connsiteY0"/>
+              </a:cxn>
+              <a:cxn ang="0">
+                <a:pos x="connsiteX1" y="connsiteY1"/>
+              </a:cxn>
+              <a:cxn ang="0">
+                <a:pos x="connsiteX2" y="connsiteY2"/>
+              </a:cxn>
+              <a:cxn ang="0">
+                <a:pos x="connsiteX3" y="connsiteY3"/>
+              </a:cxn>
+              <a:cxn ang="0">
+                <a:pos x="connsiteX4" y="connsiteY4"/>
+              </a:cxn>
+            </a:cxnLst>
+            <a:rect l="l" t="t" r="r" b="b"/>
+            <a:pathLst>
+              <a:path w="1827638" h="1376989">
+                <a:moveTo>
+                  <a:pt x="0" y="987379"/>
+                </a:moveTo>
+                <a:lnTo>
+                  <a:pt x="987379" y="0"/>
+                </a:lnTo>
+                <a:lnTo>
+                  <a:pt x="1827638" y="840260"/>
+                </a:lnTo>
+                <a:lnTo>
+                  <a:pt x="1827638" y="1376989"/>
+                </a:lnTo>
+                <a:lnTo>
+                  <a:pt x="0" y="1376989"/>
+                </a:lnTo>
+                <a:close/>
+              </a:path>
+            </a:pathLst>
+          </a:custGeom>
+          <a:solidFill>
+            <a:schemeClr val="accent1">
+              <a:alpha val="30000"/>
+            </a:schemeClr>
+          </a:solidFill>
+          <a:ln>
+            <a:noFill/>
+          </a:ln>
+        </p:spPr>
+        <p:style>
+          <a:lnRef idx="2">
+            <a:schemeClr val="accent1">
+              <a:shade val="50000"/>
+            </a:schemeClr>
+          </a:lnRef>
+          <a:fillRef idx="1">
+            <a:schemeClr val="accent1"/>
+          </a:fillRef>
+          <a:effectRef idx="0">
+            <a:schemeClr val="accent1"/>
+          </a:effectRef>
+          <a:fontRef idx="minor">
+            <a:schemeClr val="lt1"/>
+          </a:fontRef>
+        </p:style>
+        <p:txBody>
+          <a:bodyPr rtlCol="0" anchor="ctr"/>
+          <a:lstStyle/>
+          <a:p>
+            <a:pPr algn="ctr"/>
+            <a:endParaRPr lang="en-US" dirty="0"/>
+          </a:p>
+        </p:txBody>
+      </p:sp>
+      <p:sp>
+        <p:nvSpPr>
+          <p:cNvPr id="12" name="Rectangle 11">
+            <a:extLst>
+              <a:ext uri="{FF2B5EF4-FFF2-40B4-BE49-F238E27FC236}">
+                <a16:creationId xmlns:a16="http://schemas.microsoft.com/office/drawing/2014/main" id="{29FDB030-9B49-4CED-8CCD-4D99382388AC}"/>
+              </a:ext>
+              <a:ext uri="{C183D7F6-B498-43B3-948B-1728B52AA6E4}">
+                <adec:decorative xmlns:adec="http://schemas.microsoft.com/office/drawing/2017/decorative" val="1"/>
+              </a:ext>
+            </a:extLst>
+          </p:cNvPr>
+          <p:cNvSpPr>
+            <a:spLocks noGrp="1" noRot="1" noChangeAspect="1" noMove="1" noResize="1" noEditPoints="1" noAdjustHandles="1" noChangeArrowheads="1" noChangeShapeType="1" noTextEdit="1"/>
+          </p:cNvSpPr>
+          <p:nvPr>
+            <p:extLst>
+              <p:ext uri="{386F3935-93C4-4BCD-93E2-E3B085C9AB24}">
+                <p16:designElem xmlns:p16="http://schemas.microsoft.com/office/powerpoint/2015/main" val="1"/>
+              </p:ext>
+            </p:extLst>
+          </p:nvPr>
+        </p:nvSpPr>
+        <p:spPr>
+          <a:xfrm rot="18900000" flipH="1">
+            <a:off x="891641" y="422146"/>
+            <a:ext cx="645368" cy="645368"/>
+          </a:xfrm>
+          <a:prstGeom prst="rect">
+            <a:avLst/>
+          </a:prstGeom>
+          <a:solidFill>
+            <a:schemeClr val="accent1">
+              <a:alpha val="30000"/>
+            </a:schemeClr>
+          </a:solidFill>
+          <a:ln>
+            <a:noFill/>
+          </a:ln>
+        </p:spPr>
+        <p:style>
+          <a:lnRef idx="2">
+            <a:schemeClr val="accent1">
+              <a:shade val="50000"/>
+            </a:schemeClr>
+          </a:lnRef>
+          <a:fillRef idx="1">
+            <a:schemeClr val="accent1"/>
+          </a:fillRef>
+          <a:effectRef idx="0">
+            <a:schemeClr val="accent1"/>
+          </a:effectRef>
+          <a:fontRef idx="minor">
+            <a:schemeClr val="lt1"/>
+          </a:fontRef>
+        </p:style>
+        <p:txBody>
+          <a:bodyPr rtlCol="0" anchor="ctr"/>
+          <a:lstStyle/>
+          <a:p>
+            <a:pPr algn="ctr"/>
+            <a:endParaRPr lang="en-US"/>
+          </a:p>
+        </p:txBody>
+      </p:sp>
+      <p:sp>
+        <p:nvSpPr>
+          <p:cNvPr id="14" name="Rectangle 13">
+            <a:extLst>
+              <a:ext uri="{FF2B5EF4-FFF2-40B4-BE49-F238E27FC236}">
+                <a16:creationId xmlns:a16="http://schemas.microsoft.com/office/drawing/2014/main" id="{3783CA14-24A1-485C-8B30-D6A5D87987AD}"/>
+              </a:ext>
+              <a:ext uri="{C183D7F6-B498-43B3-948B-1728B52AA6E4}">
+                <adec:decorative xmlns:adec="http://schemas.microsoft.com/office/drawing/2017/decorative" val="1"/>
+              </a:ext>
+            </a:extLst>
+          </p:cNvPr>
+          <p:cNvSpPr>
+            <a:spLocks noGrp="1" noRot="1" noChangeAspect="1" noMove="1" noResize="1" noEditPoints="1" noAdjustHandles="1" noChangeArrowheads="1" noChangeShapeType="1" noTextEdit="1"/>
+          </p:cNvSpPr>
+          <p:nvPr>
+            <p:extLst>
+              <p:ext uri="{386F3935-93C4-4BCD-93E2-E3B085C9AB24}">
+                <p16:designElem xmlns:p16="http://schemas.microsoft.com/office/powerpoint/2015/main" val="1"/>
+              </p:ext>
+            </p:extLst>
+          </p:nvPr>
+        </p:nvSpPr>
+        <p:spPr>
+          <a:xfrm rot="18900000" flipH="1">
+            <a:off x="10043482" y="655140"/>
+            <a:ext cx="687472" cy="687472"/>
+          </a:xfrm>
+          <a:prstGeom prst="rect">
+            <a:avLst/>
+          </a:prstGeom>
+          <a:solidFill>
+            <a:schemeClr val="accent4">
+              <a:alpha val="30000"/>
+            </a:schemeClr>
+          </a:solidFill>
+          <a:ln>
+            <a:noFill/>
+          </a:ln>
+        </p:spPr>
+        <p:style>
+          <a:lnRef idx="2">
+            <a:schemeClr val="accent1">
+              <a:shade val="50000"/>
+            </a:schemeClr>
+          </a:lnRef>
+          <a:fillRef idx="1">
+            <a:schemeClr val="accent1"/>
+          </a:fillRef>
+          <a:effectRef idx="0">
+            <a:schemeClr val="accent1"/>
+          </a:effectRef>
+          <a:fontRef idx="minor">
+            <a:schemeClr val="lt1"/>
+          </a:fontRef>
+        </p:style>
+        <p:txBody>
+          <a:bodyPr rtlCol="0" anchor="ctr"/>
+          <a:lstStyle/>
+          <a:p>
+            <a:pPr algn="ctr"/>
+            <a:endParaRPr lang="en-US"/>
+          </a:p>
+        </p:txBody>
+      </p:sp>
+      <p:sp>
+        <p:nvSpPr>
+          <p:cNvPr id="16" name="Freeform: Shape 15">
+            <a:extLst>
+              <a:ext uri="{FF2B5EF4-FFF2-40B4-BE49-F238E27FC236}">
+                <a16:creationId xmlns:a16="http://schemas.microsoft.com/office/drawing/2014/main" id="{9A97C86A-04D6-40F7-AE84-31AB43E6A846}"/>
+              </a:ext>
+              <a:ext uri="{C183D7F6-B498-43B3-948B-1728B52AA6E4}">
+                <adec:decorative xmlns:adec="http://schemas.microsoft.com/office/drawing/2017/decorative" val="1"/>
+              </a:ext>
+            </a:extLst>
+          </p:cNvPr>
+          <p:cNvSpPr>
+            <a:spLocks noGrp="1" noRot="1" noChangeAspect="1" noMove="1" noResize="1" noEditPoints="1" noAdjustHandles="1" noChangeArrowheads="1" noChangeShapeType="1" noTextEdit="1"/>
+          </p:cNvSpPr>
+          <p:nvPr>
+            <p:extLst>
+              <p:ext uri="{386F3935-93C4-4BCD-93E2-E3B085C9AB24}">
+                <p16:designElem xmlns:p16="http://schemas.microsoft.com/office/powerpoint/2015/main" val="1"/>
+              </p:ext>
+            </p:extLst>
+          </p:nvPr>
+        </p:nvSpPr>
+        <p:spPr>
+          <a:xfrm rot="10800000" flipH="1">
+            <a:off x="9356643" y="0"/>
+            <a:ext cx="2835357" cy="1480837"/>
+          </a:xfrm>
+          <a:custGeom>
+            <a:avLst/>
+            <a:gdLst>
+              <a:gd name="connsiteX0" fmla="*/ 2835357 w 2835357"/>
+              <a:gd name="connsiteY0" fmla="*/ 1480837 h 1480837"/>
+              <a:gd name="connsiteX1" fmla="*/ 0 w 2835357"/>
+              <a:gd name="connsiteY1" fmla="*/ 1480837 h 1480837"/>
+              <a:gd name="connsiteX2" fmla="*/ 1552727 w 2835357"/>
+              <a:gd name="connsiteY2" fmla="*/ 0 h 1480837"/>
+              <a:gd name="connsiteX3" fmla="*/ 2835357 w 2835357"/>
+              <a:gd name="connsiteY3" fmla="*/ 1223245 h 1480837"/>
+            </a:gdLst>
+            <a:ahLst/>
+            <a:cxnLst>
+              <a:cxn ang="0">
+                <a:pos x="connsiteX0" y="connsiteY0"/>
+              </a:cxn>
+              <a:cxn ang="0">
+                <a:pos x="connsiteX1" y="connsiteY1"/>
+              </a:cxn>
+              <a:cxn ang="0">
+                <a:pos x="connsiteX2" y="connsiteY2"/>
+              </a:cxn>
+              <a:cxn ang="0">
+                <a:pos x="connsiteX3" y="connsiteY3"/>
+              </a:cxn>
+            </a:cxnLst>
+            <a:rect l="l" t="t" r="r" b="b"/>
+            <a:pathLst>
+              <a:path w="2835357" h="1480837">
+                <a:moveTo>
+                  <a:pt x="2835357" y="1480837"/>
+                </a:moveTo>
+                <a:lnTo>
+                  <a:pt x="0" y="1480837"/>
+                </a:lnTo>
+                <a:lnTo>
+                  <a:pt x="1552727" y="0"/>
+                </a:lnTo>
+                <a:lnTo>
+                  <a:pt x="2835357" y="1223245"/>
+                </a:lnTo>
+                <a:close/>
+              </a:path>
+            </a:pathLst>
+          </a:custGeom>
+          <a:solidFill>
+            <a:schemeClr val="accent4">
+              <a:alpha val="30000"/>
+            </a:schemeClr>
+          </a:solidFill>
+          <a:ln>
+            <a:noFill/>
+          </a:ln>
+        </p:spPr>
+        <p:style>
+          <a:lnRef idx="2">
+            <a:schemeClr val="accent1">
+              <a:shade val="50000"/>
+            </a:schemeClr>
+          </a:lnRef>
+          <a:fillRef idx="1">
+            <a:schemeClr val="accent1"/>
+          </a:fillRef>
+          <a:effectRef idx="0">
+            <a:schemeClr val="accent1"/>
+          </a:effectRef>
+          <a:fontRef idx="minor">
+            <a:schemeClr val="lt1"/>
+          </a:fontRef>
+        </p:style>
+        <p:txBody>
+          <a:bodyPr wrap="square" rtlCol="0" anchor="ctr">
+            <a:noAutofit/>
+          </a:bodyPr>
+          <a:lstStyle/>
+          <a:p>
+            <a:pPr algn="ctr"/>
+            <a:endParaRPr lang="en-US" dirty="0"/>
+          </a:p>
+        </p:txBody>
+      </p:sp>
+      <p:sp>
+        <p:nvSpPr>
+          <p:cNvPr id="18" name="Isosceles Triangle 17">
+            <a:extLst>
+              <a:ext uri="{FF2B5EF4-FFF2-40B4-BE49-F238E27FC236}">
+                <a16:creationId xmlns:a16="http://schemas.microsoft.com/office/drawing/2014/main" id="{FF9F2414-84E8-453E-B1F3-389FDE8192D9}"/>
+              </a:ext>
+              <a:ext uri="{C183D7F6-B498-43B3-948B-1728B52AA6E4}">
+                <adec:decorative xmlns:adec="http://schemas.microsoft.com/office/drawing/2017/decorative" val="1"/>
+              </a:ext>
+            </a:extLst>
+          </p:cNvPr>
+          <p:cNvSpPr>
+            <a:spLocks noGrp="1" noRot="1" noChangeAspect="1" noMove="1" noResize="1" noEditPoints="1" noAdjustHandles="1" noChangeArrowheads="1" noChangeShapeType="1" noTextEdit="1"/>
+          </p:cNvSpPr>
+          <p:nvPr>
+            <p:extLst>
+              <p:ext uri="{386F3935-93C4-4BCD-93E2-E3B085C9AB24}">
+                <p16:designElem xmlns:p16="http://schemas.microsoft.com/office/powerpoint/2015/main" val="1"/>
+              </p:ext>
+            </p:extLst>
+          </p:nvPr>
+        </p:nvSpPr>
+        <p:spPr>
+          <a:xfrm flipH="1">
+            <a:off x="7976344" y="6115501"/>
+            <a:ext cx="1494513" cy="742499"/>
+          </a:xfrm>
+          <a:prstGeom prst="triangle">
+            <a:avLst/>
+          </a:prstGeom>
+          <a:solidFill>
+            <a:schemeClr val="accent1">
+              <a:alpha val="30000"/>
+            </a:schemeClr>
+          </a:solidFill>
+          <a:ln>
+            <a:noFill/>
+          </a:ln>
+        </p:spPr>
+        <p:style>
+          <a:lnRef idx="2">
+            <a:schemeClr val="accent1">
+              <a:shade val="50000"/>
+            </a:schemeClr>
+          </a:lnRef>
+          <a:fillRef idx="1">
+            <a:schemeClr val="accent1"/>
+          </a:fillRef>
+          <a:effectRef idx="0">
+            <a:schemeClr val="accent1"/>
+          </a:effectRef>
+          <a:fontRef idx="minor">
+            <a:schemeClr val="lt1"/>
+          </a:fontRef>
+        </p:style>
+        <p:txBody>
+          <a:bodyPr rtlCol="0" anchor="ctr"/>
+          <a:lstStyle/>
+          <a:p>
+            <a:pPr algn="ctr"/>
+            <a:endParaRPr lang="en-US"/>
+          </a:p>
+        </p:txBody>
+      </p:sp>
+      <p:sp>
+        <p:nvSpPr>
+          <p:cNvPr id="20" name="Isosceles Triangle 19">
+            <a:extLst>
+              <a:ext uri="{FF2B5EF4-FFF2-40B4-BE49-F238E27FC236}">
+                <a16:creationId xmlns:a16="http://schemas.microsoft.com/office/drawing/2014/main" id="{3ECA69A1-7536-43AC-85EF-C7106179F5ED}"/>
+              </a:ext>
+              <a:ext uri="{C183D7F6-B498-43B3-948B-1728B52AA6E4}">
+                <adec:decorative xmlns:adec="http://schemas.microsoft.com/office/drawing/2017/decorative" val="1"/>
+              </a:ext>
+            </a:extLst>
+          </p:cNvPr>
+          <p:cNvSpPr>
+            <a:spLocks noGrp="1" noRot="1" noChangeAspect="1" noMove="1" noResize="1" noEditPoints="1" noAdjustHandles="1" noChangeArrowheads="1" noChangeShapeType="1" noTextEdit="1"/>
+          </p:cNvSpPr>
+          <p:nvPr>
+            <p:extLst>
+              <p:ext uri="{386F3935-93C4-4BCD-93E2-E3B085C9AB24}">
+                <p16:designElem xmlns:p16="http://schemas.microsoft.com/office/powerpoint/2015/main" val="1"/>
+              </p:ext>
+            </p:extLst>
+          </p:nvPr>
+        </p:nvSpPr>
+        <p:spPr>
+          <a:xfrm flipH="1">
+            <a:off x="7604080" y="6453143"/>
+            <a:ext cx="814903" cy="404857"/>
+          </a:xfrm>
+          <a:prstGeom prst="triangle">
+            <a:avLst/>
+          </a:prstGeom>
+          <a:solidFill>
+            <a:schemeClr val="accent1">
+              <a:alpha val="30000"/>
+            </a:schemeClr>
+          </a:solidFill>
+          <a:ln>
+            <a:noFill/>
+          </a:ln>
+        </p:spPr>
+        <p:style>
+          <a:lnRef idx="2">
+            <a:schemeClr val="accent1">
+              <a:shade val="50000"/>
+            </a:schemeClr>
+          </a:lnRef>
+          <a:fillRef idx="1">
+            <a:schemeClr val="accent1"/>
+          </a:fillRef>
+          <a:effectRef idx="0">
+            <a:schemeClr val="accent1"/>
+          </a:effectRef>
+          <a:fontRef idx="minor">
+            <a:schemeClr val="lt1"/>
+          </a:fontRef>
+        </p:style>
+        <p:txBody>
+          <a:bodyPr rtlCol="0" anchor="ctr"/>
+          <a:lstStyle/>
+          <a:p>
+            <a:pPr algn="ctr"/>
+            <a:endParaRPr lang="en-US"/>
+          </a:p>
+        </p:txBody>
+      </p:sp>
+      <p:sp>
+        <p:nvSpPr>
+          <p:cNvPr id="4" name="TextBox 3">
+            <a:extLst>
+              <a:ext uri="{FF2B5EF4-FFF2-40B4-BE49-F238E27FC236}">
+                <a16:creationId xmlns:a16="http://schemas.microsoft.com/office/drawing/2014/main" id="{775523D8-CAEC-4DFB-B084-BC8DD40E99DD}"/>
+              </a:ext>
+            </a:extLst>
+          </p:cNvPr>
+          <p:cNvSpPr txBox="1"/>
+          <p:nvPr/>
+        </p:nvSpPr>
+        <p:spPr>
+          <a:xfrm>
+            <a:off x="1970695" y="615323"/>
             <a:ext cx="8072083" cy="1754326"/>
           </a:xfrm>
           <a:prstGeom prst="rect">
@@ -9824,8 +11991,390 @@
                   </a:schemeClr>
                 </a:solidFill>
               </a:rPr>
-              <a:t>Conclusion</a:t>
-            </a:r>
+              <a:t>Why SQLITE?</a:t>
+            </a:r>
+          </a:p>
+        </p:txBody>
+      </p:sp>
+      <p:sp>
+        <p:nvSpPr>
+          <p:cNvPr id="5" name="TextBox 4">
+            <a:extLst>
+              <a:ext uri="{FF2B5EF4-FFF2-40B4-BE49-F238E27FC236}">
+                <a16:creationId xmlns:a16="http://schemas.microsoft.com/office/drawing/2014/main" id="{872F2758-3647-4B00-BD39-DE676106509A}"/>
+              </a:ext>
+            </a:extLst>
+          </p:cNvPr>
+          <p:cNvSpPr txBox="1"/>
+          <p:nvPr/>
+        </p:nvSpPr>
+        <p:spPr>
+          <a:xfrm>
+            <a:off x="2186473" y="2472213"/>
+            <a:ext cx="7819053" cy="2862322"/>
+          </a:xfrm>
+          <a:prstGeom prst="rect">
+            <a:avLst/>
+          </a:prstGeom>
+          <a:noFill/>
+        </p:spPr>
+        <p:txBody>
+          <a:bodyPr wrap="square" rtlCol="0">
+            <a:spAutoFit/>
+          </a:bodyPr>
+          <a:lstStyle/>
+          <a:p>
+            <a:pPr marL="285750" indent="-285750">
+              <a:buFont typeface="Arial" panose="020B0604020202020204" pitchFamily="34" charset="0"/>
+              <a:buChar char="•"/>
+            </a:pPr>
+            <a:r>
+              <a:rPr lang="en-US" sz="3600" dirty="0"/>
+              <a:t>Structured data</a:t>
+            </a:r>
+          </a:p>
+          <a:p>
+            <a:endParaRPr lang="en-US" sz="3600" dirty="0"/>
+          </a:p>
+          <a:p>
+            <a:pPr marL="285750" indent="-285750">
+              <a:buFont typeface="Arial" panose="020B0604020202020204" pitchFamily="34" charset="0"/>
+              <a:buChar char="•"/>
+            </a:pPr>
+            <a:r>
+              <a:rPr lang="en-US" sz="3600" dirty="0"/>
+              <a:t>The license for SQLite is open-source</a:t>
+            </a:r>
+          </a:p>
+          <a:p>
+            <a:pPr marL="285750" indent="-285750">
+              <a:buFont typeface="Arial" panose="020B0604020202020204" pitchFamily="34" charset="0"/>
+              <a:buChar char="•"/>
+            </a:pPr>
+            <a:endParaRPr lang="en-US" sz="3600" dirty="0"/>
+          </a:p>
+          <a:p>
+            <a:pPr marL="285750" indent="-285750">
+              <a:buFont typeface="Arial" panose="020B0604020202020204" pitchFamily="34" charset="0"/>
+              <a:buChar char="•"/>
+            </a:pPr>
+            <a:r>
+              <a:rPr lang="en-US" sz="3600" dirty="0"/>
+              <a:t>SQLite does not require a server to run</a:t>
+            </a:r>
+            <a:endParaRPr lang="en-AU" sz="3600" dirty="0"/>
+          </a:p>
+        </p:txBody>
+      </p:sp>
+    </p:spTree>
+    <p:extLst>
+      <p:ext uri="{BB962C8B-B14F-4D97-AF65-F5344CB8AC3E}">
+        <p14:creationId xmlns:p14="http://schemas.microsoft.com/office/powerpoint/2010/main" val="467008325"/>
+      </p:ext>
+    </p:extLst>
+  </p:cSld>
+  <p:clrMapOvr>
+    <a:masterClrMapping/>
+  </p:clrMapOvr>
+</p:sld>
+</file>
+
+<file path=ppt/slides/slide7.xml><?xml version="1.0" encoding="utf-8"?>
+<p:sld xmlns:a="http://schemas.openxmlformats.org/drawingml/2006/main" xmlns:r="http://schemas.openxmlformats.org/officeDocument/2006/relationships" xmlns:p="http://schemas.openxmlformats.org/presentationml/2006/main">
+  <p:cSld>
+    <p:bg>
+      <p:bgPr>
+        <a:solidFill>
+          <a:schemeClr val="bg1"/>
+        </a:solidFill>
+        <a:effectLst/>
+      </p:bgPr>
+    </p:bg>
+    <p:spTree>
+      <p:nvGrpSpPr>
+        <p:cNvPr id="1" name=""/>
+        <p:cNvGrpSpPr/>
+        <p:nvPr/>
+      </p:nvGrpSpPr>
+      <p:grpSpPr>
+        <a:xfrm>
+          <a:off x="0" y="0"/>
+          <a:ext cx="0" cy="0"/>
+          <a:chOff x="0" y="0"/>
+          <a:chExt cx="0" cy="0"/>
+        </a:xfrm>
+      </p:grpSpPr>
+      <p:sp useBgFill="1">
+        <p:nvSpPr>
+          <p:cNvPr id="48" name="Rectangle 24">
+            <a:extLst>
+              <a:ext uri="{FF2B5EF4-FFF2-40B4-BE49-F238E27FC236}">
+                <a16:creationId xmlns:a16="http://schemas.microsoft.com/office/drawing/2014/main" id="{BA79A7CF-01AF-4178-9369-94E0C90EB046}"/>
+              </a:ext>
+              <a:ext uri="{C183D7F6-B498-43B3-948B-1728B52AA6E4}">
+                <adec:decorative xmlns:adec="http://schemas.microsoft.com/office/drawing/2017/decorative" val="1"/>
+              </a:ext>
+            </a:extLst>
+          </p:cNvPr>
+          <p:cNvSpPr>
+            <a:spLocks noGrp="1" noRot="1" noChangeAspect="1" noMove="1" noResize="1" noEditPoints="1" noAdjustHandles="1" noChangeArrowheads="1" noChangeShapeType="1" noTextEdit="1"/>
+          </p:cNvSpPr>
+          <p:nvPr>
+            <p:extLst>
+              <p:ext uri="{386F3935-93C4-4BCD-93E2-E3B085C9AB24}">
+                <p16:designElem xmlns:p16="http://schemas.microsoft.com/office/powerpoint/2015/main" val="1"/>
+              </p:ext>
+            </p:extLst>
+          </p:nvPr>
+        </p:nvSpPr>
+        <p:spPr>
+          <a:xfrm>
+            <a:off x="0" y="0"/>
+            <a:ext cx="12191999" cy="6857365"/>
+          </a:xfrm>
+          <a:prstGeom prst="rect">
+            <a:avLst/>
+          </a:prstGeom>
+          <a:ln>
+            <a:noFill/>
+          </a:ln>
+        </p:spPr>
+        <p:style>
+          <a:lnRef idx="2">
+            <a:schemeClr val="accent1">
+              <a:shade val="50000"/>
+            </a:schemeClr>
+          </a:lnRef>
+          <a:fillRef idx="1">
+            <a:schemeClr val="accent1"/>
+          </a:fillRef>
+          <a:effectRef idx="0">
+            <a:schemeClr val="accent1"/>
+          </a:effectRef>
+          <a:fontRef idx="minor">
+            <a:schemeClr val="lt1"/>
+          </a:fontRef>
+        </p:style>
+        <p:txBody>
+          <a:bodyPr rtlCol="0" anchor="ctr"/>
+          <a:lstStyle/>
+          <a:p>
+            <a:pPr algn="ctr"/>
+            <a:endParaRPr lang="en-US"/>
+          </a:p>
+        </p:txBody>
+      </p:sp>
+      <p:sp>
+        <p:nvSpPr>
+          <p:cNvPr id="4" name="TextBox 3">
+            <a:extLst>
+              <a:ext uri="{FF2B5EF4-FFF2-40B4-BE49-F238E27FC236}">
+                <a16:creationId xmlns:a16="http://schemas.microsoft.com/office/drawing/2014/main" id="{775523D8-CAEC-4DFB-B084-BC8DD40E99DD}"/>
+              </a:ext>
+            </a:extLst>
+          </p:cNvPr>
+          <p:cNvSpPr txBox="1"/>
+          <p:nvPr/>
+        </p:nvSpPr>
+        <p:spPr>
+          <a:xfrm>
+            <a:off x="9267909" y="2023110"/>
+            <a:ext cx="2469624" cy="2846070"/>
+          </a:xfrm>
+          <a:prstGeom prst="rect">
+            <a:avLst/>
+          </a:prstGeom>
+        </p:spPr>
+        <p:txBody>
+          <a:bodyPr vert="horz" lIns="91440" tIns="45720" rIns="91440" bIns="45720" rtlCol="0" anchor="ctr">
+            <a:normAutofit/>
+          </a:bodyPr>
+          <a:lstStyle/>
+          <a:p>
+            <a:pPr>
+              <a:lnSpc>
+                <a:spcPct val="90000"/>
+              </a:lnSpc>
+              <a:spcBef>
+                <a:spcPct val="0"/>
+              </a:spcBef>
+              <a:spcAft>
+                <a:spcPts val="600"/>
+              </a:spcAft>
+            </a:pPr>
+            <a:r>
+              <a:rPr lang="en-US" sz="3700" b="1" kern="1200" dirty="0">
+                <a:solidFill>
+                  <a:schemeClr val="tx1"/>
+                </a:solidFill>
+                <a:latin typeface="+mj-lt"/>
+                <a:ea typeface="+mj-ea"/>
+                <a:cs typeface="+mj-cs"/>
+              </a:rPr>
+              <a:t>Western Australia UV </a:t>
+            </a:r>
+            <a:endParaRPr lang="en-US" sz="3700" b="1" dirty="0">
+              <a:latin typeface="+mj-lt"/>
+              <a:ea typeface="+mj-ea"/>
+              <a:cs typeface="+mj-cs"/>
+            </a:endParaRPr>
+          </a:p>
+          <a:p>
+            <a:pPr>
+              <a:lnSpc>
+                <a:spcPct val="90000"/>
+              </a:lnSpc>
+              <a:spcBef>
+                <a:spcPct val="0"/>
+              </a:spcBef>
+              <a:spcAft>
+                <a:spcPts val="600"/>
+              </a:spcAft>
+            </a:pPr>
+            <a:r>
+              <a:rPr lang="en-US" sz="3700" b="1" kern="1200" dirty="0">
+                <a:solidFill>
+                  <a:schemeClr val="tx1"/>
+                </a:solidFill>
+                <a:latin typeface="+mj-lt"/>
+                <a:ea typeface="+mj-ea"/>
+                <a:cs typeface="+mj-cs"/>
+              </a:rPr>
+              <a:t>Current UV Index</a:t>
+            </a:r>
+          </a:p>
+        </p:txBody>
+      </p:sp>
+      <p:sp>
+        <p:nvSpPr>
+          <p:cNvPr id="49" name="Rectangle 26">
+            <a:extLst>
+              <a:ext uri="{FF2B5EF4-FFF2-40B4-BE49-F238E27FC236}">
+                <a16:creationId xmlns:a16="http://schemas.microsoft.com/office/drawing/2014/main" id="{99413ED5-9ED4-4772-BCE4-2BCAE6B12E35}"/>
+              </a:ext>
+              <a:ext uri="{C183D7F6-B498-43B3-948B-1728B52AA6E4}">
+                <adec:decorative xmlns:adec="http://schemas.microsoft.com/office/drawing/2017/decorative" val="1"/>
+              </a:ext>
+            </a:extLst>
+          </p:cNvPr>
+          <p:cNvSpPr>
+            <a:spLocks noGrp="1" noRot="1" noChangeAspect="1" noMove="1" noResize="1" noEditPoints="1" noAdjustHandles="1" noChangeArrowheads="1" noChangeShapeType="1" noTextEdit="1"/>
+          </p:cNvSpPr>
+          <p:nvPr>
+            <p:extLst>
+              <p:ext uri="{386F3935-93C4-4BCD-93E2-E3B085C9AB24}">
+                <p16:designElem xmlns:p16="http://schemas.microsoft.com/office/powerpoint/2015/main" val="1"/>
+              </p:ext>
+            </p:extLst>
+          </p:nvPr>
+        </p:nvSpPr>
+        <p:spPr>
+          <a:xfrm rot="16200000">
+            <a:off x="3433973" y="-827233"/>
+            <a:ext cx="1715478" cy="8583421"/>
+          </a:xfrm>
+          <a:prstGeom prst="rect">
+            <a:avLst/>
+          </a:prstGeom>
+          <a:solidFill>
+            <a:schemeClr val="accent4"/>
+          </a:solidFill>
+          <a:ln>
+            <a:noFill/>
+          </a:ln>
+        </p:spPr>
+        <p:style>
+          <a:lnRef idx="2">
+            <a:schemeClr val="accent1">
+              <a:shade val="50000"/>
+            </a:schemeClr>
+          </a:lnRef>
+          <a:fillRef idx="1">
+            <a:schemeClr val="accent1"/>
+          </a:fillRef>
+          <a:effectRef idx="0">
+            <a:schemeClr val="accent1"/>
+          </a:effectRef>
+          <a:fontRef idx="minor">
+            <a:schemeClr val="lt1"/>
+          </a:fontRef>
+        </p:style>
+        <p:txBody>
+          <a:bodyPr rtlCol="0" anchor="ctr"/>
+          <a:lstStyle/>
+          <a:p>
+            <a:pPr algn="ctr"/>
+            <a:endParaRPr lang="en-US" dirty="0"/>
+          </a:p>
+        </p:txBody>
+      </p:sp>
+      <p:sp>
+        <p:nvSpPr>
+          <p:cNvPr id="50" name="Rectangle 28">
+            <a:extLst>
+              <a:ext uri="{FF2B5EF4-FFF2-40B4-BE49-F238E27FC236}">
+                <a16:creationId xmlns:a16="http://schemas.microsoft.com/office/drawing/2014/main" id="{04357C93-F0CB-4A1C-8F77-4E9063789819}"/>
+              </a:ext>
+              <a:ext uri="{C183D7F6-B498-43B3-948B-1728B52AA6E4}">
+                <adec:decorative xmlns:adec="http://schemas.microsoft.com/office/drawing/2017/decorative" val="1"/>
+              </a:ext>
+            </a:extLst>
+          </p:cNvPr>
+          <p:cNvSpPr>
+            <a:spLocks noGrp="1" noRot="1" noChangeAspect="1" noMove="1" noResize="1" noEditPoints="1" noAdjustHandles="1" noChangeArrowheads="1" noChangeShapeType="1" noTextEdit="1"/>
+          </p:cNvSpPr>
+          <p:nvPr>
+            <p:extLst>
+              <p:ext uri="{386F3935-93C4-4BCD-93E2-E3B085C9AB24}">
+                <p16:designElem xmlns:p16="http://schemas.microsoft.com/office/powerpoint/2015/main" val="1"/>
+              </p:ext>
+            </p:extLst>
+          </p:nvPr>
+        </p:nvSpPr>
+        <p:spPr>
+          <a:xfrm>
+            <a:off x="302085" y="664308"/>
+            <a:ext cx="8082632" cy="5600340"/>
+          </a:xfrm>
+          <a:prstGeom prst="rect">
+            <a:avLst/>
+          </a:prstGeom>
+          <a:solidFill>
+            <a:schemeClr val="bg1"/>
+          </a:solidFill>
+          <a:ln>
+            <a:noFill/>
+          </a:ln>
+          <a:effectLst>
+            <a:outerShdw blurRad="139700" dist="127000" dir="5400000" algn="t" rotWithShape="0">
+              <a:prstClr val="black">
+                <a:alpha val="15000"/>
+              </a:prstClr>
+            </a:outerShdw>
+          </a:effectLst>
+        </p:spPr>
+        <p:style>
+          <a:lnRef idx="2">
+            <a:schemeClr val="accent1">
+              <a:shade val="50000"/>
+            </a:schemeClr>
+          </a:lnRef>
+          <a:fillRef idx="1">
+            <a:schemeClr val="accent1"/>
+          </a:fillRef>
+          <a:effectRef idx="0">
+            <a:schemeClr val="accent1"/>
+          </a:effectRef>
+          <a:fontRef idx="minor">
+            <a:schemeClr val="lt1"/>
+          </a:fontRef>
+        </p:style>
+        <p:txBody>
+          <a:bodyPr rtlCol="0" anchor="ctr"/>
+          <a:lstStyle/>
+          <a:p>
+            <a:pPr algn="ctr"/>
+            <a:endParaRPr lang="en-US"/>
           </a:p>
         </p:txBody>
       </p:sp>
@@ -9834,7 +12383,1369 @@
           <p:cNvPr id="3" name="Picture 2">
             <a:extLst>
               <a:ext uri="{FF2B5EF4-FFF2-40B4-BE49-F238E27FC236}">
-                <a16:creationId xmlns:a16="http://schemas.microsoft.com/office/drawing/2014/main" id="{AE0ADE38-4D69-460B-953C-BA5DE10F4387}"/>
+                <a16:creationId xmlns:a16="http://schemas.microsoft.com/office/drawing/2014/main" id="{DDB0D936-97DC-4DEA-B660-7BB2B3153632}"/>
+              </a:ext>
+            </a:extLst>
+          </p:cNvPr>
+          <p:cNvPicPr>
+            <a:picLocks noChangeAspect="1"/>
+          </p:cNvPicPr>
+          <p:nvPr/>
+        </p:nvPicPr>
+        <p:blipFill>
+          <a:blip r:embed="rId2"/>
+          <a:stretch>
+            <a:fillRect/>
+          </a:stretch>
+        </p:blipFill>
+        <p:spPr>
+          <a:xfrm>
+            <a:off x="545238" y="1029821"/>
+            <a:ext cx="7608304" cy="4590803"/>
+          </a:xfrm>
+          <a:prstGeom prst="rect">
+            <a:avLst/>
+          </a:prstGeom>
+        </p:spPr>
+      </p:pic>
+      <p:sp>
+        <p:nvSpPr>
+          <p:cNvPr id="51" name="Rectangle 30">
+            <a:extLst>
+              <a:ext uri="{FF2B5EF4-FFF2-40B4-BE49-F238E27FC236}">
+                <a16:creationId xmlns:a16="http://schemas.microsoft.com/office/drawing/2014/main" id="{90F533E9-6690-41A8-A372-4C6C622D028D}"/>
+              </a:ext>
+              <a:ext uri="{C183D7F6-B498-43B3-948B-1728B52AA6E4}">
+                <adec:decorative xmlns:adec="http://schemas.microsoft.com/office/drawing/2017/decorative" val="1"/>
+              </a:ext>
+            </a:extLst>
+          </p:cNvPr>
+          <p:cNvSpPr>
+            <a:spLocks noGrp="1" noRot="1" noChangeAspect="1" noMove="1" noResize="1" noEditPoints="1" noAdjustHandles="1" noChangeArrowheads="1" noChangeShapeType="1" noTextEdit="1"/>
+          </p:cNvSpPr>
+          <p:nvPr>
+            <p:extLst>
+              <p:ext uri="{386F3935-93C4-4BCD-93E2-E3B085C9AB24}">
+                <p16:designElem xmlns:p16="http://schemas.microsoft.com/office/powerpoint/2015/main" val="1"/>
+              </p:ext>
+            </p:extLst>
+          </p:nvPr>
+        </p:nvSpPr>
+        <p:spPr>
+          <a:xfrm rot="5400000">
+            <a:off x="7950447" y="3392097"/>
+            <a:ext cx="1719072" cy="152382"/>
+          </a:xfrm>
+          <a:prstGeom prst="rect">
+            <a:avLst/>
+          </a:prstGeom>
+          <a:solidFill>
+            <a:schemeClr val="accent4"/>
+          </a:solidFill>
+          <a:ln>
+            <a:noFill/>
+          </a:ln>
+        </p:spPr>
+        <p:style>
+          <a:lnRef idx="2">
+            <a:schemeClr val="accent1">
+              <a:shade val="50000"/>
+            </a:schemeClr>
+          </a:lnRef>
+          <a:fillRef idx="1">
+            <a:schemeClr val="accent1"/>
+          </a:fillRef>
+          <a:effectRef idx="0">
+            <a:schemeClr val="accent1"/>
+          </a:effectRef>
+          <a:fontRef idx="minor">
+            <a:schemeClr val="lt1"/>
+          </a:fontRef>
+        </p:style>
+        <p:txBody>
+          <a:bodyPr rtlCol="0" anchor="ctr"/>
+          <a:lstStyle/>
+          <a:p>
+            <a:pPr algn="ctr"/>
+            <a:endParaRPr lang="en-US"/>
+          </a:p>
+        </p:txBody>
+      </p:sp>
+      <p:sp>
+        <p:nvSpPr>
+          <p:cNvPr id="2" name="TextBox 1">
+            <a:extLst>
+              <a:ext uri="{FF2B5EF4-FFF2-40B4-BE49-F238E27FC236}">
+                <a16:creationId xmlns:a16="http://schemas.microsoft.com/office/drawing/2014/main" id="{DA0CB9A1-5F84-4347-ACD9-DAB49EDF7F44}"/>
+              </a:ext>
+            </a:extLst>
+          </p:cNvPr>
+          <p:cNvSpPr txBox="1"/>
+          <p:nvPr/>
+        </p:nvSpPr>
+        <p:spPr>
+          <a:xfrm>
+            <a:off x="805343" y="5529802"/>
+            <a:ext cx="2822376" cy="646331"/>
+          </a:xfrm>
+          <a:prstGeom prst="rect">
+            <a:avLst/>
+          </a:prstGeom>
+          <a:noFill/>
+        </p:spPr>
+        <p:txBody>
+          <a:bodyPr wrap="none" rtlCol="0">
+            <a:spAutoFit/>
+          </a:bodyPr>
+          <a:lstStyle/>
+          <a:p>
+            <a:r>
+              <a:rPr lang="en-AU" dirty="0">
+                <a:hlinkClick r:id="rId3"/>
+              </a:rPr>
+              <a:t>http://127.0.0.1:5000/index</a:t>
+            </a:r>
+            <a:endParaRPr lang="en-AU" dirty="0"/>
+          </a:p>
+          <a:p>
+            <a:endParaRPr lang="en-AU" dirty="0"/>
+          </a:p>
+        </p:txBody>
+      </p:sp>
+    </p:spTree>
+    <p:extLst>
+      <p:ext uri="{BB962C8B-B14F-4D97-AF65-F5344CB8AC3E}">
+        <p14:creationId xmlns:p14="http://schemas.microsoft.com/office/powerpoint/2010/main" val="1544137533"/>
+      </p:ext>
+    </p:extLst>
+  </p:cSld>
+  <p:clrMapOvr>
+    <a:masterClrMapping/>
+  </p:clrMapOvr>
+</p:sld>
+</file>
+
+<file path=ppt/slides/slide8.xml><?xml version="1.0" encoding="utf-8"?>
+<p:sld xmlns:a="http://schemas.openxmlformats.org/drawingml/2006/main" xmlns:r="http://schemas.openxmlformats.org/officeDocument/2006/relationships" xmlns:p="http://schemas.openxmlformats.org/presentationml/2006/main">
+  <p:cSld>
+    <p:bg>
+      <p:bgPr>
+        <a:solidFill>
+          <a:schemeClr val="bg1"/>
+        </a:solidFill>
+        <a:effectLst/>
+      </p:bgPr>
+    </p:bg>
+    <p:spTree>
+      <p:nvGrpSpPr>
+        <p:cNvPr id="1" name=""/>
+        <p:cNvGrpSpPr/>
+        <p:nvPr/>
+      </p:nvGrpSpPr>
+      <p:grpSpPr>
+        <a:xfrm>
+          <a:off x="0" y="0"/>
+          <a:ext cx="0" cy="0"/>
+          <a:chOff x="0" y="0"/>
+          <a:chExt cx="0" cy="0"/>
+        </a:xfrm>
+      </p:grpSpPr>
+      <p:sp useBgFill="1">
+        <p:nvSpPr>
+          <p:cNvPr id="48" name="Rectangle 24">
+            <a:extLst>
+              <a:ext uri="{FF2B5EF4-FFF2-40B4-BE49-F238E27FC236}">
+                <a16:creationId xmlns:a16="http://schemas.microsoft.com/office/drawing/2014/main" id="{BA79A7CF-01AF-4178-9369-94E0C90EB046}"/>
+              </a:ext>
+              <a:ext uri="{C183D7F6-B498-43B3-948B-1728B52AA6E4}">
+                <adec:decorative xmlns:adec="http://schemas.microsoft.com/office/drawing/2017/decorative" val="1"/>
+              </a:ext>
+            </a:extLst>
+          </p:cNvPr>
+          <p:cNvSpPr>
+            <a:spLocks noGrp="1" noRot="1" noChangeAspect="1" noMove="1" noResize="1" noEditPoints="1" noAdjustHandles="1" noChangeArrowheads="1" noChangeShapeType="1" noTextEdit="1"/>
+          </p:cNvSpPr>
+          <p:nvPr>
+            <p:extLst>
+              <p:ext uri="{386F3935-93C4-4BCD-93E2-E3B085C9AB24}">
+                <p16:designElem xmlns:p16="http://schemas.microsoft.com/office/powerpoint/2015/main" val="1"/>
+              </p:ext>
+            </p:extLst>
+          </p:nvPr>
+        </p:nvSpPr>
+        <p:spPr>
+          <a:xfrm>
+            <a:off x="0" y="0"/>
+            <a:ext cx="12191999" cy="6857365"/>
+          </a:xfrm>
+          <a:prstGeom prst="rect">
+            <a:avLst/>
+          </a:prstGeom>
+          <a:ln>
+            <a:noFill/>
+          </a:ln>
+        </p:spPr>
+        <p:style>
+          <a:lnRef idx="2">
+            <a:schemeClr val="accent1">
+              <a:shade val="50000"/>
+            </a:schemeClr>
+          </a:lnRef>
+          <a:fillRef idx="1">
+            <a:schemeClr val="accent1"/>
+          </a:fillRef>
+          <a:effectRef idx="0">
+            <a:schemeClr val="accent1"/>
+          </a:effectRef>
+          <a:fontRef idx="minor">
+            <a:schemeClr val="lt1"/>
+          </a:fontRef>
+        </p:style>
+        <p:txBody>
+          <a:bodyPr rtlCol="0" anchor="ctr"/>
+          <a:lstStyle/>
+          <a:p>
+            <a:pPr algn="ctr"/>
+            <a:endParaRPr lang="en-US"/>
+          </a:p>
+        </p:txBody>
+      </p:sp>
+      <p:sp>
+        <p:nvSpPr>
+          <p:cNvPr id="4" name="TextBox 3">
+            <a:extLst>
+              <a:ext uri="{FF2B5EF4-FFF2-40B4-BE49-F238E27FC236}">
+                <a16:creationId xmlns:a16="http://schemas.microsoft.com/office/drawing/2014/main" id="{775523D8-CAEC-4DFB-B084-BC8DD40E99DD}"/>
+              </a:ext>
+            </a:extLst>
+          </p:cNvPr>
+          <p:cNvSpPr txBox="1"/>
+          <p:nvPr/>
+        </p:nvSpPr>
+        <p:spPr>
+          <a:xfrm>
+            <a:off x="9267909" y="2023110"/>
+            <a:ext cx="2469624" cy="2846070"/>
+          </a:xfrm>
+          <a:prstGeom prst="rect">
+            <a:avLst/>
+          </a:prstGeom>
+        </p:spPr>
+        <p:txBody>
+          <a:bodyPr vert="horz" lIns="91440" tIns="45720" rIns="91440" bIns="45720" rtlCol="0" anchor="ctr">
+            <a:normAutofit/>
+          </a:bodyPr>
+          <a:lstStyle/>
+          <a:p>
+            <a:pPr>
+              <a:lnSpc>
+                <a:spcPct val="90000"/>
+              </a:lnSpc>
+              <a:spcBef>
+                <a:spcPct val="0"/>
+              </a:spcBef>
+              <a:spcAft>
+                <a:spcPts val="600"/>
+              </a:spcAft>
+            </a:pPr>
+            <a:r>
+              <a:rPr lang="en-US" sz="3700" b="1" kern="1200" dirty="0">
+                <a:solidFill>
+                  <a:schemeClr val="tx1"/>
+                </a:solidFill>
+                <a:latin typeface="+mj-lt"/>
+                <a:ea typeface="+mj-ea"/>
+                <a:cs typeface="+mj-cs"/>
+              </a:rPr>
+              <a:t>Western Australia UV </a:t>
+            </a:r>
+            <a:endParaRPr lang="en-US" sz="3700" b="1" dirty="0">
+              <a:latin typeface="+mj-lt"/>
+              <a:ea typeface="+mj-ea"/>
+              <a:cs typeface="+mj-cs"/>
+            </a:endParaRPr>
+          </a:p>
+          <a:p>
+            <a:pPr>
+              <a:lnSpc>
+                <a:spcPct val="90000"/>
+              </a:lnSpc>
+              <a:spcBef>
+                <a:spcPct val="0"/>
+              </a:spcBef>
+              <a:spcAft>
+                <a:spcPts val="600"/>
+              </a:spcAft>
+            </a:pPr>
+            <a:r>
+              <a:rPr lang="en-US" sz="3700" b="1" dirty="0">
+                <a:latin typeface="+mj-lt"/>
+                <a:ea typeface="+mj-ea"/>
+                <a:cs typeface="+mj-cs"/>
+              </a:rPr>
+              <a:t>Historical</a:t>
+            </a:r>
+            <a:r>
+              <a:rPr lang="en-US" sz="3700" b="1" kern="1200" dirty="0">
+                <a:solidFill>
+                  <a:schemeClr val="tx1"/>
+                </a:solidFill>
+                <a:latin typeface="+mj-lt"/>
+                <a:ea typeface="+mj-ea"/>
+                <a:cs typeface="+mj-cs"/>
+              </a:rPr>
+              <a:t> UV Index</a:t>
+            </a:r>
+          </a:p>
+        </p:txBody>
+      </p:sp>
+      <p:sp>
+        <p:nvSpPr>
+          <p:cNvPr id="49" name="Rectangle 26">
+            <a:extLst>
+              <a:ext uri="{FF2B5EF4-FFF2-40B4-BE49-F238E27FC236}">
+                <a16:creationId xmlns:a16="http://schemas.microsoft.com/office/drawing/2014/main" id="{99413ED5-9ED4-4772-BCE4-2BCAE6B12E35}"/>
+              </a:ext>
+              <a:ext uri="{C183D7F6-B498-43B3-948B-1728B52AA6E4}">
+                <adec:decorative xmlns:adec="http://schemas.microsoft.com/office/drawing/2017/decorative" val="1"/>
+              </a:ext>
+            </a:extLst>
+          </p:cNvPr>
+          <p:cNvSpPr>
+            <a:spLocks noGrp="1" noRot="1" noChangeAspect="1" noMove="1" noResize="1" noEditPoints="1" noAdjustHandles="1" noChangeArrowheads="1" noChangeShapeType="1" noTextEdit="1"/>
+          </p:cNvSpPr>
+          <p:nvPr>
+            <p:extLst>
+              <p:ext uri="{386F3935-93C4-4BCD-93E2-E3B085C9AB24}">
+                <p16:designElem xmlns:p16="http://schemas.microsoft.com/office/powerpoint/2015/main" val="1"/>
+              </p:ext>
+            </p:extLst>
+          </p:nvPr>
+        </p:nvSpPr>
+        <p:spPr>
+          <a:xfrm rot="16200000">
+            <a:off x="3433973" y="-827233"/>
+            <a:ext cx="1715478" cy="8583421"/>
+          </a:xfrm>
+          <a:prstGeom prst="rect">
+            <a:avLst/>
+          </a:prstGeom>
+          <a:solidFill>
+            <a:schemeClr val="accent4"/>
+          </a:solidFill>
+          <a:ln>
+            <a:noFill/>
+          </a:ln>
+        </p:spPr>
+        <p:style>
+          <a:lnRef idx="2">
+            <a:schemeClr val="accent1">
+              <a:shade val="50000"/>
+            </a:schemeClr>
+          </a:lnRef>
+          <a:fillRef idx="1">
+            <a:schemeClr val="accent1"/>
+          </a:fillRef>
+          <a:effectRef idx="0">
+            <a:schemeClr val="accent1"/>
+          </a:effectRef>
+          <a:fontRef idx="minor">
+            <a:schemeClr val="lt1"/>
+          </a:fontRef>
+        </p:style>
+        <p:txBody>
+          <a:bodyPr rtlCol="0" anchor="ctr"/>
+          <a:lstStyle/>
+          <a:p>
+            <a:pPr algn="ctr"/>
+            <a:endParaRPr lang="en-US" dirty="0"/>
+          </a:p>
+        </p:txBody>
+      </p:sp>
+      <p:sp>
+        <p:nvSpPr>
+          <p:cNvPr id="50" name="Rectangle 28">
+            <a:extLst>
+              <a:ext uri="{FF2B5EF4-FFF2-40B4-BE49-F238E27FC236}">
+                <a16:creationId xmlns:a16="http://schemas.microsoft.com/office/drawing/2014/main" id="{04357C93-F0CB-4A1C-8F77-4E9063789819}"/>
+              </a:ext>
+              <a:ext uri="{C183D7F6-B498-43B3-948B-1728B52AA6E4}">
+                <adec:decorative xmlns:adec="http://schemas.microsoft.com/office/drawing/2017/decorative" val="1"/>
+              </a:ext>
+            </a:extLst>
+          </p:cNvPr>
+          <p:cNvSpPr>
+            <a:spLocks noGrp="1" noRot="1" noChangeAspect="1" noMove="1" noResize="1" noEditPoints="1" noAdjustHandles="1" noChangeArrowheads="1" noChangeShapeType="1" noTextEdit="1"/>
+          </p:cNvSpPr>
+          <p:nvPr>
+            <p:extLst>
+              <p:ext uri="{386F3935-93C4-4BCD-93E2-E3B085C9AB24}">
+                <p16:designElem xmlns:p16="http://schemas.microsoft.com/office/powerpoint/2015/main" val="1"/>
+              </p:ext>
+            </p:extLst>
+          </p:nvPr>
+        </p:nvSpPr>
+        <p:spPr>
+          <a:xfrm>
+            <a:off x="302085" y="664308"/>
+            <a:ext cx="8082632" cy="5600340"/>
+          </a:xfrm>
+          <a:prstGeom prst="rect">
+            <a:avLst/>
+          </a:prstGeom>
+          <a:solidFill>
+            <a:schemeClr val="bg1"/>
+          </a:solidFill>
+          <a:ln>
+            <a:noFill/>
+          </a:ln>
+          <a:effectLst>
+            <a:outerShdw blurRad="139700" dist="127000" dir="5400000" algn="t" rotWithShape="0">
+              <a:prstClr val="black">
+                <a:alpha val="15000"/>
+              </a:prstClr>
+            </a:outerShdw>
+          </a:effectLst>
+        </p:spPr>
+        <p:style>
+          <a:lnRef idx="2">
+            <a:schemeClr val="accent1">
+              <a:shade val="50000"/>
+            </a:schemeClr>
+          </a:lnRef>
+          <a:fillRef idx="1">
+            <a:schemeClr val="accent1"/>
+          </a:fillRef>
+          <a:effectRef idx="0">
+            <a:schemeClr val="accent1"/>
+          </a:effectRef>
+          <a:fontRef idx="minor">
+            <a:schemeClr val="lt1"/>
+          </a:fontRef>
+        </p:style>
+        <p:txBody>
+          <a:bodyPr rtlCol="0" anchor="ctr"/>
+          <a:lstStyle/>
+          <a:p>
+            <a:pPr algn="ctr"/>
+            <a:endParaRPr lang="en-US"/>
+          </a:p>
+        </p:txBody>
+      </p:sp>
+      <p:pic>
+        <p:nvPicPr>
+          <p:cNvPr id="3" name="Picture 2">
+            <a:extLst>
+              <a:ext uri="{FF2B5EF4-FFF2-40B4-BE49-F238E27FC236}">
+                <a16:creationId xmlns:a16="http://schemas.microsoft.com/office/drawing/2014/main" id="{DDB0D936-97DC-4DEA-B660-7BB2B3153632}"/>
+              </a:ext>
+            </a:extLst>
+          </p:cNvPr>
+          <p:cNvPicPr>
+            <a:picLocks noChangeAspect="1"/>
+          </p:cNvPicPr>
+          <p:nvPr/>
+        </p:nvPicPr>
+        <p:blipFill>
+          <a:blip r:embed="rId2"/>
+          <a:stretch>
+            <a:fillRect/>
+          </a:stretch>
+        </p:blipFill>
+        <p:spPr>
+          <a:xfrm>
+            <a:off x="545238" y="1029821"/>
+            <a:ext cx="7608304" cy="4590803"/>
+          </a:xfrm>
+          <a:prstGeom prst="rect">
+            <a:avLst/>
+          </a:prstGeom>
+        </p:spPr>
+      </p:pic>
+      <p:sp>
+        <p:nvSpPr>
+          <p:cNvPr id="51" name="Rectangle 30">
+            <a:extLst>
+              <a:ext uri="{FF2B5EF4-FFF2-40B4-BE49-F238E27FC236}">
+                <a16:creationId xmlns:a16="http://schemas.microsoft.com/office/drawing/2014/main" id="{90F533E9-6690-41A8-A372-4C6C622D028D}"/>
+              </a:ext>
+              <a:ext uri="{C183D7F6-B498-43B3-948B-1728B52AA6E4}">
+                <adec:decorative xmlns:adec="http://schemas.microsoft.com/office/drawing/2017/decorative" val="1"/>
+              </a:ext>
+            </a:extLst>
+          </p:cNvPr>
+          <p:cNvSpPr>
+            <a:spLocks noGrp="1" noRot="1" noChangeAspect="1" noMove="1" noResize="1" noEditPoints="1" noAdjustHandles="1" noChangeArrowheads="1" noChangeShapeType="1" noTextEdit="1"/>
+          </p:cNvSpPr>
+          <p:nvPr>
+            <p:extLst>
+              <p:ext uri="{386F3935-93C4-4BCD-93E2-E3B085C9AB24}">
+                <p16:designElem xmlns:p16="http://schemas.microsoft.com/office/powerpoint/2015/main" val="1"/>
+              </p:ext>
+            </p:extLst>
+          </p:nvPr>
+        </p:nvSpPr>
+        <p:spPr>
+          <a:xfrm rot="5400000">
+            <a:off x="7950447" y="3392097"/>
+            <a:ext cx="1719072" cy="152382"/>
+          </a:xfrm>
+          <a:prstGeom prst="rect">
+            <a:avLst/>
+          </a:prstGeom>
+          <a:solidFill>
+            <a:schemeClr val="accent4"/>
+          </a:solidFill>
+          <a:ln>
+            <a:noFill/>
+          </a:ln>
+        </p:spPr>
+        <p:style>
+          <a:lnRef idx="2">
+            <a:schemeClr val="accent1">
+              <a:shade val="50000"/>
+            </a:schemeClr>
+          </a:lnRef>
+          <a:fillRef idx="1">
+            <a:schemeClr val="accent1"/>
+          </a:fillRef>
+          <a:effectRef idx="0">
+            <a:schemeClr val="accent1"/>
+          </a:effectRef>
+          <a:fontRef idx="minor">
+            <a:schemeClr val="lt1"/>
+          </a:fontRef>
+        </p:style>
+        <p:txBody>
+          <a:bodyPr rtlCol="0" anchor="ctr"/>
+          <a:lstStyle/>
+          <a:p>
+            <a:pPr algn="ctr"/>
+            <a:endParaRPr lang="en-US"/>
+          </a:p>
+        </p:txBody>
+      </p:sp>
+      <p:sp>
+        <p:nvSpPr>
+          <p:cNvPr id="2" name="TextBox 1">
+            <a:extLst>
+              <a:ext uri="{FF2B5EF4-FFF2-40B4-BE49-F238E27FC236}">
+                <a16:creationId xmlns:a16="http://schemas.microsoft.com/office/drawing/2014/main" id="{DA0CB9A1-5F84-4347-ACD9-DAB49EDF7F44}"/>
+              </a:ext>
+            </a:extLst>
+          </p:cNvPr>
+          <p:cNvSpPr txBox="1"/>
+          <p:nvPr/>
+        </p:nvSpPr>
+        <p:spPr>
+          <a:xfrm>
+            <a:off x="805343" y="5529802"/>
+            <a:ext cx="3165354" cy="369332"/>
+          </a:xfrm>
+          <a:prstGeom prst="rect">
+            <a:avLst/>
+          </a:prstGeom>
+          <a:noFill/>
+        </p:spPr>
+        <p:txBody>
+          <a:bodyPr wrap="none" rtlCol="0">
+            <a:spAutoFit/>
+          </a:bodyPr>
+          <a:lstStyle/>
+          <a:p>
+            <a:r>
+              <a:rPr lang="en-AU" dirty="0">
+                <a:hlinkClick r:id="rId3"/>
+              </a:rPr>
+              <a:t>http://127.0.0.1:5000/historical</a:t>
+            </a:r>
+            <a:endParaRPr lang="en-AU" dirty="0"/>
+          </a:p>
+        </p:txBody>
+      </p:sp>
+    </p:spTree>
+    <p:extLst>
+      <p:ext uri="{BB962C8B-B14F-4D97-AF65-F5344CB8AC3E}">
+        <p14:creationId xmlns:p14="http://schemas.microsoft.com/office/powerpoint/2010/main" val="779758751"/>
+      </p:ext>
+    </p:extLst>
+  </p:cSld>
+  <p:clrMapOvr>
+    <a:masterClrMapping/>
+  </p:clrMapOvr>
+</p:sld>
+</file>
+
+<file path=ppt/slides/slide9.xml><?xml version="1.0" encoding="utf-8"?>
+<p:sld xmlns:a="http://schemas.openxmlformats.org/drawingml/2006/main" xmlns:r="http://schemas.openxmlformats.org/officeDocument/2006/relationships" xmlns:p="http://schemas.openxmlformats.org/presentationml/2006/main">
+  <p:cSld>
+    <p:bg>
+      <p:bgPr>
+        <a:solidFill>
+          <a:schemeClr val="bg1"/>
+        </a:solidFill>
+        <a:effectLst/>
+      </p:bgPr>
+    </p:bg>
+    <p:spTree>
+      <p:nvGrpSpPr>
+        <p:cNvPr id="1" name=""/>
+        <p:cNvGrpSpPr/>
+        <p:nvPr/>
+      </p:nvGrpSpPr>
+      <p:grpSpPr>
+        <a:xfrm>
+          <a:off x="0" y="0"/>
+          <a:ext cx="0" cy="0"/>
+          <a:chOff x="0" y="0"/>
+          <a:chExt cx="0" cy="0"/>
+        </a:xfrm>
+      </p:grpSpPr>
+      <p:sp>
+        <p:nvSpPr>
+          <p:cNvPr id="8" name="Rectangle 7">
+            <a:extLst>
+              <a:ext uri="{FF2B5EF4-FFF2-40B4-BE49-F238E27FC236}">
+                <a16:creationId xmlns:a16="http://schemas.microsoft.com/office/drawing/2014/main" id="{F3060C83-F051-4F0E-ABAD-AA0DFC48B218}"/>
+              </a:ext>
+              <a:ext uri="{C183D7F6-B498-43B3-948B-1728B52AA6E4}">
+                <adec:decorative xmlns:adec="http://schemas.microsoft.com/office/drawing/2017/decorative" val="1"/>
+              </a:ext>
+            </a:extLst>
+          </p:cNvPr>
+          <p:cNvSpPr>
+            <a:spLocks noGrp="1" noRot="1" noChangeAspect="1" noMove="1" noResize="1" noEditPoints="1" noAdjustHandles="1" noChangeArrowheads="1" noChangeShapeType="1" noTextEdit="1"/>
+          </p:cNvSpPr>
+          <p:nvPr>
+            <p:extLst>
+              <p:ext uri="{386F3935-93C4-4BCD-93E2-E3B085C9AB24}">
+                <p16:designElem xmlns:p16="http://schemas.microsoft.com/office/powerpoint/2015/main" val="1"/>
+              </p:ext>
+            </p:extLst>
+          </p:nvPr>
+        </p:nvSpPr>
+        <p:spPr>
+          <a:xfrm>
+            <a:off x="0" y="0"/>
+            <a:ext cx="12192000" cy="6858000"/>
+          </a:xfrm>
+          <a:prstGeom prst="rect">
+            <a:avLst/>
+          </a:prstGeom>
+          <a:solidFill>
+            <a:schemeClr val="bg1"/>
+          </a:solidFill>
+          <a:ln>
+            <a:noFill/>
+          </a:ln>
+        </p:spPr>
+        <p:style>
+          <a:lnRef idx="2">
+            <a:schemeClr val="accent1">
+              <a:shade val="50000"/>
+            </a:schemeClr>
+          </a:lnRef>
+          <a:fillRef idx="1">
+            <a:schemeClr val="accent1"/>
+          </a:fillRef>
+          <a:effectRef idx="0">
+            <a:schemeClr val="accent1"/>
+          </a:effectRef>
+          <a:fontRef idx="minor">
+            <a:schemeClr val="lt1"/>
+          </a:fontRef>
+        </p:style>
+        <p:txBody>
+          <a:bodyPr rtlCol="0" anchor="ctr"/>
+          <a:lstStyle/>
+          <a:p>
+            <a:pPr algn="ctr"/>
+            <a:endParaRPr lang="en-US" dirty="0"/>
+          </a:p>
+        </p:txBody>
+      </p:sp>
+      <p:sp>
+        <p:nvSpPr>
+          <p:cNvPr id="10" name="Freeform: Shape 9">
+            <a:extLst>
+              <a:ext uri="{FF2B5EF4-FFF2-40B4-BE49-F238E27FC236}">
+                <a16:creationId xmlns:a16="http://schemas.microsoft.com/office/drawing/2014/main" id="{83C98ABE-055B-441F-B07E-44F97F083C39}"/>
+              </a:ext>
+              <a:ext uri="{C183D7F6-B498-43B3-948B-1728B52AA6E4}">
+                <adec:decorative xmlns:adec="http://schemas.microsoft.com/office/drawing/2017/decorative" val="1"/>
+              </a:ext>
+            </a:extLst>
+          </p:cNvPr>
+          <p:cNvSpPr>
+            <a:spLocks noGrp="1" noRot="1" noChangeAspect="1" noMove="1" noResize="1" noEditPoints="1" noAdjustHandles="1" noChangeArrowheads="1" noChangeShapeType="1" noTextEdit="1"/>
+          </p:cNvSpPr>
+          <p:nvPr>
+            <p:extLst>
+              <p:ext uri="{386F3935-93C4-4BCD-93E2-E3B085C9AB24}">
+                <p16:designElem xmlns:p16="http://schemas.microsoft.com/office/powerpoint/2015/main" val="1"/>
+              </p:ext>
+            </p:extLst>
+          </p:nvPr>
+        </p:nvSpPr>
+        <p:spPr>
+          <a:xfrm rot="18900000" flipH="1">
+            <a:off x="-376156" y="-253670"/>
+            <a:ext cx="1827638" cy="1376989"/>
+          </a:xfrm>
+          <a:custGeom>
+            <a:avLst/>
+            <a:gdLst>
+              <a:gd name="connsiteX0" fmla="*/ 0 w 1827638"/>
+              <a:gd name="connsiteY0" fmla="*/ 987379 h 1376989"/>
+              <a:gd name="connsiteX1" fmla="*/ 987379 w 1827638"/>
+              <a:gd name="connsiteY1" fmla="*/ 0 h 1376989"/>
+              <a:gd name="connsiteX2" fmla="*/ 1827638 w 1827638"/>
+              <a:gd name="connsiteY2" fmla="*/ 840260 h 1376989"/>
+              <a:gd name="connsiteX3" fmla="*/ 1827638 w 1827638"/>
+              <a:gd name="connsiteY3" fmla="*/ 1376989 h 1376989"/>
+              <a:gd name="connsiteX4" fmla="*/ 0 w 1827638"/>
+              <a:gd name="connsiteY4" fmla="*/ 1376989 h 1376989"/>
+            </a:gdLst>
+            <a:ahLst/>
+            <a:cxnLst>
+              <a:cxn ang="0">
+                <a:pos x="connsiteX0" y="connsiteY0"/>
+              </a:cxn>
+              <a:cxn ang="0">
+                <a:pos x="connsiteX1" y="connsiteY1"/>
+              </a:cxn>
+              <a:cxn ang="0">
+                <a:pos x="connsiteX2" y="connsiteY2"/>
+              </a:cxn>
+              <a:cxn ang="0">
+                <a:pos x="connsiteX3" y="connsiteY3"/>
+              </a:cxn>
+              <a:cxn ang="0">
+                <a:pos x="connsiteX4" y="connsiteY4"/>
+              </a:cxn>
+            </a:cxnLst>
+            <a:rect l="l" t="t" r="r" b="b"/>
+            <a:pathLst>
+              <a:path w="1827638" h="1376989">
+                <a:moveTo>
+                  <a:pt x="0" y="987379"/>
+                </a:moveTo>
+                <a:lnTo>
+                  <a:pt x="987379" y="0"/>
+                </a:lnTo>
+                <a:lnTo>
+                  <a:pt x="1827638" y="840260"/>
+                </a:lnTo>
+                <a:lnTo>
+                  <a:pt x="1827638" y="1376989"/>
+                </a:lnTo>
+                <a:lnTo>
+                  <a:pt x="0" y="1376989"/>
+                </a:lnTo>
+                <a:close/>
+              </a:path>
+            </a:pathLst>
+          </a:custGeom>
+          <a:solidFill>
+            <a:schemeClr val="accent1">
+              <a:alpha val="30000"/>
+            </a:schemeClr>
+          </a:solidFill>
+          <a:ln>
+            <a:noFill/>
+          </a:ln>
+        </p:spPr>
+        <p:style>
+          <a:lnRef idx="2">
+            <a:schemeClr val="accent1">
+              <a:shade val="50000"/>
+            </a:schemeClr>
+          </a:lnRef>
+          <a:fillRef idx="1">
+            <a:schemeClr val="accent1"/>
+          </a:fillRef>
+          <a:effectRef idx="0">
+            <a:schemeClr val="accent1"/>
+          </a:effectRef>
+          <a:fontRef idx="minor">
+            <a:schemeClr val="lt1"/>
+          </a:fontRef>
+        </p:style>
+        <p:txBody>
+          <a:bodyPr rtlCol="0" anchor="ctr"/>
+          <a:lstStyle/>
+          <a:p>
+            <a:pPr algn="ctr"/>
+            <a:endParaRPr lang="en-US" dirty="0"/>
+          </a:p>
+        </p:txBody>
+      </p:sp>
+      <p:sp>
+        <p:nvSpPr>
+          <p:cNvPr id="12" name="Rectangle 11">
+            <a:extLst>
+              <a:ext uri="{FF2B5EF4-FFF2-40B4-BE49-F238E27FC236}">
+                <a16:creationId xmlns:a16="http://schemas.microsoft.com/office/drawing/2014/main" id="{29FDB030-9B49-4CED-8CCD-4D99382388AC}"/>
+              </a:ext>
+              <a:ext uri="{C183D7F6-B498-43B3-948B-1728B52AA6E4}">
+                <adec:decorative xmlns:adec="http://schemas.microsoft.com/office/drawing/2017/decorative" val="1"/>
+              </a:ext>
+            </a:extLst>
+          </p:cNvPr>
+          <p:cNvSpPr>
+            <a:spLocks noGrp="1" noRot="1" noChangeAspect="1" noMove="1" noResize="1" noEditPoints="1" noAdjustHandles="1" noChangeArrowheads="1" noChangeShapeType="1" noTextEdit="1"/>
+          </p:cNvSpPr>
+          <p:nvPr>
+            <p:extLst>
+              <p:ext uri="{386F3935-93C4-4BCD-93E2-E3B085C9AB24}">
+                <p16:designElem xmlns:p16="http://schemas.microsoft.com/office/powerpoint/2015/main" val="1"/>
+              </p:ext>
+            </p:extLst>
+          </p:nvPr>
+        </p:nvSpPr>
+        <p:spPr>
+          <a:xfrm rot="18900000" flipH="1">
+            <a:off x="891641" y="422146"/>
+            <a:ext cx="645368" cy="645368"/>
+          </a:xfrm>
+          <a:prstGeom prst="rect">
+            <a:avLst/>
+          </a:prstGeom>
+          <a:solidFill>
+            <a:schemeClr val="accent1">
+              <a:alpha val="30000"/>
+            </a:schemeClr>
+          </a:solidFill>
+          <a:ln>
+            <a:noFill/>
+          </a:ln>
+        </p:spPr>
+        <p:style>
+          <a:lnRef idx="2">
+            <a:schemeClr val="accent1">
+              <a:shade val="50000"/>
+            </a:schemeClr>
+          </a:lnRef>
+          <a:fillRef idx="1">
+            <a:schemeClr val="accent1"/>
+          </a:fillRef>
+          <a:effectRef idx="0">
+            <a:schemeClr val="accent1"/>
+          </a:effectRef>
+          <a:fontRef idx="minor">
+            <a:schemeClr val="lt1"/>
+          </a:fontRef>
+        </p:style>
+        <p:txBody>
+          <a:bodyPr rtlCol="0" anchor="ctr"/>
+          <a:lstStyle/>
+          <a:p>
+            <a:pPr algn="ctr"/>
+            <a:endParaRPr lang="en-US"/>
+          </a:p>
+        </p:txBody>
+      </p:sp>
+      <p:sp>
+        <p:nvSpPr>
+          <p:cNvPr id="14" name="Rectangle 13">
+            <a:extLst>
+              <a:ext uri="{FF2B5EF4-FFF2-40B4-BE49-F238E27FC236}">
+                <a16:creationId xmlns:a16="http://schemas.microsoft.com/office/drawing/2014/main" id="{3783CA14-24A1-485C-8B30-D6A5D87987AD}"/>
+              </a:ext>
+              <a:ext uri="{C183D7F6-B498-43B3-948B-1728B52AA6E4}">
+                <adec:decorative xmlns:adec="http://schemas.microsoft.com/office/drawing/2017/decorative" val="1"/>
+              </a:ext>
+            </a:extLst>
+          </p:cNvPr>
+          <p:cNvSpPr>
+            <a:spLocks noGrp="1" noRot="1" noChangeAspect="1" noMove="1" noResize="1" noEditPoints="1" noAdjustHandles="1" noChangeArrowheads="1" noChangeShapeType="1" noTextEdit="1"/>
+          </p:cNvSpPr>
+          <p:nvPr>
+            <p:extLst>
+              <p:ext uri="{386F3935-93C4-4BCD-93E2-E3B085C9AB24}">
+                <p16:designElem xmlns:p16="http://schemas.microsoft.com/office/powerpoint/2015/main" val="1"/>
+              </p:ext>
+            </p:extLst>
+          </p:nvPr>
+        </p:nvSpPr>
+        <p:spPr>
+          <a:xfrm rot="18900000" flipH="1">
+            <a:off x="10043482" y="655140"/>
+            <a:ext cx="687472" cy="687472"/>
+          </a:xfrm>
+          <a:prstGeom prst="rect">
+            <a:avLst/>
+          </a:prstGeom>
+          <a:solidFill>
+            <a:schemeClr val="accent4">
+              <a:alpha val="30000"/>
+            </a:schemeClr>
+          </a:solidFill>
+          <a:ln>
+            <a:noFill/>
+          </a:ln>
+        </p:spPr>
+        <p:style>
+          <a:lnRef idx="2">
+            <a:schemeClr val="accent1">
+              <a:shade val="50000"/>
+            </a:schemeClr>
+          </a:lnRef>
+          <a:fillRef idx="1">
+            <a:schemeClr val="accent1"/>
+          </a:fillRef>
+          <a:effectRef idx="0">
+            <a:schemeClr val="accent1"/>
+          </a:effectRef>
+          <a:fontRef idx="minor">
+            <a:schemeClr val="lt1"/>
+          </a:fontRef>
+        </p:style>
+        <p:txBody>
+          <a:bodyPr rtlCol="0" anchor="ctr"/>
+          <a:lstStyle/>
+          <a:p>
+            <a:pPr algn="ctr"/>
+            <a:endParaRPr lang="en-US"/>
+          </a:p>
+        </p:txBody>
+      </p:sp>
+      <p:sp>
+        <p:nvSpPr>
+          <p:cNvPr id="16" name="Freeform: Shape 15">
+            <a:extLst>
+              <a:ext uri="{FF2B5EF4-FFF2-40B4-BE49-F238E27FC236}">
+                <a16:creationId xmlns:a16="http://schemas.microsoft.com/office/drawing/2014/main" id="{9A97C86A-04D6-40F7-AE84-31AB43E6A846}"/>
+              </a:ext>
+              <a:ext uri="{C183D7F6-B498-43B3-948B-1728B52AA6E4}">
+                <adec:decorative xmlns:adec="http://schemas.microsoft.com/office/drawing/2017/decorative" val="1"/>
+              </a:ext>
+            </a:extLst>
+          </p:cNvPr>
+          <p:cNvSpPr>
+            <a:spLocks noGrp="1" noRot="1" noChangeAspect="1" noMove="1" noResize="1" noEditPoints="1" noAdjustHandles="1" noChangeArrowheads="1" noChangeShapeType="1" noTextEdit="1"/>
+          </p:cNvSpPr>
+          <p:nvPr>
+            <p:extLst>
+              <p:ext uri="{386F3935-93C4-4BCD-93E2-E3B085C9AB24}">
+                <p16:designElem xmlns:p16="http://schemas.microsoft.com/office/powerpoint/2015/main" val="1"/>
+              </p:ext>
+            </p:extLst>
+          </p:nvPr>
+        </p:nvSpPr>
+        <p:spPr>
+          <a:xfrm rot="10800000" flipH="1">
+            <a:off x="9356643" y="0"/>
+            <a:ext cx="2835357" cy="1480837"/>
+          </a:xfrm>
+          <a:custGeom>
+            <a:avLst/>
+            <a:gdLst>
+              <a:gd name="connsiteX0" fmla="*/ 2835357 w 2835357"/>
+              <a:gd name="connsiteY0" fmla="*/ 1480837 h 1480837"/>
+              <a:gd name="connsiteX1" fmla="*/ 0 w 2835357"/>
+              <a:gd name="connsiteY1" fmla="*/ 1480837 h 1480837"/>
+              <a:gd name="connsiteX2" fmla="*/ 1552727 w 2835357"/>
+              <a:gd name="connsiteY2" fmla="*/ 0 h 1480837"/>
+              <a:gd name="connsiteX3" fmla="*/ 2835357 w 2835357"/>
+              <a:gd name="connsiteY3" fmla="*/ 1223245 h 1480837"/>
+            </a:gdLst>
+            <a:ahLst/>
+            <a:cxnLst>
+              <a:cxn ang="0">
+                <a:pos x="connsiteX0" y="connsiteY0"/>
+              </a:cxn>
+              <a:cxn ang="0">
+                <a:pos x="connsiteX1" y="connsiteY1"/>
+              </a:cxn>
+              <a:cxn ang="0">
+                <a:pos x="connsiteX2" y="connsiteY2"/>
+              </a:cxn>
+              <a:cxn ang="0">
+                <a:pos x="connsiteX3" y="connsiteY3"/>
+              </a:cxn>
+            </a:cxnLst>
+            <a:rect l="l" t="t" r="r" b="b"/>
+            <a:pathLst>
+              <a:path w="2835357" h="1480837">
+                <a:moveTo>
+                  <a:pt x="2835357" y="1480837"/>
+                </a:moveTo>
+                <a:lnTo>
+                  <a:pt x="0" y="1480837"/>
+                </a:lnTo>
+                <a:lnTo>
+                  <a:pt x="1552727" y="0"/>
+                </a:lnTo>
+                <a:lnTo>
+                  <a:pt x="2835357" y="1223245"/>
+                </a:lnTo>
+                <a:close/>
+              </a:path>
+            </a:pathLst>
+          </a:custGeom>
+          <a:solidFill>
+            <a:schemeClr val="accent4">
+              <a:alpha val="30000"/>
+            </a:schemeClr>
+          </a:solidFill>
+          <a:ln>
+            <a:noFill/>
+          </a:ln>
+        </p:spPr>
+        <p:style>
+          <a:lnRef idx="2">
+            <a:schemeClr val="accent1">
+              <a:shade val="50000"/>
+            </a:schemeClr>
+          </a:lnRef>
+          <a:fillRef idx="1">
+            <a:schemeClr val="accent1"/>
+          </a:fillRef>
+          <a:effectRef idx="0">
+            <a:schemeClr val="accent1"/>
+          </a:effectRef>
+          <a:fontRef idx="minor">
+            <a:schemeClr val="lt1"/>
+          </a:fontRef>
+        </p:style>
+        <p:txBody>
+          <a:bodyPr wrap="square" rtlCol="0" anchor="ctr">
+            <a:noAutofit/>
+          </a:bodyPr>
+          <a:lstStyle/>
+          <a:p>
+            <a:pPr algn="ctr"/>
+            <a:endParaRPr lang="en-US" dirty="0"/>
+          </a:p>
+        </p:txBody>
+      </p:sp>
+      <p:sp>
+        <p:nvSpPr>
+          <p:cNvPr id="18" name="Isosceles Triangle 17">
+            <a:extLst>
+              <a:ext uri="{FF2B5EF4-FFF2-40B4-BE49-F238E27FC236}">
+                <a16:creationId xmlns:a16="http://schemas.microsoft.com/office/drawing/2014/main" id="{FF9F2414-84E8-453E-B1F3-389FDE8192D9}"/>
+              </a:ext>
+              <a:ext uri="{C183D7F6-B498-43B3-948B-1728B52AA6E4}">
+                <adec:decorative xmlns:adec="http://schemas.microsoft.com/office/drawing/2017/decorative" val="1"/>
+              </a:ext>
+            </a:extLst>
+          </p:cNvPr>
+          <p:cNvSpPr>
+            <a:spLocks noGrp="1" noRot="1" noChangeAspect="1" noMove="1" noResize="1" noEditPoints="1" noAdjustHandles="1" noChangeArrowheads="1" noChangeShapeType="1" noTextEdit="1"/>
+          </p:cNvSpPr>
+          <p:nvPr>
+            <p:extLst>
+              <p:ext uri="{386F3935-93C4-4BCD-93E2-E3B085C9AB24}">
+                <p16:designElem xmlns:p16="http://schemas.microsoft.com/office/powerpoint/2015/main" val="1"/>
+              </p:ext>
+            </p:extLst>
+          </p:nvPr>
+        </p:nvSpPr>
+        <p:spPr>
+          <a:xfrm flipH="1">
+            <a:off x="7976344" y="6115501"/>
+            <a:ext cx="1494513" cy="742499"/>
+          </a:xfrm>
+          <a:prstGeom prst="triangle">
+            <a:avLst/>
+          </a:prstGeom>
+          <a:solidFill>
+            <a:schemeClr val="accent1">
+              <a:alpha val="30000"/>
+            </a:schemeClr>
+          </a:solidFill>
+          <a:ln>
+            <a:noFill/>
+          </a:ln>
+        </p:spPr>
+        <p:style>
+          <a:lnRef idx="2">
+            <a:schemeClr val="accent1">
+              <a:shade val="50000"/>
+            </a:schemeClr>
+          </a:lnRef>
+          <a:fillRef idx="1">
+            <a:schemeClr val="accent1"/>
+          </a:fillRef>
+          <a:effectRef idx="0">
+            <a:schemeClr val="accent1"/>
+          </a:effectRef>
+          <a:fontRef idx="minor">
+            <a:schemeClr val="lt1"/>
+          </a:fontRef>
+        </p:style>
+        <p:txBody>
+          <a:bodyPr rtlCol="0" anchor="ctr"/>
+          <a:lstStyle/>
+          <a:p>
+            <a:pPr algn="ctr"/>
+            <a:endParaRPr lang="en-US"/>
+          </a:p>
+        </p:txBody>
+      </p:sp>
+      <p:sp>
+        <p:nvSpPr>
+          <p:cNvPr id="20" name="Isosceles Triangle 19">
+            <a:extLst>
+              <a:ext uri="{FF2B5EF4-FFF2-40B4-BE49-F238E27FC236}">
+                <a16:creationId xmlns:a16="http://schemas.microsoft.com/office/drawing/2014/main" id="{3ECA69A1-7536-43AC-85EF-C7106179F5ED}"/>
+              </a:ext>
+              <a:ext uri="{C183D7F6-B498-43B3-948B-1728B52AA6E4}">
+                <adec:decorative xmlns:adec="http://schemas.microsoft.com/office/drawing/2017/decorative" val="1"/>
+              </a:ext>
+            </a:extLst>
+          </p:cNvPr>
+          <p:cNvSpPr>
+            <a:spLocks noGrp="1" noRot="1" noChangeAspect="1" noMove="1" noResize="1" noEditPoints="1" noAdjustHandles="1" noChangeArrowheads="1" noChangeShapeType="1" noTextEdit="1"/>
+          </p:cNvSpPr>
+          <p:nvPr>
+            <p:extLst>
+              <p:ext uri="{386F3935-93C4-4BCD-93E2-E3B085C9AB24}">
+                <p16:designElem xmlns:p16="http://schemas.microsoft.com/office/powerpoint/2015/main" val="1"/>
+              </p:ext>
+            </p:extLst>
+          </p:nvPr>
+        </p:nvSpPr>
+        <p:spPr>
+          <a:xfrm flipH="1">
+            <a:off x="7604080" y="6453143"/>
+            <a:ext cx="814903" cy="404857"/>
+          </a:xfrm>
+          <a:prstGeom prst="triangle">
+            <a:avLst/>
+          </a:prstGeom>
+          <a:solidFill>
+            <a:schemeClr val="accent1">
+              <a:alpha val="30000"/>
+            </a:schemeClr>
+          </a:solidFill>
+          <a:ln>
+            <a:noFill/>
+          </a:ln>
+        </p:spPr>
+        <p:style>
+          <a:lnRef idx="2">
+            <a:schemeClr val="accent1">
+              <a:shade val="50000"/>
+            </a:schemeClr>
+          </a:lnRef>
+          <a:fillRef idx="1">
+            <a:schemeClr val="accent1"/>
+          </a:fillRef>
+          <a:effectRef idx="0">
+            <a:schemeClr val="accent1"/>
+          </a:effectRef>
+          <a:fontRef idx="minor">
+            <a:schemeClr val="lt1"/>
+          </a:fontRef>
+        </p:style>
+        <p:txBody>
+          <a:bodyPr rtlCol="0" anchor="ctr"/>
+          <a:lstStyle/>
+          <a:p>
+            <a:pPr algn="ctr"/>
+            <a:endParaRPr lang="en-US"/>
+          </a:p>
+        </p:txBody>
+      </p:sp>
+      <p:sp>
+        <p:nvSpPr>
+          <p:cNvPr id="4" name="TextBox 3">
+            <a:extLst>
+              <a:ext uri="{FF2B5EF4-FFF2-40B4-BE49-F238E27FC236}">
+                <a16:creationId xmlns:a16="http://schemas.microsoft.com/office/drawing/2014/main" id="{775523D8-CAEC-4DFB-B084-BC8DD40E99DD}"/>
+              </a:ext>
+            </a:extLst>
+          </p:cNvPr>
+          <p:cNvSpPr txBox="1"/>
+          <p:nvPr/>
+        </p:nvSpPr>
+        <p:spPr>
+          <a:xfrm>
+            <a:off x="1522098" y="66275"/>
+            <a:ext cx="8865120" cy="1754326"/>
+          </a:xfrm>
+          <a:prstGeom prst="rect">
+            <a:avLst/>
+          </a:prstGeom>
+          <a:noFill/>
+        </p:spPr>
+        <p:txBody>
+          <a:bodyPr wrap="none" rtlCol="0">
+            <a:spAutoFit/>
+          </a:bodyPr>
+          <a:lstStyle/>
+          <a:p>
+            <a:pPr algn="ctr"/>
+            <a:r>
+              <a:rPr lang="en-AU" sz="5400" b="1" dirty="0">
+                <a:solidFill>
+                  <a:schemeClr val="accent6">
+                    <a:lumMod val="75000"/>
+                  </a:schemeClr>
+                </a:solidFill>
+              </a:rPr>
+              <a:t>Western Australia UV Index</a:t>
+            </a:r>
+          </a:p>
+          <a:p>
+            <a:pPr algn="ctr"/>
+            <a:r>
+              <a:rPr lang="en-AU" sz="5400" b="1" dirty="0">
+                <a:solidFill>
+                  <a:schemeClr val="accent6">
+                    <a:lumMod val="75000"/>
+                  </a:schemeClr>
+                </a:solidFill>
+              </a:rPr>
+              <a:t>Analysis Conclusion/Summary</a:t>
+            </a:r>
+          </a:p>
+        </p:txBody>
+      </p:sp>
+      <p:sp>
+        <p:nvSpPr>
+          <p:cNvPr id="7" name="TextBox 6">
+            <a:extLst>
+              <a:ext uri="{FF2B5EF4-FFF2-40B4-BE49-F238E27FC236}">
+                <a16:creationId xmlns:a16="http://schemas.microsoft.com/office/drawing/2014/main" id="{9606B31D-BF23-403C-9DF1-B9C735320B41}"/>
+              </a:ext>
+            </a:extLst>
+          </p:cNvPr>
+          <p:cNvSpPr txBox="1"/>
+          <p:nvPr/>
+        </p:nvSpPr>
+        <p:spPr>
+          <a:xfrm>
+            <a:off x="3786299" y="1929131"/>
+            <a:ext cx="4589070" cy="3231654"/>
+          </a:xfrm>
+          <a:prstGeom prst="rect">
+            <a:avLst/>
+          </a:prstGeom>
+          <a:noFill/>
+          <a:ln>
+            <a:solidFill>
+              <a:schemeClr val="accent1"/>
+            </a:solidFill>
+          </a:ln>
+        </p:spPr>
+        <p:txBody>
+          <a:bodyPr wrap="square" rtlCol="0">
+            <a:spAutoFit/>
+          </a:bodyPr>
+          <a:lstStyle/>
+          <a:p>
+            <a:r>
+              <a:rPr lang="en-AU" sz="2400" b="1" dirty="0"/>
+              <a:t>The highest UV Index in Year 2020</a:t>
+            </a:r>
+          </a:p>
+          <a:p>
+            <a:r>
+              <a:rPr lang="en-AU" dirty="0"/>
+              <a:t>City:             Halls Creek</a:t>
+            </a:r>
+          </a:p>
+          <a:p>
+            <a:r>
+              <a:rPr lang="en-AU" dirty="0"/>
+              <a:t>UV index:   18.21</a:t>
+            </a:r>
+          </a:p>
+          <a:p>
+            <a:r>
+              <a:rPr lang="en-AU" dirty="0"/>
+              <a:t>Date:           20</a:t>
+            </a:r>
+            <a:r>
+              <a:rPr lang="en-AU" baseline="30000" dirty="0"/>
+              <a:t>th</a:t>
+            </a:r>
+            <a:r>
+              <a:rPr lang="en-AU" dirty="0"/>
+              <a:t> December 2020</a:t>
+            </a:r>
+          </a:p>
+          <a:p>
+            <a:endParaRPr lang="en-AU" dirty="0"/>
+          </a:p>
+          <a:p>
+            <a:r>
+              <a:rPr lang="en-AU" i="1" u="sng" dirty="0"/>
+              <a:t>Average UV index in Halls Creek:</a:t>
+            </a:r>
+          </a:p>
+          <a:p>
+            <a:r>
+              <a:rPr lang="en-AU" dirty="0"/>
+              <a:t>Average:  11.74</a:t>
+            </a:r>
+          </a:p>
+          <a:p>
+            <a:r>
+              <a:rPr lang="en-AU" dirty="0"/>
+              <a:t>Winter:    7.6</a:t>
+            </a:r>
+          </a:p>
+          <a:p>
+            <a:r>
+              <a:rPr lang="en-AU" dirty="0"/>
+              <a:t>Spring:     13.43</a:t>
+            </a:r>
+          </a:p>
+          <a:p>
+            <a:r>
+              <a:rPr lang="en-AU" dirty="0"/>
+              <a:t>Summer: 15.30</a:t>
+            </a:r>
+          </a:p>
+          <a:p>
+            <a:r>
+              <a:rPr lang="en-AU" dirty="0"/>
+              <a:t>Autumn:  10.71</a:t>
+            </a:r>
+          </a:p>
+        </p:txBody>
+      </p:sp>
+      <p:pic>
+        <p:nvPicPr>
+          <p:cNvPr id="2" name="Picture 1">
+            <a:extLst>
+              <a:ext uri="{FF2B5EF4-FFF2-40B4-BE49-F238E27FC236}">
+                <a16:creationId xmlns:a16="http://schemas.microsoft.com/office/drawing/2014/main" id="{60AE3730-15EF-42FC-B236-D1C3BA55B583}"/>
+              </a:ext>
+            </a:extLst>
+          </p:cNvPr>
+          <p:cNvPicPr>
+            <a:picLocks noChangeAspect="1"/>
+          </p:cNvPicPr>
+          <p:nvPr/>
+        </p:nvPicPr>
+        <p:blipFill>
+          <a:blip r:embed="rId2"/>
+          <a:stretch>
+            <a:fillRect/>
+          </a:stretch>
+        </p:blipFill>
+        <p:spPr>
+          <a:xfrm>
+            <a:off x="0" y="5309032"/>
+            <a:ext cx="5617018" cy="1548968"/>
+          </a:xfrm>
+          <a:prstGeom prst="rect">
+            <a:avLst/>
+          </a:prstGeom>
+        </p:spPr>
+      </p:pic>
+      <p:pic>
+        <p:nvPicPr>
+          <p:cNvPr id="3" name="Picture 2">
+            <a:extLst>
+              <a:ext uri="{FF2B5EF4-FFF2-40B4-BE49-F238E27FC236}">
+                <a16:creationId xmlns:a16="http://schemas.microsoft.com/office/drawing/2014/main" id="{96BAB319-8EEB-416F-B40C-A26130B75340}"/>
               </a:ext>
             </a:extLst>
           </p:cNvPr>
@@ -9851,239 +13762,8 @@
         </p:blipFill>
         <p:spPr>
           <a:xfrm>
-            <a:off x="217286" y="5020956"/>
-            <a:ext cx="7232137" cy="1754326"/>
-          </a:xfrm>
-          <a:prstGeom prst="rect">
-            <a:avLst/>
-          </a:prstGeom>
-        </p:spPr>
-      </p:pic>
-      <p:sp>
-        <p:nvSpPr>
-          <p:cNvPr id="7" name="TextBox 6">
-            <a:extLst>
-              <a:ext uri="{FF2B5EF4-FFF2-40B4-BE49-F238E27FC236}">
-                <a16:creationId xmlns:a16="http://schemas.microsoft.com/office/drawing/2014/main" id="{9606B31D-BF23-403C-9DF1-B9C735320B41}"/>
-              </a:ext>
-            </a:extLst>
-          </p:cNvPr>
-          <p:cNvSpPr txBox="1"/>
-          <p:nvPr/>
-        </p:nvSpPr>
-        <p:spPr>
-          <a:xfrm>
-            <a:off x="1684313" y="1929131"/>
-            <a:ext cx="8150152" cy="3416320"/>
-          </a:xfrm>
-          <a:prstGeom prst="rect">
-            <a:avLst/>
-          </a:prstGeom>
-          <a:noFill/>
-        </p:spPr>
-        <p:txBody>
-          <a:bodyPr wrap="square" rtlCol="0">
-            <a:spAutoFit/>
-          </a:bodyPr>
-          <a:lstStyle/>
-          <a:p>
-            <a:pPr marL="285750" indent="-285750">
-              <a:buFont typeface="Arial" panose="020B0604020202020204" pitchFamily="34" charset="0"/>
-              <a:buChar char="•"/>
-            </a:pPr>
-            <a:r>
-              <a:rPr lang="en-AU" dirty="0"/>
-              <a:t>In Year 2020, </a:t>
-            </a:r>
-            <a:r>
-              <a:rPr lang="en-AU" dirty="0">
-                <a:highlight>
-                  <a:srgbClr val="FFFF00"/>
-                </a:highlight>
-              </a:rPr>
-              <a:t>city </a:t>
-            </a:r>
-            <a:r>
-              <a:rPr lang="en-AU" dirty="0"/>
-              <a:t>had highest UV index and in </a:t>
-            </a:r>
-            <a:r>
-              <a:rPr lang="en-AU" dirty="0">
-                <a:highlight>
-                  <a:srgbClr val="FFFF00"/>
-                </a:highlight>
-              </a:rPr>
-              <a:t>month</a:t>
-            </a:r>
-          </a:p>
-          <a:p>
-            <a:pPr marL="285750" indent="-285750">
-              <a:buFont typeface="Arial" panose="020B0604020202020204" pitchFamily="34" charset="0"/>
-              <a:buChar char="•"/>
-            </a:pPr>
-            <a:r>
-              <a:rPr lang="en-AU" dirty="0">
-                <a:highlight>
-                  <a:srgbClr val="FFFF00"/>
-                </a:highlight>
-              </a:rPr>
-              <a:t>In Year 2020, lowest……..</a:t>
-            </a:r>
-          </a:p>
-          <a:p>
-            <a:pPr marL="285750" indent="-285750">
-              <a:buFont typeface="Arial" panose="020B0604020202020204" pitchFamily="34" charset="0"/>
-              <a:buChar char="•"/>
-            </a:pPr>
-            <a:r>
-              <a:rPr lang="en-AU" dirty="0"/>
-              <a:t>The average UV index in 2020 summer was </a:t>
-            </a:r>
-            <a:r>
-              <a:rPr lang="en-AU" dirty="0">
-                <a:highlight>
-                  <a:srgbClr val="FFFF00"/>
-                </a:highlight>
-              </a:rPr>
-              <a:t>1</a:t>
-            </a:r>
-            <a:r>
-              <a:rPr lang="en-AU" dirty="0"/>
-              <a:t> ,  autumn was </a:t>
-            </a:r>
-            <a:r>
-              <a:rPr lang="en-AU" dirty="0">
-                <a:highlight>
-                  <a:srgbClr val="FFFF00"/>
-                </a:highlight>
-              </a:rPr>
-              <a:t>1</a:t>
-            </a:r>
-            <a:r>
-              <a:rPr lang="en-AU" dirty="0"/>
-              <a:t>, winter was </a:t>
-            </a:r>
-            <a:r>
-              <a:rPr lang="en-AU" dirty="0">
-                <a:highlight>
-                  <a:srgbClr val="FFFF00"/>
-                </a:highlight>
-              </a:rPr>
-              <a:t>1</a:t>
-            </a:r>
-            <a:r>
-              <a:rPr lang="en-AU" dirty="0"/>
-              <a:t> and spring was </a:t>
-            </a:r>
-            <a:r>
-              <a:rPr lang="en-AU" dirty="0">
-                <a:highlight>
-                  <a:srgbClr val="FFFF00"/>
-                </a:highlight>
-              </a:rPr>
-              <a:t>1.</a:t>
-            </a:r>
-          </a:p>
-          <a:p>
-            <a:pPr marL="285750" indent="-285750">
-              <a:buFont typeface="Arial" panose="020B0604020202020204" pitchFamily="34" charset="0"/>
-              <a:buChar char="•"/>
-            </a:pPr>
-            <a:endParaRPr lang="en-AU" dirty="0">
-              <a:highlight>
-                <a:srgbClr val="FFFF00"/>
-              </a:highlight>
-            </a:endParaRPr>
-          </a:p>
-          <a:p>
-            <a:pPr marL="285750" indent="-285750">
-              <a:buFont typeface="Arial" panose="020B0604020202020204" pitchFamily="34" charset="0"/>
-              <a:buChar char="•"/>
-            </a:pPr>
-            <a:endParaRPr lang="en-AU" dirty="0">
-              <a:highlight>
-                <a:srgbClr val="FFFF00"/>
-              </a:highlight>
-            </a:endParaRPr>
-          </a:p>
-          <a:p>
-            <a:pPr marL="285750" indent="-285750">
-              <a:buFont typeface="Arial" panose="020B0604020202020204" pitchFamily="34" charset="0"/>
-              <a:buChar char="•"/>
-            </a:pPr>
-            <a:r>
-              <a:rPr lang="en-AU" dirty="0"/>
-              <a:t>In the next 8 days, the forecast UV index is between </a:t>
-            </a:r>
-            <a:r>
-              <a:rPr lang="en-AU" dirty="0">
-                <a:highlight>
-                  <a:srgbClr val="FFFF00"/>
-                </a:highlight>
-              </a:rPr>
-              <a:t>………</a:t>
-            </a:r>
-          </a:p>
-          <a:p>
-            <a:pPr marL="285750" indent="-285750">
-              <a:buFont typeface="Arial" panose="020B0604020202020204" pitchFamily="34" charset="0"/>
-              <a:buChar char="•"/>
-            </a:pPr>
-            <a:r>
-              <a:rPr lang="en-AU" dirty="0">
-                <a:highlight>
-                  <a:srgbClr val="FFFF00"/>
-                </a:highlight>
-              </a:rPr>
-              <a:t>Through this analysis, we hope that we have raised awareness of the high UV index in WA throughout the year. </a:t>
-            </a:r>
-          </a:p>
-          <a:p>
-            <a:pPr marL="285750" indent="-285750">
-              <a:buFont typeface="Arial" panose="020B0604020202020204" pitchFamily="34" charset="0"/>
-              <a:buChar char="•"/>
-            </a:pPr>
-            <a:r>
-              <a:rPr lang="en-AU" dirty="0"/>
-              <a:t>In general, WA has very high UV index. Therefore it is important that we always practise Slip, Slop, Slap, Seek and Slide.</a:t>
-            </a:r>
-          </a:p>
-          <a:p>
-            <a:pPr marL="285750" indent="-285750">
-              <a:buFont typeface="Arial" panose="020B0604020202020204" pitchFamily="34" charset="0"/>
-              <a:buChar char="•"/>
-            </a:pPr>
-            <a:endParaRPr lang="en-AU" dirty="0"/>
-          </a:p>
-        </p:txBody>
-      </p:sp>
-      <p:pic>
-        <p:nvPicPr>
-          <p:cNvPr id="9" name="Online Media 8" title="Slip, Slop, Slap, Seek and Slide - SunSmart Sid the Seagull Video">
-            <a:hlinkClick r:id="" action="ppaction://media"/>
-            <a:extLst>
-              <a:ext uri="{FF2B5EF4-FFF2-40B4-BE49-F238E27FC236}">
-                <a16:creationId xmlns:a16="http://schemas.microsoft.com/office/drawing/2014/main" id="{59B96C2D-375A-4DB1-9276-858D775E913D}"/>
-              </a:ext>
-            </a:extLst>
-          </p:cNvPr>
-          <p:cNvPicPr>
-            <a:picLocks noRot="1" noChangeAspect="1"/>
-          </p:cNvPicPr>
-          <p:nvPr>
-            <a:videoFile r:link="rId1"/>
-          </p:nvPr>
-        </p:nvPicPr>
-        <p:blipFill>
-          <a:blip r:embed="rId4"/>
-          <a:stretch>
-            <a:fillRect/>
-          </a:stretch>
-        </p:blipFill>
-        <p:spPr>
-          <a:xfrm>
-            <a:off x="9117218" y="4910141"/>
-            <a:ext cx="2540000" cy="1435100"/>
+            <a:off x="1835963" y="2103936"/>
+            <a:ext cx="1733550" cy="2638425"/>
           </a:xfrm>
           <a:prstGeom prst="rect">
             <a:avLst/>
@@ -10093,148 +13773,13 @@
     </p:spTree>
     <p:extLst>
       <p:ext uri="{BB962C8B-B14F-4D97-AF65-F5344CB8AC3E}">
-        <p14:creationId xmlns:p14="http://schemas.microsoft.com/office/powerpoint/2010/main" val="3994323781"/>
+        <p14:creationId xmlns:p14="http://schemas.microsoft.com/office/powerpoint/2010/main" val="506925295"/>
       </p:ext>
     </p:extLst>
   </p:cSld>
   <p:clrMapOvr>
     <a:masterClrMapping/>
   </p:clrMapOvr>
-  <p:timing>
-    <p:tnLst>
-      <p:par>
-        <p:cTn id="1" dur="indefinite" restart="never" nodeType="tmRoot">
-          <p:childTnLst>
-            <p:seq concurrent="1" nextAc="seek">
-              <p:cTn id="2" dur="indefinite" nodeType="mainSeq">
-                <p:childTnLst>
-                  <p:par>
-                    <p:cTn id="3" fill="hold">
-                      <p:stCondLst>
-                        <p:cond delay="indefinite"/>
-                      </p:stCondLst>
-                      <p:childTnLst>
-                        <p:par>
-                          <p:cTn id="4" fill="hold">
-                            <p:stCondLst>
-                              <p:cond delay="0"/>
-                            </p:stCondLst>
-                            <p:childTnLst>
-                              <p:par>
-                                <p:cTn id="5" presetID="1" presetClass="mediacall" presetSubtype="0" fill="hold" nodeType="clickEffect">
-                                  <p:stCondLst>
-                                    <p:cond delay="0"/>
-                                  </p:stCondLst>
-                                  <p:childTnLst>
-                                    <p:cmd type="call" cmd="playFrom(0.0)">
-                                      <p:cBhvr>
-                                        <p:cTn id="6" dur="1" fill="hold"/>
-                                        <p:tgtEl>
-                                          <p:spTgt spid="9"/>
-                                        </p:tgtEl>
-                                      </p:cBhvr>
-                                    </p:cmd>
-                                  </p:childTnLst>
-                                </p:cTn>
-                              </p:par>
-                            </p:childTnLst>
-                          </p:cTn>
-                        </p:par>
-                      </p:childTnLst>
-                    </p:cTn>
-                  </p:par>
-                </p:childTnLst>
-              </p:cTn>
-              <p:prevCondLst>
-                <p:cond evt="onPrev" delay="0">
-                  <p:tgtEl>
-                    <p:sldTgt/>
-                  </p:tgtEl>
-                </p:cond>
-              </p:prevCondLst>
-              <p:nextCondLst>
-                <p:cond evt="onNext" delay="0">
-                  <p:tgtEl>
-                    <p:sldTgt/>
-                  </p:tgtEl>
-                </p:cond>
-              </p:nextCondLst>
-            </p:seq>
-            <p:video>
-              <p:cMediaNode vol="80000">
-                <p:cTn id="7" fill="hold" display="0">
-                  <p:stCondLst>
-                    <p:cond delay="indefinite"/>
-                  </p:stCondLst>
-                </p:cTn>
-                <p:tgtEl>
-                  <p:spTgt spid="9"/>
-                </p:tgtEl>
-              </p:cMediaNode>
-            </p:video>
-            <p:seq concurrent="1" nextAc="seek">
-              <p:cTn id="8" restart="whenNotActive" fill="hold" evtFilter="cancelBubble" nodeType="interactiveSeq">
-                <p:stCondLst>
-                  <p:cond evt="onClick" delay="0">
-                    <p:tgtEl>
-                      <p:spTgt spid="9"/>
-                    </p:tgtEl>
-                  </p:cond>
-                </p:stCondLst>
-                <p:endSync evt="end" delay="0">
-                  <p:rtn val="all"/>
-                </p:endSync>
-                <p:childTnLst>
-                  <p:par>
-                    <p:cTn id="9" fill="hold">
-                      <p:stCondLst>
-                        <p:cond delay="0"/>
-                      </p:stCondLst>
-                      <p:childTnLst>
-                        <p:par>
-                          <p:cTn id="10" fill="hold">
-                            <p:stCondLst>
-                              <p:cond delay="0"/>
-                            </p:stCondLst>
-                            <p:childTnLst>
-                              <p:par>
-                                <p:cTn id="11" presetID="2" presetClass="mediacall" presetSubtype="0" fill="hold" nodeType="clickEffect">
-                                  <p:stCondLst>
-                                    <p:cond delay="0"/>
-                                  </p:stCondLst>
-                                  <p:childTnLst>
-                                    <p:cmd type="call" cmd="togglePause">
-                                      <p:cBhvr>
-                                        <p:cTn id="12" dur="1" fill="hold"/>
-                                        <p:tgtEl>
-                                          <p:spTgt spid="9"/>
-                                        </p:tgtEl>
-                                      </p:cBhvr>
-                                    </p:cmd>
-                                  </p:childTnLst>
-                                </p:cTn>
-                              </p:par>
-                            </p:childTnLst>
-                          </p:cTn>
-                        </p:par>
-                      </p:childTnLst>
-                    </p:cTn>
-                  </p:par>
-                </p:childTnLst>
-              </p:cTn>
-              <p:nextCondLst>
-                <p:cond evt="onClick" delay="0">
-                  <p:tgtEl>
-                    <p:spTgt spid="9"/>
-                  </p:tgtEl>
-                </p:cond>
-              </p:nextCondLst>
-            </p:seq>
-          </p:childTnLst>
-        </p:cTn>
-      </p:par>
-    </p:tnLst>
-  </p:timing>
 </p:sld>
 </file>
 

--- a/Presentation.pptx
+++ b/Presentation.pptx
@@ -5,7 +5,7 @@
     <p:sldMasterId id="2147483648" r:id="rId1"/>
   </p:sldMasterIdLst>
   <p:notesMasterIdLst>
-    <p:notesMasterId r:id="rId14"/>
+    <p:notesMasterId r:id="rId15"/>
   </p:notesMasterIdLst>
   <p:sldIdLst>
     <p:sldId id="259" r:id="rId2"/>
@@ -16,10 +16,11 @@
     <p:sldId id="257" r:id="rId7"/>
     <p:sldId id="265" r:id="rId8"/>
     <p:sldId id="267" r:id="rId9"/>
-    <p:sldId id="269" r:id="rId10"/>
-    <p:sldId id="270" r:id="rId11"/>
-    <p:sldId id="271" r:id="rId12"/>
-    <p:sldId id="268" r:id="rId13"/>
+    <p:sldId id="272" r:id="rId10"/>
+    <p:sldId id="269" r:id="rId11"/>
+    <p:sldId id="270" r:id="rId12"/>
+    <p:sldId id="271" r:id="rId13"/>
+    <p:sldId id="268" r:id="rId14"/>
   </p:sldIdLst>
   <p:sldSz cx="12192000" cy="6858000"/>
   <p:notesSz cx="6858000" cy="9144000"/>
@@ -208,7 +209,7 @@
           <a:p>
             <a:fld id="{8E63DB8F-7BA9-4377-BF43-F352F0E3C955}" type="datetimeFigureOut">
               <a:rPr lang="en-AU" smtClean="0"/>
-              <a:t>20/01/2021</a:t>
+              <a:t>21/01/2021</a:t>
             </a:fld>
             <a:endParaRPr lang="en-AU"/>
           </a:p>
@@ -625,7 +626,7 @@
           <a:p>
             <a:fld id="{FAEA6AAD-3CE8-4827-A1C5-AE4D29CCBB82}" type="datetimeFigureOut">
               <a:rPr lang="en-AU" smtClean="0"/>
-              <a:t>20/01/2021</a:t>
+              <a:t>21/01/2021</a:t>
             </a:fld>
             <a:endParaRPr lang="en-AU"/>
           </a:p>
@@ -825,7 +826,7 @@
           <a:p>
             <a:fld id="{FAEA6AAD-3CE8-4827-A1C5-AE4D29CCBB82}" type="datetimeFigureOut">
               <a:rPr lang="en-AU" smtClean="0"/>
-              <a:t>20/01/2021</a:t>
+              <a:t>21/01/2021</a:t>
             </a:fld>
             <a:endParaRPr lang="en-AU"/>
           </a:p>
@@ -1035,7 +1036,7 @@
           <a:p>
             <a:fld id="{FAEA6AAD-3CE8-4827-A1C5-AE4D29CCBB82}" type="datetimeFigureOut">
               <a:rPr lang="en-AU" smtClean="0"/>
-              <a:t>20/01/2021</a:t>
+              <a:t>21/01/2021</a:t>
             </a:fld>
             <a:endParaRPr lang="en-AU"/>
           </a:p>
@@ -1235,7 +1236,7 @@
           <a:p>
             <a:fld id="{FAEA6AAD-3CE8-4827-A1C5-AE4D29CCBB82}" type="datetimeFigureOut">
               <a:rPr lang="en-AU" smtClean="0"/>
-              <a:t>20/01/2021</a:t>
+              <a:t>21/01/2021</a:t>
             </a:fld>
             <a:endParaRPr lang="en-AU"/>
           </a:p>
@@ -1511,7 +1512,7 @@
           <a:p>
             <a:fld id="{FAEA6AAD-3CE8-4827-A1C5-AE4D29CCBB82}" type="datetimeFigureOut">
               <a:rPr lang="en-AU" smtClean="0"/>
-              <a:t>20/01/2021</a:t>
+              <a:t>21/01/2021</a:t>
             </a:fld>
             <a:endParaRPr lang="en-AU"/>
           </a:p>
@@ -1779,7 +1780,7 @@
           <a:p>
             <a:fld id="{FAEA6AAD-3CE8-4827-A1C5-AE4D29CCBB82}" type="datetimeFigureOut">
               <a:rPr lang="en-AU" smtClean="0"/>
-              <a:t>20/01/2021</a:t>
+              <a:t>21/01/2021</a:t>
             </a:fld>
             <a:endParaRPr lang="en-AU"/>
           </a:p>
@@ -2194,7 +2195,7 @@
           <a:p>
             <a:fld id="{FAEA6AAD-3CE8-4827-A1C5-AE4D29CCBB82}" type="datetimeFigureOut">
               <a:rPr lang="en-AU" smtClean="0"/>
-              <a:t>20/01/2021</a:t>
+              <a:t>21/01/2021</a:t>
             </a:fld>
             <a:endParaRPr lang="en-AU"/>
           </a:p>
@@ -2336,7 +2337,7 @@
           <a:p>
             <a:fld id="{FAEA6AAD-3CE8-4827-A1C5-AE4D29CCBB82}" type="datetimeFigureOut">
               <a:rPr lang="en-AU" smtClean="0"/>
-              <a:t>20/01/2021</a:t>
+              <a:t>21/01/2021</a:t>
             </a:fld>
             <a:endParaRPr lang="en-AU"/>
           </a:p>
@@ -2449,7 +2450,7 @@
           <a:p>
             <a:fld id="{FAEA6AAD-3CE8-4827-A1C5-AE4D29CCBB82}" type="datetimeFigureOut">
               <a:rPr lang="en-AU" smtClean="0"/>
-              <a:t>20/01/2021</a:t>
+              <a:t>21/01/2021</a:t>
             </a:fld>
             <a:endParaRPr lang="en-AU"/>
           </a:p>
@@ -2762,7 +2763,7 @@
           <a:p>
             <a:fld id="{FAEA6AAD-3CE8-4827-A1C5-AE4D29CCBB82}" type="datetimeFigureOut">
               <a:rPr lang="en-AU" smtClean="0"/>
-              <a:t>20/01/2021</a:t>
+              <a:t>21/01/2021</a:t>
             </a:fld>
             <a:endParaRPr lang="en-AU"/>
           </a:p>
@@ -3051,7 +3052,7 @@
           <a:p>
             <a:fld id="{FAEA6AAD-3CE8-4827-A1C5-AE4D29CCBB82}" type="datetimeFigureOut">
               <a:rPr lang="en-AU" smtClean="0"/>
-              <a:t>20/01/2021</a:t>
+              <a:t>21/01/2021</a:t>
             </a:fld>
             <a:endParaRPr lang="en-AU"/>
           </a:p>
@@ -3294,7 +3295,7 @@
           <a:p>
             <a:fld id="{FAEA6AAD-3CE8-4827-A1C5-AE4D29CCBB82}" type="datetimeFigureOut">
               <a:rPr lang="en-AU" smtClean="0"/>
-              <a:t>20/01/2021</a:t>
+              <a:t>21/01/2021</a:t>
             </a:fld>
             <a:endParaRPr lang="en-AU"/>
           </a:p>
@@ -4718,8 +4719,8 @@
         </p:nvSpPr>
         <p:spPr>
           <a:xfrm>
-            <a:off x="1625555" y="-25097"/>
-            <a:ext cx="8865119" cy="1754326"/>
+            <a:off x="1522098" y="66275"/>
+            <a:ext cx="8865120" cy="1754326"/>
           </a:xfrm>
           <a:prstGeom prst="rect">
             <a:avLst/>
@@ -4773,7 +4774,7 @@
         </p:nvSpPr>
         <p:spPr>
           <a:xfrm>
-            <a:off x="4007780" y="1929131"/>
+            <a:off x="3786299" y="1929131"/>
             <a:ext cx="4589070" cy="3231654"/>
           </a:xfrm>
           <a:prstGeom prst="rect">
@@ -4794,25 +4795,25 @@
           <a:p>
             <a:r>
               <a:rPr lang="en-AU" sz="2400" b="1" dirty="0"/>
-              <a:t>The lowest UV Index in Year 2020</a:t>
+              <a:t>The highest UV Index in Year 2020</a:t>
             </a:r>
           </a:p>
           <a:p>
             <a:r>
               <a:rPr lang="en-AU" dirty="0"/>
-              <a:t>City:            Albany</a:t>
+              <a:t>City:             Halls Creek</a:t>
             </a:r>
           </a:p>
           <a:p>
             <a:r>
               <a:rPr lang="en-AU" dirty="0"/>
-              <a:t>UV index:   1.87</a:t>
+              <a:t>UV index:   18.21</a:t>
             </a:r>
           </a:p>
           <a:p>
             <a:r>
               <a:rPr lang="en-AU" dirty="0"/>
-              <a:t>Date:           13</a:t>
+              <a:t>Date:           20</a:t>
             </a:r>
             <a:r>
               <a:rPr lang="en-AU" baseline="30000" dirty="0"/>
@@ -4820,7 +4821,7 @@
             </a:r>
             <a:r>
               <a:rPr lang="en-AU" dirty="0"/>
-              <a:t> June 2020</a:t>
+              <a:t> December 2020</a:t>
             </a:r>
           </a:p>
           <a:p>
@@ -4829,37 +4830,37 @@
           <a:p>
             <a:r>
               <a:rPr lang="en-AU" i="1" u="sng" dirty="0"/>
-              <a:t>Average UV index in Albany:</a:t>
+              <a:t>Average UV index in Halls Creek:</a:t>
             </a:r>
           </a:p>
           <a:p>
             <a:r>
               <a:rPr lang="en-AU" dirty="0"/>
-              <a:t>Average:  6.92</a:t>
+              <a:t>Average:  11.74</a:t>
             </a:r>
           </a:p>
           <a:p>
             <a:r>
               <a:rPr lang="en-AU" dirty="0"/>
-              <a:t>Winter:    2.64</a:t>
+              <a:t>Winter:    7.6</a:t>
             </a:r>
           </a:p>
           <a:p>
             <a:r>
               <a:rPr lang="en-AU" dirty="0"/>
-              <a:t>Spring:     7.82</a:t>
+              <a:t>Spring:     13.43</a:t>
             </a:r>
           </a:p>
           <a:p>
             <a:r>
               <a:rPr lang="en-AU" dirty="0"/>
-              <a:t>Summer: 11.98</a:t>
+              <a:t>Summer: 15.30</a:t>
             </a:r>
           </a:p>
           <a:p>
             <a:r>
               <a:rPr lang="en-AU" dirty="0"/>
-              <a:t>Autumn:  5.37</a:t>
+              <a:t>Autumn:  10.71</a:t>
             </a:r>
           </a:p>
         </p:txBody>
@@ -4886,7 +4887,7 @@
         </p:blipFill>
         <p:spPr>
           <a:xfrm>
-            <a:off x="1878490" y="5206402"/>
+            <a:off x="0" y="5309032"/>
             <a:ext cx="5617018" cy="1548968"/>
           </a:xfrm>
           <a:prstGeom prst="rect">
@@ -4896,10 +4897,10 @@
       </p:pic>
       <p:pic>
         <p:nvPicPr>
-          <p:cNvPr id="5" name="Picture 4">
-            <a:extLst>
-              <a:ext uri="{FF2B5EF4-FFF2-40B4-BE49-F238E27FC236}">
-                <a16:creationId xmlns:a16="http://schemas.microsoft.com/office/drawing/2014/main" id="{B639BF47-B381-4A22-A71D-7742A9AA03D0}"/>
+          <p:cNvPr id="3" name="Picture 2">
+            <a:extLst>
+              <a:ext uri="{FF2B5EF4-FFF2-40B4-BE49-F238E27FC236}">
+                <a16:creationId xmlns:a16="http://schemas.microsoft.com/office/drawing/2014/main" id="{96BAB319-8EEB-416F-B40C-A26130B75340}"/>
               </a:ext>
             </a:extLst>
           </p:cNvPr>
@@ -4916,7 +4917,7 @@
         </p:blipFill>
         <p:spPr>
           <a:xfrm>
-            <a:off x="2002197" y="2206587"/>
+            <a:off x="1835963" y="2103936"/>
             <a:ext cx="1733550" cy="2638425"/>
           </a:xfrm>
           <a:prstGeom prst="rect">
@@ -4927,7 +4928,7 @@
     </p:spTree>
     <p:extLst>
       <p:ext uri="{BB962C8B-B14F-4D97-AF65-F5344CB8AC3E}">
-        <p14:creationId xmlns:p14="http://schemas.microsoft.com/office/powerpoint/2010/main" val="1733113294"/>
+        <p14:creationId xmlns:p14="http://schemas.microsoft.com/office/powerpoint/2010/main" val="506925295"/>
       </p:ext>
     </p:extLst>
   </p:cSld>
@@ -5525,7 +5526,7 @@
         </p:nvSpPr>
         <p:spPr>
           <a:xfrm>
-            <a:off x="1522099" y="5984"/>
+            <a:off x="1625555" y="-25097"/>
             <a:ext cx="8865119" cy="1754326"/>
           </a:xfrm>
           <a:prstGeom prst="rect">
@@ -5562,6 +5563,111 @@
                 </a:solidFill>
               </a:rPr>
               <a:t>Analysis Conclusion/Summary</a:t>
+            </a:r>
+          </a:p>
+        </p:txBody>
+      </p:sp>
+      <p:sp>
+        <p:nvSpPr>
+          <p:cNvPr id="7" name="TextBox 6">
+            <a:extLst>
+              <a:ext uri="{FF2B5EF4-FFF2-40B4-BE49-F238E27FC236}">
+                <a16:creationId xmlns:a16="http://schemas.microsoft.com/office/drawing/2014/main" id="{9606B31D-BF23-403C-9DF1-B9C735320B41}"/>
+              </a:ext>
+            </a:extLst>
+          </p:cNvPr>
+          <p:cNvSpPr txBox="1"/>
+          <p:nvPr/>
+        </p:nvSpPr>
+        <p:spPr>
+          <a:xfrm>
+            <a:off x="4007780" y="1929131"/>
+            <a:ext cx="4589070" cy="3231654"/>
+          </a:xfrm>
+          <a:prstGeom prst="rect">
+            <a:avLst/>
+          </a:prstGeom>
+          <a:noFill/>
+          <a:ln>
+            <a:solidFill>
+              <a:schemeClr val="accent1"/>
+            </a:solidFill>
+          </a:ln>
+        </p:spPr>
+        <p:txBody>
+          <a:bodyPr wrap="square" rtlCol="0">
+            <a:spAutoFit/>
+          </a:bodyPr>
+          <a:lstStyle/>
+          <a:p>
+            <a:r>
+              <a:rPr lang="en-AU" sz="2400" b="1" dirty="0"/>
+              <a:t>The lowest UV Index in Year 2020</a:t>
+            </a:r>
+          </a:p>
+          <a:p>
+            <a:r>
+              <a:rPr lang="en-AU" dirty="0"/>
+              <a:t>City:            Albany</a:t>
+            </a:r>
+          </a:p>
+          <a:p>
+            <a:r>
+              <a:rPr lang="en-AU" dirty="0"/>
+              <a:t>UV index:   1.87</a:t>
+            </a:r>
+          </a:p>
+          <a:p>
+            <a:r>
+              <a:rPr lang="en-AU" dirty="0"/>
+              <a:t>Date:           13</a:t>
+            </a:r>
+            <a:r>
+              <a:rPr lang="en-AU" baseline="30000" dirty="0"/>
+              <a:t>th</a:t>
+            </a:r>
+            <a:r>
+              <a:rPr lang="en-AU" dirty="0"/>
+              <a:t> June 2020</a:t>
+            </a:r>
+          </a:p>
+          <a:p>
+            <a:endParaRPr lang="en-AU" dirty="0"/>
+          </a:p>
+          <a:p>
+            <a:r>
+              <a:rPr lang="en-AU" i="1" u="sng" dirty="0"/>
+              <a:t>Average UV index in Albany:</a:t>
+            </a:r>
+          </a:p>
+          <a:p>
+            <a:r>
+              <a:rPr lang="en-AU" dirty="0"/>
+              <a:t>Average:  6.92</a:t>
+            </a:r>
+          </a:p>
+          <a:p>
+            <a:r>
+              <a:rPr lang="en-AU" dirty="0"/>
+              <a:t>Winter:    2.64</a:t>
+            </a:r>
+          </a:p>
+          <a:p>
+            <a:r>
+              <a:rPr lang="en-AU" dirty="0"/>
+              <a:t>Spring:     7.82</a:t>
+            </a:r>
+          </a:p>
+          <a:p>
+            <a:r>
+              <a:rPr lang="en-AU" dirty="0"/>
+              <a:t>Summer: 11.98</a:t>
+            </a:r>
+          </a:p>
+          <a:p>
+            <a:r>
+              <a:rPr lang="en-AU" dirty="0"/>
+              <a:t>Autumn:  5.37</a:t>
             </a:r>
           </a:p>
         </p:txBody>
@@ -5618,7 +5724,709 @@
         </p:blipFill>
         <p:spPr>
           <a:xfrm>
-            <a:off x="8751061" y="2525262"/>
+            <a:off x="2002197" y="2206587"/>
+            <a:ext cx="1733550" cy="2638425"/>
+          </a:xfrm>
+          <a:prstGeom prst="rect">
+            <a:avLst/>
+          </a:prstGeom>
+        </p:spPr>
+      </p:pic>
+    </p:spTree>
+    <p:extLst>
+      <p:ext uri="{BB962C8B-B14F-4D97-AF65-F5344CB8AC3E}">
+        <p14:creationId xmlns:p14="http://schemas.microsoft.com/office/powerpoint/2010/main" val="1733113294"/>
+      </p:ext>
+    </p:extLst>
+  </p:cSld>
+  <p:clrMapOvr>
+    <a:masterClrMapping/>
+  </p:clrMapOvr>
+</p:sld>
+</file>
+
+<file path=ppt/slides/slide12.xml><?xml version="1.0" encoding="utf-8"?>
+<p:sld xmlns:a="http://schemas.openxmlformats.org/drawingml/2006/main" xmlns:r="http://schemas.openxmlformats.org/officeDocument/2006/relationships" xmlns:p="http://schemas.openxmlformats.org/presentationml/2006/main">
+  <p:cSld>
+    <p:bg>
+      <p:bgPr>
+        <a:solidFill>
+          <a:schemeClr val="bg1"/>
+        </a:solidFill>
+        <a:effectLst/>
+      </p:bgPr>
+    </p:bg>
+    <p:spTree>
+      <p:nvGrpSpPr>
+        <p:cNvPr id="1" name=""/>
+        <p:cNvGrpSpPr/>
+        <p:nvPr/>
+      </p:nvGrpSpPr>
+      <p:grpSpPr>
+        <a:xfrm>
+          <a:off x="0" y="0"/>
+          <a:ext cx="0" cy="0"/>
+          <a:chOff x="0" y="0"/>
+          <a:chExt cx="0" cy="0"/>
+        </a:xfrm>
+      </p:grpSpPr>
+      <p:sp>
+        <p:nvSpPr>
+          <p:cNvPr id="8" name="Rectangle 7">
+            <a:extLst>
+              <a:ext uri="{FF2B5EF4-FFF2-40B4-BE49-F238E27FC236}">
+                <a16:creationId xmlns:a16="http://schemas.microsoft.com/office/drawing/2014/main" id="{F3060C83-F051-4F0E-ABAD-AA0DFC48B218}"/>
+              </a:ext>
+              <a:ext uri="{C183D7F6-B498-43B3-948B-1728B52AA6E4}">
+                <adec:decorative xmlns:adec="http://schemas.microsoft.com/office/drawing/2017/decorative" val="1"/>
+              </a:ext>
+            </a:extLst>
+          </p:cNvPr>
+          <p:cNvSpPr>
+            <a:spLocks noGrp="1" noRot="1" noChangeAspect="1" noMove="1" noResize="1" noEditPoints="1" noAdjustHandles="1" noChangeArrowheads="1" noChangeShapeType="1" noTextEdit="1"/>
+          </p:cNvSpPr>
+          <p:nvPr>
+            <p:extLst>
+              <p:ext uri="{386F3935-93C4-4BCD-93E2-E3B085C9AB24}">
+                <p16:designElem xmlns:p16="http://schemas.microsoft.com/office/powerpoint/2015/main" val="1"/>
+              </p:ext>
+            </p:extLst>
+          </p:nvPr>
+        </p:nvSpPr>
+        <p:spPr>
+          <a:xfrm>
+            <a:off x="0" y="0"/>
+            <a:ext cx="12192000" cy="6858000"/>
+          </a:xfrm>
+          <a:prstGeom prst="rect">
+            <a:avLst/>
+          </a:prstGeom>
+          <a:solidFill>
+            <a:schemeClr val="bg1"/>
+          </a:solidFill>
+          <a:ln>
+            <a:noFill/>
+          </a:ln>
+        </p:spPr>
+        <p:style>
+          <a:lnRef idx="2">
+            <a:schemeClr val="accent1">
+              <a:shade val="50000"/>
+            </a:schemeClr>
+          </a:lnRef>
+          <a:fillRef idx="1">
+            <a:schemeClr val="accent1"/>
+          </a:fillRef>
+          <a:effectRef idx="0">
+            <a:schemeClr val="accent1"/>
+          </a:effectRef>
+          <a:fontRef idx="minor">
+            <a:schemeClr val="lt1"/>
+          </a:fontRef>
+        </p:style>
+        <p:txBody>
+          <a:bodyPr rtlCol="0" anchor="ctr"/>
+          <a:lstStyle/>
+          <a:p>
+            <a:pPr algn="ctr"/>
+            <a:endParaRPr lang="en-US" dirty="0"/>
+          </a:p>
+        </p:txBody>
+      </p:sp>
+      <p:sp>
+        <p:nvSpPr>
+          <p:cNvPr id="10" name="Freeform: Shape 9">
+            <a:extLst>
+              <a:ext uri="{FF2B5EF4-FFF2-40B4-BE49-F238E27FC236}">
+                <a16:creationId xmlns:a16="http://schemas.microsoft.com/office/drawing/2014/main" id="{83C98ABE-055B-441F-B07E-44F97F083C39}"/>
+              </a:ext>
+              <a:ext uri="{C183D7F6-B498-43B3-948B-1728B52AA6E4}">
+                <adec:decorative xmlns:adec="http://schemas.microsoft.com/office/drawing/2017/decorative" val="1"/>
+              </a:ext>
+            </a:extLst>
+          </p:cNvPr>
+          <p:cNvSpPr>
+            <a:spLocks noGrp="1" noRot="1" noChangeAspect="1" noMove="1" noResize="1" noEditPoints="1" noAdjustHandles="1" noChangeArrowheads="1" noChangeShapeType="1" noTextEdit="1"/>
+          </p:cNvSpPr>
+          <p:nvPr>
+            <p:extLst>
+              <p:ext uri="{386F3935-93C4-4BCD-93E2-E3B085C9AB24}">
+                <p16:designElem xmlns:p16="http://schemas.microsoft.com/office/powerpoint/2015/main" val="1"/>
+              </p:ext>
+            </p:extLst>
+          </p:nvPr>
+        </p:nvSpPr>
+        <p:spPr>
+          <a:xfrm rot="18900000" flipH="1">
+            <a:off x="-376156" y="-253670"/>
+            <a:ext cx="1827638" cy="1376989"/>
+          </a:xfrm>
+          <a:custGeom>
+            <a:avLst/>
+            <a:gdLst>
+              <a:gd name="connsiteX0" fmla="*/ 0 w 1827638"/>
+              <a:gd name="connsiteY0" fmla="*/ 987379 h 1376989"/>
+              <a:gd name="connsiteX1" fmla="*/ 987379 w 1827638"/>
+              <a:gd name="connsiteY1" fmla="*/ 0 h 1376989"/>
+              <a:gd name="connsiteX2" fmla="*/ 1827638 w 1827638"/>
+              <a:gd name="connsiteY2" fmla="*/ 840260 h 1376989"/>
+              <a:gd name="connsiteX3" fmla="*/ 1827638 w 1827638"/>
+              <a:gd name="connsiteY3" fmla="*/ 1376989 h 1376989"/>
+              <a:gd name="connsiteX4" fmla="*/ 0 w 1827638"/>
+              <a:gd name="connsiteY4" fmla="*/ 1376989 h 1376989"/>
+            </a:gdLst>
+            <a:ahLst/>
+            <a:cxnLst>
+              <a:cxn ang="0">
+                <a:pos x="connsiteX0" y="connsiteY0"/>
+              </a:cxn>
+              <a:cxn ang="0">
+                <a:pos x="connsiteX1" y="connsiteY1"/>
+              </a:cxn>
+              <a:cxn ang="0">
+                <a:pos x="connsiteX2" y="connsiteY2"/>
+              </a:cxn>
+              <a:cxn ang="0">
+                <a:pos x="connsiteX3" y="connsiteY3"/>
+              </a:cxn>
+              <a:cxn ang="0">
+                <a:pos x="connsiteX4" y="connsiteY4"/>
+              </a:cxn>
+            </a:cxnLst>
+            <a:rect l="l" t="t" r="r" b="b"/>
+            <a:pathLst>
+              <a:path w="1827638" h="1376989">
+                <a:moveTo>
+                  <a:pt x="0" y="987379"/>
+                </a:moveTo>
+                <a:lnTo>
+                  <a:pt x="987379" y="0"/>
+                </a:lnTo>
+                <a:lnTo>
+                  <a:pt x="1827638" y="840260"/>
+                </a:lnTo>
+                <a:lnTo>
+                  <a:pt x="1827638" y="1376989"/>
+                </a:lnTo>
+                <a:lnTo>
+                  <a:pt x="0" y="1376989"/>
+                </a:lnTo>
+                <a:close/>
+              </a:path>
+            </a:pathLst>
+          </a:custGeom>
+          <a:solidFill>
+            <a:schemeClr val="accent1">
+              <a:alpha val="30000"/>
+            </a:schemeClr>
+          </a:solidFill>
+          <a:ln>
+            <a:noFill/>
+          </a:ln>
+        </p:spPr>
+        <p:style>
+          <a:lnRef idx="2">
+            <a:schemeClr val="accent1">
+              <a:shade val="50000"/>
+            </a:schemeClr>
+          </a:lnRef>
+          <a:fillRef idx="1">
+            <a:schemeClr val="accent1"/>
+          </a:fillRef>
+          <a:effectRef idx="0">
+            <a:schemeClr val="accent1"/>
+          </a:effectRef>
+          <a:fontRef idx="minor">
+            <a:schemeClr val="lt1"/>
+          </a:fontRef>
+        </p:style>
+        <p:txBody>
+          <a:bodyPr rtlCol="0" anchor="ctr"/>
+          <a:lstStyle/>
+          <a:p>
+            <a:pPr algn="ctr"/>
+            <a:endParaRPr lang="en-US" dirty="0"/>
+          </a:p>
+        </p:txBody>
+      </p:sp>
+      <p:sp>
+        <p:nvSpPr>
+          <p:cNvPr id="12" name="Rectangle 11">
+            <a:extLst>
+              <a:ext uri="{FF2B5EF4-FFF2-40B4-BE49-F238E27FC236}">
+                <a16:creationId xmlns:a16="http://schemas.microsoft.com/office/drawing/2014/main" id="{29FDB030-9B49-4CED-8CCD-4D99382388AC}"/>
+              </a:ext>
+              <a:ext uri="{C183D7F6-B498-43B3-948B-1728B52AA6E4}">
+                <adec:decorative xmlns:adec="http://schemas.microsoft.com/office/drawing/2017/decorative" val="1"/>
+              </a:ext>
+            </a:extLst>
+          </p:cNvPr>
+          <p:cNvSpPr>
+            <a:spLocks noGrp="1" noRot="1" noChangeAspect="1" noMove="1" noResize="1" noEditPoints="1" noAdjustHandles="1" noChangeArrowheads="1" noChangeShapeType="1" noTextEdit="1"/>
+          </p:cNvSpPr>
+          <p:nvPr>
+            <p:extLst>
+              <p:ext uri="{386F3935-93C4-4BCD-93E2-E3B085C9AB24}">
+                <p16:designElem xmlns:p16="http://schemas.microsoft.com/office/powerpoint/2015/main" val="1"/>
+              </p:ext>
+            </p:extLst>
+          </p:nvPr>
+        </p:nvSpPr>
+        <p:spPr>
+          <a:xfrm rot="18900000" flipH="1">
+            <a:off x="891641" y="422146"/>
+            <a:ext cx="645368" cy="645368"/>
+          </a:xfrm>
+          <a:prstGeom prst="rect">
+            <a:avLst/>
+          </a:prstGeom>
+          <a:solidFill>
+            <a:schemeClr val="accent1">
+              <a:alpha val="30000"/>
+            </a:schemeClr>
+          </a:solidFill>
+          <a:ln>
+            <a:noFill/>
+          </a:ln>
+        </p:spPr>
+        <p:style>
+          <a:lnRef idx="2">
+            <a:schemeClr val="accent1">
+              <a:shade val="50000"/>
+            </a:schemeClr>
+          </a:lnRef>
+          <a:fillRef idx="1">
+            <a:schemeClr val="accent1"/>
+          </a:fillRef>
+          <a:effectRef idx="0">
+            <a:schemeClr val="accent1"/>
+          </a:effectRef>
+          <a:fontRef idx="minor">
+            <a:schemeClr val="lt1"/>
+          </a:fontRef>
+        </p:style>
+        <p:txBody>
+          <a:bodyPr rtlCol="0" anchor="ctr"/>
+          <a:lstStyle/>
+          <a:p>
+            <a:pPr algn="ctr"/>
+            <a:endParaRPr lang="en-US"/>
+          </a:p>
+        </p:txBody>
+      </p:sp>
+      <p:sp>
+        <p:nvSpPr>
+          <p:cNvPr id="14" name="Rectangle 13">
+            <a:extLst>
+              <a:ext uri="{FF2B5EF4-FFF2-40B4-BE49-F238E27FC236}">
+                <a16:creationId xmlns:a16="http://schemas.microsoft.com/office/drawing/2014/main" id="{3783CA14-24A1-485C-8B30-D6A5D87987AD}"/>
+              </a:ext>
+              <a:ext uri="{C183D7F6-B498-43B3-948B-1728B52AA6E4}">
+                <adec:decorative xmlns:adec="http://schemas.microsoft.com/office/drawing/2017/decorative" val="1"/>
+              </a:ext>
+            </a:extLst>
+          </p:cNvPr>
+          <p:cNvSpPr>
+            <a:spLocks noGrp="1" noRot="1" noChangeAspect="1" noMove="1" noResize="1" noEditPoints="1" noAdjustHandles="1" noChangeArrowheads="1" noChangeShapeType="1" noTextEdit="1"/>
+          </p:cNvSpPr>
+          <p:nvPr>
+            <p:extLst>
+              <p:ext uri="{386F3935-93C4-4BCD-93E2-E3B085C9AB24}">
+                <p16:designElem xmlns:p16="http://schemas.microsoft.com/office/powerpoint/2015/main" val="1"/>
+              </p:ext>
+            </p:extLst>
+          </p:nvPr>
+        </p:nvSpPr>
+        <p:spPr>
+          <a:xfrm rot="18900000" flipH="1">
+            <a:off x="10043482" y="655140"/>
+            <a:ext cx="687472" cy="687472"/>
+          </a:xfrm>
+          <a:prstGeom prst="rect">
+            <a:avLst/>
+          </a:prstGeom>
+          <a:solidFill>
+            <a:schemeClr val="accent4">
+              <a:alpha val="30000"/>
+            </a:schemeClr>
+          </a:solidFill>
+          <a:ln>
+            <a:noFill/>
+          </a:ln>
+        </p:spPr>
+        <p:style>
+          <a:lnRef idx="2">
+            <a:schemeClr val="accent1">
+              <a:shade val="50000"/>
+            </a:schemeClr>
+          </a:lnRef>
+          <a:fillRef idx="1">
+            <a:schemeClr val="accent1"/>
+          </a:fillRef>
+          <a:effectRef idx="0">
+            <a:schemeClr val="accent1"/>
+          </a:effectRef>
+          <a:fontRef idx="minor">
+            <a:schemeClr val="lt1"/>
+          </a:fontRef>
+        </p:style>
+        <p:txBody>
+          <a:bodyPr rtlCol="0" anchor="ctr"/>
+          <a:lstStyle/>
+          <a:p>
+            <a:pPr algn="ctr"/>
+            <a:endParaRPr lang="en-US"/>
+          </a:p>
+        </p:txBody>
+      </p:sp>
+      <p:sp>
+        <p:nvSpPr>
+          <p:cNvPr id="16" name="Freeform: Shape 15">
+            <a:extLst>
+              <a:ext uri="{FF2B5EF4-FFF2-40B4-BE49-F238E27FC236}">
+                <a16:creationId xmlns:a16="http://schemas.microsoft.com/office/drawing/2014/main" id="{9A97C86A-04D6-40F7-AE84-31AB43E6A846}"/>
+              </a:ext>
+              <a:ext uri="{C183D7F6-B498-43B3-948B-1728B52AA6E4}">
+                <adec:decorative xmlns:adec="http://schemas.microsoft.com/office/drawing/2017/decorative" val="1"/>
+              </a:ext>
+            </a:extLst>
+          </p:cNvPr>
+          <p:cNvSpPr>
+            <a:spLocks noGrp="1" noRot="1" noChangeAspect="1" noMove="1" noResize="1" noEditPoints="1" noAdjustHandles="1" noChangeArrowheads="1" noChangeShapeType="1" noTextEdit="1"/>
+          </p:cNvSpPr>
+          <p:nvPr>
+            <p:extLst>
+              <p:ext uri="{386F3935-93C4-4BCD-93E2-E3B085C9AB24}">
+                <p16:designElem xmlns:p16="http://schemas.microsoft.com/office/powerpoint/2015/main" val="1"/>
+              </p:ext>
+            </p:extLst>
+          </p:nvPr>
+        </p:nvSpPr>
+        <p:spPr>
+          <a:xfrm rot="10800000" flipH="1">
+            <a:off x="9356643" y="0"/>
+            <a:ext cx="2835357" cy="1480837"/>
+          </a:xfrm>
+          <a:custGeom>
+            <a:avLst/>
+            <a:gdLst>
+              <a:gd name="connsiteX0" fmla="*/ 2835357 w 2835357"/>
+              <a:gd name="connsiteY0" fmla="*/ 1480837 h 1480837"/>
+              <a:gd name="connsiteX1" fmla="*/ 0 w 2835357"/>
+              <a:gd name="connsiteY1" fmla="*/ 1480837 h 1480837"/>
+              <a:gd name="connsiteX2" fmla="*/ 1552727 w 2835357"/>
+              <a:gd name="connsiteY2" fmla="*/ 0 h 1480837"/>
+              <a:gd name="connsiteX3" fmla="*/ 2835357 w 2835357"/>
+              <a:gd name="connsiteY3" fmla="*/ 1223245 h 1480837"/>
+            </a:gdLst>
+            <a:ahLst/>
+            <a:cxnLst>
+              <a:cxn ang="0">
+                <a:pos x="connsiteX0" y="connsiteY0"/>
+              </a:cxn>
+              <a:cxn ang="0">
+                <a:pos x="connsiteX1" y="connsiteY1"/>
+              </a:cxn>
+              <a:cxn ang="0">
+                <a:pos x="connsiteX2" y="connsiteY2"/>
+              </a:cxn>
+              <a:cxn ang="0">
+                <a:pos x="connsiteX3" y="connsiteY3"/>
+              </a:cxn>
+            </a:cxnLst>
+            <a:rect l="l" t="t" r="r" b="b"/>
+            <a:pathLst>
+              <a:path w="2835357" h="1480837">
+                <a:moveTo>
+                  <a:pt x="2835357" y="1480837"/>
+                </a:moveTo>
+                <a:lnTo>
+                  <a:pt x="0" y="1480837"/>
+                </a:lnTo>
+                <a:lnTo>
+                  <a:pt x="1552727" y="0"/>
+                </a:lnTo>
+                <a:lnTo>
+                  <a:pt x="2835357" y="1223245"/>
+                </a:lnTo>
+                <a:close/>
+              </a:path>
+            </a:pathLst>
+          </a:custGeom>
+          <a:solidFill>
+            <a:schemeClr val="accent4">
+              <a:alpha val="30000"/>
+            </a:schemeClr>
+          </a:solidFill>
+          <a:ln>
+            <a:noFill/>
+          </a:ln>
+        </p:spPr>
+        <p:style>
+          <a:lnRef idx="2">
+            <a:schemeClr val="accent1">
+              <a:shade val="50000"/>
+            </a:schemeClr>
+          </a:lnRef>
+          <a:fillRef idx="1">
+            <a:schemeClr val="accent1"/>
+          </a:fillRef>
+          <a:effectRef idx="0">
+            <a:schemeClr val="accent1"/>
+          </a:effectRef>
+          <a:fontRef idx="minor">
+            <a:schemeClr val="lt1"/>
+          </a:fontRef>
+        </p:style>
+        <p:txBody>
+          <a:bodyPr wrap="square" rtlCol="0" anchor="ctr">
+            <a:noAutofit/>
+          </a:bodyPr>
+          <a:lstStyle/>
+          <a:p>
+            <a:pPr algn="ctr"/>
+            <a:endParaRPr lang="en-US" dirty="0"/>
+          </a:p>
+        </p:txBody>
+      </p:sp>
+      <p:sp>
+        <p:nvSpPr>
+          <p:cNvPr id="18" name="Isosceles Triangle 17">
+            <a:extLst>
+              <a:ext uri="{FF2B5EF4-FFF2-40B4-BE49-F238E27FC236}">
+                <a16:creationId xmlns:a16="http://schemas.microsoft.com/office/drawing/2014/main" id="{FF9F2414-84E8-453E-B1F3-389FDE8192D9}"/>
+              </a:ext>
+              <a:ext uri="{C183D7F6-B498-43B3-948B-1728B52AA6E4}">
+                <adec:decorative xmlns:adec="http://schemas.microsoft.com/office/drawing/2017/decorative" val="1"/>
+              </a:ext>
+            </a:extLst>
+          </p:cNvPr>
+          <p:cNvSpPr>
+            <a:spLocks noGrp="1" noRot="1" noChangeAspect="1" noMove="1" noResize="1" noEditPoints="1" noAdjustHandles="1" noChangeArrowheads="1" noChangeShapeType="1" noTextEdit="1"/>
+          </p:cNvSpPr>
+          <p:nvPr>
+            <p:extLst>
+              <p:ext uri="{386F3935-93C4-4BCD-93E2-E3B085C9AB24}">
+                <p16:designElem xmlns:p16="http://schemas.microsoft.com/office/powerpoint/2015/main" val="1"/>
+              </p:ext>
+            </p:extLst>
+          </p:nvPr>
+        </p:nvSpPr>
+        <p:spPr>
+          <a:xfrm flipH="1">
+            <a:off x="7976344" y="6115501"/>
+            <a:ext cx="1494513" cy="742499"/>
+          </a:xfrm>
+          <a:prstGeom prst="triangle">
+            <a:avLst/>
+          </a:prstGeom>
+          <a:solidFill>
+            <a:schemeClr val="accent1">
+              <a:alpha val="30000"/>
+            </a:schemeClr>
+          </a:solidFill>
+          <a:ln>
+            <a:noFill/>
+          </a:ln>
+        </p:spPr>
+        <p:style>
+          <a:lnRef idx="2">
+            <a:schemeClr val="accent1">
+              <a:shade val="50000"/>
+            </a:schemeClr>
+          </a:lnRef>
+          <a:fillRef idx="1">
+            <a:schemeClr val="accent1"/>
+          </a:fillRef>
+          <a:effectRef idx="0">
+            <a:schemeClr val="accent1"/>
+          </a:effectRef>
+          <a:fontRef idx="minor">
+            <a:schemeClr val="lt1"/>
+          </a:fontRef>
+        </p:style>
+        <p:txBody>
+          <a:bodyPr rtlCol="0" anchor="ctr"/>
+          <a:lstStyle/>
+          <a:p>
+            <a:pPr algn="ctr"/>
+            <a:endParaRPr lang="en-US"/>
+          </a:p>
+        </p:txBody>
+      </p:sp>
+      <p:sp>
+        <p:nvSpPr>
+          <p:cNvPr id="20" name="Isosceles Triangle 19">
+            <a:extLst>
+              <a:ext uri="{FF2B5EF4-FFF2-40B4-BE49-F238E27FC236}">
+                <a16:creationId xmlns:a16="http://schemas.microsoft.com/office/drawing/2014/main" id="{3ECA69A1-7536-43AC-85EF-C7106179F5ED}"/>
+              </a:ext>
+              <a:ext uri="{C183D7F6-B498-43B3-948B-1728B52AA6E4}">
+                <adec:decorative xmlns:adec="http://schemas.microsoft.com/office/drawing/2017/decorative" val="1"/>
+              </a:ext>
+            </a:extLst>
+          </p:cNvPr>
+          <p:cNvSpPr>
+            <a:spLocks noGrp="1" noRot="1" noChangeAspect="1" noMove="1" noResize="1" noEditPoints="1" noAdjustHandles="1" noChangeArrowheads="1" noChangeShapeType="1" noTextEdit="1"/>
+          </p:cNvSpPr>
+          <p:nvPr>
+            <p:extLst>
+              <p:ext uri="{386F3935-93C4-4BCD-93E2-E3B085C9AB24}">
+                <p16:designElem xmlns:p16="http://schemas.microsoft.com/office/powerpoint/2015/main" val="1"/>
+              </p:ext>
+            </p:extLst>
+          </p:nvPr>
+        </p:nvSpPr>
+        <p:spPr>
+          <a:xfrm flipH="1">
+            <a:off x="7604080" y="6453143"/>
+            <a:ext cx="814903" cy="404857"/>
+          </a:xfrm>
+          <a:prstGeom prst="triangle">
+            <a:avLst/>
+          </a:prstGeom>
+          <a:solidFill>
+            <a:schemeClr val="accent1">
+              <a:alpha val="30000"/>
+            </a:schemeClr>
+          </a:solidFill>
+          <a:ln>
+            <a:noFill/>
+          </a:ln>
+        </p:spPr>
+        <p:style>
+          <a:lnRef idx="2">
+            <a:schemeClr val="accent1">
+              <a:shade val="50000"/>
+            </a:schemeClr>
+          </a:lnRef>
+          <a:fillRef idx="1">
+            <a:schemeClr val="accent1"/>
+          </a:fillRef>
+          <a:effectRef idx="0">
+            <a:schemeClr val="accent1"/>
+          </a:effectRef>
+          <a:fontRef idx="minor">
+            <a:schemeClr val="lt1"/>
+          </a:fontRef>
+        </p:style>
+        <p:txBody>
+          <a:bodyPr rtlCol="0" anchor="ctr"/>
+          <a:lstStyle/>
+          <a:p>
+            <a:pPr algn="ctr"/>
+            <a:endParaRPr lang="en-US"/>
+          </a:p>
+        </p:txBody>
+      </p:sp>
+      <p:sp>
+        <p:nvSpPr>
+          <p:cNvPr id="4" name="TextBox 3">
+            <a:extLst>
+              <a:ext uri="{FF2B5EF4-FFF2-40B4-BE49-F238E27FC236}">
+                <a16:creationId xmlns:a16="http://schemas.microsoft.com/office/drawing/2014/main" id="{775523D8-CAEC-4DFB-B084-BC8DD40E99DD}"/>
+              </a:ext>
+            </a:extLst>
+          </p:cNvPr>
+          <p:cNvSpPr txBox="1"/>
+          <p:nvPr/>
+        </p:nvSpPr>
+        <p:spPr>
+          <a:xfrm>
+            <a:off x="1522099" y="5984"/>
+            <a:ext cx="8865119" cy="1754326"/>
+          </a:xfrm>
+          <a:prstGeom prst="rect">
+            <a:avLst/>
+          </a:prstGeom>
+          <a:noFill/>
+        </p:spPr>
+        <p:txBody>
+          <a:bodyPr wrap="none" rtlCol="0">
+            <a:spAutoFit/>
+          </a:bodyPr>
+          <a:lstStyle/>
+          <a:p>
+            <a:pPr algn="ctr"/>
+            <a:r>
+              <a:rPr lang="en-AU" sz="5400" b="1" dirty="0">
+                <a:solidFill>
+                  <a:schemeClr val="accent6">
+                    <a:lumMod val="75000"/>
+                  </a:schemeClr>
+                </a:solidFill>
+              </a:rPr>
+              <a:t>Western Australia UV Index</a:t>
+            </a:r>
+          </a:p>
+          <a:p>
+            <a:pPr algn="ctr"/>
+            <a:r>
+              <a:rPr lang="en-AU" sz="5400" b="1" dirty="0">
+                <a:solidFill>
+                  <a:schemeClr val="accent6">
+                    <a:lumMod val="75000"/>
+                  </a:schemeClr>
+                </a:solidFill>
+              </a:rPr>
+              <a:t>Analysis Conclusion/Summary</a:t>
+            </a:r>
+          </a:p>
+        </p:txBody>
+      </p:sp>
+      <p:pic>
+        <p:nvPicPr>
+          <p:cNvPr id="2" name="Picture 1">
+            <a:extLst>
+              <a:ext uri="{FF2B5EF4-FFF2-40B4-BE49-F238E27FC236}">
+                <a16:creationId xmlns:a16="http://schemas.microsoft.com/office/drawing/2014/main" id="{60AE3730-15EF-42FC-B236-D1C3BA55B583}"/>
+              </a:ext>
+            </a:extLst>
+          </p:cNvPr>
+          <p:cNvPicPr>
+            <a:picLocks noChangeAspect="1"/>
+          </p:cNvPicPr>
+          <p:nvPr/>
+        </p:nvPicPr>
+        <p:blipFill>
+          <a:blip r:embed="rId2"/>
+          <a:stretch>
+            <a:fillRect/>
+          </a:stretch>
+        </p:blipFill>
+        <p:spPr>
+          <a:xfrm>
+            <a:off x="1878490" y="5206402"/>
+            <a:ext cx="5617018" cy="1548968"/>
+          </a:xfrm>
+          <a:prstGeom prst="rect">
+            <a:avLst/>
+          </a:prstGeom>
+        </p:spPr>
+      </p:pic>
+      <p:pic>
+        <p:nvPicPr>
+          <p:cNvPr id="5" name="Picture 4">
+            <a:extLst>
+              <a:ext uri="{FF2B5EF4-FFF2-40B4-BE49-F238E27FC236}">
+                <a16:creationId xmlns:a16="http://schemas.microsoft.com/office/drawing/2014/main" id="{B639BF47-B381-4A22-A71D-7742A9AA03D0}"/>
+              </a:ext>
+            </a:extLst>
+          </p:cNvPr>
+          <p:cNvPicPr>
+            <a:picLocks noChangeAspect="1"/>
+          </p:cNvPicPr>
+          <p:nvPr/>
+        </p:nvPicPr>
+        <p:blipFill>
+          <a:blip r:embed="rId3"/>
+          <a:stretch>
+            <a:fillRect/>
+          </a:stretch>
+        </p:blipFill>
+        <p:spPr>
+          <a:xfrm>
+            <a:off x="8752558" y="2432651"/>
             <a:ext cx="1733550" cy="2638425"/>
           </a:xfrm>
           <a:prstGeom prst="rect">
@@ -7176,7 +7984,7 @@
 </p:sld>
 </file>
 
-<file path=ppt/slides/slide12.xml><?xml version="1.0" encoding="utf-8"?>
+<file path=ppt/slides/slide13.xml><?xml version="1.0" encoding="utf-8"?>
 <p:sld xmlns:a="http://schemas.openxmlformats.org/drawingml/2006/main" xmlns:r="http://schemas.openxmlformats.org/officeDocument/2006/relationships" xmlns:p="http://schemas.openxmlformats.org/presentationml/2006/main">
   <p:cSld>
     <p:bg>
@@ -13619,8 +14427,8 @@
         </p:nvSpPr>
         <p:spPr>
           <a:xfrm>
-            <a:off x="3786299" y="1929131"/>
-            <a:ext cx="4589070" cy="3231654"/>
+            <a:off x="3801465" y="2298246"/>
+            <a:ext cx="4589070" cy="2123658"/>
           </a:xfrm>
           <a:prstGeom prst="rect">
             <a:avLst/>
@@ -13640,42 +14448,14 @@
           <a:p>
             <a:r>
               <a:rPr lang="en-AU" sz="2400" b="1" dirty="0"/>
-              <a:t>The highest UV Index in Year 2020</a:t>
-            </a:r>
-          </a:p>
-          <a:p>
-            <a:r>
-              <a:rPr lang="en-AU" dirty="0"/>
-              <a:t>City:             Halls Creek</a:t>
-            </a:r>
-          </a:p>
-          <a:p>
-            <a:r>
-              <a:rPr lang="en-AU" dirty="0"/>
-              <a:t>UV index:   18.21</a:t>
-            </a:r>
-          </a:p>
-          <a:p>
-            <a:r>
-              <a:rPr lang="en-AU" dirty="0"/>
-              <a:t>Date:           20</a:t>
-            </a:r>
-            <a:r>
-              <a:rPr lang="en-AU" baseline="30000" dirty="0"/>
-              <a:t>th</a:t>
-            </a:r>
-            <a:r>
-              <a:rPr lang="en-AU" dirty="0"/>
-              <a:t> December 2020</a:t>
-            </a:r>
-          </a:p>
-          <a:p>
+              <a:t>Perth UV Index in Year 2020</a:t>
+            </a:r>
             <a:endParaRPr lang="en-AU" dirty="0"/>
           </a:p>
           <a:p>
             <a:r>
               <a:rPr lang="en-AU" i="1" u="sng" dirty="0"/>
-              <a:t>Average UV index in Halls Creek:</a:t>
+              <a:t>Average UV index in Perth:</a:t>
             </a:r>
           </a:p>
           <a:p>
@@ -13687,25 +14467,25 @@
           <a:p>
             <a:r>
               <a:rPr lang="en-AU" dirty="0"/>
-              <a:t>Winter:    7.6</a:t>
+              <a:t>Winter:    3.40</a:t>
             </a:r>
           </a:p>
           <a:p>
             <a:r>
               <a:rPr lang="en-AU" dirty="0"/>
-              <a:t>Spring:     13.43</a:t>
+              <a:t>Spring:     8.88</a:t>
             </a:r>
           </a:p>
           <a:p>
             <a:r>
               <a:rPr lang="en-AU" dirty="0"/>
-              <a:t>Summer: 15.30</a:t>
+              <a:t>Summer: 12.94</a:t>
             </a:r>
           </a:p>
           <a:p>
             <a:r>
               <a:rPr lang="en-AU" dirty="0"/>
-              <a:t>Autumn:  10.71</a:t>
+              <a:t>Autumn:  6.46</a:t>
             </a:r>
           </a:p>
         </p:txBody>
@@ -13742,10 +14522,10 @@
       </p:pic>
       <p:pic>
         <p:nvPicPr>
-          <p:cNvPr id="3" name="Picture 2">
-            <a:extLst>
-              <a:ext uri="{FF2B5EF4-FFF2-40B4-BE49-F238E27FC236}">
-                <a16:creationId xmlns:a16="http://schemas.microsoft.com/office/drawing/2014/main" id="{96BAB319-8EEB-416F-B40C-A26130B75340}"/>
+          <p:cNvPr id="5" name="Picture 4">
+            <a:extLst>
+              <a:ext uri="{FF2B5EF4-FFF2-40B4-BE49-F238E27FC236}">
+                <a16:creationId xmlns:a16="http://schemas.microsoft.com/office/drawing/2014/main" id="{02727E21-F989-4B3B-BD33-8B65658F3AAF}"/>
               </a:ext>
             </a:extLst>
           </p:cNvPr>
@@ -13762,7 +14542,7 @@
         </p:blipFill>
         <p:spPr>
           <a:xfrm>
-            <a:off x="1835963" y="2103936"/>
+            <a:off x="1670670" y="2119219"/>
             <a:ext cx="1733550" cy="2638425"/>
           </a:xfrm>
           <a:prstGeom prst="rect">
@@ -13773,7 +14553,7 @@
     </p:spTree>
     <p:extLst>
       <p:ext uri="{BB962C8B-B14F-4D97-AF65-F5344CB8AC3E}">
-        <p14:creationId xmlns:p14="http://schemas.microsoft.com/office/powerpoint/2010/main" val="506925295"/>
+        <p14:creationId xmlns:p14="http://schemas.microsoft.com/office/powerpoint/2010/main" val="4019873369"/>
       </p:ext>
     </p:extLst>
   </p:cSld>

--- a/Presentation.pptx
+++ b/Presentation.pptx
@@ -15,7 +15,7 @@
     <p:sldId id="258" r:id="rId6"/>
     <p:sldId id="257" r:id="rId7"/>
     <p:sldId id="265" r:id="rId8"/>
-    <p:sldId id="267" r:id="rId9"/>
+    <p:sldId id="272" r:id="rId9"/>
     <p:sldId id="269" r:id="rId10"/>
     <p:sldId id="270" r:id="rId11"/>
     <p:sldId id="271" r:id="rId12"/>
@@ -208,7 +208,7 @@
           <a:p>
             <a:fld id="{8E63DB8F-7BA9-4377-BF43-F352F0E3C955}" type="datetimeFigureOut">
               <a:rPr lang="en-AU" smtClean="0"/>
-              <a:t>20/01/2021</a:t>
+              <a:t>21/1/21</a:t>
             </a:fld>
             <a:endParaRPr lang="en-AU"/>
           </a:p>
@@ -625,7 +625,7 @@
           <a:p>
             <a:fld id="{FAEA6AAD-3CE8-4827-A1C5-AE4D29CCBB82}" type="datetimeFigureOut">
               <a:rPr lang="en-AU" smtClean="0"/>
-              <a:t>20/01/2021</a:t>
+              <a:t>21/1/21</a:t>
             </a:fld>
             <a:endParaRPr lang="en-AU"/>
           </a:p>
@@ -825,7 +825,7 @@
           <a:p>
             <a:fld id="{FAEA6AAD-3CE8-4827-A1C5-AE4D29CCBB82}" type="datetimeFigureOut">
               <a:rPr lang="en-AU" smtClean="0"/>
-              <a:t>20/01/2021</a:t>
+              <a:t>21/1/21</a:t>
             </a:fld>
             <a:endParaRPr lang="en-AU"/>
           </a:p>
@@ -1035,7 +1035,7 @@
           <a:p>
             <a:fld id="{FAEA6AAD-3CE8-4827-A1C5-AE4D29CCBB82}" type="datetimeFigureOut">
               <a:rPr lang="en-AU" smtClean="0"/>
-              <a:t>20/01/2021</a:t>
+              <a:t>21/1/21</a:t>
             </a:fld>
             <a:endParaRPr lang="en-AU"/>
           </a:p>
@@ -1235,7 +1235,7 @@
           <a:p>
             <a:fld id="{FAEA6AAD-3CE8-4827-A1C5-AE4D29CCBB82}" type="datetimeFigureOut">
               <a:rPr lang="en-AU" smtClean="0"/>
-              <a:t>20/01/2021</a:t>
+              <a:t>21/1/21</a:t>
             </a:fld>
             <a:endParaRPr lang="en-AU"/>
           </a:p>
@@ -1511,7 +1511,7 @@
           <a:p>
             <a:fld id="{FAEA6AAD-3CE8-4827-A1C5-AE4D29CCBB82}" type="datetimeFigureOut">
               <a:rPr lang="en-AU" smtClean="0"/>
-              <a:t>20/01/2021</a:t>
+              <a:t>21/1/21</a:t>
             </a:fld>
             <a:endParaRPr lang="en-AU"/>
           </a:p>
@@ -1779,7 +1779,7 @@
           <a:p>
             <a:fld id="{FAEA6AAD-3CE8-4827-A1C5-AE4D29CCBB82}" type="datetimeFigureOut">
               <a:rPr lang="en-AU" smtClean="0"/>
-              <a:t>20/01/2021</a:t>
+              <a:t>21/1/21</a:t>
             </a:fld>
             <a:endParaRPr lang="en-AU"/>
           </a:p>
@@ -2194,7 +2194,7 @@
           <a:p>
             <a:fld id="{FAEA6AAD-3CE8-4827-A1C5-AE4D29CCBB82}" type="datetimeFigureOut">
               <a:rPr lang="en-AU" smtClean="0"/>
-              <a:t>20/01/2021</a:t>
+              <a:t>21/1/21</a:t>
             </a:fld>
             <a:endParaRPr lang="en-AU"/>
           </a:p>
@@ -2336,7 +2336,7 @@
           <a:p>
             <a:fld id="{FAEA6AAD-3CE8-4827-A1C5-AE4D29CCBB82}" type="datetimeFigureOut">
               <a:rPr lang="en-AU" smtClean="0"/>
-              <a:t>20/01/2021</a:t>
+              <a:t>21/1/21</a:t>
             </a:fld>
             <a:endParaRPr lang="en-AU"/>
           </a:p>
@@ -2449,7 +2449,7 @@
           <a:p>
             <a:fld id="{FAEA6AAD-3CE8-4827-A1C5-AE4D29CCBB82}" type="datetimeFigureOut">
               <a:rPr lang="en-AU" smtClean="0"/>
-              <a:t>20/01/2021</a:t>
+              <a:t>21/1/21</a:t>
             </a:fld>
             <a:endParaRPr lang="en-AU"/>
           </a:p>
@@ -2762,7 +2762,7 @@
           <a:p>
             <a:fld id="{FAEA6AAD-3CE8-4827-A1C5-AE4D29CCBB82}" type="datetimeFigureOut">
               <a:rPr lang="en-AU" smtClean="0"/>
-              <a:t>20/01/2021</a:t>
+              <a:t>21/1/21</a:t>
             </a:fld>
             <a:endParaRPr lang="en-AU"/>
           </a:p>
@@ -3051,7 +3051,7 @@
           <a:p>
             <a:fld id="{FAEA6AAD-3CE8-4827-A1C5-AE4D29CCBB82}" type="datetimeFigureOut">
               <a:rPr lang="en-AU" smtClean="0"/>
-              <a:t>20/01/2021</a:t>
+              <a:t>21/1/21</a:t>
             </a:fld>
             <a:endParaRPr lang="en-AU"/>
           </a:p>
@@ -3128,9 +3128,12 @@
 <p:sldMaster xmlns:a="http://schemas.openxmlformats.org/drawingml/2006/main" xmlns:r="http://schemas.openxmlformats.org/officeDocument/2006/relationships" xmlns:p="http://schemas.openxmlformats.org/presentationml/2006/main">
   <p:cSld>
     <p:bg>
-      <p:bgRef idx="1001">
-        <a:schemeClr val="bg1"/>
-      </p:bgRef>
+      <p:bgPr>
+        <a:solidFill>
+          <a:srgbClr val="C4DFE6"/>
+        </a:solidFill>
+        <a:effectLst/>
+      </p:bgPr>
     </p:bg>
     <p:spTree>
       <p:nvGrpSpPr>
@@ -3294,7 +3297,7 @@
           <a:p>
             <a:fld id="{FAEA6AAD-3CE8-4827-A1C5-AE4D29CCBB82}" type="datetimeFigureOut">
               <a:rPr lang="en-AU" smtClean="0"/>
-              <a:t>20/01/2021</a:t>
+              <a:t>21/1/21</a:t>
             </a:fld>
             <a:endParaRPr lang="en-AU"/>
           </a:p>
@@ -3697,14 +3700,6 @@
 <file path=ppt/slides/slide1.xml><?xml version="1.0" encoding="utf-8"?>
 <p:sld xmlns:a="http://schemas.openxmlformats.org/drawingml/2006/main" xmlns:r="http://schemas.openxmlformats.org/officeDocument/2006/relationships" xmlns:p="http://schemas.openxmlformats.org/presentationml/2006/main">
   <p:cSld>
-    <p:bg>
-      <p:bgPr>
-        <a:solidFill>
-          <a:schemeClr val="bg1"/>
-        </a:solidFill>
-        <a:effectLst/>
-      </p:bgPr>
-    </p:bg>
     <p:spTree>
       <p:nvGrpSpPr>
         <p:cNvPr id="1" name=""/>
@@ -3719,86 +3714,29 @@
           <a:chExt cx="0" cy="0"/>
         </a:xfrm>
       </p:grpSpPr>
-      <p:sp useBgFill="1">
-        <p:nvSpPr>
-          <p:cNvPr id="48" name="Rectangle 24">
-            <a:extLst>
-              <a:ext uri="{FF2B5EF4-FFF2-40B4-BE49-F238E27FC236}">
-                <a16:creationId xmlns:a16="http://schemas.microsoft.com/office/drawing/2014/main" id="{BA79A7CF-01AF-4178-9369-94E0C90EB046}"/>
-              </a:ext>
-              <a:ext uri="{C183D7F6-B498-43B3-948B-1728B52AA6E4}">
-                <adec:decorative xmlns:adec="http://schemas.microsoft.com/office/drawing/2017/decorative" val="1"/>
-              </a:ext>
-            </a:extLst>
-          </p:cNvPr>
-          <p:cNvSpPr>
-            <a:spLocks noGrp="1" noRot="1" noChangeAspect="1" noMove="1" noResize="1" noEditPoints="1" noAdjustHandles="1" noChangeArrowheads="1" noChangeShapeType="1" noTextEdit="1"/>
-          </p:cNvSpPr>
-          <p:nvPr>
-            <p:extLst>
-              <p:ext uri="{386F3935-93C4-4BCD-93E2-E3B085C9AB24}">
-                <p16:designElem xmlns:p16="http://schemas.microsoft.com/office/powerpoint/2015/main" val="1"/>
-              </p:ext>
-            </p:extLst>
-          </p:nvPr>
+      <p:sp>
+        <p:nvSpPr>
+          <p:cNvPr id="4" name="TextBox 3">
+            <a:extLst>
+              <a:ext uri="{FF2B5EF4-FFF2-40B4-BE49-F238E27FC236}">
+                <a16:creationId xmlns:a16="http://schemas.microsoft.com/office/drawing/2014/main" id="{775523D8-CAEC-4DFB-B084-BC8DD40E99DD}"/>
+              </a:ext>
+            </a:extLst>
+          </p:cNvPr>
+          <p:cNvSpPr txBox="1"/>
+          <p:nvPr/>
         </p:nvSpPr>
         <p:spPr>
           <a:xfrm>
-            <a:off x="0" y="0"/>
-            <a:ext cx="12191999" cy="6857365"/>
+            <a:off x="0" y="274054"/>
+            <a:ext cx="12191999" cy="1050325"/>
           </a:xfrm>
           <a:prstGeom prst="rect">
             <a:avLst/>
           </a:prstGeom>
-          <a:ln>
-            <a:noFill/>
-          </a:ln>
-        </p:spPr>
-        <p:style>
-          <a:lnRef idx="2">
-            <a:schemeClr val="accent1">
-              <a:shade val="50000"/>
-            </a:schemeClr>
-          </a:lnRef>
-          <a:fillRef idx="1">
-            <a:schemeClr val="accent1"/>
-          </a:fillRef>
-          <a:effectRef idx="0">
-            <a:schemeClr val="accent1"/>
-          </a:effectRef>
-          <a:fontRef idx="minor">
-            <a:schemeClr val="lt1"/>
-          </a:fontRef>
-        </p:style>
-        <p:txBody>
-          <a:bodyPr rtlCol="0" anchor="ctr"/>
-          <a:lstStyle/>
-          <a:p>
-            <a:pPr algn="ctr"/>
-            <a:endParaRPr lang="en-US"/>
-          </a:p>
-        </p:txBody>
-      </p:sp>
-      <p:sp>
-        <p:nvSpPr>
-          <p:cNvPr id="4" name="TextBox 3">
-            <a:extLst>
-              <a:ext uri="{FF2B5EF4-FFF2-40B4-BE49-F238E27FC236}">
-                <a16:creationId xmlns:a16="http://schemas.microsoft.com/office/drawing/2014/main" id="{775523D8-CAEC-4DFB-B084-BC8DD40E99DD}"/>
-              </a:ext>
-            </a:extLst>
-          </p:cNvPr>
-          <p:cNvSpPr txBox="1"/>
-          <p:nvPr/>
-        </p:nvSpPr>
-        <p:spPr>
-          <a:xfrm>
-            <a:off x="9267909" y="2023110"/>
-            <a:ext cx="2469624" cy="2846070"/>
-          </a:xfrm>
-          <a:prstGeom prst="rect">
-            <a:avLst/>
-          </a:prstGeom>
+          <a:solidFill>
+            <a:srgbClr val="66A5AD"/>
+          </a:solidFill>
         </p:spPr>
         <p:txBody>
           <a:bodyPr vert="horz" lIns="91440" tIns="45720" rIns="91440" bIns="45720" rtlCol="0" anchor="ctr">
@@ -3806,7 +3744,7 @@
           </a:bodyPr>
           <a:lstStyle/>
           <a:p>
-            <a:pPr>
+            <a:pPr algn="ctr">
               <a:lnSpc>
                 <a:spcPct val="90000"/>
               </a:lnSpc>
@@ -3818,76 +3756,118 @@
               </a:spcAft>
             </a:pPr>
             <a:r>
-              <a:rPr lang="en-US" sz="3700" b="1" kern="1200" dirty="0">
-                <a:solidFill>
-                  <a:schemeClr val="tx1"/>
+              <a:rPr lang="en-US" sz="4800" b="1" kern="1200" dirty="0">
+                <a:solidFill>
+                  <a:srgbClr val="003B46"/>
                 </a:solidFill>
                 <a:latin typeface="+mj-lt"/>
                 <a:ea typeface="+mj-ea"/>
                 <a:cs typeface="+mj-cs"/>
               </a:rPr>
-              <a:t>Western Australia UV Index</a:t>
-            </a:r>
-          </a:p>
-          <a:p>
-            <a:pPr>
-              <a:lnSpc>
-                <a:spcPct val="90000"/>
-              </a:lnSpc>
-              <a:spcBef>
-                <a:spcPct val="0"/>
-              </a:spcBef>
-              <a:spcAft>
-                <a:spcPts val="600"/>
-              </a:spcAft>
-            </a:pPr>
-            <a:r>
-              <a:rPr lang="en-US" sz="3700" b="1" kern="1200" dirty="0">
-                <a:solidFill>
-                  <a:schemeClr val="tx1"/>
-                </a:solidFill>
-                <a:latin typeface="+mj-lt"/>
-                <a:ea typeface="+mj-ea"/>
-                <a:cs typeface="+mj-cs"/>
-              </a:rPr>
-              <a:t>Analysis</a:t>
-            </a:r>
-          </a:p>
-        </p:txBody>
-      </p:sp>
-      <p:sp>
-        <p:nvSpPr>
-          <p:cNvPr id="49" name="Rectangle 26">
-            <a:extLst>
-              <a:ext uri="{FF2B5EF4-FFF2-40B4-BE49-F238E27FC236}">
-                <a16:creationId xmlns:a16="http://schemas.microsoft.com/office/drawing/2014/main" id="{99413ED5-9ED4-4772-BCE4-2BCAE6B12E35}"/>
-              </a:ext>
-              <a:ext uri="{C183D7F6-B498-43B3-948B-1728B52AA6E4}">
-                <adec:decorative xmlns:adec="http://schemas.microsoft.com/office/drawing/2017/decorative" val="1"/>
-              </a:ext>
-            </a:extLst>
-          </p:cNvPr>
-          <p:cNvSpPr>
-            <a:spLocks noGrp="1" noRot="1" noChangeAspect="1" noMove="1" noResize="1" noEditPoints="1" noAdjustHandles="1" noChangeArrowheads="1" noChangeShapeType="1" noTextEdit="1"/>
-          </p:cNvSpPr>
-          <p:nvPr>
-            <p:extLst>
-              <p:ext uri="{386F3935-93C4-4BCD-93E2-E3B085C9AB24}">
-                <p16:designElem xmlns:p16="http://schemas.microsoft.com/office/powerpoint/2015/main" val="1"/>
-              </p:ext>
-            </p:extLst>
-          </p:nvPr>
-        </p:nvSpPr>
+              <a:t>Western Australia UV Index Analysis</a:t>
+            </a:r>
+          </a:p>
+        </p:txBody>
+      </p:sp>
+      <p:pic>
+        <p:nvPicPr>
+          <p:cNvPr id="3" name="Picture 2">
+            <a:extLst>
+              <a:ext uri="{FF2B5EF4-FFF2-40B4-BE49-F238E27FC236}">
+                <a16:creationId xmlns:a16="http://schemas.microsoft.com/office/drawing/2014/main" id="{DDB0D936-97DC-4DEA-B660-7BB2B3153632}"/>
+              </a:ext>
+            </a:extLst>
+          </p:cNvPr>
+          <p:cNvPicPr>
+            <a:picLocks noChangeAspect="1"/>
+          </p:cNvPicPr>
+          <p:nvPr/>
+        </p:nvPicPr>
+        <p:blipFill>
+          <a:blip r:embed="rId2"/>
+          <a:stretch>
+            <a:fillRect/>
+          </a:stretch>
+        </p:blipFill>
         <p:spPr>
-          <a:xfrm rot="16200000">
-            <a:off x="3433973" y="-827233"/>
-            <a:ext cx="1715478" cy="8583421"/>
+          <a:xfrm>
+            <a:off x="454467" y="1324379"/>
+            <a:ext cx="7608304" cy="4869313"/>
+          </a:xfrm>
+          <a:prstGeom prst="rect">
+            <a:avLst/>
+          </a:prstGeom>
+        </p:spPr>
+      </p:pic>
+      <p:sp>
+        <p:nvSpPr>
+          <p:cNvPr id="2" name="TextBox 1">
+            <a:extLst>
+              <a:ext uri="{FF2B5EF4-FFF2-40B4-BE49-F238E27FC236}">
+                <a16:creationId xmlns:a16="http://schemas.microsoft.com/office/drawing/2014/main" id="{F9CF56E5-D876-4650-9081-3BAB179E4F0A}"/>
+              </a:ext>
+            </a:extLst>
+          </p:cNvPr>
+          <p:cNvSpPr txBox="1"/>
+          <p:nvPr/>
+        </p:nvSpPr>
+        <p:spPr>
+          <a:xfrm>
+            <a:off x="8062770" y="1324379"/>
+            <a:ext cx="4129229" cy="2677656"/>
           </a:xfrm>
           <a:prstGeom prst="rect">
             <a:avLst/>
           </a:prstGeom>
           <a:solidFill>
-            <a:schemeClr val="accent4"/>
+            <a:srgbClr val="66A5AD"/>
+          </a:solidFill>
+        </p:spPr>
+        <p:txBody>
+          <a:bodyPr wrap="square" rtlCol="0">
+            <a:spAutoFit/>
+          </a:bodyPr>
+          <a:lstStyle/>
+          <a:p>
+            <a:pPr algn="ctr"/>
+            <a:r>
+              <a:rPr lang="en-US" sz="2400" dirty="0">
+                <a:solidFill>
+                  <a:srgbClr val="003B46"/>
+                </a:solidFill>
+              </a:rPr>
+              <a:t>Tourism WA has engaged our small firm to present the UV index and the temperature weather data for residents and tourists to increase the use of sunscreen and to prevent skin cancer.</a:t>
+            </a:r>
+            <a:endParaRPr lang="en-AU" sz="2400" dirty="0">
+              <a:solidFill>
+                <a:srgbClr val="003B46"/>
+              </a:solidFill>
+            </a:endParaRPr>
+          </a:p>
+        </p:txBody>
+      </p:sp>
+      <p:sp>
+        <p:nvSpPr>
+          <p:cNvPr id="5" name="Rectangle 4">
+            <a:extLst>
+              <a:ext uri="{FF2B5EF4-FFF2-40B4-BE49-F238E27FC236}">
+                <a16:creationId xmlns:a16="http://schemas.microsoft.com/office/drawing/2014/main" id="{19D40AA1-628F-4340-991F-419AB513AC0A}"/>
+              </a:ext>
+            </a:extLst>
+          </p:cNvPr>
+          <p:cNvSpPr/>
+          <p:nvPr/>
+        </p:nvSpPr>
+        <p:spPr>
+          <a:xfrm>
+            <a:off x="8062768" y="4002034"/>
+            <a:ext cx="4129231" cy="2191657"/>
+          </a:xfrm>
+          <a:prstGeom prst="rect">
+            <a:avLst/>
+          </a:prstGeom>
+          <a:solidFill>
+            <a:srgbClr val="66A5AD"/>
           </a:solidFill>
           <a:ln>
             <a:noFill/>
@@ -3914,206 +3894,7 @@
           <a:lstStyle/>
           <a:p>
             <a:pPr algn="ctr"/>
-            <a:endParaRPr lang="en-US" dirty="0"/>
-          </a:p>
-        </p:txBody>
-      </p:sp>
-      <p:sp>
-        <p:nvSpPr>
-          <p:cNvPr id="50" name="Rectangle 28">
-            <a:extLst>
-              <a:ext uri="{FF2B5EF4-FFF2-40B4-BE49-F238E27FC236}">
-                <a16:creationId xmlns:a16="http://schemas.microsoft.com/office/drawing/2014/main" id="{04357C93-F0CB-4A1C-8F77-4E9063789819}"/>
-              </a:ext>
-              <a:ext uri="{C183D7F6-B498-43B3-948B-1728B52AA6E4}">
-                <adec:decorative xmlns:adec="http://schemas.microsoft.com/office/drawing/2017/decorative" val="1"/>
-              </a:ext>
-            </a:extLst>
-          </p:cNvPr>
-          <p:cNvSpPr>
-            <a:spLocks noGrp="1" noRot="1" noChangeAspect="1" noMove="1" noResize="1" noEditPoints="1" noAdjustHandles="1" noChangeArrowheads="1" noChangeShapeType="1" noTextEdit="1"/>
-          </p:cNvSpPr>
-          <p:nvPr>
-            <p:extLst>
-              <p:ext uri="{386F3935-93C4-4BCD-93E2-E3B085C9AB24}">
-                <p16:designElem xmlns:p16="http://schemas.microsoft.com/office/powerpoint/2015/main" val="1"/>
-              </p:ext>
-            </p:extLst>
-          </p:nvPr>
-        </p:nvSpPr>
-        <p:spPr>
-          <a:xfrm>
-            <a:off x="302085" y="664308"/>
-            <a:ext cx="8082632" cy="5600340"/>
-          </a:xfrm>
-          <a:prstGeom prst="rect">
-            <a:avLst/>
-          </a:prstGeom>
-          <a:solidFill>
-            <a:schemeClr val="bg1"/>
-          </a:solidFill>
-          <a:ln>
-            <a:noFill/>
-          </a:ln>
-          <a:effectLst>
-            <a:outerShdw blurRad="139700" dist="127000" dir="5400000" algn="t" rotWithShape="0">
-              <a:prstClr val="black">
-                <a:alpha val="15000"/>
-              </a:prstClr>
-            </a:outerShdw>
-          </a:effectLst>
-        </p:spPr>
-        <p:style>
-          <a:lnRef idx="2">
-            <a:schemeClr val="accent1">
-              <a:shade val="50000"/>
-            </a:schemeClr>
-          </a:lnRef>
-          <a:fillRef idx="1">
-            <a:schemeClr val="accent1"/>
-          </a:fillRef>
-          <a:effectRef idx="0">
-            <a:schemeClr val="accent1"/>
-          </a:effectRef>
-          <a:fontRef idx="minor">
-            <a:schemeClr val="lt1"/>
-          </a:fontRef>
-        </p:style>
-        <p:txBody>
-          <a:bodyPr rtlCol="0" anchor="ctr"/>
-          <a:lstStyle/>
-          <a:p>
-            <a:pPr algn="ctr"/>
             <a:endParaRPr lang="en-US"/>
-          </a:p>
-        </p:txBody>
-      </p:sp>
-      <p:pic>
-        <p:nvPicPr>
-          <p:cNvPr id="3" name="Picture 2">
-            <a:extLst>
-              <a:ext uri="{FF2B5EF4-FFF2-40B4-BE49-F238E27FC236}">
-                <a16:creationId xmlns:a16="http://schemas.microsoft.com/office/drawing/2014/main" id="{DDB0D936-97DC-4DEA-B660-7BB2B3153632}"/>
-              </a:ext>
-            </a:extLst>
-          </p:cNvPr>
-          <p:cNvPicPr>
-            <a:picLocks noChangeAspect="1"/>
-          </p:cNvPicPr>
-          <p:nvPr/>
-        </p:nvPicPr>
-        <p:blipFill>
-          <a:blip r:embed="rId2"/>
-          <a:stretch>
-            <a:fillRect/>
-          </a:stretch>
-        </p:blipFill>
-        <p:spPr>
-          <a:xfrm>
-            <a:off x="539249" y="172081"/>
-            <a:ext cx="7608304" cy="4869313"/>
-          </a:xfrm>
-          <a:prstGeom prst="rect">
-            <a:avLst/>
-          </a:prstGeom>
-        </p:spPr>
-      </p:pic>
-      <p:sp>
-        <p:nvSpPr>
-          <p:cNvPr id="51" name="Rectangle 30">
-            <a:extLst>
-              <a:ext uri="{FF2B5EF4-FFF2-40B4-BE49-F238E27FC236}">
-                <a16:creationId xmlns:a16="http://schemas.microsoft.com/office/drawing/2014/main" id="{90F533E9-6690-41A8-A372-4C6C622D028D}"/>
-              </a:ext>
-              <a:ext uri="{C183D7F6-B498-43B3-948B-1728B52AA6E4}">
-                <adec:decorative xmlns:adec="http://schemas.microsoft.com/office/drawing/2017/decorative" val="1"/>
-              </a:ext>
-            </a:extLst>
-          </p:cNvPr>
-          <p:cNvSpPr>
-            <a:spLocks noGrp="1" noRot="1" noChangeAspect="1" noMove="1" noResize="1" noEditPoints="1" noAdjustHandles="1" noChangeArrowheads="1" noChangeShapeType="1" noTextEdit="1"/>
-          </p:cNvSpPr>
-          <p:nvPr>
-            <p:extLst>
-              <p:ext uri="{386F3935-93C4-4BCD-93E2-E3B085C9AB24}">
-                <p16:designElem xmlns:p16="http://schemas.microsoft.com/office/powerpoint/2015/main" val="1"/>
-              </p:ext>
-            </p:extLst>
-          </p:nvPr>
-        </p:nvSpPr>
-        <p:spPr>
-          <a:xfrm rot="5400000">
-            <a:off x="7950447" y="3392097"/>
-            <a:ext cx="1719072" cy="152382"/>
-          </a:xfrm>
-          <a:prstGeom prst="rect">
-            <a:avLst/>
-          </a:prstGeom>
-          <a:solidFill>
-            <a:schemeClr val="accent4"/>
-          </a:solidFill>
-          <a:ln>
-            <a:noFill/>
-          </a:ln>
-        </p:spPr>
-        <p:style>
-          <a:lnRef idx="2">
-            <a:schemeClr val="accent1">
-              <a:shade val="50000"/>
-            </a:schemeClr>
-          </a:lnRef>
-          <a:fillRef idx="1">
-            <a:schemeClr val="accent1"/>
-          </a:fillRef>
-          <a:effectRef idx="0">
-            <a:schemeClr val="accent1"/>
-          </a:effectRef>
-          <a:fontRef idx="minor">
-            <a:schemeClr val="lt1"/>
-          </a:fontRef>
-        </p:style>
-        <p:txBody>
-          <a:bodyPr rtlCol="0" anchor="ctr"/>
-          <a:lstStyle/>
-          <a:p>
-            <a:pPr algn="ctr"/>
-            <a:endParaRPr lang="en-US"/>
-          </a:p>
-        </p:txBody>
-      </p:sp>
-      <p:sp>
-        <p:nvSpPr>
-          <p:cNvPr id="2" name="TextBox 1">
-            <a:extLst>
-              <a:ext uri="{FF2B5EF4-FFF2-40B4-BE49-F238E27FC236}">
-                <a16:creationId xmlns:a16="http://schemas.microsoft.com/office/drawing/2014/main" id="{F9CF56E5-D876-4650-9081-3BAB179E4F0A}"/>
-              </a:ext>
-            </a:extLst>
-          </p:cNvPr>
-          <p:cNvSpPr txBox="1"/>
-          <p:nvPr/>
-        </p:nvSpPr>
-        <p:spPr>
-          <a:xfrm>
-            <a:off x="529847" y="4869180"/>
-            <a:ext cx="7149247" cy="923330"/>
-          </a:xfrm>
-          <a:prstGeom prst="rect">
-            <a:avLst/>
-          </a:prstGeom>
-          <a:noFill/>
-        </p:spPr>
-        <p:txBody>
-          <a:bodyPr wrap="square" rtlCol="0">
-            <a:spAutoFit/>
-          </a:bodyPr>
-          <a:lstStyle/>
-          <a:p>
-            <a:r>
-              <a:rPr lang="en-US" i="1" dirty="0"/>
-              <a:t>Tourism WA has engaged our small firm to present the UV index and the temperature weather data for residents and tourists to increase the use of sunscreen and to prevent skin cancer.</a:t>
-            </a:r>
-            <a:endParaRPr lang="en-AU" i="1" dirty="0"/>
           </a:p>
         </p:txBody>
       </p:sp>
@@ -4133,14 +3914,6 @@
 <file path=ppt/slides/slide10.xml><?xml version="1.0" encoding="utf-8"?>
 <p:sld xmlns:a="http://schemas.openxmlformats.org/drawingml/2006/main" xmlns:r="http://schemas.openxmlformats.org/officeDocument/2006/relationships" xmlns:p="http://schemas.openxmlformats.org/presentationml/2006/main">
   <p:cSld>
-    <p:bg>
-      <p:bgPr>
-        <a:solidFill>
-          <a:schemeClr val="bg1"/>
-        </a:solidFill>
-        <a:effectLst/>
-      </p:bgPr>
-    </p:bg>
     <p:spTree>
       <p:nvGrpSpPr>
         <p:cNvPr id="1" name=""/>
@@ -4157,589 +3930,41 @@
       </p:grpSpPr>
       <p:sp>
         <p:nvSpPr>
-          <p:cNvPr id="8" name="Rectangle 7">
-            <a:extLst>
-              <a:ext uri="{FF2B5EF4-FFF2-40B4-BE49-F238E27FC236}">
-                <a16:creationId xmlns:a16="http://schemas.microsoft.com/office/drawing/2014/main" id="{F3060C83-F051-4F0E-ABAD-AA0DFC48B218}"/>
-              </a:ext>
-              <a:ext uri="{C183D7F6-B498-43B3-948B-1728B52AA6E4}">
-                <adec:decorative xmlns:adec="http://schemas.microsoft.com/office/drawing/2017/decorative" val="1"/>
-              </a:ext>
-            </a:extLst>
-          </p:cNvPr>
-          <p:cNvSpPr>
-            <a:spLocks noGrp="1" noRot="1" noChangeAspect="1" noMove="1" noResize="1" noEditPoints="1" noAdjustHandles="1" noChangeArrowheads="1" noChangeShapeType="1" noTextEdit="1"/>
-          </p:cNvSpPr>
-          <p:nvPr>
-            <p:extLst>
-              <p:ext uri="{386F3935-93C4-4BCD-93E2-E3B085C9AB24}">
-                <p16:designElem xmlns:p16="http://schemas.microsoft.com/office/powerpoint/2015/main" val="1"/>
-              </p:ext>
-            </p:extLst>
-          </p:nvPr>
+          <p:cNvPr id="4" name="TextBox 3">
+            <a:extLst>
+              <a:ext uri="{FF2B5EF4-FFF2-40B4-BE49-F238E27FC236}">
+                <a16:creationId xmlns:a16="http://schemas.microsoft.com/office/drawing/2014/main" id="{775523D8-CAEC-4DFB-B084-BC8DD40E99DD}"/>
+              </a:ext>
+            </a:extLst>
+          </p:cNvPr>
+          <p:cNvSpPr txBox="1"/>
+          <p:nvPr/>
         </p:nvSpPr>
         <p:spPr>
           <a:xfrm>
-            <a:off x="0" y="0"/>
-            <a:ext cx="12192000" cy="6858000"/>
+            <a:off x="0" y="200445"/>
+            <a:ext cx="12191999" cy="1569660"/>
           </a:xfrm>
           <a:prstGeom prst="rect">
             <a:avLst/>
           </a:prstGeom>
           <a:solidFill>
-            <a:schemeClr val="bg1"/>
+            <a:srgbClr val="66A5AD"/>
           </a:solidFill>
-          <a:ln>
-            <a:noFill/>
-          </a:ln>
         </p:spPr>
-        <p:style>
-          <a:lnRef idx="2">
-            <a:schemeClr val="accent1">
-              <a:shade val="50000"/>
-            </a:schemeClr>
-          </a:lnRef>
-          <a:fillRef idx="1">
-            <a:schemeClr val="accent1"/>
-          </a:fillRef>
-          <a:effectRef idx="0">
-            <a:schemeClr val="accent1"/>
-          </a:effectRef>
-          <a:fontRef idx="minor">
-            <a:schemeClr val="lt1"/>
-          </a:fontRef>
-        </p:style>
-        <p:txBody>
-          <a:bodyPr rtlCol="0" anchor="ctr"/>
-          <a:lstStyle/>
-          <a:p>
-            <a:pPr algn="ctr"/>
-            <a:endParaRPr lang="en-US" dirty="0"/>
-          </a:p>
-        </p:txBody>
-      </p:sp>
-      <p:sp>
-        <p:nvSpPr>
-          <p:cNvPr id="10" name="Freeform: Shape 9">
-            <a:extLst>
-              <a:ext uri="{FF2B5EF4-FFF2-40B4-BE49-F238E27FC236}">
-                <a16:creationId xmlns:a16="http://schemas.microsoft.com/office/drawing/2014/main" id="{83C98ABE-055B-441F-B07E-44F97F083C39}"/>
-              </a:ext>
-              <a:ext uri="{C183D7F6-B498-43B3-948B-1728B52AA6E4}">
-                <adec:decorative xmlns:adec="http://schemas.microsoft.com/office/drawing/2017/decorative" val="1"/>
-              </a:ext>
-            </a:extLst>
-          </p:cNvPr>
-          <p:cNvSpPr>
-            <a:spLocks noGrp="1" noRot="1" noChangeAspect="1" noMove="1" noResize="1" noEditPoints="1" noAdjustHandles="1" noChangeArrowheads="1" noChangeShapeType="1" noTextEdit="1"/>
-          </p:cNvSpPr>
-          <p:nvPr>
-            <p:extLst>
-              <p:ext uri="{386F3935-93C4-4BCD-93E2-E3B085C9AB24}">
-                <p16:designElem xmlns:p16="http://schemas.microsoft.com/office/powerpoint/2015/main" val="1"/>
-              </p:ext>
-            </p:extLst>
-          </p:nvPr>
-        </p:nvSpPr>
-        <p:spPr>
-          <a:xfrm rot="18900000" flipH="1">
-            <a:off x="-376156" y="-253670"/>
-            <a:ext cx="1827638" cy="1376989"/>
-          </a:xfrm>
-          <a:custGeom>
-            <a:avLst/>
-            <a:gdLst>
-              <a:gd name="connsiteX0" fmla="*/ 0 w 1827638"/>
-              <a:gd name="connsiteY0" fmla="*/ 987379 h 1376989"/>
-              <a:gd name="connsiteX1" fmla="*/ 987379 w 1827638"/>
-              <a:gd name="connsiteY1" fmla="*/ 0 h 1376989"/>
-              <a:gd name="connsiteX2" fmla="*/ 1827638 w 1827638"/>
-              <a:gd name="connsiteY2" fmla="*/ 840260 h 1376989"/>
-              <a:gd name="connsiteX3" fmla="*/ 1827638 w 1827638"/>
-              <a:gd name="connsiteY3" fmla="*/ 1376989 h 1376989"/>
-              <a:gd name="connsiteX4" fmla="*/ 0 w 1827638"/>
-              <a:gd name="connsiteY4" fmla="*/ 1376989 h 1376989"/>
-            </a:gdLst>
-            <a:ahLst/>
-            <a:cxnLst>
-              <a:cxn ang="0">
-                <a:pos x="connsiteX0" y="connsiteY0"/>
-              </a:cxn>
-              <a:cxn ang="0">
-                <a:pos x="connsiteX1" y="connsiteY1"/>
-              </a:cxn>
-              <a:cxn ang="0">
-                <a:pos x="connsiteX2" y="connsiteY2"/>
-              </a:cxn>
-              <a:cxn ang="0">
-                <a:pos x="connsiteX3" y="connsiteY3"/>
-              </a:cxn>
-              <a:cxn ang="0">
-                <a:pos x="connsiteX4" y="connsiteY4"/>
-              </a:cxn>
-            </a:cxnLst>
-            <a:rect l="l" t="t" r="r" b="b"/>
-            <a:pathLst>
-              <a:path w="1827638" h="1376989">
-                <a:moveTo>
-                  <a:pt x="0" y="987379"/>
-                </a:moveTo>
-                <a:lnTo>
-                  <a:pt x="987379" y="0"/>
-                </a:lnTo>
-                <a:lnTo>
-                  <a:pt x="1827638" y="840260"/>
-                </a:lnTo>
-                <a:lnTo>
-                  <a:pt x="1827638" y="1376989"/>
-                </a:lnTo>
-                <a:lnTo>
-                  <a:pt x="0" y="1376989"/>
-                </a:lnTo>
-                <a:close/>
-              </a:path>
-            </a:pathLst>
-          </a:custGeom>
-          <a:solidFill>
-            <a:schemeClr val="accent1">
-              <a:alpha val="30000"/>
-            </a:schemeClr>
-          </a:solidFill>
-          <a:ln>
-            <a:noFill/>
-          </a:ln>
-        </p:spPr>
-        <p:style>
-          <a:lnRef idx="2">
-            <a:schemeClr val="accent1">
-              <a:shade val="50000"/>
-            </a:schemeClr>
-          </a:lnRef>
-          <a:fillRef idx="1">
-            <a:schemeClr val="accent1"/>
-          </a:fillRef>
-          <a:effectRef idx="0">
-            <a:schemeClr val="accent1"/>
-          </a:effectRef>
-          <a:fontRef idx="minor">
-            <a:schemeClr val="lt1"/>
-          </a:fontRef>
-        </p:style>
-        <p:txBody>
-          <a:bodyPr rtlCol="0" anchor="ctr"/>
-          <a:lstStyle/>
-          <a:p>
-            <a:pPr algn="ctr"/>
-            <a:endParaRPr lang="en-US" dirty="0"/>
-          </a:p>
-        </p:txBody>
-      </p:sp>
-      <p:sp>
-        <p:nvSpPr>
-          <p:cNvPr id="12" name="Rectangle 11">
-            <a:extLst>
-              <a:ext uri="{FF2B5EF4-FFF2-40B4-BE49-F238E27FC236}">
-                <a16:creationId xmlns:a16="http://schemas.microsoft.com/office/drawing/2014/main" id="{29FDB030-9B49-4CED-8CCD-4D99382388AC}"/>
-              </a:ext>
-              <a:ext uri="{C183D7F6-B498-43B3-948B-1728B52AA6E4}">
-                <adec:decorative xmlns:adec="http://schemas.microsoft.com/office/drawing/2017/decorative" val="1"/>
-              </a:ext>
-            </a:extLst>
-          </p:cNvPr>
-          <p:cNvSpPr>
-            <a:spLocks noGrp="1" noRot="1" noChangeAspect="1" noMove="1" noResize="1" noEditPoints="1" noAdjustHandles="1" noChangeArrowheads="1" noChangeShapeType="1" noTextEdit="1"/>
-          </p:cNvSpPr>
-          <p:nvPr>
-            <p:extLst>
-              <p:ext uri="{386F3935-93C4-4BCD-93E2-E3B085C9AB24}">
-                <p16:designElem xmlns:p16="http://schemas.microsoft.com/office/powerpoint/2015/main" val="1"/>
-              </p:ext>
-            </p:extLst>
-          </p:nvPr>
-        </p:nvSpPr>
-        <p:spPr>
-          <a:xfrm rot="18900000" flipH="1">
-            <a:off x="891641" y="422146"/>
-            <a:ext cx="645368" cy="645368"/>
-          </a:xfrm>
-          <a:prstGeom prst="rect">
-            <a:avLst/>
-          </a:prstGeom>
-          <a:solidFill>
-            <a:schemeClr val="accent1">
-              <a:alpha val="30000"/>
-            </a:schemeClr>
-          </a:solidFill>
-          <a:ln>
-            <a:noFill/>
-          </a:ln>
-        </p:spPr>
-        <p:style>
-          <a:lnRef idx="2">
-            <a:schemeClr val="accent1">
-              <a:shade val="50000"/>
-            </a:schemeClr>
-          </a:lnRef>
-          <a:fillRef idx="1">
-            <a:schemeClr val="accent1"/>
-          </a:fillRef>
-          <a:effectRef idx="0">
-            <a:schemeClr val="accent1"/>
-          </a:effectRef>
-          <a:fontRef idx="minor">
-            <a:schemeClr val="lt1"/>
-          </a:fontRef>
-        </p:style>
-        <p:txBody>
-          <a:bodyPr rtlCol="0" anchor="ctr"/>
-          <a:lstStyle/>
-          <a:p>
-            <a:pPr algn="ctr"/>
-            <a:endParaRPr lang="en-US"/>
-          </a:p>
-        </p:txBody>
-      </p:sp>
-      <p:sp>
-        <p:nvSpPr>
-          <p:cNvPr id="14" name="Rectangle 13">
-            <a:extLst>
-              <a:ext uri="{FF2B5EF4-FFF2-40B4-BE49-F238E27FC236}">
-                <a16:creationId xmlns:a16="http://schemas.microsoft.com/office/drawing/2014/main" id="{3783CA14-24A1-485C-8B30-D6A5D87987AD}"/>
-              </a:ext>
-              <a:ext uri="{C183D7F6-B498-43B3-948B-1728B52AA6E4}">
-                <adec:decorative xmlns:adec="http://schemas.microsoft.com/office/drawing/2017/decorative" val="1"/>
-              </a:ext>
-            </a:extLst>
-          </p:cNvPr>
-          <p:cNvSpPr>
-            <a:spLocks noGrp="1" noRot="1" noChangeAspect="1" noMove="1" noResize="1" noEditPoints="1" noAdjustHandles="1" noChangeArrowheads="1" noChangeShapeType="1" noTextEdit="1"/>
-          </p:cNvSpPr>
-          <p:nvPr>
-            <p:extLst>
-              <p:ext uri="{386F3935-93C4-4BCD-93E2-E3B085C9AB24}">
-                <p16:designElem xmlns:p16="http://schemas.microsoft.com/office/powerpoint/2015/main" val="1"/>
-              </p:ext>
-            </p:extLst>
-          </p:nvPr>
-        </p:nvSpPr>
-        <p:spPr>
-          <a:xfrm rot="18900000" flipH="1">
-            <a:off x="10043482" y="655140"/>
-            <a:ext cx="687472" cy="687472"/>
-          </a:xfrm>
-          <a:prstGeom prst="rect">
-            <a:avLst/>
-          </a:prstGeom>
-          <a:solidFill>
-            <a:schemeClr val="accent4">
-              <a:alpha val="30000"/>
-            </a:schemeClr>
-          </a:solidFill>
-          <a:ln>
-            <a:noFill/>
-          </a:ln>
-        </p:spPr>
-        <p:style>
-          <a:lnRef idx="2">
-            <a:schemeClr val="accent1">
-              <a:shade val="50000"/>
-            </a:schemeClr>
-          </a:lnRef>
-          <a:fillRef idx="1">
-            <a:schemeClr val="accent1"/>
-          </a:fillRef>
-          <a:effectRef idx="0">
-            <a:schemeClr val="accent1"/>
-          </a:effectRef>
-          <a:fontRef idx="minor">
-            <a:schemeClr val="lt1"/>
-          </a:fontRef>
-        </p:style>
-        <p:txBody>
-          <a:bodyPr rtlCol="0" anchor="ctr"/>
-          <a:lstStyle/>
-          <a:p>
-            <a:pPr algn="ctr"/>
-            <a:endParaRPr lang="en-US"/>
-          </a:p>
-        </p:txBody>
-      </p:sp>
-      <p:sp>
-        <p:nvSpPr>
-          <p:cNvPr id="16" name="Freeform: Shape 15">
-            <a:extLst>
-              <a:ext uri="{FF2B5EF4-FFF2-40B4-BE49-F238E27FC236}">
-                <a16:creationId xmlns:a16="http://schemas.microsoft.com/office/drawing/2014/main" id="{9A97C86A-04D6-40F7-AE84-31AB43E6A846}"/>
-              </a:ext>
-              <a:ext uri="{C183D7F6-B498-43B3-948B-1728B52AA6E4}">
-                <adec:decorative xmlns:adec="http://schemas.microsoft.com/office/drawing/2017/decorative" val="1"/>
-              </a:ext>
-            </a:extLst>
-          </p:cNvPr>
-          <p:cNvSpPr>
-            <a:spLocks noGrp="1" noRot="1" noChangeAspect="1" noMove="1" noResize="1" noEditPoints="1" noAdjustHandles="1" noChangeArrowheads="1" noChangeShapeType="1" noTextEdit="1"/>
-          </p:cNvSpPr>
-          <p:nvPr>
-            <p:extLst>
-              <p:ext uri="{386F3935-93C4-4BCD-93E2-E3B085C9AB24}">
-                <p16:designElem xmlns:p16="http://schemas.microsoft.com/office/powerpoint/2015/main" val="1"/>
-              </p:ext>
-            </p:extLst>
-          </p:nvPr>
-        </p:nvSpPr>
-        <p:spPr>
-          <a:xfrm rot="10800000" flipH="1">
-            <a:off x="9356643" y="0"/>
-            <a:ext cx="2835357" cy="1480837"/>
-          </a:xfrm>
-          <a:custGeom>
-            <a:avLst/>
-            <a:gdLst>
-              <a:gd name="connsiteX0" fmla="*/ 2835357 w 2835357"/>
-              <a:gd name="connsiteY0" fmla="*/ 1480837 h 1480837"/>
-              <a:gd name="connsiteX1" fmla="*/ 0 w 2835357"/>
-              <a:gd name="connsiteY1" fmla="*/ 1480837 h 1480837"/>
-              <a:gd name="connsiteX2" fmla="*/ 1552727 w 2835357"/>
-              <a:gd name="connsiteY2" fmla="*/ 0 h 1480837"/>
-              <a:gd name="connsiteX3" fmla="*/ 2835357 w 2835357"/>
-              <a:gd name="connsiteY3" fmla="*/ 1223245 h 1480837"/>
-            </a:gdLst>
-            <a:ahLst/>
-            <a:cxnLst>
-              <a:cxn ang="0">
-                <a:pos x="connsiteX0" y="connsiteY0"/>
-              </a:cxn>
-              <a:cxn ang="0">
-                <a:pos x="connsiteX1" y="connsiteY1"/>
-              </a:cxn>
-              <a:cxn ang="0">
-                <a:pos x="connsiteX2" y="connsiteY2"/>
-              </a:cxn>
-              <a:cxn ang="0">
-                <a:pos x="connsiteX3" y="connsiteY3"/>
-              </a:cxn>
-            </a:cxnLst>
-            <a:rect l="l" t="t" r="r" b="b"/>
-            <a:pathLst>
-              <a:path w="2835357" h="1480837">
-                <a:moveTo>
-                  <a:pt x="2835357" y="1480837"/>
-                </a:moveTo>
-                <a:lnTo>
-                  <a:pt x="0" y="1480837"/>
-                </a:lnTo>
-                <a:lnTo>
-                  <a:pt x="1552727" y="0"/>
-                </a:lnTo>
-                <a:lnTo>
-                  <a:pt x="2835357" y="1223245"/>
-                </a:lnTo>
-                <a:close/>
-              </a:path>
-            </a:pathLst>
-          </a:custGeom>
-          <a:solidFill>
-            <a:schemeClr val="accent4">
-              <a:alpha val="30000"/>
-            </a:schemeClr>
-          </a:solidFill>
-          <a:ln>
-            <a:noFill/>
-          </a:ln>
-        </p:spPr>
-        <p:style>
-          <a:lnRef idx="2">
-            <a:schemeClr val="accent1">
-              <a:shade val="50000"/>
-            </a:schemeClr>
-          </a:lnRef>
-          <a:fillRef idx="1">
-            <a:schemeClr val="accent1"/>
-          </a:fillRef>
-          <a:effectRef idx="0">
-            <a:schemeClr val="accent1"/>
-          </a:effectRef>
-          <a:fontRef idx="minor">
-            <a:schemeClr val="lt1"/>
-          </a:fontRef>
-        </p:style>
-        <p:txBody>
-          <a:bodyPr wrap="square" rtlCol="0" anchor="ctr">
-            <a:noAutofit/>
-          </a:bodyPr>
-          <a:lstStyle/>
-          <a:p>
-            <a:pPr algn="ctr"/>
-            <a:endParaRPr lang="en-US" dirty="0"/>
-          </a:p>
-        </p:txBody>
-      </p:sp>
-      <p:sp>
-        <p:nvSpPr>
-          <p:cNvPr id="18" name="Isosceles Triangle 17">
-            <a:extLst>
-              <a:ext uri="{FF2B5EF4-FFF2-40B4-BE49-F238E27FC236}">
-                <a16:creationId xmlns:a16="http://schemas.microsoft.com/office/drawing/2014/main" id="{FF9F2414-84E8-453E-B1F3-389FDE8192D9}"/>
-              </a:ext>
-              <a:ext uri="{C183D7F6-B498-43B3-948B-1728B52AA6E4}">
-                <adec:decorative xmlns:adec="http://schemas.microsoft.com/office/drawing/2017/decorative" val="1"/>
-              </a:ext>
-            </a:extLst>
-          </p:cNvPr>
-          <p:cNvSpPr>
-            <a:spLocks noGrp="1" noRot="1" noChangeAspect="1" noMove="1" noResize="1" noEditPoints="1" noAdjustHandles="1" noChangeArrowheads="1" noChangeShapeType="1" noTextEdit="1"/>
-          </p:cNvSpPr>
-          <p:nvPr>
-            <p:extLst>
-              <p:ext uri="{386F3935-93C4-4BCD-93E2-E3B085C9AB24}">
-                <p16:designElem xmlns:p16="http://schemas.microsoft.com/office/powerpoint/2015/main" val="1"/>
-              </p:ext>
-            </p:extLst>
-          </p:nvPr>
-        </p:nvSpPr>
-        <p:spPr>
-          <a:xfrm flipH="1">
-            <a:off x="7976344" y="6115501"/>
-            <a:ext cx="1494513" cy="742499"/>
-          </a:xfrm>
-          <a:prstGeom prst="triangle">
-            <a:avLst/>
-          </a:prstGeom>
-          <a:solidFill>
-            <a:schemeClr val="accent1">
-              <a:alpha val="30000"/>
-            </a:schemeClr>
-          </a:solidFill>
-          <a:ln>
-            <a:noFill/>
-          </a:ln>
-        </p:spPr>
-        <p:style>
-          <a:lnRef idx="2">
-            <a:schemeClr val="accent1">
-              <a:shade val="50000"/>
-            </a:schemeClr>
-          </a:lnRef>
-          <a:fillRef idx="1">
-            <a:schemeClr val="accent1"/>
-          </a:fillRef>
-          <a:effectRef idx="0">
-            <a:schemeClr val="accent1"/>
-          </a:effectRef>
-          <a:fontRef idx="minor">
-            <a:schemeClr val="lt1"/>
-          </a:fontRef>
-        </p:style>
-        <p:txBody>
-          <a:bodyPr rtlCol="0" anchor="ctr"/>
-          <a:lstStyle/>
-          <a:p>
-            <a:pPr algn="ctr"/>
-            <a:endParaRPr lang="en-US"/>
-          </a:p>
-        </p:txBody>
-      </p:sp>
-      <p:sp>
-        <p:nvSpPr>
-          <p:cNvPr id="20" name="Isosceles Triangle 19">
-            <a:extLst>
-              <a:ext uri="{FF2B5EF4-FFF2-40B4-BE49-F238E27FC236}">
-                <a16:creationId xmlns:a16="http://schemas.microsoft.com/office/drawing/2014/main" id="{3ECA69A1-7536-43AC-85EF-C7106179F5ED}"/>
-              </a:ext>
-              <a:ext uri="{C183D7F6-B498-43B3-948B-1728B52AA6E4}">
-                <adec:decorative xmlns:adec="http://schemas.microsoft.com/office/drawing/2017/decorative" val="1"/>
-              </a:ext>
-            </a:extLst>
-          </p:cNvPr>
-          <p:cNvSpPr>
-            <a:spLocks noGrp="1" noRot="1" noChangeAspect="1" noMove="1" noResize="1" noEditPoints="1" noAdjustHandles="1" noChangeArrowheads="1" noChangeShapeType="1" noTextEdit="1"/>
-          </p:cNvSpPr>
-          <p:nvPr>
-            <p:extLst>
-              <p:ext uri="{386F3935-93C4-4BCD-93E2-E3B085C9AB24}">
-                <p16:designElem xmlns:p16="http://schemas.microsoft.com/office/powerpoint/2015/main" val="1"/>
-              </p:ext>
-            </p:extLst>
-          </p:nvPr>
-        </p:nvSpPr>
-        <p:spPr>
-          <a:xfrm flipH="1">
-            <a:off x="7604080" y="6453143"/>
-            <a:ext cx="814903" cy="404857"/>
-          </a:xfrm>
-          <a:prstGeom prst="triangle">
-            <a:avLst/>
-          </a:prstGeom>
-          <a:solidFill>
-            <a:schemeClr val="accent1">
-              <a:alpha val="30000"/>
-            </a:schemeClr>
-          </a:solidFill>
-          <a:ln>
-            <a:noFill/>
-          </a:ln>
-        </p:spPr>
-        <p:style>
-          <a:lnRef idx="2">
-            <a:schemeClr val="accent1">
-              <a:shade val="50000"/>
-            </a:schemeClr>
-          </a:lnRef>
-          <a:fillRef idx="1">
-            <a:schemeClr val="accent1"/>
-          </a:fillRef>
-          <a:effectRef idx="0">
-            <a:schemeClr val="accent1"/>
-          </a:effectRef>
-          <a:fontRef idx="minor">
-            <a:schemeClr val="lt1"/>
-          </a:fontRef>
-        </p:style>
-        <p:txBody>
-          <a:bodyPr rtlCol="0" anchor="ctr"/>
-          <a:lstStyle/>
-          <a:p>
-            <a:pPr algn="ctr"/>
-            <a:endParaRPr lang="en-US"/>
-          </a:p>
-        </p:txBody>
-      </p:sp>
-      <p:sp>
-        <p:nvSpPr>
-          <p:cNvPr id="4" name="TextBox 3">
-            <a:extLst>
-              <a:ext uri="{FF2B5EF4-FFF2-40B4-BE49-F238E27FC236}">
-                <a16:creationId xmlns:a16="http://schemas.microsoft.com/office/drawing/2014/main" id="{775523D8-CAEC-4DFB-B084-BC8DD40E99DD}"/>
-              </a:ext>
-            </a:extLst>
-          </p:cNvPr>
-          <p:cNvSpPr txBox="1"/>
-          <p:nvPr/>
-        </p:nvSpPr>
-        <p:spPr>
-          <a:xfrm>
-            <a:off x="1625555" y="-25097"/>
-            <a:ext cx="8865119" cy="1754326"/>
-          </a:xfrm>
-          <a:prstGeom prst="rect">
-            <a:avLst/>
-          </a:prstGeom>
-          <a:noFill/>
-        </p:spPr>
-        <p:txBody>
-          <a:bodyPr wrap="none" rtlCol="0">
+        <p:txBody>
+          <a:bodyPr wrap="square" rtlCol="0">
             <a:spAutoFit/>
           </a:bodyPr>
           <a:lstStyle/>
           <a:p>
             <a:pPr algn="ctr"/>
             <a:r>
-              <a:rPr lang="en-AU" sz="5400" b="1" dirty="0">
-                <a:solidFill>
-                  <a:schemeClr val="accent6">
-                    <a:lumMod val="75000"/>
-                  </a:schemeClr>
-                </a:solidFill>
+              <a:rPr lang="en-AU" sz="4800" b="1" dirty="0">
+                <a:solidFill>
+                  <a:srgbClr val="003B46"/>
+                </a:solidFill>
+                <a:latin typeface="+mj-lt"/>
               </a:rPr>
               <a:t>Western Australia UV Index</a:t>
             </a:r>
@@ -4747,14 +3972,13 @@
           <a:p>
             <a:pPr algn="ctr"/>
             <a:r>
-              <a:rPr lang="en-AU" sz="5400" b="1" dirty="0">
-                <a:solidFill>
-                  <a:schemeClr val="accent6">
-                    <a:lumMod val="75000"/>
-                  </a:schemeClr>
-                </a:solidFill>
+              <a:rPr lang="en-AU" sz="4800" b="1" dirty="0">
+                <a:solidFill>
+                  <a:srgbClr val="003B46"/>
+                </a:solidFill>
+                <a:latin typeface="+mj-lt"/>
               </a:rPr>
-              <a:t>Analysis Conclusion/Summary</a:t>
+              <a:t>Analysis Summary</a:t>
             </a:r>
           </a:p>
         </p:txBody>
@@ -4773,8 +3997,8 @@
         </p:nvSpPr>
         <p:spPr>
           <a:xfrm>
-            <a:off x="4007780" y="1929131"/>
-            <a:ext cx="4589070" cy="3231654"/>
+            <a:off x="4534553" y="1949009"/>
+            <a:ext cx="6587333" cy="4278094"/>
           </a:xfrm>
           <a:prstGeom prst="rect">
             <a:avLst/>
@@ -4793,72 +4017,124 @@
           <a:lstStyle/>
           <a:p>
             <a:r>
-              <a:rPr lang="en-AU" sz="2400" b="1" dirty="0"/>
+              <a:rPr lang="en-AU" sz="3200" b="1" dirty="0">
+                <a:solidFill>
+                  <a:srgbClr val="003B46"/>
+                </a:solidFill>
+              </a:rPr>
               <a:t>The lowest UV Index in Year 2020</a:t>
             </a:r>
           </a:p>
           <a:p>
             <a:r>
-              <a:rPr lang="en-AU" dirty="0"/>
+              <a:rPr lang="en-AU" sz="2400" dirty="0">
+                <a:solidFill>
+                  <a:srgbClr val="003B46"/>
+                </a:solidFill>
+              </a:rPr>
               <a:t>City:            Albany</a:t>
             </a:r>
           </a:p>
           <a:p>
             <a:r>
-              <a:rPr lang="en-AU" dirty="0"/>
+              <a:rPr lang="en-AU" sz="2400" dirty="0">
+                <a:solidFill>
+                  <a:srgbClr val="003B46"/>
+                </a:solidFill>
+              </a:rPr>
               <a:t>UV index:   1.87</a:t>
             </a:r>
           </a:p>
           <a:p>
             <a:r>
-              <a:rPr lang="en-AU" dirty="0"/>
+              <a:rPr lang="en-AU" sz="2400" dirty="0">
+                <a:solidFill>
+                  <a:srgbClr val="003B46"/>
+                </a:solidFill>
+              </a:rPr>
               <a:t>Date:           13</a:t>
             </a:r>
             <a:r>
-              <a:rPr lang="en-AU" baseline="30000" dirty="0"/>
+              <a:rPr lang="en-AU" sz="2400" baseline="30000" dirty="0">
+                <a:solidFill>
+                  <a:srgbClr val="003B46"/>
+                </a:solidFill>
+              </a:rPr>
               <a:t>th</a:t>
             </a:r>
             <a:r>
-              <a:rPr lang="en-AU" dirty="0"/>
+              <a:rPr lang="en-AU" sz="2400" dirty="0">
+                <a:solidFill>
+                  <a:srgbClr val="003B46"/>
+                </a:solidFill>
+              </a:rPr>
               <a:t> June 2020</a:t>
             </a:r>
           </a:p>
           <a:p>
-            <a:endParaRPr lang="en-AU" dirty="0"/>
-          </a:p>
-          <a:p>
-            <a:r>
-              <a:rPr lang="en-AU" i="1" u="sng" dirty="0"/>
+            <a:endParaRPr lang="en-AU" sz="2400" dirty="0">
+              <a:solidFill>
+                <a:srgbClr val="003B46"/>
+              </a:solidFill>
+            </a:endParaRPr>
+          </a:p>
+          <a:p>
+            <a:r>
+              <a:rPr lang="en-AU" sz="2400" i="1" u="sng" dirty="0">
+                <a:solidFill>
+                  <a:srgbClr val="003B46"/>
+                </a:solidFill>
+              </a:rPr>
               <a:t>Average UV index in Albany:</a:t>
             </a:r>
           </a:p>
           <a:p>
             <a:r>
-              <a:rPr lang="en-AU" dirty="0"/>
+              <a:rPr lang="en-AU" sz="2400" dirty="0">
+                <a:solidFill>
+                  <a:srgbClr val="003B46"/>
+                </a:solidFill>
+              </a:rPr>
               <a:t>Average:  6.92</a:t>
             </a:r>
           </a:p>
           <a:p>
             <a:r>
-              <a:rPr lang="en-AU" dirty="0"/>
+              <a:rPr lang="en-AU" sz="2400" dirty="0">
+                <a:solidFill>
+                  <a:srgbClr val="003B46"/>
+                </a:solidFill>
+              </a:rPr>
               <a:t>Winter:    2.64</a:t>
             </a:r>
           </a:p>
           <a:p>
             <a:r>
-              <a:rPr lang="en-AU" dirty="0"/>
+              <a:rPr lang="en-AU" sz="2400" dirty="0">
+                <a:solidFill>
+                  <a:srgbClr val="003B46"/>
+                </a:solidFill>
+              </a:rPr>
               <a:t>Spring:     7.82</a:t>
             </a:r>
           </a:p>
           <a:p>
             <a:r>
-              <a:rPr lang="en-AU" dirty="0"/>
+              <a:rPr lang="en-AU" sz="2400" dirty="0">
+                <a:solidFill>
+                  <a:srgbClr val="003B46"/>
+                </a:solidFill>
+              </a:rPr>
               <a:t>Summer: 11.98</a:t>
             </a:r>
           </a:p>
           <a:p>
             <a:r>
-              <a:rPr lang="en-AU" dirty="0"/>
+              <a:rPr lang="en-AU" sz="2400" dirty="0">
+                <a:solidFill>
+                  <a:srgbClr val="003B46"/>
+                </a:solidFill>
+              </a:rPr>
               <a:t>Autumn:  5.37</a:t>
             </a:r>
           </a:p>
@@ -4866,10 +4142,10 @@
       </p:sp>
       <p:pic>
         <p:nvPicPr>
-          <p:cNvPr id="2" name="Picture 1">
-            <a:extLst>
-              <a:ext uri="{FF2B5EF4-FFF2-40B4-BE49-F238E27FC236}">
-                <a16:creationId xmlns:a16="http://schemas.microsoft.com/office/drawing/2014/main" id="{60AE3730-15EF-42FC-B236-D1C3BA55B583}"/>
+          <p:cNvPr id="5" name="Picture 4">
+            <a:extLst>
+              <a:ext uri="{FF2B5EF4-FFF2-40B4-BE49-F238E27FC236}">
+                <a16:creationId xmlns:a16="http://schemas.microsoft.com/office/drawing/2014/main" id="{B639BF47-B381-4A22-A71D-7742A9AA03D0}"/>
               </a:ext>
             </a:extLst>
           </p:cNvPr>
@@ -4886,38 +4162,8 @@
         </p:blipFill>
         <p:spPr>
           <a:xfrm>
-            <a:off x="1878490" y="5206402"/>
-            <a:ext cx="5617018" cy="1548968"/>
-          </a:xfrm>
-          <a:prstGeom prst="rect">
-            <a:avLst/>
-          </a:prstGeom>
-        </p:spPr>
-      </p:pic>
-      <p:pic>
-        <p:nvPicPr>
-          <p:cNvPr id="5" name="Picture 4">
-            <a:extLst>
-              <a:ext uri="{FF2B5EF4-FFF2-40B4-BE49-F238E27FC236}">
-                <a16:creationId xmlns:a16="http://schemas.microsoft.com/office/drawing/2014/main" id="{B639BF47-B381-4A22-A71D-7742A9AA03D0}"/>
-              </a:ext>
-            </a:extLst>
-          </p:cNvPr>
-          <p:cNvPicPr>
-            <a:picLocks noChangeAspect="1"/>
-          </p:cNvPicPr>
-          <p:nvPr/>
-        </p:nvPicPr>
-        <p:blipFill>
-          <a:blip r:embed="rId3"/>
-          <a:stretch>
-            <a:fillRect/>
-          </a:stretch>
-        </p:blipFill>
-        <p:spPr>
-          <a:xfrm>
-            <a:off x="2002197" y="2206587"/>
-            <a:ext cx="1733550" cy="2638425"/>
+            <a:off x="1372130" y="1949009"/>
+            <a:ext cx="2810878" cy="4278094"/>
           </a:xfrm>
           <a:prstGeom prst="rect">
             <a:avLst/>
@@ -4940,14 +4186,6 @@
 <file path=ppt/slides/slide11.xml><?xml version="1.0" encoding="utf-8"?>
 <p:sld xmlns:a="http://schemas.openxmlformats.org/drawingml/2006/main" xmlns:r="http://schemas.openxmlformats.org/officeDocument/2006/relationships" xmlns:p="http://schemas.openxmlformats.org/presentationml/2006/main">
   <p:cSld>
-    <p:bg>
-      <p:bgPr>
-        <a:solidFill>
-          <a:schemeClr val="bg1"/>
-        </a:solidFill>
-        <a:effectLst/>
-      </p:bgPr>
-    </p:bg>
     <p:spTree>
       <p:nvGrpSpPr>
         <p:cNvPr id="1" name=""/>
@@ -4964,589 +4202,41 @@
       </p:grpSpPr>
       <p:sp>
         <p:nvSpPr>
-          <p:cNvPr id="8" name="Rectangle 7">
-            <a:extLst>
-              <a:ext uri="{FF2B5EF4-FFF2-40B4-BE49-F238E27FC236}">
-                <a16:creationId xmlns:a16="http://schemas.microsoft.com/office/drawing/2014/main" id="{F3060C83-F051-4F0E-ABAD-AA0DFC48B218}"/>
-              </a:ext>
-              <a:ext uri="{C183D7F6-B498-43B3-948B-1728B52AA6E4}">
-                <adec:decorative xmlns:adec="http://schemas.microsoft.com/office/drawing/2017/decorative" val="1"/>
-              </a:ext>
-            </a:extLst>
-          </p:cNvPr>
-          <p:cNvSpPr>
-            <a:spLocks noGrp="1" noRot="1" noChangeAspect="1" noMove="1" noResize="1" noEditPoints="1" noAdjustHandles="1" noChangeArrowheads="1" noChangeShapeType="1" noTextEdit="1"/>
-          </p:cNvSpPr>
-          <p:nvPr>
-            <p:extLst>
-              <p:ext uri="{386F3935-93C4-4BCD-93E2-E3B085C9AB24}">
-                <p16:designElem xmlns:p16="http://schemas.microsoft.com/office/powerpoint/2015/main" val="1"/>
-              </p:ext>
-            </p:extLst>
-          </p:nvPr>
+          <p:cNvPr id="4" name="TextBox 3">
+            <a:extLst>
+              <a:ext uri="{FF2B5EF4-FFF2-40B4-BE49-F238E27FC236}">
+                <a16:creationId xmlns:a16="http://schemas.microsoft.com/office/drawing/2014/main" id="{775523D8-CAEC-4DFB-B084-BC8DD40E99DD}"/>
+              </a:ext>
+            </a:extLst>
+          </p:cNvPr>
+          <p:cNvSpPr txBox="1"/>
+          <p:nvPr/>
         </p:nvSpPr>
         <p:spPr>
           <a:xfrm>
-            <a:off x="0" y="0"/>
-            <a:ext cx="12192000" cy="6858000"/>
+            <a:off x="0" y="153326"/>
+            <a:ext cx="12191999" cy="1569660"/>
           </a:xfrm>
           <a:prstGeom prst="rect">
             <a:avLst/>
           </a:prstGeom>
           <a:solidFill>
-            <a:schemeClr val="bg1"/>
+            <a:srgbClr val="66A5AD"/>
           </a:solidFill>
-          <a:ln>
-            <a:noFill/>
-          </a:ln>
         </p:spPr>
-        <p:style>
-          <a:lnRef idx="2">
-            <a:schemeClr val="accent1">
-              <a:shade val="50000"/>
-            </a:schemeClr>
-          </a:lnRef>
-          <a:fillRef idx="1">
-            <a:schemeClr val="accent1"/>
-          </a:fillRef>
-          <a:effectRef idx="0">
-            <a:schemeClr val="accent1"/>
-          </a:effectRef>
-          <a:fontRef idx="minor">
-            <a:schemeClr val="lt1"/>
-          </a:fontRef>
-        </p:style>
-        <p:txBody>
-          <a:bodyPr rtlCol="0" anchor="ctr"/>
-          <a:lstStyle/>
-          <a:p>
-            <a:pPr algn="ctr"/>
-            <a:endParaRPr lang="en-US" dirty="0"/>
-          </a:p>
-        </p:txBody>
-      </p:sp>
-      <p:sp>
-        <p:nvSpPr>
-          <p:cNvPr id="10" name="Freeform: Shape 9">
-            <a:extLst>
-              <a:ext uri="{FF2B5EF4-FFF2-40B4-BE49-F238E27FC236}">
-                <a16:creationId xmlns:a16="http://schemas.microsoft.com/office/drawing/2014/main" id="{83C98ABE-055B-441F-B07E-44F97F083C39}"/>
-              </a:ext>
-              <a:ext uri="{C183D7F6-B498-43B3-948B-1728B52AA6E4}">
-                <adec:decorative xmlns:adec="http://schemas.microsoft.com/office/drawing/2017/decorative" val="1"/>
-              </a:ext>
-            </a:extLst>
-          </p:cNvPr>
-          <p:cNvSpPr>
-            <a:spLocks noGrp="1" noRot="1" noChangeAspect="1" noMove="1" noResize="1" noEditPoints="1" noAdjustHandles="1" noChangeArrowheads="1" noChangeShapeType="1" noTextEdit="1"/>
-          </p:cNvSpPr>
-          <p:nvPr>
-            <p:extLst>
-              <p:ext uri="{386F3935-93C4-4BCD-93E2-E3B085C9AB24}">
-                <p16:designElem xmlns:p16="http://schemas.microsoft.com/office/powerpoint/2015/main" val="1"/>
-              </p:ext>
-            </p:extLst>
-          </p:nvPr>
-        </p:nvSpPr>
-        <p:spPr>
-          <a:xfrm rot="18900000" flipH="1">
-            <a:off x="-376156" y="-253670"/>
-            <a:ext cx="1827638" cy="1376989"/>
-          </a:xfrm>
-          <a:custGeom>
-            <a:avLst/>
-            <a:gdLst>
-              <a:gd name="connsiteX0" fmla="*/ 0 w 1827638"/>
-              <a:gd name="connsiteY0" fmla="*/ 987379 h 1376989"/>
-              <a:gd name="connsiteX1" fmla="*/ 987379 w 1827638"/>
-              <a:gd name="connsiteY1" fmla="*/ 0 h 1376989"/>
-              <a:gd name="connsiteX2" fmla="*/ 1827638 w 1827638"/>
-              <a:gd name="connsiteY2" fmla="*/ 840260 h 1376989"/>
-              <a:gd name="connsiteX3" fmla="*/ 1827638 w 1827638"/>
-              <a:gd name="connsiteY3" fmla="*/ 1376989 h 1376989"/>
-              <a:gd name="connsiteX4" fmla="*/ 0 w 1827638"/>
-              <a:gd name="connsiteY4" fmla="*/ 1376989 h 1376989"/>
-            </a:gdLst>
-            <a:ahLst/>
-            <a:cxnLst>
-              <a:cxn ang="0">
-                <a:pos x="connsiteX0" y="connsiteY0"/>
-              </a:cxn>
-              <a:cxn ang="0">
-                <a:pos x="connsiteX1" y="connsiteY1"/>
-              </a:cxn>
-              <a:cxn ang="0">
-                <a:pos x="connsiteX2" y="connsiteY2"/>
-              </a:cxn>
-              <a:cxn ang="0">
-                <a:pos x="connsiteX3" y="connsiteY3"/>
-              </a:cxn>
-              <a:cxn ang="0">
-                <a:pos x="connsiteX4" y="connsiteY4"/>
-              </a:cxn>
-            </a:cxnLst>
-            <a:rect l="l" t="t" r="r" b="b"/>
-            <a:pathLst>
-              <a:path w="1827638" h="1376989">
-                <a:moveTo>
-                  <a:pt x="0" y="987379"/>
-                </a:moveTo>
-                <a:lnTo>
-                  <a:pt x="987379" y="0"/>
-                </a:lnTo>
-                <a:lnTo>
-                  <a:pt x="1827638" y="840260"/>
-                </a:lnTo>
-                <a:lnTo>
-                  <a:pt x="1827638" y="1376989"/>
-                </a:lnTo>
-                <a:lnTo>
-                  <a:pt x="0" y="1376989"/>
-                </a:lnTo>
-                <a:close/>
-              </a:path>
-            </a:pathLst>
-          </a:custGeom>
-          <a:solidFill>
-            <a:schemeClr val="accent1">
-              <a:alpha val="30000"/>
-            </a:schemeClr>
-          </a:solidFill>
-          <a:ln>
-            <a:noFill/>
-          </a:ln>
-        </p:spPr>
-        <p:style>
-          <a:lnRef idx="2">
-            <a:schemeClr val="accent1">
-              <a:shade val="50000"/>
-            </a:schemeClr>
-          </a:lnRef>
-          <a:fillRef idx="1">
-            <a:schemeClr val="accent1"/>
-          </a:fillRef>
-          <a:effectRef idx="0">
-            <a:schemeClr val="accent1"/>
-          </a:effectRef>
-          <a:fontRef idx="minor">
-            <a:schemeClr val="lt1"/>
-          </a:fontRef>
-        </p:style>
-        <p:txBody>
-          <a:bodyPr rtlCol="0" anchor="ctr"/>
-          <a:lstStyle/>
-          <a:p>
-            <a:pPr algn="ctr"/>
-            <a:endParaRPr lang="en-US" dirty="0"/>
-          </a:p>
-        </p:txBody>
-      </p:sp>
-      <p:sp>
-        <p:nvSpPr>
-          <p:cNvPr id="12" name="Rectangle 11">
-            <a:extLst>
-              <a:ext uri="{FF2B5EF4-FFF2-40B4-BE49-F238E27FC236}">
-                <a16:creationId xmlns:a16="http://schemas.microsoft.com/office/drawing/2014/main" id="{29FDB030-9B49-4CED-8CCD-4D99382388AC}"/>
-              </a:ext>
-              <a:ext uri="{C183D7F6-B498-43B3-948B-1728B52AA6E4}">
-                <adec:decorative xmlns:adec="http://schemas.microsoft.com/office/drawing/2017/decorative" val="1"/>
-              </a:ext>
-            </a:extLst>
-          </p:cNvPr>
-          <p:cNvSpPr>
-            <a:spLocks noGrp="1" noRot="1" noChangeAspect="1" noMove="1" noResize="1" noEditPoints="1" noAdjustHandles="1" noChangeArrowheads="1" noChangeShapeType="1" noTextEdit="1"/>
-          </p:cNvSpPr>
-          <p:nvPr>
-            <p:extLst>
-              <p:ext uri="{386F3935-93C4-4BCD-93E2-E3B085C9AB24}">
-                <p16:designElem xmlns:p16="http://schemas.microsoft.com/office/powerpoint/2015/main" val="1"/>
-              </p:ext>
-            </p:extLst>
-          </p:nvPr>
-        </p:nvSpPr>
-        <p:spPr>
-          <a:xfrm rot="18900000" flipH="1">
-            <a:off x="891641" y="422146"/>
-            <a:ext cx="645368" cy="645368"/>
-          </a:xfrm>
-          <a:prstGeom prst="rect">
-            <a:avLst/>
-          </a:prstGeom>
-          <a:solidFill>
-            <a:schemeClr val="accent1">
-              <a:alpha val="30000"/>
-            </a:schemeClr>
-          </a:solidFill>
-          <a:ln>
-            <a:noFill/>
-          </a:ln>
-        </p:spPr>
-        <p:style>
-          <a:lnRef idx="2">
-            <a:schemeClr val="accent1">
-              <a:shade val="50000"/>
-            </a:schemeClr>
-          </a:lnRef>
-          <a:fillRef idx="1">
-            <a:schemeClr val="accent1"/>
-          </a:fillRef>
-          <a:effectRef idx="0">
-            <a:schemeClr val="accent1"/>
-          </a:effectRef>
-          <a:fontRef idx="minor">
-            <a:schemeClr val="lt1"/>
-          </a:fontRef>
-        </p:style>
-        <p:txBody>
-          <a:bodyPr rtlCol="0" anchor="ctr"/>
-          <a:lstStyle/>
-          <a:p>
-            <a:pPr algn="ctr"/>
-            <a:endParaRPr lang="en-US"/>
-          </a:p>
-        </p:txBody>
-      </p:sp>
-      <p:sp>
-        <p:nvSpPr>
-          <p:cNvPr id="14" name="Rectangle 13">
-            <a:extLst>
-              <a:ext uri="{FF2B5EF4-FFF2-40B4-BE49-F238E27FC236}">
-                <a16:creationId xmlns:a16="http://schemas.microsoft.com/office/drawing/2014/main" id="{3783CA14-24A1-485C-8B30-D6A5D87987AD}"/>
-              </a:ext>
-              <a:ext uri="{C183D7F6-B498-43B3-948B-1728B52AA6E4}">
-                <adec:decorative xmlns:adec="http://schemas.microsoft.com/office/drawing/2017/decorative" val="1"/>
-              </a:ext>
-            </a:extLst>
-          </p:cNvPr>
-          <p:cNvSpPr>
-            <a:spLocks noGrp="1" noRot="1" noChangeAspect="1" noMove="1" noResize="1" noEditPoints="1" noAdjustHandles="1" noChangeArrowheads="1" noChangeShapeType="1" noTextEdit="1"/>
-          </p:cNvSpPr>
-          <p:nvPr>
-            <p:extLst>
-              <p:ext uri="{386F3935-93C4-4BCD-93E2-E3B085C9AB24}">
-                <p16:designElem xmlns:p16="http://schemas.microsoft.com/office/powerpoint/2015/main" val="1"/>
-              </p:ext>
-            </p:extLst>
-          </p:nvPr>
-        </p:nvSpPr>
-        <p:spPr>
-          <a:xfrm rot="18900000" flipH="1">
-            <a:off x="10043482" y="655140"/>
-            <a:ext cx="687472" cy="687472"/>
-          </a:xfrm>
-          <a:prstGeom prst="rect">
-            <a:avLst/>
-          </a:prstGeom>
-          <a:solidFill>
-            <a:schemeClr val="accent4">
-              <a:alpha val="30000"/>
-            </a:schemeClr>
-          </a:solidFill>
-          <a:ln>
-            <a:noFill/>
-          </a:ln>
-        </p:spPr>
-        <p:style>
-          <a:lnRef idx="2">
-            <a:schemeClr val="accent1">
-              <a:shade val="50000"/>
-            </a:schemeClr>
-          </a:lnRef>
-          <a:fillRef idx="1">
-            <a:schemeClr val="accent1"/>
-          </a:fillRef>
-          <a:effectRef idx="0">
-            <a:schemeClr val="accent1"/>
-          </a:effectRef>
-          <a:fontRef idx="minor">
-            <a:schemeClr val="lt1"/>
-          </a:fontRef>
-        </p:style>
-        <p:txBody>
-          <a:bodyPr rtlCol="0" anchor="ctr"/>
-          <a:lstStyle/>
-          <a:p>
-            <a:pPr algn="ctr"/>
-            <a:endParaRPr lang="en-US"/>
-          </a:p>
-        </p:txBody>
-      </p:sp>
-      <p:sp>
-        <p:nvSpPr>
-          <p:cNvPr id="16" name="Freeform: Shape 15">
-            <a:extLst>
-              <a:ext uri="{FF2B5EF4-FFF2-40B4-BE49-F238E27FC236}">
-                <a16:creationId xmlns:a16="http://schemas.microsoft.com/office/drawing/2014/main" id="{9A97C86A-04D6-40F7-AE84-31AB43E6A846}"/>
-              </a:ext>
-              <a:ext uri="{C183D7F6-B498-43B3-948B-1728B52AA6E4}">
-                <adec:decorative xmlns:adec="http://schemas.microsoft.com/office/drawing/2017/decorative" val="1"/>
-              </a:ext>
-            </a:extLst>
-          </p:cNvPr>
-          <p:cNvSpPr>
-            <a:spLocks noGrp="1" noRot="1" noChangeAspect="1" noMove="1" noResize="1" noEditPoints="1" noAdjustHandles="1" noChangeArrowheads="1" noChangeShapeType="1" noTextEdit="1"/>
-          </p:cNvSpPr>
-          <p:nvPr>
-            <p:extLst>
-              <p:ext uri="{386F3935-93C4-4BCD-93E2-E3B085C9AB24}">
-                <p16:designElem xmlns:p16="http://schemas.microsoft.com/office/powerpoint/2015/main" val="1"/>
-              </p:ext>
-            </p:extLst>
-          </p:nvPr>
-        </p:nvSpPr>
-        <p:spPr>
-          <a:xfrm rot="10800000" flipH="1">
-            <a:off x="9356643" y="0"/>
-            <a:ext cx="2835357" cy="1480837"/>
-          </a:xfrm>
-          <a:custGeom>
-            <a:avLst/>
-            <a:gdLst>
-              <a:gd name="connsiteX0" fmla="*/ 2835357 w 2835357"/>
-              <a:gd name="connsiteY0" fmla="*/ 1480837 h 1480837"/>
-              <a:gd name="connsiteX1" fmla="*/ 0 w 2835357"/>
-              <a:gd name="connsiteY1" fmla="*/ 1480837 h 1480837"/>
-              <a:gd name="connsiteX2" fmla="*/ 1552727 w 2835357"/>
-              <a:gd name="connsiteY2" fmla="*/ 0 h 1480837"/>
-              <a:gd name="connsiteX3" fmla="*/ 2835357 w 2835357"/>
-              <a:gd name="connsiteY3" fmla="*/ 1223245 h 1480837"/>
-            </a:gdLst>
-            <a:ahLst/>
-            <a:cxnLst>
-              <a:cxn ang="0">
-                <a:pos x="connsiteX0" y="connsiteY0"/>
-              </a:cxn>
-              <a:cxn ang="0">
-                <a:pos x="connsiteX1" y="connsiteY1"/>
-              </a:cxn>
-              <a:cxn ang="0">
-                <a:pos x="connsiteX2" y="connsiteY2"/>
-              </a:cxn>
-              <a:cxn ang="0">
-                <a:pos x="connsiteX3" y="connsiteY3"/>
-              </a:cxn>
-            </a:cxnLst>
-            <a:rect l="l" t="t" r="r" b="b"/>
-            <a:pathLst>
-              <a:path w="2835357" h="1480837">
-                <a:moveTo>
-                  <a:pt x="2835357" y="1480837"/>
-                </a:moveTo>
-                <a:lnTo>
-                  <a:pt x="0" y="1480837"/>
-                </a:lnTo>
-                <a:lnTo>
-                  <a:pt x="1552727" y="0"/>
-                </a:lnTo>
-                <a:lnTo>
-                  <a:pt x="2835357" y="1223245"/>
-                </a:lnTo>
-                <a:close/>
-              </a:path>
-            </a:pathLst>
-          </a:custGeom>
-          <a:solidFill>
-            <a:schemeClr val="accent4">
-              <a:alpha val="30000"/>
-            </a:schemeClr>
-          </a:solidFill>
-          <a:ln>
-            <a:noFill/>
-          </a:ln>
-        </p:spPr>
-        <p:style>
-          <a:lnRef idx="2">
-            <a:schemeClr val="accent1">
-              <a:shade val="50000"/>
-            </a:schemeClr>
-          </a:lnRef>
-          <a:fillRef idx="1">
-            <a:schemeClr val="accent1"/>
-          </a:fillRef>
-          <a:effectRef idx="0">
-            <a:schemeClr val="accent1"/>
-          </a:effectRef>
-          <a:fontRef idx="minor">
-            <a:schemeClr val="lt1"/>
-          </a:fontRef>
-        </p:style>
-        <p:txBody>
-          <a:bodyPr wrap="square" rtlCol="0" anchor="ctr">
-            <a:noAutofit/>
-          </a:bodyPr>
-          <a:lstStyle/>
-          <a:p>
-            <a:pPr algn="ctr"/>
-            <a:endParaRPr lang="en-US" dirty="0"/>
-          </a:p>
-        </p:txBody>
-      </p:sp>
-      <p:sp>
-        <p:nvSpPr>
-          <p:cNvPr id="18" name="Isosceles Triangle 17">
-            <a:extLst>
-              <a:ext uri="{FF2B5EF4-FFF2-40B4-BE49-F238E27FC236}">
-                <a16:creationId xmlns:a16="http://schemas.microsoft.com/office/drawing/2014/main" id="{FF9F2414-84E8-453E-B1F3-389FDE8192D9}"/>
-              </a:ext>
-              <a:ext uri="{C183D7F6-B498-43B3-948B-1728B52AA6E4}">
-                <adec:decorative xmlns:adec="http://schemas.microsoft.com/office/drawing/2017/decorative" val="1"/>
-              </a:ext>
-            </a:extLst>
-          </p:cNvPr>
-          <p:cNvSpPr>
-            <a:spLocks noGrp="1" noRot="1" noChangeAspect="1" noMove="1" noResize="1" noEditPoints="1" noAdjustHandles="1" noChangeArrowheads="1" noChangeShapeType="1" noTextEdit="1"/>
-          </p:cNvSpPr>
-          <p:nvPr>
-            <p:extLst>
-              <p:ext uri="{386F3935-93C4-4BCD-93E2-E3B085C9AB24}">
-                <p16:designElem xmlns:p16="http://schemas.microsoft.com/office/powerpoint/2015/main" val="1"/>
-              </p:ext>
-            </p:extLst>
-          </p:nvPr>
-        </p:nvSpPr>
-        <p:spPr>
-          <a:xfrm flipH="1">
-            <a:off x="7976344" y="6115501"/>
-            <a:ext cx="1494513" cy="742499"/>
-          </a:xfrm>
-          <a:prstGeom prst="triangle">
-            <a:avLst/>
-          </a:prstGeom>
-          <a:solidFill>
-            <a:schemeClr val="accent1">
-              <a:alpha val="30000"/>
-            </a:schemeClr>
-          </a:solidFill>
-          <a:ln>
-            <a:noFill/>
-          </a:ln>
-        </p:spPr>
-        <p:style>
-          <a:lnRef idx="2">
-            <a:schemeClr val="accent1">
-              <a:shade val="50000"/>
-            </a:schemeClr>
-          </a:lnRef>
-          <a:fillRef idx="1">
-            <a:schemeClr val="accent1"/>
-          </a:fillRef>
-          <a:effectRef idx="0">
-            <a:schemeClr val="accent1"/>
-          </a:effectRef>
-          <a:fontRef idx="minor">
-            <a:schemeClr val="lt1"/>
-          </a:fontRef>
-        </p:style>
-        <p:txBody>
-          <a:bodyPr rtlCol="0" anchor="ctr"/>
-          <a:lstStyle/>
-          <a:p>
-            <a:pPr algn="ctr"/>
-            <a:endParaRPr lang="en-US"/>
-          </a:p>
-        </p:txBody>
-      </p:sp>
-      <p:sp>
-        <p:nvSpPr>
-          <p:cNvPr id="20" name="Isosceles Triangle 19">
-            <a:extLst>
-              <a:ext uri="{FF2B5EF4-FFF2-40B4-BE49-F238E27FC236}">
-                <a16:creationId xmlns:a16="http://schemas.microsoft.com/office/drawing/2014/main" id="{3ECA69A1-7536-43AC-85EF-C7106179F5ED}"/>
-              </a:ext>
-              <a:ext uri="{C183D7F6-B498-43B3-948B-1728B52AA6E4}">
-                <adec:decorative xmlns:adec="http://schemas.microsoft.com/office/drawing/2017/decorative" val="1"/>
-              </a:ext>
-            </a:extLst>
-          </p:cNvPr>
-          <p:cNvSpPr>
-            <a:spLocks noGrp="1" noRot="1" noChangeAspect="1" noMove="1" noResize="1" noEditPoints="1" noAdjustHandles="1" noChangeArrowheads="1" noChangeShapeType="1" noTextEdit="1"/>
-          </p:cNvSpPr>
-          <p:nvPr>
-            <p:extLst>
-              <p:ext uri="{386F3935-93C4-4BCD-93E2-E3B085C9AB24}">
-                <p16:designElem xmlns:p16="http://schemas.microsoft.com/office/powerpoint/2015/main" val="1"/>
-              </p:ext>
-            </p:extLst>
-          </p:nvPr>
-        </p:nvSpPr>
-        <p:spPr>
-          <a:xfrm flipH="1">
-            <a:off x="7604080" y="6453143"/>
-            <a:ext cx="814903" cy="404857"/>
-          </a:xfrm>
-          <a:prstGeom prst="triangle">
-            <a:avLst/>
-          </a:prstGeom>
-          <a:solidFill>
-            <a:schemeClr val="accent1">
-              <a:alpha val="30000"/>
-            </a:schemeClr>
-          </a:solidFill>
-          <a:ln>
-            <a:noFill/>
-          </a:ln>
-        </p:spPr>
-        <p:style>
-          <a:lnRef idx="2">
-            <a:schemeClr val="accent1">
-              <a:shade val="50000"/>
-            </a:schemeClr>
-          </a:lnRef>
-          <a:fillRef idx="1">
-            <a:schemeClr val="accent1"/>
-          </a:fillRef>
-          <a:effectRef idx="0">
-            <a:schemeClr val="accent1"/>
-          </a:effectRef>
-          <a:fontRef idx="minor">
-            <a:schemeClr val="lt1"/>
-          </a:fontRef>
-        </p:style>
-        <p:txBody>
-          <a:bodyPr rtlCol="0" anchor="ctr"/>
-          <a:lstStyle/>
-          <a:p>
-            <a:pPr algn="ctr"/>
-            <a:endParaRPr lang="en-US"/>
-          </a:p>
-        </p:txBody>
-      </p:sp>
-      <p:sp>
-        <p:nvSpPr>
-          <p:cNvPr id="4" name="TextBox 3">
-            <a:extLst>
-              <a:ext uri="{FF2B5EF4-FFF2-40B4-BE49-F238E27FC236}">
-                <a16:creationId xmlns:a16="http://schemas.microsoft.com/office/drawing/2014/main" id="{775523D8-CAEC-4DFB-B084-BC8DD40E99DD}"/>
-              </a:ext>
-            </a:extLst>
-          </p:cNvPr>
-          <p:cNvSpPr txBox="1"/>
-          <p:nvPr/>
-        </p:nvSpPr>
-        <p:spPr>
-          <a:xfrm>
-            <a:off x="1522099" y="5984"/>
-            <a:ext cx="8865119" cy="1754326"/>
-          </a:xfrm>
-          <a:prstGeom prst="rect">
-            <a:avLst/>
-          </a:prstGeom>
-          <a:noFill/>
-        </p:spPr>
-        <p:txBody>
-          <a:bodyPr wrap="none" rtlCol="0">
+        <p:txBody>
+          <a:bodyPr wrap="square" rtlCol="0">
             <a:spAutoFit/>
           </a:bodyPr>
           <a:lstStyle/>
           <a:p>
             <a:pPr algn="ctr"/>
             <a:r>
-              <a:rPr lang="en-AU" sz="5400" b="1" dirty="0">
-                <a:solidFill>
-                  <a:schemeClr val="accent6">
-                    <a:lumMod val="75000"/>
-                  </a:schemeClr>
-                </a:solidFill>
+              <a:rPr lang="en-AU" sz="4800" b="1" dirty="0">
+                <a:solidFill>
+                  <a:srgbClr val="003B46"/>
+                </a:solidFill>
+                <a:latin typeface="+mj-lt"/>
               </a:rPr>
               <a:t>Western Australia UV Index</a:t>
             </a:r>
@@ -5554,24 +4244,23 @@
           <a:p>
             <a:pPr algn="ctr"/>
             <a:r>
-              <a:rPr lang="en-AU" sz="5400" b="1" dirty="0">
-                <a:solidFill>
-                  <a:schemeClr val="accent6">
-                    <a:lumMod val="75000"/>
-                  </a:schemeClr>
-                </a:solidFill>
+              <a:rPr lang="en-AU" sz="4800" b="1" dirty="0">
+                <a:solidFill>
+                  <a:srgbClr val="003B46"/>
+                </a:solidFill>
+                <a:latin typeface="+mj-lt"/>
               </a:rPr>
-              <a:t>Analysis Conclusion/Summary</a:t>
+              <a:t>Analysis Summary</a:t>
             </a:r>
           </a:p>
         </p:txBody>
       </p:sp>
       <p:pic>
         <p:nvPicPr>
-          <p:cNvPr id="2" name="Picture 1">
-            <a:extLst>
-              <a:ext uri="{FF2B5EF4-FFF2-40B4-BE49-F238E27FC236}">
-                <a16:creationId xmlns:a16="http://schemas.microsoft.com/office/drawing/2014/main" id="{60AE3730-15EF-42FC-B236-D1C3BA55B583}"/>
+          <p:cNvPr id="5" name="Picture 4">
+            <a:extLst>
+              <a:ext uri="{FF2B5EF4-FFF2-40B4-BE49-F238E27FC236}">
+                <a16:creationId xmlns:a16="http://schemas.microsoft.com/office/drawing/2014/main" id="{B639BF47-B381-4A22-A71D-7742A9AA03D0}"/>
               </a:ext>
             </a:extLst>
           </p:cNvPr>
@@ -5588,8 +4277,8 @@
         </p:blipFill>
         <p:spPr>
           <a:xfrm>
-            <a:off x="1878490" y="5206402"/>
-            <a:ext cx="5617018" cy="1548968"/>
+            <a:off x="9220200" y="2363627"/>
+            <a:ext cx="2717234" cy="4135570"/>
           </a:xfrm>
           <a:prstGeom prst="rect">
             <a:avLst/>
@@ -5598,10 +4287,10 @@
       </p:pic>
       <p:pic>
         <p:nvPicPr>
-          <p:cNvPr id="5" name="Picture 4">
-            <a:extLst>
-              <a:ext uri="{FF2B5EF4-FFF2-40B4-BE49-F238E27FC236}">
-                <a16:creationId xmlns:a16="http://schemas.microsoft.com/office/drawing/2014/main" id="{B639BF47-B381-4A22-A71D-7742A9AA03D0}"/>
+          <p:cNvPr id="13" name="Picture 12">
+            <a:extLst>
+              <a:ext uri="{FF2B5EF4-FFF2-40B4-BE49-F238E27FC236}">
+                <a16:creationId xmlns:a16="http://schemas.microsoft.com/office/drawing/2014/main" id="{32D8171F-C973-4E79-8D9C-EF985E4EF4BE}"/>
               </a:ext>
             </a:extLst>
           </p:cNvPr>
@@ -5618,38 +4307,8 @@
         </p:blipFill>
         <p:spPr>
           <a:xfrm>
-            <a:off x="8751061" y="2525262"/>
-            <a:ext cx="1733550" cy="2638425"/>
-          </a:xfrm>
-          <a:prstGeom prst="rect">
-            <a:avLst/>
-          </a:prstGeom>
-        </p:spPr>
-      </p:pic>
-      <p:pic>
-        <p:nvPicPr>
-          <p:cNvPr id="13" name="Picture 12">
-            <a:extLst>
-              <a:ext uri="{FF2B5EF4-FFF2-40B4-BE49-F238E27FC236}">
-                <a16:creationId xmlns:a16="http://schemas.microsoft.com/office/drawing/2014/main" id="{32D8171F-C973-4E79-8D9C-EF985E4EF4BE}"/>
-              </a:ext>
-            </a:extLst>
-          </p:cNvPr>
-          <p:cNvPicPr>
-            <a:picLocks noChangeAspect="1"/>
-          </p:cNvPicPr>
-          <p:nvPr/>
-        </p:nvPicPr>
-        <p:blipFill>
-          <a:blip r:embed="rId4"/>
-          <a:stretch>
-            <a:fillRect/>
-          </a:stretch>
-        </p:blipFill>
-        <p:spPr>
-          <a:xfrm>
-            <a:off x="979626" y="2459266"/>
-            <a:ext cx="1733550" cy="2638425"/>
+            <a:off x="254566" y="2335694"/>
+            <a:ext cx="2717234" cy="4135570"/>
           </a:xfrm>
           <a:prstGeom prst="rect">
             <a:avLst/>
@@ -5671,42 +4330,42 @@
           <p:nvPr>
             <p:extLst>
               <p:ext uri="{D42A27DB-BD31-4B8C-83A1-F6EECF244321}">
-                <p14:modId xmlns:p14="http://schemas.microsoft.com/office/powerpoint/2010/main" val="2573354863"/>
+                <p14:modId xmlns:p14="http://schemas.microsoft.com/office/powerpoint/2010/main" val="2601065392"/>
               </p:ext>
             </p:extLst>
           </p:nvPr>
         </p:nvGraphicFramePr>
         <p:xfrm>
-          <a:off x="3782911" y="2582980"/>
-          <a:ext cx="4343493" cy="2165232"/>
+          <a:off x="3126928" y="2388756"/>
+          <a:ext cx="5858046" cy="4082508"/>
         </p:xfrm>
         <a:graphic>
           <a:graphicData uri="http://schemas.openxmlformats.org/drawingml/2006/table">
             <a:tbl>
               <a:tblPr/>
               <a:tblGrid>
-                <a:gridCol w="1213048">
+                <a:gridCol w="1636032">
                   <a:extLst>
                     <a:ext uri="{9D8B030D-6E8A-4147-A177-3AD203B41FA5}">
                       <a16:colId xmlns:a16="http://schemas.microsoft.com/office/drawing/2014/main" val="2083262426"/>
                     </a:ext>
                   </a:extLst>
                 </a:gridCol>
-                <a:gridCol w="1134786">
+                <a:gridCol w="1530479">
                   <a:extLst>
                     <a:ext uri="{9D8B030D-6E8A-4147-A177-3AD203B41FA5}">
                       <a16:colId xmlns:a16="http://schemas.microsoft.com/office/drawing/2014/main" val="2946479267"/>
                     </a:ext>
                   </a:extLst>
                 </a:gridCol>
-                <a:gridCol w="939134">
+                <a:gridCol w="1266605">
                   <a:extLst>
                     <a:ext uri="{9D8B030D-6E8A-4147-A177-3AD203B41FA5}">
                       <a16:colId xmlns:a16="http://schemas.microsoft.com/office/drawing/2014/main" val="1913380603"/>
                     </a:ext>
                   </a:extLst>
                 </a:gridCol>
-                <a:gridCol w="1056525">
+                <a:gridCol w="1424930">
                   <a:extLst>
                     <a:ext uri="{9D8B030D-6E8A-4147-A177-3AD203B41FA5}">
                       <a16:colId xmlns:a16="http://schemas.microsoft.com/office/drawing/2014/main" val="2190761959"/>
@@ -5714,7 +4373,7 @@
                   </a:extLst>
                 </a:gridCol>
               </a:tblGrid>
-              <a:tr h="360872">
+              <a:tr h="680418">
                 <a:tc>
                   <a:txBody>
                     <a:bodyPr/>
@@ -5722,9 +4381,9 @@
                     <a:p>
                       <a:pPr algn="l" fontAlgn="b"/>
                       <a:r>
-                        <a:rPr lang="en-AU" sz="1100" b="0" i="0" u="none" strike="noStrike">
+                        <a:rPr lang="en-AU" sz="2400" b="0" i="0" u="none" strike="noStrike" dirty="0">
                           <a:solidFill>
-                            <a:srgbClr val="000000"/>
+                            <a:srgbClr val="003B46"/>
                           </a:solidFill>
                           <a:effectLst/>
                           <a:latin typeface="Calibri" panose="020F0502020204030204" pitchFamily="34" charset="0"/>
@@ -5779,9 +4438,9 @@
                     <a:p>
                       <a:pPr algn="ctr" fontAlgn="b"/>
                       <a:r>
-                        <a:rPr lang="en-AU" sz="1100" b="1" i="0" u="none" strike="noStrike">
+                        <a:rPr lang="en-AU" sz="2400" b="1" i="0" u="none" strike="noStrike" dirty="0">
                           <a:solidFill>
-                            <a:srgbClr val="000000"/>
+                            <a:srgbClr val="003B46"/>
                           </a:solidFill>
                           <a:effectLst/>
                           <a:latin typeface="Calibri" panose="020F0502020204030204" pitchFamily="34" charset="0"/>
@@ -5836,9 +4495,9 @@
                     <a:p>
                       <a:pPr algn="ctr" fontAlgn="b"/>
                       <a:r>
-                        <a:rPr lang="en-AU" sz="1100" b="1" i="0" u="none" strike="noStrike">
+                        <a:rPr lang="en-AU" sz="2400" b="1" i="0" u="none" strike="noStrike" dirty="0">
                           <a:solidFill>
-                            <a:srgbClr val="000000"/>
+                            <a:srgbClr val="003B46"/>
                           </a:solidFill>
                           <a:effectLst/>
                           <a:latin typeface="Calibri" panose="020F0502020204030204" pitchFamily="34" charset="0"/>
@@ -5893,9 +4552,9 @@
                     <a:p>
                       <a:pPr algn="ctr" fontAlgn="b"/>
                       <a:r>
-                        <a:rPr lang="en-AU" sz="1100" b="1" i="0" u="none" strike="noStrike" dirty="0">
+                        <a:rPr lang="en-AU" sz="2400" b="1" i="0" u="none" strike="noStrike" dirty="0">
                           <a:solidFill>
-                            <a:srgbClr val="000000"/>
+                            <a:srgbClr val="003B46"/>
                           </a:solidFill>
                           <a:effectLst/>
                           <a:latin typeface="Calibri" panose="020F0502020204030204" pitchFamily="34" charset="0"/>
@@ -5949,7 +4608,7 @@
                   </a:ext>
                 </a:extLst>
               </a:tr>
-              <a:tr h="360872">
+              <a:tr h="680418">
                 <a:tc>
                   <a:txBody>
                     <a:bodyPr/>
@@ -5957,9 +4616,9 @@
                     <a:p>
                       <a:pPr algn="ctr" fontAlgn="b"/>
                       <a:r>
-                        <a:rPr lang="en-AU" sz="1100" b="0" i="0" u="none" strike="noStrike" dirty="0">
+                        <a:rPr lang="en-AU" sz="2400" b="0" i="0" u="none" strike="noStrike" dirty="0">
                           <a:solidFill>
-                            <a:srgbClr val="000000"/>
+                            <a:srgbClr val="003B46"/>
                           </a:solidFill>
                           <a:effectLst/>
                           <a:latin typeface="Calibri" panose="020F0502020204030204" pitchFamily="34" charset="0"/>
@@ -6014,9 +4673,9 @@
                     <a:p>
                       <a:pPr algn="ctr" fontAlgn="b"/>
                       <a:r>
-                        <a:rPr lang="en-AU" sz="1100" b="0" i="0" u="none" strike="noStrike" dirty="0">
+                        <a:rPr lang="en-AU" sz="2400" b="0" i="0" u="none" strike="noStrike" dirty="0">
                           <a:solidFill>
-                            <a:srgbClr val="000000"/>
+                            <a:srgbClr val="003B46"/>
                           </a:solidFill>
                           <a:effectLst/>
                           <a:latin typeface="Calibri" panose="020F0502020204030204" pitchFamily="34" charset="0"/>
@@ -6071,9 +4730,9 @@
                     <a:p>
                       <a:pPr algn="ctr" fontAlgn="b"/>
                       <a:r>
-                        <a:rPr lang="en-AU" sz="1100" b="0" i="0" u="none" strike="noStrike">
+                        <a:rPr lang="en-AU" sz="2400" b="0" i="0" u="none" strike="noStrike" dirty="0">
                           <a:solidFill>
-                            <a:srgbClr val="000000"/>
+                            <a:srgbClr val="003B46"/>
                           </a:solidFill>
                           <a:effectLst/>
                           <a:latin typeface="Calibri" panose="020F0502020204030204" pitchFamily="34" charset="0"/>
@@ -6128,9 +4787,9 @@
                     <a:p>
                       <a:pPr algn="ctr" fontAlgn="b"/>
                       <a:r>
-                        <a:rPr lang="en-AU" sz="1100" b="0" i="0" u="none" strike="noStrike">
+                        <a:rPr lang="en-AU" sz="2400" b="0" i="0" u="none" strike="noStrike" dirty="0">
                           <a:solidFill>
-                            <a:srgbClr val="000000"/>
+                            <a:srgbClr val="003B46"/>
                           </a:solidFill>
                           <a:effectLst/>
                           <a:latin typeface="Calibri" panose="020F0502020204030204" pitchFamily="34" charset="0"/>
@@ -6184,7 +4843,7 @@
                   </a:ext>
                 </a:extLst>
               </a:tr>
-              <a:tr h="360872">
+              <a:tr h="680418">
                 <a:tc>
                   <a:txBody>
                     <a:bodyPr/>
@@ -6192,9 +4851,9 @@
                     <a:p>
                       <a:pPr algn="ctr" fontAlgn="b"/>
                       <a:r>
-                        <a:rPr lang="en-AU" sz="1100" b="0" i="0" u="none" strike="noStrike">
+                        <a:rPr lang="en-AU" sz="2400" b="0" i="0" u="none" strike="noStrike">
                           <a:solidFill>
-                            <a:srgbClr val="000000"/>
+                            <a:srgbClr val="003B46"/>
                           </a:solidFill>
                           <a:effectLst/>
                           <a:latin typeface="Calibri" panose="020F0502020204030204" pitchFamily="34" charset="0"/>
@@ -6249,9 +4908,9 @@
                     <a:p>
                       <a:pPr algn="ctr" fontAlgn="b"/>
                       <a:r>
-                        <a:rPr lang="en-AU" sz="1100" b="0" i="0" u="none" strike="noStrike" dirty="0">
+                        <a:rPr lang="en-AU" sz="2400" b="0" i="0" u="none" strike="noStrike" dirty="0">
                           <a:solidFill>
-                            <a:srgbClr val="000000"/>
+                            <a:srgbClr val="003B46"/>
                           </a:solidFill>
                           <a:effectLst/>
                           <a:latin typeface="Calibri" panose="020F0502020204030204" pitchFamily="34" charset="0"/>
@@ -6306,9 +4965,9 @@
                     <a:p>
                       <a:pPr algn="ctr" fontAlgn="b"/>
                       <a:r>
-                        <a:rPr lang="en-AU" sz="1100" b="0" i="0" u="none" strike="noStrike" dirty="0">
+                        <a:rPr lang="en-AU" sz="2400" b="0" i="0" u="none" strike="noStrike" dirty="0">
                           <a:solidFill>
-                            <a:srgbClr val="000000"/>
+                            <a:srgbClr val="003B46"/>
                           </a:solidFill>
                           <a:effectLst/>
                           <a:latin typeface="Calibri" panose="020F0502020204030204" pitchFamily="34" charset="0"/>
@@ -6363,9 +5022,9 @@
                     <a:p>
                       <a:pPr algn="ctr" fontAlgn="b"/>
                       <a:r>
-                        <a:rPr lang="en-AU" sz="1100" b="0" i="0" u="none" strike="noStrike">
+                        <a:rPr lang="en-AU" sz="2400" b="0" i="0" u="none" strike="noStrike" dirty="0">
                           <a:solidFill>
-                            <a:srgbClr val="000000"/>
+                            <a:srgbClr val="003B46"/>
                           </a:solidFill>
                           <a:effectLst/>
                           <a:latin typeface="Calibri" panose="020F0502020204030204" pitchFamily="34" charset="0"/>
@@ -6419,7 +5078,7 @@
                   </a:ext>
                 </a:extLst>
               </a:tr>
-              <a:tr h="360872">
+              <a:tr h="680418">
                 <a:tc>
                   <a:txBody>
                     <a:bodyPr/>
@@ -6427,9 +5086,9 @@
                     <a:p>
                       <a:pPr algn="ctr" fontAlgn="b"/>
                       <a:r>
-                        <a:rPr lang="en-AU" sz="1100" b="0" i="0" u="none" strike="noStrike">
+                        <a:rPr lang="en-AU" sz="2400" b="0" i="0" u="none" strike="noStrike">
                           <a:solidFill>
-                            <a:srgbClr val="000000"/>
+                            <a:srgbClr val="003B46"/>
                           </a:solidFill>
                           <a:effectLst/>
                           <a:latin typeface="Calibri" panose="020F0502020204030204" pitchFamily="34" charset="0"/>
@@ -6484,9 +5143,9 @@
                     <a:p>
                       <a:pPr algn="ctr" fontAlgn="b"/>
                       <a:r>
-                        <a:rPr lang="en-AU" sz="1100" b="0" i="0" u="none" strike="noStrike">
+                        <a:rPr lang="en-AU" sz="2400" b="0" i="0" u="none" strike="noStrike">
                           <a:solidFill>
-                            <a:srgbClr val="000000"/>
+                            <a:srgbClr val="003B46"/>
                           </a:solidFill>
                           <a:effectLst/>
                           <a:latin typeface="Calibri" panose="020F0502020204030204" pitchFamily="34" charset="0"/>
@@ -6541,9 +5200,9 @@
                     <a:p>
                       <a:pPr algn="ctr" fontAlgn="b"/>
                       <a:r>
-                        <a:rPr lang="en-AU" sz="1100" b="0" i="0" u="none" strike="noStrike" dirty="0">
+                        <a:rPr lang="en-AU" sz="2400" b="0" i="0" u="none" strike="noStrike" dirty="0">
                           <a:solidFill>
-                            <a:srgbClr val="000000"/>
+                            <a:srgbClr val="003B46"/>
                           </a:solidFill>
                           <a:effectLst/>
                           <a:latin typeface="Calibri" panose="020F0502020204030204" pitchFamily="34" charset="0"/>
@@ -6598,9 +5257,9 @@
                     <a:p>
                       <a:pPr algn="ctr" fontAlgn="b"/>
                       <a:r>
-                        <a:rPr lang="en-AU" sz="1100" b="0" i="0" u="none" strike="noStrike" dirty="0">
+                        <a:rPr lang="en-AU" sz="2400" b="0" i="0" u="none" strike="noStrike" dirty="0">
                           <a:solidFill>
-                            <a:srgbClr val="000000"/>
+                            <a:srgbClr val="003B46"/>
                           </a:solidFill>
                           <a:effectLst/>
                           <a:latin typeface="Calibri" panose="020F0502020204030204" pitchFamily="34" charset="0"/>
@@ -6654,7 +5313,7 @@
                   </a:ext>
                 </a:extLst>
               </a:tr>
-              <a:tr h="360872">
+              <a:tr h="680418">
                 <a:tc>
                   <a:txBody>
                     <a:bodyPr/>
@@ -6662,9 +5321,9 @@
                     <a:p>
                       <a:pPr algn="ctr" fontAlgn="b"/>
                       <a:r>
-                        <a:rPr lang="en-AU" sz="1100" b="0" i="0" u="none" strike="noStrike">
+                        <a:rPr lang="en-AU" sz="2400" b="0" i="0" u="none" strike="noStrike">
                           <a:solidFill>
-                            <a:srgbClr val="000000"/>
+                            <a:srgbClr val="003B46"/>
                           </a:solidFill>
                           <a:effectLst/>
                           <a:latin typeface="Calibri" panose="020F0502020204030204" pitchFamily="34" charset="0"/>
@@ -6719,9 +5378,9 @@
                     <a:p>
                       <a:pPr algn="ctr" fontAlgn="b"/>
                       <a:r>
-                        <a:rPr lang="en-AU" sz="1100" b="0" i="0" u="none" strike="noStrike">
+                        <a:rPr lang="en-AU" sz="2400" b="0" i="0" u="none" strike="noStrike">
                           <a:solidFill>
-                            <a:srgbClr val="000000"/>
+                            <a:srgbClr val="003B46"/>
                           </a:solidFill>
                           <a:effectLst/>
                           <a:latin typeface="Calibri" panose="020F0502020204030204" pitchFamily="34" charset="0"/>
@@ -6776,9 +5435,9 @@
                     <a:p>
                       <a:pPr algn="ctr" fontAlgn="b"/>
                       <a:r>
-                        <a:rPr lang="en-AU" sz="1100" b="0" i="0" u="none" strike="noStrike">
+                        <a:rPr lang="en-AU" sz="2400" b="0" i="0" u="none" strike="noStrike">
                           <a:solidFill>
-                            <a:srgbClr val="000000"/>
+                            <a:srgbClr val="003B46"/>
                           </a:solidFill>
                           <a:effectLst/>
                           <a:latin typeface="Calibri" panose="020F0502020204030204" pitchFamily="34" charset="0"/>
@@ -6833,9 +5492,9 @@
                     <a:p>
                       <a:pPr algn="ctr" fontAlgn="b"/>
                       <a:r>
-                        <a:rPr lang="en-AU" sz="1100" b="0" i="0" u="none" strike="noStrike" dirty="0">
+                        <a:rPr lang="en-AU" sz="2400" b="0" i="0" u="none" strike="noStrike" dirty="0">
                           <a:solidFill>
-                            <a:srgbClr val="000000"/>
+                            <a:srgbClr val="003B46"/>
                           </a:solidFill>
                           <a:effectLst/>
                           <a:latin typeface="Calibri" panose="020F0502020204030204" pitchFamily="34" charset="0"/>
@@ -6889,7 +5548,7 @@
                   </a:ext>
                 </a:extLst>
               </a:tr>
-              <a:tr h="360872">
+              <a:tr h="680418">
                 <a:tc>
                   <a:txBody>
                     <a:bodyPr/>
@@ -6897,9 +5556,9 @@
                     <a:p>
                       <a:pPr algn="ctr" fontAlgn="b"/>
                       <a:r>
-                        <a:rPr lang="en-AU" sz="1100" b="0" i="0" u="none" strike="noStrike">
+                        <a:rPr lang="en-AU" sz="2400" b="0" i="0" u="none" strike="noStrike">
                           <a:solidFill>
-                            <a:srgbClr val="000000"/>
+                            <a:srgbClr val="003B46"/>
                           </a:solidFill>
                           <a:effectLst/>
                           <a:latin typeface="Calibri" panose="020F0502020204030204" pitchFamily="34" charset="0"/>
@@ -6954,9 +5613,9 @@
                     <a:p>
                       <a:pPr algn="ctr" fontAlgn="b"/>
                       <a:r>
-                        <a:rPr lang="en-AU" sz="1100" b="0" i="0" u="none" strike="noStrike">
+                        <a:rPr lang="en-AU" sz="2400" b="0" i="0" u="none" strike="noStrike">
                           <a:solidFill>
-                            <a:srgbClr val="000000"/>
+                            <a:srgbClr val="003B46"/>
                           </a:solidFill>
                           <a:effectLst/>
                           <a:latin typeface="Calibri" panose="020F0502020204030204" pitchFamily="34" charset="0"/>
@@ -7011,9 +5670,9 @@
                     <a:p>
                       <a:pPr algn="ctr" fontAlgn="b"/>
                       <a:r>
-                        <a:rPr lang="en-AU" sz="1100" b="0" i="0" u="none" strike="noStrike">
+                        <a:rPr lang="en-AU" sz="2400" b="0" i="0" u="none" strike="noStrike">
                           <a:solidFill>
-                            <a:srgbClr val="000000"/>
+                            <a:srgbClr val="003B46"/>
                           </a:solidFill>
                           <a:effectLst/>
                           <a:latin typeface="Calibri" panose="020F0502020204030204" pitchFamily="34" charset="0"/>
@@ -7068,9 +5727,9 @@
                     <a:p>
                       <a:pPr algn="ctr" fontAlgn="b"/>
                       <a:r>
-                        <a:rPr lang="en-AU" sz="1100" b="0" i="0" u="none" strike="noStrike" dirty="0">
+                        <a:rPr lang="en-AU" sz="2400" b="0" i="0" u="none" strike="noStrike" dirty="0">
                           <a:solidFill>
-                            <a:srgbClr val="000000"/>
+                            <a:srgbClr val="003B46"/>
                           </a:solidFill>
                           <a:effectLst/>
                           <a:latin typeface="Calibri" panose="020F0502020204030204" pitchFamily="34" charset="0"/>
@@ -7142,8 +5801,8 @@
         </p:nvSpPr>
         <p:spPr>
           <a:xfrm>
-            <a:off x="3359716" y="2063319"/>
-            <a:ext cx="5189882" cy="369332"/>
+            <a:off x="1988116" y="1750919"/>
+            <a:ext cx="9080114" cy="584775"/>
           </a:xfrm>
           <a:prstGeom prst="rect">
             <a:avLst/>
@@ -7157,7 +5816,11 @@
           <a:lstStyle/>
           <a:p>
             <a:r>
-              <a:rPr lang="en-AU" dirty="0"/>
+              <a:rPr lang="en-AU" sz="3200" dirty="0">
+                <a:solidFill>
+                  <a:srgbClr val="003B46"/>
+                </a:solidFill>
+              </a:rPr>
               <a:t>Average UV Index Comparison (Halls Creek vs Albany)</a:t>
             </a:r>
           </a:p>
@@ -7179,14 +5842,6 @@
 <file path=ppt/slides/slide12.xml><?xml version="1.0" encoding="utf-8"?>
 <p:sld xmlns:a="http://schemas.openxmlformats.org/drawingml/2006/main" xmlns:r="http://schemas.openxmlformats.org/officeDocument/2006/relationships" xmlns:p="http://schemas.openxmlformats.org/presentationml/2006/main">
   <p:cSld>
-    <p:bg>
-      <p:bgPr>
-        <a:solidFill>
-          <a:schemeClr val="bg1"/>
-        </a:solidFill>
-        <a:effectLst/>
-      </p:bgPr>
-    </p:bg>
     <p:spTree>
       <p:nvGrpSpPr>
         <p:cNvPr id="1" name=""/>
@@ -7203,559 +5858,65 @@
       </p:grpSpPr>
       <p:sp>
         <p:nvSpPr>
-          <p:cNvPr id="8" name="Rectangle 7">
-            <a:extLst>
-              <a:ext uri="{FF2B5EF4-FFF2-40B4-BE49-F238E27FC236}">
-                <a16:creationId xmlns:a16="http://schemas.microsoft.com/office/drawing/2014/main" id="{F3060C83-F051-4F0E-ABAD-AA0DFC48B218}"/>
-              </a:ext>
-              <a:ext uri="{C183D7F6-B498-43B3-948B-1728B52AA6E4}">
-                <adec:decorative xmlns:adec="http://schemas.microsoft.com/office/drawing/2017/decorative" val="1"/>
-              </a:ext>
-            </a:extLst>
-          </p:cNvPr>
-          <p:cNvSpPr>
-            <a:spLocks noGrp="1" noRot="1" noChangeAspect="1" noMove="1" noResize="1" noEditPoints="1" noAdjustHandles="1" noChangeArrowheads="1" noChangeShapeType="1" noTextEdit="1"/>
-          </p:cNvSpPr>
-          <p:nvPr>
-            <p:extLst>
-              <p:ext uri="{386F3935-93C4-4BCD-93E2-E3B085C9AB24}">
-                <p16:designElem xmlns:p16="http://schemas.microsoft.com/office/powerpoint/2015/main" val="1"/>
-              </p:ext>
-            </p:extLst>
-          </p:nvPr>
+          <p:cNvPr id="4" name="TextBox 3">
+            <a:extLst>
+              <a:ext uri="{FF2B5EF4-FFF2-40B4-BE49-F238E27FC236}">
+                <a16:creationId xmlns:a16="http://schemas.microsoft.com/office/drawing/2014/main" id="{775523D8-CAEC-4DFB-B084-BC8DD40E99DD}"/>
+              </a:ext>
+            </a:extLst>
+          </p:cNvPr>
+          <p:cNvSpPr txBox="1"/>
+          <p:nvPr/>
         </p:nvSpPr>
         <p:spPr>
           <a:xfrm>
-            <a:off x="0" y="0"/>
-            <a:ext cx="12192000" cy="6858000"/>
+            <a:off x="1" y="174805"/>
+            <a:ext cx="12192000" cy="1569660"/>
           </a:xfrm>
           <a:prstGeom prst="rect">
             <a:avLst/>
           </a:prstGeom>
           <a:solidFill>
-            <a:schemeClr val="bg1"/>
+            <a:srgbClr val="66A5AD"/>
           </a:solidFill>
-          <a:ln>
-            <a:noFill/>
-          </a:ln>
         </p:spPr>
-        <p:style>
-          <a:lnRef idx="2">
-            <a:schemeClr val="accent1">
-              <a:shade val="50000"/>
-            </a:schemeClr>
-          </a:lnRef>
-          <a:fillRef idx="1">
-            <a:schemeClr val="accent1"/>
-          </a:fillRef>
-          <a:effectRef idx="0">
-            <a:schemeClr val="accent1"/>
-          </a:effectRef>
-          <a:fontRef idx="minor">
-            <a:schemeClr val="lt1"/>
-          </a:fontRef>
-        </p:style>
-        <p:txBody>
-          <a:bodyPr rtlCol="0" anchor="ctr"/>
-          <a:lstStyle/>
-          <a:p>
-            <a:pPr algn="ctr"/>
-            <a:endParaRPr lang="en-US" dirty="0"/>
-          </a:p>
-        </p:txBody>
-      </p:sp>
-      <p:sp>
-        <p:nvSpPr>
-          <p:cNvPr id="10" name="Freeform: Shape 9">
-            <a:extLst>
-              <a:ext uri="{FF2B5EF4-FFF2-40B4-BE49-F238E27FC236}">
-                <a16:creationId xmlns:a16="http://schemas.microsoft.com/office/drawing/2014/main" id="{83C98ABE-055B-441F-B07E-44F97F083C39}"/>
-              </a:ext>
-              <a:ext uri="{C183D7F6-B498-43B3-948B-1728B52AA6E4}">
-                <adec:decorative xmlns:adec="http://schemas.microsoft.com/office/drawing/2017/decorative" val="1"/>
-              </a:ext>
-            </a:extLst>
-          </p:cNvPr>
-          <p:cNvSpPr>
-            <a:spLocks noGrp="1" noRot="1" noChangeAspect="1" noMove="1" noResize="1" noEditPoints="1" noAdjustHandles="1" noChangeArrowheads="1" noChangeShapeType="1" noTextEdit="1"/>
-          </p:cNvSpPr>
-          <p:nvPr>
-            <p:extLst>
-              <p:ext uri="{386F3935-93C4-4BCD-93E2-E3B085C9AB24}">
-                <p16:designElem xmlns:p16="http://schemas.microsoft.com/office/powerpoint/2015/main" val="1"/>
-              </p:ext>
-            </p:extLst>
-          </p:nvPr>
-        </p:nvSpPr>
-        <p:spPr>
-          <a:xfrm rot="18900000" flipH="1">
-            <a:off x="-376156" y="-253670"/>
-            <a:ext cx="1827638" cy="1376989"/>
-          </a:xfrm>
-          <a:custGeom>
-            <a:avLst/>
-            <a:gdLst>
-              <a:gd name="connsiteX0" fmla="*/ 0 w 1827638"/>
-              <a:gd name="connsiteY0" fmla="*/ 987379 h 1376989"/>
-              <a:gd name="connsiteX1" fmla="*/ 987379 w 1827638"/>
-              <a:gd name="connsiteY1" fmla="*/ 0 h 1376989"/>
-              <a:gd name="connsiteX2" fmla="*/ 1827638 w 1827638"/>
-              <a:gd name="connsiteY2" fmla="*/ 840260 h 1376989"/>
-              <a:gd name="connsiteX3" fmla="*/ 1827638 w 1827638"/>
-              <a:gd name="connsiteY3" fmla="*/ 1376989 h 1376989"/>
-              <a:gd name="connsiteX4" fmla="*/ 0 w 1827638"/>
-              <a:gd name="connsiteY4" fmla="*/ 1376989 h 1376989"/>
-            </a:gdLst>
-            <a:ahLst/>
-            <a:cxnLst>
-              <a:cxn ang="0">
-                <a:pos x="connsiteX0" y="connsiteY0"/>
-              </a:cxn>
-              <a:cxn ang="0">
-                <a:pos x="connsiteX1" y="connsiteY1"/>
-              </a:cxn>
-              <a:cxn ang="0">
-                <a:pos x="connsiteX2" y="connsiteY2"/>
-              </a:cxn>
-              <a:cxn ang="0">
-                <a:pos x="connsiteX3" y="connsiteY3"/>
-              </a:cxn>
-              <a:cxn ang="0">
-                <a:pos x="connsiteX4" y="connsiteY4"/>
-              </a:cxn>
-            </a:cxnLst>
-            <a:rect l="l" t="t" r="r" b="b"/>
-            <a:pathLst>
-              <a:path w="1827638" h="1376989">
-                <a:moveTo>
-                  <a:pt x="0" y="987379"/>
-                </a:moveTo>
-                <a:lnTo>
-                  <a:pt x="987379" y="0"/>
-                </a:lnTo>
-                <a:lnTo>
-                  <a:pt x="1827638" y="840260"/>
-                </a:lnTo>
-                <a:lnTo>
-                  <a:pt x="1827638" y="1376989"/>
-                </a:lnTo>
-                <a:lnTo>
-                  <a:pt x="0" y="1376989"/>
-                </a:lnTo>
-                <a:close/>
-              </a:path>
-            </a:pathLst>
-          </a:custGeom>
-          <a:solidFill>
-            <a:schemeClr val="accent1">
-              <a:alpha val="30000"/>
-            </a:schemeClr>
-          </a:solidFill>
-          <a:ln>
-            <a:noFill/>
-          </a:ln>
-        </p:spPr>
-        <p:style>
-          <a:lnRef idx="2">
-            <a:schemeClr val="accent1">
-              <a:shade val="50000"/>
-            </a:schemeClr>
-          </a:lnRef>
-          <a:fillRef idx="1">
-            <a:schemeClr val="accent1"/>
-          </a:fillRef>
-          <a:effectRef idx="0">
-            <a:schemeClr val="accent1"/>
-          </a:effectRef>
-          <a:fontRef idx="minor">
-            <a:schemeClr val="lt1"/>
-          </a:fontRef>
-        </p:style>
-        <p:txBody>
-          <a:bodyPr rtlCol="0" anchor="ctr"/>
-          <a:lstStyle/>
-          <a:p>
-            <a:pPr algn="ctr"/>
-            <a:endParaRPr lang="en-US" dirty="0"/>
-          </a:p>
-        </p:txBody>
-      </p:sp>
-      <p:sp>
-        <p:nvSpPr>
-          <p:cNvPr id="12" name="Rectangle 11">
-            <a:extLst>
-              <a:ext uri="{FF2B5EF4-FFF2-40B4-BE49-F238E27FC236}">
-                <a16:creationId xmlns:a16="http://schemas.microsoft.com/office/drawing/2014/main" id="{29FDB030-9B49-4CED-8CCD-4D99382388AC}"/>
-              </a:ext>
-              <a:ext uri="{C183D7F6-B498-43B3-948B-1728B52AA6E4}">
-                <adec:decorative xmlns:adec="http://schemas.microsoft.com/office/drawing/2017/decorative" val="1"/>
-              </a:ext>
-            </a:extLst>
-          </p:cNvPr>
-          <p:cNvSpPr>
-            <a:spLocks noGrp="1" noRot="1" noChangeAspect="1" noMove="1" noResize="1" noEditPoints="1" noAdjustHandles="1" noChangeArrowheads="1" noChangeShapeType="1" noTextEdit="1"/>
-          </p:cNvSpPr>
-          <p:nvPr>
-            <p:extLst>
-              <p:ext uri="{386F3935-93C4-4BCD-93E2-E3B085C9AB24}">
-                <p16:designElem xmlns:p16="http://schemas.microsoft.com/office/powerpoint/2015/main" val="1"/>
-              </p:ext>
-            </p:extLst>
-          </p:nvPr>
-        </p:nvSpPr>
-        <p:spPr>
-          <a:xfrm rot="18900000" flipH="1">
-            <a:off x="891641" y="422146"/>
-            <a:ext cx="645368" cy="645368"/>
-          </a:xfrm>
-          <a:prstGeom prst="rect">
-            <a:avLst/>
-          </a:prstGeom>
-          <a:solidFill>
-            <a:schemeClr val="accent1">
-              <a:alpha val="30000"/>
-            </a:schemeClr>
-          </a:solidFill>
-          <a:ln>
-            <a:noFill/>
-          </a:ln>
-        </p:spPr>
-        <p:style>
-          <a:lnRef idx="2">
-            <a:schemeClr val="accent1">
-              <a:shade val="50000"/>
-            </a:schemeClr>
-          </a:lnRef>
-          <a:fillRef idx="1">
-            <a:schemeClr val="accent1"/>
-          </a:fillRef>
-          <a:effectRef idx="0">
-            <a:schemeClr val="accent1"/>
-          </a:effectRef>
-          <a:fontRef idx="minor">
-            <a:schemeClr val="lt1"/>
-          </a:fontRef>
-        </p:style>
-        <p:txBody>
-          <a:bodyPr rtlCol="0" anchor="ctr"/>
-          <a:lstStyle/>
-          <a:p>
-            <a:pPr algn="ctr"/>
-            <a:endParaRPr lang="en-US"/>
-          </a:p>
-        </p:txBody>
-      </p:sp>
-      <p:sp>
-        <p:nvSpPr>
-          <p:cNvPr id="14" name="Rectangle 13">
-            <a:extLst>
-              <a:ext uri="{FF2B5EF4-FFF2-40B4-BE49-F238E27FC236}">
-                <a16:creationId xmlns:a16="http://schemas.microsoft.com/office/drawing/2014/main" id="{3783CA14-24A1-485C-8B30-D6A5D87987AD}"/>
-              </a:ext>
-              <a:ext uri="{C183D7F6-B498-43B3-948B-1728B52AA6E4}">
-                <adec:decorative xmlns:adec="http://schemas.microsoft.com/office/drawing/2017/decorative" val="1"/>
-              </a:ext>
-            </a:extLst>
-          </p:cNvPr>
-          <p:cNvSpPr>
-            <a:spLocks noGrp="1" noRot="1" noChangeAspect="1" noMove="1" noResize="1" noEditPoints="1" noAdjustHandles="1" noChangeArrowheads="1" noChangeShapeType="1" noTextEdit="1"/>
-          </p:cNvSpPr>
-          <p:nvPr>
-            <p:extLst>
-              <p:ext uri="{386F3935-93C4-4BCD-93E2-E3B085C9AB24}">
-                <p16:designElem xmlns:p16="http://schemas.microsoft.com/office/powerpoint/2015/main" val="1"/>
-              </p:ext>
-            </p:extLst>
-          </p:nvPr>
-        </p:nvSpPr>
-        <p:spPr>
-          <a:xfrm rot="18900000" flipH="1">
-            <a:off x="10043482" y="655140"/>
-            <a:ext cx="687472" cy="687472"/>
-          </a:xfrm>
-          <a:prstGeom prst="rect">
-            <a:avLst/>
-          </a:prstGeom>
-          <a:solidFill>
-            <a:schemeClr val="accent4">
-              <a:alpha val="30000"/>
-            </a:schemeClr>
-          </a:solidFill>
-          <a:ln>
-            <a:noFill/>
-          </a:ln>
-        </p:spPr>
-        <p:style>
-          <a:lnRef idx="2">
-            <a:schemeClr val="accent1">
-              <a:shade val="50000"/>
-            </a:schemeClr>
-          </a:lnRef>
-          <a:fillRef idx="1">
-            <a:schemeClr val="accent1"/>
-          </a:fillRef>
-          <a:effectRef idx="0">
-            <a:schemeClr val="accent1"/>
-          </a:effectRef>
-          <a:fontRef idx="minor">
-            <a:schemeClr val="lt1"/>
-          </a:fontRef>
-        </p:style>
-        <p:txBody>
-          <a:bodyPr rtlCol="0" anchor="ctr"/>
-          <a:lstStyle/>
-          <a:p>
-            <a:pPr algn="ctr"/>
-            <a:endParaRPr lang="en-US"/>
-          </a:p>
-        </p:txBody>
-      </p:sp>
-      <p:sp>
-        <p:nvSpPr>
-          <p:cNvPr id="16" name="Freeform: Shape 15">
-            <a:extLst>
-              <a:ext uri="{FF2B5EF4-FFF2-40B4-BE49-F238E27FC236}">
-                <a16:creationId xmlns:a16="http://schemas.microsoft.com/office/drawing/2014/main" id="{9A97C86A-04D6-40F7-AE84-31AB43E6A846}"/>
-              </a:ext>
-              <a:ext uri="{C183D7F6-B498-43B3-948B-1728B52AA6E4}">
-                <adec:decorative xmlns:adec="http://schemas.microsoft.com/office/drawing/2017/decorative" val="1"/>
-              </a:ext>
-            </a:extLst>
-          </p:cNvPr>
-          <p:cNvSpPr>
-            <a:spLocks noGrp="1" noRot="1" noChangeAspect="1" noMove="1" noResize="1" noEditPoints="1" noAdjustHandles="1" noChangeArrowheads="1" noChangeShapeType="1" noTextEdit="1"/>
-          </p:cNvSpPr>
-          <p:nvPr>
-            <p:extLst>
-              <p:ext uri="{386F3935-93C4-4BCD-93E2-E3B085C9AB24}">
-                <p16:designElem xmlns:p16="http://schemas.microsoft.com/office/powerpoint/2015/main" val="1"/>
-              </p:ext>
-            </p:extLst>
-          </p:nvPr>
-        </p:nvSpPr>
-        <p:spPr>
-          <a:xfrm rot="10800000" flipH="1">
-            <a:off x="9356643" y="0"/>
-            <a:ext cx="2835357" cy="1480837"/>
-          </a:xfrm>
-          <a:custGeom>
-            <a:avLst/>
-            <a:gdLst>
-              <a:gd name="connsiteX0" fmla="*/ 2835357 w 2835357"/>
-              <a:gd name="connsiteY0" fmla="*/ 1480837 h 1480837"/>
-              <a:gd name="connsiteX1" fmla="*/ 0 w 2835357"/>
-              <a:gd name="connsiteY1" fmla="*/ 1480837 h 1480837"/>
-              <a:gd name="connsiteX2" fmla="*/ 1552727 w 2835357"/>
-              <a:gd name="connsiteY2" fmla="*/ 0 h 1480837"/>
-              <a:gd name="connsiteX3" fmla="*/ 2835357 w 2835357"/>
-              <a:gd name="connsiteY3" fmla="*/ 1223245 h 1480837"/>
-            </a:gdLst>
-            <a:ahLst/>
-            <a:cxnLst>
-              <a:cxn ang="0">
-                <a:pos x="connsiteX0" y="connsiteY0"/>
-              </a:cxn>
-              <a:cxn ang="0">
-                <a:pos x="connsiteX1" y="connsiteY1"/>
-              </a:cxn>
-              <a:cxn ang="0">
-                <a:pos x="connsiteX2" y="connsiteY2"/>
-              </a:cxn>
-              <a:cxn ang="0">
-                <a:pos x="connsiteX3" y="connsiteY3"/>
-              </a:cxn>
-            </a:cxnLst>
-            <a:rect l="l" t="t" r="r" b="b"/>
-            <a:pathLst>
-              <a:path w="2835357" h="1480837">
-                <a:moveTo>
-                  <a:pt x="2835357" y="1480837"/>
-                </a:moveTo>
-                <a:lnTo>
-                  <a:pt x="0" y="1480837"/>
-                </a:lnTo>
-                <a:lnTo>
-                  <a:pt x="1552727" y="0"/>
-                </a:lnTo>
-                <a:lnTo>
-                  <a:pt x="2835357" y="1223245"/>
-                </a:lnTo>
-                <a:close/>
-              </a:path>
-            </a:pathLst>
-          </a:custGeom>
-          <a:solidFill>
-            <a:schemeClr val="accent4">
-              <a:alpha val="30000"/>
-            </a:schemeClr>
-          </a:solidFill>
-          <a:ln>
-            <a:noFill/>
-          </a:ln>
-        </p:spPr>
-        <p:style>
-          <a:lnRef idx="2">
-            <a:schemeClr val="accent1">
-              <a:shade val="50000"/>
-            </a:schemeClr>
-          </a:lnRef>
-          <a:fillRef idx="1">
-            <a:schemeClr val="accent1"/>
-          </a:fillRef>
-          <a:effectRef idx="0">
-            <a:schemeClr val="accent1"/>
-          </a:effectRef>
-          <a:fontRef idx="minor">
-            <a:schemeClr val="lt1"/>
-          </a:fontRef>
-        </p:style>
-        <p:txBody>
-          <a:bodyPr wrap="square" rtlCol="0" anchor="ctr">
-            <a:noAutofit/>
+        <p:txBody>
+          <a:bodyPr wrap="square" rtlCol="0">
+            <a:spAutoFit/>
           </a:bodyPr>
           <a:lstStyle/>
           <a:p>
             <a:pPr algn="ctr"/>
-            <a:endParaRPr lang="en-US" dirty="0"/>
-          </a:p>
-        </p:txBody>
-      </p:sp>
-      <p:sp>
-        <p:nvSpPr>
-          <p:cNvPr id="18" name="Isosceles Triangle 17">
-            <a:extLst>
-              <a:ext uri="{FF2B5EF4-FFF2-40B4-BE49-F238E27FC236}">
-                <a16:creationId xmlns:a16="http://schemas.microsoft.com/office/drawing/2014/main" id="{FF9F2414-84E8-453E-B1F3-389FDE8192D9}"/>
-              </a:ext>
-              <a:ext uri="{C183D7F6-B498-43B3-948B-1728B52AA6E4}">
-                <adec:decorative xmlns:adec="http://schemas.microsoft.com/office/drawing/2017/decorative" val="1"/>
-              </a:ext>
-            </a:extLst>
-          </p:cNvPr>
-          <p:cNvSpPr>
-            <a:spLocks noGrp="1" noRot="1" noChangeAspect="1" noMove="1" noResize="1" noEditPoints="1" noAdjustHandles="1" noChangeArrowheads="1" noChangeShapeType="1" noTextEdit="1"/>
-          </p:cNvSpPr>
-          <p:nvPr>
-            <p:extLst>
-              <p:ext uri="{386F3935-93C4-4BCD-93E2-E3B085C9AB24}">
-                <p16:designElem xmlns:p16="http://schemas.microsoft.com/office/powerpoint/2015/main" val="1"/>
-              </p:ext>
-            </p:extLst>
-          </p:nvPr>
-        </p:nvSpPr>
-        <p:spPr>
-          <a:xfrm flipH="1">
-            <a:off x="7976344" y="6115501"/>
-            <a:ext cx="1494513" cy="742499"/>
-          </a:xfrm>
-          <a:prstGeom prst="triangle">
-            <a:avLst/>
-          </a:prstGeom>
-          <a:solidFill>
-            <a:schemeClr val="accent1">
-              <a:alpha val="30000"/>
-            </a:schemeClr>
-          </a:solidFill>
-          <a:ln>
-            <a:noFill/>
-          </a:ln>
-        </p:spPr>
-        <p:style>
-          <a:lnRef idx="2">
-            <a:schemeClr val="accent1">
-              <a:shade val="50000"/>
-            </a:schemeClr>
-          </a:lnRef>
-          <a:fillRef idx="1">
-            <a:schemeClr val="accent1"/>
-          </a:fillRef>
-          <a:effectRef idx="0">
-            <a:schemeClr val="accent1"/>
-          </a:effectRef>
-          <a:fontRef idx="minor">
-            <a:schemeClr val="lt1"/>
-          </a:fontRef>
-        </p:style>
-        <p:txBody>
-          <a:bodyPr rtlCol="0" anchor="ctr"/>
-          <a:lstStyle/>
+            <a:r>
+              <a:rPr lang="en-AU" sz="4800" b="1" dirty="0">
+                <a:solidFill>
+                  <a:srgbClr val="003B46"/>
+                </a:solidFill>
+                <a:latin typeface="+mj-lt"/>
+              </a:rPr>
+              <a:t>Western Australia UV Index</a:t>
+            </a:r>
+          </a:p>
           <a:p>
             <a:pPr algn="ctr"/>
-            <a:endParaRPr lang="en-US"/>
-          </a:p>
-        </p:txBody>
-      </p:sp>
-      <p:sp>
-        <p:nvSpPr>
-          <p:cNvPr id="20" name="Isosceles Triangle 19">
-            <a:extLst>
-              <a:ext uri="{FF2B5EF4-FFF2-40B4-BE49-F238E27FC236}">
-                <a16:creationId xmlns:a16="http://schemas.microsoft.com/office/drawing/2014/main" id="{3ECA69A1-7536-43AC-85EF-C7106179F5ED}"/>
-              </a:ext>
-              <a:ext uri="{C183D7F6-B498-43B3-948B-1728B52AA6E4}">
-                <adec:decorative xmlns:adec="http://schemas.microsoft.com/office/drawing/2017/decorative" val="1"/>
-              </a:ext>
-            </a:extLst>
-          </p:cNvPr>
-          <p:cNvSpPr>
-            <a:spLocks noGrp="1" noRot="1" noChangeAspect="1" noMove="1" noResize="1" noEditPoints="1" noAdjustHandles="1" noChangeArrowheads="1" noChangeShapeType="1" noTextEdit="1"/>
-          </p:cNvSpPr>
-          <p:nvPr>
-            <p:extLst>
-              <p:ext uri="{386F3935-93C4-4BCD-93E2-E3B085C9AB24}">
-                <p16:designElem xmlns:p16="http://schemas.microsoft.com/office/powerpoint/2015/main" val="1"/>
-              </p:ext>
-            </p:extLst>
-          </p:nvPr>
-        </p:nvSpPr>
-        <p:spPr>
-          <a:xfrm flipH="1">
-            <a:off x="7604080" y="6453143"/>
-            <a:ext cx="814903" cy="404857"/>
-          </a:xfrm>
-          <a:prstGeom prst="triangle">
-            <a:avLst/>
-          </a:prstGeom>
-          <a:solidFill>
-            <a:schemeClr val="accent1">
-              <a:alpha val="30000"/>
-            </a:schemeClr>
-          </a:solidFill>
-          <a:ln>
-            <a:noFill/>
-          </a:ln>
-        </p:spPr>
-        <p:style>
-          <a:lnRef idx="2">
-            <a:schemeClr val="accent1">
-              <a:shade val="50000"/>
-            </a:schemeClr>
-          </a:lnRef>
-          <a:fillRef idx="1">
-            <a:schemeClr val="accent1"/>
-          </a:fillRef>
-          <a:effectRef idx="0">
-            <a:schemeClr val="accent1"/>
-          </a:effectRef>
-          <a:fontRef idx="minor">
-            <a:schemeClr val="lt1"/>
-          </a:fontRef>
-        </p:style>
-        <p:txBody>
-          <a:bodyPr rtlCol="0" anchor="ctr"/>
-          <a:lstStyle/>
-          <a:p>
-            <a:pPr algn="ctr"/>
-            <a:endParaRPr lang="en-US"/>
-          </a:p>
-        </p:txBody>
-      </p:sp>
-      <p:sp>
-        <p:nvSpPr>
-          <p:cNvPr id="4" name="TextBox 3">
-            <a:extLst>
-              <a:ext uri="{FF2B5EF4-FFF2-40B4-BE49-F238E27FC236}">
-                <a16:creationId xmlns:a16="http://schemas.microsoft.com/office/drawing/2014/main" id="{775523D8-CAEC-4DFB-B084-BC8DD40E99DD}"/>
+            <a:r>
+              <a:rPr lang="en-AU" sz="4800" b="1" dirty="0">
+                <a:solidFill>
+                  <a:srgbClr val="003B46"/>
+                </a:solidFill>
+                <a:latin typeface="+mj-lt"/>
+              </a:rPr>
+              <a:t>Analysis Conclusion/Summary</a:t>
+            </a:r>
+          </a:p>
+        </p:txBody>
+      </p:sp>
+      <p:sp>
+        <p:nvSpPr>
+          <p:cNvPr id="7" name="TextBox 6">
+            <a:extLst>
+              <a:ext uri="{FF2B5EF4-FFF2-40B4-BE49-F238E27FC236}">
+                <a16:creationId xmlns:a16="http://schemas.microsoft.com/office/drawing/2014/main" id="{9606B31D-BF23-403C-9DF1-B9C735320B41}"/>
               </a:ext>
             </a:extLst>
           </p:cNvPr>
@@ -7764,8 +5925,8 @@
         </p:nvSpPr>
         <p:spPr>
           <a:xfrm>
-            <a:off x="1546185" y="174805"/>
-            <a:ext cx="8865119" cy="1754326"/>
+            <a:off x="536713" y="1958837"/>
+            <a:ext cx="11340548" cy="1938992"/>
           </a:xfrm>
           <a:prstGeom prst="rect">
             <a:avLst/>
@@ -7773,80 +5934,30 @@
           <a:noFill/>
         </p:spPr>
         <p:txBody>
-          <a:bodyPr wrap="none" rtlCol="0">
-            <a:spAutoFit/>
-          </a:bodyPr>
-          <a:lstStyle/>
-          <a:p>
-            <a:pPr algn="ctr"/>
-            <a:r>
-              <a:rPr lang="en-AU" sz="5400" b="1" dirty="0">
-                <a:solidFill>
-                  <a:schemeClr val="accent6">
-                    <a:lumMod val="75000"/>
-                  </a:schemeClr>
-                </a:solidFill>
-              </a:rPr>
-              <a:t>Western Australia UV Index</a:t>
-            </a:r>
-          </a:p>
-          <a:p>
-            <a:pPr algn="ctr"/>
-            <a:r>
-              <a:rPr lang="en-AU" sz="5400" b="1" dirty="0">
-                <a:solidFill>
-                  <a:schemeClr val="accent6">
-                    <a:lumMod val="75000"/>
-                  </a:schemeClr>
-                </a:solidFill>
-              </a:rPr>
-              <a:t>Analysis Conclusion/Summary</a:t>
-            </a:r>
-          </a:p>
-        </p:txBody>
-      </p:sp>
-      <p:sp>
-        <p:nvSpPr>
-          <p:cNvPr id="7" name="TextBox 6">
-            <a:extLst>
-              <a:ext uri="{FF2B5EF4-FFF2-40B4-BE49-F238E27FC236}">
-                <a16:creationId xmlns:a16="http://schemas.microsoft.com/office/drawing/2014/main" id="{9606B31D-BF23-403C-9DF1-B9C735320B41}"/>
-              </a:ext>
-            </a:extLst>
-          </p:cNvPr>
-          <p:cNvSpPr txBox="1"/>
-          <p:nvPr/>
-        </p:nvSpPr>
-        <p:spPr>
-          <a:xfrm>
-            <a:off x="1618599" y="2503722"/>
-            <a:ext cx="8282502" cy="1754326"/>
-          </a:xfrm>
-          <a:prstGeom prst="rect">
-            <a:avLst/>
-          </a:prstGeom>
-          <a:noFill/>
-        </p:spPr>
-        <p:txBody>
           <a:bodyPr wrap="square" rtlCol="0">
             <a:spAutoFit/>
           </a:bodyPr>
           <a:lstStyle/>
           <a:p>
-            <a:endParaRPr lang="en-AU" dirty="0"/>
-          </a:p>
-          <a:p>
             <a:pPr marL="285750" indent="-285750">
               <a:buFont typeface="Arial" panose="020B0604020202020204" pitchFamily="34" charset="0"/>
               <a:buChar char="•"/>
             </a:pPr>
             <a:r>
-              <a:rPr lang="en-AU" dirty="0"/>
-              <a:t>Through this analysis, we hope that we have raised awareness of the high UV index in WA throughout the year. </a:t>
-            </a:r>
-          </a:p>
-          <a:p>
-            <a:endParaRPr lang="en-AU" dirty="0"/>
+              <a:rPr lang="en-AU" sz="2400" dirty="0">
+                <a:solidFill>
+                  <a:srgbClr val="003B46"/>
+                </a:solidFill>
+              </a:rPr>
+              <a:t>After consumer testing, we can conclude that this analysis will raise awareness of the high UV index in WA throughout the year. </a:t>
+            </a:r>
+          </a:p>
+          <a:p>
+            <a:endParaRPr lang="en-AU" sz="2400" dirty="0">
+              <a:solidFill>
+                <a:srgbClr val="003B46"/>
+              </a:solidFill>
+            </a:endParaRPr>
           </a:p>
           <a:p>
             <a:pPr marL="285750" indent="-285750">
@@ -7854,8 +5965,12 @@
               <a:buChar char="•"/>
             </a:pPr>
             <a:r>
-              <a:rPr lang="en-AU" dirty="0"/>
-              <a:t>In general, WA has very high UV index. Therefore it is important that we always remember Slip, Slop, Slap, Seek and Slide.</a:t>
+              <a:rPr lang="en-AU" sz="2400" dirty="0">
+                <a:solidFill>
+                  <a:srgbClr val="003B46"/>
+                </a:solidFill>
+              </a:rPr>
+              <a:t>In general, WA has a very high UV index, therefore it is important that we always remember Slip, Slop, Slap, Seek and Slide.</a:t>
             </a:r>
           </a:p>
         </p:txBody>
@@ -7882,12 +5997,17 @@
         </p:blipFill>
         <p:spPr>
           <a:xfrm>
-            <a:off x="1360618" y="5197071"/>
-            <a:ext cx="5617018" cy="1548968"/>
+            <a:off x="1744967" y="4112201"/>
+            <a:ext cx="8233919" cy="2270613"/>
           </a:xfrm>
           <a:prstGeom prst="rect">
             <a:avLst/>
           </a:prstGeom>
+          <a:ln w="19050">
+            <a:solidFill>
+              <a:srgbClr val="07575B"/>
+            </a:solidFill>
+          </a:ln>
         </p:spPr>
       </p:pic>
     </p:spTree>
@@ -7909,7 +6029,7 @@
     <p:bg>
       <p:bgPr>
         <a:solidFill>
-          <a:schemeClr val="bg1"/>
+          <a:srgbClr val="C4DFE6"/>
         </a:solidFill>
         <a:effectLst/>
       </p:bgPr>
@@ -7930,559 +6050,65 @@
       </p:grpSpPr>
       <p:sp>
         <p:nvSpPr>
-          <p:cNvPr id="8" name="Rectangle 7">
-            <a:extLst>
-              <a:ext uri="{FF2B5EF4-FFF2-40B4-BE49-F238E27FC236}">
-                <a16:creationId xmlns:a16="http://schemas.microsoft.com/office/drawing/2014/main" id="{F3060C83-F051-4F0E-ABAD-AA0DFC48B218}"/>
-              </a:ext>
-              <a:ext uri="{C183D7F6-B498-43B3-948B-1728B52AA6E4}">
-                <adec:decorative xmlns:adec="http://schemas.microsoft.com/office/drawing/2017/decorative" val="1"/>
-              </a:ext>
-            </a:extLst>
-          </p:cNvPr>
-          <p:cNvSpPr>
-            <a:spLocks noGrp="1" noRot="1" noChangeAspect="1" noMove="1" noResize="1" noEditPoints="1" noAdjustHandles="1" noChangeArrowheads="1" noChangeShapeType="1" noTextEdit="1"/>
-          </p:cNvSpPr>
-          <p:nvPr>
-            <p:extLst>
-              <p:ext uri="{386F3935-93C4-4BCD-93E2-E3B085C9AB24}">
-                <p16:designElem xmlns:p16="http://schemas.microsoft.com/office/powerpoint/2015/main" val="1"/>
-              </p:ext>
-            </p:extLst>
-          </p:nvPr>
+          <p:cNvPr id="22" name="TextBox 21">
+            <a:extLst>
+              <a:ext uri="{FF2B5EF4-FFF2-40B4-BE49-F238E27FC236}">
+                <a16:creationId xmlns:a16="http://schemas.microsoft.com/office/drawing/2014/main" id="{00A26737-E374-464B-9D91-A9C70094714D}"/>
+              </a:ext>
+            </a:extLst>
+          </p:cNvPr>
+          <p:cNvSpPr txBox="1"/>
+          <p:nvPr/>
         </p:nvSpPr>
         <p:spPr>
           <a:xfrm>
-            <a:off x="0" y="0"/>
-            <a:ext cx="12192000" cy="6858000"/>
+            <a:off x="0" y="214046"/>
+            <a:ext cx="12191999" cy="1569660"/>
           </a:xfrm>
           <a:prstGeom prst="rect">
             <a:avLst/>
           </a:prstGeom>
           <a:solidFill>
-            <a:schemeClr val="bg1"/>
+            <a:srgbClr val="66A5AD"/>
           </a:solidFill>
-          <a:ln>
-            <a:noFill/>
-          </a:ln>
         </p:spPr>
-        <p:style>
-          <a:lnRef idx="2">
-            <a:schemeClr val="accent1">
-              <a:shade val="50000"/>
-            </a:schemeClr>
-          </a:lnRef>
-          <a:fillRef idx="1">
-            <a:schemeClr val="accent1"/>
-          </a:fillRef>
-          <a:effectRef idx="0">
-            <a:schemeClr val="accent1"/>
-          </a:effectRef>
-          <a:fontRef idx="minor">
-            <a:schemeClr val="lt1"/>
-          </a:fontRef>
-        </p:style>
-        <p:txBody>
-          <a:bodyPr rtlCol="0" anchor="ctr"/>
-          <a:lstStyle/>
-          <a:p>
-            <a:pPr algn="ctr"/>
-            <a:endParaRPr lang="en-US" dirty="0"/>
-          </a:p>
-        </p:txBody>
-      </p:sp>
-      <p:sp>
-        <p:nvSpPr>
-          <p:cNvPr id="10" name="Freeform: Shape 9">
-            <a:extLst>
-              <a:ext uri="{FF2B5EF4-FFF2-40B4-BE49-F238E27FC236}">
-                <a16:creationId xmlns:a16="http://schemas.microsoft.com/office/drawing/2014/main" id="{83C98ABE-055B-441F-B07E-44F97F083C39}"/>
-              </a:ext>
-              <a:ext uri="{C183D7F6-B498-43B3-948B-1728B52AA6E4}">
-                <adec:decorative xmlns:adec="http://schemas.microsoft.com/office/drawing/2017/decorative" val="1"/>
-              </a:ext>
-            </a:extLst>
-          </p:cNvPr>
-          <p:cNvSpPr>
-            <a:spLocks noGrp="1" noRot="1" noChangeAspect="1" noMove="1" noResize="1" noEditPoints="1" noAdjustHandles="1" noChangeArrowheads="1" noChangeShapeType="1" noTextEdit="1"/>
-          </p:cNvSpPr>
-          <p:nvPr>
-            <p:extLst>
-              <p:ext uri="{386F3935-93C4-4BCD-93E2-E3B085C9AB24}">
-                <p16:designElem xmlns:p16="http://schemas.microsoft.com/office/powerpoint/2015/main" val="1"/>
-              </p:ext>
-            </p:extLst>
-          </p:nvPr>
-        </p:nvSpPr>
-        <p:spPr>
-          <a:xfrm rot="18900000" flipH="1">
-            <a:off x="-376156" y="-253670"/>
-            <a:ext cx="1827638" cy="1376989"/>
-          </a:xfrm>
-          <a:custGeom>
-            <a:avLst/>
-            <a:gdLst>
-              <a:gd name="connsiteX0" fmla="*/ 0 w 1827638"/>
-              <a:gd name="connsiteY0" fmla="*/ 987379 h 1376989"/>
-              <a:gd name="connsiteX1" fmla="*/ 987379 w 1827638"/>
-              <a:gd name="connsiteY1" fmla="*/ 0 h 1376989"/>
-              <a:gd name="connsiteX2" fmla="*/ 1827638 w 1827638"/>
-              <a:gd name="connsiteY2" fmla="*/ 840260 h 1376989"/>
-              <a:gd name="connsiteX3" fmla="*/ 1827638 w 1827638"/>
-              <a:gd name="connsiteY3" fmla="*/ 1376989 h 1376989"/>
-              <a:gd name="connsiteX4" fmla="*/ 0 w 1827638"/>
-              <a:gd name="connsiteY4" fmla="*/ 1376989 h 1376989"/>
-            </a:gdLst>
-            <a:ahLst/>
-            <a:cxnLst>
-              <a:cxn ang="0">
-                <a:pos x="connsiteX0" y="connsiteY0"/>
-              </a:cxn>
-              <a:cxn ang="0">
-                <a:pos x="connsiteX1" y="connsiteY1"/>
-              </a:cxn>
-              <a:cxn ang="0">
-                <a:pos x="connsiteX2" y="connsiteY2"/>
-              </a:cxn>
-              <a:cxn ang="0">
-                <a:pos x="connsiteX3" y="connsiteY3"/>
-              </a:cxn>
-              <a:cxn ang="0">
-                <a:pos x="connsiteX4" y="connsiteY4"/>
-              </a:cxn>
-            </a:cxnLst>
-            <a:rect l="l" t="t" r="r" b="b"/>
-            <a:pathLst>
-              <a:path w="1827638" h="1376989">
-                <a:moveTo>
-                  <a:pt x="0" y="987379"/>
-                </a:moveTo>
-                <a:lnTo>
-                  <a:pt x="987379" y="0"/>
-                </a:lnTo>
-                <a:lnTo>
-                  <a:pt x="1827638" y="840260"/>
-                </a:lnTo>
-                <a:lnTo>
-                  <a:pt x="1827638" y="1376989"/>
-                </a:lnTo>
-                <a:lnTo>
-                  <a:pt x="0" y="1376989"/>
-                </a:lnTo>
-                <a:close/>
-              </a:path>
-            </a:pathLst>
-          </a:custGeom>
-          <a:solidFill>
-            <a:schemeClr val="accent1">
-              <a:alpha val="30000"/>
-            </a:schemeClr>
-          </a:solidFill>
-          <a:ln>
-            <a:noFill/>
-          </a:ln>
-        </p:spPr>
-        <p:style>
-          <a:lnRef idx="2">
-            <a:schemeClr val="accent1">
-              <a:shade val="50000"/>
-            </a:schemeClr>
-          </a:lnRef>
-          <a:fillRef idx="1">
-            <a:schemeClr val="accent1"/>
-          </a:fillRef>
-          <a:effectRef idx="0">
-            <a:schemeClr val="accent1"/>
-          </a:effectRef>
-          <a:fontRef idx="minor">
-            <a:schemeClr val="lt1"/>
-          </a:fontRef>
-        </p:style>
-        <p:txBody>
-          <a:bodyPr rtlCol="0" anchor="ctr"/>
-          <a:lstStyle/>
-          <a:p>
-            <a:pPr algn="ctr"/>
-            <a:endParaRPr lang="en-US" dirty="0"/>
-          </a:p>
-        </p:txBody>
-      </p:sp>
-      <p:sp>
-        <p:nvSpPr>
-          <p:cNvPr id="12" name="Rectangle 11">
-            <a:extLst>
-              <a:ext uri="{FF2B5EF4-FFF2-40B4-BE49-F238E27FC236}">
-                <a16:creationId xmlns:a16="http://schemas.microsoft.com/office/drawing/2014/main" id="{29FDB030-9B49-4CED-8CCD-4D99382388AC}"/>
-              </a:ext>
-              <a:ext uri="{C183D7F6-B498-43B3-948B-1728B52AA6E4}">
-                <adec:decorative xmlns:adec="http://schemas.microsoft.com/office/drawing/2017/decorative" val="1"/>
-              </a:ext>
-            </a:extLst>
-          </p:cNvPr>
-          <p:cNvSpPr>
-            <a:spLocks noGrp="1" noRot="1" noChangeAspect="1" noMove="1" noResize="1" noEditPoints="1" noAdjustHandles="1" noChangeArrowheads="1" noChangeShapeType="1" noTextEdit="1"/>
-          </p:cNvSpPr>
-          <p:nvPr>
-            <p:extLst>
-              <p:ext uri="{386F3935-93C4-4BCD-93E2-E3B085C9AB24}">
-                <p16:designElem xmlns:p16="http://schemas.microsoft.com/office/powerpoint/2015/main" val="1"/>
-              </p:ext>
-            </p:extLst>
-          </p:nvPr>
-        </p:nvSpPr>
-        <p:spPr>
-          <a:xfrm rot="18900000" flipH="1">
-            <a:off x="891641" y="422146"/>
-            <a:ext cx="645368" cy="645368"/>
-          </a:xfrm>
-          <a:prstGeom prst="rect">
-            <a:avLst/>
-          </a:prstGeom>
-          <a:solidFill>
-            <a:schemeClr val="accent1">
-              <a:alpha val="30000"/>
-            </a:schemeClr>
-          </a:solidFill>
-          <a:ln>
-            <a:noFill/>
-          </a:ln>
-        </p:spPr>
-        <p:style>
-          <a:lnRef idx="2">
-            <a:schemeClr val="accent1">
-              <a:shade val="50000"/>
-            </a:schemeClr>
-          </a:lnRef>
-          <a:fillRef idx="1">
-            <a:schemeClr val="accent1"/>
-          </a:fillRef>
-          <a:effectRef idx="0">
-            <a:schemeClr val="accent1"/>
-          </a:effectRef>
-          <a:fontRef idx="minor">
-            <a:schemeClr val="lt1"/>
-          </a:fontRef>
-        </p:style>
-        <p:txBody>
-          <a:bodyPr rtlCol="0" anchor="ctr"/>
-          <a:lstStyle/>
-          <a:p>
-            <a:pPr algn="ctr"/>
-            <a:endParaRPr lang="en-US"/>
-          </a:p>
-        </p:txBody>
-      </p:sp>
-      <p:sp>
-        <p:nvSpPr>
-          <p:cNvPr id="14" name="Rectangle 13">
-            <a:extLst>
-              <a:ext uri="{FF2B5EF4-FFF2-40B4-BE49-F238E27FC236}">
-                <a16:creationId xmlns:a16="http://schemas.microsoft.com/office/drawing/2014/main" id="{3783CA14-24A1-485C-8B30-D6A5D87987AD}"/>
-              </a:ext>
-              <a:ext uri="{C183D7F6-B498-43B3-948B-1728B52AA6E4}">
-                <adec:decorative xmlns:adec="http://schemas.microsoft.com/office/drawing/2017/decorative" val="1"/>
-              </a:ext>
-            </a:extLst>
-          </p:cNvPr>
-          <p:cNvSpPr>
-            <a:spLocks noGrp="1" noRot="1" noChangeAspect="1" noMove="1" noResize="1" noEditPoints="1" noAdjustHandles="1" noChangeArrowheads="1" noChangeShapeType="1" noTextEdit="1"/>
-          </p:cNvSpPr>
-          <p:nvPr>
-            <p:extLst>
-              <p:ext uri="{386F3935-93C4-4BCD-93E2-E3B085C9AB24}">
-                <p16:designElem xmlns:p16="http://schemas.microsoft.com/office/powerpoint/2015/main" val="1"/>
-              </p:ext>
-            </p:extLst>
-          </p:nvPr>
-        </p:nvSpPr>
-        <p:spPr>
-          <a:xfrm rot="18900000" flipH="1">
-            <a:off x="10043482" y="655140"/>
-            <a:ext cx="687472" cy="687472"/>
-          </a:xfrm>
-          <a:prstGeom prst="rect">
-            <a:avLst/>
-          </a:prstGeom>
-          <a:solidFill>
-            <a:schemeClr val="accent4">
-              <a:alpha val="30000"/>
-            </a:schemeClr>
-          </a:solidFill>
-          <a:ln>
-            <a:noFill/>
-          </a:ln>
-        </p:spPr>
-        <p:style>
-          <a:lnRef idx="2">
-            <a:schemeClr val="accent1">
-              <a:shade val="50000"/>
-            </a:schemeClr>
-          </a:lnRef>
-          <a:fillRef idx="1">
-            <a:schemeClr val="accent1"/>
-          </a:fillRef>
-          <a:effectRef idx="0">
-            <a:schemeClr val="accent1"/>
-          </a:effectRef>
-          <a:fontRef idx="minor">
-            <a:schemeClr val="lt1"/>
-          </a:fontRef>
-        </p:style>
-        <p:txBody>
-          <a:bodyPr rtlCol="0" anchor="ctr"/>
-          <a:lstStyle/>
-          <a:p>
-            <a:pPr algn="ctr"/>
-            <a:endParaRPr lang="en-US"/>
-          </a:p>
-        </p:txBody>
-      </p:sp>
-      <p:sp>
-        <p:nvSpPr>
-          <p:cNvPr id="16" name="Freeform: Shape 15">
-            <a:extLst>
-              <a:ext uri="{FF2B5EF4-FFF2-40B4-BE49-F238E27FC236}">
-                <a16:creationId xmlns:a16="http://schemas.microsoft.com/office/drawing/2014/main" id="{9A97C86A-04D6-40F7-AE84-31AB43E6A846}"/>
-              </a:ext>
-              <a:ext uri="{C183D7F6-B498-43B3-948B-1728B52AA6E4}">
-                <adec:decorative xmlns:adec="http://schemas.microsoft.com/office/drawing/2017/decorative" val="1"/>
-              </a:ext>
-            </a:extLst>
-          </p:cNvPr>
-          <p:cNvSpPr>
-            <a:spLocks noGrp="1" noRot="1" noChangeAspect="1" noMove="1" noResize="1" noEditPoints="1" noAdjustHandles="1" noChangeArrowheads="1" noChangeShapeType="1" noTextEdit="1"/>
-          </p:cNvSpPr>
-          <p:nvPr>
-            <p:extLst>
-              <p:ext uri="{386F3935-93C4-4BCD-93E2-E3B085C9AB24}">
-                <p16:designElem xmlns:p16="http://schemas.microsoft.com/office/powerpoint/2015/main" val="1"/>
-              </p:ext>
-            </p:extLst>
-          </p:nvPr>
-        </p:nvSpPr>
-        <p:spPr>
-          <a:xfrm rot="10800000" flipH="1">
-            <a:off x="9356643" y="0"/>
-            <a:ext cx="2835357" cy="1480837"/>
-          </a:xfrm>
-          <a:custGeom>
-            <a:avLst/>
-            <a:gdLst>
-              <a:gd name="connsiteX0" fmla="*/ 2835357 w 2835357"/>
-              <a:gd name="connsiteY0" fmla="*/ 1480837 h 1480837"/>
-              <a:gd name="connsiteX1" fmla="*/ 0 w 2835357"/>
-              <a:gd name="connsiteY1" fmla="*/ 1480837 h 1480837"/>
-              <a:gd name="connsiteX2" fmla="*/ 1552727 w 2835357"/>
-              <a:gd name="connsiteY2" fmla="*/ 0 h 1480837"/>
-              <a:gd name="connsiteX3" fmla="*/ 2835357 w 2835357"/>
-              <a:gd name="connsiteY3" fmla="*/ 1223245 h 1480837"/>
-            </a:gdLst>
-            <a:ahLst/>
-            <a:cxnLst>
-              <a:cxn ang="0">
-                <a:pos x="connsiteX0" y="connsiteY0"/>
-              </a:cxn>
-              <a:cxn ang="0">
-                <a:pos x="connsiteX1" y="connsiteY1"/>
-              </a:cxn>
-              <a:cxn ang="0">
-                <a:pos x="connsiteX2" y="connsiteY2"/>
-              </a:cxn>
-              <a:cxn ang="0">
-                <a:pos x="connsiteX3" y="connsiteY3"/>
-              </a:cxn>
-            </a:cxnLst>
-            <a:rect l="l" t="t" r="r" b="b"/>
-            <a:pathLst>
-              <a:path w="2835357" h="1480837">
-                <a:moveTo>
-                  <a:pt x="2835357" y="1480837"/>
-                </a:moveTo>
-                <a:lnTo>
-                  <a:pt x="0" y="1480837"/>
-                </a:lnTo>
-                <a:lnTo>
-                  <a:pt x="1552727" y="0"/>
-                </a:lnTo>
-                <a:lnTo>
-                  <a:pt x="2835357" y="1223245"/>
-                </a:lnTo>
-                <a:close/>
-              </a:path>
-            </a:pathLst>
-          </a:custGeom>
-          <a:solidFill>
-            <a:schemeClr val="accent4">
-              <a:alpha val="30000"/>
-            </a:schemeClr>
-          </a:solidFill>
-          <a:ln>
-            <a:noFill/>
-          </a:ln>
-        </p:spPr>
-        <p:style>
-          <a:lnRef idx="2">
-            <a:schemeClr val="accent1">
-              <a:shade val="50000"/>
-            </a:schemeClr>
-          </a:lnRef>
-          <a:fillRef idx="1">
-            <a:schemeClr val="accent1"/>
-          </a:fillRef>
-          <a:effectRef idx="0">
-            <a:schemeClr val="accent1"/>
-          </a:effectRef>
-          <a:fontRef idx="minor">
-            <a:schemeClr val="lt1"/>
-          </a:fontRef>
-        </p:style>
-        <p:txBody>
-          <a:bodyPr wrap="square" rtlCol="0" anchor="ctr">
-            <a:noAutofit/>
+        <p:txBody>
+          <a:bodyPr wrap="square" rtlCol="0">
+            <a:spAutoFit/>
           </a:bodyPr>
           <a:lstStyle/>
           <a:p>
             <a:pPr algn="ctr"/>
-            <a:endParaRPr lang="en-US" dirty="0"/>
-          </a:p>
-        </p:txBody>
-      </p:sp>
-      <p:sp>
-        <p:nvSpPr>
-          <p:cNvPr id="18" name="Isosceles Triangle 17">
-            <a:extLst>
-              <a:ext uri="{FF2B5EF4-FFF2-40B4-BE49-F238E27FC236}">
-                <a16:creationId xmlns:a16="http://schemas.microsoft.com/office/drawing/2014/main" id="{FF9F2414-84E8-453E-B1F3-389FDE8192D9}"/>
-              </a:ext>
-              <a:ext uri="{C183D7F6-B498-43B3-948B-1728B52AA6E4}">
-                <adec:decorative xmlns:adec="http://schemas.microsoft.com/office/drawing/2017/decorative" val="1"/>
-              </a:ext>
-            </a:extLst>
-          </p:cNvPr>
-          <p:cNvSpPr>
-            <a:spLocks noGrp="1" noRot="1" noChangeAspect="1" noMove="1" noResize="1" noEditPoints="1" noAdjustHandles="1" noChangeArrowheads="1" noChangeShapeType="1" noTextEdit="1"/>
-          </p:cNvSpPr>
-          <p:nvPr>
-            <p:extLst>
-              <p:ext uri="{386F3935-93C4-4BCD-93E2-E3B085C9AB24}">
-                <p16:designElem xmlns:p16="http://schemas.microsoft.com/office/powerpoint/2015/main" val="1"/>
-              </p:ext>
-            </p:extLst>
-          </p:nvPr>
-        </p:nvSpPr>
-        <p:spPr>
-          <a:xfrm flipH="1">
-            <a:off x="7976344" y="6115501"/>
-            <a:ext cx="1494513" cy="742499"/>
-          </a:xfrm>
-          <a:prstGeom prst="triangle">
-            <a:avLst/>
-          </a:prstGeom>
-          <a:solidFill>
-            <a:schemeClr val="accent1">
-              <a:alpha val="30000"/>
-            </a:schemeClr>
-          </a:solidFill>
-          <a:ln>
-            <a:noFill/>
-          </a:ln>
-        </p:spPr>
-        <p:style>
-          <a:lnRef idx="2">
-            <a:schemeClr val="accent1">
-              <a:shade val="50000"/>
-            </a:schemeClr>
-          </a:lnRef>
-          <a:fillRef idx="1">
-            <a:schemeClr val="accent1"/>
-          </a:fillRef>
-          <a:effectRef idx="0">
-            <a:schemeClr val="accent1"/>
-          </a:effectRef>
-          <a:fontRef idx="minor">
-            <a:schemeClr val="lt1"/>
-          </a:fontRef>
-        </p:style>
-        <p:txBody>
-          <a:bodyPr rtlCol="0" anchor="ctr"/>
-          <a:lstStyle/>
+            <a:r>
+              <a:rPr lang="en-AU" sz="4800" b="1" dirty="0">
+                <a:solidFill>
+                  <a:srgbClr val="003B46"/>
+                </a:solidFill>
+                <a:latin typeface="+mj-lt"/>
+              </a:rPr>
+              <a:t>Western Australia UV Index</a:t>
+            </a:r>
+          </a:p>
           <a:p>
             <a:pPr algn="ctr"/>
-            <a:endParaRPr lang="en-US"/>
-          </a:p>
-        </p:txBody>
-      </p:sp>
-      <p:sp>
-        <p:nvSpPr>
-          <p:cNvPr id="20" name="Isosceles Triangle 19">
-            <a:extLst>
-              <a:ext uri="{FF2B5EF4-FFF2-40B4-BE49-F238E27FC236}">
-                <a16:creationId xmlns:a16="http://schemas.microsoft.com/office/drawing/2014/main" id="{3ECA69A1-7536-43AC-85EF-C7106179F5ED}"/>
-              </a:ext>
-              <a:ext uri="{C183D7F6-B498-43B3-948B-1728B52AA6E4}">
-                <adec:decorative xmlns:adec="http://schemas.microsoft.com/office/drawing/2017/decorative" val="1"/>
-              </a:ext>
-            </a:extLst>
-          </p:cNvPr>
-          <p:cNvSpPr>
-            <a:spLocks noGrp="1" noRot="1" noChangeAspect="1" noMove="1" noResize="1" noEditPoints="1" noAdjustHandles="1" noChangeArrowheads="1" noChangeShapeType="1" noTextEdit="1"/>
-          </p:cNvSpPr>
-          <p:nvPr>
-            <p:extLst>
-              <p:ext uri="{386F3935-93C4-4BCD-93E2-E3B085C9AB24}">
-                <p16:designElem xmlns:p16="http://schemas.microsoft.com/office/powerpoint/2015/main" val="1"/>
-              </p:ext>
-            </p:extLst>
-          </p:nvPr>
-        </p:nvSpPr>
-        <p:spPr>
-          <a:xfrm flipH="1">
-            <a:off x="7604080" y="6453143"/>
-            <a:ext cx="814903" cy="404857"/>
-          </a:xfrm>
-          <a:prstGeom prst="triangle">
-            <a:avLst/>
-          </a:prstGeom>
-          <a:solidFill>
-            <a:schemeClr val="accent1">
-              <a:alpha val="30000"/>
-            </a:schemeClr>
-          </a:solidFill>
-          <a:ln>
-            <a:noFill/>
-          </a:ln>
-        </p:spPr>
-        <p:style>
-          <a:lnRef idx="2">
-            <a:schemeClr val="accent1">
-              <a:shade val="50000"/>
-            </a:schemeClr>
-          </a:lnRef>
-          <a:fillRef idx="1">
-            <a:schemeClr val="accent1"/>
-          </a:fillRef>
-          <a:effectRef idx="0">
-            <a:schemeClr val="accent1"/>
-          </a:effectRef>
-          <a:fontRef idx="minor">
-            <a:schemeClr val="lt1"/>
-          </a:fontRef>
-        </p:style>
-        <p:txBody>
-          <a:bodyPr rtlCol="0" anchor="ctr"/>
-          <a:lstStyle/>
-          <a:p>
-            <a:pPr algn="ctr"/>
-            <a:endParaRPr lang="en-US"/>
-          </a:p>
-        </p:txBody>
-      </p:sp>
-      <p:sp>
-        <p:nvSpPr>
-          <p:cNvPr id="22" name="TextBox 21">
-            <a:extLst>
-              <a:ext uri="{FF2B5EF4-FFF2-40B4-BE49-F238E27FC236}">
-                <a16:creationId xmlns:a16="http://schemas.microsoft.com/office/drawing/2014/main" id="{00A26737-E374-464B-9D91-A9C70094714D}"/>
+            <a:r>
+              <a:rPr lang="en-AU" sz="4800" b="1" dirty="0">
+                <a:solidFill>
+                  <a:srgbClr val="003B46"/>
+                </a:solidFill>
+                <a:latin typeface="+mj-lt"/>
+              </a:rPr>
+              <a:t>Analysis</a:t>
+            </a:r>
+          </a:p>
+        </p:txBody>
+      </p:sp>
+      <p:sp>
+        <p:nvSpPr>
+          <p:cNvPr id="4" name="TextBox 3">
+            <a:extLst>
+              <a:ext uri="{FF2B5EF4-FFF2-40B4-BE49-F238E27FC236}">
+                <a16:creationId xmlns:a16="http://schemas.microsoft.com/office/drawing/2014/main" id="{AA65DA0C-B12F-4154-9476-BE1479B0E523}"/>
               </a:ext>
             </a:extLst>
           </p:cNvPr>
@@ -8491,8 +6117,8 @@
         </p:nvSpPr>
         <p:spPr>
           <a:xfrm>
-            <a:off x="1887819" y="214046"/>
-            <a:ext cx="7715610" cy="1569660"/>
+            <a:off x="2010106" y="3056986"/>
+            <a:ext cx="5464637" cy="1200329"/>
           </a:xfrm>
           <a:prstGeom prst="rect">
             <a:avLst/>
@@ -8500,32 +6126,63 @@
           <a:noFill/>
         </p:spPr>
         <p:txBody>
-          <a:bodyPr wrap="square" rtlCol="0">
+          <a:bodyPr wrap="none" rtlCol="0">
             <a:spAutoFit/>
           </a:bodyPr>
           <a:lstStyle/>
           <a:p>
-            <a:pPr algn="ctr"/>
-            <a:r>
-              <a:rPr lang="en-AU" sz="4800" b="1" dirty="0">
-                <a:solidFill>
-                  <a:schemeClr val="accent6">
-                    <a:lumMod val="75000"/>
-                  </a:schemeClr>
-                </a:solidFill>
-                <a:latin typeface="+mj-lt"/>
+            <a:r>
+              <a:rPr lang="en-AU" b="1" i="1" dirty="0">
+                <a:solidFill>
+                  <a:srgbClr val="07575B"/>
+                </a:solidFill>
               </a:rPr>
-              <a:t>Western Australia UV Index Analysis</a:t>
-            </a:r>
-          </a:p>
-        </p:txBody>
-      </p:sp>
-      <p:sp>
-        <p:nvSpPr>
-          <p:cNvPr id="4" name="TextBox 3">
-            <a:extLst>
-              <a:ext uri="{FF2B5EF4-FFF2-40B4-BE49-F238E27FC236}">
-                <a16:creationId xmlns:a16="http://schemas.microsoft.com/office/drawing/2014/main" id="{AA65DA0C-B12F-4154-9476-BE1479B0E523}"/>
+              <a:t>The purpose of this analysis:</a:t>
+            </a:r>
+          </a:p>
+          <a:p>
+            <a:pPr marL="285750" indent="-285750">
+              <a:buFont typeface="Arial" panose="020B0604020202020204" pitchFamily="34" charset="0"/>
+              <a:buChar char="•"/>
+            </a:pPr>
+            <a:r>
+              <a:rPr lang="en-AU" dirty="0">
+                <a:solidFill>
+                  <a:srgbClr val="07575B"/>
+                </a:solidFill>
+              </a:rPr>
+              <a:t>Analysing the UV index across Western Australia</a:t>
+            </a:r>
+          </a:p>
+          <a:p>
+            <a:pPr marL="285750" indent="-285750">
+              <a:buFont typeface="Arial" panose="020B0604020202020204" pitchFamily="34" charset="0"/>
+              <a:buChar char="•"/>
+            </a:pPr>
+            <a:r>
+              <a:rPr lang="en-AU" dirty="0">
+                <a:solidFill>
+                  <a:srgbClr val="07575B"/>
+                </a:solidFill>
+              </a:rPr>
+              <a:t>Helping to prepare for a trip within Western Australia</a:t>
+            </a:r>
+          </a:p>
+          <a:p>
+            <a:pPr marL="285750" indent="-285750">
+              <a:buFont typeface="Arial" panose="020B0604020202020204" pitchFamily="34" charset="0"/>
+              <a:buChar char="•"/>
+            </a:pPr>
+            <a:endParaRPr lang="en-AU" dirty="0"/>
+          </a:p>
+        </p:txBody>
+      </p:sp>
+      <p:sp>
+        <p:nvSpPr>
+          <p:cNvPr id="25" name="TextBox 24">
+            <a:extLst>
+              <a:ext uri="{FF2B5EF4-FFF2-40B4-BE49-F238E27FC236}">
+                <a16:creationId xmlns:a16="http://schemas.microsoft.com/office/drawing/2014/main" id="{149D1B90-064E-4720-A2DC-1A5D0844F85A}"/>
               </a:ext>
             </a:extLst>
           </p:cNvPr>
@@ -8534,8 +6191,8 @@
         </p:nvSpPr>
         <p:spPr>
           <a:xfrm>
-            <a:off x="2010106" y="3056986"/>
-            <a:ext cx="4684296" cy="1200329"/>
+            <a:off x="2026454" y="4257315"/>
+            <a:ext cx="9035798" cy="1200329"/>
           </a:xfrm>
           <a:prstGeom prst="rect">
             <a:avLst/>
@@ -8543,14 +6200,18 @@
           <a:noFill/>
         </p:spPr>
         <p:txBody>
-          <a:bodyPr wrap="none" rtlCol="0">
+          <a:bodyPr wrap="square" rtlCol="0">
             <a:spAutoFit/>
           </a:bodyPr>
           <a:lstStyle/>
           <a:p>
             <a:r>
-              <a:rPr lang="en-AU" b="1" i="1" dirty="0"/>
-              <a:t>The purpose of this analysis:</a:t>
+              <a:rPr lang="en-AU" b="1" i="1" dirty="0">
+                <a:solidFill>
+                  <a:srgbClr val="07575B"/>
+                </a:solidFill>
+              </a:rPr>
+              <a:t>Why only Western Australia?</a:t>
             </a:r>
           </a:p>
           <a:p>
@@ -8559,8 +6220,12 @@
               <a:buChar char="•"/>
             </a:pPr>
             <a:r>
-              <a:rPr lang="en-AU" dirty="0"/>
-              <a:t>Analysing UV index across Western Australia</a:t>
+              <a:rPr lang="en-AU" dirty="0">
+                <a:solidFill>
+                  <a:srgbClr val="07575B"/>
+                </a:solidFill>
+              </a:rPr>
+              <a:t>Tourism WA has engaged us to do an analysis on the UV index which has set the location</a:t>
             </a:r>
           </a:p>
           <a:p>
@@ -8569,70 +6234,12 @@
               <a:buChar char="•"/>
             </a:pPr>
             <a:r>
-              <a:rPr lang="en-AU" dirty="0"/>
-              <a:t>Help planning a trip within Western Australia</a:t>
-            </a:r>
-          </a:p>
-          <a:p>
-            <a:pPr marL="285750" indent="-285750">
-              <a:buFont typeface="Arial" panose="020B0604020202020204" pitchFamily="34" charset="0"/>
-              <a:buChar char="•"/>
-            </a:pPr>
-            <a:endParaRPr lang="en-AU" dirty="0"/>
-          </a:p>
-        </p:txBody>
-      </p:sp>
-      <p:sp>
-        <p:nvSpPr>
-          <p:cNvPr id="25" name="TextBox 24">
-            <a:extLst>
-              <a:ext uri="{FF2B5EF4-FFF2-40B4-BE49-F238E27FC236}">
-                <a16:creationId xmlns:a16="http://schemas.microsoft.com/office/drawing/2014/main" id="{149D1B90-064E-4720-A2DC-1A5D0844F85A}"/>
-              </a:ext>
-            </a:extLst>
-          </p:cNvPr>
-          <p:cNvSpPr txBox="1"/>
-          <p:nvPr/>
-        </p:nvSpPr>
-        <p:spPr>
-          <a:xfrm>
-            <a:off x="2026455" y="4473059"/>
-            <a:ext cx="6221806" cy="923330"/>
-          </a:xfrm>
-          <a:prstGeom prst="rect">
-            <a:avLst/>
-          </a:prstGeom>
-          <a:noFill/>
-        </p:spPr>
-        <p:txBody>
-          <a:bodyPr wrap="square" rtlCol="0">
-            <a:spAutoFit/>
-          </a:bodyPr>
-          <a:lstStyle/>
-          <a:p>
-            <a:r>
-              <a:rPr lang="en-AU" b="1" i="1" dirty="0"/>
-              <a:t>Why only Western Australia?</a:t>
-            </a:r>
-          </a:p>
-          <a:p>
-            <a:pPr marL="285750" indent="-285750">
-              <a:buFont typeface="Arial" panose="020B0604020202020204" pitchFamily="34" charset="0"/>
-              <a:buChar char="•"/>
-            </a:pPr>
-            <a:r>
-              <a:rPr lang="en-AU" dirty="0"/>
-              <a:t>Tourism WA has engaged us to do an analysis on WA UV index</a:t>
-            </a:r>
-          </a:p>
-          <a:p>
-            <a:pPr marL="285750" indent="-285750">
-              <a:buFont typeface="Arial" panose="020B0604020202020204" pitchFamily="34" charset="0"/>
-              <a:buChar char="•"/>
-            </a:pPr>
-            <a:r>
-              <a:rPr lang="en-AU" dirty="0"/>
-              <a:t>Plus, where else we can go during Covid-19 😝 </a:t>
+              <a:rPr lang="en-AU" dirty="0">
+                <a:solidFill>
+                  <a:srgbClr val="07575B"/>
+                </a:solidFill>
+              </a:rPr>
+              <a:t>On the plus side, as long as our borders are closed, the local population will travel inside WA as well. Where else we can go during Covid-19 😝 </a:t>
             </a:r>
           </a:p>
         </p:txBody>
@@ -8666,7 +6273,11 @@
           <a:lstStyle/>
           <a:p>
             <a:r>
-              <a:rPr lang="en-AU" b="1" i="1" dirty="0"/>
+              <a:rPr lang="en-AU" b="1" i="1" dirty="0">
+                <a:solidFill>
+                  <a:srgbClr val="07575B"/>
+                </a:solidFill>
+              </a:rPr>
               <a:t>Our Team (SASA)</a:t>
             </a:r>
           </a:p>
@@ -8677,11 +6288,24 @@
             </a:pPr>
             <a:r>
               <a:rPr lang="en-AU" dirty="0">
-                <a:hlinkClick r:id="rId2"/>
+                <a:solidFill>
+                  <a:srgbClr val="07575B"/>
+                </a:solidFill>
+                <a:hlinkClick r:id="rId2">
+                  <a:extLst>
+                    <a:ext uri="{A12FA001-AC4F-418D-AE19-62706E023703}">
+                      <ahyp:hlinkClr xmlns:ahyp="http://schemas.microsoft.com/office/drawing/2018/hyperlinkcolor" val="tx"/>
+                    </a:ext>
+                  </a:extLst>
+                </a:hlinkClick>
               </a:rPr>
               <a:t>http://127.0.0.1:5000/about</a:t>
             </a:r>
-            <a:endParaRPr lang="en-AU" dirty="0"/>
+            <a:endParaRPr lang="en-AU" dirty="0">
+              <a:solidFill>
+                <a:srgbClr val="07575B"/>
+              </a:solidFill>
+            </a:endParaRPr>
           </a:p>
           <a:p>
             <a:pPr marL="285750" indent="-285750">
@@ -8708,14 +6332,6 @@
 <file path=ppt/slides/slide3.xml><?xml version="1.0" encoding="utf-8"?>
 <p:sld xmlns:a="http://schemas.openxmlformats.org/drawingml/2006/main" xmlns:r="http://schemas.openxmlformats.org/officeDocument/2006/relationships" xmlns:p="http://schemas.openxmlformats.org/presentationml/2006/main">
   <p:cSld>
-    <p:bg>
-      <p:bgPr>
-        <a:solidFill>
-          <a:schemeClr val="bg1"/>
-        </a:solidFill>
-        <a:effectLst/>
-      </p:bgPr>
-    </p:bg>
     <p:spTree>
       <p:nvGrpSpPr>
         <p:cNvPr id="1" name=""/>
@@ -8732,574 +6348,27 @@
       </p:grpSpPr>
       <p:sp>
         <p:nvSpPr>
-          <p:cNvPr id="8" name="Rectangle 7">
-            <a:extLst>
-              <a:ext uri="{FF2B5EF4-FFF2-40B4-BE49-F238E27FC236}">
-                <a16:creationId xmlns:a16="http://schemas.microsoft.com/office/drawing/2014/main" id="{F3060C83-F051-4F0E-ABAD-AA0DFC48B218}"/>
-              </a:ext>
-              <a:ext uri="{C183D7F6-B498-43B3-948B-1728B52AA6E4}">
-                <adec:decorative xmlns:adec="http://schemas.microsoft.com/office/drawing/2017/decorative" val="1"/>
-              </a:ext>
-            </a:extLst>
-          </p:cNvPr>
-          <p:cNvSpPr>
-            <a:spLocks noGrp="1" noRot="1" noChangeAspect="1" noMove="1" noResize="1" noEditPoints="1" noAdjustHandles="1" noChangeArrowheads="1" noChangeShapeType="1" noTextEdit="1"/>
-          </p:cNvSpPr>
-          <p:nvPr>
-            <p:extLst>
-              <p:ext uri="{386F3935-93C4-4BCD-93E2-E3B085C9AB24}">
-                <p16:designElem xmlns:p16="http://schemas.microsoft.com/office/powerpoint/2015/main" val="1"/>
-              </p:ext>
-            </p:extLst>
-          </p:nvPr>
+          <p:cNvPr id="22" name="TextBox 21">
+            <a:extLst>
+              <a:ext uri="{FF2B5EF4-FFF2-40B4-BE49-F238E27FC236}">
+                <a16:creationId xmlns:a16="http://schemas.microsoft.com/office/drawing/2014/main" id="{00A26737-E374-464B-9D91-A9C70094714D}"/>
+              </a:ext>
+            </a:extLst>
+          </p:cNvPr>
+          <p:cNvSpPr txBox="1"/>
+          <p:nvPr/>
         </p:nvSpPr>
         <p:spPr>
           <a:xfrm>
-            <a:off x="0" y="0"/>
-            <a:ext cx="12192000" cy="6858000"/>
+            <a:off x="0" y="214046"/>
+            <a:ext cx="12192000" cy="1569660"/>
           </a:xfrm>
           <a:prstGeom prst="rect">
             <a:avLst/>
           </a:prstGeom>
           <a:solidFill>
-            <a:schemeClr val="bg1"/>
+            <a:srgbClr val="66A5AD"/>
           </a:solidFill>
-          <a:ln>
-            <a:noFill/>
-          </a:ln>
-        </p:spPr>
-        <p:style>
-          <a:lnRef idx="2">
-            <a:schemeClr val="accent1">
-              <a:shade val="50000"/>
-            </a:schemeClr>
-          </a:lnRef>
-          <a:fillRef idx="1">
-            <a:schemeClr val="accent1"/>
-          </a:fillRef>
-          <a:effectRef idx="0">
-            <a:schemeClr val="accent1"/>
-          </a:effectRef>
-          <a:fontRef idx="minor">
-            <a:schemeClr val="lt1"/>
-          </a:fontRef>
-        </p:style>
-        <p:txBody>
-          <a:bodyPr rtlCol="0" anchor="ctr"/>
-          <a:lstStyle/>
-          <a:p>
-            <a:pPr algn="ctr"/>
-            <a:endParaRPr lang="en-US" dirty="0"/>
-          </a:p>
-        </p:txBody>
-      </p:sp>
-      <p:sp>
-        <p:nvSpPr>
-          <p:cNvPr id="10" name="Freeform: Shape 9">
-            <a:extLst>
-              <a:ext uri="{FF2B5EF4-FFF2-40B4-BE49-F238E27FC236}">
-                <a16:creationId xmlns:a16="http://schemas.microsoft.com/office/drawing/2014/main" id="{83C98ABE-055B-441F-B07E-44F97F083C39}"/>
-              </a:ext>
-              <a:ext uri="{C183D7F6-B498-43B3-948B-1728B52AA6E4}">
-                <adec:decorative xmlns:adec="http://schemas.microsoft.com/office/drawing/2017/decorative" val="1"/>
-              </a:ext>
-            </a:extLst>
-          </p:cNvPr>
-          <p:cNvSpPr>
-            <a:spLocks noGrp="1" noRot="1" noChangeAspect="1" noMove="1" noResize="1" noEditPoints="1" noAdjustHandles="1" noChangeArrowheads="1" noChangeShapeType="1" noTextEdit="1"/>
-          </p:cNvSpPr>
-          <p:nvPr>
-            <p:extLst>
-              <p:ext uri="{386F3935-93C4-4BCD-93E2-E3B085C9AB24}">
-                <p16:designElem xmlns:p16="http://schemas.microsoft.com/office/powerpoint/2015/main" val="1"/>
-              </p:ext>
-            </p:extLst>
-          </p:nvPr>
-        </p:nvSpPr>
-        <p:spPr>
-          <a:xfrm rot="18900000" flipH="1">
-            <a:off x="-376156" y="-253670"/>
-            <a:ext cx="1827638" cy="1376989"/>
-          </a:xfrm>
-          <a:custGeom>
-            <a:avLst/>
-            <a:gdLst>
-              <a:gd name="connsiteX0" fmla="*/ 0 w 1827638"/>
-              <a:gd name="connsiteY0" fmla="*/ 987379 h 1376989"/>
-              <a:gd name="connsiteX1" fmla="*/ 987379 w 1827638"/>
-              <a:gd name="connsiteY1" fmla="*/ 0 h 1376989"/>
-              <a:gd name="connsiteX2" fmla="*/ 1827638 w 1827638"/>
-              <a:gd name="connsiteY2" fmla="*/ 840260 h 1376989"/>
-              <a:gd name="connsiteX3" fmla="*/ 1827638 w 1827638"/>
-              <a:gd name="connsiteY3" fmla="*/ 1376989 h 1376989"/>
-              <a:gd name="connsiteX4" fmla="*/ 0 w 1827638"/>
-              <a:gd name="connsiteY4" fmla="*/ 1376989 h 1376989"/>
-            </a:gdLst>
-            <a:ahLst/>
-            <a:cxnLst>
-              <a:cxn ang="0">
-                <a:pos x="connsiteX0" y="connsiteY0"/>
-              </a:cxn>
-              <a:cxn ang="0">
-                <a:pos x="connsiteX1" y="connsiteY1"/>
-              </a:cxn>
-              <a:cxn ang="0">
-                <a:pos x="connsiteX2" y="connsiteY2"/>
-              </a:cxn>
-              <a:cxn ang="0">
-                <a:pos x="connsiteX3" y="connsiteY3"/>
-              </a:cxn>
-              <a:cxn ang="0">
-                <a:pos x="connsiteX4" y="connsiteY4"/>
-              </a:cxn>
-            </a:cxnLst>
-            <a:rect l="l" t="t" r="r" b="b"/>
-            <a:pathLst>
-              <a:path w="1827638" h="1376989">
-                <a:moveTo>
-                  <a:pt x="0" y="987379"/>
-                </a:moveTo>
-                <a:lnTo>
-                  <a:pt x="987379" y="0"/>
-                </a:lnTo>
-                <a:lnTo>
-                  <a:pt x="1827638" y="840260"/>
-                </a:lnTo>
-                <a:lnTo>
-                  <a:pt x="1827638" y="1376989"/>
-                </a:lnTo>
-                <a:lnTo>
-                  <a:pt x="0" y="1376989"/>
-                </a:lnTo>
-                <a:close/>
-              </a:path>
-            </a:pathLst>
-          </a:custGeom>
-          <a:solidFill>
-            <a:schemeClr val="accent1">
-              <a:alpha val="30000"/>
-            </a:schemeClr>
-          </a:solidFill>
-          <a:ln>
-            <a:noFill/>
-          </a:ln>
-        </p:spPr>
-        <p:style>
-          <a:lnRef idx="2">
-            <a:schemeClr val="accent1">
-              <a:shade val="50000"/>
-            </a:schemeClr>
-          </a:lnRef>
-          <a:fillRef idx="1">
-            <a:schemeClr val="accent1"/>
-          </a:fillRef>
-          <a:effectRef idx="0">
-            <a:schemeClr val="accent1"/>
-          </a:effectRef>
-          <a:fontRef idx="minor">
-            <a:schemeClr val="lt1"/>
-          </a:fontRef>
-        </p:style>
-        <p:txBody>
-          <a:bodyPr rtlCol="0" anchor="ctr"/>
-          <a:lstStyle/>
-          <a:p>
-            <a:pPr algn="ctr"/>
-            <a:endParaRPr lang="en-US" dirty="0"/>
-          </a:p>
-        </p:txBody>
-      </p:sp>
-      <p:sp>
-        <p:nvSpPr>
-          <p:cNvPr id="12" name="Rectangle 11">
-            <a:extLst>
-              <a:ext uri="{FF2B5EF4-FFF2-40B4-BE49-F238E27FC236}">
-                <a16:creationId xmlns:a16="http://schemas.microsoft.com/office/drawing/2014/main" id="{29FDB030-9B49-4CED-8CCD-4D99382388AC}"/>
-              </a:ext>
-              <a:ext uri="{C183D7F6-B498-43B3-948B-1728B52AA6E4}">
-                <adec:decorative xmlns:adec="http://schemas.microsoft.com/office/drawing/2017/decorative" val="1"/>
-              </a:ext>
-            </a:extLst>
-          </p:cNvPr>
-          <p:cNvSpPr>
-            <a:spLocks noGrp="1" noRot="1" noChangeAspect="1" noMove="1" noResize="1" noEditPoints="1" noAdjustHandles="1" noChangeArrowheads="1" noChangeShapeType="1" noTextEdit="1"/>
-          </p:cNvSpPr>
-          <p:nvPr>
-            <p:extLst>
-              <p:ext uri="{386F3935-93C4-4BCD-93E2-E3B085C9AB24}">
-                <p16:designElem xmlns:p16="http://schemas.microsoft.com/office/powerpoint/2015/main" val="1"/>
-              </p:ext>
-            </p:extLst>
-          </p:nvPr>
-        </p:nvSpPr>
-        <p:spPr>
-          <a:xfrm rot="18900000" flipH="1">
-            <a:off x="891641" y="422146"/>
-            <a:ext cx="645368" cy="645368"/>
-          </a:xfrm>
-          <a:prstGeom prst="rect">
-            <a:avLst/>
-          </a:prstGeom>
-          <a:solidFill>
-            <a:schemeClr val="accent1">
-              <a:alpha val="30000"/>
-            </a:schemeClr>
-          </a:solidFill>
-          <a:ln>
-            <a:noFill/>
-          </a:ln>
-        </p:spPr>
-        <p:style>
-          <a:lnRef idx="2">
-            <a:schemeClr val="accent1">
-              <a:shade val="50000"/>
-            </a:schemeClr>
-          </a:lnRef>
-          <a:fillRef idx="1">
-            <a:schemeClr val="accent1"/>
-          </a:fillRef>
-          <a:effectRef idx="0">
-            <a:schemeClr val="accent1"/>
-          </a:effectRef>
-          <a:fontRef idx="minor">
-            <a:schemeClr val="lt1"/>
-          </a:fontRef>
-        </p:style>
-        <p:txBody>
-          <a:bodyPr rtlCol="0" anchor="ctr"/>
-          <a:lstStyle/>
-          <a:p>
-            <a:pPr algn="ctr"/>
-            <a:endParaRPr lang="en-US"/>
-          </a:p>
-        </p:txBody>
-      </p:sp>
-      <p:sp>
-        <p:nvSpPr>
-          <p:cNvPr id="14" name="Rectangle 13">
-            <a:extLst>
-              <a:ext uri="{FF2B5EF4-FFF2-40B4-BE49-F238E27FC236}">
-                <a16:creationId xmlns:a16="http://schemas.microsoft.com/office/drawing/2014/main" id="{3783CA14-24A1-485C-8B30-D6A5D87987AD}"/>
-              </a:ext>
-              <a:ext uri="{C183D7F6-B498-43B3-948B-1728B52AA6E4}">
-                <adec:decorative xmlns:adec="http://schemas.microsoft.com/office/drawing/2017/decorative" val="1"/>
-              </a:ext>
-            </a:extLst>
-          </p:cNvPr>
-          <p:cNvSpPr>
-            <a:spLocks noGrp="1" noRot="1" noChangeAspect="1" noMove="1" noResize="1" noEditPoints="1" noAdjustHandles="1" noChangeArrowheads="1" noChangeShapeType="1" noTextEdit="1"/>
-          </p:cNvSpPr>
-          <p:nvPr>
-            <p:extLst>
-              <p:ext uri="{386F3935-93C4-4BCD-93E2-E3B085C9AB24}">
-                <p16:designElem xmlns:p16="http://schemas.microsoft.com/office/powerpoint/2015/main" val="1"/>
-              </p:ext>
-            </p:extLst>
-          </p:nvPr>
-        </p:nvSpPr>
-        <p:spPr>
-          <a:xfrm rot="18900000" flipH="1">
-            <a:off x="10043482" y="655140"/>
-            <a:ext cx="687472" cy="687472"/>
-          </a:xfrm>
-          <a:prstGeom prst="rect">
-            <a:avLst/>
-          </a:prstGeom>
-          <a:solidFill>
-            <a:schemeClr val="accent4">
-              <a:alpha val="30000"/>
-            </a:schemeClr>
-          </a:solidFill>
-          <a:ln>
-            <a:noFill/>
-          </a:ln>
-        </p:spPr>
-        <p:style>
-          <a:lnRef idx="2">
-            <a:schemeClr val="accent1">
-              <a:shade val="50000"/>
-            </a:schemeClr>
-          </a:lnRef>
-          <a:fillRef idx="1">
-            <a:schemeClr val="accent1"/>
-          </a:fillRef>
-          <a:effectRef idx="0">
-            <a:schemeClr val="accent1"/>
-          </a:effectRef>
-          <a:fontRef idx="minor">
-            <a:schemeClr val="lt1"/>
-          </a:fontRef>
-        </p:style>
-        <p:txBody>
-          <a:bodyPr rtlCol="0" anchor="ctr"/>
-          <a:lstStyle/>
-          <a:p>
-            <a:pPr algn="ctr"/>
-            <a:endParaRPr lang="en-US"/>
-          </a:p>
-        </p:txBody>
-      </p:sp>
-      <p:sp>
-        <p:nvSpPr>
-          <p:cNvPr id="16" name="Freeform: Shape 15">
-            <a:extLst>
-              <a:ext uri="{FF2B5EF4-FFF2-40B4-BE49-F238E27FC236}">
-                <a16:creationId xmlns:a16="http://schemas.microsoft.com/office/drawing/2014/main" id="{9A97C86A-04D6-40F7-AE84-31AB43E6A846}"/>
-              </a:ext>
-              <a:ext uri="{C183D7F6-B498-43B3-948B-1728B52AA6E4}">
-                <adec:decorative xmlns:adec="http://schemas.microsoft.com/office/drawing/2017/decorative" val="1"/>
-              </a:ext>
-            </a:extLst>
-          </p:cNvPr>
-          <p:cNvSpPr>
-            <a:spLocks noGrp="1" noRot="1" noChangeAspect="1" noMove="1" noResize="1" noEditPoints="1" noAdjustHandles="1" noChangeArrowheads="1" noChangeShapeType="1" noTextEdit="1"/>
-          </p:cNvSpPr>
-          <p:nvPr>
-            <p:extLst>
-              <p:ext uri="{386F3935-93C4-4BCD-93E2-E3B085C9AB24}">
-                <p16:designElem xmlns:p16="http://schemas.microsoft.com/office/powerpoint/2015/main" val="1"/>
-              </p:ext>
-            </p:extLst>
-          </p:nvPr>
-        </p:nvSpPr>
-        <p:spPr>
-          <a:xfrm rot="10800000" flipH="1">
-            <a:off x="9356643" y="0"/>
-            <a:ext cx="2835357" cy="1480837"/>
-          </a:xfrm>
-          <a:custGeom>
-            <a:avLst/>
-            <a:gdLst>
-              <a:gd name="connsiteX0" fmla="*/ 2835357 w 2835357"/>
-              <a:gd name="connsiteY0" fmla="*/ 1480837 h 1480837"/>
-              <a:gd name="connsiteX1" fmla="*/ 0 w 2835357"/>
-              <a:gd name="connsiteY1" fmla="*/ 1480837 h 1480837"/>
-              <a:gd name="connsiteX2" fmla="*/ 1552727 w 2835357"/>
-              <a:gd name="connsiteY2" fmla="*/ 0 h 1480837"/>
-              <a:gd name="connsiteX3" fmla="*/ 2835357 w 2835357"/>
-              <a:gd name="connsiteY3" fmla="*/ 1223245 h 1480837"/>
-            </a:gdLst>
-            <a:ahLst/>
-            <a:cxnLst>
-              <a:cxn ang="0">
-                <a:pos x="connsiteX0" y="connsiteY0"/>
-              </a:cxn>
-              <a:cxn ang="0">
-                <a:pos x="connsiteX1" y="connsiteY1"/>
-              </a:cxn>
-              <a:cxn ang="0">
-                <a:pos x="connsiteX2" y="connsiteY2"/>
-              </a:cxn>
-              <a:cxn ang="0">
-                <a:pos x="connsiteX3" y="connsiteY3"/>
-              </a:cxn>
-            </a:cxnLst>
-            <a:rect l="l" t="t" r="r" b="b"/>
-            <a:pathLst>
-              <a:path w="2835357" h="1480837">
-                <a:moveTo>
-                  <a:pt x="2835357" y="1480837"/>
-                </a:moveTo>
-                <a:lnTo>
-                  <a:pt x="0" y="1480837"/>
-                </a:lnTo>
-                <a:lnTo>
-                  <a:pt x="1552727" y="0"/>
-                </a:lnTo>
-                <a:lnTo>
-                  <a:pt x="2835357" y="1223245"/>
-                </a:lnTo>
-                <a:close/>
-              </a:path>
-            </a:pathLst>
-          </a:custGeom>
-          <a:solidFill>
-            <a:schemeClr val="accent4">
-              <a:alpha val="30000"/>
-            </a:schemeClr>
-          </a:solidFill>
-          <a:ln>
-            <a:noFill/>
-          </a:ln>
-        </p:spPr>
-        <p:style>
-          <a:lnRef idx="2">
-            <a:schemeClr val="accent1">
-              <a:shade val="50000"/>
-            </a:schemeClr>
-          </a:lnRef>
-          <a:fillRef idx="1">
-            <a:schemeClr val="accent1"/>
-          </a:fillRef>
-          <a:effectRef idx="0">
-            <a:schemeClr val="accent1"/>
-          </a:effectRef>
-          <a:fontRef idx="minor">
-            <a:schemeClr val="lt1"/>
-          </a:fontRef>
-        </p:style>
-        <p:txBody>
-          <a:bodyPr wrap="square" rtlCol="0" anchor="ctr">
-            <a:noAutofit/>
-          </a:bodyPr>
-          <a:lstStyle/>
-          <a:p>
-            <a:pPr algn="ctr"/>
-            <a:endParaRPr lang="en-US" dirty="0"/>
-          </a:p>
-        </p:txBody>
-      </p:sp>
-      <p:sp>
-        <p:nvSpPr>
-          <p:cNvPr id="18" name="Isosceles Triangle 17">
-            <a:extLst>
-              <a:ext uri="{FF2B5EF4-FFF2-40B4-BE49-F238E27FC236}">
-                <a16:creationId xmlns:a16="http://schemas.microsoft.com/office/drawing/2014/main" id="{FF9F2414-84E8-453E-B1F3-389FDE8192D9}"/>
-              </a:ext>
-              <a:ext uri="{C183D7F6-B498-43B3-948B-1728B52AA6E4}">
-                <adec:decorative xmlns:adec="http://schemas.microsoft.com/office/drawing/2017/decorative" val="1"/>
-              </a:ext>
-            </a:extLst>
-          </p:cNvPr>
-          <p:cNvSpPr>
-            <a:spLocks noGrp="1" noRot="1" noChangeAspect="1" noMove="1" noResize="1" noEditPoints="1" noAdjustHandles="1" noChangeArrowheads="1" noChangeShapeType="1" noTextEdit="1"/>
-          </p:cNvSpPr>
-          <p:nvPr>
-            <p:extLst>
-              <p:ext uri="{386F3935-93C4-4BCD-93E2-E3B085C9AB24}">
-                <p16:designElem xmlns:p16="http://schemas.microsoft.com/office/powerpoint/2015/main" val="1"/>
-              </p:ext>
-            </p:extLst>
-          </p:nvPr>
-        </p:nvSpPr>
-        <p:spPr>
-          <a:xfrm flipH="1">
-            <a:off x="7976344" y="6115501"/>
-            <a:ext cx="1494513" cy="742499"/>
-          </a:xfrm>
-          <a:prstGeom prst="triangle">
-            <a:avLst/>
-          </a:prstGeom>
-          <a:solidFill>
-            <a:schemeClr val="accent1">
-              <a:alpha val="30000"/>
-            </a:schemeClr>
-          </a:solidFill>
-          <a:ln>
-            <a:noFill/>
-          </a:ln>
-        </p:spPr>
-        <p:style>
-          <a:lnRef idx="2">
-            <a:schemeClr val="accent1">
-              <a:shade val="50000"/>
-            </a:schemeClr>
-          </a:lnRef>
-          <a:fillRef idx="1">
-            <a:schemeClr val="accent1"/>
-          </a:fillRef>
-          <a:effectRef idx="0">
-            <a:schemeClr val="accent1"/>
-          </a:effectRef>
-          <a:fontRef idx="minor">
-            <a:schemeClr val="lt1"/>
-          </a:fontRef>
-        </p:style>
-        <p:txBody>
-          <a:bodyPr rtlCol="0" anchor="ctr"/>
-          <a:lstStyle/>
-          <a:p>
-            <a:pPr algn="ctr"/>
-            <a:endParaRPr lang="en-US"/>
-          </a:p>
-        </p:txBody>
-      </p:sp>
-      <p:sp>
-        <p:nvSpPr>
-          <p:cNvPr id="20" name="Isosceles Triangle 19">
-            <a:extLst>
-              <a:ext uri="{FF2B5EF4-FFF2-40B4-BE49-F238E27FC236}">
-                <a16:creationId xmlns:a16="http://schemas.microsoft.com/office/drawing/2014/main" id="{3ECA69A1-7536-43AC-85EF-C7106179F5ED}"/>
-              </a:ext>
-              <a:ext uri="{C183D7F6-B498-43B3-948B-1728B52AA6E4}">
-                <adec:decorative xmlns:adec="http://schemas.microsoft.com/office/drawing/2017/decorative" val="1"/>
-              </a:ext>
-            </a:extLst>
-          </p:cNvPr>
-          <p:cNvSpPr>
-            <a:spLocks noGrp="1" noRot="1" noChangeAspect="1" noMove="1" noResize="1" noEditPoints="1" noAdjustHandles="1" noChangeArrowheads="1" noChangeShapeType="1" noTextEdit="1"/>
-          </p:cNvSpPr>
-          <p:nvPr>
-            <p:extLst>
-              <p:ext uri="{386F3935-93C4-4BCD-93E2-E3B085C9AB24}">
-                <p16:designElem xmlns:p16="http://schemas.microsoft.com/office/powerpoint/2015/main" val="1"/>
-              </p:ext>
-            </p:extLst>
-          </p:nvPr>
-        </p:nvSpPr>
-        <p:spPr>
-          <a:xfrm flipH="1">
-            <a:off x="7604080" y="6453143"/>
-            <a:ext cx="814903" cy="404857"/>
-          </a:xfrm>
-          <a:prstGeom prst="triangle">
-            <a:avLst/>
-          </a:prstGeom>
-          <a:solidFill>
-            <a:schemeClr val="accent1">
-              <a:alpha val="30000"/>
-            </a:schemeClr>
-          </a:solidFill>
-          <a:ln>
-            <a:noFill/>
-          </a:ln>
-        </p:spPr>
-        <p:style>
-          <a:lnRef idx="2">
-            <a:schemeClr val="accent1">
-              <a:shade val="50000"/>
-            </a:schemeClr>
-          </a:lnRef>
-          <a:fillRef idx="1">
-            <a:schemeClr val="accent1"/>
-          </a:fillRef>
-          <a:effectRef idx="0">
-            <a:schemeClr val="accent1"/>
-          </a:effectRef>
-          <a:fontRef idx="minor">
-            <a:schemeClr val="lt1"/>
-          </a:fontRef>
-        </p:style>
-        <p:txBody>
-          <a:bodyPr rtlCol="0" anchor="ctr"/>
-          <a:lstStyle/>
-          <a:p>
-            <a:pPr algn="ctr"/>
-            <a:endParaRPr lang="en-US"/>
-          </a:p>
-        </p:txBody>
-      </p:sp>
-      <p:sp>
-        <p:nvSpPr>
-          <p:cNvPr id="22" name="TextBox 21">
-            <a:extLst>
-              <a:ext uri="{FF2B5EF4-FFF2-40B4-BE49-F238E27FC236}">
-                <a16:creationId xmlns:a16="http://schemas.microsoft.com/office/drawing/2014/main" id="{00A26737-E374-464B-9D91-A9C70094714D}"/>
-              </a:ext>
-            </a:extLst>
-          </p:cNvPr>
-          <p:cNvSpPr txBox="1"/>
-          <p:nvPr/>
-        </p:nvSpPr>
-        <p:spPr>
-          <a:xfrm>
-            <a:off x="1887819" y="214046"/>
-            <a:ext cx="7715610" cy="1569660"/>
-          </a:xfrm>
-          <a:prstGeom prst="rect">
-            <a:avLst/>
-          </a:prstGeom>
-          <a:noFill/>
         </p:spPr>
         <p:txBody>
           <a:bodyPr wrap="square" rtlCol="0">
@@ -9311,9 +6380,7 @@
             <a:r>
               <a:rPr lang="en-AU" sz="4800" b="1" dirty="0">
                 <a:solidFill>
-                  <a:schemeClr val="accent6">
-                    <a:lumMod val="75000"/>
-                  </a:schemeClr>
+                  <a:srgbClr val="003B46"/>
                 </a:solidFill>
                 <a:latin typeface="+mj-lt"/>
               </a:rPr>
@@ -9325,13 +6392,11 @@
             <a:r>
               <a:rPr lang="en-AU" sz="4800" b="1" dirty="0">
                 <a:solidFill>
-                  <a:schemeClr val="accent6">
-                    <a:lumMod val="75000"/>
-                  </a:schemeClr>
+                  <a:srgbClr val="003B46"/>
                 </a:solidFill>
                 <a:latin typeface="+mj-lt"/>
               </a:rPr>
-              <a:t>Data Source</a:t>
+              <a:t>Data Sources</a:t>
             </a:r>
           </a:p>
         </p:txBody>
@@ -9358,7 +6423,7 @@
         </p:blipFill>
         <p:spPr>
           <a:xfrm>
-            <a:off x="879278" y="2644571"/>
+            <a:off x="901080" y="2762522"/>
             <a:ext cx="1638300" cy="695325"/>
           </a:xfrm>
           <a:prstGeom prst="rect">
@@ -9380,7 +6445,7 @@
         </p:nvSpPr>
         <p:spPr>
           <a:xfrm>
-            <a:off x="2612571" y="2782669"/>
+            <a:off x="2539380" y="2850124"/>
             <a:ext cx="3325590" cy="646331"/>
           </a:xfrm>
           <a:prstGeom prst="rect">
@@ -9396,11 +6461,24 @@
           <a:p>
             <a:r>
               <a:rPr lang="en-AU" dirty="0">
-                <a:hlinkClick r:id="rId3"/>
+                <a:solidFill>
+                  <a:srgbClr val="07575B"/>
+                </a:solidFill>
+                <a:hlinkClick r:id="rId3">
+                  <a:extLst>
+                    <a:ext uri="{A12FA001-AC4F-418D-AE19-62706E023703}">
+                      <ahyp:hlinkClr xmlns:ahyp="http://schemas.microsoft.com/office/drawing/2018/hyperlinkcolor" val="tx"/>
+                    </a:ext>
+                  </a:extLst>
+                </a:hlinkClick>
               </a:rPr>
               <a:t>https://openweathermap.org/api</a:t>
             </a:r>
-            <a:endParaRPr lang="en-AU" dirty="0"/>
+            <a:endParaRPr lang="en-AU" dirty="0">
+              <a:solidFill>
+                <a:srgbClr val="07575B"/>
+              </a:solidFill>
+            </a:endParaRPr>
           </a:p>
           <a:p>
             <a:endParaRPr lang="en-AU" dirty="0"/>
@@ -9421,7 +6499,7 @@
         </p:nvSpPr>
         <p:spPr>
           <a:xfrm>
-            <a:off x="879278" y="2248912"/>
+            <a:off x="901080" y="2165840"/>
             <a:ext cx="3130665" cy="369332"/>
           </a:xfrm>
           <a:prstGeom prst="rect">
@@ -9436,7 +6514,11 @@
           <a:lstStyle/>
           <a:p>
             <a:r>
-              <a:rPr lang="en-AU" dirty="0"/>
+              <a:rPr lang="en-AU" dirty="0">
+                <a:solidFill>
+                  <a:srgbClr val="07575B"/>
+                </a:solidFill>
+              </a:rPr>
               <a:t>UV Index for Western Australia:</a:t>
             </a:r>
           </a:p>
@@ -9456,13 +6538,18 @@
         </p:nvSpPr>
         <p:spPr>
           <a:xfrm>
-            <a:off x="879278" y="3875627"/>
+            <a:off x="879278" y="3878589"/>
             <a:ext cx="2895536" cy="369332"/>
           </a:xfrm>
           <a:prstGeom prst="rect">
             <a:avLst/>
           </a:prstGeom>
-          <a:noFill/>
+          <a:solidFill>
+            <a:schemeClr val="accent2">
+              <a:lumMod val="60000"/>
+              <a:lumOff val="40000"/>
+            </a:schemeClr>
+          </a:solidFill>
         </p:spPr>
         <p:txBody>
           <a:bodyPr wrap="none" rtlCol="0">
@@ -9471,7 +6558,11 @@
           <a:lstStyle/>
           <a:p>
             <a:r>
-              <a:rPr lang="en-AU" dirty="0"/>
+              <a:rPr lang="en-AU" dirty="0">
+                <a:solidFill>
+                  <a:srgbClr val="07575B"/>
+                </a:solidFill>
+              </a:rPr>
               <a:t>Western Australia Cities Info:</a:t>
             </a:r>
           </a:p>
@@ -9499,7 +6590,7 @@
         </p:blipFill>
         <p:spPr>
           <a:xfrm>
-            <a:off x="912517" y="4360093"/>
+            <a:off x="879278" y="4445542"/>
             <a:ext cx="2151330" cy="507064"/>
           </a:xfrm>
           <a:prstGeom prst="rect">
@@ -9521,7 +6612,7 @@
         </p:nvSpPr>
         <p:spPr>
           <a:xfrm>
-            <a:off x="3167910" y="4404741"/>
+            <a:off x="3118214" y="4445542"/>
             <a:ext cx="3864456" cy="646331"/>
           </a:xfrm>
           <a:prstGeom prst="rect">
@@ -9537,11 +6628,24 @@
           <a:p>
             <a:r>
               <a:rPr lang="en-AU" dirty="0">
-                <a:hlinkClick r:id="rId5"/>
+                <a:solidFill>
+                  <a:srgbClr val="07575B"/>
+                </a:solidFill>
+                <a:hlinkClick r:id="rId5">
+                  <a:extLst>
+                    <a:ext uri="{A12FA001-AC4F-418D-AE19-62706E023703}">
+                      <ahyp:hlinkClr xmlns:ahyp="http://schemas.microsoft.com/office/drawing/2018/hyperlinkcolor" val="tx"/>
+                    </a:ext>
+                  </a:extLst>
+                </a:hlinkClick>
               </a:rPr>
               <a:t>https://simplemaps.com/data/au-cities</a:t>
             </a:r>
-            <a:endParaRPr lang="en-AU" dirty="0"/>
+            <a:endParaRPr lang="en-AU" dirty="0">
+              <a:solidFill>
+                <a:srgbClr val="07575B"/>
+              </a:solidFill>
+            </a:endParaRPr>
           </a:p>
           <a:p>
             <a:endParaRPr lang="en-AU" dirty="0"/>
@@ -9564,14 +6668,6 @@
 <file path=ppt/slides/slide4.xml><?xml version="1.0" encoding="utf-8"?>
 <p:sld xmlns:a="http://schemas.openxmlformats.org/drawingml/2006/main" xmlns:r="http://schemas.openxmlformats.org/officeDocument/2006/relationships" xmlns:p="http://schemas.openxmlformats.org/presentationml/2006/main">
   <p:cSld>
-    <p:bg>
-      <p:bgPr>
-        <a:solidFill>
-          <a:schemeClr val="bg1"/>
-        </a:solidFill>
-        <a:effectLst/>
-      </p:bgPr>
-    </p:bg>
     <p:spTree>
       <p:nvGrpSpPr>
         <p:cNvPr id="1" name=""/>
@@ -9586,555 +6682,6 @@
           <a:chExt cx="0" cy="0"/>
         </a:xfrm>
       </p:grpSpPr>
-      <p:sp>
-        <p:nvSpPr>
-          <p:cNvPr id="8" name="Rectangle 7">
-            <a:extLst>
-              <a:ext uri="{FF2B5EF4-FFF2-40B4-BE49-F238E27FC236}">
-                <a16:creationId xmlns:a16="http://schemas.microsoft.com/office/drawing/2014/main" id="{F3060C83-F051-4F0E-ABAD-AA0DFC48B218}"/>
-              </a:ext>
-              <a:ext uri="{C183D7F6-B498-43B3-948B-1728B52AA6E4}">
-                <adec:decorative xmlns:adec="http://schemas.microsoft.com/office/drawing/2017/decorative" val="1"/>
-              </a:ext>
-            </a:extLst>
-          </p:cNvPr>
-          <p:cNvSpPr>
-            <a:spLocks noGrp="1" noRot="1" noChangeAspect="1" noMove="1" noResize="1" noEditPoints="1" noAdjustHandles="1" noChangeArrowheads="1" noChangeShapeType="1" noTextEdit="1"/>
-          </p:cNvSpPr>
-          <p:nvPr>
-            <p:extLst>
-              <p:ext uri="{386F3935-93C4-4BCD-93E2-E3B085C9AB24}">
-                <p16:designElem xmlns:p16="http://schemas.microsoft.com/office/powerpoint/2015/main" val="1"/>
-              </p:ext>
-            </p:extLst>
-          </p:nvPr>
-        </p:nvSpPr>
-        <p:spPr>
-          <a:xfrm>
-            <a:off x="0" y="0"/>
-            <a:ext cx="12192000" cy="6858000"/>
-          </a:xfrm>
-          <a:prstGeom prst="rect">
-            <a:avLst/>
-          </a:prstGeom>
-          <a:solidFill>
-            <a:schemeClr val="bg1"/>
-          </a:solidFill>
-          <a:ln>
-            <a:noFill/>
-          </a:ln>
-        </p:spPr>
-        <p:style>
-          <a:lnRef idx="2">
-            <a:schemeClr val="accent1">
-              <a:shade val="50000"/>
-            </a:schemeClr>
-          </a:lnRef>
-          <a:fillRef idx="1">
-            <a:schemeClr val="accent1"/>
-          </a:fillRef>
-          <a:effectRef idx="0">
-            <a:schemeClr val="accent1"/>
-          </a:effectRef>
-          <a:fontRef idx="minor">
-            <a:schemeClr val="lt1"/>
-          </a:fontRef>
-        </p:style>
-        <p:txBody>
-          <a:bodyPr rtlCol="0" anchor="ctr"/>
-          <a:lstStyle/>
-          <a:p>
-            <a:pPr algn="ctr"/>
-            <a:endParaRPr lang="en-US" dirty="0"/>
-          </a:p>
-        </p:txBody>
-      </p:sp>
-      <p:sp>
-        <p:nvSpPr>
-          <p:cNvPr id="10" name="Freeform: Shape 9">
-            <a:extLst>
-              <a:ext uri="{FF2B5EF4-FFF2-40B4-BE49-F238E27FC236}">
-                <a16:creationId xmlns:a16="http://schemas.microsoft.com/office/drawing/2014/main" id="{83C98ABE-055B-441F-B07E-44F97F083C39}"/>
-              </a:ext>
-              <a:ext uri="{C183D7F6-B498-43B3-948B-1728B52AA6E4}">
-                <adec:decorative xmlns:adec="http://schemas.microsoft.com/office/drawing/2017/decorative" val="1"/>
-              </a:ext>
-            </a:extLst>
-          </p:cNvPr>
-          <p:cNvSpPr>
-            <a:spLocks noGrp="1" noRot="1" noChangeAspect="1" noMove="1" noResize="1" noEditPoints="1" noAdjustHandles="1" noChangeArrowheads="1" noChangeShapeType="1" noTextEdit="1"/>
-          </p:cNvSpPr>
-          <p:nvPr>
-            <p:extLst>
-              <p:ext uri="{386F3935-93C4-4BCD-93E2-E3B085C9AB24}">
-                <p16:designElem xmlns:p16="http://schemas.microsoft.com/office/powerpoint/2015/main" val="1"/>
-              </p:ext>
-            </p:extLst>
-          </p:nvPr>
-        </p:nvSpPr>
-        <p:spPr>
-          <a:xfrm rot="18900000" flipH="1">
-            <a:off x="-376156" y="-253670"/>
-            <a:ext cx="1827638" cy="1376989"/>
-          </a:xfrm>
-          <a:custGeom>
-            <a:avLst/>
-            <a:gdLst>
-              <a:gd name="connsiteX0" fmla="*/ 0 w 1827638"/>
-              <a:gd name="connsiteY0" fmla="*/ 987379 h 1376989"/>
-              <a:gd name="connsiteX1" fmla="*/ 987379 w 1827638"/>
-              <a:gd name="connsiteY1" fmla="*/ 0 h 1376989"/>
-              <a:gd name="connsiteX2" fmla="*/ 1827638 w 1827638"/>
-              <a:gd name="connsiteY2" fmla="*/ 840260 h 1376989"/>
-              <a:gd name="connsiteX3" fmla="*/ 1827638 w 1827638"/>
-              <a:gd name="connsiteY3" fmla="*/ 1376989 h 1376989"/>
-              <a:gd name="connsiteX4" fmla="*/ 0 w 1827638"/>
-              <a:gd name="connsiteY4" fmla="*/ 1376989 h 1376989"/>
-            </a:gdLst>
-            <a:ahLst/>
-            <a:cxnLst>
-              <a:cxn ang="0">
-                <a:pos x="connsiteX0" y="connsiteY0"/>
-              </a:cxn>
-              <a:cxn ang="0">
-                <a:pos x="connsiteX1" y="connsiteY1"/>
-              </a:cxn>
-              <a:cxn ang="0">
-                <a:pos x="connsiteX2" y="connsiteY2"/>
-              </a:cxn>
-              <a:cxn ang="0">
-                <a:pos x="connsiteX3" y="connsiteY3"/>
-              </a:cxn>
-              <a:cxn ang="0">
-                <a:pos x="connsiteX4" y="connsiteY4"/>
-              </a:cxn>
-            </a:cxnLst>
-            <a:rect l="l" t="t" r="r" b="b"/>
-            <a:pathLst>
-              <a:path w="1827638" h="1376989">
-                <a:moveTo>
-                  <a:pt x="0" y="987379"/>
-                </a:moveTo>
-                <a:lnTo>
-                  <a:pt x="987379" y="0"/>
-                </a:lnTo>
-                <a:lnTo>
-                  <a:pt x="1827638" y="840260"/>
-                </a:lnTo>
-                <a:lnTo>
-                  <a:pt x="1827638" y="1376989"/>
-                </a:lnTo>
-                <a:lnTo>
-                  <a:pt x="0" y="1376989"/>
-                </a:lnTo>
-                <a:close/>
-              </a:path>
-            </a:pathLst>
-          </a:custGeom>
-          <a:solidFill>
-            <a:schemeClr val="accent1">
-              <a:alpha val="30000"/>
-            </a:schemeClr>
-          </a:solidFill>
-          <a:ln>
-            <a:noFill/>
-          </a:ln>
-        </p:spPr>
-        <p:style>
-          <a:lnRef idx="2">
-            <a:schemeClr val="accent1">
-              <a:shade val="50000"/>
-            </a:schemeClr>
-          </a:lnRef>
-          <a:fillRef idx="1">
-            <a:schemeClr val="accent1"/>
-          </a:fillRef>
-          <a:effectRef idx="0">
-            <a:schemeClr val="accent1"/>
-          </a:effectRef>
-          <a:fontRef idx="minor">
-            <a:schemeClr val="lt1"/>
-          </a:fontRef>
-        </p:style>
-        <p:txBody>
-          <a:bodyPr rtlCol="0" anchor="ctr"/>
-          <a:lstStyle/>
-          <a:p>
-            <a:pPr algn="ctr"/>
-            <a:endParaRPr lang="en-US" dirty="0"/>
-          </a:p>
-        </p:txBody>
-      </p:sp>
-      <p:sp>
-        <p:nvSpPr>
-          <p:cNvPr id="12" name="Rectangle 11">
-            <a:extLst>
-              <a:ext uri="{FF2B5EF4-FFF2-40B4-BE49-F238E27FC236}">
-                <a16:creationId xmlns:a16="http://schemas.microsoft.com/office/drawing/2014/main" id="{29FDB030-9B49-4CED-8CCD-4D99382388AC}"/>
-              </a:ext>
-              <a:ext uri="{C183D7F6-B498-43B3-948B-1728B52AA6E4}">
-                <adec:decorative xmlns:adec="http://schemas.microsoft.com/office/drawing/2017/decorative" val="1"/>
-              </a:ext>
-            </a:extLst>
-          </p:cNvPr>
-          <p:cNvSpPr>
-            <a:spLocks noGrp="1" noRot="1" noChangeAspect="1" noMove="1" noResize="1" noEditPoints="1" noAdjustHandles="1" noChangeArrowheads="1" noChangeShapeType="1" noTextEdit="1"/>
-          </p:cNvSpPr>
-          <p:nvPr>
-            <p:extLst>
-              <p:ext uri="{386F3935-93C4-4BCD-93E2-E3B085C9AB24}">
-                <p16:designElem xmlns:p16="http://schemas.microsoft.com/office/powerpoint/2015/main" val="1"/>
-              </p:ext>
-            </p:extLst>
-          </p:nvPr>
-        </p:nvSpPr>
-        <p:spPr>
-          <a:xfrm rot="18900000" flipH="1">
-            <a:off x="891641" y="422146"/>
-            <a:ext cx="645368" cy="645368"/>
-          </a:xfrm>
-          <a:prstGeom prst="rect">
-            <a:avLst/>
-          </a:prstGeom>
-          <a:solidFill>
-            <a:schemeClr val="accent1">
-              <a:alpha val="30000"/>
-            </a:schemeClr>
-          </a:solidFill>
-          <a:ln>
-            <a:noFill/>
-          </a:ln>
-        </p:spPr>
-        <p:style>
-          <a:lnRef idx="2">
-            <a:schemeClr val="accent1">
-              <a:shade val="50000"/>
-            </a:schemeClr>
-          </a:lnRef>
-          <a:fillRef idx="1">
-            <a:schemeClr val="accent1"/>
-          </a:fillRef>
-          <a:effectRef idx="0">
-            <a:schemeClr val="accent1"/>
-          </a:effectRef>
-          <a:fontRef idx="minor">
-            <a:schemeClr val="lt1"/>
-          </a:fontRef>
-        </p:style>
-        <p:txBody>
-          <a:bodyPr rtlCol="0" anchor="ctr"/>
-          <a:lstStyle/>
-          <a:p>
-            <a:pPr algn="ctr"/>
-            <a:endParaRPr lang="en-US"/>
-          </a:p>
-        </p:txBody>
-      </p:sp>
-      <p:sp>
-        <p:nvSpPr>
-          <p:cNvPr id="14" name="Rectangle 13">
-            <a:extLst>
-              <a:ext uri="{FF2B5EF4-FFF2-40B4-BE49-F238E27FC236}">
-                <a16:creationId xmlns:a16="http://schemas.microsoft.com/office/drawing/2014/main" id="{3783CA14-24A1-485C-8B30-D6A5D87987AD}"/>
-              </a:ext>
-              <a:ext uri="{C183D7F6-B498-43B3-948B-1728B52AA6E4}">
-                <adec:decorative xmlns:adec="http://schemas.microsoft.com/office/drawing/2017/decorative" val="1"/>
-              </a:ext>
-            </a:extLst>
-          </p:cNvPr>
-          <p:cNvSpPr>
-            <a:spLocks noGrp="1" noRot="1" noChangeAspect="1" noMove="1" noResize="1" noEditPoints="1" noAdjustHandles="1" noChangeArrowheads="1" noChangeShapeType="1" noTextEdit="1"/>
-          </p:cNvSpPr>
-          <p:nvPr>
-            <p:extLst>
-              <p:ext uri="{386F3935-93C4-4BCD-93E2-E3B085C9AB24}">
-                <p16:designElem xmlns:p16="http://schemas.microsoft.com/office/powerpoint/2015/main" val="1"/>
-              </p:ext>
-            </p:extLst>
-          </p:nvPr>
-        </p:nvSpPr>
-        <p:spPr>
-          <a:xfrm rot="18900000" flipH="1">
-            <a:off x="10043482" y="655140"/>
-            <a:ext cx="687472" cy="687472"/>
-          </a:xfrm>
-          <a:prstGeom prst="rect">
-            <a:avLst/>
-          </a:prstGeom>
-          <a:solidFill>
-            <a:schemeClr val="accent4">
-              <a:alpha val="30000"/>
-            </a:schemeClr>
-          </a:solidFill>
-          <a:ln>
-            <a:noFill/>
-          </a:ln>
-        </p:spPr>
-        <p:style>
-          <a:lnRef idx="2">
-            <a:schemeClr val="accent1">
-              <a:shade val="50000"/>
-            </a:schemeClr>
-          </a:lnRef>
-          <a:fillRef idx="1">
-            <a:schemeClr val="accent1"/>
-          </a:fillRef>
-          <a:effectRef idx="0">
-            <a:schemeClr val="accent1"/>
-          </a:effectRef>
-          <a:fontRef idx="minor">
-            <a:schemeClr val="lt1"/>
-          </a:fontRef>
-        </p:style>
-        <p:txBody>
-          <a:bodyPr rtlCol="0" anchor="ctr"/>
-          <a:lstStyle/>
-          <a:p>
-            <a:pPr algn="ctr"/>
-            <a:endParaRPr lang="en-US"/>
-          </a:p>
-        </p:txBody>
-      </p:sp>
-      <p:sp>
-        <p:nvSpPr>
-          <p:cNvPr id="16" name="Freeform: Shape 15">
-            <a:extLst>
-              <a:ext uri="{FF2B5EF4-FFF2-40B4-BE49-F238E27FC236}">
-                <a16:creationId xmlns:a16="http://schemas.microsoft.com/office/drawing/2014/main" id="{9A97C86A-04D6-40F7-AE84-31AB43E6A846}"/>
-              </a:ext>
-              <a:ext uri="{C183D7F6-B498-43B3-948B-1728B52AA6E4}">
-                <adec:decorative xmlns:adec="http://schemas.microsoft.com/office/drawing/2017/decorative" val="1"/>
-              </a:ext>
-            </a:extLst>
-          </p:cNvPr>
-          <p:cNvSpPr>
-            <a:spLocks noGrp="1" noRot="1" noChangeAspect="1" noMove="1" noResize="1" noEditPoints="1" noAdjustHandles="1" noChangeArrowheads="1" noChangeShapeType="1" noTextEdit="1"/>
-          </p:cNvSpPr>
-          <p:nvPr>
-            <p:extLst>
-              <p:ext uri="{386F3935-93C4-4BCD-93E2-E3B085C9AB24}">
-                <p16:designElem xmlns:p16="http://schemas.microsoft.com/office/powerpoint/2015/main" val="1"/>
-              </p:ext>
-            </p:extLst>
-          </p:nvPr>
-        </p:nvSpPr>
-        <p:spPr>
-          <a:xfrm rot="10800000" flipH="1">
-            <a:off x="9356643" y="0"/>
-            <a:ext cx="2835357" cy="1480837"/>
-          </a:xfrm>
-          <a:custGeom>
-            <a:avLst/>
-            <a:gdLst>
-              <a:gd name="connsiteX0" fmla="*/ 2835357 w 2835357"/>
-              <a:gd name="connsiteY0" fmla="*/ 1480837 h 1480837"/>
-              <a:gd name="connsiteX1" fmla="*/ 0 w 2835357"/>
-              <a:gd name="connsiteY1" fmla="*/ 1480837 h 1480837"/>
-              <a:gd name="connsiteX2" fmla="*/ 1552727 w 2835357"/>
-              <a:gd name="connsiteY2" fmla="*/ 0 h 1480837"/>
-              <a:gd name="connsiteX3" fmla="*/ 2835357 w 2835357"/>
-              <a:gd name="connsiteY3" fmla="*/ 1223245 h 1480837"/>
-            </a:gdLst>
-            <a:ahLst/>
-            <a:cxnLst>
-              <a:cxn ang="0">
-                <a:pos x="connsiteX0" y="connsiteY0"/>
-              </a:cxn>
-              <a:cxn ang="0">
-                <a:pos x="connsiteX1" y="connsiteY1"/>
-              </a:cxn>
-              <a:cxn ang="0">
-                <a:pos x="connsiteX2" y="connsiteY2"/>
-              </a:cxn>
-              <a:cxn ang="0">
-                <a:pos x="connsiteX3" y="connsiteY3"/>
-              </a:cxn>
-            </a:cxnLst>
-            <a:rect l="l" t="t" r="r" b="b"/>
-            <a:pathLst>
-              <a:path w="2835357" h="1480837">
-                <a:moveTo>
-                  <a:pt x="2835357" y="1480837"/>
-                </a:moveTo>
-                <a:lnTo>
-                  <a:pt x="0" y="1480837"/>
-                </a:lnTo>
-                <a:lnTo>
-                  <a:pt x="1552727" y="0"/>
-                </a:lnTo>
-                <a:lnTo>
-                  <a:pt x="2835357" y="1223245"/>
-                </a:lnTo>
-                <a:close/>
-              </a:path>
-            </a:pathLst>
-          </a:custGeom>
-          <a:solidFill>
-            <a:schemeClr val="accent4">
-              <a:alpha val="30000"/>
-            </a:schemeClr>
-          </a:solidFill>
-          <a:ln>
-            <a:noFill/>
-          </a:ln>
-        </p:spPr>
-        <p:style>
-          <a:lnRef idx="2">
-            <a:schemeClr val="accent1">
-              <a:shade val="50000"/>
-            </a:schemeClr>
-          </a:lnRef>
-          <a:fillRef idx="1">
-            <a:schemeClr val="accent1"/>
-          </a:fillRef>
-          <a:effectRef idx="0">
-            <a:schemeClr val="accent1"/>
-          </a:effectRef>
-          <a:fontRef idx="minor">
-            <a:schemeClr val="lt1"/>
-          </a:fontRef>
-        </p:style>
-        <p:txBody>
-          <a:bodyPr wrap="square" rtlCol="0" anchor="ctr">
-            <a:noAutofit/>
-          </a:bodyPr>
-          <a:lstStyle/>
-          <a:p>
-            <a:pPr algn="ctr"/>
-            <a:endParaRPr lang="en-US" dirty="0"/>
-          </a:p>
-        </p:txBody>
-      </p:sp>
-      <p:sp>
-        <p:nvSpPr>
-          <p:cNvPr id="18" name="Isosceles Triangle 17">
-            <a:extLst>
-              <a:ext uri="{FF2B5EF4-FFF2-40B4-BE49-F238E27FC236}">
-                <a16:creationId xmlns:a16="http://schemas.microsoft.com/office/drawing/2014/main" id="{FF9F2414-84E8-453E-B1F3-389FDE8192D9}"/>
-              </a:ext>
-              <a:ext uri="{C183D7F6-B498-43B3-948B-1728B52AA6E4}">
-                <adec:decorative xmlns:adec="http://schemas.microsoft.com/office/drawing/2017/decorative" val="1"/>
-              </a:ext>
-            </a:extLst>
-          </p:cNvPr>
-          <p:cNvSpPr>
-            <a:spLocks noGrp="1" noRot="1" noChangeAspect="1" noMove="1" noResize="1" noEditPoints="1" noAdjustHandles="1" noChangeArrowheads="1" noChangeShapeType="1" noTextEdit="1"/>
-          </p:cNvSpPr>
-          <p:nvPr>
-            <p:extLst>
-              <p:ext uri="{386F3935-93C4-4BCD-93E2-E3B085C9AB24}">
-                <p16:designElem xmlns:p16="http://schemas.microsoft.com/office/powerpoint/2015/main" val="1"/>
-              </p:ext>
-            </p:extLst>
-          </p:nvPr>
-        </p:nvSpPr>
-        <p:spPr>
-          <a:xfrm flipH="1">
-            <a:off x="7976344" y="6115501"/>
-            <a:ext cx="1494513" cy="742499"/>
-          </a:xfrm>
-          <a:prstGeom prst="triangle">
-            <a:avLst/>
-          </a:prstGeom>
-          <a:solidFill>
-            <a:schemeClr val="accent1">
-              <a:alpha val="30000"/>
-            </a:schemeClr>
-          </a:solidFill>
-          <a:ln>
-            <a:noFill/>
-          </a:ln>
-        </p:spPr>
-        <p:style>
-          <a:lnRef idx="2">
-            <a:schemeClr val="accent1">
-              <a:shade val="50000"/>
-            </a:schemeClr>
-          </a:lnRef>
-          <a:fillRef idx="1">
-            <a:schemeClr val="accent1"/>
-          </a:fillRef>
-          <a:effectRef idx="0">
-            <a:schemeClr val="accent1"/>
-          </a:effectRef>
-          <a:fontRef idx="minor">
-            <a:schemeClr val="lt1"/>
-          </a:fontRef>
-        </p:style>
-        <p:txBody>
-          <a:bodyPr rtlCol="0" anchor="ctr"/>
-          <a:lstStyle/>
-          <a:p>
-            <a:pPr algn="ctr"/>
-            <a:endParaRPr lang="en-US"/>
-          </a:p>
-        </p:txBody>
-      </p:sp>
-      <p:sp>
-        <p:nvSpPr>
-          <p:cNvPr id="20" name="Isosceles Triangle 19">
-            <a:extLst>
-              <a:ext uri="{FF2B5EF4-FFF2-40B4-BE49-F238E27FC236}">
-                <a16:creationId xmlns:a16="http://schemas.microsoft.com/office/drawing/2014/main" id="{3ECA69A1-7536-43AC-85EF-C7106179F5ED}"/>
-              </a:ext>
-              <a:ext uri="{C183D7F6-B498-43B3-948B-1728B52AA6E4}">
-                <adec:decorative xmlns:adec="http://schemas.microsoft.com/office/drawing/2017/decorative" val="1"/>
-              </a:ext>
-            </a:extLst>
-          </p:cNvPr>
-          <p:cNvSpPr>
-            <a:spLocks noGrp="1" noRot="1" noChangeAspect="1" noMove="1" noResize="1" noEditPoints="1" noAdjustHandles="1" noChangeArrowheads="1" noChangeShapeType="1" noTextEdit="1"/>
-          </p:cNvSpPr>
-          <p:nvPr>
-            <p:extLst>
-              <p:ext uri="{386F3935-93C4-4BCD-93E2-E3B085C9AB24}">
-                <p16:designElem xmlns:p16="http://schemas.microsoft.com/office/powerpoint/2015/main" val="1"/>
-              </p:ext>
-            </p:extLst>
-          </p:nvPr>
-        </p:nvSpPr>
-        <p:spPr>
-          <a:xfrm flipH="1">
-            <a:off x="7604080" y="6453143"/>
-            <a:ext cx="814903" cy="404857"/>
-          </a:xfrm>
-          <a:prstGeom prst="triangle">
-            <a:avLst/>
-          </a:prstGeom>
-          <a:solidFill>
-            <a:schemeClr val="accent1">
-              <a:alpha val="30000"/>
-            </a:schemeClr>
-          </a:solidFill>
-          <a:ln>
-            <a:noFill/>
-          </a:ln>
-        </p:spPr>
-        <p:style>
-          <a:lnRef idx="2">
-            <a:schemeClr val="accent1">
-              <a:shade val="50000"/>
-            </a:schemeClr>
-          </a:lnRef>
-          <a:fillRef idx="1">
-            <a:schemeClr val="accent1"/>
-          </a:fillRef>
-          <a:effectRef idx="0">
-            <a:schemeClr val="accent1"/>
-          </a:effectRef>
-          <a:fontRef idx="minor">
-            <a:schemeClr val="lt1"/>
-          </a:fontRef>
-        </p:style>
-        <p:txBody>
-          <a:bodyPr rtlCol="0" anchor="ctr"/>
-          <a:lstStyle/>
-          <a:p>
-            <a:pPr algn="ctr"/>
-            <a:endParaRPr lang="en-US"/>
-          </a:p>
-        </p:txBody>
-      </p:sp>
       <p:pic>
         <p:nvPicPr>
           <p:cNvPr id="13" name="Graphic 12" descr="Table">
@@ -10204,7 +6751,11 @@
           <a:p>
             <a:pPr algn="ctr"/>
             <a:r>
-              <a:rPr lang="en-AU" sz="2400" b="1" dirty="0"/>
+              <a:rPr lang="en-AU" sz="2400" b="1" dirty="0">
+                <a:solidFill>
+                  <a:srgbClr val="003B46"/>
+                </a:solidFill>
+              </a:rPr>
               <a:t>csv and Json</a:t>
             </a:r>
           </a:p>
@@ -10276,13 +6827,15 @@
         </p:nvSpPr>
         <p:spPr>
           <a:xfrm>
-            <a:off x="2050191" y="476671"/>
-            <a:ext cx="7715610" cy="2123658"/>
+            <a:off x="0" y="239484"/>
+            <a:ext cx="12192000" cy="1569660"/>
           </a:xfrm>
           <a:prstGeom prst="rect">
             <a:avLst/>
           </a:prstGeom>
-          <a:noFill/>
+          <a:solidFill>
+            <a:srgbClr val="66A5AD"/>
+          </a:solidFill>
         </p:spPr>
         <p:txBody>
           <a:bodyPr wrap="square" rtlCol="0">
@@ -10292,12 +6845,11 @@
           <a:p>
             <a:pPr algn="ctr"/>
             <a:r>
-              <a:rPr lang="en-AU" sz="4400" b="1" dirty="0">
-                <a:solidFill>
-                  <a:schemeClr val="accent6">
-                    <a:lumMod val="75000"/>
-                  </a:schemeClr>
-                </a:solidFill>
+              <a:rPr lang="en-AU" sz="4800" b="1" dirty="0">
+                <a:solidFill>
+                  <a:srgbClr val="003B46"/>
+                </a:solidFill>
+                <a:latin typeface="+mj-lt"/>
               </a:rPr>
               <a:t>Western Australia UV Index</a:t>
             </a:r>
@@ -10305,32 +6857,29 @@
           <a:p>
             <a:pPr algn="ctr"/>
             <a:r>
-              <a:rPr lang="en-AU" sz="4400" b="1" dirty="0">
-                <a:solidFill>
-                  <a:schemeClr val="accent6">
-                    <a:lumMod val="75000"/>
-                  </a:schemeClr>
-                </a:solidFill>
+              <a:rPr lang="en-AU" sz="4800" b="1" dirty="0">
+                <a:solidFill>
+                  <a:srgbClr val="003B46"/>
+                </a:solidFill>
+                <a:latin typeface="+mj-lt"/>
               </a:rPr>
               <a:t>Extract Historical Data from </a:t>
             </a:r>
             <a:r>
-              <a:rPr lang="en-AU" sz="4400" b="1" dirty="0" err="1">
-                <a:solidFill>
-                  <a:schemeClr val="accent6">
-                    <a:lumMod val="75000"/>
-                  </a:schemeClr>
-                </a:solidFill>
+              <a:rPr lang="en-AU" sz="4800" b="1" dirty="0" err="1">
+                <a:solidFill>
+                  <a:srgbClr val="003B46"/>
+                </a:solidFill>
+                <a:latin typeface="+mj-lt"/>
               </a:rPr>
               <a:t>OpenWeather</a:t>
             </a:r>
             <a:r>
-              <a:rPr lang="en-AU" sz="4400" b="1" dirty="0">
-                <a:solidFill>
-                  <a:schemeClr val="accent6">
-                    <a:lumMod val="75000"/>
-                  </a:schemeClr>
-                </a:solidFill>
+              <a:rPr lang="en-AU" sz="4800" b="1" dirty="0">
+                <a:solidFill>
+                  <a:srgbClr val="003B46"/>
+                </a:solidFill>
+                <a:latin typeface="+mj-lt"/>
               </a:rPr>
               <a:t> API</a:t>
             </a:r>
@@ -10405,11 +6954,19 @@
           <a:lstStyle/>
           <a:p>
             <a:r>
-              <a:rPr lang="en-AU" sz="2400" b="1" dirty="0" err="1"/>
+              <a:rPr lang="en-AU" sz="2400" b="1" dirty="0" err="1">
+                <a:solidFill>
+                  <a:srgbClr val="003B46"/>
+                </a:solidFill>
+              </a:rPr>
               <a:t>OpenWeather</a:t>
             </a:r>
             <a:r>
-              <a:rPr lang="en-AU" sz="2400" b="1" dirty="0"/>
+              <a:rPr lang="en-AU" sz="2400" b="1" dirty="0">
+                <a:solidFill>
+                  <a:srgbClr val="003B46"/>
+                </a:solidFill>
+              </a:rPr>
               <a:t> API</a:t>
             </a:r>
           </a:p>
@@ -10431,14 +6988,6 @@
 <file path=ppt/slides/slide5.xml><?xml version="1.0" encoding="utf-8"?>
 <p:sld xmlns:a="http://schemas.openxmlformats.org/drawingml/2006/main" xmlns:r="http://schemas.openxmlformats.org/officeDocument/2006/relationships" xmlns:p="http://schemas.openxmlformats.org/presentationml/2006/main">
   <p:cSld>
-    <p:bg>
-      <p:bgPr>
-        <a:solidFill>
-          <a:schemeClr val="bg1"/>
-        </a:solidFill>
-        <a:effectLst/>
-      </p:bgPr>
-    </p:bg>
     <p:spTree>
       <p:nvGrpSpPr>
         <p:cNvPr id="1" name=""/>
@@ -10453,555 +7002,6 @@
           <a:chExt cx="0" cy="0"/>
         </a:xfrm>
       </p:grpSpPr>
-      <p:sp>
-        <p:nvSpPr>
-          <p:cNvPr id="8" name="Rectangle 7">
-            <a:extLst>
-              <a:ext uri="{FF2B5EF4-FFF2-40B4-BE49-F238E27FC236}">
-                <a16:creationId xmlns:a16="http://schemas.microsoft.com/office/drawing/2014/main" id="{F3060C83-F051-4F0E-ABAD-AA0DFC48B218}"/>
-              </a:ext>
-              <a:ext uri="{C183D7F6-B498-43B3-948B-1728B52AA6E4}">
-                <adec:decorative xmlns:adec="http://schemas.microsoft.com/office/drawing/2017/decorative" val="1"/>
-              </a:ext>
-            </a:extLst>
-          </p:cNvPr>
-          <p:cNvSpPr>
-            <a:spLocks noGrp="1" noRot="1" noChangeAspect="1" noMove="1" noResize="1" noEditPoints="1" noAdjustHandles="1" noChangeArrowheads="1" noChangeShapeType="1" noTextEdit="1"/>
-          </p:cNvSpPr>
-          <p:nvPr>
-            <p:extLst>
-              <p:ext uri="{386F3935-93C4-4BCD-93E2-E3B085C9AB24}">
-                <p16:designElem xmlns:p16="http://schemas.microsoft.com/office/powerpoint/2015/main" val="1"/>
-              </p:ext>
-            </p:extLst>
-          </p:nvPr>
-        </p:nvSpPr>
-        <p:spPr>
-          <a:xfrm>
-            <a:off x="0" y="0"/>
-            <a:ext cx="12192000" cy="6858000"/>
-          </a:xfrm>
-          <a:prstGeom prst="rect">
-            <a:avLst/>
-          </a:prstGeom>
-          <a:solidFill>
-            <a:schemeClr val="bg1"/>
-          </a:solidFill>
-          <a:ln>
-            <a:noFill/>
-          </a:ln>
-        </p:spPr>
-        <p:style>
-          <a:lnRef idx="2">
-            <a:schemeClr val="accent1">
-              <a:shade val="50000"/>
-            </a:schemeClr>
-          </a:lnRef>
-          <a:fillRef idx="1">
-            <a:schemeClr val="accent1"/>
-          </a:fillRef>
-          <a:effectRef idx="0">
-            <a:schemeClr val="accent1"/>
-          </a:effectRef>
-          <a:fontRef idx="minor">
-            <a:schemeClr val="lt1"/>
-          </a:fontRef>
-        </p:style>
-        <p:txBody>
-          <a:bodyPr rtlCol="0" anchor="ctr"/>
-          <a:lstStyle/>
-          <a:p>
-            <a:pPr algn="ctr"/>
-            <a:endParaRPr lang="en-US" dirty="0"/>
-          </a:p>
-        </p:txBody>
-      </p:sp>
-      <p:sp>
-        <p:nvSpPr>
-          <p:cNvPr id="10" name="Freeform: Shape 9">
-            <a:extLst>
-              <a:ext uri="{FF2B5EF4-FFF2-40B4-BE49-F238E27FC236}">
-                <a16:creationId xmlns:a16="http://schemas.microsoft.com/office/drawing/2014/main" id="{83C98ABE-055B-441F-B07E-44F97F083C39}"/>
-              </a:ext>
-              <a:ext uri="{C183D7F6-B498-43B3-948B-1728B52AA6E4}">
-                <adec:decorative xmlns:adec="http://schemas.microsoft.com/office/drawing/2017/decorative" val="1"/>
-              </a:ext>
-            </a:extLst>
-          </p:cNvPr>
-          <p:cNvSpPr>
-            <a:spLocks noGrp="1" noRot="1" noChangeAspect="1" noMove="1" noResize="1" noEditPoints="1" noAdjustHandles="1" noChangeArrowheads="1" noChangeShapeType="1" noTextEdit="1"/>
-          </p:cNvSpPr>
-          <p:nvPr>
-            <p:extLst>
-              <p:ext uri="{386F3935-93C4-4BCD-93E2-E3B085C9AB24}">
-                <p16:designElem xmlns:p16="http://schemas.microsoft.com/office/powerpoint/2015/main" val="1"/>
-              </p:ext>
-            </p:extLst>
-          </p:nvPr>
-        </p:nvSpPr>
-        <p:spPr>
-          <a:xfrm rot="18900000" flipH="1">
-            <a:off x="-376156" y="-253670"/>
-            <a:ext cx="1827638" cy="1376989"/>
-          </a:xfrm>
-          <a:custGeom>
-            <a:avLst/>
-            <a:gdLst>
-              <a:gd name="connsiteX0" fmla="*/ 0 w 1827638"/>
-              <a:gd name="connsiteY0" fmla="*/ 987379 h 1376989"/>
-              <a:gd name="connsiteX1" fmla="*/ 987379 w 1827638"/>
-              <a:gd name="connsiteY1" fmla="*/ 0 h 1376989"/>
-              <a:gd name="connsiteX2" fmla="*/ 1827638 w 1827638"/>
-              <a:gd name="connsiteY2" fmla="*/ 840260 h 1376989"/>
-              <a:gd name="connsiteX3" fmla="*/ 1827638 w 1827638"/>
-              <a:gd name="connsiteY3" fmla="*/ 1376989 h 1376989"/>
-              <a:gd name="connsiteX4" fmla="*/ 0 w 1827638"/>
-              <a:gd name="connsiteY4" fmla="*/ 1376989 h 1376989"/>
-            </a:gdLst>
-            <a:ahLst/>
-            <a:cxnLst>
-              <a:cxn ang="0">
-                <a:pos x="connsiteX0" y="connsiteY0"/>
-              </a:cxn>
-              <a:cxn ang="0">
-                <a:pos x="connsiteX1" y="connsiteY1"/>
-              </a:cxn>
-              <a:cxn ang="0">
-                <a:pos x="connsiteX2" y="connsiteY2"/>
-              </a:cxn>
-              <a:cxn ang="0">
-                <a:pos x="connsiteX3" y="connsiteY3"/>
-              </a:cxn>
-              <a:cxn ang="0">
-                <a:pos x="connsiteX4" y="connsiteY4"/>
-              </a:cxn>
-            </a:cxnLst>
-            <a:rect l="l" t="t" r="r" b="b"/>
-            <a:pathLst>
-              <a:path w="1827638" h="1376989">
-                <a:moveTo>
-                  <a:pt x="0" y="987379"/>
-                </a:moveTo>
-                <a:lnTo>
-                  <a:pt x="987379" y="0"/>
-                </a:lnTo>
-                <a:lnTo>
-                  <a:pt x="1827638" y="840260"/>
-                </a:lnTo>
-                <a:lnTo>
-                  <a:pt x="1827638" y="1376989"/>
-                </a:lnTo>
-                <a:lnTo>
-                  <a:pt x="0" y="1376989"/>
-                </a:lnTo>
-                <a:close/>
-              </a:path>
-            </a:pathLst>
-          </a:custGeom>
-          <a:solidFill>
-            <a:schemeClr val="accent1">
-              <a:alpha val="30000"/>
-            </a:schemeClr>
-          </a:solidFill>
-          <a:ln>
-            <a:noFill/>
-          </a:ln>
-        </p:spPr>
-        <p:style>
-          <a:lnRef idx="2">
-            <a:schemeClr val="accent1">
-              <a:shade val="50000"/>
-            </a:schemeClr>
-          </a:lnRef>
-          <a:fillRef idx="1">
-            <a:schemeClr val="accent1"/>
-          </a:fillRef>
-          <a:effectRef idx="0">
-            <a:schemeClr val="accent1"/>
-          </a:effectRef>
-          <a:fontRef idx="minor">
-            <a:schemeClr val="lt1"/>
-          </a:fontRef>
-        </p:style>
-        <p:txBody>
-          <a:bodyPr rtlCol="0" anchor="ctr"/>
-          <a:lstStyle/>
-          <a:p>
-            <a:pPr algn="ctr"/>
-            <a:endParaRPr lang="en-US" dirty="0"/>
-          </a:p>
-        </p:txBody>
-      </p:sp>
-      <p:sp>
-        <p:nvSpPr>
-          <p:cNvPr id="12" name="Rectangle 11">
-            <a:extLst>
-              <a:ext uri="{FF2B5EF4-FFF2-40B4-BE49-F238E27FC236}">
-                <a16:creationId xmlns:a16="http://schemas.microsoft.com/office/drawing/2014/main" id="{29FDB030-9B49-4CED-8CCD-4D99382388AC}"/>
-              </a:ext>
-              <a:ext uri="{C183D7F6-B498-43B3-948B-1728B52AA6E4}">
-                <adec:decorative xmlns:adec="http://schemas.microsoft.com/office/drawing/2017/decorative" val="1"/>
-              </a:ext>
-            </a:extLst>
-          </p:cNvPr>
-          <p:cNvSpPr>
-            <a:spLocks noGrp="1" noRot="1" noChangeAspect="1" noMove="1" noResize="1" noEditPoints="1" noAdjustHandles="1" noChangeArrowheads="1" noChangeShapeType="1" noTextEdit="1"/>
-          </p:cNvSpPr>
-          <p:nvPr>
-            <p:extLst>
-              <p:ext uri="{386F3935-93C4-4BCD-93E2-E3B085C9AB24}">
-                <p16:designElem xmlns:p16="http://schemas.microsoft.com/office/powerpoint/2015/main" val="1"/>
-              </p:ext>
-            </p:extLst>
-          </p:nvPr>
-        </p:nvSpPr>
-        <p:spPr>
-          <a:xfrm rot="18900000" flipH="1">
-            <a:off x="891641" y="422146"/>
-            <a:ext cx="645368" cy="645368"/>
-          </a:xfrm>
-          <a:prstGeom prst="rect">
-            <a:avLst/>
-          </a:prstGeom>
-          <a:solidFill>
-            <a:schemeClr val="accent1">
-              <a:alpha val="30000"/>
-            </a:schemeClr>
-          </a:solidFill>
-          <a:ln>
-            <a:noFill/>
-          </a:ln>
-        </p:spPr>
-        <p:style>
-          <a:lnRef idx="2">
-            <a:schemeClr val="accent1">
-              <a:shade val="50000"/>
-            </a:schemeClr>
-          </a:lnRef>
-          <a:fillRef idx="1">
-            <a:schemeClr val="accent1"/>
-          </a:fillRef>
-          <a:effectRef idx="0">
-            <a:schemeClr val="accent1"/>
-          </a:effectRef>
-          <a:fontRef idx="minor">
-            <a:schemeClr val="lt1"/>
-          </a:fontRef>
-        </p:style>
-        <p:txBody>
-          <a:bodyPr rtlCol="0" anchor="ctr"/>
-          <a:lstStyle/>
-          <a:p>
-            <a:pPr algn="ctr"/>
-            <a:endParaRPr lang="en-US"/>
-          </a:p>
-        </p:txBody>
-      </p:sp>
-      <p:sp>
-        <p:nvSpPr>
-          <p:cNvPr id="14" name="Rectangle 13">
-            <a:extLst>
-              <a:ext uri="{FF2B5EF4-FFF2-40B4-BE49-F238E27FC236}">
-                <a16:creationId xmlns:a16="http://schemas.microsoft.com/office/drawing/2014/main" id="{3783CA14-24A1-485C-8B30-D6A5D87987AD}"/>
-              </a:ext>
-              <a:ext uri="{C183D7F6-B498-43B3-948B-1728B52AA6E4}">
-                <adec:decorative xmlns:adec="http://schemas.microsoft.com/office/drawing/2017/decorative" val="1"/>
-              </a:ext>
-            </a:extLst>
-          </p:cNvPr>
-          <p:cNvSpPr>
-            <a:spLocks noGrp="1" noRot="1" noChangeAspect="1" noMove="1" noResize="1" noEditPoints="1" noAdjustHandles="1" noChangeArrowheads="1" noChangeShapeType="1" noTextEdit="1"/>
-          </p:cNvSpPr>
-          <p:nvPr>
-            <p:extLst>
-              <p:ext uri="{386F3935-93C4-4BCD-93E2-E3B085C9AB24}">
-                <p16:designElem xmlns:p16="http://schemas.microsoft.com/office/powerpoint/2015/main" val="1"/>
-              </p:ext>
-            </p:extLst>
-          </p:nvPr>
-        </p:nvSpPr>
-        <p:spPr>
-          <a:xfrm rot="18900000" flipH="1">
-            <a:off x="10043482" y="655140"/>
-            <a:ext cx="687472" cy="687472"/>
-          </a:xfrm>
-          <a:prstGeom prst="rect">
-            <a:avLst/>
-          </a:prstGeom>
-          <a:solidFill>
-            <a:schemeClr val="accent4">
-              <a:alpha val="30000"/>
-            </a:schemeClr>
-          </a:solidFill>
-          <a:ln>
-            <a:noFill/>
-          </a:ln>
-        </p:spPr>
-        <p:style>
-          <a:lnRef idx="2">
-            <a:schemeClr val="accent1">
-              <a:shade val="50000"/>
-            </a:schemeClr>
-          </a:lnRef>
-          <a:fillRef idx="1">
-            <a:schemeClr val="accent1"/>
-          </a:fillRef>
-          <a:effectRef idx="0">
-            <a:schemeClr val="accent1"/>
-          </a:effectRef>
-          <a:fontRef idx="minor">
-            <a:schemeClr val="lt1"/>
-          </a:fontRef>
-        </p:style>
-        <p:txBody>
-          <a:bodyPr rtlCol="0" anchor="ctr"/>
-          <a:lstStyle/>
-          <a:p>
-            <a:pPr algn="ctr"/>
-            <a:endParaRPr lang="en-US"/>
-          </a:p>
-        </p:txBody>
-      </p:sp>
-      <p:sp>
-        <p:nvSpPr>
-          <p:cNvPr id="16" name="Freeform: Shape 15">
-            <a:extLst>
-              <a:ext uri="{FF2B5EF4-FFF2-40B4-BE49-F238E27FC236}">
-                <a16:creationId xmlns:a16="http://schemas.microsoft.com/office/drawing/2014/main" id="{9A97C86A-04D6-40F7-AE84-31AB43E6A846}"/>
-              </a:ext>
-              <a:ext uri="{C183D7F6-B498-43B3-948B-1728B52AA6E4}">
-                <adec:decorative xmlns:adec="http://schemas.microsoft.com/office/drawing/2017/decorative" val="1"/>
-              </a:ext>
-            </a:extLst>
-          </p:cNvPr>
-          <p:cNvSpPr>
-            <a:spLocks noGrp="1" noRot="1" noChangeAspect="1" noMove="1" noResize="1" noEditPoints="1" noAdjustHandles="1" noChangeArrowheads="1" noChangeShapeType="1" noTextEdit="1"/>
-          </p:cNvSpPr>
-          <p:nvPr>
-            <p:extLst>
-              <p:ext uri="{386F3935-93C4-4BCD-93E2-E3B085C9AB24}">
-                <p16:designElem xmlns:p16="http://schemas.microsoft.com/office/powerpoint/2015/main" val="1"/>
-              </p:ext>
-            </p:extLst>
-          </p:nvPr>
-        </p:nvSpPr>
-        <p:spPr>
-          <a:xfrm rot="10800000" flipH="1">
-            <a:off x="9356643" y="0"/>
-            <a:ext cx="2835357" cy="1480837"/>
-          </a:xfrm>
-          <a:custGeom>
-            <a:avLst/>
-            <a:gdLst>
-              <a:gd name="connsiteX0" fmla="*/ 2835357 w 2835357"/>
-              <a:gd name="connsiteY0" fmla="*/ 1480837 h 1480837"/>
-              <a:gd name="connsiteX1" fmla="*/ 0 w 2835357"/>
-              <a:gd name="connsiteY1" fmla="*/ 1480837 h 1480837"/>
-              <a:gd name="connsiteX2" fmla="*/ 1552727 w 2835357"/>
-              <a:gd name="connsiteY2" fmla="*/ 0 h 1480837"/>
-              <a:gd name="connsiteX3" fmla="*/ 2835357 w 2835357"/>
-              <a:gd name="connsiteY3" fmla="*/ 1223245 h 1480837"/>
-            </a:gdLst>
-            <a:ahLst/>
-            <a:cxnLst>
-              <a:cxn ang="0">
-                <a:pos x="connsiteX0" y="connsiteY0"/>
-              </a:cxn>
-              <a:cxn ang="0">
-                <a:pos x="connsiteX1" y="connsiteY1"/>
-              </a:cxn>
-              <a:cxn ang="0">
-                <a:pos x="connsiteX2" y="connsiteY2"/>
-              </a:cxn>
-              <a:cxn ang="0">
-                <a:pos x="connsiteX3" y="connsiteY3"/>
-              </a:cxn>
-            </a:cxnLst>
-            <a:rect l="l" t="t" r="r" b="b"/>
-            <a:pathLst>
-              <a:path w="2835357" h="1480837">
-                <a:moveTo>
-                  <a:pt x="2835357" y="1480837"/>
-                </a:moveTo>
-                <a:lnTo>
-                  <a:pt x="0" y="1480837"/>
-                </a:lnTo>
-                <a:lnTo>
-                  <a:pt x="1552727" y="0"/>
-                </a:lnTo>
-                <a:lnTo>
-                  <a:pt x="2835357" y="1223245"/>
-                </a:lnTo>
-                <a:close/>
-              </a:path>
-            </a:pathLst>
-          </a:custGeom>
-          <a:solidFill>
-            <a:schemeClr val="accent4">
-              <a:alpha val="30000"/>
-            </a:schemeClr>
-          </a:solidFill>
-          <a:ln>
-            <a:noFill/>
-          </a:ln>
-        </p:spPr>
-        <p:style>
-          <a:lnRef idx="2">
-            <a:schemeClr val="accent1">
-              <a:shade val="50000"/>
-            </a:schemeClr>
-          </a:lnRef>
-          <a:fillRef idx="1">
-            <a:schemeClr val="accent1"/>
-          </a:fillRef>
-          <a:effectRef idx="0">
-            <a:schemeClr val="accent1"/>
-          </a:effectRef>
-          <a:fontRef idx="minor">
-            <a:schemeClr val="lt1"/>
-          </a:fontRef>
-        </p:style>
-        <p:txBody>
-          <a:bodyPr wrap="square" rtlCol="0" anchor="ctr">
-            <a:noAutofit/>
-          </a:bodyPr>
-          <a:lstStyle/>
-          <a:p>
-            <a:pPr algn="ctr"/>
-            <a:endParaRPr lang="en-US" dirty="0"/>
-          </a:p>
-        </p:txBody>
-      </p:sp>
-      <p:sp>
-        <p:nvSpPr>
-          <p:cNvPr id="18" name="Isosceles Triangle 17">
-            <a:extLst>
-              <a:ext uri="{FF2B5EF4-FFF2-40B4-BE49-F238E27FC236}">
-                <a16:creationId xmlns:a16="http://schemas.microsoft.com/office/drawing/2014/main" id="{FF9F2414-84E8-453E-B1F3-389FDE8192D9}"/>
-              </a:ext>
-              <a:ext uri="{C183D7F6-B498-43B3-948B-1728B52AA6E4}">
-                <adec:decorative xmlns:adec="http://schemas.microsoft.com/office/drawing/2017/decorative" val="1"/>
-              </a:ext>
-            </a:extLst>
-          </p:cNvPr>
-          <p:cNvSpPr>
-            <a:spLocks noGrp="1" noRot="1" noChangeAspect="1" noMove="1" noResize="1" noEditPoints="1" noAdjustHandles="1" noChangeArrowheads="1" noChangeShapeType="1" noTextEdit="1"/>
-          </p:cNvSpPr>
-          <p:nvPr>
-            <p:extLst>
-              <p:ext uri="{386F3935-93C4-4BCD-93E2-E3B085C9AB24}">
-                <p16:designElem xmlns:p16="http://schemas.microsoft.com/office/powerpoint/2015/main" val="1"/>
-              </p:ext>
-            </p:extLst>
-          </p:nvPr>
-        </p:nvSpPr>
-        <p:spPr>
-          <a:xfrm flipH="1">
-            <a:off x="7976344" y="6115501"/>
-            <a:ext cx="1494513" cy="742499"/>
-          </a:xfrm>
-          <a:prstGeom prst="triangle">
-            <a:avLst/>
-          </a:prstGeom>
-          <a:solidFill>
-            <a:schemeClr val="accent1">
-              <a:alpha val="30000"/>
-            </a:schemeClr>
-          </a:solidFill>
-          <a:ln>
-            <a:noFill/>
-          </a:ln>
-        </p:spPr>
-        <p:style>
-          <a:lnRef idx="2">
-            <a:schemeClr val="accent1">
-              <a:shade val="50000"/>
-            </a:schemeClr>
-          </a:lnRef>
-          <a:fillRef idx="1">
-            <a:schemeClr val="accent1"/>
-          </a:fillRef>
-          <a:effectRef idx="0">
-            <a:schemeClr val="accent1"/>
-          </a:effectRef>
-          <a:fontRef idx="minor">
-            <a:schemeClr val="lt1"/>
-          </a:fontRef>
-        </p:style>
-        <p:txBody>
-          <a:bodyPr rtlCol="0" anchor="ctr"/>
-          <a:lstStyle/>
-          <a:p>
-            <a:pPr algn="ctr"/>
-            <a:endParaRPr lang="en-US"/>
-          </a:p>
-        </p:txBody>
-      </p:sp>
-      <p:sp>
-        <p:nvSpPr>
-          <p:cNvPr id="20" name="Isosceles Triangle 19">
-            <a:extLst>
-              <a:ext uri="{FF2B5EF4-FFF2-40B4-BE49-F238E27FC236}">
-                <a16:creationId xmlns:a16="http://schemas.microsoft.com/office/drawing/2014/main" id="{3ECA69A1-7536-43AC-85EF-C7106179F5ED}"/>
-              </a:ext>
-              <a:ext uri="{C183D7F6-B498-43B3-948B-1728B52AA6E4}">
-                <adec:decorative xmlns:adec="http://schemas.microsoft.com/office/drawing/2017/decorative" val="1"/>
-              </a:ext>
-            </a:extLst>
-          </p:cNvPr>
-          <p:cNvSpPr>
-            <a:spLocks noGrp="1" noRot="1" noChangeAspect="1" noMove="1" noResize="1" noEditPoints="1" noAdjustHandles="1" noChangeArrowheads="1" noChangeShapeType="1" noTextEdit="1"/>
-          </p:cNvSpPr>
-          <p:nvPr>
-            <p:extLst>
-              <p:ext uri="{386F3935-93C4-4BCD-93E2-E3B085C9AB24}">
-                <p16:designElem xmlns:p16="http://schemas.microsoft.com/office/powerpoint/2015/main" val="1"/>
-              </p:ext>
-            </p:extLst>
-          </p:nvPr>
-        </p:nvSpPr>
-        <p:spPr>
-          <a:xfrm flipH="1">
-            <a:off x="7604080" y="6453143"/>
-            <a:ext cx="814903" cy="404857"/>
-          </a:xfrm>
-          <a:prstGeom prst="triangle">
-            <a:avLst/>
-          </a:prstGeom>
-          <a:solidFill>
-            <a:schemeClr val="accent1">
-              <a:alpha val="30000"/>
-            </a:schemeClr>
-          </a:solidFill>
-          <a:ln>
-            <a:noFill/>
-          </a:ln>
-        </p:spPr>
-        <p:style>
-          <a:lnRef idx="2">
-            <a:schemeClr val="accent1">
-              <a:shade val="50000"/>
-            </a:schemeClr>
-          </a:lnRef>
-          <a:fillRef idx="1">
-            <a:schemeClr val="accent1"/>
-          </a:fillRef>
-          <a:effectRef idx="0">
-            <a:schemeClr val="accent1"/>
-          </a:effectRef>
-          <a:fontRef idx="minor">
-            <a:schemeClr val="lt1"/>
-          </a:fontRef>
-        </p:style>
-        <p:txBody>
-          <a:bodyPr rtlCol="0" anchor="ctr"/>
-          <a:lstStyle/>
-          <a:p>
-            <a:pPr algn="ctr"/>
-            <a:endParaRPr lang="en-US"/>
-          </a:p>
-        </p:txBody>
-      </p:sp>
       <p:pic>
         <p:nvPicPr>
           <p:cNvPr id="9" name="Graphic 8" descr="Database">
@@ -11110,7 +7110,11 @@
           <a:p>
             <a:pPr algn="ctr"/>
             <a:r>
-              <a:rPr lang="en-AU" sz="2400" b="1" dirty="0"/>
+              <a:rPr lang="en-AU" sz="2400" b="1" dirty="0">
+                <a:solidFill>
+                  <a:srgbClr val="003B46"/>
+                </a:solidFill>
+              </a:rPr>
               <a:t>csv file</a:t>
             </a:r>
           </a:p>
@@ -11146,7 +7150,11 @@
           <a:p>
             <a:pPr algn="ctr"/>
             <a:r>
-              <a:rPr lang="en-AU" sz="2400" b="1" dirty="0"/>
+              <a:rPr lang="en-AU" sz="2400" b="1" dirty="0">
+                <a:solidFill>
+                  <a:srgbClr val="003B46"/>
+                </a:solidFill>
+              </a:rPr>
               <a:t>SQLITE</a:t>
             </a:r>
           </a:p>
@@ -11218,13 +7226,15 @@
         </p:nvSpPr>
         <p:spPr>
           <a:xfrm>
-            <a:off x="2435095" y="795853"/>
-            <a:ext cx="7715610" cy="1446550"/>
+            <a:off x="0" y="289226"/>
+            <a:ext cx="12191999" cy="1569660"/>
           </a:xfrm>
           <a:prstGeom prst="rect">
             <a:avLst/>
           </a:prstGeom>
-          <a:noFill/>
+          <a:solidFill>
+            <a:srgbClr val="66A5AD"/>
+          </a:solidFill>
         </p:spPr>
         <p:txBody>
           <a:bodyPr wrap="square" rtlCol="0">
@@ -11234,12 +7244,11 @@
           <a:p>
             <a:pPr algn="ctr"/>
             <a:r>
-              <a:rPr lang="en-AU" sz="4400" b="1" dirty="0">
-                <a:solidFill>
-                  <a:schemeClr val="accent6">
-                    <a:lumMod val="75000"/>
-                  </a:schemeClr>
-                </a:solidFill>
+              <a:rPr lang="en-AU" sz="4800" b="1" dirty="0">
+                <a:solidFill>
+                  <a:srgbClr val="003B46"/>
+                </a:solidFill>
+                <a:latin typeface="+mj-lt"/>
               </a:rPr>
               <a:t>Western Australia UV Index</a:t>
             </a:r>
@@ -11247,12 +7256,11 @@
           <a:p>
             <a:pPr algn="ctr"/>
             <a:r>
-              <a:rPr lang="en-AU" sz="4400" b="1" dirty="0">
-                <a:solidFill>
-                  <a:schemeClr val="accent6">
-                    <a:lumMod val="75000"/>
-                  </a:schemeClr>
-                </a:solidFill>
+              <a:rPr lang="en-AU" sz="4800" b="1" dirty="0">
+                <a:solidFill>
+                  <a:srgbClr val="003B46"/>
+                </a:solidFill>
+                <a:latin typeface="+mj-lt"/>
               </a:rPr>
               <a:t>Historical Data Storage</a:t>
             </a:r>
@@ -11341,14 +7349,22 @@
           <a:p>
             <a:pPr algn="ctr"/>
             <a:r>
-              <a:rPr lang="en-AU" sz="2400" b="1" dirty="0"/>
+              <a:rPr lang="en-AU" sz="2400" b="1" dirty="0">
+                <a:solidFill>
+                  <a:srgbClr val="003B46"/>
+                </a:solidFill>
+              </a:rPr>
               <a:t>Python</a:t>
             </a:r>
           </a:p>
           <a:p>
             <a:pPr algn="ctr"/>
             <a:r>
-              <a:rPr lang="en-AU" sz="2400" b="1" dirty="0"/>
+              <a:rPr lang="en-AU" sz="2400" b="1" dirty="0">
+                <a:solidFill>
+                  <a:srgbClr val="003B46"/>
+                </a:solidFill>
+              </a:rPr>
               <a:t>Flask</a:t>
             </a:r>
           </a:p>
@@ -11370,14 +7386,6 @@
 <file path=ppt/slides/slide6.xml><?xml version="1.0" encoding="utf-8"?>
 <p:sld xmlns:a="http://schemas.openxmlformats.org/drawingml/2006/main" xmlns:r="http://schemas.openxmlformats.org/officeDocument/2006/relationships" xmlns:p="http://schemas.openxmlformats.org/presentationml/2006/main">
   <p:cSld>
-    <p:bg>
-      <p:bgPr>
-        <a:solidFill>
-          <a:schemeClr val="bg1"/>
-        </a:solidFill>
-        <a:effectLst/>
-      </p:bgPr>
-    </p:bg>
     <p:spTree>
       <p:nvGrpSpPr>
         <p:cNvPr id="1" name=""/>
@@ -11394,37 +7402,492 @@
       </p:grpSpPr>
       <p:sp>
         <p:nvSpPr>
-          <p:cNvPr id="8" name="Rectangle 7">
-            <a:extLst>
-              <a:ext uri="{FF2B5EF4-FFF2-40B4-BE49-F238E27FC236}">
-                <a16:creationId xmlns:a16="http://schemas.microsoft.com/office/drawing/2014/main" id="{F3060C83-F051-4F0E-ABAD-AA0DFC48B218}"/>
-              </a:ext>
-              <a:ext uri="{C183D7F6-B498-43B3-948B-1728B52AA6E4}">
-                <adec:decorative xmlns:adec="http://schemas.microsoft.com/office/drawing/2017/decorative" val="1"/>
-              </a:ext>
-            </a:extLst>
-          </p:cNvPr>
-          <p:cNvSpPr>
-            <a:spLocks noGrp="1" noRot="1" noChangeAspect="1" noMove="1" noResize="1" noEditPoints="1" noAdjustHandles="1" noChangeArrowheads="1" noChangeShapeType="1" noTextEdit="1"/>
-          </p:cNvSpPr>
-          <p:nvPr>
-            <p:extLst>
-              <p:ext uri="{386F3935-93C4-4BCD-93E2-E3B085C9AB24}">
-                <p16:designElem xmlns:p16="http://schemas.microsoft.com/office/powerpoint/2015/main" val="1"/>
-              </p:ext>
-            </p:extLst>
-          </p:nvPr>
+          <p:cNvPr id="4" name="TextBox 3">
+            <a:extLst>
+              <a:ext uri="{FF2B5EF4-FFF2-40B4-BE49-F238E27FC236}">
+                <a16:creationId xmlns:a16="http://schemas.microsoft.com/office/drawing/2014/main" id="{775523D8-CAEC-4DFB-B084-BC8DD40E99DD}"/>
+              </a:ext>
+            </a:extLst>
+          </p:cNvPr>
+          <p:cNvSpPr txBox="1"/>
+          <p:nvPr/>
         </p:nvSpPr>
         <p:spPr>
           <a:xfrm>
-            <a:off x="0" y="0"/>
-            <a:ext cx="12192000" cy="6858000"/>
+            <a:off x="0" y="269334"/>
+            <a:ext cx="12192000" cy="1569660"/>
           </a:xfrm>
           <a:prstGeom prst="rect">
             <a:avLst/>
           </a:prstGeom>
           <a:solidFill>
-            <a:schemeClr val="bg1"/>
+            <a:srgbClr val="66A5AD"/>
+          </a:solidFill>
+        </p:spPr>
+        <p:txBody>
+          <a:bodyPr wrap="square" rtlCol="0">
+            <a:spAutoFit/>
+          </a:bodyPr>
+          <a:lstStyle/>
+          <a:p>
+            <a:pPr algn="ctr"/>
+            <a:r>
+              <a:rPr lang="en-AU" sz="4800" b="1" dirty="0">
+                <a:solidFill>
+                  <a:srgbClr val="003B46"/>
+                </a:solidFill>
+                <a:latin typeface="+mj-lt"/>
+              </a:rPr>
+              <a:t>Western Australia UV Index</a:t>
+            </a:r>
+          </a:p>
+          <a:p>
+            <a:pPr algn="ctr"/>
+            <a:r>
+              <a:rPr lang="en-AU" sz="4800" b="1" dirty="0">
+                <a:solidFill>
+                  <a:srgbClr val="003B46"/>
+                </a:solidFill>
+                <a:latin typeface="+mj-lt"/>
+              </a:rPr>
+              <a:t>Why SQLITE?</a:t>
+            </a:r>
+          </a:p>
+        </p:txBody>
+      </p:sp>
+      <p:sp>
+        <p:nvSpPr>
+          <p:cNvPr id="5" name="TextBox 4">
+            <a:extLst>
+              <a:ext uri="{FF2B5EF4-FFF2-40B4-BE49-F238E27FC236}">
+                <a16:creationId xmlns:a16="http://schemas.microsoft.com/office/drawing/2014/main" id="{872F2758-3647-4B00-BD39-DE676106509A}"/>
+              </a:ext>
+            </a:extLst>
+          </p:cNvPr>
+          <p:cNvSpPr txBox="1"/>
+          <p:nvPr/>
+        </p:nvSpPr>
+        <p:spPr>
+          <a:xfrm>
+            <a:off x="2186473" y="2472213"/>
+            <a:ext cx="7819053" cy="2862322"/>
+          </a:xfrm>
+          <a:prstGeom prst="rect">
+            <a:avLst/>
+          </a:prstGeom>
+          <a:noFill/>
+        </p:spPr>
+        <p:txBody>
+          <a:bodyPr wrap="square" rtlCol="0">
+            <a:spAutoFit/>
+          </a:bodyPr>
+          <a:lstStyle/>
+          <a:p>
+            <a:pPr marL="285750" indent="-285750">
+              <a:buFont typeface="Arial" panose="020B0604020202020204" pitchFamily="34" charset="0"/>
+              <a:buChar char="•"/>
+            </a:pPr>
+            <a:r>
+              <a:rPr lang="en-US" sz="3600" dirty="0">
+                <a:solidFill>
+                  <a:srgbClr val="003B46"/>
+                </a:solidFill>
+              </a:rPr>
+              <a:t>Structured data</a:t>
+            </a:r>
+          </a:p>
+          <a:p>
+            <a:endParaRPr lang="en-US" sz="3600" dirty="0"/>
+          </a:p>
+          <a:p>
+            <a:pPr marL="285750" indent="-285750">
+              <a:buFont typeface="Arial" panose="020B0604020202020204" pitchFamily="34" charset="0"/>
+              <a:buChar char="•"/>
+            </a:pPr>
+            <a:r>
+              <a:rPr lang="en-US" sz="3600" dirty="0">
+                <a:solidFill>
+                  <a:srgbClr val="003B46"/>
+                </a:solidFill>
+              </a:rPr>
+              <a:t>The license for SQLite is open-source</a:t>
+            </a:r>
+          </a:p>
+          <a:p>
+            <a:pPr marL="285750" indent="-285750">
+              <a:buFont typeface="Arial" panose="020B0604020202020204" pitchFamily="34" charset="0"/>
+              <a:buChar char="•"/>
+            </a:pPr>
+            <a:endParaRPr lang="en-US" sz="3600" dirty="0"/>
+          </a:p>
+          <a:p>
+            <a:pPr marL="285750" indent="-285750">
+              <a:buFont typeface="Arial" panose="020B0604020202020204" pitchFamily="34" charset="0"/>
+              <a:buChar char="•"/>
+            </a:pPr>
+            <a:r>
+              <a:rPr lang="en-US" sz="3600" dirty="0">
+                <a:solidFill>
+                  <a:srgbClr val="003B46"/>
+                </a:solidFill>
+              </a:rPr>
+              <a:t>SQLite does not require a server to run</a:t>
+            </a:r>
+            <a:endParaRPr lang="en-AU" sz="3600" dirty="0">
+              <a:solidFill>
+                <a:srgbClr val="003B46"/>
+              </a:solidFill>
+            </a:endParaRPr>
+          </a:p>
+        </p:txBody>
+      </p:sp>
+    </p:spTree>
+    <p:extLst>
+      <p:ext uri="{BB962C8B-B14F-4D97-AF65-F5344CB8AC3E}">
+        <p14:creationId xmlns:p14="http://schemas.microsoft.com/office/powerpoint/2010/main" val="467008325"/>
+      </p:ext>
+    </p:extLst>
+  </p:cSld>
+  <p:clrMapOvr>
+    <a:masterClrMapping/>
+  </p:clrMapOvr>
+</p:sld>
+</file>
+
+<file path=ppt/slides/slide7.xml><?xml version="1.0" encoding="utf-8"?>
+<p:sld xmlns:a="http://schemas.openxmlformats.org/drawingml/2006/main" xmlns:r="http://schemas.openxmlformats.org/officeDocument/2006/relationships" xmlns:p="http://schemas.openxmlformats.org/presentationml/2006/main">
+  <p:cSld>
+    <p:spTree>
+      <p:nvGrpSpPr>
+        <p:cNvPr id="1" name=""/>
+        <p:cNvGrpSpPr/>
+        <p:nvPr/>
+      </p:nvGrpSpPr>
+      <p:grpSpPr>
+        <a:xfrm>
+          <a:off x="0" y="0"/>
+          <a:ext cx="0" cy="0"/>
+          <a:chOff x="0" y="0"/>
+          <a:chExt cx="0" cy="0"/>
+        </a:xfrm>
+      </p:grpSpPr>
+      <p:sp>
+        <p:nvSpPr>
+          <p:cNvPr id="4" name="TextBox 3">
+            <a:extLst>
+              <a:ext uri="{FF2B5EF4-FFF2-40B4-BE49-F238E27FC236}">
+                <a16:creationId xmlns:a16="http://schemas.microsoft.com/office/drawing/2014/main" id="{775523D8-CAEC-4DFB-B084-BC8DD40E99DD}"/>
+              </a:ext>
+            </a:extLst>
+          </p:cNvPr>
+          <p:cNvSpPr txBox="1"/>
+          <p:nvPr/>
+        </p:nvSpPr>
+        <p:spPr>
+          <a:xfrm>
+            <a:off x="1" y="315557"/>
+            <a:ext cx="12191999" cy="1477328"/>
+          </a:xfrm>
+          <a:prstGeom prst="rect">
+            <a:avLst/>
+          </a:prstGeom>
+          <a:solidFill>
+            <a:srgbClr val="66A5AD"/>
+          </a:solidFill>
+        </p:spPr>
+        <p:txBody>
+          <a:bodyPr vert="horz" lIns="91440" tIns="45720" rIns="91440" bIns="45720" rtlCol="0" anchor="ctr">
+            <a:normAutofit lnSpcReduction="10000"/>
+          </a:bodyPr>
+          <a:lstStyle/>
+          <a:p>
+            <a:pPr algn="ctr">
+              <a:lnSpc>
+                <a:spcPct val="90000"/>
+              </a:lnSpc>
+              <a:spcBef>
+                <a:spcPct val="0"/>
+              </a:spcBef>
+              <a:spcAft>
+                <a:spcPts val="600"/>
+              </a:spcAft>
+            </a:pPr>
+            <a:r>
+              <a:rPr lang="en-US" sz="4800" b="1" kern="1200" dirty="0">
+                <a:solidFill>
+                  <a:srgbClr val="003B46"/>
+                </a:solidFill>
+                <a:latin typeface="+mj-lt"/>
+                <a:ea typeface="+mj-ea"/>
+                <a:cs typeface="+mj-cs"/>
+              </a:rPr>
+              <a:t>Western Australia UV Index</a:t>
+            </a:r>
+          </a:p>
+          <a:p>
+            <a:pPr algn="ctr">
+              <a:lnSpc>
+                <a:spcPct val="90000"/>
+              </a:lnSpc>
+              <a:spcBef>
+                <a:spcPct val="0"/>
+              </a:spcBef>
+              <a:spcAft>
+                <a:spcPts val="600"/>
+              </a:spcAft>
+            </a:pPr>
+            <a:r>
+              <a:rPr lang="en-US" sz="4800" b="1" kern="1200" dirty="0">
+                <a:solidFill>
+                  <a:srgbClr val="003B46"/>
+                </a:solidFill>
+                <a:latin typeface="+mj-lt"/>
+                <a:ea typeface="+mj-ea"/>
+                <a:cs typeface="+mj-cs"/>
+              </a:rPr>
+              <a:t>Current UV Index</a:t>
+            </a:r>
+          </a:p>
+        </p:txBody>
+      </p:sp>
+      <p:pic>
+        <p:nvPicPr>
+          <p:cNvPr id="3" name="Picture 2">
+            <a:extLst>
+              <a:ext uri="{FF2B5EF4-FFF2-40B4-BE49-F238E27FC236}">
+                <a16:creationId xmlns:a16="http://schemas.microsoft.com/office/drawing/2014/main" id="{DDB0D936-97DC-4DEA-B660-7BB2B3153632}"/>
+              </a:ext>
+            </a:extLst>
+          </p:cNvPr>
+          <p:cNvPicPr>
+            <a:picLocks noChangeAspect="1"/>
+          </p:cNvPicPr>
+          <p:nvPr/>
+        </p:nvPicPr>
+        <p:blipFill>
+          <a:blip r:embed="rId2"/>
+          <a:stretch>
+            <a:fillRect/>
+          </a:stretch>
+        </p:blipFill>
+        <p:spPr>
+          <a:xfrm>
+            <a:off x="354227" y="1792885"/>
+            <a:ext cx="7608304" cy="4590803"/>
+          </a:xfrm>
+          <a:prstGeom prst="rect">
+            <a:avLst/>
+          </a:prstGeom>
+        </p:spPr>
+      </p:pic>
+      <p:sp>
+        <p:nvSpPr>
+          <p:cNvPr id="2" name="TextBox 1">
+            <a:extLst>
+              <a:ext uri="{FF2B5EF4-FFF2-40B4-BE49-F238E27FC236}">
+                <a16:creationId xmlns:a16="http://schemas.microsoft.com/office/drawing/2014/main" id="{DA0CB9A1-5F84-4347-ACD9-DAB49EDF7F44}"/>
+              </a:ext>
+            </a:extLst>
+          </p:cNvPr>
+          <p:cNvSpPr txBox="1"/>
+          <p:nvPr/>
+        </p:nvSpPr>
+        <p:spPr>
+          <a:xfrm>
+            <a:off x="7962530" y="5197140"/>
+            <a:ext cx="4229469" cy="1200329"/>
+          </a:xfrm>
+          <a:prstGeom prst="rect">
+            <a:avLst/>
+          </a:prstGeom>
+          <a:solidFill>
+            <a:srgbClr val="66A5AD"/>
+          </a:solidFill>
+        </p:spPr>
+        <p:txBody>
+          <a:bodyPr wrap="square" rtlCol="0">
+            <a:spAutoFit/>
+          </a:bodyPr>
+          <a:lstStyle/>
+          <a:p>
+            <a:endParaRPr lang="en-AU" dirty="0">
+              <a:solidFill>
+                <a:srgbClr val="003B46"/>
+              </a:solidFill>
+              <a:hlinkClick r:id="rId3">
+                <a:extLst>
+                  <a:ext uri="{A12FA001-AC4F-418D-AE19-62706E023703}">
+                    <ahyp:hlinkClr xmlns:ahyp="http://schemas.microsoft.com/office/drawing/2018/hyperlinkcolor" val="tx"/>
+                  </a:ext>
+                </a:extLst>
+              </a:hlinkClick>
+            </a:endParaRPr>
+          </a:p>
+          <a:p>
+            <a:endParaRPr lang="en-AU" dirty="0">
+              <a:solidFill>
+                <a:srgbClr val="003B46"/>
+              </a:solidFill>
+              <a:hlinkClick r:id="rId3">
+                <a:extLst>
+                  <a:ext uri="{A12FA001-AC4F-418D-AE19-62706E023703}">
+                    <ahyp:hlinkClr xmlns:ahyp="http://schemas.microsoft.com/office/drawing/2018/hyperlinkcolor" val="tx"/>
+                  </a:ext>
+                </a:extLst>
+              </a:hlinkClick>
+            </a:endParaRPr>
+          </a:p>
+          <a:p>
+            <a:pPr algn="ctr"/>
+            <a:r>
+              <a:rPr lang="en-AU" dirty="0">
+                <a:solidFill>
+                  <a:srgbClr val="003B46"/>
+                </a:solidFill>
+                <a:hlinkClick r:id="rId3">
+                  <a:extLst>
+                    <a:ext uri="{A12FA001-AC4F-418D-AE19-62706E023703}">
+                      <ahyp:hlinkClr xmlns:ahyp="http://schemas.microsoft.com/office/drawing/2018/hyperlinkcolor" val="tx"/>
+                    </a:ext>
+                  </a:extLst>
+                </a:hlinkClick>
+              </a:rPr>
+              <a:t>http://127.0.0.1:5000/index</a:t>
+            </a:r>
+            <a:endParaRPr lang="en-AU" dirty="0">
+              <a:solidFill>
+                <a:srgbClr val="003B46"/>
+              </a:solidFill>
+            </a:endParaRPr>
+          </a:p>
+          <a:p>
+            <a:endParaRPr lang="en-AU" dirty="0"/>
+          </a:p>
+        </p:txBody>
+      </p:sp>
+      <p:sp>
+        <p:nvSpPr>
+          <p:cNvPr id="7" name="TextBox 6">
+            <a:extLst>
+              <a:ext uri="{FF2B5EF4-FFF2-40B4-BE49-F238E27FC236}">
+                <a16:creationId xmlns:a16="http://schemas.microsoft.com/office/drawing/2014/main" id="{F05F37FA-5713-2942-895F-D4B25D2C724E}"/>
+              </a:ext>
+            </a:extLst>
+          </p:cNvPr>
+          <p:cNvSpPr txBox="1"/>
+          <p:nvPr/>
+        </p:nvSpPr>
+        <p:spPr>
+          <a:xfrm>
+            <a:off x="8408504" y="1779104"/>
+            <a:ext cx="3783496" cy="2308324"/>
+          </a:xfrm>
+          <a:prstGeom prst="rect">
+            <a:avLst/>
+          </a:prstGeom>
+          <a:solidFill>
+            <a:srgbClr val="66A5AD"/>
+          </a:solidFill>
+        </p:spPr>
+        <p:txBody>
+          <a:bodyPr wrap="square" rtlCol="0">
+            <a:spAutoFit/>
+          </a:bodyPr>
+          <a:lstStyle/>
+          <a:p>
+            <a:pPr marL="285750" indent="-285750">
+              <a:buFont typeface="Arial" panose="020B0604020202020204" pitchFamily="34" charset="0"/>
+              <a:buChar char="•"/>
+            </a:pPr>
+            <a:r>
+              <a:rPr lang="en-US" sz="2400" dirty="0">
+                <a:solidFill>
+                  <a:srgbClr val="003B46"/>
+                </a:solidFill>
+              </a:rPr>
+              <a:t>Explanation of UV values</a:t>
+            </a:r>
+          </a:p>
+          <a:p>
+            <a:pPr marL="285750" indent="-285750">
+              <a:buFont typeface="Arial" panose="020B0604020202020204" pitchFamily="34" charset="0"/>
+              <a:buChar char="•"/>
+            </a:pPr>
+            <a:r>
+              <a:rPr lang="en-US" sz="2400" dirty="0">
+                <a:solidFill>
+                  <a:srgbClr val="003B46"/>
+                </a:solidFill>
+              </a:rPr>
+              <a:t>Current UV Index of today</a:t>
+            </a:r>
+          </a:p>
+          <a:p>
+            <a:pPr marL="285750" indent="-285750">
+              <a:buFont typeface="Arial" panose="020B0604020202020204" pitchFamily="34" charset="0"/>
+              <a:buChar char="•"/>
+            </a:pPr>
+            <a:r>
+              <a:rPr lang="en-US" sz="2400" dirty="0">
+                <a:solidFill>
+                  <a:srgbClr val="003B46"/>
+                </a:solidFill>
+              </a:rPr>
+              <a:t>Map of UV values at any location</a:t>
+            </a:r>
+          </a:p>
+          <a:p>
+            <a:pPr marL="285750" indent="-285750">
+              <a:buFont typeface="Arial" panose="020B0604020202020204" pitchFamily="34" charset="0"/>
+              <a:buChar char="•"/>
+            </a:pPr>
+            <a:r>
+              <a:rPr lang="en-US" sz="2400" dirty="0">
+                <a:solidFill>
+                  <a:srgbClr val="003B46"/>
+                </a:solidFill>
+              </a:rPr>
+              <a:t>7-day forecast</a:t>
+            </a:r>
+          </a:p>
+          <a:p>
+            <a:pPr marL="285750" indent="-285750">
+              <a:buFont typeface="Arial" panose="020B0604020202020204" pitchFamily="34" charset="0"/>
+              <a:buChar char="•"/>
+            </a:pPr>
+            <a:r>
+              <a:rPr lang="en-US" sz="2400" dirty="0">
+                <a:solidFill>
+                  <a:srgbClr val="003B46"/>
+                </a:solidFill>
+              </a:rPr>
+              <a:t>Health advice</a:t>
+            </a:r>
+          </a:p>
+        </p:txBody>
+      </p:sp>
+      <p:sp>
+        <p:nvSpPr>
+          <p:cNvPr id="8" name="Rectangle 7">
+            <a:extLst>
+              <a:ext uri="{FF2B5EF4-FFF2-40B4-BE49-F238E27FC236}">
+                <a16:creationId xmlns:a16="http://schemas.microsoft.com/office/drawing/2014/main" id="{B3188706-97D2-5D4A-8C92-E6FDB2BB0786}"/>
+              </a:ext>
+            </a:extLst>
+          </p:cNvPr>
+          <p:cNvSpPr/>
+          <p:nvPr/>
+        </p:nvSpPr>
+        <p:spPr>
+          <a:xfrm>
+            <a:off x="7962531" y="1792885"/>
+            <a:ext cx="445972" cy="3405280"/>
+          </a:xfrm>
+          <a:prstGeom prst="rect">
+            <a:avLst/>
+          </a:prstGeom>
+          <a:solidFill>
+            <a:srgbClr val="66A5AD"/>
           </a:solidFill>
           <a:ln>
             <a:noFill/>
@@ -11451,96 +7914,36 @@
           <a:lstStyle/>
           <a:p>
             <a:pPr algn="ctr"/>
-            <a:endParaRPr lang="en-US" dirty="0"/>
-          </a:p>
-        </p:txBody>
-      </p:sp>
-      <p:sp>
-        <p:nvSpPr>
-          <p:cNvPr id="10" name="Freeform: Shape 9">
-            <a:extLst>
-              <a:ext uri="{FF2B5EF4-FFF2-40B4-BE49-F238E27FC236}">
-                <a16:creationId xmlns:a16="http://schemas.microsoft.com/office/drawing/2014/main" id="{83C98ABE-055B-441F-B07E-44F97F083C39}"/>
-              </a:ext>
-              <a:ext uri="{C183D7F6-B498-43B3-948B-1728B52AA6E4}">
-                <adec:decorative xmlns:adec="http://schemas.microsoft.com/office/drawing/2017/decorative" val="1"/>
-              </a:ext>
-            </a:extLst>
-          </p:cNvPr>
-          <p:cNvSpPr>
-            <a:spLocks noGrp="1" noRot="1" noChangeAspect="1" noMove="1" noResize="1" noEditPoints="1" noAdjustHandles="1" noChangeArrowheads="1" noChangeShapeType="1" noTextEdit="1"/>
-          </p:cNvSpPr>
-          <p:nvPr>
-            <p:extLst>
-              <p:ext uri="{386F3935-93C4-4BCD-93E2-E3B085C9AB24}">
-                <p16:designElem xmlns:p16="http://schemas.microsoft.com/office/powerpoint/2015/main" val="1"/>
-              </p:ext>
-            </p:extLst>
-          </p:nvPr>
+            <a:endParaRPr lang="en-US">
+              <a:solidFill>
+                <a:srgbClr val="07575B"/>
+              </a:solidFill>
+            </a:endParaRPr>
+          </a:p>
+        </p:txBody>
+      </p:sp>
+      <p:sp>
+        <p:nvSpPr>
+          <p:cNvPr id="9" name="Rectangle 8">
+            <a:extLst>
+              <a:ext uri="{FF2B5EF4-FFF2-40B4-BE49-F238E27FC236}">
+                <a16:creationId xmlns:a16="http://schemas.microsoft.com/office/drawing/2014/main" id="{D1F496C6-FFF9-9C49-A8E5-2482CC8335BA}"/>
+              </a:ext>
+            </a:extLst>
+          </p:cNvPr>
+          <p:cNvSpPr/>
+          <p:nvPr/>
         </p:nvSpPr>
         <p:spPr>
-          <a:xfrm rot="18900000" flipH="1">
-            <a:off x="-376156" y="-253670"/>
-            <a:ext cx="1827638" cy="1376989"/>
+          <a:xfrm>
+            <a:off x="8408504" y="4087428"/>
+            <a:ext cx="3783495" cy="1109712"/>
           </a:xfrm>
-          <a:custGeom>
+          <a:prstGeom prst="rect">
             <a:avLst/>
-            <a:gdLst>
-              <a:gd name="connsiteX0" fmla="*/ 0 w 1827638"/>
-              <a:gd name="connsiteY0" fmla="*/ 987379 h 1376989"/>
-              <a:gd name="connsiteX1" fmla="*/ 987379 w 1827638"/>
-              <a:gd name="connsiteY1" fmla="*/ 0 h 1376989"/>
-              <a:gd name="connsiteX2" fmla="*/ 1827638 w 1827638"/>
-              <a:gd name="connsiteY2" fmla="*/ 840260 h 1376989"/>
-              <a:gd name="connsiteX3" fmla="*/ 1827638 w 1827638"/>
-              <a:gd name="connsiteY3" fmla="*/ 1376989 h 1376989"/>
-              <a:gd name="connsiteX4" fmla="*/ 0 w 1827638"/>
-              <a:gd name="connsiteY4" fmla="*/ 1376989 h 1376989"/>
-            </a:gdLst>
-            <a:ahLst/>
-            <a:cxnLst>
-              <a:cxn ang="0">
-                <a:pos x="connsiteX0" y="connsiteY0"/>
-              </a:cxn>
-              <a:cxn ang="0">
-                <a:pos x="connsiteX1" y="connsiteY1"/>
-              </a:cxn>
-              <a:cxn ang="0">
-                <a:pos x="connsiteX2" y="connsiteY2"/>
-              </a:cxn>
-              <a:cxn ang="0">
-                <a:pos x="connsiteX3" y="connsiteY3"/>
-              </a:cxn>
-              <a:cxn ang="0">
-                <a:pos x="connsiteX4" y="connsiteY4"/>
-              </a:cxn>
-            </a:cxnLst>
-            <a:rect l="l" t="t" r="r" b="b"/>
-            <a:pathLst>
-              <a:path w="1827638" h="1376989">
-                <a:moveTo>
-                  <a:pt x="0" y="987379"/>
-                </a:moveTo>
-                <a:lnTo>
-                  <a:pt x="987379" y="0"/>
-                </a:lnTo>
-                <a:lnTo>
-                  <a:pt x="1827638" y="840260"/>
-                </a:lnTo>
-                <a:lnTo>
-                  <a:pt x="1827638" y="1376989"/>
-                </a:lnTo>
-                <a:lnTo>
-                  <a:pt x="0" y="1376989"/>
-                </a:lnTo>
-                <a:close/>
-              </a:path>
-            </a:pathLst>
-          </a:custGeom>
+          </a:prstGeom>
           <a:solidFill>
-            <a:schemeClr val="accent1">
-              <a:alpha val="30000"/>
-            </a:schemeClr>
+            <a:srgbClr val="66A5AD"/>
           </a:solidFill>
           <a:ln>
             <a:noFill/>
@@ -11567,45 +7970,343 @@
           <a:lstStyle/>
           <a:p>
             <a:pPr algn="ctr"/>
-            <a:endParaRPr lang="en-US" dirty="0"/>
-          </a:p>
-        </p:txBody>
-      </p:sp>
-      <p:sp>
-        <p:nvSpPr>
-          <p:cNvPr id="12" name="Rectangle 11">
-            <a:extLst>
-              <a:ext uri="{FF2B5EF4-FFF2-40B4-BE49-F238E27FC236}">
-                <a16:creationId xmlns:a16="http://schemas.microsoft.com/office/drawing/2014/main" id="{29FDB030-9B49-4CED-8CCD-4D99382388AC}"/>
-              </a:ext>
-              <a:ext uri="{C183D7F6-B498-43B3-948B-1728B52AA6E4}">
-                <adec:decorative xmlns:adec="http://schemas.microsoft.com/office/drawing/2017/decorative" val="1"/>
-              </a:ext>
-            </a:extLst>
-          </p:cNvPr>
-          <p:cNvSpPr>
-            <a:spLocks noGrp="1" noRot="1" noChangeAspect="1" noMove="1" noResize="1" noEditPoints="1" noAdjustHandles="1" noChangeArrowheads="1" noChangeShapeType="1" noTextEdit="1"/>
-          </p:cNvSpPr>
-          <p:nvPr>
-            <p:extLst>
-              <p:ext uri="{386F3935-93C4-4BCD-93E2-E3B085C9AB24}">
-                <p16:designElem xmlns:p16="http://schemas.microsoft.com/office/powerpoint/2015/main" val="1"/>
-              </p:ext>
-            </p:extLst>
-          </p:nvPr>
+            <a:endParaRPr lang="en-US"/>
+          </a:p>
+        </p:txBody>
+      </p:sp>
+    </p:spTree>
+    <p:extLst>
+      <p:ext uri="{BB962C8B-B14F-4D97-AF65-F5344CB8AC3E}">
+        <p14:creationId xmlns:p14="http://schemas.microsoft.com/office/powerpoint/2010/main" val="1544137533"/>
+      </p:ext>
+    </p:extLst>
+  </p:cSld>
+  <p:clrMapOvr>
+    <a:masterClrMapping/>
+  </p:clrMapOvr>
+</p:sld>
+</file>
+
+<file path=ppt/slides/slide8.xml><?xml version="1.0" encoding="utf-8"?>
+<p:sld xmlns:a="http://schemas.openxmlformats.org/drawingml/2006/main" xmlns:r="http://schemas.openxmlformats.org/officeDocument/2006/relationships" xmlns:p="http://schemas.openxmlformats.org/presentationml/2006/main">
+  <p:cSld>
+    <p:spTree>
+      <p:nvGrpSpPr>
+        <p:cNvPr id="1" name=""/>
+        <p:cNvGrpSpPr/>
+        <p:nvPr/>
+      </p:nvGrpSpPr>
+      <p:grpSpPr>
+        <a:xfrm>
+          <a:off x="0" y="0"/>
+          <a:ext cx="0" cy="0"/>
+          <a:chOff x="0" y="0"/>
+          <a:chExt cx="0" cy="0"/>
+        </a:xfrm>
+      </p:grpSpPr>
+      <p:sp>
+        <p:nvSpPr>
+          <p:cNvPr id="4" name="TextBox 3">
+            <a:extLst>
+              <a:ext uri="{FF2B5EF4-FFF2-40B4-BE49-F238E27FC236}">
+                <a16:creationId xmlns:a16="http://schemas.microsoft.com/office/drawing/2014/main" id="{775523D8-CAEC-4DFB-B084-BC8DD40E99DD}"/>
+              </a:ext>
+            </a:extLst>
+          </p:cNvPr>
+          <p:cNvSpPr txBox="1"/>
+          <p:nvPr/>
         </p:nvSpPr>
         <p:spPr>
-          <a:xfrm rot="18900000" flipH="1">
-            <a:off x="891641" y="422146"/>
-            <a:ext cx="645368" cy="645368"/>
+          <a:xfrm>
+            <a:off x="1" y="315557"/>
+            <a:ext cx="12191999" cy="1477328"/>
           </a:xfrm>
           <a:prstGeom prst="rect">
             <a:avLst/>
           </a:prstGeom>
           <a:solidFill>
-            <a:schemeClr val="accent1">
-              <a:alpha val="30000"/>
-            </a:schemeClr>
+            <a:srgbClr val="66A5AD"/>
+          </a:solidFill>
+        </p:spPr>
+        <p:txBody>
+          <a:bodyPr vert="horz" lIns="91440" tIns="45720" rIns="91440" bIns="45720" rtlCol="0" anchor="ctr">
+            <a:normAutofit lnSpcReduction="10000"/>
+          </a:bodyPr>
+          <a:lstStyle/>
+          <a:p>
+            <a:pPr algn="ctr">
+              <a:lnSpc>
+                <a:spcPct val="90000"/>
+              </a:lnSpc>
+              <a:spcBef>
+                <a:spcPct val="0"/>
+              </a:spcBef>
+              <a:spcAft>
+                <a:spcPts val="600"/>
+              </a:spcAft>
+            </a:pPr>
+            <a:r>
+              <a:rPr lang="en-US" sz="4800" b="1" kern="1200" dirty="0">
+                <a:solidFill>
+                  <a:srgbClr val="003B46"/>
+                </a:solidFill>
+                <a:latin typeface="+mj-lt"/>
+                <a:ea typeface="+mj-ea"/>
+                <a:cs typeface="+mj-cs"/>
+              </a:rPr>
+              <a:t>Western Australia UV Index</a:t>
+            </a:r>
+          </a:p>
+          <a:p>
+            <a:pPr algn="ctr">
+              <a:lnSpc>
+                <a:spcPct val="90000"/>
+              </a:lnSpc>
+              <a:spcBef>
+                <a:spcPct val="0"/>
+              </a:spcBef>
+              <a:spcAft>
+                <a:spcPts val="600"/>
+              </a:spcAft>
+            </a:pPr>
+            <a:r>
+              <a:rPr lang="en-US" sz="4800" b="1" kern="1200" dirty="0">
+                <a:solidFill>
+                  <a:srgbClr val="003B46"/>
+                </a:solidFill>
+                <a:latin typeface="+mj-lt"/>
+                <a:ea typeface="+mj-ea"/>
+                <a:cs typeface="+mj-cs"/>
+              </a:rPr>
+              <a:t>Historical UV Index</a:t>
+            </a:r>
+          </a:p>
+        </p:txBody>
+      </p:sp>
+      <p:pic>
+        <p:nvPicPr>
+          <p:cNvPr id="3" name="Picture 2">
+            <a:extLst>
+              <a:ext uri="{FF2B5EF4-FFF2-40B4-BE49-F238E27FC236}">
+                <a16:creationId xmlns:a16="http://schemas.microsoft.com/office/drawing/2014/main" id="{DDB0D936-97DC-4DEA-B660-7BB2B3153632}"/>
+              </a:ext>
+            </a:extLst>
+          </p:cNvPr>
+          <p:cNvPicPr>
+            <a:picLocks noChangeAspect="1"/>
+          </p:cNvPicPr>
+          <p:nvPr/>
+        </p:nvPicPr>
+        <p:blipFill>
+          <a:blip r:embed="rId2"/>
+          <a:stretch>
+            <a:fillRect/>
+          </a:stretch>
+        </p:blipFill>
+        <p:spPr>
+          <a:xfrm>
+            <a:off x="354227" y="1792885"/>
+            <a:ext cx="7608304" cy="4590803"/>
+          </a:xfrm>
+          <a:prstGeom prst="rect">
+            <a:avLst/>
+          </a:prstGeom>
+        </p:spPr>
+      </p:pic>
+      <p:sp>
+        <p:nvSpPr>
+          <p:cNvPr id="2" name="TextBox 1">
+            <a:extLst>
+              <a:ext uri="{FF2B5EF4-FFF2-40B4-BE49-F238E27FC236}">
+                <a16:creationId xmlns:a16="http://schemas.microsoft.com/office/drawing/2014/main" id="{DA0CB9A1-5F84-4347-ACD9-DAB49EDF7F44}"/>
+              </a:ext>
+            </a:extLst>
+          </p:cNvPr>
+          <p:cNvSpPr txBox="1"/>
+          <p:nvPr/>
+        </p:nvSpPr>
+        <p:spPr>
+          <a:xfrm>
+            <a:off x="7962530" y="5197140"/>
+            <a:ext cx="4229469" cy="1200329"/>
+          </a:xfrm>
+          <a:prstGeom prst="rect">
+            <a:avLst/>
+          </a:prstGeom>
+          <a:solidFill>
+            <a:srgbClr val="66A5AD"/>
+          </a:solidFill>
+        </p:spPr>
+        <p:txBody>
+          <a:bodyPr wrap="square" rtlCol="0">
+            <a:spAutoFit/>
+          </a:bodyPr>
+          <a:lstStyle/>
+          <a:p>
+            <a:endParaRPr lang="en-AU" dirty="0">
+              <a:solidFill>
+                <a:srgbClr val="003B46"/>
+              </a:solidFill>
+              <a:hlinkClick r:id="rId3">
+                <a:extLst>
+                  <a:ext uri="{A12FA001-AC4F-418D-AE19-62706E023703}">
+                    <ahyp:hlinkClr xmlns:ahyp="http://schemas.microsoft.com/office/drawing/2018/hyperlinkcolor" val="tx"/>
+                  </a:ext>
+                </a:extLst>
+              </a:hlinkClick>
+            </a:endParaRPr>
+          </a:p>
+          <a:p>
+            <a:endParaRPr lang="en-AU" dirty="0">
+              <a:solidFill>
+                <a:srgbClr val="003B46"/>
+              </a:solidFill>
+              <a:hlinkClick r:id="rId3">
+                <a:extLst>
+                  <a:ext uri="{A12FA001-AC4F-418D-AE19-62706E023703}">
+                    <ahyp:hlinkClr xmlns:ahyp="http://schemas.microsoft.com/office/drawing/2018/hyperlinkcolor" val="tx"/>
+                  </a:ext>
+                </a:extLst>
+              </a:hlinkClick>
+            </a:endParaRPr>
+          </a:p>
+          <a:p>
+            <a:pPr algn="ctr"/>
+            <a:r>
+              <a:rPr lang="en-AU" dirty="0">
+                <a:solidFill>
+                  <a:srgbClr val="003B46"/>
+                </a:solidFill>
+                <a:hlinkClick r:id="rId3">
+                  <a:extLst>
+                    <a:ext uri="{A12FA001-AC4F-418D-AE19-62706E023703}">
+                      <ahyp:hlinkClr xmlns:ahyp="http://schemas.microsoft.com/office/drawing/2018/hyperlinkcolor" val="tx"/>
+                    </a:ext>
+                  </a:extLst>
+                </a:hlinkClick>
+              </a:rPr>
+              <a:t>http://127.0.0.1:5000/historical</a:t>
+            </a:r>
+            <a:endParaRPr lang="en-AU" dirty="0">
+              <a:solidFill>
+                <a:srgbClr val="003B46"/>
+              </a:solidFill>
+            </a:endParaRPr>
+          </a:p>
+          <a:p>
+            <a:endParaRPr lang="en-AU" dirty="0"/>
+          </a:p>
+        </p:txBody>
+      </p:sp>
+      <p:sp>
+        <p:nvSpPr>
+          <p:cNvPr id="7" name="TextBox 6">
+            <a:extLst>
+              <a:ext uri="{FF2B5EF4-FFF2-40B4-BE49-F238E27FC236}">
+                <a16:creationId xmlns:a16="http://schemas.microsoft.com/office/drawing/2014/main" id="{F05F37FA-5713-2942-895F-D4B25D2C724E}"/>
+              </a:ext>
+            </a:extLst>
+          </p:cNvPr>
+          <p:cNvSpPr txBox="1"/>
+          <p:nvPr/>
+        </p:nvSpPr>
+        <p:spPr>
+          <a:xfrm>
+            <a:off x="8408504" y="1779104"/>
+            <a:ext cx="3783496" cy="1569660"/>
+          </a:xfrm>
+          <a:prstGeom prst="rect">
+            <a:avLst/>
+          </a:prstGeom>
+          <a:solidFill>
+            <a:srgbClr val="66A5AD"/>
+          </a:solidFill>
+        </p:spPr>
+        <p:txBody>
+          <a:bodyPr wrap="square" rtlCol="0">
+            <a:spAutoFit/>
+          </a:bodyPr>
+          <a:lstStyle/>
+          <a:p>
+            <a:pPr marL="285750" indent="-285750">
+              <a:buFont typeface="Arial" panose="020B0604020202020204" pitchFamily="34" charset="0"/>
+              <a:buChar char="•"/>
+            </a:pPr>
+            <a:r>
+              <a:rPr lang="en-US" sz="2400" dirty="0">
+                <a:solidFill>
+                  <a:srgbClr val="003B46"/>
+                </a:solidFill>
+              </a:rPr>
+              <a:t>Contour map of UV Index</a:t>
+            </a:r>
+          </a:p>
+          <a:p>
+            <a:pPr marL="285750" indent="-285750">
+              <a:buFont typeface="Arial" panose="020B0604020202020204" pitchFamily="34" charset="0"/>
+              <a:buChar char="•"/>
+            </a:pPr>
+            <a:r>
+              <a:rPr lang="en-US" sz="2400" dirty="0">
+                <a:solidFill>
+                  <a:srgbClr val="003B46"/>
+                </a:solidFill>
+              </a:rPr>
+              <a:t>UV index of last year</a:t>
+            </a:r>
+          </a:p>
+          <a:p>
+            <a:pPr marL="285750" indent="-285750">
+              <a:buFont typeface="Arial" panose="020B0604020202020204" pitchFamily="34" charset="0"/>
+              <a:buChar char="•"/>
+            </a:pPr>
+            <a:r>
+              <a:rPr lang="en-US" sz="2400" dirty="0">
+                <a:solidFill>
+                  <a:srgbClr val="003B46"/>
+                </a:solidFill>
+              </a:rPr>
+              <a:t>Current UV Index</a:t>
+            </a:r>
+          </a:p>
+          <a:p>
+            <a:pPr marL="285750" indent="-285750">
+              <a:buFont typeface="Arial" panose="020B0604020202020204" pitchFamily="34" charset="0"/>
+              <a:buChar char="•"/>
+            </a:pPr>
+            <a:r>
+              <a:rPr lang="en-US" sz="2400" dirty="0">
+                <a:solidFill>
+                  <a:srgbClr val="003B46"/>
+                </a:solidFill>
+              </a:rPr>
+              <a:t>History on the UV Index</a:t>
+            </a:r>
+          </a:p>
+        </p:txBody>
+      </p:sp>
+      <p:sp>
+        <p:nvSpPr>
+          <p:cNvPr id="8" name="Rectangle 7">
+            <a:extLst>
+              <a:ext uri="{FF2B5EF4-FFF2-40B4-BE49-F238E27FC236}">
+                <a16:creationId xmlns:a16="http://schemas.microsoft.com/office/drawing/2014/main" id="{B3188706-97D2-5D4A-8C92-E6FDB2BB0786}"/>
+              </a:ext>
+            </a:extLst>
+          </p:cNvPr>
+          <p:cNvSpPr/>
+          <p:nvPr/>
+        </p:nvSpPr>
+        <p:spPr>
+          <a:xfrm>
+            <a:off x="7962531" y="1792885"/>
+            <a:ext cx="445972" cy="3405280"/>
+          </a:xfrm>
+          <a:prstGeom prst="rect">
+            <a:avLst/>
+          </a:prstGeom>
+          <a:solidFill>
+            <a:srgbClr val="66A5AD"/>
           </a:solidFill>
           <a:ln>
             <a:noFill/>
@@ -11632,45 +8333,36 @@
           <a:lstStyle/>
           <a:p>
             <a:pPr algn="ctr"/>
-            <a:endParaRPr lang="en-US"/>
-          </a:p>
-        </p:txBody>
-      </p:sp>
-      <p:sp>
-        <p:nvSpPr>
-          <p:cNvPr id="14" name="Rectangle 13">
-            <a:extLst>
-              <a:ext uri="{FF2B5EF4-FFF2-40B4-BE49-F238E27FC236}">
-                <a16:creationId xmlns:a16="http://schemas.microsoft.com/office/drawing/2014/main" id="{3783CA14-24A1-485C-8B30-D6A5D87987AD}"/>
-              </a:ext>
-              <a:ext uri="{C183D7F6-B498-43B3-948B-1728B52AA6E4}">
-                <adec:decorative xmlns:adec="http://schemas.microsoft.com/office/drawing/2017/decorative" val="1"/>
-              </a:ext>
-            </a:extLst>
-          </p:cNvPr>
-          <p:cNvSpPr>
-            <a:spLocks noGrp="1" noRot="1" noChangeAspect="1" noMove="1" noResize="1" noEditPoints="1" noAdjustHandles="1" noChangeArrowheads="1" noChangeShapeType="1" noTextEdit="1"/>
-          </p:cNvSpPr>
-          <p:nvPr>
-            <p:extLst>
-              <p:ext uri="{386F3935-93C4-4BCD-93E2-E3B085C9AB24}">
-                <p16:designElem xmlns:p16="http://schemas.microsoft.com/office/powerpoint/2015/main" val="1"/>
-              </p:ext>
-            </p:extLst>
-          </p:nvPr>
+            <a:endParaRPr lang="en-US">
+              <a:solidFill>
+                <a:srgbClr val="07575B"/>
+              </a:solidFill>
+            </a:endParaRPr>
+          </a:p>
+        </p:txBody>
+      </p:sp>
+      <p:sp>
+        <p:nvSpPr>
+          <p:cNvPr id="9" name="Rectangle 8">
+            <a:extLst>
+              <a:ext uri="{FF2B5EF4-FFF2-40B4-BE49-F238E27FC236}">
+                <a16:creationId xmlns:a16="http://schemas.microsoft.com/office/drawing/2014/main" id="{D1F496C6-FFF9-9C49-A8E5-2482CC8335BA}"/>
+              </a:ext>
+            </a:extLst>
+          </p:cNvPr>
+          <p:cNvSpPr/>
+          <p:nvPr/>
         </p:nvSpPr>
         <p:spPr>
-          <a:xfrm rot="18900000" flipH="1">
-            <a:off x="10043482" y="655140"/>
-            <a:ext cx="687472" cy="687472"/>
+          <a:xfrm>
+            <a:off x="8408504" y="3270213"/>
+            <a:ext cx="3783495" cy="1926927"/>
           </a:xfrm>
           <a:prstGeom prst="rect">
             <a:avLst/>
           </a:prstGeom>
           <a:solidFill>
-            <a:schemeClr val="accent4">
-              <a:alpha val="30000"/>
-            </a:schemeClr>
+            <a:srgbClr val="66A5AD"/>
           </a:solidFill>
           <a:ln>
             <a:noFill/>
@@ -11701,375 +8393,10 @@
           </a:p>
         </p:txBody>
       </p:sp>
-      <p:sp>
-        <p:nvSpPr>
-          <p:cNvPr id="16" name="Freeform: Shape 15">
-            <a:extLst>
-              <a:ext uri="{FF2B5EF4-FFF2-40B4-BE49-F238E27FC236}">
-                <a16:creationId xmlns:a16="http://schemas.microsoft.com/office/drawing/2014/main" id="{9A97C86A-04D6-40F7-AE84-31AB43E6A846}"/>
-              </a:ext>
-              <a:ext uri="{C183D7F6-B498-43B3-948B-1728B52AA6E4}">
-                <adec:decorative xmlns:adec="http://schemas.microsoft.com/office/drawing/2017/decorative" val="1"/>
-              </a:ext>
-            </a:extLst>
-          </p:cNvPr>
-          <p:cNvSpPr>
-            <a:spLocks noGrp="1" noRot="1" noChangeAspect="1" noMove="1" noResize="1" noEditPoints="1" noAdjustHandles="1" noChangeArrowheads="1" noChangeShapeType="1" noTextEdit="1"/>
-          </p:cNvSpPr>
-          <p:nvPr>
-            <p:extLst>
-              <p:ext uri="{386F3935-93C4-4BCD-93E2-E3B085C9AB24}">
-                <p16:designElem xmlns:p16="http://schemas.microsoft.com/office/powerpoint/2015/main" val="1"/>
-              </p:ext>
-            </p:extLst>
-          </p:nvPr>
-        </p:nvSpPr>
-        <p:spPr>
-          <a:xfrm rot="10800000" flipH="1">
-            <a:off x="9356643" y="0"/>
-            <a:ext cx="2835357" cy="1480837"/>
-          </a:xfrm>
-          <a:custGeom>
-            <a:avLst/>
-            <a:gdLst>
-              <a:gd name="connsiteX0" fmla="*/ 2835357 w 2835357"/>
-              <a:gd name="connsiteY0" fmla="*/ 1480837 h 1480837"/>
-              <a:gd name="connsiteX1" fmla="*/ 0 w 2835357"/>
-              <a:gd name="connsiteY1" fmla="*/ 1480837 h 1480837"/>
-              <a:gd name="connsiteX2" fmla="*/ 1552727 w 2835357"/>
-              <a:gd name="connsiteY2" fmla="*/ 0 h 1480837"/>
-              <a:gd name="connsiteX3" fmla="*/ 2835357 w 2835357"/>
-              <a:gd name="connsiteY3" fmla="*/ 1223245 h 1480837"/>
-            </a:gdLst>
-            <a:ahLst/>
-            <a:cxnLst>
-              <a:cxn ang="0">
-                <a:pos x="connsiteX0" y="connsiteY0"/>
-              </a:cxn>
-              <a:cxn ang="0">
-                <a:pos x="connsiteX1" y="connsiteY1"/>
-              </a:cxn>
-              <a:cxn ang="0">
-                <a:pos x="connsiteX2" y="connsiteY2"/>
-              </a:cxn>
-              <a:cxn ang="0">
-                <a:pos x="connsiteX3" y="connsiteY3"/>
-              </a:cxn>
-            </a:cxnLst>
-            <a:rect l="l" t="t" r="r" b="b"/>
-            <a:pathLst>
-              <a:path w="2835357" h="1480837">
-                <a:moveTo>
-                  <a:pt x="2835357" y="1480837"/>
-                </a:moveTo>
-                <a:lnTo>
-                  <a:pt x="0" y="1480837"/>
-                </a:lnTo>
-                <a:lnTo>
-                  <a:pt x="1552727" y="0"/>
-                </a:lnTo>
-                <a:lnTo>
-                  <a:pt x="2835357" y="1223245"/>
-                </a:lnTo>
-                <a:close/>
-              </a:path>
-            </a:pathLst>
-          </a:custGeom>
-          <a:solidFill>
-            <a:schemeClr val="accent4">
-              <a:alpha val="30000"/>
-            </a:schemeClr>
-          </a:solidFill>
-          <a:ln>
-            <a:noFill/>
-          </a:ln>
-        </p:spPr>
-        <p:style>
-          <a:lnRef idx="2">
-            <a:schemeClr val="accent1">
-              <a:shade val="50000"/>
-            </a:schemeClr>
-          </a:lnRef>
-          <a:fillRef idx="1">
-            <a:schemeClr val="accent1"/>
-          </a:fillRef>
-          <a:effectRef idx="0">
-            <a:schemeClr val="accent1"/>
-          </a:effectRef>
-          <a:fontRef idx="minor">
-            <a:schemeClr val="lt1"/>
-          </a:fontRef>
-        </p:style>
-        <p:txBody>
-          <a:bodyPr wrap="square" rtlCol="0" anchor="ctr">
-            <a:noAutofit/>
-          </a:bodyPr>
-          <a:lstStyle/>
-          <a:p>
-            <a:pPr algn="ctr"/>
-            <a:endParaRPr lang="en-US" dirty="0"/>
-          </a:p>
-        </p:txBody>
-      </p:sp>
-      <p:sp>
-        <p:nvSpPr>
-          <p:cNvPr id="18" name="Isosceles Triangle 17">
-            <a:extLst>
-              <a:ext uri="{FF2B5EF4-FFF2-40B4-BE49-F238E27FC236}">
-                <a16:creationId xmlns:a16="http://schemas.microsoft.com/office/drawing/2014/main" id="{FF9F2414-84E8-453E-B1F3-389FDE8192D9}"/>
-              </a:ext>
-              <a:ext uri="{C183D7F6-B498-43B3-948B-1728B52AA6E4}">
-                <adec:decorative xmlns:adec="http://schemas.microsoft.com/office/drawing/2017/decorative" val="1"/>
-              </a:ext>
-            </a:extLst>
-          </p:cNvPr>
-          <p:cNvSpPr>
-            <a:spLocks noGrp="1" noRot="1" noChangeAspect="1" noMove="1" noResize="1" noEditPoints="1" noAdjustHandles="1" noChangeArrowheads="1" noChangeShapeType="1" noTextEdit="1"/>
-          </p:cNvSpPr>
-          <p:nvPr>
-            <p:extLst>
-              <p:ext uri="{386F3935-93C4-4BCD-93E2-E3B085C9AB24}">
-                <p16:designElem xmlns:p16="http://schemas.microsoft.com/office/powerpoint/2015/main" val="1"/>
-              </p:ext>
-            </p:extLst>
-          </p:nvPr>
-        </p:nvSpPr>
-        <p:spPr>
-          <a:xfrm flipH="1">
-            <a:off x="7976344" y="6115501"/>
-            <a:ext cx="1494513" cy="742499"/>
-          </a:xfrm>
-          <a:prstGeom prst="triangle">
-            <a:avLst/>
-          </a:prstGeom>
-          <a:solidFill>
-            <a:schemeClr val="accent1">
-              <a:alpha val="30000"/>
-            </a:schemeClr>
-          </a:solidFill>
-          <a:ln>
-            <a:noFill/>
-          </a:ln>
-        </p:spPr>
-        <p:style>
-          <a:lnRef idx="2">
-            <a:schemeClr val="accent1">
-              <a:shade val="50000"/>
-            </a:schemeClr>
-          </a:lnRef>
-          <a:fillRef idx="1">
-            <a:schemeClr val="accent1"/>
-          </a:fillRef>
-          <a:effectRef idx="0">
-            <a:schemeClr val="accent1"/>
-          </a:effectRef>
-          <a:fontRef idx="minor">
-            <a:schemeClr val="lt1"/>
-          </a:fontRef>
-        </p:style>
-        <p:txBody>
-          <a:bodyPr rtlCol="0" anchor="ctr"/>
-          <a:lstStyle/>
-          <a:p>
-            <a:pPr algn="ctr"/>
-            <a:endParaRPr lang="en-US"/>
-          </a:p>
-        </p:txBody>
-      </p:sp>
-      <p:sp>
-        <p:nvSpPr>
-          <p:cNvPr id="20" name="Isosceles Triangle 19">
-            <a:extLst>
-              <a:ext uri="{FF2B5EF4-FFF2-40B4-BE49-F238E27FC236}">
-                <a16:creationId xmlns:a16="http://schemas.microsoft.com/office/drawing/2014/main" id="{3ECA69A1-7536-43AC-85EF-C7106179F5ED}"/>
-              </a:ext>
-              <a:ext uri="{C183D7F6-B498-43B3-948B-1728B52AA6E4}">
-                <adec:decorative xmlns:adec="http://schemas.microsoft.com/office/drawing/2017/decorative" val="1"/>
-              </a:ext>
-            </a:extLst>
-          </p:cNvPr>
-          <p:cNvSpPr>
-            <a:spLocks noGrp="1" noRot="1" noChangeAspect="1" noMove="1" noResize="1" noEditPoints="1" noAdjustHandles="1" noChangeArrowheads="1" noChangeShapeType="1" noTextEdit="1"/>
-          </p:cNvSpPr>
-          <p:nvPr>
-            <p:extLst>
-              <p:ext uri="{386F3935-93C4-4BCD-93E2-E3B085C9AB24}">
-                <p16:designElem xmlns:p16="http://schemas.microsoft.com/office/powerpoint/2015/main" val="1"/>
-              </p:ext>
-            </p:extLst>
-          </p:nvPr>
-        </p:nvSpPr>
-        <p:spPr>
-          <a:xfrm flipH="1">
-            <a:off x="7604080" y="6453143"/>
-            <a:ext cx="814903" cy="404857"/>
-          </a:xfrm>
-          <a:prstGeom prst="triangle">
-            <a:avLst/>
-          </a:prstGeom>
-          <a:solidFill>
-            <a:schemeClr val="accent1">
-              <a:alpha val="30000"/>
-            </a:schemeClr>
-          </a:solidFill>
-          <a:ln>
-            <a:noFill/>
-          </a:ln>
-        </p:spPr>
-        <p:style>
-          <a:lnRef idx="2">
-            <a:schemeClr val="accent1">
-              <a:shade val="50000"/>
-            </a:schemeClr>
-          </a:lnRef>
-          <a:fillRef idx="1">
-            <a:schemeClr val="accent1"/>
-          </a:fillRef>
-          <a:effectRef idx="0">
-            <a:schemeClr val="accent1"/>
-          </a:effectRef>
-          <a:fontRef idx="minor">
-            <a:schemeClr val="lt1"/>
-          </a:fontRef>
-        </p:style>
-        <p:txBody>
-          <a:bodyPr rtlCol="0" anchor="ctr"/>
-          <a:lstStyle/>
-          <a:p>
-            <a:pPr algn="ctr"/>
-            <a:endParaRPr lang="en-US"/>
-          </a:p>
-        </p:txBody>
-      </p:sp>
-      <p:sp>
-        <p:nvSpPr>
-          <p:cNvPr id="4" name="TextBox 3">
-            <a:extLst>
-              <a:ext uri="{FF2B5EF4-FFF2-40B4-BE49-F238E27FC236}">
-                <a16:creationId xmlns:a16="http://schemas.microsoft.com/office/drawing/2014/main" id="{775523D8-CAEC-4DFB-B084-BC8DD40E99DD}"/>
-              </a:ext>
-            </a:extLst>
-          </p:cNvPr>
-          <p:cNvSpPr txBox="1"/>
-          <p:nvPr/>
-        </p:nvSpPr>
-        <p:spPr>
-          <a:xfrm>
-            <a:off x="1970695" y="615323"/>
-            <a:ext cx="8072083" cy="1754326"/>
-          </a:xfrm>
-          <a:prstGeom prst="rect">
-            <a:avLst/>
-          </a:prstGeom>
-          <a:noFill/>
-        </p:spPr>
-        <p:txBody>
-          <a:bodyPr wrap="none" rtlCol="0">
-            <a:spAutoFit/>
-          </a:bodyPr>
-          <a:lstStyle/>
-          <a:p>
-            <a:pPr algn="ctr"/>
-            <a:r>
-              <a:rPr lang="en-AU" sz="5400" b="1" dirty="0">
-                <a:solidFill>
-                  <a:schemeClr val="accent6">
-                    <a:lumMod val="75000"/>
-                  </a:schemeClr>
-                </a:solidFill>
-              </a:rPr>
-              <a:t>Western Australia UV Index</a:t>
-            </a:r>
-          </a:p>
-          <a:p>
-            <a:pPr algn="ctr"/>
-            <a:r>
-              <a:rPr lang="en-AU" sz="5400" b="1" dirty="0">
-                <a:solidFill>
-                  <a:schemeClr val="accent6">
-                    <a:lumMod val="75000"/>
-                  </a:schemeClr>
-                </a:solidFill>
-              </a:rPr>
-              <a:t>Why SQLITE?</a:t>
-            </a:r>
-          </a:p>
-        </p:txBody>
-      </p:sp>
-      <p:sp>
-        <p:nvSpPr>
-          <p:cNvPr id="5" name="TextBox 4">
-            <a:extLst>
-              <a:ext uri="{FF2B5EF4-FFF2-40B4-BE49-F238E27FC236}">
-                <a16:creationId xmlns:a16="http://schemas.microsoft.com/office/drawing/2014/main" id="{872F2758-3647-4B00-BD39-DE676106509A}"/>
-              </a:ext>
-            </a:extLst>
-          </p:cNvPr>
-          <p:cNvSpPr txBox="1"/>
-          <p:nvPr/>
-        </p:nvSpPr>
-        <p:spPr>
-          <a:xfrm>
-            <a:off x="2186473" y="2472213"/>
-            <a:ext cx="7819053" cy="2862322"/>
-          </a:xfrm>
-          <a:prstGeom prst="rect">
-            <a:avLst/>
-          </a:prstGeom>
-          <a:noFill/>
-        </p:spPr>
-        <p:txBody>
-          <a:bodyPr wrap="square" rtlCol="0">
-            <a:spAutoFit/>
-          </a:bodyPr>
-          <a:lstStyle/>
-          <a:p>
-            <a:pPr marL="285750" indent="-285750">
-              <a:buFont typeface="Arial" panose="020B0604020202020204" pitchFamily="34" charset="0"/>
-              <a:buChar char="•"/>
-            </a:pPr>
-            <a:r>
-              <a:rPr lang="en-US" sz="3600" dirty="0"/>
-              <a:t>Structured data</a:t>
-            </a:r>
-          </a:p>
-          <a:p>
-            <a:endParaRPr lang="en-US" sz="3600" dirty="0"/>
-          </a:p>
-          <a:p>
-            <a:pPr marL="285750" indent="-285750">
-              <a:buFont typeface="Arial" panose="020B0604020202020204" pitchFamily="34" charset="0"/>
-              <a:buChar char="•"/>
-            </a:pPr>
-            <a:r>
-              <a:rPr lang="en-US" sz="3600" dirty="0"/>
-              <a:t>The license for SQLite is open-source</a:t>
-            </a:r>
-          </a:p>
-          <a:p>
-            <a:pPr marL="285750" indent="-285750">
-              <a:buFont typeface="Arial" panose="020B0604020202020204" pitchFamily="34" charset="0"/>
-              <a:buChar char="•"/>
-            </a:pPr>
-            <a:endParaRPr lang="en-US" sz="3600" dirty="0"/>
-          </a:p>
-          <a:p>
-            <a:pPr marL="285750" indent="-285750">
-              <a:buFont typeface="Arial" panose="020B0604020202020204" pitchFamily="34" charset="0"/>
-              <a:buChar char="•"/>
-            </a:pPr>
-            <a:r>
-              <a:rPr lang="en-US" sz="3600" dirty="0"/>
-              <a:t>SQLite does not require a server to run</a:t>
-            </a:r>
-            <a:endParaRPr lang="en-AU" sz="3600" dirty="0"/>
-          </a:p>
-        </p:txBody>
-      </p:sp>
     </p:spTree>
     <p:extLst>
       <p:ext uri="{BB962C8B-B14F-4D97-AF65-F5344CB8AC3E}">
-        <p14:creationId xmlns:p14="http://schemas.microsoft.com/office/powerpoint/2010/main" val="467008325"/>
+        <p14:creationId xmlns:p14="http://schemas.microsoft.com/office/powerpoint/2010/main" val="2948682187"/>
       </p:ext>
     </p:extLst>
   </p:cSld>
@@ -12079,17 +8406,9 @@
 </p:sld>
 </file>
 
-<file path=ppt/slides/slide7.xml><?xml version="1.0" encoding="utf-8"?>
+<file path=ppt/slides/slide9.xml><?xml version="1.0" encoding="utf-8"?>
 <p:sld xmlns:a="http://schemas.openxmlformats.org/drawingml/2006/main" xmlns:r="http://schemas.openxmlformats.org/officeDocument/2006/relationships" xmlns:p="http://schemas.openxmlformats.org/presentationml/2006/main">
   <p:cSld>
-    <p:bg>
-      <p:bgPr>
-        <a:solidFill>
-          <a:schemeClr val="bg1"/>
-        </a:solidFill>
-        <a:effectLst/>
-      </p:bgPr>
-    </p:bg>
     <p:spTree>
       <p:nvGrpSpPr>
         <p:cNvPr id="1" name=""/>
@@ -12104,277 +8423,215 @@
           <a:chExt cx="0" cy="0"/>
         </a:xfrm>
       </p:grpSpPr>
-      <p:sp useBgFill="1">
-        <p:nvSpPr>
-          <p:cNvPr id="48" name="Rectangle 24">
-            <a:extLst>
-              <a:ext uri="{FF2B5EF4-FFF2-40B4-BE49-F238E27FC236}">
-                <a16:creationId xmlns:a16="http://schemas.microsoft.com/office/drawing/2014/main" id="{BA79A7CF-01AF-4178-9369-94E0C90EB046}"/>
-              </a:ext>
-              <a:ext uri="{C183D7F6-B498-43B3-948B-1728B52AA6E4}">
-                <adec:decorative xmlns:adec="http://schemas.microsoft.com/office/drawing/2017/decorative" val="1"/>
-              </a:ext>
-            </a:extLst>
-          </p:cNvPr>
-          <p:cNvSpPr>
-            <a:spLocks noGrp="1" noRot="1" noChangeAspect="1" noMove="1" noResize="1" noEditPoints="1" noAdjustHandles="1" noChangeArrowheads="1" noChangeShapeType="1" noTextEdit="1"/>
-          </p:cNvSpPr>
-          <p:nvPr>
-            <p:extLst>
-              <p:ext uri="{386F3935-93C4-4BCD-93E2-E3B085C9AB24}">
-                <p16:designElem xmlns:p16="http://schemas.microsoft.com/office/powerpoint/2015/main" val="1"/>
-              </p:ext>
-            </p:extLst>
-          </p:nvPr>
+      <p:sp>
+        <p:nvSpPr>
+          <p:cNvPr id="4" name="TextBox 3">
+            <a:extLst>
+              <a:ext uri="{FF2B5EF4-FFF2-40B4-BE49-F238E27FC236}">
+                <a16:creationId xmlns:a16="http://schemas.microsoft.com/office/drawing/2014/main" id="{775523D8-CAEC-4DFB-B084-BC8DD40E99DD}"/>
+              </a:ext>
+            </a:extLst>
+          </p:cNvPr>
+          <p:cNvSpPr txBox="1"/>
+          <p:nvPr/>
         </p:nvSpPr>
         <p:spPr>
           <a:xfrm>
-            <a:off x="0" y="0"/>
-            <a:ext cx="12191999" cy="6857365"/>
-          </a:xfrm>
-          <a:prstGeom prst="rect">
-            <a:avLst/>
-          </a:prstGeom>
-          <a:ln>
-            <a:noFill/>
-          </a:ln>
-        </p:spPr>
-        <p:style>
-          <a:lnRef idx="2">
-            <a:schemeClr val="accent1">
-              <a:shade val="50000"/>
-            </a:schemeClr>
-          </a:lnRef>
-          <a:fillRef idx="1">
-            <a:schemeClr val="accent1"/>
-          </a:fillRef>
-          <a:effectRef idx="0">
-            <a:schemeClr val="accent1"/>
-          </a:effectRef>
-          <a:fontRef idx="minor">
-            <a:schemeClr val="lt1"/>
-          </a:fontRef>
-        </p:style>
-        <p:txBody>
-          <a:bodyPr rtlCol="0" anchor="ctr"/>
-          <a:lstStyle/>
-          <a:p>
-            <a:pPr algn="ctr"/>
-            <a:endParaRPr lang="en-US"/>
-          </a:p>
-        </p:txBody>
-      </p:sp>
-      <p:sp>
-        <p:nvSpPr>
-          <p:cNvPr id="4" name="TextBox 3">
-            <a:extLst>
-              <a:ext uri="{FF2B5EF4-FFF2-40B4-BE49-F238E27FC236}">
-                <a16:creationId xmlns:a16="http://schemas.microsoft.com/office/drawing/2014/main" id="{775523D8-CAEC-4DFB-B084-BC8DD40E99DD}"/>
-              </a:ext>
-            </a:extLst>
-          </p:cNvPr>
-          <p:cNvSpPr txBox="1"/>
-          <p:nvPr/>
-        </p:nvSpPr>
-        <p:spPr>
-          <a:xfrm>
-            <a:off x="9267909" y="2023110"/>
-            <a:ext cx="2469624" cy="2846070"/>
-          </a:xfrm>
-          <a:prstGeom prst="rect">
-            <a:avLst/>
-          </a:prstGeom>
-        </p:spPr>
-        <p:txBody>
-          <a:bodyPr vert="horz" lIns="91440" tIns="45720" rIns="91440" bIns="45720" rtlCol="0" anchor="ctr">
-            <a:normAutofit/>
-          </a:bodyPr>
-          <a:lstStyle/>
-          <a:p>
-            <a:pPr>
-              <a:lnSpc>
-                <a:spcPct val="90000"/>
-              </a:lnSpc>
-              <a:spcBef>
-                <a:spcPct val="0"/>
-              </a:spcBef>
-              <a:spcAft>
-                <a:spcPts val="600"/>
-              </a:spcAft>
-            </a:pPr>
-            <a:r>
-              <a:rPr lang="en-US" sz="3700" b="1" kern="1200" dirty="0">
-                <a:solidFill>
-                  <a:schemeClr val="tx1"/>
-                </a:solidFill>
-                <a:latin typeface="+mj-lt"/>
-                <a:ea typeface="+mj-ea"/>
-                <a:cs typeface="+mj-cs"/>
-              </a:rPr>
-              <a:t>Western Australia UV </a:t>
-            </a:r>
-            <a:endParaRPr lang="en-US" sz="3700" b="1" dirty="0">
-              <a:latin typeface="+mj-lt"/>
-              <a:ea typeface="+mj-ea"/>
-              <a:cs typeface="+mj-cs"/>
-            </a:endParaRPr>
-          </a:p>
-          <a:p>
-            <a:pPr>
-              <a:lnSpc>
-                <a:spcPct val="90000"/>
-              </a:lnSpc>
-              <a:spcBef>
-                <a:spcPct val="0"/>
-              </a:spcBef>
-              <a:spcAft>
-                <a:spcPts val="600"/>
-              </a:spcAft>
-            </a:pPr>
-            <a:r>
-              <a:rPr lang="en-US" sz="3700" b="1" kern="1200" dirty="0">
-                <a:solidFill>
-                  <a:schemeClr val="tx1"/>
-                </a:solidFill>
-                <a:latin typeface="+mj-lt"/>
-                <a:ea typeface="+mj-ea"/>
-                <a:cs typeface="+mj-cs"/>
-              </a:rPr>
-              <a:t>Current UV Index</a:t>
-            </a:r>
-          </a:p>
-        </p:txBody>
-      </p:sp>
-      <p:sp>
-        <p:nvSpPr>
-          <p:cNvPr id="49" name="Rectangle 26">
-            <a:extLst>
-              <a:ext uri="{FF2B5EF4-FFF2-40B4-BE49-F238E27FC236}">
-                <a16:creationId xmlns:a16="http://schemas.microsoft.com/office/drawing/2014/main" id="{99413ED5-9ED4-4772-BCE4-2BCAE6B12E35}"/>
-              </a:ext>
-              <a:ext uri="{C183D7F6-B498-43B3-948B-1728B52AA6E4}">
-                <adec:decorative xmlns:adec="http://schemas.microsoft.com/office/drawing/2017/decorative" val="1"/>
-              </a:ext>
-            </a:extLst>
-          </p:cNvPr>
-          <p:cNvSpPr>
-            <a:spLocks noGrp="1" noRot="1" noChangeAspect="1" noMove="1" noResize="1" noEditPoints="1" noAdjustHandles="1" noChangeArrowheads="1" noChangeShapeType="1" noTextEdit="1"/>
-          </p:cNvSpPr>
-          <p:nvPr>
-            <p:extLst>
-              <p:ext uri="{386F3935-93C4-4BCD-93E2-E3B085C9AB24}">
-                <p16:designElem xmlns:p16="http://schemas.microsoft.com/office/powerpoint/2015/main" val="1"/>
-              </p:ext>
-            </p:extLst>
-          </p:nvPr>
-        </p:nvSpPr>
-        <p:spPr>
-          <a:xfrm rot="16200000">
-            <a:off x="3433973" y="-827233"/>
-            <a:ext cx="1715478" cy="8583421"/>
+            <a:off x="0" y="144948"/>
+            <a:ext cx="12192000" cy="1569660"/>
           </a:xfrm>
           <a:prstGeom prst="rect">
             <a:avLst/>
           </a:prstGeom>
           <a:solidFill>
-            <a:schemeClr val="accent4"/>
+            <a:srgbClr val="66A5AD"/>
           </a:solidFill>
-          <a:ln>
-            <a:noFill/>
-          </a:ln>
         </p:spPr>
-        <p:style>
-          <a:lnRef idx="2">
-            <a:schemeClr val="accent1">
-              <a:shade val="50000"/>
-            </a:schemeClr>
-          </a:lnRef>
-          <a:fillRef idx="1">
-            <a:schemeClr val="accent1"/>
-          </a:fillRef>
-          <a:effectRef idx="0">
-            <a:schemeClr val="accent1"/>
-          </a:effectRef>
-          <a:fontRef idx="minor">
-            <a:schemeClr val="lt1"/>
-          </a:fontRef>
-        </p:style>
-        <p:txBody>
-          <a:bodyPr rtlCol="0" anchor="ctr"/>
+        <p:txBody>
+          <a:bodyPr wrap="square" rtlCol="0">
+            <a:spAutoFit/>
+          </a:bodyPr>
           <a:lstStyle/>
           <a:p>
             <a:pPr algn="ctr"/>
-            <a:endParaRPr lang="en-US" dirty="0"/>
-          </a:p>
-        </p:txBody>
-      </p:sp>
-      <p:sp>
-        <p:nvSpPr>
-          <p:cNvPr id="50" name="Rectangle 28">
-            <a:extLst>
-              <a:ext uri="{FF2B5EF4-FFF2-40B4-BE49-F238E27FC236}">
-                <a16:creationId xmlns:a16="http://schemas.microsoft.com/office/drawing/2014/main" id="{04357C93-F0CB-4A1C-8F77-4E9063789819}"/>
-              </a:ext>
-              <a:ext uri="{C183D7F6-B498-43B3-948B-1728B52AA6E4}">
-                <adec:decorative xmlns:adec="http://schemas.microsoft.com/office/drawing/2017/decorative" val="1"/>
-              </a:ext>
-            </a:extLst>
-          </p:cNvPr>
-          <p:cNvSpPr>
-            <a:spLocks noGrp="1" noRot="1" noChangeAspect="1" noMove="1" noResize="1" noEditPoints="1" noAdjustHandles="1" noChangeArrowheads="1" noChangeShapeType="1" noTextEdit="1"/>
-          </p:cNvSpPr>
-          <p:nvPr>
-            <p:extLst>
-              <p:ext uri="{386F3935-93C4-4BCD-93E2-E3B085C9AB24}">
-                <p16:designElem xmlns:p16="http://schemas.microsoft.com/office/powerpoint/2015/main" val="1"/>
-              </p:ext>
-            </p:extLst>
-          </p:nvPr>
+            <a:r>
+              <a:rPr lang="en-AU" sz="4800" b="1" dirty="0">
+                <a:solidFill>
+                  <a:srgbClr val="003B46"/>
+                </a:solidFill>
+                <a:latin typeface="+mj-lt"/>
+              </a:rPr>
+              <a:t>Western Australia UV Index</a:t>
+            </a:r>
+          </a:p>
+          <a:p>
+            <a:pPr algn="ctr"/>
+            <a:r>
+              <a:rPr lang="en-AU" sz="4800" b="1" dirty="0">
+                <a:solidFill>
+                  <a:srgbClr val="003B46"/>
+                </a:solidFill>
+                <a:latin typeface="+mj-lt"/>
+              </a:rPr>
+              <a:t>Analysis Summary</a:t>
+            </a:r>
+          </a:p>
+        </p:txBody>
+      </p:sp>
+      <p:sp>
+        <p:nvSpPr>
+          <p:cNvPr id="7" name="TextBox 6">
+            <a:extLst>
+              <a:ext uri="{FF2B5EF4-FFF2-40B4-BE49-F238E27FC236}">
+                <a16:creationId xmlns:a16="http://schemas.microsoft.com/office/drawing/2014/main" id="{9606B31D-BF23-403C-9DF1-B9C735320B41}"/>
+              </a:ext>
+            </a:extLst>
+          </p:cNvPr>
+          <p:cNvSpPr txBox="1"/>
+          <p:nvPr/>
         </p:nvSpPr>
         <p:spPr>
           <a:xfrm>
-            <a:off x="302085" y="664308"/>
-            <a:ext cx="8082632" cy="5600340"/>
+            <a:off x="4640538" y="1877929"/>
+            <a:ext cx="6262688" cy="4278094"/>
           </a:xfrm>
           <a:prstGeom prst="rect">
             <a:avLst/>
           </a:prstGeom>
-          <a:solidFill>
-            <a:schemeClr val="bg1"/>
-          </a:solidFill>
+          <a:noFill/>
           <a:ln>
-            <a:noFill/>
+            <a:solidFill>
+              <a:schemeClr val="accent1"/>
+            </a:solidFill>
           </a:ln>
-          <a:effectLst>
-            <a:outerShdw blurRad="139700" dist="127000" dir="5400000" algn="t" rotWithShape="0">
-              <a:prstClr val="black">
-                <a:alpha val="15000"/>
-              </a:prstClr>
-            </a:outerShdw>
-          </a:effectLst>
         </p:spPr>
-        <p:style>
-          <a:lnRef idx="2">
-            <a:schemeClr val="accent1">
-              <a:shade val="50000"/>
-            </a:schemeClr>
-          </a:lnRef>
-          <a:fillRef idx="1">
-            <a:schemeClr val="accent1"/>
-          </a:fillRef>
-          <a:effectRef idx="0">
-            <a:schemeClr val="accent1"/>
-          </a:effectRef>
-          <a:fontRef idx="minor">
-            <a:schemeClr val="lt1"/>
-          </a:fontRef>
-        </p:style>
-        <p:txBody>
-          <a:bodyPr rtlCol="0" anchor="ctr"/>
+        <p:txBody>
+          <a:bodyPr wrap="square" rtlCol="0">
+            <a:spAutoFit/>
+          </a:bodyPr>
           <a:lstStyle/>
           <a:p>
-            <a:pPr algn="ctr"/>
-            <a:endParaRPr lang="en-US"/>
+            <a:r>
+              <a:rPr lang="en-AU" sz="3200" b="1" dirty="0">
+                <a:solidFill>
+                  <a:srgbClr val="003B46"/>
+                </a:solidFill>
+              </a:rPr>
+              <a:t>The highest UV Index in Year 2020</a:t>
+            </a:r>
+          </a:p>
+          <a:p>
+            <a:r>
+              <a:rPr lang="en-AU" sz="2400" dirty="0">
+                <a:solidFill>
+                  <a:srgbClr val="003B46"/>
+                </a:solidFill>
+              </a:rPr>
+              <a:t>City:             Halls Creek</a:t>
+            </a:r>
+          </a:p>
+          <a:p>
+            <a:r>
+              <a:rPr lang="en-AU" sz="2400" dirty="0">
+                <a:solidFill>
+                  <a:srgbClr val="003B46"/>
+                </a:solidFill>
+              </a:rPr>
+              <a:t>UV index:   18.21</a:t>
+            </a:r>
+          </a:p>
+          <a:p>
+            <a:r>
+              <a:rPr lang="en-AU" sz="2400" dirty="0">
+                <a:solidFill>
+                  <a:srgbClr val="003B46"/>
+                </a:solidFill>
+              </a:rPr>
+              <a:t>Date:           20</a:t>
+            </a:r>
+            <a:r>
+              <a:rPr lang="en-AU" sz="2400" baseline="30000" dirty="0">
+                <a:solidFill>
+                  <a:srgbClr val="003B46"/>
+                </a:solidFill>
+              </a:rPr>
+              <a:t>th</a:t>
+            </a:r>
+            <a:r>
+              <a:rPr lang="en-AU" sz="2400" dirty="0">
+                <a:solidFill>
+                  <a:srgbClr val="003B46"/>
+                </a:solidFill>
+              </a:rPr>
+              <a:t> December 2020</a:t>
+            </a:r>
+          </a:p>
+          <a:p>
+            <a:endParaRPr lang="en-AU" sz="2400" dirty="0">
+              <a:solidFill>
+                <a:srgbClr val="003B46"/>
+              </a:solidFill>
+            </a:endParaRPr>
+          </a:p>
+          <a:p>
+            <a:r>
+              <a:rPr lang="en-AU" sz="2400" i="1" u="sng" dirty="0">
+                <a:solidFill>
+                  <a:srgbClr val="003B46"/>
+                </a:solidFill>
+              </a:rPr>
+              <a:t>Average UV index in Halls Creek:</a:t>
+            </a:r>
+          </a:p>
+          <a:p>
+            <a:r>
+              <a:rPr lang="en-AU" sz="2400" dirty="0">
+                <a:solidFill>
+                  <a:srgbClr val="003B46"/>
+                </a:solidFill>
+              </a:rPr>
+              <a:t>Average:  11.74</a:t>
+            </a:r>
+          </a:p>
+          <a:p>
+            <a:r>
+              <a:rPr lang="en-AU" sz="2400" dirty="0">
+                <a:solidFill>
+                  <a:srgbClr val="003B46"/>
+                </a:solidFill>
+              </a:rPr>
+              <a:t>Winter:    7.6</a:t>
+            </a:r>
+          </a:p>
+          <a:p>
+            <a:r>
+              <a:rPr lang="en-AU" sz="2400" dirty="0">
+                <a:solidFill>
+                  <a:srgbClr val="003B46"/>
+                </a:solidFill>
+              </a:rPr>
+              <a:t>Spring:     13.43</a:t>
+            </a:r>
+          </a:p>
+          <a:p>
+            <a:r>
+              <a:rPr lang="en-AU" sz="2400" dirty="0">
+                <a:solidFill>
+                  <a:srgbClr val="003B46"/>
+                </a:solidFill>
+              </a:rPr>
+              <a:t>Summer: 15.30</a:t>
+            </a:r>
+          </a:p>
+          <a:p>
+            <a:r>
+              <a:rPr lang="en-AU" sz="2400" dirty="0">
+                <a:solidFill>
+                  <a:srgbClr val="003B46"/>
+                </a:solidFill>
+              </a:rPr>
+              <a:t>Autumn:  10.71</a:t>
+            </a:r>
           </a:p>
         </p:txBody>
       </p:sp>
@@ -12383,7 +8640,7 @@
           <p:cNvPr id="3" name="Picture 2">
             <a:extLst>
               <a:ext uri="{FF2B5EF4-FFF2-40B4-BE49-F238E27FC236}">
-                <a16:creationId xmlns:a16="http://schemas.microsoft.com/office/drawing/2014/main" id="{DDB0D936-97DC-4DEA-B660-7BB2B3153632}"/>
+                <a16:creationId xmlns:a16="http://schemas.microsoft.com/office/drawing/2014/main" id="{96BAB319-8EEB-416F-B40C-A26130B75340}"/>
               </a:ext>
             </a:extLst>
           </p:cNvPr>
@@ -12400,1370 +8657,8 @@
         </p:blipFill>
         <p:spPr>
           <a:xfrm>
-            <a:off x="545238" y="1029821"/>
-            <a:ext cx="7608304" cy="4590803"/>
-          </a:xfrm>
-          <a:prstGeom prst="rect">
-            <a:avLst/>
-          </a:prstGeom>
-        </p:spPr>
-      </p:pic>
-      <p:sp>
-        <p:nvSpPr>
-          <p:cNvPr id="51" name="Rectangle 30">
-            <a:extLst>
-              <a:ext uri="{FF2B5EF4-FFF2-40B4-BE49-F238E27FC236}">
-                <a16:creationId xmlns:a16="http://schemas.microsoft.com/office/drawing/2014/main" id="{90F533E9-6690-41A8-A372-4C6C622D028D}"/>
-              </a:ext>
-              <a:ext uri="{C183D7F6-B498-43B3-948B-1728B52AA6E4}">
-                <adec:decorative xmlns:adec="http://schemas.microsoft.com/office/drawing/2017/decorative" val="1"/>
-              </a:ext>
-            </a:extLst>
-          </p:cNvPr>
-          <p:cNvSpPr>
-            <a:spLocks noGrp="1" noRot="1" noChangeAspect="1" noMove="1" noResize="1" noEditPoints="1" noAdjustHandles="1" noChangeArrowheads="1" noChangeShapeType="1" noTextEdit="1"/>
-          </p:cNvSpPr>
-          <p:nvPr>
-            <p:extLst>
-              <p:ext uri="{386F3935-93C4-4BCD-93E2-E3B085C9AB24}">
-                <p16:designElem xmlns:p16="http://schemas.microsoft.com/office/powerpoint/2015/main" val="1"/>
-              </p:ext>
-            </p:extLst>
-          </p:nvPr>
-        </p:nvSpPr>
-        <p:spPr>
-          <a:xfrm rot="5400000">
-            <a:off x="7950447" y="3392097"/>
-            <a:ext cx="1719072" cy="152382"/>
-          </a:xfrm>
-          <a:prstGeom prst="rect">
-            <a:avLst/>
-          </a:prstGeom>
-          <a:solidFill>
-            <a:schemeClr val="accent4"/>
-          </a:solidFill>
-          <a:ln>
-            <a:noFill/>
-          </a:ln>
-        </p:spPr>
-        <p:style>
-          <a:lnRef idx="2">
-            <a:schemeClr val="accent1">
-              <a:shade val="50000"/>
-            </a:schemeClr>
-          </a:lnRef>
-          <a:fillRef idx="1">
-            <a:schemeClr val="accent1"/>
-          </a:fillRef>
-          <a:effectRef idx="0">
-            <a:schemeClr val="accent1"/>
-          </a:effectRef>
-          <a:fontRef idx="minor">
-            <a:schemeClr val="lt1"/>
-          </a:fontRef>
-        </p:style>
-        <p:txBody>
-          <a:bodyPr rtlCol="0" anchor="ctr"/>
-          <a:lstStyle/>
-          <a:p>
-            <a:pPr algn="ctr"/>
-            <a:endParaRPr lang="en-US"/>
-          </a:p>
-        </p:txBody>
-      </p:sp>
-      <p:sp>
-        <p:nvSpPr>
-          <p:cNvPr id="2" name="TextBox 1">
-            <a:extLst>
-              <a:ext uri="{FF2B5EF4-FFF2-40B4-BE49-F238E27FC236}">
-                <a16:creationId xmlns:a16="http://schemas.microsoft.com/office/drawing/2014/main" id="{DA0CB9A1-5F84-4347-ACD9-DAB49EDF7F44}"/>
-              </a:ext>
-            </a:extLst>
-          </p:cNvPr>
-          <p:cNvSpPr txBox="1"/>
-          <p:nvPr/>
-        </p:nvSpPr>
-        <p:spPr>
-          <a:xfrm>
-            <a:off x="805343" y="5529802"/>
-            <a:ext cx="2822376" cy="646331"/>
-          </a:xfrm>
-          <a:prstGeom prst="rect">
-            <a:avLst/>
-          </a:prstGeom>
-          <a:noFill/>
-        </p:spPr>
-        <p:txBody>
-          <a:bodyPr wrap="none" rtlCol="0">
-            <a:spAutoFit/>
-          </a:bodyPr>
-          <a:lstStyle/>
-          <a:p>
-            <a:r>
-              <a:rPr lang="en-AU" dirty="0">
-                <a:hlinkClick r:id="rId3"/>
-              </a:rPr>
-              <a:t>http://127.0.0.1:5000/index</a:t>
-            </a:r>
-            <a:endParaRPr lang="en-AU" dirty="0"/>
-          </a:p>
-          <a:p>
-            <a:endParaRPr lang="en-AU" dirty="0"/>
-          </a:p>
-        </p:txBody>
-      </p:sp>
-    </p:spTree>
-    <p:extLst>
-      <p:ext uri="{BB962C8B-B14F-4D97-AF65-F5344CB8AC3E}">
-        <p14:creationId xmlns:p14="http://schemas.microsoft.com/office/powerpoint/2010/main" val="1544137533"/>
-      </p:ext>
-    </p:extLst>
-  </p:cSld>
-  <p:clrMapOvr>
-    <a:masterClrMapping/>
-  </p:clrMapOvr>
-</p:sld>
-</file>
-
-<file path=ppt/slides/slide8.xml><?xml version="1.0" encoding="utf-8"?>
-<p:sld xmlns:a="http://schemas.openxmlformats.org/drawingml/2006/main" xmlns:r="http://schemas.openxmlformats.org/officeDocument/2006/relationships" xmlns:p="http://schemas.openxmlformats.org/presentationml/2006/main">
-  <p:cSld>
-    <p:bg>
-      <p:bgPr>
-        <a:solidFill>
-          <a:schemeClr val="bg1"/>
-        </a:solidFill>
-        <a:effectLst/>
-      </p:bgPr>
-    </p:bg>
-    <p:spTree>
-      <p:nvGrpSpPr>
-        <p:cNvPr id="1" name=""/>
-        <p:cNvGrpSpPr/>
-        <p:nvPr/>
-      </p:nvGrpSpPr>
-      <p:grpSpPr>
-        <a:xfrm>
-          <a:off x="0" y="0"/>
-          <a:ext cx="0" cy="0"/>
-          <a:chOff x="0" y="0"/>
-          <a:chExt cx="0" cy="0"/>
-        </a:xfrm>
-      </p:grpSpPr>
-      <p:sp useBgFill="1">
-        <p:nvSpPr>
-          <p:cNvPr id="48" name="Rectangle 24">
-            <a:extLst>
-              <a:ext uri="{FF2B5EF4-FFF2-40B4-BE49-F238E27FC236}">
-                <a16:creationId xmlns:a16="http://schemas.microsoft.com/office/drawing/2014/main" id="{BA79A7CF-01AF-4178-9369-94E0C90EB046}"/>
-              </a:ext>
-              <a:ext uri="{C183D7F6-B498-43B3-948B-1728B52AA6E4}">
-                <adec:decorative xmlns:adec="http://schemas.microsoft.com/office/drawing/2017/decorative" val="1"/>
-              </a:ext>
-            </a:extLst>
-          </p:cNvPr>
-          <p:cNvSpPr>
-            <a:spLocks noGrp="1" noRot="1" noChangeAspect="1" noMove="1" noResize="1" noEditPoints="1" noAdjustHandles="1" noChangeArrowheads="1" noChangeShapeType="1" noTextEdit="1"/>
-          </p:cNvSpPr>
-          <p:nvPr>
-            <p:extLst>
-              <p:ext uri="{386F3935-93C4-4BCD-93E2-E3B085C9AB24}">
-                <p16:designElem xmlns:p16="http://schemas.microsoft.com/office/powerpoint/2015/main" val="1"/>
-              </p:ext>
-            </p:extLst>
-          </p:nvPr>
-        </p:nvSpPr>
-        <p:spPr>
-          <a:xfrm>
-            <a:off x="0" y="0"/>
-            <a:ext cx="12191999" cy="6857365"/>
-          </a:xfrm>
-          <a:prstGeom prst="rect">
-            <a:avLst/>
-          </a:prstGeom>
-          <a:ln>
-            <a:noFill/>
-          </a:ln>
-        </p:spPr>
-        <p:style>
-          <a:lnRef idx="2">
-            <a:schemeClr val="accent1">
-              <a:shade val="50000"/>
-            </a:schemeClr>
-          </a:lnRef>
-          <a:fillRef idx="1">
-            <a:schemeClr val="accent1"/>
-          </a:fillRef>
-          <a:effectRef idx="0">
-            <a:schemeClr val="accent1"/>
-          </a:effectRef>
-          <a:fontRef idx="minor">
-            <a:schemeClr val="lt1"/>
-          </a:fontRef>
-        </p:style>
-        <p:txBody>
-          <a:bodyPr rtlCol="0" anchor="ctr"/>
-          <a:lstStyle/>
-          <a:p>
-            <a:pPr algn="ctr"/>
-            <a:endParaRPr lang="en-US"/>
-          </a:p>
-        </p:txBody>
-      </p:sp>
-      <p:sp>
-        <p:nvSpPr>
-          <p:cNvPr id="4" name="TextBox 3">
-            <a:extLst>
-              <a:ext uri="{FF2B5EF4-FFF2-40B4-BE49-F238E27FC236}">
-                <a16:creationId xmlns:a16="http://schemas.microsoft.com/office/drawing/2014/main" id="{775523D8-CAEC-4DFB-B084-BC8DD40E99DD}"/>
-              </a:ext>
-            </a:extLst>
-          </p:cNvPr>
-          <p:cNvSpPr txBox="1"/>
-          <p:nvPr/>
-        </p:nvSpPr>
-        <p:spPr>
-          <a:xfrm>
-            <a:off x="9267909" y="2023110"/>
-            <a:ext cx="2469624" cy="2846070"/>
-          </a:xfrm>
-          <a:prstGeom prst="rect">
-            <a:avLst/>
-          </a:prstGeom>
-        </p:spPr>
-        <p:txBody>
-          <a:bodyPr vert="horz" lIns="91440" tIns="45720" rIns="91440" bIns="45720" rtlCol="0" anchor="ctr">
-            <a:normAutofit/>
-          </a:bodyPr>
-          <a:lstStyle/>
-          <a:p>
-            <a:pPr>
-              <a:lnSpc>
-                <a:spcPct val="90000"/>
-              </a:lnSpc>
-              <a:spcBef>
-                <a:spcPct val="0"/>
-              </a:spcBef>
-              <a:spcAft>
-                <a:spcPts val="600"/>
-              </a:spcAft>
-            </a:pPr>
-            <a:r>
-              <a:rPr lang="en-US" sz="3700" b="1" kern="1200" dirty="0">
-                <a:solidFill>
-                  <a:schemeClr val="tx1"/>
-                </a:solidFill>
-                <a:latin typeface="+mj-lt"/>
-                <a:ea typeface="+mj-ea"/>
-                <a:cs typeface="+mj-cs"/>
-              </a:rPr>
-              <a:t>Western Australia UV </a:t>
-            </a:r>
-            <a:endParaRPr lang="en-US" sz="3700" b="1" dirty="0">
-              <a:latin typeface="+mj-lt"/>
-              <a:ea typeface="+mj-ea"/>
-              <a:cs typeface="+mj-cs"/>
-            </a:endParaRPr>
-          </a:p>
-          <a:p>
-            <a:pPr>
-              <a:lnSpc>
-                <a:spcPct val="90000"/>
-              </a:lnSpc>
-              <a:spcBef>
-                <a:spcPct val="0"/>
-              </a:spcBef>
-              <a:spcAft>
-                <a:spcPts val="600"/>
-              </a:spcAft>
-            </a:pPr>
-            <a:r>
-              <a:rPr lang="en-US" sz="3700" b="1" dirty="0">
-                <a:latin typeface="+mj-lt"/>
-                <a:ea typeface="+mj-ea"/>
-                <a:cs typeface="+mj-cs"/>
-              </a:rPr>
-              <a:t>Historical</a:t>
-            </a:r>
-            <a:r>
-              <a:rPr lang="en-US" sz="3700" b="1" kern="1200" dirty="0">
-                <a:solidFill>
-                  <a:schemeClr val="tx1"/>
-                </a:solidFill>
-                <a:latin typeface="+mj-lt"/>
-                <a:ea typeface="+mj-ea"/>
-                <a:cs typeface="+mj-cs"/>
-              </a:rPr>
-              <a:t> UV Index</a:t>
-            </a:r>
-          </a:p>
-        </p:txBody>
-      </p:sp>
-      <p:sp>
-        <p:nvSpPr>
-          <p:cNvPr id="49" name="Rectangle 26">
-            <a:extLst>
-              <a:ext uri="{FF2B5EF4-FFF2-40B4-BE49-F238E27FC236}">
-                <a16:creationId xmlns:a16="http://schemas.microsoft.com/office/drawing/2014/main" id="{99413ED5-9ED4-4772-BCE4-2BCAE6B12E35}"/>
-              </a:ext>
-              <a:ext uri="{C183D7F6-B498-43B3-948B-1728B52AA6E4}">
-                <adec:decorative xmlns:adec="http://schemas.microsoft.com/office/drawing/2017/decorative" val="1"/>
-              </a:ext>
-            </a:extLst>
-          </p:cNvPr>
-          <p:cNvSpPr>
-            <a:spLocks noGrp="1" noRot="1" noChangeAspect="1" noMove="1" noResize="1" noEditPoints="1" noAdjustHandles="1" noChangeArrowheads="1" noChangeShapeType="1" noTextEdit="1"/>
-          </p:cNvSpPr>
-          <p:nvPr>
-            <p:extLst>
-              <p:ext uri="{386F3935-93C4-4BCD-93E2-E3B085C9AB24}">
-                <p16:designElem xmlns:p16="http://schemas.microsoft.com/office/powerpoint/2015/main" val="1"/>
-              </p:ext>
-            </p:extLst>
-          </p:nvPr>
-        </p:nvSpPr>
-        <p:spPr>
-          <a:xfrm rot="16200000">
-            <a:off x="3433973" y="-827233"/>
-            <a:ext cx="1715478" cy="8583421"/>
-          </a:xfrm>
-          <a:prstGeom prst="rect">
-            <a:avLst/>
-          </a:prstGeom>
-          <a:solidFill>
-            <a:schemeClr val="accent4"/>
-          </a:solidFill>
-          <a:ln>
-            <a:noFill/>
-          </a:ln>
-        </p:spPr>
-        <p:style>
-          <a:lnRef idx="2">
-            <a:schemeClr val="accent1">
-              <a:shade val="50000"/>
-            </a:schemeClr>
-          </a:lnRef>
-          <a:fillRef idx="1">
-            <a:schemeClr val="accent1"/>
-          </a:fillRef>
-          <a:effectRef idx="0">
-            <a:schemeClr val="accent1"/>
-          </a:effectRef>
-          <a:fontRef idx="minor">
-            <a:schemeClr val="lt1"/>
-          </a:fontRef>
-        </p:style>
-        <p:txBody>
-          <a:bodyPr rtlCol="0" anchor="ctr"/>
-          <a:lstStyle/>
-          <a:p>
-            <a:pPr algn="ctr"/>
-            <a:endParaRPr lang="en-US" dirty="0"/>
-          </a:p>
-        </p:txBody>
-      </p:sp>
-      <p:sp>
-        <p:nvSpPr>
-          <p:cNvPr id="50" name="Rectangle 28">
-            <a:extLst>
-              <a:ext uri="{FF2B5EF4-FFF2-40B4-BE49-F238E27FC236}">
-                <a16:creationId xmlns:a16="http://schemas.microsoft.com/office/drawing/2014/main" id="{04357C93-F0CB-4A1C-8F77-4E9063789819}"/>
-              </a:ext>
-              <a:ext uri="{C183D7F6-B498-43B3-948B-1728B52AA6E4}">
-                <adec:decorative xmlns:adec="http://schemas.microsoft.com/office/drawing/2017/decorative" val="1"/>
-              </a:ext>
-            </a:extLst>
-          </p:cNvPr>
-          <p:cNvSpPr>
-            <a:spLocks noGrp="1" noRot="1" noChangeAspect="1" noMove="1" noResize="1" noEditPoints="1" noAdjustHandles="1" noChangeArrowheads="1" noChangeShapeType="1" noTextEdit="1"/>
-          </p:cNvSpPr>
-          <p:nvPr>
-            <p:extLst>
-              <p:ext uri="{386F3935-93C4-4BCD-93E2-E3B085C9AB24}">
-                <p16:designElem xmlns:p16="http://schemas.microsoft.com/office/powerpoint/2015/main" val="1"/>
-              </p:ext>
-            </p:extLst>
-          </p:nvPr>
-        </p:nvSpPr>
-        <p:spPr>
-          <a:xfrm>
-            <a:off x="302085" y="664308"/>
-            <a:ext cx="8082632" cy="5600340"/>
-          </a:xfrm>
-          <a:prstGeom prst="rect">
-            <a:avLst/>
-          </a:prstGeom>
-          <a:solidFill>
-            <a:schemeClr val="bg1"/>
-          </a:solidFill>
-          <a:ln>
-            <a:noFill/>
-          </a:ln>
-          <a:effectLst>
-            <a:outerShdw blurRad="139700" dist="127000" dir="5400000" algn="t" rotWithShape="0">
-              <a:prstClr val="black">
-                <a:alpha val="15000"/>
-              </a:prstClr>
-            </a:outerShdw>
-          </a:effectLst>
-        </p:spPr>
-        <p:style>
-          <a:lnRef idx="2">
-            <a:schemeClr val="accent1">
-              <a:shade val="50000"/>
-            </a:schemeClr>
-          </a:lnRef>
-          <a:fillRef idx="1">
-            <a:schemeClr val="accent1"/>
-          </a:fillRef>
-          <a:effectRef idx="0">
-            <a:schemeClr val="accent1"/>
-          </a:effectRef>
-          <a:fontRef idx="minor">
-            <a:schemeClr val="lt1"/>
-          </a:fontRef>
-        </p:style>
-        <p:txBody>
-          <a:bodyPr rtlCol="0" anchor="ctr"/>
-          <a:lstStyle/>
-          <a:p>
-            <a:pPr algn="ctr"/>
-            <a:endParaRPr lang="en-US"/>
-          </a:p>
-        </p:txBody>
-      </p:sp>
-      <p:pic>
-        <p:nvPicPr>
-          <p:cNvPr id="3" name="Picture 2">
-            <a:extLst>
-              <a:ext uri="{FF2B5EF4-FFF2-40B4-BE49-F238E27FC236}">
-                <a16:creationId xmlns:a16="http://schemas.microsoft.com/office/drawing/2014/main" id="{DDB0D936-97DC-4DEA-B660-7BB2B3153632}"/>
-              </a:ext>
-            </a:extLst>
-          </p:cNvPr>
-          <p:cNvPicPr>
-            <a:picLocks noChangeAspect="1"/>
-          </p:cNvPicPr>
-          <p:nvPr/>
-        </p:nvPicPr>
-        <p:blipFill>
-          <a:blip r:embed="rId2"/>
-          <a:stretch>
-            <a:fillRect/>
-          </a:stretch>
-        </p:blipFill>
-        <p:spPr>
-          <a:xfrm>
-            <a:off x="545238" y="1029821"/>
-            <a:ext cx="7608304" cy="4590803"/>
-          </a:xfrm>
-          <a:prstGeom prst="rect">
-            <a:avLst/>
-          </a:prstGeom>
-        </p:spPr>
-      </p:pic>
-      <p:sp>
-        <p:nvSpPr>
-          <p:cNvPr id="51" name="Rectangle 30">
-            <a:extLst>
-              <a:ext uri="{FF2B5EF4-FFF2-40B4-BE49-F238E27FC236}">
-                <a16:creationId xmlns:a16="http://schemas.microsoft.com/office/drawing/2014/main" id="{90F533E9-6690-41A8-A372-4C6C622D028D}"/>
-              </a:ext>
-              <a:ext uri="{C183D7F6-B498-43B3-948B-1728B52AA6E4}">
-                <adec:decorative xmlns:adec="http://schemas.microsoft.com/office/drawing/2017/decorative" val="1"/>
-              </a:ext>
-            </a:extLst>
-          </p:cNvPr>
-          <p:cNvSpPr>
-            <a:spLocks noGrp="1" noRot="1" noChangeAspect="1" noMove="1" noResize="1" noEditPoints="1" noAdjustHandles="1" noChangeArrowheads="1" noChangeShapeType="1" noTextEdit="1"/>
-          </p:cNvSpPr>
-          <p:nvPr>
-            <p:extLst>
-              <p:ext uri="{386F3935-93C4-4BCD-93E2-E3B085C9AB24}">
-                <p16:designElem xmlns:p16="http://schemas.microsoft.com/office/powerpoint/2015/main" val="1"/>
-              </p:ext>
-            </p:extLst>
-          </p:nvPr>
-        </p:nvSpPr>
-        <p:spPr>
-          <a:xfrm rot="5400000">
-            <a:off x="7950447" y="3392097"/>
-            <a:ext cx="1719072" cy="152382"/>
-          </a:xfrm>
-          <a:prstGeom prst="rect">
-            <a:avLst/>
-          </a:prstGeom>
-          <a:solidFill>
-            <a:schemeClr val="accent4"/>
-          </a:solidFill>
-          <a:ln>
-            <a:noFill/>
-          </a:ln>
-        </p:spPr>
-        <p:style>
-          <a:lnRef idx="2">
-            <a:schemeClr val="accent1">
-              <a:shade val="50000"/>
-            </a:schemeClr>
-          </a:lnRef>
-          <a:fillRef idx="1">
-            <a:schemeClr val="accent1"/>
-          </a:fillRef>
-          <a:effectRef idx="0">
-            <a:schemeClr val="accent1"/>
-          </a:effectRef>
-          <a:fontRef idx="minor">
-            <a:schemeClr val="lt1"/>
-          </a:fontRef>
-        </p:style>
-        <p:txBody>
-          <a:bodyPr rtlCol="0" anchor="ctr"/>
-          <a:lstStyle/>
-          <a:p>
-            <a:pPr algn="ctr"/>
-            <a:endParaRPr lang="en-US"/>
-          </a:p>
-        </p:txBody>
-      </p:sp>
-      <p:sp>
-        <p:nvSpPr>
-          <p:cNvPr id="2" name="TextBox 1">
-            <a:extLst>
-              <a:ext uri="{FF2B5EF4-FFF2-40B4-BE49-F238E27FC236}">
-                <a16:creationId xmlns:a16="http://schemas.microsoft.com/office/drawing/2014/main" id="{DA0CB9A1-5F84-4347-ACD9-DAB49EDF7F44}"/>
-              </a:ext>
-            </a:extLst>
-          </p:cNvPr>
-          <p:cNvSpPr txBox="1"/>
-          <p:nvPr/>
-        </p:nvSpPr>
-        <p:spPr>
-          <a:xfrm>
-            <a:off x="805343" y="5529802"/>
-            <a:ext cx="3165354" cy="369332"/>
-          </a:xfrm>
-          <a:prstGeom prst="rect">
-            <a:avLst/>
-          </a:prstGeom>
-          <a:noFill/>
-        </p:spPr>
-        <p:txBody>
-          <a:bodyPr wrap="none" rtlCol="0">
-            <a:spAutoFit/>
-          </a:bodyPr>
-          <a:lstStyle/>
-          <a:p>
-            <a:r>
-              <a:rPr lang="en-AU" dirty="0">
-                <a:hlinkClick r:id="rId3"/>
-              </a:rPr>
-              <a:t>http://127.0.0.1:5000/historical</a:t>
-            </a:r>
-            <a:endParaRPr lang="en-AU" dirty="0"/>
-          </a:p>
-        </p:txBody>
-      </p:sp>
-    </p:spTree>
-    <p:extLst>
-      <p:ext uri="{BB962C8B-B14F-4D97-AF65-F5344CB8AC3E}">
-        <p14:creationId xmlns:p14="http://schemas.microsoft.com/office/powerpoint/2010/main" val="779758751"/>
-      </p:ext>
-    </p:extLst>
-  </p:cSld>
-  <p:clrMapOvr>
-    <a:masterClrMapping/>
-  </p:clrMapOvr>
-</p:sld>
-</file>
-
-<file path=ppt/slides/slide9.xml><?xml version="1.0" encoding="utf-8"?>
-<p:sld xmlns:a="http://schemas.openxmlformats.org/drawingml/2006/main" xmlns:r="http://schemas.openxmlformats.org/officeDocument/2006/relationships" xmlns:p="http://schemas.openxmlformats.org/presentationml/2006/main">
-  <p:cSld>
-    <p:bg>
-      <p:bgPr>
-        <a:solidFill>
-          <a:schemeClr val="bg1"/>
-        </a:solidFill>
-        <a:effectLst/>
-      </p:bgPr>
-    </p:bg>
-    <p:spTree>
-      <p:nvGrpSpPr>
-        <p:cNvPr id="1" name=""/>
-        <p:cNvGrpSpPr/>
-        <p:nvPr/>
-      </p:nvGrpSpPr>
-      <p:grpSpPr>
-        <a:xfrm>
-          <a:off x="0" y="0"/>
-          <a:ext cx="0" cy="0"/>
-          <a:chOff x="0" y="0"/>
-          <a:chExt cx="0" cy="0"/>
-        </a:xfrm>
-      </p:grpSpPr>
-      <p:sp>
-        <p:nvSpPr>
-          <p:cNvPr id="8" name="Rectangle 7">
-            <a:extLst>
-              <a:ext uri="{FF2B5EF4-FFF2-40B4-BE49-F238E27FC236}">
-                <a16:creationId xmlns:a16="http://schemas.microsoft.com/office/drawing/2014/main" id="{F3060C83-F051-4F0E-ABAD-AA0DFC48B218}"/>
-              </a:ext>
-              <a:ext uri="{C183D7F6-B498-43B3-948B-1728B52AA6E4}">
-                <adec:decorative xmlns:adec="http://schemas.microsoft.com/office/drawing/2017/decorative" val="1"/>
-              </a:ext>
-            </a:extLst>
-          </p:cNvPr>
-          <p:cNvSpPr>
-            <a:spLocks noGrp="1" noRot="1" noChangeAspect="1" noMove="1" noResize="1" noEditPoints="1" noAdjustHandles="1" noChangeArrowheads="1" noChangeShapeType="1" noTextEdit="1"/>
-          </p:cNvSpPr>
-          <p:nvPr>
-            <p:extLst>
-              <p:ext uri="{386F3935-93C4-4BCD-93E2-E3B085C9AB24}">
-                <p16:designElem xmlns:p16="http://schemas.microsoft.com/office/powerpoint/2015/main" val="1"/>
-              </p:ext>
-            </p:extLst>
-          </p:nvPr>
-        </p:nvSpPr>
-        <p:spPr>
-          <a:xfrm>
-            <a:off x="0" y="0"/>
-            <a:ext cx="12192000" cy="6858000"/>
-          </a:xfrm>
-          <a:prstGeom prst="rect">
-            <a:avLst/>
-          </a:prstGeom>
-          <a:solidFill>
-            <a:schemeClr val="bg1"/>
-          </a:solidFill>
-          <a:ln>
-            <a:noFill/>
-          </a:ln>
-        </p:spPr>
-        <p:style>
-          <a:lnRef idx="2">
-            <a:schemeClr val="accent1">
-              <a:shade val="50000"/>
-            </a:schemeClr>
-          </a:lnRef>
-          <a:fillRef idx="1">
-            <a:schemeClr val="accent1"/>
-          </a:fillRef>
-          <a:effectRef idx="0">
-            <a:schemeClr val="accent1"/>
-          </a:effectRef>
-          <a:fontRef idx="minor">
-            <a:schemeClr val="lt1"/>
-          </a:fontRef>
-        </p:style>
-        <p:txBody>
-          <a:bodyPr rtlCol="0" anchor="ctr"/>
-          <a:lstStyle/>
-          <a:p>
-            <a:pPr algn="ctr"/>
-            <a:endParaRPr lang="en-US" dirty="0"/>
-          </a:p>
-        </p:txBody>
-      </p:sp>
-      <p:sp>
-        <p:nvSpPr>
-          <p:cNvPr id="10" name="Freeform: Shape 9">
-            <a:extLst>
-              <a:ext uri="{FF2B5EF4-FFF2-40B4-BE49-F238E27FC236}">
-                <a16:creationId xmlns:a16="http://schemas.microsoft.com/office/drawing/2014/main" id="{83C98ABE-055B-441F-B07E-44F97F083C39}"/>
-              </a:ext>
-              <a:ext uri="{C183D7F6-B498-43B3-948B-1728B52AA6E4}">
-                <adec:decorative xmlns:adec="http://schemas.microsoft.com/office/drawing/2017/decorative" val="1"/>
-              </a:ext>
-            </a:extLst>
-          </p:cNvPr>
-          <p:cNvSpPr>
-            <a:spLocks noGrp="1" noRot="1" noChangeAspect="1" noMove="1" noResize="1" noEditPoints="1" noAdjustHandles="1" noChangeArrowheads="1" noChangeShapeType="1" noTextEdit="1"/>
-          </p:cNvSpPr>
-          <p:nvPr>
-            <p:extLst>
-              <p:ext uri="{386F3935-93C4-4BCD-93E2-E3B085C9AB24}">
-                <p16:designElem xmlns:p16="http://schemas.microsoft.com/office/powerpoint/2015/main" val="1"/>
-              </p:ext>
-            </p:extLst>
-          </p:nvPr>
-        </p:nvSpPr>
-        <p:spPr>
-          <a:xfrm rot="18900000" flipH="1">
-            <a:off x="-376156" y="-253670"/>
-            <a:ext cx="1827638" cy="1376989"/>
-          </a:xfrm>
-          <a:custGeom>
-            <a:avLst/>
-            <a:gdLst>
-              <a:gd name="connsiteX0" fmla="*/ 0 w 1827638"/>
-              <a:gd name="connsiteY0" fmla="*/ 987379 h 1376989"/>
-              <a:gd name="connsiteX1" fmla="*/ 987379 w 1827638"/>
-              <a:gd name="connsiteY1" fmla="*/ 0 h 1376989"/>
-              <a:gd name="connsiteX2" fmla="*/ 1827638 w 1827638"/>
-              <a:gd name="connsiteY2" fmla="*/ 840260 h 1376989"/>
-              <a:gd name="connsiteX3" fmla="*/ 1827638 w 1827638"/>
-              <a:gd name="connsiteY3" fmla="*/ 1376989 h 1376989"/>
-              <a:gd name="connsiteX4" fmla="*/ 0 w 1827638"/>
-              <a:gd name="connsiteY4" fmla="*/ 1376989 h 1376989"/>
-            </a:gdLst>
-            <a:ahLst/>
-            <a:cxnLst>
-              <a:cxn ang="0">
-                <a:pos x="connsiteX0" y="connsiteY0"/>
-              </a:cxn>
-              <a:cxn ang="0">
-                <a:pos x="connsiteX1" y="connsiteY1"/>
-              </a:cxn>
-              <a:cxn ang="0">
-                <a:pos x="connsiteX2" y="connsiteY2"/>
-              </a:cxn>
-              <a:cxn ang="0">
-                <a:pos x="connsiteX3" y="connsiteY3"/>
-              </a:cxn>
-              <a:cxn ang="0">
-                <a:pos x="connsiteX4" y="connsiteY4"/>
-              </a:cxn>
-            </a:cxnLst>
-            <a:rect l="l" t="t" r="r" b="b"/>
-            <a:pathLst>
-              <a:path w="1827638" h="1376989">
-                <a:moveTo>
-                  <a:pt x="0" y="987379"/>
-                </a:moveTo>
-                <a:lnTo>
-                  <a:pt x="987379" y="0"/>
-                </a:lnTo>
-                <a:lnTo>
-                  <a:pt x="1827638" y="840260"/>
-                </a:lnTo>
-                <a:lnTo>
-                  <a:pt x="1827638" y="1376989"/>
-                </a:lnTo>
-                <a:lnTo>
-                  <a:pt x="0" y="1376989"/>
-                </a:lnTo>
-                <a:close/>
-              </a:path>
-            </a:pathLst>
-          </a:custGeom>
-          <a:solidFill>
-            <a:schemeClr val="accent1">
-              <a:alpha val="30000"/>
-            </a:schemeClr>
-          </a:solidFill>
-          <a:ln>
-            <a:noFill/>
-          </a:ln>
-        </p:spPr>
-        <p:style>
-          <a:lnRef idx="2">
-            <a:schemeClr val="accent1">
-              <a:shade val="50000"/>
-            </a:schemeClr>
-          </a:lnRef>
-          <a:fillRef idx="1">
-            <a:schemeClr val="accent1"/>
-          </a:fillRef>
-          <a:effectRef idx="0">
-            <a:schemeClr val="accent1"/>
-          </a:effectRef>
-          <a:fontRef idx="minor">
-            <a:schemeClr val="lt1"/>
-          </a:fontRef>
-        </p:style>
-        <p:txBody>
-          <a:bodyPr rtlCol="0" anchor="ctr"/>
-          <a:lstStyle/>
-          <a:p>
-            <a:pPr algn="ctr"/>
-            <a:endParaRPr lang="en-US" dirty="0"/>
-          </a:p>
-        </p:txBody>
-      </p:sp>
-      <p:sp>
-        <p:nvSpPr>
-          <p:cNvPr id="12" name="Rectangle 11">
-            <a:extLst>
-              <a:ext uri="{FF2B5EF4-FFF2-40B4-BE49-F238E27FC236}">
-                <a16:creationId xmlns:a16="http://schemas.microsoft.com/office/drawing/2014/main" id="{29FDB030-9B49-4CED-8CCD-4D99382388AC}"/>
-              </a:ext>
-              <a:ext uri="{C183D7F6-B498-43B3-948B-1728B52AA6E4}">
-                <adec:decorative xmlns:adec="http://schemas.microsoft.com/office/drawing/2017/decorative" val="1"/>
-              </a:ext>
-            </a:extLst>
-          </p:cNvPr>
-          <p:cNvSpPr>
-            <a:spLocks noGrp="1" noRot="1" noChangeAspect="1" noMove="1" noResize="1" noEditPoints="1" noAdjustHandles="1" noChangeArrowheads="1" noChangeShapeType="1" noTextEdit="1"/>
-          </p:cNvSpPr>
-          <p:nvPr>
-            <p:extLst>
-              <p:ext uri="{386F3935-93C4-4BCD-93E2-E3B085C9AB24}">
-                <p16:designElem xmlns:p16="http://schemas.microsoft.com/office/powerpoint/2015/main" val="1"/>
-              </p:ext>
-            </p:extLst>
-          </p:nvPr>
-        </p:nvSpPr>
-        <p:spPr>
-          <a:xfrm rot="18900000" flipH="1">
-            <a:off x="891641" y="422146"/>
-            <a:ext cx="645368" cy="645368"/>
-          </a:xfrm>
-          <a:prstGeom prst="rect">
-            <a:avLst/>
-          </a:prstGeom>
-          <a:solidFill>
-            <a:schemeClr val="accent1">
-              <a:alpha val="30000"/>
-            </a:schemeClr>
-          </a:solidFill>
-          <a:ln>
-            <a:noFill/>
-          </a:ln>
-        </p:spPr>
-        <p:style>
-          <a:lnRef idx="2">
-            <a:schemeClr val="accent1">
-              <a:shade val="50000"/>
-            </a:schemeClr>
-          </a:lnRef>
-          <a:fillRef idx="1">
-            <a:schemeClr val="accent1"/>
-          </a:fillRef>
-          <a:effectRef idx="0">
-            <a:schemeClr val="accent1"/>
-          </a:effectRef>
-          <a:fontRef idx="minor">
-            <a:schemeClr val="lt1"/>
-          </a:fontRef>
-        </p:style>
-        <p:txBody>
-          <a:bodyPr rtlCol="0" anchor="ctr"/>
-          <a:lstStyle/>
-          <a:p>
-            <a:pPr algn="ctr"/>
-            <a:endParaRPr lang="en-US"/>
-          </a:p>
-        </p:txBody>
-      </p:sp>
-      <p:sp>
-        <p:nvSpPr>
-          <p:cNvPr id="14" name="Rectangle 13">
-            <a:extLst>
-              <a:ext uri="{FF2B5EF4-FFF2-40B4-BE49-F238E27FC236}">
-                <a16:creationId xmlns:a16="http://schemas.microsoft.com/office/drawing/2014/main" id="{3783CA14-24A1-485C-8B30-D6A5D87987AD}"/>
-              </a:ext>
-              <a:ext uri="{C183D7F6-B498-43B3-948B-1728B52AA6E4}">
-                <adec:decorative xmlns:adec="http://schemas.microsoft.com/office/drawing/2017/decorative" val="1"/>
-              </a:ext>
-            </a:extLst>
-          </p:cNvPr>
-          <p:cNvSpPr>
-            <a:spLocks noGrp="1" noRot="1" noChangeAspect="1" noMove="1" noResize="1" noEditPoints="1" noAdjustHandles="1" noChangeArrowheads="1" noChangeShapeType="1" noTextEdit="1"/>
-          </p:cNvSpPr>
-          <p:nvPr>
-            <p:extLst>
-              <p:ext uri="{386F3935-93C4-4BCD-93E2-E3B085C9AB24}">
-                <p16:designElem xmlns:p16="http://schemas.microsoft.com/office/powerpoint/2015/main" val="1"/>
-              </p:ext>
-            </p:extLst>
-          </p:nvPr>
-        </p:nvSpPr>
-        <p:spPr>
-          <a:xfrm rot="18900000" flipH="1">
-            <a:off x="10043482" y="655140"/>
-            <a:ext cx="687472" cy="687472"/>
-          </a:xfrm>
-          <a:prstGeom prst="rect">
-            <a:avLst/>
-          </a:prstGeom>
-          <a:solidFill>
-            <a:schemeClr val="accent4">
-              <a:alpha val="30000"/>
-            </a:schemeClr>
-          </a:solidFill>
-          <a:ln>
-            <a:noFill/>
-          </a:ln>
-        </p:spPr>
-        <p:style>
-          <a:lnRef idx="2">
-            <a:schemeClr val="accent1">
-              <a:shade val="50000"/>
-            </a:schemeClr>
-          </a:lnRef>
-          <a:fillRef idx="1">
-            <a:schemeClr val="accent1"/>
-          </a:fillRef>
-          <a:effectRef idx="0">
-            <a:schemeClr val="accent1"/>
-          </a:effectRef>
-          <a:fontRef idx="minor">
-            <a:schemeClr val="lt1"/>
-          </a:fontRef>
-        </p:style>
-        <p:txBody>
-          <a:bodyPr rtlCol="0" anchor="ctr"/>
-          <a:lstStyle/>
-          <a:p>
-            <a:pPr algn="ctr"/>
-            <a:endParaRPr lang="en-US"/>
-          </a:p>
-        </p:txBody>
-      </p:sp>
-      <p:sp>
-        <p:nvSpPr>
-          <p:cNvPr id="16" name="Freeform: Shape 15">
-            <a:extLst>
-              <a:ext uri="{FF2B5EF4-FFF2-40B4-BE49-F238E27FC236}">
-                <a16:creationId xmlns:a16="http://schemas.microsoft.com/office/drawing/2014/main" id="{9A97C86A-04D6-40F7-AE84-31AB43E6A846}"/>
-              </a:ext>
-              <a:ext uri="{C183D7F6-B498-43B3-948B-1728B52AA6E4}">
-                <adec:decorative xmlns:adec="http://schemas.microsoft.com/office/drawing/2017/decorative" val="1"/>
-              </a:ext>
-            </a:extLst>
-          </p:cNvPr>
-          <p:cNvSpPr>
-            <a:spLocks noGrp="1" noRot="1" noChangeAspect="1" noMove="1" noResize="1" noEditPoints="1" noAdjustHandles="1" noChangeArrowheads="1" noChangeShapeType="1" noTextEdit="1"/>
-          </p:cNvSpPr>
-          <p:nvPr>
-            <p:extLst>
-              <p:ext uri="{386F3935-93C4-4BCD-93E2-E3B085C9AB24}">
-                <p16:designElem xmlns:p16="http://schemas.microsoft.com/office/powerpoint/2015/main" val="1"/>
-              </p:ext>
-            </p:extLst>
-          </p:nvPr>
-        </p:nvSpPr>
-        <p:spPr>
-          <a:xfrm rot="10800000" flipH="1">
-            <a:off x="9356643" y="0"/>
-            <a:ext cx="2835357" cy="1480837"/>
-          </a:xfrm>
-          <a:custGeom>
-            <a:avLst/>
-            <a:gdLst>
-              <a:gd name="connsiteX0" fmla="*/ 2835357 w 2835357"/>
-              <a:gd name="connsiteY0" fmla="*/ 1480837 h 1480837"/>
-              <a:gd name="connsiteX1" fmla="*/ 0 w 2835357"/>
-              <a:gd name="connsiteY1" fmla="*/ 1480837 h 1480837"/>
-              <a:gd name="connsiteX2" fmla="*/ 1552727 w 2835357"/>
-              <a:gd name="connsiteY2" fmla="*/ 0 h 1480837"/>
-              <a:gd name="connsiteX3" fmla="*/ 2835357 w 2835357"/>
-              <a:gd name="connsiteY3" fmla="*/ 1223245 h 1480837"/>
-            </a:gdLst>
-            <a:ahLst/>
-            <a:cxnLst>
-              <a:cxn ang="0">
-                <a:pos x="connsiteX0" y="connsiteY0"/>
-              </a:cxn>
-              <a:cxn ang="0">
-                <a:pos x="connsiteX1" y="connsiteY1"/>
-              </a:cxn>
-              <a:cxn ang="0">
-                <a:pos x="connsiteX2" y="connsiteY2"/>
-              </a:cxn>
-              <a:cxn ang="0">
-                <a:pos x="connsiteX3" y="connsiteY3"/>
-              </a:cxn>
-            </a:cxnLst>
-            <a:rect l="l" t="t" r="r" b="b"/>
-            <a:pathLst>
-              <a:path w="2835357" h="1480837">
-                <a:moveTo>
-                  <a:pt x="2835357" y="1480837"/>
-                </a:moveTo>
-                <a:lnTo>
-                  <a:pt x="0" y="1480837"/>
-                </a:lnTo>
-                <a:lnTo>
-                  <a:pt x="1552727" y="0"/>
-                </a:lnTo>
-                <a:lnTo>
-                  <a:pt x="2835357" y="1223245"/>
-                </a:lnTo>
-                <a:close/>
-              </a:path>
-            </a:pathLst>
-          </a:custGeom>
-          <a:solidFill>
-            <a:schemeClr val="accent4">
-              <a:alpha val="30000"/>
-            </a:schemeClr>
-          </a:solidFill>
-          <a:ln>
-            <a:noFill/>
-          </a:ln>
-        </p:spPr>
-        <p:style>
-          <a:lnRef idx="2">
-            <a:schemeClr val="accent1">
-              <a:shade val="50000"/>
-            </a:schemeClr>
-          </a:lnRef>
-          <a:fillRef idx="1">
-            <a:schemeClr val="accent1"/>
-          </a:fillRef>
-          <a:effectRef idx="0">
-            <a:schemeClr val="accent1"/>
-          </a:effectRef>
-          <a:fontRef idx="minor">
-            <a:schemeClr val="lt1"/>
-          </a:fontRef>
-        </p:style>
-        <p:txBody>
-          <a:bodyPr wrap="square" rtlCol="0" anchor="ctr">
-            <a:noAutofit/>
-          </a:bodyPr>
-          <a:lstStyle/>
-          <a:p>
-            <a:pPr algn="ctr"/>
-            <a:endParaRPr lang="en-US" dirty="0"/>
-          </a:p>
-        </p:txBody>
-      </p:sp>
-      <p:sp>
-        <p:nvSpPr>
-          <p:cNvPr id="18" name="Isosceles Triangle 17">
-            <a:extLst>
-              <a:ext uri="{FF2B5EF4-FFF2-40B4-BE49-F238E27FC236}">
-                <a16:creationId xmlns:a16="http://schemas.microsoft.com/office/drawing/2014/main" id="{FF9F2414-84E8-453E-B1F3-389FDE8192D9}"/>
-              </a:ext>
-              <a:ext uri="{C183D7F6-B498-43B3-948B-1728B52AA6E4}">
-                <adec:decorative xmlns:adec="http://schemas.microsoft.com/office/drawing/2017/decorative" val="1"/>
-              </a:ext>
-            </a:extLst>
-          </p:cNvPr>
-          <p:cNvSpPr>
-            <a:spLocks noGrp="1" noRot="1" noChangeAspect="1" noMove="1" noResize="1" noEditPoints="1" noAdjustHandles="1" noChangeArrowheads="1" noChangeShapeType="1" noTextEdit="1"/>
-          </p:cNvSpPr>
-          <p:nvPr>
-            <p:extLst>
-              <p:ext uri="{386F3935-93C4-4BCD-93E2-E3B085C9AB24}">
-                <p16:designElem xmlns:p16="http://schemas.microsoft.com/office/powerpoint/2015/main" val="1"/>
-              </p:ext>
-            </p:extLst>
-          </p:nvPr>
-        </p:nvSpPr>
-        <p:spPr>
-          <a:xfrm flipH="1">
-            <a:off x="7976344" y="6115501"/>
-            <a:ext cx="1494513" cy="742499"/>
-          </a:xfrm>
-          <a:prstGeom prst="triangle">
-            <a:avLst/>
-          </a:prstGeom>
-          <a:solidFill>
-            <a:schemeClr val="accent1">
-              <a:alpha val="30000"/>
-            </a:schemeClr>
-          </a:solidFill>
-          <a:ln>
-            <a:noFill/>
-          </a:ln>
-        </p:spPr>
-        <p:style>
-          <a:lnRef idx="2">
-            <a:schemeClr val="accent1">
-              <a:shade val="50000"/>
-            </a:schemeClr>
-          </a:lnRef>
-          <a:fillRef idx="1">
-            <a:schemeClr val="accent1"/>
-          </a:fillRef>
-          <a:effectRef idx="0">
-            <a:schemeClr val="accent1"/>
-          </a:effectRef>
-          <a:fontRef idx="minor">
-            <a:schemeClr val="lt1"/>
-          </a:fontRef>
-        </p:style>
-        <p:txBody>
-          <a:bodyPr rtlCol="0" anchor="ctr"/>
-          <a:lstStyle/>
-          <a:p>
-            <a:pPr algn="ctr"/>
-            <a:endParaRPr lang="en-US"/>
-          </a:p>
-        </p:txBody>
-      </p:sp>
-      <p:sp>
-        <p:nvSpPr>
-          <p:cNvPr id="20" name="Isosceles Triangle 19">
-            <a:extLst>
-              <a:ext uri="{FF2B5EF4-FFF2-40B4-BE49-F238E27FC236}">
-                <a16:creationId xmlns:a16="http://schemas.microsoft.com/office/drawing/2014/main" id="{3ECA69A1-7536-43AC-85EF-C7106179F5ED}"/>
-              </a:ext>
-              <a:ext uri="{C183D7F6-B498-43B3-948B-1728B52AA6E4}">
-                <adec:decorative xmlns:adec="http://schemas.microsoft.com/office/drawing/2017/decorative" val="1"/>
-              </a:ext>
-            </a:extLst>
-          </p:cNvPr>
-          <p:cNvSpPr>
-            <a:spLocks noGrp="1" noRot="1" noChangeAspect="1" noMove="1" noResize="1" noEditPoints="1" noAdjustHandles="1" noChangeArrowheads="1" noChangeShapeType="1" noTextEdit="1"/>
-          </p:cNvSpPr>
-          <p:nvPr>
-            <p:extLst>
-              <p:ext uri="{386F3935-93C4-4BCD-93E2-E3B085C9AB24}">
-                <p16:designElem xmlns:p16="http://schemas.microsoft.com/office/powerpoint/2015/main" val="1"/>
-              </p:ext>
-            </p:extLst>
-          </p:nvPr>
-        </p:nvSpPr>
-        <p:spPr>
-          <a:xfrm flipH="1">
-            <a:off x="7604080" y="6453143"/>
-            <a:ext cx="814903" cy="404857"/>
-          </a:xfrm>
-          <a:prstGeom prst="triangle">
-            <a:avLst/>
-          </a:prstGeom>
-          <a:solidFill>
-            <a:schemeClr val="accent1">
-              <a:alpha val="30000"/>
-            </a:schemeClr>
-          </a:solidFill>
-          <a:ln>
-            <a:noFill/>
-          </a:ln>
-        </p:spPr>
-        <p:style>
-          <a:lnRef idx="2">
-            <a:schemeClr val="accent1">
-              <a:shade val="50000"/>
-            </a:schemeClr>
-          </a:lnRef>
-          <a:fillRef idx="1">
-            <a:schemeClr val="accent1"/>
-          </a:fillRef>
-          <a:effectRef idx="0">
-            <a:schemeClr val="accent1"/>
-          </a:effectRef>
-          <a:fontRef idx="minor">
-            <a:schemeClr val="lt1"/>
-          </a:fontRef>
-        </p:style>
-        <p:txBody>
-          <a:bodyPr rtlCol="0" anchor="ctr"/>
-          <a:lstStyle/>
-          <a:p>
-            <a:pPr algn="ctr"/>
-            <a:endParaRPr lang="en-US"/>
-          </a:p>
-        </p:txBody>
-      </p:sp>
-      <p:sp>
-        <p:nvSpPr>
-          <p:cNvPr id="4" name="TextBox 3">
-            <a:extLst>
-              <a:ext uri="{FF2B5EF4-FFF2-40B4-BE49-F238E27FC236}">
-                <a16:creationId xmlns:a16="http://schemas.microsoft.com/office/drawing/2014/main" id="{775523D8-CAEC-4DFB-B084-BC8DD40E99DD}"/>
-              </a:ext>
-            </a:extLst>
-          </p:cNvPr>
-          <p:cNvSpPr txBox="1"/>
-          <p:nvPr/>
-        </p:nvSpPr>
-        <p:spPr>
-          <a:xfrm>
-            <a:off x="1522098" y="66275"/>
-            <a:ext cx="8865120" cy="1754326"/>
-          </a:xfrm>
-          <a:prstGeom prst="rect">
-            <a:avLst/>
-          </a:prstGeom>
-          <a:noFill/>
-        </p:spPr>
-        <p:txBody>
-          <a:bodyPr wrap="none" rtlCol="0">
-            <a:spAutoFit/>
-          </a:bodyPr>
-          <a:lstStyle/>
-          <a:p>
-            <a:pPr algn="ctr"/>
-            <a:r>
-              <a:rPr lang="en-AU" sz="5400" b="1" dirty="0">
-                <a:solidFill>
-                  <a:schemeClr val="accent6">
-                    <a:lumMod val="75000"/>
-                  </a:schemeClr>
-                </a:solidFill>
-              </a:rPr>
-              <a:t>Western Australia UV Index</a:t>
-            </a:r>
-          </a:p>
-          <a:p>
-            <a:pPr algn="ctr"/>
-            <a:r>
-              <a:rPr lang="en-AU" sz="5400" b="1" dirty="0">
-                <a:solidFill>
-                  <a:schemeClr val="accent6">
-                    <a:lumMod val="75000"/>
-                  </a:schemeClr>
-                </a:solidFill>
-              </a:rPr>
-              <a:t>Analysis Conclusion/Summary</a:t>
-            </a:r>
-          </a:p>
-        </p:txBody>
-      </p:sp>
-      <p:sp>
-        <p:nvSpPr>
-          <p:cNvPr id="7" name="TextBox 6">
-            <a:extLst>
-              <a:ext uri="{FF2B5EF4-FFF2-40B4-BE49-F238E27FC236}">
-                <a16:creationId xmlns:a16="http://schemas.microsoft.com/office/drawing/2014/main" id="{9606B31D-BF23-403C-9DF1-B9C735320B41}"/>
-              </a:ext>
-            </a:extLst>
-          </p:cNvPr>
-          <p:cNvSpPr txBox="1"/>
-          <p:nvPr/>
-        </p:nvSpPr>
-        <p:spPr>
-          <a:xfrm>
-            <a:off x="3786299" y="1929131"/>
-            <a:ext cx="4589070" cy="3231654"/>
-          </a:xfrm>
-          <a:prstGeom prst="rect">
-            <a:avLst/>
-          </a:prstGeom>
-          <a:noFill/>
-          <a:ln>
-            <a:solidFill>
-              <a:schemeClr val="accent1"/>
-            </a:solidFill>
-          </a:ln>
-        </p:spPr>
-        <p:txBody>
-          <a:bodyPr wrap="square" rtlCol="0">
-            <a:spAutoFit/>
-          </a:bodyPr>
-          <a:lstStyle/>
-          <a:p>
-            <a:r>
-              <a:rPr lang="en-AU" sz="2400" b="1" dirty="0"/>
-              <a:t>The highest UV Index in Year 2020</a:t>
-            </a:r>
-          </a:p>
-          <a:p>
-            <a:r>
-              <a:rPr lang="en-AU" dirty="0"/>
-              <a:t>City:             Halls Creek</a:t>
-            </a:r>
-          </a:p>
-          <a:p>
-            <a:r>
-              <a:rPr lang="en-AU" dirty="0"/>
-              <a:t>UV index:   18.21</a:t>
-            </a:r>
-          </a:p>
-          <a:p>
-            <a:r>
-              <a:rPr lang="en-AU" dirty="0"/>
-              <a:t>Date:           20</a:t>
-            </a:r>
-            <a:r>
-              <a:rPr lang="en-AU" baseline="30000" dirty="0"/>
-              <a:t>th</a:t>
-            </a:r>
-            <a:r>
-              <a:rPr lang="en-AU" dirty="0"/>
-              <a:t> December 2020</a:t>
-            </a:r>
-          </a:p>
-          <a:p>
-            <a:endParaRPr lang="en-AU" dirty="0"/>
-          </a:p>
-          <a:p>
-            <a:r>
-              <a:rPr lang="en-AU" i="1" u="sng" dirty="0"/>
-              <a:t>Average UV index in Halls Creek:</a:t>
-            </a:r>
-          </a:p>
-          <a:p>
-            <a:r>
-              <a:rPr lang="en-AU" dirty="0"/>
-              <a:t>Average:  11.74</a:t>
-            </a:r>
-          </a:p>
-          <a:p>
-            <a:r>
-              <a:rPr lang="en-AU" dirty="0"/>
-              <a:t>Winter:    7.6</a:t>
-            </a:r>
-          </a:p>
-          <a:p>
-            <a:r>
-              <a:rPr lang="en-AU" dirty="0"/>
-              <a:t>Spring:     13.43</a:t>
-            </a:r>
-          </a:p>
-          <a:p>
-            <a:r>
-              <a:rPr lang="en-AU" dirty="0"/>
-              <a:t>Summer: 15.30</a:t>
-            </a:r>
-          </a:p>
-          <a:p>
-            <a:r>
-              <a:rPr lang="en-AU" dirty="0"/>
-              <a:t>Autumn:  10.71</a:t>
-            </a:r>
-          </a:p>
-        </p:txBody>
-      </p:sp>
-      <p:pic>
-        <p:nvPicPr>
-          <p:cNvPr id="2" name="Picture 1">
-            <a:extLst>
-              <a:ext uri="{FF2B5EF4-FFF2-40B4-BE49-F238E27FC236}">
-                <a16:creationId xmlns:a16="http://schemas.microsoft.com/office/drawing/2014/main" id="{60AE3730-15EF-42FC-B236-D1C3BA55B583}"/>
-              </a:ext>
-            </a:extLst>
-          </p:cNvPr>
-          <p:cNvPicPr>
-            <a:picLocks noChangeAspect="1"/>
-          </p:cNvPicPr>
-          <p:nvPr/>
-        </p:nvPicPr>
-        <p:blipFill>
-          <a:blip r:embed="rId2"/>
-          <a:stretch>
-            <a:fillRect/>
-          </a:stretch>
-        </p:blipFill>
-        <p:spPr>
-          <a:xfrm>
-            <a:off x="0" y="5309032"/>
-            <a:ext cx="5617018" cy="1548968"/>
-          </a:xfrm>
-          <a:prstGeom prst="rect">
-            <a:avLst/>
-          </a:prstGeom>
-        </p:spPr>
-      </p:pic>
-      <p:pic>
-        <p:nvPicPr>
-          <p:cNvPr id="3" name="Picture 2">
-            <a:extLst>
-              <a:ext uri="{FF2B5EF4-FFF2-40B4-BE49-F238E27FC236}">
-                <a16:creationId xmlns:a16="http://schemas.microsoft.com/office/drawing/2014/main" id="{96BAB319-8EEB-416F-B40C-A26130B75340}"/>
-              </a:ext>
-            </a:extLst>
-          </p:cNvPr>
-          <p:cNvPicPr>
-            <a:picLocks noChangeAspect="1"/>
-          </p:cNvPicPr>
-          <p:nvPr/>
-        </p:nvPicPr>
-        <p:blipFill>
-          <a:blip r:embed="rId3"/>
-          <a:stretch>
-            <a:fillRect/>
-          </a:stretch>
-        </p:blipFill>
-        <p:spPr>
-          <a:xfrm>
-            <a:off x="1835963" y="2103936"/>
-            <a:ext cx="1733550" cy="2638425"/>
+            <a:off x="1353616" y="1877929"/>
+            <a:ext cx="2810878" cy="4278094"/>
           </a:xfrm>
           <a:prstGeom prst="rect">
             <a:avLst/>

--- a/Presentation.pptx
+++ b/Presentation.pptx
@@ -5,7 +5,7 @@
     <p:sldMasterId id="2147483648" r:id="rId1"/>
   </p:sldMasterIdLst>
   <p:notesMasterIdLst>
-    <p:notesMasterId r:id="rId15"/>
+    <p:notesMasterId r:id="rId16"/>
   </p:notesMasterIdLst>
   <p:sldIdLst>
     <p:sldId id="259" r:id="rId2"/>
@@ -21,6 +21,7 @@
     <p:sldId id="271" r:id="rId12"/>
     <p:sldId id="268" r:id="rId13"/>
     <p:sldId id="273" r:id="rId14"/>
+    <p:sldId id="274" r:id="rId15"/>
   </p:sldIdLst>
   <p:sldSz cx="12192000" cy="6858000"/>
   <p:notesSz cx="6858000" cy="9144000"/>
@@ -3815,7 +3816,7 @@
         <p:spPr>
           <a:xfrm>
             <a:off x="8062770" y="1324379"/>
-            <a:ext cx="4129229" cy="2677656"/>
+            <a:ext cx="4129229" cy="3785652"/>
           </a:xfrm>
           <a:prstGeom prst="rect">
             <a:avLst/>
@@ -3837,7 +3838,48 @@
                   <a:srgbClr val="003B46"/>
                 </a:solidFill>
               </a:rPr>
-              <a:t>Tourism WA has engaged our small firm to present the UV index and the temperature weather data for residents and tourists to increase the use of sunscreen and to prevent skin cancer.</a:t>
+              <a:t>Tourism WA has started a campaign to raise awareness of the UV Index values in WA.</a:t>
+            </a:r>
+          </a:p>
+          <a:p>
+            <a:pPr algn="ctr"/>
+            <a:endParaRPr lang="en-US" sz="2400" dirty="0">
+              <a:solidFill>
+                <a:srgbClr val="003B46"/>
+              </a:solidFill>
+            </a:endParaRPr>
+          </a:p>
+          <a:p>
+            <a:pPr algn="ctr"/>
+            <a:r>
+              <a:rPr lang="en-US" sz="2400" dirty="0">
+                <a:solidFill>
+                  <a:srgbClr val="003B46"/>
+                </a:solidFill>
+              </a:rPr>
+              <a:t>They have engaged us to present the UV index and its values to residents and tourists to ensure they</a:t>
+            </a:r>
+          </a:p>
+          <a:p>
+            <a:pPr algn="ctr"/>
+            <a:r>
+              <a:rPr lang="en-US" sz="2400" dirty="0">
+                <a:solidFill>
+                  <a:srgbClr val="003B46"/>
+                </a:solidFill>
+              </a:rPr>
+              <a:t>SLIP, SLOP, SLAP, SEEK, SLIDE</a:t>
+            </a:r>
+          </a:p>
+          <a:p>
+            <a:pPr algn="ctr"/>
+            <a:r>
+              <a:rPr lang="en-US" sz="2400" dirty="0">
+                <a:solidFill>
+                  <a:srgbClr val="003B46"/>
+                </a:solidFill>
+              </a:rPr>
+              <a:t> to prevent skin cancer.</a:t>
             </a:r>
             <a:endParaRPr lang="en-AU" sz="2400" dirty="0">
               <a:solidFill>
@@ -3861,8 +3903,8 @@
         </p:nvSpPr>
         <p:spPr>
           <a:xfrm>
-            <a:off x="8062768" y="4002034"/>
-            <a:ext cx="4129231" cy="2191657"/>
+            <a:off x="8062768" y="5110031"/>
+            <a:ext cx="4129231" cy="1083660"/>
           </a:xfrm>
           <a:prstGeom prst="rect">
             <a:avLst/>
@@ -6206,7 +6248,7 @@
         <p:spPr>
           <a:xfrm>
             <a:off x="536713" y="4180344"/>
-            <a:ext cx="11340548" cy="2677656"/>
+            <a:ext cx="11340548" cy="2308324"/>
           </a:xfrm>
           <a:prstGeom prst="rect">
             <a:avLst/>
@@ -6233,13 +6275,6 @@
             </a:r>
           </a:p>
           <a:p>
-            <a:endParaRPr lang="en-AU" sz="2400" dirty="0">
-              <a:solidFill>
-                <a:srgbClr val="003B46"/>
-              </a:solidFill>
-            </a:endParaRPr>
-          </a:p>
-          <a:p>
             <a:pPr marL="285750" indent="-285750">
               <a:buFont typeface="Arial" panose="020B0604020202020204" pitchFamily="34" charset="0"/>
               <a:buChar char="•"/>
@@ -6258,11 +6293,14 @@
               <a:buFont typeface="Arial" panose="020B0604020202020204" pitchFamily="34" charset="0"/>
               <a:buChar char="•"/>
             </a:pPr>
-            <a:endParaRPr lang="en-AU" sz="2400" dirty="0">
-              <a:solidFill>
-                <a:srgbClr val="003B46"/>
-              </a:solidFill>
-            </a:endParaRPr>
+            <a:r>
+              <a:rPr lang="en-AU" sz="2400" dirty="0">
+                <a:solidFill>
+                  <a:srgbClr val="003B46"/>
+                </a:solidFill>
+              </a:rPr>
+              <a:t>We could have added more layers of information showing the influence of, for example, the cloud coverage on the UV index.</a:t>
+            </a:r>
           </a:p>
           <a:p>
             <a:pPr marL="285750" indent="-285750">
@@ -6275,7 +6313,7 @@
                   <a:srgbClr val="003B46"/>
                 </a:solidFill>
               </a:rPr>
-              <a:t>We could have added more layers of information showing the influence of, for example, the cloud coverage on the UV index.</a:t>
+              <a:t>We could have linked the maps to the filters in the search fields.</a:t>
             </a:r>
           </a:p>
         </p:txBody>
@@ -6284,6 +6322,79 @@
     <p:extLst>
       <p:ext uri="{BB962C8B-B14F-4D97-AF65-F5344CB8AC3E}">
         <p14:creationId xmlns:p14="http://schemas.microsoft.com/office/powerpoint/2010/main" val="1047935463"/>
+      </p:ext>
+    </p:extLst>
+  </p:cSld>
+  <p:clrMapOvr>
+    <a:masterClrMapping/>
+  </p:clrMapOvr>
+</p:sld>
+</file>
+
+<file path=ppt/slides/slide14.xml><?xml version="1.0" encoding="utf-8"?>
+<p:sld xmlns:a="http://schemas.openxmlformats.org/drawingml/2006/main" xmlns:r="http://schemas.openxmlformats.org/officeDocument/2006/relationships" xmlns:p="http://schemas.openxmlformats.org/presentationml/2006/main">
+  <p:cSld>
+    <p:spTree>
+      <p:nvGrpSpPr>
+        <p:cNvPr id="1" name=""/>
+        <p:cNvGrpSpPr/>
+        <p:nvPr/>
+      </p:nvGrpSpPr>
+      <p:grpSpPr>
+        <a:xfrm>
+          <a:off x="0" y="0"/>
+          <a:ext cx="0" cy="0"/>
+          <a:chOff x="0" y="0"/>
+          <a:chExt cx="0" cy="0"/>
+        </a:xfrm>
+      </p:grpSpPr>
+      <p:sp>
+        <p:nvSpPr>
+          <p:cNvPr id="2" name="TextBox 1">
+            <a:extLst>
+              <a:ext uri="{FF2B5EF4-FFF2-40B4-BE49-F238E27FC236}">
+                <a16:creationId xmlns:a16="http://schemas.microsoft.com/office/drawing/2014/main" id="{7F4050F2-C7CD-3B45-B37B-E87A14A33A17}"/>
+              </a:ext>
+            </a:extLst>
+          </p:cNvPr>
+          <p:cNvSpPr txBox="1"/>
+          <p:nvPr/>
+        </p:nvSpPr>
+        <p:spPr>
+          <a:xfrm>
+            <a:off x="878909" y="2767280"/>
+            <a:ext cx="10434181" cy="1323439"/>
+          </a:xfrm>
+          <a:prstGeom prst="rect">
+            <a:avLst/>
+          </a:prstGeom>
+          <a:solidFill>
+            <a:srgbClr val="66A5AD"/>
+          </a:solidFill>
+        </p:spPr>
+        <p:txBody>
+          <a:bodyPr wrap="square" rtlCol="0">
+            <a:spAutoFit/>
+          </a:bodyPr>
+          <a:lstStyle/>
+          <a:p>
+            <a:pPr algn="ctr"/>
+            <a:r>
+              <a:rPr lang="en-US" sz="8000" dirty="0">
+                <a:solidFill>
+                  <a:srgbClr val="003B46"/>
+                </a:solidFill>
+                <a:latin typeface="+mj-lt"/>
+              </a:rPr>
+              <a:t>??   Questions   ??</a:t>
+            </a:r>
+          </a:p>
+        </p:txBody>
+      </p:sp>
+    </p:spTree>
+    <p:extLst>
+      <p:ext uri="{BB962C8B-B14F-4D97-AF65-F5344CB8AC3E}">
+        <p14:creationId xmlns:p14="http://schemas.microsoft.com/office/powerpoint/2010/main" val="846242434"/>
       </p:ext>
     </p:extLst>
   </p:cSld>
@@ -8086,7 +8197,7 @@
                   <a:srgbClr val="003B46"/>
                 </a:solidFill>
               </a:rPr>
-              <a:t>Current UV Index of today</a:t>
+              <a:t>Health advice</a:t>
             </a:r>
           </a:p>
           <a:p>
@@ -8114,7 +8225,7 @@
                   <a:srgbClr val="003B46"/>
                 </a:solidFill>
               </a:rPr>
-              <a:t>7-day forecast</a:t>
+              <a:t>Current UV Index of today</a:t>
             </a:r>
           </a:p>
           <a:p>
@@ -8128,7 +8239,7 @@
                   <a:srgbClr val="003B46"/>
                 </a:solidFill>
               </a:rPr>
-              <a:t>Health advice</a:t>
+              <a:t>7-day forecast</a:t>
             </a:r>
           </a:p>
         </p:txBody>
@@ -8203,8 +8314,8 @@
         </p:nvSpPr>
         <p:spPr>
           <a:xfrm>
-            <a:off x="8408504" y="4087428"/>
-            <a:ext cx="3783495" cy="1109712"/>
+            <a:off x="8408504" y="4101210"/>
+            <a:ext cx="3783495" cy="1095930"/>
           </a:xfrm>
           <a:prstGeom prst="rect">
             <a:avLst/>
